--- a/Poster/2024_07 Poster_Novak.pptx
+++ b/Poster/2024_07 Poster_Novak.pptx
@@ -8729,7 +8729,7 @@
         <p:spPr>
           <a:xfrm>
             <a:off x="32133649" y="18259752"/>
-            <a:ext cx="9642475" cy="6317870"/>
+            <a:ext cx="9642475" cy="8327126"/>
           </a:xfrm>
           <a:prstGeom prst="rect">
             <a:avLst/>
@@ -8908,66 +8908,6 @@
               <a:lnSpc>
                 <a:spcPct val="97000"/>
               </a:lnSpc>
-            </a:pPr>
-            <a:r>
-              <a:rPr lang="en-US" b="1" dirty="0"/>
-              <a:t>Authors (30 Pt. bold)</a:t>
-            </a:r>
-          </a:p>
-          <a:p>
-            <a:pPr>
-              <a:lnSpc>
-                <a:spcPct val="97000"/>
-              </a:lnSpc>
-            </a:pPr>
-            <a:r>
-              <a:rPr lang="en-US" dirty="0"/>
-              <a:t>Author 1, Author 2, Author 3</a:t>
-            </a:r>
-          </a:p>
-          <a:p>
-            <a:pPr>
-              <a:lnSpc>
-                <a:spcPct val="97000"/>
-              </a:lnSpc>
-            </a:pPr>
-            <a:r>
-              <a:rPr lang="en-US" dirty="0"/>
-              <a:t>1 University unit</a:t>
-            </a:r>
-          </a:p>
-          <a:p>
-            <a:pPr>
-              <a:lnSpc>
-                <a:spcPct val="97000"/>
-              </a:lnSpc>
-            </a:pPr>
-            <a:r>
-              <a:rPr lang="en-US" dirty="0"/>
-              <a:t>2 University unit</a:t>
-            </a:r>
-          </a:p>
-          <a:p>
-            <a:pPr>
-              <a:lnSpc>
-                <a:spcPct val="97000"/>
-              </a:lnSpc>
-            </a:pPr>
-            <a:endParaRPr lang="en-US" dirty="0"/>
-          </a:p>
-          <a:p>
-            <a:pPr>
-              <a:lnSpc>
-                <a:spcPct val="97000"/>
-              </a:lnSpc>
-            </a:pPr>
-            <a:endParaRPr lang="en-US" dirty="0"/>
-          </a:p>
-          <a:p>
-            <a:pPr>
-              <a:lnSpc>
-                <a:spcPct val="97000"/>
-              </a:lnSpc>
               <a:spcBef>
                 <a:spcPts val="600"/>
               </a:spcBef>
@@ -9027,7 +8967,101 @@
                 <a:spcPct val="97000"/>
               </a:lnSpc>
             </a:pPr>
+            <a:endParaRPr lang="cs-CZ" dirty="0"/>
+          </a:p>
+          <a:p>
+            <a:pPr>
+              <a:lnSpc>
+                <a:spcPct val="97000"/>
+              </a:lnSpc>
+            </a:pPr>
+            <a:endParaRPr lang="cs-CZ" dirty="0"/>
+          </a:p>
+          <a:p>
+            <a:pPr>
+              <a:lnSpc>
+                <a:spcPct val="97000"/>
+              </a:lnSpc>
+            </a:pPr>
+            <a:endParaRPr lang="cs-CZ" dirty="0"/>
+          </a:p>
+          <a:p>
+            <a:pPr>
+              <a:lnSpc>
+                <a:spcPct val="97000"/>
+              </a:lnSpc>
+            </a:pPr>
+            <a:endParaRPr lang="cs-CZ" dirty="0"/>
+          </a:p>
+          <a:p>
+            <a:pPr>
+              <a:lnSpc>
+                <a:spcPct val="97000"/>
+              </a:lnSpc>
+            </a:pPr>
+            <a:endParaRPr lang="cs-CZ" dirty="0"/>
+          </a:p>
+          <a:p>
+            <a:pPr>
+              <a:lnSpc>
+                <a:spcPct val="97000"/>
+              </a:lnSpc>
+            </a:pPr>
+            <a:endParaRPr lang="cs-CZ" dirty="0"/>
+          </a:p>
+          <a:p>
+            <a:pPr>
+              <a:lnSpc>
+                <a:spcPct val="97000"/>
+              </a:lnSpc>
+            </a:pPr>
+            <a:endParaRPr lang="cs-CZ" dirty="0"/>
+          </a:p>
+          <a:p>
+            <a:pPr>
+              <a:lnSpc>
+                <a:spcPct val="97000"/>
+              </a:lnSpc>
+            </a:pPr>
+            <a:endParaRPr lang="cs-CZ" dirty="0"/>
+          </a:p>
+          <a:p>
+            <a:pPr>
+              <a:lnSpc>
+                <a:spcPct val="97000"/>
+              </a:lnSpc>
+            </a:pPr>
             <a:endParaRPr lang="en-US" dirty="0"/>
+          </a:p>
+          <a:p>
+            <a:pPr>
+              <a:lnSpc>
+                <a:spcPct val="97000"/>
+              </a:lnSpc>
+            </a:pPr>
+            <a:r>
+              <a:rPr lang="en-US" b="1" dirty="0"/>
+              <a:t>Acknowledgments</a:t>
+            </a:r>
+          </a:p>
+          <a:p>
+            <a:pPr>
+              <a:lnSpc>
+                <a:spcPct val="97000"/>
+              </a:lnSpc>
+            </a:pPr>
+            <a:r>
+              <a:rPr lang="en-US" dirty="0"/>
+              <a:t>This work was funded by the Swiss National Science Foundation with grant number 211751: "</a:t>
+            </a:r>
+            <a:r>
+              <a:rPr lang="en-US" i="1" dirty="0"/>
+              <a:t>Harnessing event and longitudinal data in industry and health sector through privacy preserving technologies</a:t>
+            </a:r>
+            <a:r>
+              <a:rPr lang="en-US" dirty="0"/>
+              <a:t>".</a:t>
+            </a:r>
           </a:p>
           <a:p>
             <a:pPr>
@@ -9046,10 +9080,7 @@
                 <a:spcPts val="600"/>
               </a:spcBef>
             </a:pPr>
-            <a:r>
-              <a:rPr lang="en-US" b="1" dirty="0"/>
-              <a:t>References</a:t>
-            </a:r>
+            <a:endParaRPr lang="en-US" b="1" dirty="0"/>
           </a:p>
           <a:p>
             <a:pPr>
@@ -9061,154 +9092,6 @@
           </a:p>
         </p:txBody>
       </p:sp>
-      <p:graphicFrame>
-        <p:nvGraphicFramePr>
-          <p:cNvPr id="22" name="Tabelle 22">
-            <a:extLst>
-              <a:ext uri="{FF2B5EF4-FFF2-40B4-BE49-F238E27FC236}">
-                <a16:creationId xmlns:a16="http://schemas.microsoft.com/office/drawing/2014/main" id="{F70EFC6B-675B-C708-5167-AFF995BC37FC}"/>
-              </a:ext>
-            </a:extLst>
-          </p:cNvPr>
-          <p:cNvGraphicFramePr>
-            <a:graphicFrameLocks noGrp="1"/>
-          </p:cNvGraphicFramePr>
-          <p:nvPr>
-            <p:extLst>
-              <p:ext uri="{D42A27DB-BD31-4B8C-83A1-F6EECF244321}">
-                <p14:modId xmlns:p14="http://schemas.microsoft.com/office/powerpoint/2010/main" val="1741278278"/>
-              </p:ext>
-            </p:extLst>
-          </p:nvPr>
-        </p:nvGraphicFramePr>
-        <p:xfrm>
-          <a:off x="32122578" y="24577622"/>
-          <a:ext cx="9638046" cy="1828800"/>
-        </p:xfrm>
-        <a:graphic>
-          <a:graphicData uri="http://schemas.openxmlformats.org/drawingml/2006/table">
-            <a:tbl>
-              <a:tblPr firstRow="1" bandRow="1">
-                <a:tableStyleId>{2D5ABB26-0587-4C30-8999-92F81FD0307C}</a:tableStyleId>
-              </a:tblPr>
-              <a:tblGrid>
-                <a:gridCol w="348857">
-                  <a:extLst>
-                    <a:ext uri="{9D8B030D-6E8A-4147-A177-3AD203B41FA5}">
-                      <a16:colId xmlns:a16="http://schemas.microsoft.com/office/drawing/2014/main" val="3211027158"/>
-                    </a:ext>
-                  </a:extLst>
-                </a:gridCol>
-                <a:gridCol w="9289189">
-                  <a:extLst>
-                    <a:ext uri="{9D8B030D-6E8A-4147-A177-3AD203B41FA5}">
-                      <a16:colId xmlns:a16="http://schemas.microsoft.com/office/drawing/2014/main" val="268030506"/>
-                    </a:ext>
-                  </a:extLst>
-                </a:gridCol>
-              </a:tblGrid>
-              <a:tr h="902935">
-                <a:tc>
-                  <a:txBody>
-                    <a:bodyPr/>
-                    <a:lstStyle/>
-                    <a:p>
-                      <a:pPr algn="l"/>
-                      <a:r>
-                        <a:rPr lang="de-CH" sz="2000" dirty="0"/>
-                        <a:t>1</a:t>
-                      </a:r>
-                    </a:p>
-                  </a:txBody>
-                  <a:tcPr marL="0" marR="0" marT="0" marB="0"/>
-                </a:tc>
-                <a:tc>
-                  <a:txBody>
-                    <a:bodyPr/>
-                    <a:lstStyle/>
-                    <a:p>
-                      <a:pPr algn="l"/>
-                      <a:r>
-                        <a:rPr lang="de-CH" sz="2000" dirty="0"/>
-                        <a:t>Text</a:t>
-                      </a:r>
-                    </a:p>
-                    <a:p>
-                      <a:pPr algn="l"/>
-                      <a:r>
-                        <a:rPr lang="de-CH" sz="2000" dirty="0"/>
-                        <a:t>Text</a:t>
-                      </a:r>
-                    </a:p>
-                    <a:p>
-                      <a:pPr algn="l"/>
-                      <a:r>
-                        <a:rPr lang="de-CH" sz="2000" dirty="0"/>
-                        <a:t>Text</a:t>
-                      </a:r>
-                    </a:p>
-                  </a:txBody>
-                  <a:tcPr marL="0" marR="0" marT="0" marB="0"/>
-                </a:tc>
-                <a:extLst>
-                  <a:ext uri="{0D108BD9-81ED-4DB2-BD59-A6C34878D82A}">
-                    <a16:rowId xmlns:a16="http://schemas.microsoft.com/office/drawing/2014/main" val="2762616833"/>
-                  </a:ext>
-                </a:extLst>
-              </a:tr>
-              <a:tr h="902935">
-                <a:tc>
-                  <a:txBody>
-                    <a:bodyPr/>
-                    <a:lstStyle/>
-                    <a:p>
-                      <a:pPr algn="l"/>
-                      <a:r>
-                        <a:rPr lang="de-CH" sz="2000" dirty="0"/>
-                        <a:t>2</a:t>
-                      </a:r>
-                    </a:p>
-                  </a:txBody>
-                  <a:tcPr marL="0" marR="0" marT="0" marB="0"/>
-                </a:tc>
-                <a:tc>
-                  <a:txBody>
-                    <a:bodyPr/>
-                    <a:lstStyle/>
-                    <a:p>
-                      <a:pPr algn="l"/>
-                      <a:r>
-                        <a:rPr lang="de-CH" sz="2000" dirty="0"/>
-                        <a:t>Text</a:t>
-                      </a:r>
-                    </a:p>
-                    <a:p>
-                      <a:pPr algn="l"/>
-                      <a:r>
-                        <a:rPr lang="de-CH" sz="2000" dirty="0"/>
-                        <a:t>Text</a:t>
-                      </a:r>
-                    </a:p>
-                    <a:p>
-                      <a:pPr algn="l"/>
-                      <a:r>
-                        <a:rPr lang="de-CH" sz="2000" dirty="0"/>
-                        <a:t>Text</a:t>
-                      </a:r>
-                    </a:p>
-                  </a:txBody>
-                  <a:tcPr marL="0" marR="0" marT="0" marB="0"/>
-                </a:tc>
-                <a:extLst>
-                  <a:ext uri="{0D108BD9-81ED-4DB2-BD59-A6C34878D82A}">
-                    <a16:rowId xmlns:a16="http://schemas.microsoft.com/office/drawing/2014/main" val="27909126"/>
-                  </a:ext>
-                </a:extLst>
-              </a:tr>
-            </a:tbl>
-          </a:graphicData>
-        </a:graphic>
-      </p:graphicFrame>
       <p:pic>
         <p:nvPicPr>
           <p:cNvPr id="4" name="Obrázek 3" descr="Obsah obrázku Lidská tvář, osoba, oblečení, úsměv&#10;&#10;Popis byl vytvořen automaticky">
@@ -9436,8 +9319,8 @@
         </p:nvSpPr>
         <p:spPr>
           <a:xfrm>
-            <a:off x="2" y="426454"/>
-            <a:ext cx="21777878" cy="8132054"/>
+            <a:off x="1" y="0"/>
+            <a:ext cx="24498223" cy="8558508"/>
           </a:xfrm>
         </p:spPr>
         <p:txBody>
@@ -9445,48 +9328,12 @@
           <a:lstStyle/>
           <a:p>
             <a:r>
-              <a:rPr lang="en-US" sz="12500" dirty="0"/>
+              <a:rPr lang="en-US" dirty="0"/>
               <a:t>Anonymization of data for open science in psychology</a:t>
             </a:r>
           </a:p>
         </p:txBody>
       </p:sp>
-      <p:pic>
-        <p:nvPicPr>
-          <p:cNvPr id="26" name="Obrázek 25" descr="Obsah obrázku vzor, Symetrie, čtverec, design&#10;&#10;Popis byl vytvořen automaticky">
-            <a:extLst>
-              <a:ext uri="{FF2B5EF4-FFF2-40B4-BE49-F238E27FC236}">
-                <a16:creationId xmlns:a16="http://schemas.microsoft.com/office/drawing/2014/main" id="{FE350B9C-8AF5-C694-0069-20C87EB61BA3}"/>
-              </a:ext>
-            </a:extLst>
-          </p:cNvPr>
-          <p:cNvPicPr>
-            <a:picLocks noChangeAspect="1"/>
-          </p:cNvPicPr>
-          <p:nvPr/>
-        </p:nvPicPr>
-        <p:blipFill>
-          <a:blip r:embed="rId8" cstate="print">
-            <a:extLst>
-              <a:ext uri="{28A0092B-C50C-407E-A947-70E740481C1C}">
-                <a14:useLocalDpi xmlns:a14="http://schemas.microsoft.com/office/drawing/2010/main" val="0"/>
-              </a:ext>
-            </a:extLst>
-          </a:blip>
-          <a:stretch>
-            <a:fillRect/>
-          </a:stretch>
-        </p:blipFill>
-        <p:spPr>
-          <a:xfrm>
-            <a:off x="29106737" y="833419"/>
-            <a:ext cx="3607012" cy="3607012"/>
-          </a:xfrm>
-          <a:prstGeom prst="rect">
-            <a:avLst/>
-          </a:prstGeom>
-        </p:spPr>
-      </p:pic>
       <p:sp>
         <p:nvSpPr>
           <p:cNvPr id="28" name="TextBox 18">
@@ -9501,7 +9348,7 @@
         </p:nvSpPr>
         <p:spPr>
           <a:xfrm>
-            <a:off x="37472925" y="1766484"/>
+            <a:off x="37463285" y="2306144"/>
             <a:ext cx="4284674" cy="1569660"/>
           </a:xfrm>
           <a:prstGeom prst="rect">
@@ -9640,7 +9487,7 @@
         </p:nvCxnSpPr>
         <p:spPr>
           <a:xfrm flipH="1">
-            <a:off x="33158540" y="2532380"/>
+            <a:off x="33148900" y="3072040"/>
             <a:ext cx="1420805" cy="0"/>
           </a:xfrm>
           <a:prstGeom prst="straightConnector1">
@@ -9684,7 +9531,7 @@
           <p:nvPr/>
         </p:nvPicPr>
         <p:blipFill rotWithShape="1">
-          <a:blip r:embed="rId9">
+          <a:blip r:embed="rId8">
             <a:extLst>
               <a:ext uri="{28A0092B-C50C-407E-A947-70E740481C1C}">
                 <a14:useLocalDpi xmlns:a14="http://schemas.microsoft.com/office/drawing/2010/main" val="0"/>
@@ -9696,7 +9543,7 @@
         </p:blipFill>
         <p:spPr bwMode="auto">
           <a:xfrm>
-            <a:off x="34938020" y="445387"/>
+            <a:off x="34928380" y="985047"/>
             <a:ext cx="2176229" cy="4211853"/>
           </a:xfrm>
           <a:prstGeom prst="rect">
@@ -9712,6 +9559,42 @@
               </a14:hiddenFill>
             </a:ext>
           </a:extLst>
+        </p:spPr>
+      </p:pic>
+      <p:pic>
+        <p:nvPicPr>
+          <p:cNvPr id="30" name="Obrázek 29" descr="Obsah obrázku vzor, steh&#10;&#10;Popis byl vytvořen automaticky">
+            <a:extLst>
+              <a:ext uri="{FF2B5EF4-FFF2-40B4-BE49-F238E27FC236}">
+                <a16:creationId xmlns:a16="http://schemas.microsoft.com/office/drawing/2014/main" id="{1B49D67A-E60A-D0AE-3FD3-2E75F2ABB3AB}"/>
+              </a:ext>
+            </a:extLst>
+          </p:cNvPr>
+          <p:cNvPicPr>
+            <a:picLocks noChangeAspect="1"/>
+          </p:cNvPicPr>
+          <p:nvPr/>
+        </p:nvPicPr>
+        <p:blipFill>
+          <a:blip r:embed="rId9" cstate="print">
+            <a:extLst>
+              <a:ext uri="{28A0092B-C50C-407E-A947-70E740481C1C}">
+                <a14:useLocalDpi xmlns:a14="http://schemas.microsoft.com/office/drawing/2010/main" val="0"/>
+              </a:ext>
+            </a:extLst>
+          </a:blip>
+          <a:stretch>
+            <a:fillRect/>
+          </a:stretch>
+        </p:blipFill>
+        <p:spPr>
+          <a:xfrm>
+            <a:off x="28601059" y="996390"/>
+            <a:ext cx="4189165" cy="4189165"/>
+          </a:xfrm>
+          <a:prstGeom prst="rect">
+            <a:avLst/>
+          </a:prstGeom>
         </p:spPr>
       </p:pic>
     </p:spTree>
@@ -10515,6 +10398,15 @@
 </file>
 
 <file path=customXml/item1.xml><?xml version="1.0" encoding="utf-8"?>
+<?mso-contentType ?>
+<FormTemplates xmlns="http://schemas.microsoft.com/sharepoint/v3/contenttype/forms">
+  <Display>DocumentLibraryForm</Display>
+  <Edit>DocumentLibraryForm</Edit>
+  <New>DocumentLibraryForm</New>
+</FormTemplates>
+</file>
+
+<file path=customXml/item2.xml><?xml version="1.0" encoding="utf-8"?>
 <ct:contentTypeSchema xmlns:ct="http://schemas.microsoft.com/office/2006/metadata/contentType" xmlns:ma="http://schemas.microsoft.com/office/2006/metadata/properties/metaAttributes" ct:_="" ma:_="" ma:contentTypeName="Dokument" ma:contentTypeID="0x0101000E594130A2AF244FBF3F304D904ED593" ma:contentTypeVersion="18" ma:contentTypeDescription="Ein neues Dokument erstellen." ma:contentTypeScope="" ma:versionID="9c227ad3ab8d826471e210bb857ebfda">
   <xsd:schema xmlns:xsd="http://www.w3.org/2001/XMLSchema" xmlns:xs="http://www.w3.org/2001/XMLSchema" xmlns:p="http://schemas.microsoft.com/office/2006/metadata/properties" xmlns:ns2="c9077d15-72ed-4fec-bcfe-3472729e9195" xmlns:ns3="bc24777f-78b6-4f3c-a73a-d5fa08e4d537" targetNamespace="http://schemas.microsoft.com/office/2006/metadata/properties" ma:root="true" ma:fieldsID="2a0acd45fe6cc66a06723547185abeb0" ns2:_="" ns3:_="">
     <xsd:import namespace="c9077d15-72ed-4fec-bcfe-3472729e9195"/>
@@ -10769,15 +10661,6 @@
 </ct:contentTypeSchema>
 </file>
 
-<file path=customXml/item2.xml><?xml version="1.0" encoding="utf-8"?>
-<?mso-contentType ?>
-<FormTemplates xmlns="http://schemas.microsoft.com/sharepoint/v3/contenttype/forms">
-  <Display>DocumentLibraryForm</Display>
-  <Edit>DocumentLibraryForm</Edit>
-  <New>DocumentLibraryForm</New>
-</FormTemplates>
-</file>
-
 <file path=customXml/item3.xml><?xml version="1.0" encoding="utf-8"?>
 <p:properties xmlns:p="http://schemas.microsoft.com/office/2006/metadata/properties" xmlns:xsi="http://www.w3.org/2001/XMLSchema-instance" xmlns:pc="http://schemas.microsoft.com/office/infopath/2007/PartnerControls">
   <documentManagement>
@@ -10790,6 +10673,14 @@
 </file>
 
 <file path=customXml/itemProps1.xml><?xml version="1.0" encoding="utf-8"?>
+<ds:datastoreItem xmlns:ds="http://schemas.openxmlformats.org/officeDocument/2006/customXml" ds:itemID="{4B6B7BE2-63AD-4C37-AC44-F0E4FC348E24}">
+  <ds:schemaRefs>
+    <ds:schemaRef ds:uri="http://schemas.microsoft.com/sharepoint/v3/contenttype/forms"/>
+  </ds:schemaRefs>
+</ds:datastoreItem>
+</file>
+
+<file path=customXml/itemProps2.xml><?xml version="1.0" encoding="utf-8"?>
 <ds:datastoreItem xmlns:ds="http://schemas.openxmlformats.org/officeDocument/2006/customXml" ds:itemID="{1C2D9219-73E3-4032-AA3E-BE76EE84DC43}">
   <ds:schemaRefs>
     <ds:schemaRef ds:uri="http://schemas.microsoft.com/office/2006/metadata/contentType"/>
@@ -10804,14 +10695,6 @@
     <ds:schemaRef ds:uri="http://purl.org/dc/elements/1.1/"/>
     <ds:schemaRef ds:uri="http://purl.org/dc/terms/"/>
     <ds:schemaRef ds:uri="http://schemas.microsoft.com/internal/obd"/>
-  </ds:schemaRefs>
-</ds:datastoreItem>
-</file>
-
-<file path=customXml/itemProps2.xml><?xml version="1.0" encoding="utf-8"?>
-<ds:datastoreItem xmlns:ds="http://schemas.openxmlformats.org/officeDocument/2006/customXml" ds:itemID="{4B6B7BE2-63AD-4C37-AC44-F0E4FC348E24}">
-  <ds:schemaRefs>
-    <ds:schemaRef ds:uri="http://schemas.microsoft.com/sharepoint/v3/contenttype/forms"/>
   </ds:schemaRefs>
 </ds:datastoreItem>
 </file>

--- a/Poster/2024_07 Poster_Novak.pptx
+++ b/Poster/2024_07 Poster_Novak.pptx
@@ -124,7 +124,7 @@
 <file path=ppt/charts/chart1.xml><?xml version="1.0" encoding="utf-8"?>
 <c:chartSpace xmlns:c="http://schemas.openxmlformats.org/drawingml/2006/chart" xmlns:a="http://schemas.openxmlformats.org/drawingml/2006/main" xmlns:r="http://schemas.openxmlformats.org/officeDocument/2006/relationships" xmlns:c16r2="http://schemas.microsoft.com/office/drawing/2015/06/chart">
   <c:date1904 val="0"/>
-  <c:lang val="cs-CZ"/>
+  <c:lang val="en-US"/>
   <c:roundedCorners val="0"/>
   <mc:AlternateContent xmlns:mc="http://schemas.openxmlformats.org/markup-compatibility/2006">
     <mc:Choice xmlns:c14="http://schemas.microsoft.com/office/drawing/2007/8/2/chart" Requires="c14">
@@ -1166,7 +1166,7 @@
           <a:p>
             <a:fld id="{EEC665CA-D682-48EC-95D2-126FD6449D65}" type="datetime1">
               <a:rPr lang="de-CH" sz="900" smtClean="0"/>
-              <a:t>06.06.2024</a:t>
+              <a:t>09.06.2024</a:t>
             </a:fld>
             <a:endParaRPr lang="de-CH" sz="900"/>
           </a:p>
@@ -1468,7 +1468,7 @@
           <a:p>
             <a:fld id="{A17AAF7D-4283-4014-80F4-26E915FEACF8}" type="datetime1">
               <a:rPr lang="de-CH" smtClean="0"/>
-              <a:t>06.06.2024</a:t>
+              <a:t>09.06.2024</a:t>
             </a:fld>
             <a:endParaRPr lang="de-CH" dirty="0"/>
           </a:p>
@@ -4055,232 +4055,24 @@
           <a:p>
             <a:r>
               <a:rPr lang="en-US" dirty="0"/>
-              <a:t>Lorem ipsum dolor sit </a:t>
-            </a:r>
-            <a:r>
-              <a:rPr lang="en-US" dirty="0" err="1"/>
-              <a:t>amet</a:t>
-            </a:r>
-            <a:r>
-              <a:rPr lang="en-US" dirty="0"/>
-              <a:t>, </a:t>
-            </a:r>
-            <a:r>
-              <a:rPr lang="en-US" dirty="0" err="1"/>
-              <a:t>consectetuer</a:t>
-            </a:r>
-            <a:r>
-              <a:rPr lang="en-US" dirty="0"/>
+              <a:t>BACKGROUND:</a:t>
+            </a:r>
+            <a:r>
+              <a:rPr lang="cs-CZ" dirty="0"/>
               <a:t> </a:t>
             </a:r>
             <a:r>
-              <a:rPr lang="en-US" dirty="0" err="1"/>
-              <a:t>adipiscing</a:t>
-            </a:r>
-            <a:r>
-              <a:rPr lang="en-US" dirty="0"/>
+              <a:rPr lang="en-US" b="0" dirty="0"/>
+              <a:t>There is a great demand for making more research data openly available.</a:t>
+            </a:r>
+            <a:r>
+              <a:rPr lang="cs-CZ" b="0" dirty="0"/>
               <a:t> </a:t>
             </a:r>
             <a:r>
-              <a:rPr lang="en-US" dirty="0" err="1"/>
-              <a:t>elit</a:t>
-            </a:r>
-            <a:r>
-              <a:rPr lang="en-US" dirty="0"/>
-              <a:t>. Maecenas </a:t>
-            </a:r>
-            <a:r>
-              <a:rPr lang="en-US" dirty="0" err="1"/>
-              <a:t>porttitor</a:t>
-            </a:r>
-            <a:r>
-              <a:rPr lang="en-US" dirty="0"/>
-              <a:t> </a:t>
-            </a:r>
-            <a:r>
-              <a:rPr lang="en-US" dirty="0" err="1"/>
-              <a:t>congue</a:t>
-            </a:r>
-            <a:r>
-              <a:rPr lang="en-US" dirty="0"/>
-              <a:t> </a:t>
-            </a:r>
-            <a:r>
-              <a:rPr lang="en-US" dirty="0" err="1"/>
-              <a:t>massa</a:t>
-            </a:r>
-            <a:r>
-              <a:rPr lang="en-US" dirty="0"/>
-              <a:t>. </a:t>
-            </a:r>
-            <a:r>
-              <a:rPr lang="en-US" dirty="0" err="1"/>
-              <a:t>Fusce</a:t>
-            </a:r>
-            <a:r>
-              <a:rPr lang="en-US" dirty="0"/>
-              <a:t> </a:t>
-            </a:r>
-            <a:r>
-              <a:rPr lang="en-US" dirty="0" err="1"/>
-              <a:t>posuere</a:t>
-            </a:r>
-            <a:r>
-              <a:rPr lang="en-US" dirty="0"/>
-              <a:t>, magna sed pulvinar </a:t>
-            </a:r>
-            <a:r>
-              <a:rPr lang="en-US" dirty="0" err="1"/>
-              <a:t>ultricies</a:t>
-            </a:r>
-            <a:r>
-              <a:rPr lang="en-US" dirty="0"/>
-              <a:t>, </a:t>
-            </a:r>
-            <a:r>
-              <a:rPr lang="en-US" dirty="0" err="1"/>
-              <a:t>purus</a:t>
-            </a:r>
-            <a:r>
-              <a:rPr lang="en-US" dirty="0"/>
-              <a:t> </a:t>
-            </a:r>
-            <a:r>
-              <a:rPr lang="en-US" dirty="0" err="1"/>
-              <a:t>lectus</a:t>
-            </a:r>
-            <a:r>
-              <a:rPr lang="en-US" dirty="0"/>
-              <a:t> </a:t>
-            </a:r>
-            <a:r>
-              <a:rPr lang="en-US" dirty="0" err="1"/>
-              <a:t>malesuada</a:t>
-            </a:r>
-            <a:r>
-              <a:rPr lang="en-US" dirty="0"/>
-              <a:t> libero, sit </a:t>
-            </a:r>
-            <a:r>
-              <a:rPr lang="en-US" dirty="0" err="1"/>
-              <a:t>amet</a:t>
-            </a:r>
-            <a:r>
-              <a:rPr lang="en-US" dirty="0"/>
-              <a:t> </a:t>
-            </a:r>
-            <a:r>
-              <a:rPr lang="en-US" dirty="0" err="1"/>
-              <a:t>commodo</a:t>
-            </a:r>
-            <a:r>
-              <a:rPr lang="en-US" dirty="0"/>
-              <a:t> magna eros </a:t>
-            </a:r>
-            <a:r>
-              <a:rPr lang="en-US" dirty="0" err="1"/>
-              <a:t>quis</a:t>
-            </a:r>
-            <a:r>
-              <a:rPr lang="en-US" dirty="0"/>
-              <a:t> </a:t>
-            </a:r>
-            <a:r>
-              <a:rPr lang="en-US" dirty="0" err="1"/>
-              <a:t>urna</a:t>
-            </a:r>
-            <a:r>
-              <a:rPr lang="en-US" dirty="0"/>
-              <a:t>.</a:t>
-            </a:r>
-          </a:p>
-          <a:p>
-            <a:r>
-              <a:rPr lang="en-US" dirty="0"/>
-              <a:t>Lorem ipsum dolor sit </a:t>
-            </a:r>
-            <a:r>
-              <a:rPr lang="en-US" dirty="0" err="1"/>
-              <a:t>amet</a:t>
-            </a:r>
-            <a:r>
-              <a:rPr lang="en-US" dirty="0"/>
-              <a:t>, </a:t>
-            </a:r>
-            <a:r>
-              <a:rPr lang="en-US" dirty="0" err="1"/>
-              <a:t>consectetuer</a:t>
-            </a:r>
-            <a:r>
-              <a:rPr lang="en-US" dirty="0"/>
-              <a:t> </a:t>
-            </a:r>
-            <a:r>
-              <a:rPr lang="en-US" dirty="0" err="1"/>
-              <a:t>adipiscing</a:t>
-            </a:r>
-            <a:r>
-              <a:rPr lang="en-US" dirty="0"/>
-              <a:t> </a:t>
-            </a:r>
-            <a:r>
-              <a:rPr lang="en-US" dirty="0" err="1"/>
-              <a:t>elit</a:t>
-            </a:r>
-            <a:r>
-              <a:rPr lang="en-US" dirty="0"/>
-              <a:t>. Maecenas </a:t>
-            </a:r>
-            <a:r>
-              <a:rPr lang="en-US" dirty="0" err="1"/>
-              <a:t>porttitor</a:t>
-            </a:r>
-            <a:r>
-              <a:rPr lang="en-US" dirty="0"/>
-              <a:t> </a:t>
-            </a:r>
-            <a:r>
-              <a:rPr lang="en-US" dirty="0" err="1"/>
-              <a:t>congue</a:t>
-            </a:r>
-            <a:r>
-              <a:rPr lang="en-US" dirty="0"/>
-              <a:t>. Lorem ipsum dolor sit </a:t>
-            </a:r>
-            <a:r>
-              <a:rPr lang="en-US" dirty="0" err="1"/>
-              <a:t>amet</a:t>
-            </a:r>
-            <a:r>
-              <a:rPr lang="en-US" dirty="0"/>
-              <a:t>, </a:t>
-            </a:r>
-            <a:r>
-              <a:rPr lang="en-US" dirty="0" err="1"/>
-              <a:t>consectetuer</a:t>
-            </a:r>
-            <a:r>
-              <a:rPr lang="en-US" dirty="0"/>
-              <a:t> </a:t>
-            </a:r>
-            <a:r>
-              <a:rPr lang="en-US" dirty="0" err="1"/>
-              <a:t>adipiscing</a:t>
-            </a:r>
-            <a:r>
-              <a:rPr lang="en-US" dirty="0"/>
-              <a:t> </a:t>
-            </a:r>
-            <a:r>
-              <a:rPr lang="en-US" dirty="0" err="1"/>
-              <a:t>elit</a:t>
-            </a:r>
-            <a:r>
-              <a:rPr lang="en-US" dirty="0"/>
-              <a:t>. </a:t>
-            </a:r>
-          </a:p>
-          <a:p>
+              <a:rPr lang="en-US" b="0" dirty="0"/>
+              <a:t>Unfortunately, many datasets cannot be publicly available for privacy reasons.</a:t>
+            </a:r>
             <a:endParaRPr lang="en-US" dirty="0"/>
           </a:p>
           <a:p>
@@ -4865,414 +4657,6 @@
               <a:rPr lang="en-US" sz="4000" i="1" dirty="0"/>
               <a:t>- Swiss Data Anonymization Competence Center</a:t>
             </a:r>
-          </a:p>
-        </p:txBody>
-      </p:sp>
-      <p:sp>
-        <p:nvSpPr>
-          <p:cNvPr id="13" name="Inhaltsplatzhalter 4">
-            <a:extLst>
-              <a:ext uri="{FF2B5EF4-FFF2-40B4-BE49-F238E27FC236}">
-                <a16:creationId xmlns:a16="http://schemas.microsoft.com/office/drawing/2014/main" id="{5749D3CC-B8AA-273D-6E73-71EED0038E93}"/>
-              </a:ext>
-            </a:extLst>
-          </p:cNvPr>
-          <p:cNvSpPr txBox="1">
-            <a:spLocks/>
-          </p:cNvSpPr>
-          <p:nvPr/>
-        </p:nvSpPr>
-        <p:spPr>
-          <a:xfrm>
-            <a:off x="1041145" y="18139486"/>
-            <a:ext cx="9665644" cy="472079"/>
-          </a:xfrm>
-          <a:prstGeom prst="rect">
-            <a:avLst/>
-          </a:prstGeom>
-        </p:spPr>
-        <p:txBody>
-          <a:bodyPr vert="horz" lIns="0" tIns="0" rIns="0" bIns="0" numCol="1" spcCol="0" rtlCol="0">
-            <a:noAutofit/>
-          </a:bodyPr>
-          <a:lstStyle>
-            <a:lvl1pPr marL="0" indent="0" algn="l" defTabSz="914400" rtl="0" eaLnBrk="1" latinLnBrk="0" hangingPunct="1">
-              <a:lnSpc>
-                <a:spcPct val="100000"/>
-              </a:lnSpc>
-              <a:spcBef>
-                <a:spcPts val="0"/>
-              </a:spcBef>
-              <a:buFont typeface="+mj-lt"/>
-              <a:buNone/>
-              <a:defRPr sz="3000" b="0" kern="1200">
-                <a:solidFill>
-                  <a:schemeClr val="tx1"/>
-                </a:solidFill>
-                <a:latin typeface="+mn-lt"/>
-                <a:ea typeface="+mn-ea"/>
-                <a:cs typeface="+mn-cs"/>
-              </a:defRPr>
-            </a:lvl1pPr>
-            <a:lvl2pPr marL="174625" indent="-174625" algn="l" defTabSz="914400" rtl="0" eaLnBrk="1" latinLnBrk="0" hangingPunct="1">
-              <a:lnSpc>
-                <a:spcPct val="100000"/>
-              </a:lnSpc>
-              <a:spcBef>
-                <a:spcPts val="0"/>
-              </a:spcBef>
-              <a:buFont typeface="Arial" panose="020B0604020202020204" pitchFamily="34" charset="0"/>
-              <a:buChar char="•"/>
-              <a:defRPr sz="4800" b="1" kern="1200">
-                <a:solidFill>
-                  <a:schemeClr val="tx1"/>
-                </a:solidFill>
-                <a:latin typeface="+mn-lt"/>
-                <a:ea typeface="+mn-ea"/>
-                <a:cs typeface="+mn-cs"/>
-              </a:defRPr>
-            </a:lvl2pPr>
-            <a:lvl3pPr marL="360363" indent="-185738" algn="l" defTabSz="914400" rtl="0" eaLnBrk="1" latinLnBrk="0" hangingPunct="1">
-              <a:lnSpc>
-                <a:spcPct val="100000"/>
-              </a:lnSpc>
-              <a:spcBef>
-                <a:spcPts val="0"/>
-              </a:spcBef>
-              <a:buFont typeface="Arial" panose="020B0604020202020204" pitchFamily="34" charset="0"/>
-              <a:buChar char="•"/>
-              <a:defRPr sz="4800" b="1" kern="1200">
-                <a:solidFill>
-                  <a:schemeClr val="tx1"/>
-                </a:solidFill>
-                <a:latin typeface="+mn-lt"/>
-                <a:ea typeface="+mn-ea"/>
-                <a:cs typeface="+mn-cs"/>
-              </a:defRPr>
-            </a:lvl3pPr>
-            <a:lvl4pPr marL="534988" indent="-174625" algn="l" defTabSz="914400" rtl="0" eaLnBrk="1" latinLnBrk="0" hangingPunct="1">
-              <a:lnSpc>
-                <a:spcPct val="100000"/>
-              </a:lnSpc>
-              <a:spcBef>
-                <a:spcPts val="0"/>
-              </a:spcBef>
-              <a:buFont typeface="Arial" panose="020B0604020202020204" pitchFamily="34" charset="0"/>
-              <a:buChar char="•"/>
-              <a:defRPr sz="4800" b="1" kern="1200">
-                <a:solidFill>
-                  <a:schemeClr val="tx1"/>
-                </a:solidFill>
-                <a:latin typeface="+mn-lt"/>
-                <a:ea typeface="+mn-ea"/>
-                <a:cs typeface="+mn-cs"/>
-              </a:defRPr>
-            </a:lvl4pPr>
-            <a:lvl5pPr marL="719138" indent="-184150" algn="l" defTabSz="914400" rtl="0" eaLnBrk="1" latinLnBrk="0" hangingPunct="1">
-              <a:lnSpc>
-                <a:spcPct val="100000"/>
-              </a:lnSpc>
-              <a:spcBef>
-                <a:spcPts val="0"/>
-              </a:spcBef>
-              <a:buFont typeface="Arial" panose="020B0604020202020204" pitchFamily="34" charset="0"/>
-              <a:buChar char="•"/>
-              <a:defRPr sz="4800" b="1" kern="1200">
-                <a:solidFill>
-                  <a:schemeClr val="tx1"/>
-                </a:solidFill>
-                <a:latin typeface="+mn-lt"/>
-                <a:ea typeface="+mn-ea"/>
-                <a:cs typeface="+mn-cs"/>
-              </a:defRPr>
-            </a:lvl5pPr>
-            <a:lvl6pPr marL="2514600" indent="-228600" algn="l" defTabSz="914400" rtl="0" eaLnBrk="1" latinLnBrk="0" hangingPunct="1">
-              <a:lnSpc>
-                <a:spcPct val="90000"/>
-              </a:lnSpc>
-              <a:spcBef>
-                <a:spcPts val="500"/>
-              </a:spcBef>
-              <a:buFont typeface="Arial" panose="020B0604020202020204" pitchFamily="34" charset="0"/>
-              <a:buChar char="•"/>
-              <a:defRPr sz="1800" kern="1200">
-                <a:solidFill>
-                  <a:schemeClr val="tx1"/>
-                </a:solidFill>
-                <a:latin typeface="+mn-lt"/>
-                <a:ea typeface="+mn-ea"/>
-                <a:cs typeface="+mn-cs"/>
-              </a:defRPr>
-            </a:lvl6pPr>
-            <a:lvl7pPr marL="2971800" indent="-228600" algn="l" defTabSz="914400" rtl="0" eaLnBrk="1" latinLnBrk="0" hangingPunct="1">
-              <a:lnSpc>
-                <a:spcPct val="90000"/>
-              </a:lnSpc>
-              <a:spcBef>
-                <a:spcPts val="500"/>
-              </a:spcBef>
-              <a:buFont typeface="Arial" panose="020B0604020202020204" pitchFamily="34" charset="0"/>
-              <a:buChar char="•"/>
-              <a:defRPr sz="1800" kern="1200">
-                <a:solidFill>
-                  <a:schemeClr val="tx1"/>
-                </a:solidFill>
-                <a:latin typeface="+mn-lt"/>
-                <a:ea typeface="+mn-ea"/>
-                <a:cs typeface="+mn-cs"/>
-              </a:defRPr>
-            </a:lvl7pPr>
-            <a:lvl8pPr marL="3429000" indent="-228600" algn="l" defTabSz="914400" rtl="0" eaLnBrk="1" latinLnBrk="0" hangingPunct="1">
-              <a:lnSpc>
-                <a:spcPct val="90000"/>
-              </a:lnSpc>
-              <a:spcBef>
-                <a:spcPts val="500"/>
-              </a:spcBef>
-              <a:buFont typeface="Arial" panose="020B0604020202020204" pitchFamily="34" charset="0"/>
-              <a:buChar char="•"/>
-              <a:defRPr sz="1800" kern="1200">
-                <a:solidFill>
-                  <a:schemeClr val="tx1"/>
-                </a:solidFill>
-                <a:latin typeface="+mn-lt"/>
-                <a:ea typeface="+mn-ea"/>
-                <a:cs typeface="+mn-cs"/>
-              </a:defRPr>
-            </a:lvl8pPr>
-            <a:lvl9pPr marL="3886200" indent="-228600" algn="l" defTabSz="914400" rtl="0" eaLnBrk="1" latinLnBrk="0" hangingPunct="1">
-              <a:lnSpc>
-                <a:spcPct val="90000"/>
-              </a:lnSpc>
-              <a:spcBef>
-                <a:spcPts val="500"/>
-              </a:spcBef>
-              <a:buFont typeface="Arial" panose="020B0604020202020204" pitchFamily="34" charset="0"/>
-              <a:buChar char="•"/>
-              <a:defRPr sz="1800" kern="1200">
-                <a:solidFill>
-                  <a:schemeClr val="tx1"/>
-                </a:solidFill>
-                <a:latin typeface="+mn-lt"/>
-                <a:ea typeface="+mn-ea"/>
-                <a:cs typeface="+mn-cs"/>
-              </a:defRPr>
-            </a:lvl9pPr>
-          </a:lstStyle>
-          <a:p>
-            <a:r>
-              <a:rPr lang="en-US" sz="2000" b="1" dirty="0"/>
-              <a:t>Fig.1: Lorem ipsum dolor sit </a:t>
-            </a:r>
-            <a:r>
-              <a:rPr lang="en-US" sz="2000" b="1" dirty="0" err="1"/>
-              <a:t>amet</a:t>
-            </a:r>
-            <a:endParaRPr lang="en-US" sz="2000" b="1" dirty="0"/>
-          </a:p>
-        </p:txBody>
-      </p:sp>
-      <p:sp>
-        <p:nvSpPr>
-          <p:cNvPr id="14" name="Inhaltsplatzhalter 4">
-            <a:extLst>
-              <a:ext uri="{FF2B5EF4-FFF2-40B4-BE49-F238E27FC236}">
-                <a16:creationId xmlns:a16="http://schemas.microsoft.com/office/drawing/2014/main" id="{E9B47A22-85E3-6401-9AC3-D1AFD7172D14}"/>
-              </a:ext>
-            </a:extLst>
-          </p:cNvPr>
-          <p:cNvSpPr txBox="1">
-            <a:spLocks/>
-          </p:cNvSpPr>
-          <p:nvPr/>
-        </p:nvSpPr>
-        <p:spPr>
-          <a:xfrm>
-            <a:off x="1041145" y="17068276"/>
-            <a:ext cx="8928000" cy="483591"/>
-          </a:xfrm>
-          <a:prstGeom prst="rect">
-            <a:avLst/>
-          </a:prstGeom>
-        </p:spPr>
-        <p:txBody>
-          <a:bodyPr vert="horz" lIns="0" tIns="0" rIns="0" bIns="0" numCol="1" spcCol="0" rtlCol="0">
-            <a:noAutofit/>
-          </a:bodyPr>
-          <a:lstStyle>
-            <a:lvl1pPr marL="0" indent="0" algn="l" defTabSz="914400" rtl="0" eaLnBrk="1" latinLnBrk="0" hangingPunct="1">
-              <a:lnSpc>
-                <a:spcPct val="100000"/>
-              </a:lnSpc>
-              <a:spcBef>
-                <a:spcPts val="0"/>
-              </a:spcBef>
-              <a:buFont typeface="+mj-lt"/>
-              <a:buNone/>
-              <a:defRPr sz="3000" b="0" kern="1200">
-                <a:solidFill>
-                  <a:schemeClr val="tx1"/>
-                </a:solidFill>
-                <a:latin typeface="+mn-lt"/>
-                <a:ea typeface="+mn-ea"/>
-                <a:cs typeface="+mn-cs"/>
-              </a:defRPr>
-            </a:lvl1pPr>
-            <a:lvl2pPr marL="174625" indent="-174625" algn="l" defTabSz="914400" rtl="0" eaLnBrk="1" latinLnBrk="0" hangingPunct="1">
-              <a:lnSpc>
-                <a:spcPct val="100000"/>
-              </a:lnSpc>
-              <a:spcBef>
-                <a:spcPts val="0"/>
-              </a:spcBef>
-              <a:buFont typeface="Arial" panose="020B0604020202020204" pitchFamily="34" charset="0"/>
-              <a:buChar char="•"/>
-              <a:defRPr sz="4800" b="1" kern="1200">
-                <a:solidFill>
-                  <a:schemeClr val="tx1"/>
-                </a:solidFill>
-                <a:latin typeface="+mn-lt"/>
-                <a:ea typeface="+mn-ea"/>
-                <a:cs typeface="+mn-cs"/>
-              </a:defRPr>
-            </a:lvl2pPr>
-            <a:lvl3pPr marL="360363" indent="-185738" algn="l" defTabSz="914400" rtl="0" eaLnBrk="1" latinLnBrk="0" hangingPunct="1">
-              <a:lnSpc>
-                <a:spcPct val="100000"/>
-              </a:lnSpc>
-              <a:spcBef>
-                <a:spcPts val="0"/>
-              </a:spcBef>
-              <a:buFont typeface="Arial" panose="020B0604020202020204" pitchFamily="34" charset="0"/>
-              <a:buChar char="•"/>
-              <a:defRPr sz="4800" b="1" kern="1200">
-                <a:solidFill>
-                  <a:schemeClr val="tx1"/>
-                </a:solidFill>
-                <a:latin typeface="+mn-lt"/>
-                <a:ea typeface="+mn-ea"/>
-                <a:cs typeface="+mn-cs"/>
-              </a:defRPr>
-            </a:lvl3pPr>
-            <a:lvl4pPr marL="534988" indent="-174625" algn="l" defTabSz="914400" rtl="0" eaLnBrk="1" latinLnBrk="0" hangingPunct="1">
-              <a:lnSpc>
-                <a:spcPct val="100000"/>
-              </a:lnSpc>
-              <a:spcBef>
-                <a:spcPts val="0"/>
-              </a:spcBef>
-              <a:buFont typeface="Arial" panose="020B0604020202020204" pitchFamily="34" charset="0"/>
-              <a:buChar char="•"/>
-              <a:defRPr sz="4800" b="1" kern="1200">
-                <a:solidFill>
-                  <a:schemeClr val="tx1"/>
-                </a:solidFill>
-                <a:latin typeface="+mn-lt"/>
-                <a:ea typeface="+mn-ea"/>
-                <a:cs typeface="+mn-cs"/>
-              </a:defRPr>
-            </a:lvl4pPr>
-            <a:lvl5pPr marL="719138" indent="-184150" algn="l" defTabSz="914400" rtl="0" eaLnBrk="1" latinLnBrk="0" hangingPunct="1">
-              <a:lnSpc>
-                <a:spcPct val="100000"/>
-              </a:lnSpc>
-              <a:spcBef>
-                <a:spcPts val="0"/>
-              </a:spcBef>
-              <a:buFont typeface="Arial" panose="020B0604020202020204" pitchFamily="34" charset="0"/>
-              <a:buChar char="•"/>
-              <a:defRPr sz="4800" b="1" kern="1200">
-                <a:solidFill>
-                  <a:schemeClr val="tx1"/>
-                </a:solidFill>
-                <a:latin typeface="+mn-lt"/>
-                <a:ea typeface="+mn-ea"/>
-                <a:cs typeface="+mn-cs"/>
-              </a:defRPr>
-            </a:lvl5pPr>
-            <a:lvl6pPr marL="2514600" indent="-228600" algn="l" defTabSz="914400" rtl="0" eaLnBrk="1" latinLnBrk="0" hangingPunct="1">
-              <a:lnSpc>
-                <a:spcPct val="90000"/>
-              </a:lnSpc>
-              <a:spcBef>
-                <a:spcPts val="500"/>
-              </a:spcBef>
-              <a:buFont typeface="Arial" panose="020B0604020202020204" pitchFamily="34" charset="0"/>
-              <a:buChar char="•"/>
-              <a:defRPr sz="1800" kern="1200">
-                <a:solidFill>
-                  <a:schemeClr val="tx1"/>
-                </a:solidFill>
-                <a:latin typeface="+mn-lt"/>
-                <a:ea typeface="+mn-ea"/>
-                <a:cs typeface="+mn-cs"/>
-              </a:defRPr>
-            </a:lvl6pPr>
-            <a:lvl7pPr marL="2971800" indent="-228600" algn="l" defTabSz="914400" rtl="0" eaLnBrk="1" latinLnBrk="0" hangingPunct="1">
-              <a:lnSpc>
-                <a:spcPct val="90000"/>
-              </a:lnSpc>
-              <a:spcBef>
-                <a:spcPts val="500"/>
-              </a:spcBef>
-              <a:buFont typeface="Arial" panose="020B0604020202020204" pitchFamily="34" charset="0"/>
-              <a:buChar char="•"/>
-              <a:defRPr sz="1800" kern="1200">
-                <a:solidFill>
-                  <a:schemeClr val="tx1"/>
-                </a:solidFill>
-                <a:latin typeface="+mn-lt"/>
-                <a:ea typeface="+mn-ea"/>
-                <a:cs typeface="+mn-cs"/>
-              </a:defRPr>
-            </a:lvl7pPr>
-            <a:lvl8pPr marL="3429000" indent="-228600" algn="l" defTabSz="914400" rtl="0" eaLnBrk="1" latinLnBrk="0" hangingPunct="1">
-              <a:lnSpc>
-                <a:spcPct val="90000"/>
-              </a:lnSpc>
-              <a:spcBef>
-                <a:spcPts val="500"/>
-              </a:spcBef>
-              <a:buFont typeface="Arial" panose="020B0604020202020204" pitchFamily="34" charset="0"/>
-              <a:buChar char="•"/>
-              <a:defRPr sz="1800" kern="1200">
-                <a:solidFill>
-                  <a:schemeClr val="tx1"/>
-                </a:solidFill>
-                <a:latin typeface="+mn-lt"/>
-                <a:ea typeface="+mn-ea"/>
-                <a:cs typeface="+mn-cs"/>
-              </a:defRPr>
-            </a:lvl8pPr>
-            <a:lvl9pPr marL="3886200" indent="-228600" algn="l" defTabSz="914400" rtl="0" eaLnBrk="1" latinLnBrk="0" hangingPunct="1">
-              <a:lnSpc>
-                <a:spcPct val="90000"/>
-              </a:lnSpc>
-              <a:spcBef>
-                <a:spcPts val="500"/>
-              </a:spcBef>
-              <a:buFont typeface="Arial" panose="020B0604020202020204" pitchFamily="34" charset="0"/>
-              <a:buChar char="•"/>
-              <a:defRPr sz="1800" kern="1200">
-                <a:solidFill>
-                  <a:schemeClr val="tx1"/>
-                </a:solidFill>
-                <a:latin typeface="+mn-lt"/>
-                <a:ea typeface="+mn-ea"/>
-                <a:cs typeface="+mn-cs"/>
-              </a:defRPr>
-            </a:lvl9pPr>
-          </a:lstStyle>
-          <a:p>
-            <a:r>
-              <a:rPr lang="en-US" dirty="0"/>
-              <a:t>Lorem ipsum dolor sit </a:t>
-            </a:r>
-            <a:r>
-              <a:rPr lang="en-US" dirty="0" err="1"/>
-              <a:t>amet</a:t>
-            </a:r>
-            <a:endParaRPr lang="en-US" dirty="0"/>
           </a:p>
         </p:txBody>
       </p:sp>
@@ -8960,14 +8344,6 @@
               <a:rPr lang="en-US" dirty="0"/>
               <a:t>mail@adresse.ch</a:t>
             </a:r>
-          </a:p>
-          <a:p>
-            <a:pPr>
-              <a:lnSpc>
-                <a:spcPct val="97000"/>
-              </a:lnSpc>
-            </a:pPr>
-            <a:endParaRPr lang="cs-CZ" dirty="0"/>
           </a:p>
           <a:p>
             <a:pPr>
@@ -9222,8 +8598,8 @@
         </p:blipFill>
         <p:spPr>
           <a:xfrm>
-            <a:off x="31627017" y="27121965"/>
-            <a:ext cx="2736304" cy="2726794"/>
+            <a:off x="27921007" y="1245356"/>
+            <a:ext cx="3289756" cy="3278322"/>
           </a:xfrm>
           <a:prstGeom prst="rect">
             <a:avLst/>
@@ -9257,8 +8633,8 @@
         </p:blipFill>
         <p:spPr>
           <a:xfrm>
-            <a:off x="38707676" y="27095199"/>
-            <a:ext cx="3759200" cy="2529923"/>
+            <a:off x="37247677" y="1363702"/>
+            <a:ext cx="4519544" cy="3041631"/>
           </a:xfrm>
           <a:prstGeom prst="rect">
             <a:avLst/>
@@ -9293,8 +8669,8 @@
         </p:blipFill>
         <p:spPr>
           <a:xfrm>
-            <a:off x="35038278" y="27220400"/>
-            <a:ext cx="3370636" cy="2529923"/>
+            <a:off x="32397791" y="1468264"/>
+            <a:ext cx="4052389" cy="3041631"/>
           </a:xfrm>
           <a:prstGeom prst="rect">
             <a:avLst/>
@@ -9348,8 +8724,8 @@
         </p:nvSpPr>
         <p:spPr>
           <a:xfrm>
-            <a:off x="37463285" y="2306144"/>
-            <a:ext cx="4284674" cy="1569660"/>
+            <a:off x="39407543" y="27225793"/>
+            <a:ext cx="3123397" cy="1737247"/>
           </a:xfrm>
           <a:prstGeom prst="rect">
             <a:avLst/>
@@ -9487,7 +8863,7 @@
         </p:nvCxnSpPr>
         <p:spPr>
           <a:xfrm flipH="1">
-            <a:off x="33148900" y="3072040"/>
+            <a:off x="35739777" y="28294096"/>
             <a:ext cx="1420805" cy="0"/>
           </a:xfrm>
           <a:prstGeom prst="straightConnector1">
@@ -9543,8 +8919,8 @@
         </p:blipFill>
         <p:spPr bwMode="auto">
           <a:xfrm>
-            <a:off x="34928380" y="985047"/>
-            <a:ext cx="2176229" cy="4211853"/>
+            <a:off x="37317027" y="26576256"/>
+            <a:ext cx="1748679" cy="3384377"/>
           </a:xfrm>
           <a:prstGeom prst="rect">
             <a:avLst/>
@@ -9589,8 +8965,8 @@
         </p:blipFill>
         <p:spPr>
           <a:xfrm>
-            <a:off x="28601059" y="996390"/>
-            <a:ext cx="4189165" cy="4189165"/>
+            <a:off x="32049518" y="26586878"/>
+            <a:ext cx="3384377" cy="3384377"/>
           </a:xfrm>
           <a:prstGeom prst="rect">
             <a:avLst/>

--- a/Poster/2024_07 Poster_Novak.pptx
+++ b/Poster/2024_07 Poster_Novak.pptx
@@ -124,7 +124,7 @@
 <file path=ppt/charts/chart1.xml><?xml version="1.0" encoding="utf-8"?>
 <c:chartSpace xmlns:c="http://schemas.openxmlformats.org/drawingml/2006/chart" xmlns:a="http://schemas.openxmlformats.org/drawingml/2006/main" xmlns:r="http://schemas.openxmlformats.org/officeDocument/2006/relationships" xmlns:c16r2="http://schemas.microsoft.com/office/drawing/2015/06/chart">
   <c:date1904 val="0"/>
-  <c:lang val="en-US"/>
+  <c:lang val="cs-CZ"/>
   <c:roundedCorners val="0"/>
   <mc:AlternateContent xmlns:mc="http://schemas.openxmlformats.org/markup-compatibility/2006">
     <mc:Choice xmlns:c14="http://schemas.microsoft.com/office/drawing/2007/8/2/chart" Requires="c14">
@@ -1166,7 +1166,7 @@
           <a:p>
             <a:fld id="{EEC665CA-D682-48EC-95D2-126FD6449D65}" type="datetime1">
               <a:rPr lang="de-CH" sz="900" smtClean="0"/>
-              <a:t>09.06.2024</a:t>
+              <a:t>12.06.2024</a:t>
             </a:fld>
             <a:endParaRPr lang="de-CH" sz="900"/>
           </a:p>
@@ -1468,7 +1468,7 @@
           <a:p>
             <a:fld id="{A17AAF7D-4283-4014-80F4-26E915FEACF8}" type="datetime1">
               <a:rPr lang="de-CH" smtClean="0"/>
-              <a:t>09.06.2024</a:t>
+              <a:t>12.06.2024</a:t>
             </a:fld>
             <a:endParaRPr lang="de-CH" dirty="0"/>
           </a:p>
@@ -3338,8 +3338,8 @@
         </p:nvSpPr>
         <p:spPr>
           <a:xfrm>
-            <a:off x="1047751" y="19318514"/>
-            <a:ext cx="9663114" cy="9927999"/>
+            <a:off x="1047751" y="12545319"/>
+            <a:ext cx="9663114" cy="6816850"/>
           </a:xfrm>
         </p:spPr>
         <p:txBody>
@@ -3352,643 +3352,613 @@
               </a:spcAft>
             </a:pPr>
             <a:r>
-              <a:rPr lang="en-US" sz="4800" b="1" dirty="0"/>
+              <a:rPr lang="en-US" sz="4800" b="1" dirty="0">
+                <a:solidFill>
+                  <a:srgbClr val="FF0000"/>
+                </a:solidFill>
+              </a:rPr>
               <a:t>Subtitle (48 Pt. bold)</a:t>
             </a:r>
           </a:p>
           <a:p>
             <a:r>
-              <a:rPr lang="en-US" b="1" dirty="0"/>
+              <a:rPr lang="en-US" b="1" dirty="0">
+                <a:solidFill>
+                  <a:srgbClr val="FF0000"/>
+                </a:solidFill>
+              </a:rPr>
               <a:t>Subtitle (30 Pt. bold)</a:t>
             </a:r>
-            <a:endParaRPr lang="en-US" dirty="0"/>
-          </a:p>
-          <a:p>
-            <a:r>
-              <a:rPr lang="en-US" dirty="0"/>
+            <a:endParaRPr lang="en-US" dirty="0">
+              <a:solidFill>
+                <a:srgbClr val="FF0000"/>
+              </a:solidFill>
+            </a:endParaRPr>
+          </a:p>
+          <a:p>
+            <a:r>
+              <a:rPr lang="en-US" dirty="0">
+                <a:solidFill>
+                  <a:srgbClr val="FF0000"/>
+                </a:solidFill>
+              </a:rPr>
               <a:t>Lorem ipsum dolor sit </a:t>
             </a:r>
             <a:r>
-              <a:rPr lang="en-US" dirty="0" err="1"/>
+              <a:rPr lang="en-US" dirty="0" err="1">
+                <a:solidFill>
+                  <a:srgbClr val="FF0000"/>
+                </a:solidFill>
+              </a:rPr>
               <a:t>amet</a:t>
             </a:r>
             <a:r>
-              <a:rPr lang="en-US" dirty="0"/>
+              <a:rPr lang="en-US" dirty="0">
+                <a:solidFill>
+                  <a:srgbClr val="FF0000"/>
+                </a:solidFill>
+              </a:rPr>
               <a:t>, </a:t>
             </a:r>
             <a:r>
-              <a:rPr lang="en-US" dirty="0" err="1"/>
+              <a:rPr lang="en-US" dirty="0" err="1">
+                <a:solidFill>
+                  <a:srgbClr val="FF0000"/>
+                </a:solidFill>
+              </a:rPr>
               <a:t>consectetuer</a:t>
             </a:r>
             <a:r>
-              <a:rPr lang="en-US" dirty="0"/>
+              <a:rPr lang="en-US" dirty="0">
+                <a:solidFill>
+                  <a:srgbClr val="FF0000"/>
+                </a:solidFill>
+              </a:rPr>
               <a:t> </a:t>
             </a:r>
             <a:r>
-              <a:rPr lang="en-US" dirty="0" err="1"/>
+              <a:rPr lang="en-US" dirty="0" err="1">
+                <a:solidFill>
+                  <a:srgbClr val="FF0000"/>
+                </a:solidFill>
+              </a:rPr>
               <a:t>adipiscing</a:t>
             </a:r>
             <a:r>
-              <a:rPr lang="en-US" dirty="0"/>
+              <a:rPr lang="en-US" dirty="0">
+                <a:solidFill>
+                  <a:srgbClr val="FF0000"/>
+                </a:solidFill>
+              </a:rPr>
               <a:t> </a:t>
             </a:r>
             <a:r>
-              <a:rPr lang="en-US" dirty="0" err="1"/>
+              <a:rPr lang="en-US" dirty="0" err="1">
+                <a:solidFill>
+                  <a:srgbClr val="FF0000"/>
+                </a:solidFill>
+              </a:rPr>
               <a:t>elit</a:t>
             </a:r>
             <a:r>
-              <a:rPr lang="en-US" dirty="0"/>
+              <a:rPr lang="en-US" dirty="0">
+                <a:solidFill>
+                  <a:srgbClr val="FF0000"/>
+                </a:solidFill>
+              </a:rPr>
               <a:t>. Maecenas </a:t>
             </a:r>
             <a:r>
-              <a:rPr lang="en-US" dirty="0" err="1"/>
+              <a:rPr lang="en-US" dirty="0" err="1">
+                <a:solidFill>
+                  <a:srgbClr val="FF0000"/>
+                </a:solidFill>
+              </a:rPr>
               <a:t>porttitor</a:t>
             </a:r>
             <a:r>
-              <a:rPr lang="en-US" dirty="0"/>
+              <a:rPr lang="en-US" dirty="0">
+                <a:solidFill>
+                  <a:srgbClr val="FF0000"/>
+                </a:solidFill>
+              </a:rPr>
               <a:t> </a:t>
             </a:r>
             <a:r>
-              <a:rPr lang="en-US" dirty="0" err="1"/>
+              <a:rPr lang="en-US" dirty="0" err="1">
+                <a:solidFill>
+                  <a:srgbClr val="FF0000"/>
+                </a:solidFill>
+              </a:rPr>
               <a:t>congue</a:t>
             </a:r>
             <a:r>
-              <a:rPr lang="en-US" dirty="0"/>
+              <a:rPr lang="en-US" dirty="0">
+                <a:solidFill>
+                  <a:srgbClr val="FF0000"/>
+                </a:solidFill>
+              </a:rPr>
               <a:t> </a:t>
             </a:r>
             <a:r>
-              <a:rPr lang="en-US" dirty="0" err="1"/>
+              <a:rPr lang="en-US" dirty="0" err="1">
+                <a:solidFill>
+                  <a:srgbClr val="FF0000"/>
+                </a:solidFill>
+              </a:rPr>
               <a:t>massa</a:t>
             </a:r>
             <a:r>
-              <a:rPr lang="en-US" dirty="0"/>
+              <a:rPr lang="en-US" dirty="0">
+                <a:solidFill>
+                  <a:srgbClr val="FF0000"/>
+                </a:solidFill>
+              </a:rPr>
               <a:t>. </a:t>
             </a:r>
             <a:r>
-              <a:rPr lang="en-US" dirty="0" err="1"/>
+              <a:rPr lang="en-US" dirty="0" err="1">
+                <a:solidFill>
+                  <a:srgbClr val="FF0000"/>
+                </a:solidFill>
+              </a:rPr>
               <a:t>Fusce</a:t>
             </a:r>
             <a:r>
-              <a:rPr lang="en-US" dirty="0"/>
+              <a:rPr lang="en-US" dirty="0">
+                <a:solidFill>
+                  <a:srgbClr val="FF0000"/>
+                </a:solidFill>
+              </a:rPr>
               <a:t> </a:t>
             </a:r>
             <a:r>
-              <a:rPr lang="en-US" dirty="0" err="1"/>
+              <a:rPr lang="en-US" dirty="0" err="1">
+                <a:solidFill>
+                  <a:srgbClr val="FF0000"/>
+                </a:solidFill>
+              </a:rPr>
               <a:t>posuere</a:t>
             </a:r>
             <a:r>
-              <a:rPr lang="en-US" dirty="0"/>
+              <a:rPr lang="en-US" dirty="0">
+                <a:solidFill>
+                  <a:srgbClr val="FF0000"/>
+                </a:solidFill>
+              </a:rPr>
               <a:t>, magna sed pulvinar </a:t>
             </a:r>
             <a:r>
-              <a:rPr lang="en-US" dirty="0" err="1"/>
+              <a:rPr lang="en-US" dirty="0" err="1">
+                <a:solidFill>
+                  <a:srgbClr val="FF0000"/>
+                </a:solidFill>
+              </a:rPr>
               <a:t>ultricies</a:t>
             </a:r>
             <a:r>
-              <a:rPr lang="en-US" dirty="0"/>
+              <a:rPr lang="en-US" dirty="0">
+                <a:solidFill>
+                  <a:srgbClr val="FF0000"/>
+                </a:solidFill>
+              </a:rPr>
               <a:t>, </a:t>
             </a:r>
             <a:r>
-              <a:rPr lang="en-US" dirty="0" err="1"/>
+              <a:rPr lang="en-US" dirty="0" err="1">
+                <a:solidFill>
+                  <a:srgbClr val="FF0000"/>
+                </a:solidFill>
+              </a:rPr>
               <a:t>purus</a:t>
             </a:r>
             <a:r>
-              <a:rPr lang="en-US" dirty="0"/>
+              <a:rPr lang="en-US" dirty="0">
+                <a:solidFill>
+                  <a:srgbClr val="FF0000"/>
+                </a:solidFill>
+              </a:rPr>
               <a:t> </a:t>
             </a:r>
             <a:r>
-              <a:rPr lang="en-US" dirty="0" err="1"/>
+              <a:rPr lang="en-US" dirty="0" err="1">
+                <a:solidFill>
+                  <a:srgbClr val="FF0000"/>
+                </a:solidFill>
+              </a:rPr>
               <a:t>lectus</a:t>
             </a:r>
             <a:r>
-              <a:rPr lang="en-US" dirty="0"/>
+              <a:rPr lang="en-US" dirty="0">
+                <a:solidFill>
+                  <a:srgbClr val="FF0000"/>
+                </a:solidFill>
+              </a:rPr>
               <a:t> </a:t>
             </a:r>
             <a:r>
-              <a:rPr lang="en-US" dirty="0" err="1"/>
+              <a:rPr lang="en-US" dirty="0" err="1">
+                <a:solidFill>
+                  <a:srgbClr val="FF0000"/>
+                </a:solidFill>
+              </a:rPr>
               <a:t>malesuada</a:t>
             </a:r>
             <a:r>
-              <a:rPr lang="en-US" dirty="0"/>
+              <a:rPr lang="en-US" dirty="0">
+                <a:solidFill>
+                  <a:srgbClr val="FF0000"/>
+                </a:solidFill>
+              </a:rPr>
               <a:t> libero, sit </a:t>
             </a:r>
             <a:r>
-              <a:rPr lang="en-US" dirty="0" err="1"/>
+              <a:rPr lang="en-US" dirty="0" err="1">
+                <a:solidFill>
+                  <a:srgbClr val="FF0000"/>
+                </a:solidFill>
+              </a:rPr>
               <a:t>amet</a:t>
             </a:r>
             <a:r>
-              <a:rPr lang="en-US" dirty="0"/>
+              <a:rPr lang="en-US" dirty="0">
+                <a:solidFill>
+                  <a:srgbClr val="FF0000"/>
+                </a:solidFill>
+              </a:rPr>
               <a:t> </a:t>
             </a:r>
             <a:r>
-              <a:rPr lang="en-US" dirty="0" err="1"/>
+              <a:rPr lang="en-US" dirty="0" err="1">
+                <a:solidFill>
+                  <a:srgbClr val="FF0000"/>
+                </a:solidFill>
+              </a:rPr>
               <a:t>commodo</a:t>
             </a:r>
             <a:r>
-              <a:rPr lang="en-US" dirty="0"/>
+              <a:rPr lang="en-US" dirty="0">
+                <a:solidFill>
+                  <a:srgbClr val="FF0000"/>
+                </a:solidFill>
+              </a:rPr>
               <a:t> magna eros </a:t>
             </a:r>
             <a:r>
-              <a:rPr lang="en-US" dirty="0" err="1"/>
+              <a:rPr lang="en-US" dirty="0" err="1">
+                <a:solidFill>
+                  <a:srgbClr val="FF0000"/>
+                </a:solidFill>
+              </a:rPr>
               <a:t>quis</a:t>
             </a:r>
             <a:r>
-              <a:rPr lang="en-US" dirty="0"/>
+              <a:rPr lang="en-US" dirty="0">
+                <a:solidFill>
+                  <a:srgbClr val="FF0000"/>
+                </a:solidFill>
+              </a:rPr>
               <a:t> </a:t>
             </a:r>
             <a:r>
-              <a:rPr lang="en-US" dirty="0" err="1"/>
+              <a:rPr lang="en-US" dirty="0" err="1">
+                <a:solidFill>
+                  <a:srgbClr val="FF0000"/>
+                </a:solidFill>
+              </a:rPr>
               <a:t>urna</a:t>
             </a:r>
             <a:r>
-              <a:rPr lang="en-US" dirty="0"/>
+              <a:rPr lang="en-US" dirty="0">
+                <a:solidFill>
+                  <a:srgbClr val="FF0000"/>
+                </a:solidFill>
+              </a:rPr>
               <a:t>.</a:t>
             </a:r>
           </a:p>
           <a:p>
-            <a:endParaRPr lang="en-US" dirty="0"/>
-          </a:p>
-          <a:p>
-            <a:r>
-              <a:rPr lang="en-US" b="1" dirty="0"/>
+            <a:endParaRPr lang="en-US" dirty="0">
+              <a:solidFill>
+                <a:srgbClr val="FF0000"/>
+              </a:solidFill>
+            </a:endParaRPr>
+          </a:p>
+          <a:p>
+            <a:r>
+              <a:rPr lang="en-US" b="1" dirty="0">
+                <a:solidFill>
+                  <a:srgbClr val="FF0000"/>
+                </a:solidFill>
+              </a:rPr>
               <a:t>Subtitle (30 Pt. bold)</a:t>
             </a:r>
-            <a:endParaRPr lang="en-US" dirty="0"/>
-          </a:p>
-          <a:p>
-            <a:r>
-              <a:rPr lang="en-US" dirty="0"/>
+            <a:endParaRPr lang="en-US" dirty="0">
+              <a:solidFill>
+                <a:srgbClr val="FF0000"/>
+              </a:solidFill>
+            </a:endParaRPr>
+          </a:p>
+          <a:p>
+            <a:r>
+              <a:rPr lang="en-US" dirty="0">
+                <a:solidFill>
+                  <a:srgbClr val="FF0000"/>
+                </a:solidFill>
+              </a:rPr>
               <a:t>Lorem ipsum dolor sit </a:t>
             </a:r>
             <a:r>
-              <a:rPr lang="en-US" dirty="0" err="1"/>
+              <a:rPr lang="en-US" dirty="0" err="1">
+                <a:solidFill>
+                  <a:srgbClr val="FF0000"/>
+                </a:solidFill>
+              </a:rPr>
               <a:t>amet</a:t>
             </a:r>
             <a:r>
-              <a:rPr lang="en-US" dirty="0"/>
+              <a:rPr lang="en-US" dirty="0">
+                <a:solidFill>
+                  <a:srgbClr val="FF0000"/>
+                </a:solidFill>
+              </a:rPr>
               <a:t>, </a:t>
             </a:r>
             <a:r>
-              <a:rPr lang="en-US" dirty="0" err="1"/>
+              <a:rPr lang="en-US" dirty="0" err="1">
+                <a:solidFill>
+                  <a:srgbClr val="FF0000"/>
+                </a:solidFill>
+              </a:rPr>
               <a:t>consectetuer</a:t>
             </a:r>
             <a:r>
-              <a:rPr lang="en-US" dirty="0"/>
+              <a:rPr lang="en-US" dirty="0">
+                <a:solidFill>
+                  <a:srgbClr val="FF0000"/>
+                </a:solidFill>
+              </a:rPr>
               <a:t> </a:t>
             </a:r>
             <a:r>
-              <a:rPr lang="en-US" dirty="0" err="1"/>
+              <a:rPr lang="en-US" dirty="0" err="1">
+                <a:solidFill>
+                  <a:srgbClr val="FF0000"/>
+                </a:solidFill>
+              </a:rPr>
               <a:t>adipiscing</a:t>
             </a:r>
             <a:r>
-              <a:rPr lang="en-US" dirty="0"/>
+              <a:rPr lang="en-US" dirty="0">
+                <a:solidFill>
+                  <a:srgbClr val="FF0000"/>
+                </a:solidFill>
+              </a:rPr>
               <a:t> </a:t>
             </a:r>
             <a:r>
-              <a:rPr lang="en-US" dirty="0" err="1"/>
+              <a:rPr lang="en-US" dirty="0" err="1">
+                <a:solidFill>
+                  <a:srgbClr val="FF0000"/>
+                </a:solidFill>
+              </a:rPr>
               <a:t>elit</a:t>
             </a:r>
             <a:r>
-              <a:rPr lang="en-US" dirty="0"/>
+              <a:rPr lang="en-US" dirty="0">
+                <a:solidFill>
+                  <a:srgbClr val="FF0000"/>
+                </a:solidFill>
+              </a:rPr>
               <a:t>. Maecenas </a:t>
             </a:r>
             <a:r>
-              <a:rPr lang="en-US" dirty="0" err="1"/>
+              <a:rPr lang="en-US" dirty="0" err="1">
+                <a:solidFill>
+                  <a:srgbClr val="FF0000"/>
+                </a:solidFill>
+              </a:rPr>
               <a:t>porttitor</a:t>
             </a:r>
             <a:r>
-              <a:rPr lang="en-US" dirty="0"/>
+              <a:rPr lang="en-US" dirty="0">
+                <a:solidFill>
+                  <a:srgbClr val="FF0000"/>
+                </a:solidFill>
+              </a:rPr>
               <a:t> </a:t>
             </a:r>
             <a:r>
-              <a:rPr lang="en-US" dirty="0" err="1"/>
+              <a:rPr lang="en-US" dirty="0" err="1">
+                <a:solidFill>
+                  <a:srgbClr val="FF0000"/>
+                </a:solidFill>
+              </a:rPr>
               <a:t>congue</a:t>
             </a:r>
             <a:r>
-              <a:rPr lang="en-US" dirty="0"/>
+              <a:rPr lang="en-US" dirty="0">
+                <a:solidFill>
+                  <a:srgbClr val="FF0000"/>
+                </a:solidFill>
+              </a:rPr>
               <a:t> </a:t>
             </a:r>
             <a:r>
-              <a:rPr lang="en-US" dirty="0" err="1"/>
+              <a:rPr lang="en-US" dirty="0" err="1">
+                <a:solidFill>
+                  <a:srgbClr val="FF0000"/>
+                </a:solidFill>
+              </a:rPr>
               <a:t>massa</a:t>
             </a:r>
             <a:r>
-              <a:rPr lang="en-US" dirty="0"/>
+              <a:rPr lang="en-US" dirty="0">
+                <a:solidFill>
+                  <a:srgbClr val="FF0000"/>
+                </a:solidFill>
+              </a:rPr>
               <a:t>. </a:t>
             </a:r>
             <a:r>
-              <a:rPr lang="en-US" dirty="0" err="1"/>
+              <a:rPr lang="en-US" dirty="0" err="1">
+                <a:solidFill>
+                  <a:srgbClr val="FF0000"/>
+                </a:solidFill>
+              </a:rPr>
               <a:t>Fusce</a:t>
             </a:r>
             <a:r>
-              <a:rPr lang="en-US" dirty="0"/>
+              <a:rPr lang="en-US" dirty="0">
+                <a:solidFill>
+                  <a:srgbClr val="FF0000"/>
+                </a:solidFill>
+              </a:rPr>
               <a:t> </a:t>
             </a:r>
             <a:r>
-              <a:rPr lang="en-US" dirty="0" err="1"/>
+              <a:rPr lang="en-US" dirty="0" err="1">
+                <a:solidFill>
+                  <a:srgbClr val="FF0000"/>
+                </a:solidFill>
+              </a:rPr>
               <a:t>posuere</a:t>
             </a:r>
             <a:r>
-              <a:rPr lang="en-US" dirty="0"/>
+              <a:rPr lang="en-US" dirty="0">
+                <a:solidFill>
+                  <a:srgbClr val="FF0000"/>
+                </a:solidFill>
+              </a:rPr>
               <a:t>, magna sed pulvinar </a:t>
             </a:r>
             <a:r>
-              <a:rPr lang="en-US" dirty="0" err="1"/>
+              <a:rPr lang="en-US" dirty="0" err="1">
+                <a:solidFill>
+                  <a:srgbClr val="FF0000"/>
+                </a:solidFill>
+              </a:rPr>
               <a:t>ultricies</a:t>
             </a:r>
             <a:r>
-              <a:rPr lang="en-US" dirty="0"/>
+              <a:rPr lang="en-US" dirty="0">
+                <a:solidFill>
+                  <a:srgbClr val="FF0000"/>
+                </a:solidFill>
+              </a:rPr>
               <a:t>, </a:t>
             </a:r>
             <a:r>
-              <a:rPr lang="en-US" dirty="0" err="1"/>
+              <a:rPr lang="en-US" dirty="0" err="1">
+                <a:solidFill>
+                  <a:srgbClr val="FF0000"/>
+                </a:solidFill>
+              </a:rPr>
               <a:t>purus</a:t>
             </a:r>
             <a:r>
-              <a:rPr lang="en-US" dirty="0"/>
+              <a:rPr lang="en-US" dirty="0">
+                <a:solidFill>
+                  <a:srgbClr val="FF0000"/>
+                </a:solidFill>
+              </a:rPr>
               <a:t> </a:t>
             </a:r>
             <a:r>
-              <a:rPr lang="en-US" dirty="0" err="1"/>
+              <a:rPr lang="en-US" dirty="0" err="1">
+                <a:solidFill>
+                  <a:srgbClr val="FF0000"/>
+                </a:solidFill>
+              </a:rPr>
               <a:t>lectus</a:t>
             </a:r>
             <a:r>
-              <a:rPr lang="en-US" dirty="0"/>
+              <a:rPr lang="en-US" dirty="0">
+                <a:solidFill>
+                  <a:srgbClr val="FF0000"/>
+                </a:solidFill>
+              </a:rPr>
               <a:t> </a:t>
             </a:r>
             <a:r>
-              <a:rPr lang="en-US" dirty="0" err="1"/>
+              <a:rPr lang="en-US" dirty="0" err="1">
+                <a:solidFill>
+                  <a:srgbClr val="FF0000"/>
+                </a:solidFill>
+              </a:rPr>
               <a:t>malesuada</a:t>
             </a:r>
             <a:r>
-              <a:rPr lang="en-US" dirty="0"/>
+              <a:rPr lang="en-US" dirty="0">
+                <a:solidFill>
+                  <a:srgbClr val="FF0000"/>
+                </a:solidFill>
+              </a:rPr>
               <a:t> libero, sit </a:t>
             </a:r>
             <a:r>
-              <a:rPr lang="en-US" dirty="0" err="1"/>
+              <a:rPr lang="en-US" dirty="0" err="1">
+                <a:solidFill>
+                  <a:srgbClr val="FF0000"/>
+                </a:solidFill>
+              </a:rPr>
               <a:t>amet</a:t>
             </a:r>
             <a:r>
-              <a:rPr lang="en-US" dirty="0"/>
+              <a:rPr lang="en-US" dirty="0">
+                <a:solidFill>
+                  <a:srgbClr val="FF0000"/>
+                </a:solidFill>
+              </a:rPr>
               <a:t> </a:t>
             </a:r>
             <a:r>
-              <a:rPr lang="en-US" dirty="0" err="1"/>
+              <a:rPr lang="en-US" dirty="0" err="1">
+                <a:solidFill>
+                  <a:srgbClr val="FF0000"/>
+                </a:solidFill>
+              </a:rPr>
               <a:t>commodo</a:t>
             </a:r>
             <a:r>
-              <a:rPr lang="en-US" dirty="0"/>
+              <a:rPr lang="en-US" dirty="0">
+                <a:solidFill>
+                  <a:srgbClr val="FF0000"/>
+                </a:solidFill>
+              </a:rPr>
               <a:t> magna eros </a:t>
             </a:r>
             <a:r>
-              <a:rPr lang="en-US" dirty="0" err="1"/>
+              <a:rPr lang="en-US" dirty="0" err="1">
+                <a:solidFill>
+                  <a:srgbClr val="FF0000"/>
+                </a:solidFill>
+              </a:rPr>
               <a:t>quis</a:t>
             </a:r>
             <a:r>
-              <a:rPr lang="en-US" dirty="0"/>
+              <a:rPr lang="en-US" dirty="0">
+                <a:solidFill>
+                  <a:srgbClr val="FF0000"/>
+                </a:solidFill>
+              </a:rPr>
               <a:t> </a:t>
             </a:r>
             <a:r>
-              <a:rPr lang="en-US" dirty="0" err="1"/>
+              <a:rPr lang="en-US" dirty="0" err="1">
+                <a:solidFill>
+                  <a:srgbClr val="FF0000"/>
+                </a:solidFill>
+              </a:rPr>
               <a:t>urna</a:t>
             </a:r>
             <a:r>
-              <a:rPr lang="en-US" dirty="0"/>
+              <a:rPr lang="en-US" dirty="0">
+                <a:solidFill>
+                  <a:srgbClr val="FF0000"/>
+                </a:solidFill>
+              </a:rPr>
               <a:t>.</a:t>
-            </a:r>
-          </a:p>
-          <a:p>
-            <a:r>
-              <a:rPr lang="en-US" dirty="0"/>
-              <a:t>Lorem ipsum dolor sit </a:t>
-            </a:r>
-            <a:r>
-              <a:rPr lang="en-US" dirty="0" err="1"/>
-              <a:t>amet</a:t>
-            </a:r>
-            <a:r>
-              <a:rPr lang="en-US" dirty="0"/>
-              <a:t>, </a:t>
-            </a:r>
-            <a:r>
-              <a:rPr lang="en-US" dirty="0" err="1"/>
-              <a:t>consectetuer</a:t>
-            </a:r>
-            <a:r>
-              <a:rPr lang="en-US" dirty="0"/>
-              <a:t> </a:t>
-            </a:r>
-            <a:r>
-              <a:rPr lang="en-US" dirty="0" err="1"/>
-              <a:t>adipiscing</a:t>
-            </a:r>
-            <a:r>
-              <a:rPr lang="en-US" dirty="0"/>
-              <a:t> </a:t>
-            </a:r>
-            <a:r>
-              <a:rPr lang="en-US" dirty="0" err="1"/>
-              <a:t>elit</a:t>
-            </a:r>
-            <a:r>
-              <a:rPr lang="en-US" dirty="0"/>
-              <a:t>. Maecenas </a:t>
-            </a:r>
-            <a:r>
-              <a:rPr lang="en-US" dirty="0" err="1"/>
-              <a:t>porttitor</a:t>
-            </a:r>
-            <a:r>
-              <a:rPr lang="en-US" dirty="0"/>
-              <a:t> </a:t>
-            </a:r>
-            <a:r>
-              <a:rPr lang="en-US" dirty="0" err="1"/>
-              <a:t>congue</a:t>
-            </a:r>
-            <a:r>
-              <a:rPr lang="en-US" dirty="0"/>
-              <a:t> </a:t>
-            </a:r>
-            <a:r>
-              <a:rPr lang="en-US" dirty="0" err="1"/>
-              <a:t>massa</a:t>
-            </a:r>
-            <a:r>
-              <a:rPr lang="en-US" dirty="0"/>
-              <a:t>. </a:t>
-            </a:r>
-            <a:r>
-              <a:rPr lang="en-US" dirty="0" err="1"/>
-              <a:t>Fusce</a:t>
-            </a:r>
-            <a:r>
-              <a:rPr lang="en-US" dirty="0"/>
-              <a:t> </a:t>
-            </a:r>
-            <a:r>
-              <a:rPr lang="en-US" dirty="0" err="1"/>
-              <a:t>posuere</a:t>
-            </a:r>
-            <a:r>
-              <a:rPr lang="en-US" dirty="0"/>
-              <a:t>, magna sed pulvinar </a:t>
-            </a:r>
-            <a:r>
-              <a:rPr lang="en-US" dirty="0" err="1"/>
-              <a:t>ultricies</a:t>
-            </a:r>
-            <a:r>
-              <a:rPr lang="en-US" dirty="0"/>
-              <a:t>, </a:t>
-            </a:r>
-            <a:r>
-              <a:rPr lang="en-US" dirty="0" err="1"/>
-              <a:t>purus</a:t>
-            </a:r>
-            <a:r>
-              <a:rPr lang="en-US" dirty="0"/>
-              <a:t> </a:t>
-            </a:r>
-            <a:r>
-              <a:rPr lang="en-US" dirty="0" err="1"/>
-              <a:t>lectus</a:t>
-            </a:r>
-            <a:r>
-              <a:rPr lang="en-US" dirty="0"/>
-              <a:t> </a:t>
-            </a:r>
-            <a:r>
-              <a:rPr lang="en-US" dirty="0" err="1"/>
-              <a:t>malesuada</a:t>
-            </a:r>
-            <a:r>
-              <a:rPr lang="en-US" dirty="0"/>
-              <a:t> libero, sit </a:t>
-            </a:r>
-            <a:r>
-              <a:rPr lang="en-US" dirty="0" err="1"/>
-              <a:t>amet</a:t>
-            </a:r>
-            <a:r>
-              <a:rPr lang="en-US" dirty="0"/>
-              <a:t> </a:t>
-            </a:r>
-            <a:r>
-              <a:rPr lang="en-US" dirty="0" err="1"/>
-              <a:t>commodo</a:t>
-            </a:r>
-            <a:r>
-              <a:rPr lang="en-US" dirty="0"/>
-              <a:t> magna eros </a:t>
-            </a:r>
-            <a:r>
-              <a:rPr lang="en-US" dirty="0" err="1"/>
-              <a:t>quis</a:t>
-            </a:r>
-            <a:r>
-              <a:rPr lang="en-US" dirty="0"/>
-              <a:t> </a:t>
-            </a:r>
-            <a:r>
-              <a:rPr lang="en-US" dirty="0" err="1"/>
-              <a:t>urna</a:t>
-            </a:r>
-            <a:r>
-              <a:rPr lang="en-US" dirty="0"/>
-              <a:t>. Lorem ipsum dolor sit </a:t>
-            </a:r>
-            <a:r>
-              <a:rPr lang="en-US" dirty="0" err="1"/>
-              <a:t>amet</a:t>
-            </a:r>
-            <a:r>
-              <a:rPr lang="en-US" dirty="0"/>
-              <a:t>, </a:t>
-            </a:r>
-            <a:r>
-              <a:rPr lang="en-US" dirty="0" err="1"/>
-              <a:t>consectetuer</a:t>
-            </a:r>
-            <a:r>
-              <a:rPr lang="en-US" dirty="0"/>
-              <a:t> </a:t>
-            </a:r>
-            <a:r>
-              <a:rPr lang="en-US" dirty="0" err="1"/>
-              <a:t>adipiscing</a:t>
-            </a:r>
-            <a:r>
-              <a:rPr lang="en-US" dirty="0"/>
-              <a:t> </a:t>
-            </a:r>
-            <a:r>
-              <a:rPr lang="en-US" dirty="0" err="1"/>
-              <a:t>elit</a:t>
-            </a:r>
-            <a:r>
-              <a:rPr lang="en-US" dirty="0"/>
-              <a:t>. Maecenas </a:t>
-            </a:r>
-            <a:r>
-              <a:rPr lang="en-US" dirty="0" err="1"/>
-              <a:t>porttitor</a:t>
-            </a:r>
-            <a:r>
-              <a:rPr lang="en-US" dirty="0"/>
-              <a:t> </a:t>
-            </a:r>
-            <a:r>
-              <a:rPr lang="en-US" dirty="0" err="1"/>
-              <a:t>congue</a:t>
-            </a:r>
-            <a:r>
-              <a:rPr lang="en-US" dirty="0"/>
-              <a:t> </a:t>
-            </a:r>
-            <a:r>
-              <a:rPr lang="en-US" dirty="0" err="1"/>
-              <a:t>massa</a:t>
-            </a:r>
-            <a:r>
-              <a:rPr lang="en-US" dirty="0"/>
-              <a:t>. </a:t>
-            </a:r>
-            <a:r>
-              <a:rPr lang="en-US" dirty="0" err="1"/>
-              <a:t>Fusce</a:t>
-            </a:r>
-            <a:r>
-              <a:rPr lang="en-US" dirty="0"/>
-              <a:t> </a:t>
-            </a:r>
-            <a:r>
-              <a:rPr lang="en-US" dirty="0" err="1"/>
-              <a:t>posuere</a:t>
-            </a:r>
-            <a:r>
-              <a:rPr lang="en-US" dirty="0"/>
-              <a:t>, magna sed pulvinar </a:t>
-            </a:r>
-            <a:r>
-              <a:rPr lang="en-US" dirty="0" err="1"/>
-              <a:t>ultricies</a:t>
-            </a:r>
-            <a:r>
-              <a:rPr lang="en-US" dirty="0"/>
-              <a:t>, </a:t>
-            </a:r>
-            <a:r>
-              <a:rPr lang="en-US" dirty="0" err="1"/>
-              <a:t>purus</a:t>
-            </a:r>
-            <a:r>
-              <a:rPr lang="en-US" dirty="0"/>
-              <a:t> </a:t>
-            </a:r>
-            <a:r>
-              <a:rPr lang="en-US" dirty="0" err="1"/>
-              <a:t>lectus</a:t>
-            </a:r>
-            <a:r>
-              <a:rPr lang="en-US" dirty="0"/>
-              <a:t> </a:t>
-            </a:r>
-            <a:r>
-              <a:rPr lang="en-US" dirty="0" err="1"/>
-              <a:t>malesuada</a:t>
-            </a:r>
-            <a:r>
-              <a:rPr lang="en-US" dirty="0"/>
-              <a:t> libero, sit </a:t>
-            </a:r>
-            <a:r>
-              <a:rPr lang="en-US" dirty="0" err="1"/>
-              <a:t>amet</a:t>
-            </a:r>
-            <a:r>
-              <a:rPr lang="en-US" dirty="0"/>
-              <a:t> </a:t>
-            </a:r>
-            <a:r>
-              <a:rPr lang="en-US" dirty="0" err="1"/>
-              <a:t>commodo</a:t>
-            </a:r>
-            <a:r>
-              <a:rPr lang="en-US" dirty="0"/>
-              <a:t> magna eros </a:t>
-            </a:r>
-            <a:r>
-              <a:rPr lang="en-US" dirty="0" err="1"/>
-              <a:t>quis</a:t>
-            </a:r>
-            <a:r>
-              <a:rPr lang="en-US" dirty="0"/>
-              <a:t> </a:t>
-            </a:r>
-            <a:r>
-              <a:rPr lang="en-US" dirty="0" err="1"/>
-              <a:t>urna</a:t>
-            </a:r>
-            <a:r>
-              <a:rPr lang="en-US" dirty="0"/>
-              <a:t>. Lorem ipsum dolor sit </a:t>
-            </a:r>
-            <a:r>
-              <a:rPr lang="en-US" dirty="0" err="1"/>
-              <a:t>amet</a:t>
-            </a:r>
-            <a:r>
-              <a:rPr lang="en-US" dirty="0"/>
-              <a:t>, </a:t>
-            </a:r>
-            <a:r>
-              <a:rPr lang="en-US" dirty="0" err="1"/>
-              <a:t>consectetuer</a:t>
-            </a:r>
-            <a:r>
-              <a:rPr lang="en-US" dirty="0"/>
-              <a:t> </a:t>
-            </a:r>
-            <a:r>
-              <a:rPr lang="en-US" dirty="0" err="1"/>
-              <a:t>adipiscing</a:t>
-            </a:r>
-            <a:r>
-              <a:rPr lang="en-US" dirty="0"/>
-              <a:t> </a:t>
-            </a:r>
-            <a:r>
-              <a:rPr lang="en-US" dirty="0" err="1"/>
-              <a:t>elit</a:t>
-            </a:r>
-            <a:r>
-              <a:rPr lang="en-US" dirty="0"/>
-              <a:t>. Maecenas </a:t>
-            </a:r>
-            <a:r>
-              <a:rPr lang="en-US" dirty="0" err="1"/>
-              <a:t>porttitor</a:t>
-            </a:r>
-            <a:r>
-              <a:rPr lang="en-US" dirty="0"/>
-              <a:t> </a:t>
-            </a:r>
-            <a:r>
-              <a:rPr lang="en-US" dirty="0" err="1"/>
-              <a:t>congue</a:t>
-            </a:r>
-            <a:r>
-              <a:rPr lang="en-US" dirty="0"/>
-              <a:t> </a:t>
-            </a:r>
-            <a:r>
-              <a:rPr lang="en-US" dirty="0" err="1"/>
-              <a:t>massa</a:t>
-            </a:r>
-            <a:r>
-              <a:rPr lang="en-US" dirty="0"/>
-              <a:t>. </a:t>
             </a:r>
           </a:p>
           <a:p>
@@ -4045,8 +4015,8 @@
         </p:nvSpPr>
         <p:spPr>
           <a:xfrm>
-            <a:off x="1047750" y="8470900"/>
-            <a:ext cx="9663114" cy="8873147"/>
+            <a:off x="1047750" y="8470901"/>
+            <a:ext cx="9663114" cy="3744416"/>
           </a:xfrm>
         </p:spPr>
         <p:txBody>
@@ -4054,29 +4024,26 @@
           <a:lstStyle/>
           <a:p>
             <a:r>
-              <a:rPr lang="en-US" dirty="0"/>
+              <a:rPr lang="en-US" sz="4000" dirty="0"/>
               <a:t>BACKGROUND:</a:t>
             </a:r>
             <a:r>
-              <a:rPr lang="cs-CZ" dirty="0"/>
+              <a:rPr lang="cs-CZ" sz="4000" dirty="0"/>
               <a:t> </a:t>
             </a:r>
             <a:r>
-              <a:rPr lang="en-US" b="0" dirty="0"/>
+              <a:rPr lang="en-US" sz="4000" b="0" dirty="0"/>
               <a:t>There is a great demand for making more research data openly available.</a:t>
             </a:r>
             <a:r>
-              <a:rPr lang="cs-CZ" b="0" dirty="0"/>
+              <a:rPr lang="cs-CZ" sz="4000" b="0" dirty="0"/>
               <a:t> </a:t>
             </a:r>
             <a:r>
-              <a:rPr lang="en-US" b="0" dirty="0"/>
+              <a:rPr lang="en-US" sz="4000" b="0" dirty="0"/>
               <a:t>Unfortunately, many datasets cannot be publicly available for privacy reasons.</a:t>
             </a:r>
-            <a:endParaRPr lang="en-US" dirty="0"/>
-          </a:p>
-          <a:p>
-            <a:endParaRPr lang="en-US" dirty="0"/>
+            <a:endParaRPr lang="en-US" sz="4000" dirty="0"/>
           </a:p>
         </p:txBody>
       </p:sp>
@@ -4112,489 +4079,973 @@
               </a:spcAft>
             </a:pPr>
             <a:r>
-              <a:rPr lang="en-US" sz="4800" b="1" dirty="0"/>
+              <a:rPr lang="en-US" sz="4800" b="1" dirty="0">
+                <a:solidFill>
+                  <a:srgbClr val="FF0000"/>
+                </a:solidFill>
+              </a:rPr>
               <a:t>Subtitle (48 Pt. bold)</a:t>
             </a:r>
           </a:p>
           <a:p>
             <a:r>
-              <a:rPr lang="en-US" b="1" dirty="0"/>
+              <a:rPr lang="en-US" b="1" dirty="0">
+                <a:solidFill>
+                  <a:srgbClr val="FF0000"/>
+                </a:solidFill>
+              </a:rPr>
               <a:t>Subtitle (30 Pt. bold)</a:t>
             </a:r>
-            <a:endParaRPr lang="en-US" dirty="0"/>
-          </a:p>
-          <a:p>
-            <a:r>
-              <a:rPr lang="en-US" dirty="0"/>
+            <a:endParaRPr lang="en-US" dirty="0">
+              <a:solidFill>
+                <a:srgbClr val="FF0000"/>
+              </a:solidFill>
+            </a:endParaRPr>
+          </a:p>
+          <a:p>
+            <a:r>
+              <a:rPr lang="en-US" dirty="0">
+                <a:solidFill>
+                  <a:srgbClr val="FF0000"/>
+                </a:solidFill>
+              </a:rPr>
               <a:t>Lorem ipsum dolor sit </a:t>
             </a:r>
             <a:r>
-              <a:rPr lang="en-US" dirty="0" err="1"/>
+              <a:rPr lang="en-US" dirty="0" err="1">
+                <a:solidFill>
+                  <a:srgbClr val="FF0000"/>
+                </a:solidFill>
+              </a:rPr>
               <a:t>amet</a:t>
             </a:r>
             <a:r>
-              <a:rPr lang="en-US" dirty="0"/>
+              <a:rPr lang="en-US" dirty="0">
+                <a:solidFill>
+                  <a:srgbClr val="FF0000"/>
+                </a:solidFill>
+              </a:rPr>
               <a:t>, </a:t>
             </a:r>
             <a:r>
-              <a:rPr lang="en-US" dirty="0" err="1"/>
+              <a:rPr lang="en-US" dirty="0" err="1">
+                <a:solidFill>
+                  <a:srgbClr val="FF0000"/>
+                </a:solidFill>
+              </a:rPr>
               <a:t>consectetuer</a:t>
             </a:r>
             <a:r>
-              <a:rPr lang="en-US" dirty="0"/>
+              <a:rPr lang="en-US" dirty="0">
+                <a:solidFill>
+                  <a:srgbClr val="FF0000"/>
+                </a:solidFill>
+              </a:rPr>
               <a:t> </a:t>
             </a:r>
             <a:r>
-              <a:rPr lang="en-US" dirty="0" err="1"/>
+              <a:rPr lang="en-US" dirty="0" err="1">
+                <a:solidFill>
+                  <a:srgbClr val="FF0000"/>
+                </a:solidFill>
+              </a:rPr>
               <a:t>adipiscing</a:t>
             </a:r>
             <a:r>
-              <a:rPr lang="en-US" dirty="0"/>
+              <a:rPr lang="en-US" dirty="0">
+                <a:solidFill>
+                  <a:srgbClr val="FF0000"/>
+                </a:solidFill>
+              </a:rPr>
               <a:t> </a:t>
             </a:r>
             <a:r>
-              <a:rPr lang="en-US" dirty="0" err="1"/>
+              <a:rPr lang="en-US" dirty="0" err="1">
+                <a:solidFill>
+                  <a:srgbClr val="FF0000"/>
+                </a:solidFill>
+              </a:rPr>
               <a:t>elit</a:t>
             </a:r>
             <a:r>
-              <a:rPr lang="en-US" dirty="0"/>
+              <a:rPr lang="en-US" dirty="0">
+                <a:solidFill>
+                  <a:srgbClr val="FF0000"/>
+                </a:solidFill>
+              </a:rPr>
               <a:t>. Maecenas </a:t>
             </a:r>
             <a:r>
-              <a:rPr lang="en-US" dirty="0" err="1"/>
+              <a:rPr lang="en-US" dirty="0" err="1">
+                <a:solidFill>
+                  <a:srgbClr val="FF0000"/>
+                </a:solidFill>
+              </a:rPr>
               <a:t>porttitor</a:t>
             </a:r>
             <a:r>
-              <a:rPr lang="en-US" dirty="0"/>
+              <a:rPr lang="en-US" dirty="0">
+                <a:solidFill>
+                  <a:srgbClr val="FF0000"/>
+                </a:solidFill>
+              </a:rPr>
               <a:t> </a:t>
             </a:r>
             <a:r>
-              <a:rPr lang="en-US" dirty="0" err="1"/>
+              <a:rPr lang="en-US" dirty="0" err="1">
+                <a:solidFill>
+                  <a:srgbClr val="FF0000"/>
+                </a:solidFill>
+              </a:rPr>
               <a:t>congue</a:t>
             </a:r>
             <a:r>
-              <a:rPr lang="en-US" dirty="0"/>
+              <a:rPr lang="en-US" dirty="0">
+                <a:solidFill>
+                  <a:srgbClr val="FF0000"/>
+                </a:solidFill>
+              </a:rPr>
               <a:t> </a:t>
             </a:r>
             <a:r>
-              <a:rPr lang="en-US" dirty="0" err="1"/>
+              <a:rPr lang="en-US" dirty="0" err="1">
+                <a:solidFill>
+                  <a:srgbClr val="FF0000"/>
+                </a:solidFill>
+              </a:rPr>
               <a:t>massa</a:t>
             </a:r>
             <a:r>
-              <a:rPr lang="en-US" dirty="0"/>
+              <a:rPr lang="en-US" dirty="0">
+                <a:solidFill>
+                  <a:srgbClr val="FF0000"/>
+                </a:solidFill>
+              </a:rPr>
               <a:t>. </a:t>
             </a:r>
             <a:r>
-              <a:rPr lang="en-US" dirty="0" err="1"/>
+              <a:rPr lang="en-US" dirty="0" err="1">
+                <a:solidFill>
+                  <a:srgbClr val="FF0000"/>
+                </a:solidFill>
+              </a:rPr>
               <a:t>Fusce</a:t>
             </a:r>
             <a:r>
-              <a:rPr lang="en-US" dirty="0"/>
+              <a:rPr lang="en-US" dirty="0">
+                <a:solidFill>
+                  <a:srgbClr val="FF0000"/>
+                </a:solidFill>
+              </a:rPr>
               <a:t> </a:t>
             </a:r>
             <a:r>
-              <a:rPr lang="en-US" dirty="0" err="1"/>
+              <a:rPr lang="en-US" dirty="0" err="1">
+                <a:solidFill>
+                  <a:srgbClr val="FF0000"/>
+                </a:solidFill>
+              </a:rPr>
               <a:t>posuere</a:t>
             </a:r>
             <a:r>
-              <a:rPr lang="en-US" dirty="0"/>
+              <a:rPr lang="en-US" dirty="0">
+                <a:solidFill>
+                  <a:srgbClr val="FF0000"/>
+                </a:solidFill>
+              </a:rPr>
               <a:t>, magna sed pulvinar </a:t>
             </a:r>
             <a:r>
-              <a:rPr lang="en-US" dirty="0" err="1"/>
+              <a:rPr lang="en-US" dirty="0" err="1">
+                <a:solidFill>
+                  <a:srgbClr val="FF0000"/>
+                </a:solidFill>
+              </a:rPr>
               <a:t>ultricies</a:t>
             </a:r>
             <a:r>
-              <a:rPr lang="en-US" dirty="0"/>
+              <a:rPr lang="en-US" dirty="0">
+                <a:solidFill>
+                  <a:srgbClr val="FF0000"/>
+                </a:solidFill>
+              </a:rPr>
               <a:t>, </a:t>
             </a:r>
             <a:r>
-              <a:rPr lang="en-US" dirty="0" err="1"/>
+              <a:rPr lang="en-US" dirty="0" err="1">
+                <a:solidFill>
+                  <a:srgbClr val="FF0000"/>
+                </a:solidFill>
+              </a:rPr>
               <a:t>purus</a:t>
             </a:r>
             <a:r>
-              <a:rPr lang="en-US" dirty="0"/>
+              <a:rPr lang="en-US" dirty="0">
+                <a:solidFill>
+                  <a:srgbClr val="FF0000"/>
+                </a:solidFill>
+              </a:rPr>
               <a:t> </a:t>
             </a:r>
             <a:r>
-              <a:rPr lang="en-US" dirty="0" err="1"/>
+              <a:rPr lang="en-US" dirty="0" err="1">
+                <a:solidFill>
+                  <a:srgbClr val="FF0000"/>
+                </a:solidFill>
+              </a:rPr>
               <a:t>lectus</a:t>
             </a:r>
             <a:r>
-              <a:rPr lang="en-US" dirty="0"/>
+              <a:rPr lang="en-US" dirty="0">
+                <a:solidFill>
+                  <a:srgbClr val="FF0000"/>
+                </a:solidFill>
+              </a:rPr>
               <a:t> </a:t>
             </a:r>
             <a:r>
-              <a:rPr lang="en-US" dirty="0" err="1"/>
+              <a:rPr lang="en-US" dirty="0" err="1">
+                <a:solidFill>
+                  <a:srgbClr val="FF0000"/>
+                </a:solidFill>
+              </a:rPr>
               <a:t>malesuada</a:t>
             </a:r>
             <a:r>
-              <a:rPr lang="en-US" dirty="0"/>
+              <a:rPr lang="en-US" dirty="0">
+                <a:solidFill>
+                  <a:srgbClr val="FF0000"/>
+                </a:solidFill>
+              </a:rPr>
               <a:t> libero, sit </a:t>
             </a:r>
             <a:r>
-              <a:rPr lang="en-US" dirty="0" err="1"/>
+              <a:rPr lang="en-US" dirty="0" err="1">
+                <a:solidFill>
+                  <a:srgbClr val="FF0000"/>
+                </a:solidFill>
+              </a:rPr>
               <a:t>amet</a:t>
             </a:r>
             <a:r>
-              <a:rPr lang="en-US" dirty="0"/>
+              <a:rPr lang="en-US" dirty="0">
+                <a:solidFill>
+                  <a:srgbClr val="FF0000"/>
+                </a:solidFill>
+              </a:rPr>
               <a:t> </a:t>
             </a:r>
             <a:r>
-              <a:rPr lang="en-US" dirty="0" err="1"/>
+              <a:rPr lang="en-US" dirty="0" err="1">
+                <a:solidFill>
+                  <a:srgbClr val="FF0000"/>
+                </a:solidFill>
+              </a:rPr>
               <a:t>commodo</a:t>
             </a:r>
             <a:r>
-              <a:rPr lang="en-US" dirty="0"/>
+              <a:rPr lang="en-US" dirty="0">
+                <a:solidFill>
+                  <a:srgbClr val="FF0000"/>
+                </a:solidFill>
+              </a:rPr>
               <a:t> magna eros </a:t>
             </a:r>
             <a:r>
-              <a:rPr lang="en-US" dirty="0" err="1"/>
+              <a:rPr lang="en-US" dirty="0" err="1">
+                <a:solidFill>
+                  <a:srgbClr val="FF0000"/>
+                </a:solidFill>
+              </a:rPr>
               <a:t>quis</a:t>
             </a:r>
             <a:r>
-              <a:rPr lang="en-US" dirty="0"/>
+              <a:rPr lang="en-US" dirty="0">
+                <a:solidFill>
+                  <a:srgbClr val="FF0000"/>
+                </a:solidFill>
+              </a:rPr>
               <a:t> </a:t>
             </a:r>
             <a:r>
-              <a:rPr lang="en-US" dirty="0" err="1"/>
+              <a:rPr lang="en-US" dirty="0" err="1">
+                <a:solidFill>
+                  <a:srgbClr val="FF0000"/>
+                </a:solidFill>
+              </a:rPr>
               <a:t>urna</a:t>
             </a:r>
             <a:r>
-              <a:rPr lang="en-US" dirty="0"/>
+              <a:rPr lang="en-US" dirty="0">
+                <a:solidFill>
+                  <a:srgbClr val="FF0000"/>
+                </a:solidFill>
+              </a:rPr>
               <a:t>.</a:t>
             </a:r>
           </a:p>
           <a:p>
             <a:pPr lvl="1"/>
             <a:r>
-              <a:rPr lang="en-US" dirty="0"/>
+              <a:rPr lang="en-US" dirty="0">
+                <a:solidFill>
+                  <a:srgbClr val="FF0000"/>
+                </a:solidFill>
+              </a:rPr>
               <a:t>Lorem ipsum dolor sit </a:t>
             </a:r>
             <a:r>
-              <a:rPr lang="en-US" dirty="0" err="1"/>
+              <a:rPr lang="en-US" dirty="0" err="1">
+                <a:solidFill>
+                  <a:srgbClr val="FF0000"/>
+                </a:solidFill>
+              </a:rPr>
               <a:t>amet</a:t>
             </a:r>
-            <a:endParaRPr lang="en-US" dirty="0"/>
+            <a:endParaRPr lang="en-US" dirty="0">
+              <a:solidFill>
+                <a:srgbClr val="FF0000"/>
+              </a:solidFill>
+            </a:endParaRPr>
           </a:p>
           <a:p>
             <a:pPr lvl="1"/>
             <a:r>
-              <a:rPr lang="en-US" dirty="0"/>
+              <a:rPr lang="en-US" dirty="0">
+                <a:solidFill>
+                  <a:srgbClr val="FF0000"/>
+                </a:solidFill>
+              </a:rPr>
               <a:t>Lorem ipsum dolor sit </a:t>
             </a:r>
             <a:r>
-              <a:rPr lang="en-US" dirty="0" err="1"/>
+              <a:rPr lang="en-US" dirty="0" err="1">
+                <a:solidFill>
+                  <a:srgbClr val="FF0000"/>
+                </a:solidFill>
+              </a:rPr>
               <a:t>amet</a:t>
             </a:r>
-            <a:endParaRPr lang="en-US" dirty="0"/>
+            <a:endParaRPr lang="en-US" dirty="0">
+              <a:solidFill>
+                <a:srgbClr val="FF0000"/>
+              </a:solidFill>
+            </a:endParaRPr>
           </a:p>
           <a:p>
             <a:pPr lvl="1"/>
             <a:r>
-              <a:rPr lang="en-US" dirty="0"/>
+              <a:rPr lang="en-US" dirty="0">
+                <a:solidFill>
+                  <a:srgbClr val="FF0000"/>
+                </a:solidFill>
+              </a:rPr>
               <a:t>Lorem ipsum dolor sit </a:t>
             </a:r>
             <a:r>
-              <a:rPr lang="en-US" dirty="0" err="1"/>
+              <a:rPr lang="en-US" dirty="0" err="1">
+                <a:solidFill>
+                  <a:srgbClr val="FF0000"/>
+                </a:solidFill>
+              </a:rPr>
               <a:t>amet</a:t>
             </a:r>
-            <a:endParaRPr lang="en-US" dirty="0"/>
+            <a:endParaRPr lang="en-US" dirty="0">
+              <a:solidFill>
+                <a:srgbClr val="FF0000"/>
+              </a:solidFill>
+            </a:endParaRPr>
           </a:p>
           <a:p>
             <a:pPr lvl="1"/>
             <a:r>
-              <a:rPr lang="en-US" dirty="0"/>
+              <a:rPr lang="en-US" dirty="0">
+                <a:solidFill>
+                  <a:srgbClr val="FF0000"/>
+                </a:solidFill>
+              </a:rPr>
               <a:t>Lorem ipsum dolor sit </a:t>
             </a:r>
             <a:r>
-              <a:rPr lang="en-US" dirty="0" err="1"/>
+              <a:rPr lang="en-US" dirty="0" err="1">
+                <a:solidFill>
+                  <a:srgbClr val="FF0000"/>
+                </a:solidFill>
+              </a:rPr>
               <a:t>amet</a:t>
             </a:r>
-            <a:endParaRPr lang="en-US" dirty="0"/>
+            <a:endParaRPr lang="en-US" dirty="0">
+              <a:solidFill>
+                <a:srgbClr val="FF0000"/>
+              </a:solidFill>
+            </a:endParaRPr>
           </a:p>
           <a:p>
             <a:pPr lvl="1"/>
             <a:r>
-              <a:rPr lang="en-US" dirty="0"/>
+              <a:rPr lang="en-US" dirty="0">
+                <a:solidFill>
+                  <a:srgbClr val="FF0000"/>
+                </a:solidFill>
+              </a:rPr>
               <a:t>Lorem ipsum dolor sit </a:t>
             </a:r>
             <a:r>
-              <a:rPr lang="en-US" dirty="0" err="1"/>
+              <a:rPr lang="en-US" dirty="0" err="1">
+                <a:solidFill>
+                  <a:srgbClr val="FF0000"/>
+                </a:solidFill>
+              </a:rPr>
               <a:t>amet</a:t>
             </a:r>
-            <a:endParaRPr lang="en-US" dirty="0"/>
+            <a:endParaRPr lang="en-US" dirty="0">
+              <a:solidFill>
+                <a:srgbClr val="FF0000"/>
+              </a:solidFill>
+            </a:endParaRPr>
           </a:p>
           <a:p>
             <a:pPr lvl="1"/>
             <a:r>
-              <a:rPr lang="en-US" dirty="0"/>
+              <a:rPr lang="en-US" dirty="0">
+                <a:solidFill>
+                  <a:srgbClr val="FF0000"/>
+                </a:solidFill>
+              </a:rPr>
               <a:t>Lorem ipsum dolor sit </a:t>
             </a:r>
             <a:r>
-              <a:rPr lang="en-US" dirty="0" err="1"/>
+              <a:rPr lang="en-US" dirty="0" err="1">
+                <a:solidFill>
+                  <a:srgbClr val="FF0000"/>
+                </a:solidFill>
+              </a:rPr>
               <a:t>amet</a:t>
             </a:r>
-            <a:endParaRPr lang="en-US" dirty="0"/>
+            <a:endParaRPr lang="en-US" dirty="0">
+              <a:solidFill>
+                <a:srgbClr val="FF0000"/>
+              </a:solidFill>
+            </a:endParaRPr>
           </a:p>
           <a:p>
             <a:pPr lvl="1"/>
             <a:r>
-              <a:rPr lang="en-US" dirty="0"/>
+              <a:rPr lang="en-US" dirty="0">
+                <a:solidFill>
+                  <a:srgbClr val="FF0000"/>
+                </a:solidFill>
+              </a:rPr>
               <a:t>Lorem ipsum dolor sit </a:t>
             </a:r>
             <a:r>
-              <a:rPr lang="en-US" dirty="0" err="1"/>
+              <a:rPr lang="en-US" dirty="0" err="1">
+                <a:solidFill>
+                  <a:srgbClr val="FF0000"/>
+                </a:solidFill>
+              </a:rPr>
               <a:t>amet</a:t>
             </a:r>
-            <a:endParaRPr lang="en-US" dirty="0"/>
-          </a:p>
-          <a:p>
-            <a:endParaRPr lang="en-US" dirty="0"/>
-          </a:p>
-          <a:p>
-            <a:r>
-              <a:rPr lang="en-US" dirty="0"/>
+            <a:endParaRPr lang="en-US" dirty="0">
+              <a:solidFill>
+                <a:srgbClr val="FF0000"/>
+              </a:solidFill>
+            </a:endParaRPr>
+          </a:p>
+          <a:p>
+            <a:endParaRPr lang="en-US" dirty="0">
+              <a:solidFill>
+                <a:srgbClr val="FF0000"/>
+              </a:solidFill>
+            </a:endParaRPr>
+          </a:p>
+          <a:p>
+            <a:r>
+              <a:rPr lang="en-US" dirty="0">
+                <a:solidFill>
+                  <a:srgbClr val="FF0000"/>
+                </a:solidFill>
+              </a:rPr>
               <a:t>Lorem ipsum dolor sit </a:t>
             </a:r>
             <a:r>
-              <a:rPr lang="en-US" dirty="0" err="1"/>
+              <a:rPr lang="en-US" dirty="0" err="1">
+                <a:solidFill>
+                  <a:srgbClr val="FF0000"/>
+                </a:solidFill>
+              </a:rPr>
               <a:t>amet</a:t>
             </a:r>
             <a:r>
-              <a:rPr lang="en-US" dirty="0"/>
+              <a:rPr lang="en-US" dirty="0">
+                <a:solidFill>
+                  <a:srgbClr val="FF0000"/>
+                </a:solidFill>
+              </a:rPr>
               <a:t>, </a:t>
             </a:r>
             <a:r>
-              <a:rPr lang="en-US" dirty="0" err="1"/>
+              <a:rPr lang="en-US" dirty="0" err="1">
+                <a:solidFill>
+                  <a:srgbClr val="FF0000"/>
+                </a:solidFill>
+              </a:rPr>
               <a:t>consectetuer</a:t>
             </a:r>
             <a:r>
-              <a:rPr lang="en-US" dirty="0"/>
+              <a:rPr lang="en-US" dirty="0">
+                <a:solidFill>
+                  <a:srgbClr val="FF0000"/>
+                </a:solidFill>
+              </a:rPr>
               <a:t> </a:t>
             </a:r>
             <a:r>
-              <a:rPr lang="en-US" dirty="0" err="1"/>
+              <a:rPr lang="en-US" dirty="0" err="1">
+                <a:solidFill>
+                  <a:srgbClr val="FF0000"/>
+                </a:solidFill>
+              </a:rPr>
               <a:t>adipiscing</a:t>
             </a:r>
             <a:r>
-              <a:rPr lang="en-US" dirty="0"/>
+              <a:rPr lang="en-US" dirty="0">
+                <a:solidFill>
+                  <a:srgbClr val="FF0000"/>
+                </a:solidFill>
+              </a:rPr>
               <a:t> </a:t>
             </a:r>
             <a:r>
-              <a:rPr lang="en-US" dirty="0" err="1"/>
+              <a:rPr lang="en-US" dirty="0" err="1">
+                <a:solidFill>
+                  <a:srgbClr val="FF0000"/>
+                </a:solidFill>
+              </a:rPr>
               <a:t>elit</a:t>
             </a:r>
             <a:r>
-              <a:rPr lang="en-US" dirty="0"/>
+              <a:rPr lang="en-US" dirty="0">
+                <a:solidFill>
+                  <a:srgbClr val="FF0000"/>
+                </a:solidFill>
+              </a:rPr>
               <a:t>. Maecenas </a:t>
             </a:r>
             <a:r>
-              <a:rPr lang="en-US" dirty="0" err="1"/>
+              <a:rPr lang="en-US" dirty="0" err="1">
+                <a:solidFill>
+                  <a:srgbClr val="FF0000"/>
+                </a:solidFill>
+              </a:rPr>
               <a:t>porttitor</a:t>
             </a:r>
             <a:r>
-              <a:rPr lang="en-US" dirty="0"/>
+              <a:rPr lang="en-US" dirty="0">
+                <a:solidFill>
+                  <a:srgbClr val="FF0000"/>
+                </a:solidFill>
+              </a:rPr>
               <a:t> </a:t>
             </a:r>
             <a:r>
-              <a:rPr lang="en-US" dirty="0" err="1"/>
+              <a:rPr lang="en-US" dirty="0" err="1">
+                <a:solidFill>
+                  <a:srgbClr val="FF0000"/>
+                </a:solidFill>
+              </a:rPr>
               <a:t>congue</a:t>
             </a:r>
             <a:r>
-              <a:rPr lang="en-US" dirty="0"/>
+              <a:rPr lang="en-US" dirty="0">
+                <a:solidFill>
+                  <a:srgbClr val="FF0000"/>
+                </a:solidFill>
+              </a:rPr>
               <a:t> </a:t>
             </a:r>
             <a:r>
-              <a:rPr lang="en-US" dirty="0" err="1"/>
+              <a:rPr lang="en-US" dirty="0" err="1">
+                <a:solidFill>
+                  <a:srgbClr val="FF0000"/>
+                </a:solidFill>
+              </a:rPr>
               <a:t>massa</a:t>
             </a:r>
             <a:r>
-              <a:rPr lang="en-US" dirty="0"/>
+              <a:rPr lang="en-US" dirty="0">
+                <a:solidFill>
+                  <a:srgbClr val="FF0000"/>
+                </a:solidFill>
+              </a:rPr>
               <a:t>. </a:t>
             </a:r>
             <a:r>
-              <a:rPr lang="en-US" dirty="0" err="1"/>
+              <a:rPr lang="en-US" dirty="0" err="1">
+                <a:solidFill>
+                  <a:srgbClr val="FF0000"/>
+                </a:solidFill>
+              </a:rPr>
               <a:t>Fusce</a:t>
             </a:r>
             <a:r>
-              <a:rPr lang="en-US" dirty="0"/>
+              <a:rPr lang="en-US" dirty="0">
+                <a:solidFill>
+                  <a:srgbClr val="FF0000"/>
+                </a:solidFill>
+              </a:rPr>
               <a:t> </a:t>
             </a:r>
             <a:r>
-              <a:rPr lang="en-US" dirty="0" err="1"/>
+              <a:rPr lang="en-US" dirty="0" err="1">
+                <a:solidFill>
+                  <a:srgbClr val="FF0000"/>
+                </a:solidFill>
+              </a:rPr>
               <a:t>posuere</a:t>
             </a:r>
             <a:r>
-              <a:rPr lang="en-US" dirty="0"/>
+              <a:rPr lang="en-US" dirty="0">
+                <a:solidFill>
+                  <a:srgbClr val="FF0000"/>
+                </a:solidFill>
+              </a:rPr>
               <a:t>, magna sed pulvinar </a:t>
             </a:r>
             <a:r>
-              <a:rPr lang="en-US" dirty="0" err="1"/>
+              <a:rPr lang="en-US" dirty="0" err="1">
+                <a:solidFill>
+                  <a:srgbClr val="FF0000"/>
+                </a:solidFill>
+              </a:rPr>
               <a:t>ultricies</a:t>
             </a:r>
             <a:r>
-              <a:rPr lang="en-US" dirty="0"/>
+              <a:rPr lang="en-US" dirty="0">
+                <a:solidFill>
+                  <a:srgbClr val="FF0000"/>
+                </a:solidFill>
+              </a:rPr>
               <a:t>, </a:t>
             </a:r>
             <a:r>
-              <a:rPr lang="en-US" dirty="0" err="1"/>
+              <a:rPr lang="en-US" dirty="0" err="1">
+                <a:solidFill>
+                  <a:srgbClr val="FF0000"/>
+                </a:solidFill>
+              </a:rPr>
               <a:t>purus</a:t>
             </a:r>
             <a:r>
-              <a:rPr lang="en-US" dirty="0"/>
+              <a:rPr lang="en-US" dirty="0">
+                <a:solidFill>
+                  <a:srgbClr val="FF0000"/>
+                </a:solidFill>
+              </a:rPr>
               <a:t> </a:t>
             </a:r>
             <a:r>
-              <a:rPr lang="en-US" dirty="0" err="1"/>
+              <a:rPr lang="en-US" dirty="0" err="1">
+                <a:solidFill>
+                  <a:srgbClr val="FF0000"/>
+                </a:solidFill>
+              </a:rPr>
               <a:t>lectus</a:t>
             </a:r>
             <a:r>
-              <a:rPr lang="en-US" dirty="0"/>
+              <a:rPr lang="en-US" dirty="0">
+                <a:solidFill>
+                  <a:srgbClr val="FF0000"/>
+                </a:solidFill>
+              </a:rPr>
               <a:t> </a:t>
             </a:r>
             <a:r>
-              <a:rPr lang="en-US" dirty="0" err="1"/>
+              <a:rPr lang="en-US" dirty="0" err="1">
+                <a:solidFill>
+                  <a:srgbClr val="FF0000"/>
+                </a:solidFill>
+              </a:rPr>
               <a:t>malesuada</a:t>
             </a:r>
             <a:r>
-              <a:rPr lang="en-US" dirty="0"/>
+              <a:rPr lang="en-US" dirty="0">
+                <a:solidFill>
+                  <a:srgbClr val="FF0000"/>
+                </a:solidFill>
+              </a:rPr>
               <a:t> libero, sit </a:t>
             </a:r>
             <a:r>
-              <a:rPr lang="en-US" dirty="0" err="1"/>
+              <a:rPr lang="en-US" dirty="0" err="1">
+                <a:solidFill>
+                  <a:srgbClr val="FF0000"/>
+                </a:solidFill>
+              </a:rPr>
               <a:t>amet</a:t>
             </a:r>
             <a:r>
-              <a:rPr lang="en-US" dirty="0"/>
+              <a:rPr lang="en-US" dirty="0">
+                <a:solidFill>
+                  <a:srgbClr val="FF0000"/>
+                </a:solidFill>
+              </a:rPr>
               <a:t> </a:t>
             </a:r>
             <a:r>
-              <a:rPr lang="en-US" dirty="0" err="1"/>
+              <a:rPr lang="en-US" dirty="0" err="1">
+                <a:solidFill>
+                  <a:srgbClr val="FF0000"/>
+                </a:solidFill>
+              </a:rPr>
               <a:t>commodo</a:t>
             </a:r>
             <a:r>
-              <a:rPr lang="en-US" dirty="0"/>
+              <a:rPr lang="en-US" dirty="0">
+                <a:solidFill>
+                  <a:srgbClr val="FF0000"/>
+                </a:solidFill>
+              </a:rPr>
               <a:t> magna eros </a:t>
             </a:r>
             <a:r>
-              <a:rPr lang="en-US" dirty="0" err="1"/>
+              <a:rPr lang="en-US" dirty="0" err="1">
+                <a:solidFill>
+                  <a:srgbClr val="FF0000"/>
+                </a:solidFill>
+              </a:rPr>
               <a:t>quis</a:t>
             </a:r>
             <a:r>
-              <a:rPr lang="en-US" dirty="0"/>
+              <a:rPr lang="en-US" dirty="0">
+                <a:solidFill>
+                  <a:srgbClr val="FF0000"/>
+                </a:solidFill>
+              </a:rPr>
               <a:t> </a:t>
             </a:r>
             <a:r>
-              <a:rPr lang="en-US" dirty="0" err="1"/>
+              <a:rPr lang="en-US" dirty="0" err="1">
+                <a:solidFill>
+                  <a:srgbClr val="FF0000"/>
+                </a:solidFill>
+              </a:rPr>
               <a:t>urna</a:t>
             </a:r>
             <a:r>
-              <a:rPr lang="en-US" dirty="0"/>
+              <a:rPr lang="en-US" dirty="0">
+                <a:solidFill>
+                  <a:srgbClr val="FF0000"/>
+                </a:solidFill>
+              </a:rPr>
               <a:t>. Lorem ipsum dolor sit </a:t>
             </a:r>
             <a:r>
-              <a:rPr lang="en-US" dirty="0" err="1"/>
+              <a:rPr lang="en-US" dirty="0" err="1">
+                <a:solidFill>
+                  <a:srgbClr val="FF0000"/>
+                </a:solidFill>
+              </a:rPr>
               <a:t>amet</a:t>
             </a:r>
             <a:r>
-              <a:rPr lang="en-US" dirty="0"/>
+              <a:rPr lang="en-US" dirty="0">
+                <a:solidFill>
+                  <a:srgbClr val="FF0000"/>
+                </a:solidFill>
+              </a:rPr>
               <a:t>, </a:t>
             </a:r>
             <a:r>
-              <a:rPr lang="en-US" dirty="0" err="1"/>
+              <a:rPr lang="en-US" dirty="0" err="1">
+                <a:solidFill>
+                  <a:srgbClr val="FF0000"/>
+                </a:solidFill>
+              </a:rPr>
               <a:t>consectetuer</a:t>
             </a:r>
             <a:r>
-              <a:rPr lang="en-US" dirty="0"/>
+              <a:rPr lang="en-US" dirty="0">
+                <a:solidFill>
+                  <a:srgbClr val="FF0000"/>
+                </a:solidFill>
+              </a:rPr>
               <a:t> </a:t>
             </a:r>
             <a:r>
-              <a:rPr lang="en-US" dirty="0" err="1"/>
+              <a:rPr lang="en-US" dirty="0" err="1">
+                <a:solidFill>
+                  <a:srgbClr val="FF0000"/>
+                </a:solidFill>
+              </a:rPr>
               <a:t>adipiscing</a:t>
             </a:r>
             <a:r>
-              <a:rPr lang="en-US" dirty="0"/>
+              <a:rPr lang="en-US" dirty="0">
+                <a:solidFill>
+                  <a:srgbClr val="FF0000"/>
+                </a:solidFill>
+              </a:rPr>
               <a:t> </a:t>
             </a:r>
             <a:r>
-              <a:rPr lang="en-US" dirty="0" err="1"/>
+              <a:rPr lang="en-US" dirty="0" err="1">
+                <a:solidFill>
+                  <a:srgbClr val="FF0000"/>
+                </a:solidFill>
+              </a:rPr>
               <a:t>elit</a:t>
             </a:r>
             <a:r>
-              <a:rPr lang="en-US" dirty="0"/>
+              <a:rPr lang="en-US" dirty="0">
+                <a:solidFill>
+                  <a:srgbClr val="FF0000"/>
+                </a:solidFill>
+              </a:rPr>
               <a:t>. Maecenas </a:t>
             </a:r>
             <a:r>
-              <a:rPr lang="en-US" dirty="0" err="1"/>
+              <a:rPr lang="en-US" dirty="0" err="1">
+                <a:solidFill>
+                  <a:srgbClr val="FF0000"/>
+                </a:solidFill>
+              </a:rPr>
               <a:t>porttitor</a:t>
             </a:r>
             <a:r>
-              <a:rPr lang="en-US" dirty="0"/>
+              <a:rPr lang="en-US" dirty="0">
+                <a:solidFill>
+                  <a:srgbClr val="FF0000"/>
+                </a:solidFill>
+              </a:rPr>
               <a:t> </a:t>
             </a:r>
             <a:r>
-              <a:rPr lang="en-US" dirty="0" err="1"/>
+              <a:rPr lang="en-US" dirty="0" err="1">
+                <a:solidFill>
+                  <a:srgbClr val="FF0000"/>
+                </a:solidFill>
+              </a:rPr>
               <a:t>congue</a:t>
             </a:r>
             <a:r>
-              <a:rPr lang="en-US" dirty="0"/>
+              <a:rPr lang="en-US" dirty="0">
+                <a:solidFill>
+                  <a:srgbClr val="FF0000"/>
+                </a:solidFill>
+              </a:rPr>
               <a:t> </a:t>
             </a:r>
             <a:r>
-              <a:rPr lang="en-US" dirty="0" err="1"/>
+              <a:rPr lang="en-US" dirty="0" err="1">
+                <a:solidFill>
+                  <a:srgbClr val="FF0000"/>
+                </a:solidFill>
+              </a:rPr>
               <a:t>massa</a:t>
             </a:r>
             <a:r>
-              <a:rPr lang="en-US" dirty="0"/>
+              <a:rPr lang="en-US" dirty="0">
+                <a:solidFill>
+                  <a:srgbClr val="FF0000"/>
+                </a:solidFill>
+              </a:rPr>
               <a:t>, </a:t>
             </a:r>
             <a:r>
-              <a:rPr lang="en-US" dirty="0" err="1"/>
+              <a:rPr lang="en-US" dirty="0" err="1">
+                <a:solidFill>
+                  <a:srgbClr val="FF0000"/>
+                </a:solidFill>
+              </a:rPr>
               <a:t>consectetuer</a:t>
             </a:r>
             <a:r>
-              <a:rPr lang="en-US" dirty="0"/>
+              <a:rPr lang="en-US" dirty="0">
+                <a:solidFill>
+                  <a:srgbClr val="FF0000"/>
+                </a:solidFill>
+              </a:rPr>
               <a:t> </a:t>
             </a:r>
             <a:r>
-              <a:rPr lang="en-US" dirty="0" err="1"/>
+              <a:rPr lang="en-US" dirty="0" err="1">
+                <a:solidFill>
+                  <a:srgbClr val="FF0000"/>
+                </a:solidFill>
+              </a:rPr>
               <a:t>adipiscing</a:t>
             </a:r>
             <a:r>
-              <a:rPr lang="en-US" dirty="0"/>
+              <a:rPr lang="en-US" dirty="0">
+                <a:solidFill>
+                  <a:srgbClr val="FF0000"/>
+                </a:solidFill>
+              </a:rPr>
               <a:t> </a:t>
             </a:r>
             <a:r>
-              <a:rPr lang="en-US" dirty="0" err="1"/>
+              <a:rPr lang="en-US" dirty="0" err="1">
+                <a:solidFill>
+                  <a:srgbClr val="FF0000"/>
+                </a:solidFill>
+              </a:rPr>
               <a:t>elit</a:t>
             </a:r>
             <a:r>
-              <a:rPr lang="en-US" dirty="0"/>
+              <a:rPr lang="en-US" dirty="0">
+                <a:solidFill>
+                  <a:srgbClr val="FF0000"/>
+                </a:solidFill>
+              </a:rPr>
               <a:t>. Maecenas </a:t>
             </a:r>
             <a:r>
-              <a:rPr lang="en-US" dirty="0" err="1"/>
+              <a:rPr lang="en-US" dirty="0" err="1">
+                <a:solidFill>
+                  <a:srgbClr val="FF0000"/>
+                </a:solidFill>
+              </a:rPr>
               <a:t>porttitor</a:t>
             </a:r>
             <a:r>
-              <a:rPr lang="en-US" dirty="0"/>
+              <a:rPr lang="en-US" dirty="0">
+                <a:solidFill>
+                  <a:srgbClr val="FF0000"/>
+                </a:solidFill>
+              </a:rPr>
               <a:t> </a:t>
             </a:r>
             <a:r>
-              <a:rPr lang="en-US" dirty="0" err="1"/>
+              <a:rPr lang="en-US" dirty="0" err="1">
+                <a:solidFill>
+                  <a:srgbClr val="FF0000"/>
+                </a:solidFill>
+              </a:rPr>
               <a:t>congue</a:t>
             </a:r>
             <a:r>
-              <a:rPr lang="en-US" dirty="0"/>
+              <a:rPr lang="en-US" dirty="0">
+                <a:solidFill>
+                  <a:srgbClr val="FF0000"/>
+                </a:solidFill>
+              </a:rPr>
               <a:t> </a:t>
             </a:r>
             <a:r>
-              <a:rPr lang="en-US" dirty="0" err="1"/>
+              <a:rPr lang="en-US" dirty="0" err="1">
+                <a:solidFill>
+                  <a:srgbClr val="FF0000"/>
+                </a:solidFill>
+              </a:rPr>
               <a:t>massa</a:t>
             </a:r>
             <a:r>
-              <a:rPr lang="en-US" dirty="0"/>
+              <a:rPr lang="en-US" dirty="0">
+                <a:solidFill>
+                  <a:srgbClr val="FF0000"/>
+                </a:solidFill>
+              </a:rPr>
               <a:t>. </a:t>
             </a:r>
           </a:p>
@@ -5062,7 +5513,11 @@
               </a:spcAft>
             </a:pPr>
             <a:r>
-              <a:rPr lang="en-US" sz="4800" b="1" dirty="0"/>
+              <a:rPr lang="en-US" sz="4800" b="1" dirty="0">
+                <a:solidFill>
+                  <a:srgbClr val="FF0000"/>
+                </a:solidFill>
+              </a:rPr>
               <a:t>Subtitle (48 Pt. bold)</a:t>
             </a:r>
           </a:p>
@@ -5629,155 +6084,303 @@
               </a:spcAft>
             </a:pPr>
             <a:r>
-              <a:rPr lang="en-US" sz="4800" b="1" dirty="0"/>
+              <a:rPr lang="en-US" sz="4800" b="1" dirty="0">
+                <a:solidFill>
+                  <a:srgbClr val="FF0000"/>
+                </a:solidFill>
+              </a:rPr>
               <a:t>Subtitle (48 Pt. bold)</a:t>
             </a:r>
           </a:p>
           <a:p>
             <a:r>
-              <a:rPr lang="en-US" b="1" dirty="0"/>
+              <a:rPr lang="en-US" b="1" dirty="0">
+                <a:solidFill>
+                  <a:srgbClr val="FF0000"/>
+                </a:solidFill>
+              </a:rPr>
               <a:t>Subtitle</a:t>
             </a:r>
           </a:p>
           <a:p>
             <a:r>
-              <a:rPr lang="en-US" dirty="0"/>
+              <a:rPr lang="en-US" dirty="0">
+                <a:solidFill>
+                  <a:srgbClr val="FF0000"/>
+                </a:solidFill>
+              </a:rPr>
               <a:t>Lorem ipsum dolor sit </a:t>
             </a:r>
             <a:r>
-              <a:rPr lang="en-US" dirty="0" err="1"/>
+              <a:rPr lang="en-US" dirty="0" err="1">
+                <a:solidFill>
+                  <a:srgbClr val="FF0000"/>
+                </a:solidFill>
+              </a:rPr>
               <a:t>amet</a:t>
             </a:r>
             <a:r>
-              <a:rPr lang="en-US" dirty="0"/>
+              <a:rPr lang="en-US" dirty="0">
+                <a:solidFill>
+                  <a:srgbClr val="FF0000"/>
+                </a:solidFill>
+              </a:rPr>
               <a:t>, </a:t>
             </a:r>
             <a:r>
-              <a:rPr lang="en-US" dirty="0" err="1"/>
+              <a:rPr lang="en-US" dirty="0" err="1">
+                <a:solidFill>
+                  <a:srgbClr val="FF0000"/>
+                </a:solidFill>
+              </a:rPr>
               <a:t>consectetuer</a:t>
             </a:r>
             <a:r>
-              <a:rPr lang="en-US" dirty="0"/>
+              <a:rPr lang="en-US" dirty="0">
+                <a:solidFill>
+                  <a:srgbClr val="FF0000"/>
+                </a:solidFill>
+              </a:rPr>
               <a:t> </a:t>
             </a:r>
             <a:r>
-              <a:rPr lang="en-US" dirty="0" err="1"/>
+              <a:rPr lang="en-US" dirty="0" err="1">
+                <a:solidFill>
+                  <a:srgbClr val="FF0000"/>
+                </a:solidFill>
+              </a:rPr>
               <a:t>adipiscing</a:t>
             </a:r>
             <a:r>
-              <a:rPr lang="en-US" dirty="0"/>
+              <a:rPr lang="en-US" dirty="0">
+                <a:solidFill>
+                  <a:srgbClr val="FF0000"/>
+                </a:solidFill>
+              </a:rPr>
               <a:t> </a:t>
             </a:r>
             <a:r>
-              <a:rPr lang="en-US" dirty="0" err="1"/>
+              <a:rPr lang="en-US" dirty="0" err="1">
+                <a:solidFill>
+                  <a:srgbClr val="FF0000"/>
+                </a:solidFill>
+              </a:rPr>
               <a:t>elit</a:t>
             </a:r>
             <a:r>
-              <a:rPr lang="en-US" dirty="0"/>
+              <a:rPr lang="en-US" dirty="0">
+                <a:solidFill>
+                  <a:srgbClr val="FF0000"/>
+                </a:solidFill>
+              </a:rPr>
               <a:t>. Maecenas </a:t>
             </a:r>
             <a:r>
-              <a:rPr lang="en-US" dirty="0" err="1"/>
+              <a:rPr lang="en-US" dirty="0" err="1">
+                <a:solidFill>
+                  <a:srgbClr val="FF0000"/>
+                </a:solidFill>
+              </a:rPr>
               <a:t>porttitor</a:t>
             </a:r>
             <a:r>
-              <a:rPr lang="en-US" dirty="0"/>
+              <a:rPr lang="en-US" dirty="0">
+                <a:solidFill>
+                  <a:srgbClr val="FF0000"/>
+                </a:solidFill>
+              </a:rPr>
               <a:t> </a:t>
             </a:r>
             <a:r>
-              <a:rPr lang="en-US" dirty="0" err="1"/>
+              <a:rPr lang="en-US" dirty="0" err="1">
+                <a:solidFill>
+                  <a:srgbClr val="FF0000"/>
+                </a:solidFill>
+              </a:rPr>
               <a:t>congue</a:t>
             </a:r>
             <a:r>
-              <a:rPr lang="en-US" dirty="0"/>
+              <a:rPr lang="en-US" dirty="0">
+                <a:solidFill>
+                  <a:srgbClr val="FF0000"/>
+                </a:solidFill>
+              </a:rPr>
               <a:t> </a:t>
             </a:r>
             <a:r>
-              <a:rPr lang="en-US" dirty="0" err="1"/>
+              <a:rPr lang="en-US" dirty="0" err="1">
+                <a:solidFill>
+                  <a:srgbClr val="FF0000"/>
+                </a:solidFill>
+              </a:rPr>
               <a:t>massa</a:t>
             </a:r>
             <a:r>
-              <a:rPr lang="en-US" dirty="0"/>
+              <a:rPr lang="en-US" dirty="0">
+                <a:solidFill>
+                  <a:srgbClr val="FF0000"/>
+                </a:solidFill>
+              </a:rPr>
               <a:t>. </a:t>
             </a:r>
             <a:r>
-              <a:rPr lang="en-US" dirty="0" err="1"/>
+              <a:rPr lang="en-US" dirty="0" err="1">
+                <a:solidFill>
+                  <a:srgbClr val="FF0000"/>
+                </a:solidFill>
+              </a:rPr>
               <a:t>Fusce</a:t>
             </a:r>
             <a:r>
-              <a:rPr lang="en-US" dirty="0"/>
+              <a:rPr lang="en-US" dirty="0">
+                <a:solidFill>
+                  <a:srgbClr val="FF0000"/>
+                </a:solidFill>
+              </a:rPr>
               <a:t> </a:t>
             </a:r>
             <a:r>
-              <a:rPr lang="en-US" dirty="0" err="1"/>
+              <a:rPr lang="en-US" dirty="0" err="1">
+                <a:solidFill>
+                  <a:srgbClr val="FF0000"/>
+                </a:solidFill>
+              </a:rPr>
               <a:t>posuere</a:t>
             </a:r>
             <a:r>
-              <a:rPr lang="en-US" dirty="0"/>
+              <a:rPr lang="en-US" dirty="0">
+                <a:solidFill>
+                  <a:srgbClr val="FF0000"/>
+                </a:solidFill>
+              </a:rPr>
               <a:t>, magna sed pulvinar </a:t>
             </a:r>
             <a:r>
-              <a:rPr lang="en-US" dirty="0" err="1"/>
+              <a:rPr lang="en-US" dirty="0" err="1">
+                <a:solidFill>
+                  <a:srgbClr val="FF0000"/>
+                </a:solidFill>
+              </a:rPr>
               <a:t>ultricies</a:t>
             </a:r>
             <a:r>
-              <a:rPr lang="en-US" dirty="0"/>
+              <a:rPr lang="en-US" dirty="0">
+                <a:solidFill>
+                  <a:srgbClr val="FF0000"/>
+                </a:solidFill>
+              </a:rPr>
               <a:t>, </a:t>
             </a:r>
             <a:r>
-              <a:rPr lang="en-US" dirty="0" err="1"/>
+              <a:rPr lang="en-US" dirty="0" err="1">
+                <a:solidFill>
+                  <a:srgbClr val="FF0000"/>
+                </a:solidFill>
+              </a:rPr>
               <a:t>purus</a:t>
             </a:r>
             <a:r>
-              <a:rPr lang="en-US" dirty="0"/>
+              <a:rPr lang="en-US" dirty="0">
+                <a:solidFill>
+                  <a:srgbClr val="FF0000"/>
+                </a:solidFill>
+              </a:rPr>
               <a:t> </a:t>
             </a:r>
             <a:r>
-              <a:rPr lang="en-US" dirty="0" err="1"/>
+              <a:rPr lang="en-US" dirty="0" err="1">
+                <a:solidFill>
+                  <a:srgbClr val="FF0000"/>
+                </a:solidFill>
+              </a:rPr>
               <a:t>lectus</a:t>
             </a:r>
             <a:r>
-              <a:rPr lang="en-US" dirty="0"/>
+              <a:rPr lang="en-US" dirty="0">
+                <a:solidFill>
+                  <a:srgbClr val="FF0000"/>
+                </a:solidFill>
+              </a:rPr>
               <a:t> </a:t>
             </a:r>
             <a:r>
-              <a:rPr lang="en-US" dirty="0" err="1"/>
+              <a:rPr lang="en-US" dirty="0" err="1">
+                <a:solidFill>
+                  <a:srgbClr val="FF0000"/>
+                </a:solidFill>
+              </a:rPr>
               <a:t>malesuada</a:t>
             </a:r>
             <a:r>
-              <a:rPr lang="en-US" dirty="0"/>
+              <a:rPr lang="en-US" dirty="0">
+                <a:solidFill>
+                  <a:srgbClr val="FF0000"/>
+                </a:solidFill>
+              </a:rPr>
               <a:t> libero, sit </a:t>
             </a:r>
             <a:r>
-              <a:rPr lang="en-US" dirty="0" err="1"/>
+              <a:rPr lang="en-US" dirty="0" err="1">
+                <a:solidFill>
+                  <a:srgbClr val="FF0000"/>
+                </a:solidFill>
+              </a:rPr>
               <a:t>amet</a:t>
             </a:r>
             <a:r>
-              <a:rPr lang="en-US" dirty="0"/>
+              <a:rPr lang="en-US" dirty="0">
+                <a:solidFill>
+                  <a:srgbClr val="FF0000"/>
+                </a:solidFill>
+              </a:rPr>
               <a:t> </a:t>
             </a:r>
             <a:r>
-              <a:rPr lang="en-US" dirty="0" err="1"/>
+              <a:rPr lang="en-US" dirty="0" err="1">
+                <a:solidFill>
+                  <a:srgbClr val="FF0000"/>
+                </a:solidFill>
+              </a:rPr>
               <a:t>commodo</a:t>
             </a:r>
             <a:r>
-              <a:rPr lang="en-US" dirty="0"/>
+              <a:rPr lang="en-US" dirty="0">
+                <a:solidFill>
+                  <a:srgbClr val="FF0000"/>
+                </a:solidFill>
+              </a:rPr>
               <a:t> magna eros </a:t>
             </a:r>
             <a:r>
-              <a:rPr lang="en-US" dirty="0" err="1"/>
+              <a:rPr lang="en-US" dirty="0" err="1">
+                <a:solidFill>
+                  <a:srgbClr val="FF0000"/>
+                </a:solidFill>
+              </a:rPr>
               <a:t>quis</a:t>
             </a:r>
             <a:r>
-              <a:rPr lang="en-US" dirty="0"/>
+              <a:rPr lang="en-US" dirty="0">
+                <a:solidFill>
+                  <a:srgbClr val="FF0000"/>
+                </a:solidFill>
+              </a:rPr>
               <a:t> </a:t>
             </a:r>
             <a:r>
-              <a:rPr lang="en-US" dirty="0" err="1"/>
+              <a:rPr lang="en-US" dirty="0" err="1">
+                <a:solidFill>
+                  <a:srgbClr val="FF0000"/>
+                </a:solidFill>
+              </a:rPr>
               <a:t>urna</a:t>
             </a:r>
             <a:r>
-              <a:rPr lang="en-US" dirty="0"/>
+              <a:rPr lang="en-US" dirty="0">
+                <a:solidFill>
+                  <a:srgbClr val="FF0000"/>
+                </a:solidFill>
+              </a:rPr>
               <a:t>.</a:t>
             </a:r>
           </a:p>
@@ -8297,7 +8900,11 @@
               </a:spcBef>
             </a:pPr>
             <a:r>
-              <a:rPr lang="en-US" b="1" dirty="0"/>
+              <a:rPr lang="en-US" b="1" dirty="0">
+                <a:solidFill>
+                  <a:srgbClr val="FF0000"/>
+                </a:solidFill>
+              </a:rPr>
               <a:t>Contact (30 Pt. bold)</a:t>
             </a:r>
           </a:p>
@@ -8308,7 +8915,11 @@
               </a:lnSpc>
             </a:pPr>
             <a:r>
-              <a:rPr lang="en-US" dirty="0"/>
+              <a:rPr lang="en-US" dirty="0">
+                <a:solidFill>
+                  <a:srgbClr val="FF0000"/>
+                </a:solidFill>
+              </a:rPr>
               <a:t>First name Surname</a:t>
             </a:r>
           </a:p>
@@ -8319,7 +8930,11 @@
               </a:lnSpc>
             </a:pPr>
             <a:r>
-              <a:rPr lang="en-US" dirty="0"/>
+              <a:rPr lang="en-US" dirty="0">
+                <a:solidFill>
+                  <a:srgbClr val="FF0000"/>
+                </a:solidFill>
+              </a:rPr>
               <a:t>Position</a:t>
             </a:r>
           </a:p>
@@ -8330,7 +8945,11 @@
               </a:lnSpc>
             </a:pPr>
             <a:r>
-              <a:rPr lang="en-US" dirty="0"/>
+              <a:rPr lang="en-US" dirty="0">
+                <a:solidFill>
+                  <a:srgbClr val="FF0000"/>
+                </a:solidFill>
+              </a:rPr>
               <a:t>+00 00 000 00 00</a:t>
             </a:r>
           </a:p>
@@ -8341,7 +8960,11 @@
               </a:lnSpc>
             </a:pPr>
             <a:r>
-              <a:rPr lang="en-US" dirty="0"/>
+              <a:rPr lang="en-US" dirty="0">
+                <a:solidFill>
+                  <a:srgbClr val="FF0000"/>
+                </a:solidFill>
+              </a:rPr>
               <a:t>mail@adresse.ch</a:t>
             </a:r>
           </a:p>
@@ -8696,7 +9319,7 @@
         <p:spPr>
           <a:xfrm>
             <a:off x="1" y="0"/>
-            <a:ext cx="24498223" cy="8558508"/>
+            <a:ext cx="24498223" cy="5099137"/>
           </a:xfrm>
         </p:spPr>
         <p:txBody>
@@ -8967,6 +9590,276 @@
           <a:xfrm>
             <a:off x="32049518" y="26586878"/>
             <a:ext cx="3384377" cy="3384377"/>
+          </a:xfrm>
+          <a:prstGeom prst="rect">
+            <a:avLst/>
+          </a:prstGeom>
+        </p:spPr>
+      </p:pic>
+      <p:sp>
+        <p:nvSpPr>
+          <p:cNvPr id="13" name="TextBox 2">
+            <a:extLst>
+              <a:ext uri="{FF2B5EF4-FFF2-40B4-BE49-F238E27FC236}">
+                <a16:creationId xmlns:a16="http://schemas.microsoft.com/office/drawing/2014/main" id="{03E9B7F9-97C0-5588-04B5-5B232DBE3E0C}"/>
+              </a:ext>
+            </a:extLst>
+          </p:cNvPr>
+          <p:cNvSpPr txBox="1"/>
+          <p:nvPr/>
+        </p:nvSpPr>
+        <p:spPr>
+          <a:xfrm>
+            <a:off x="1022987" y="21330858"/>
+            <a:ext cx="9687878" cy="8979189"/>
+          </a:xfrm>
+          <a:prstGeom prst="rect">
+            <a:avLst/>
+          </a:prstGeom>
+          <a:noFill/>
+        </p:spPr>
+        <p:txBody>
+          <a:bodyPr wrap="square" rtlCol="0">
+            <a:spAutoFit/>
+          </a:bodyPr>
+          <a:lstStyle/>
+          <a:p>
+            <a:pPr>
+              <a:lnSpc>
+                <a:spcPct val="120000"/>
+              </a:lnSpc>
+            </a:pPr>
+            <a:r>
+              <a:rPr lang="en-US" sz="4400" b="1" dirty="0"/>
+              <a:t>Open Science, Open Access, Open Data</a:t>
+            </a:r>
+          </a:p>
+          <a:p>
+            <a:pPr>
+              <a:lnSpc>
+                <a:spcPct val="120000"/>
+              </a:lnSpc>
+            </a:pPr>
+            <a:r>
+              <a:rPr lang="en-US" sz="4000" dirty="0"/>
+              <a:t>Research data that results from publicly funded research </a:t>
+            </a:r>
+            <a:r>
+              <a:rPr lang="en-US" sz="4000" noProof="1"/>
+              <a:t>should be</a:t>
+            </a:r>
+          </a:p>
+          <a:p>
+            <a:pPr marL="1028700" lvl="1" indent="-571500">
+              <a:lnSpc>
+                <a:spcPct val="120000"/>
+              </a:lnSpc>
+              <a:buFont typeface="Wingdings" panose="05000000000000000000" pitchFamily="2" charset="2"/>
+              <a:buChar char="Ø"/>
+            </a:pPr>
+            <a:r>
+              <a:rPr lang="en-US" sz="4000" b="1" dirty="0"/>
+              <a:t>Findable</a:t>
+            </a:r>
+            <a:r>
+              <a:rPr lang="en-US" sz="4000" dirty="0"/>
+              <a:t>, </a:t>
+            </a:r>
+            <a:r>
+              <a:rPr lang="en-US" sz="4000" b="1" dirty="0"/>
+              <a:t>Accessible</a:t>
+            </a:r>
+            <a:r>
+              <a:rPr lang="en-US" sz="4000" dirty="0"/>
+              <a:t>, </a:t>
+            </a:r>
+            <a:r>
+              <a:rPr lang="en-US" sz="4000" b="1" dirty="0"/>
+              <a:t>Interoperable</a:t>
+            </a:r>
+            <a:r>
+              <a:rPr lang="en-US" sz="4000" dirty="0"/>
+              <a:t>, </a:t>
+            </a:r>
+            <a:r>
+              <a:rPr lang="en-US" sz="4000" b="1" dirty="0"/>
+              <a:t>Reusable</a:t>
+            </a:r>
+            <a:r>
+              <a:rPr lang="en-US" sz="4000" dirty="0"/>
+              <a:t> (‘</a:t>
+            </a:r>
+            <a:r>
+              <a:rPr lang="en-US" sz="4000" b="1" dirty="0"/>
+              <a:t>FAIR</a:t>
+            </a:r>
+            <a:r>
+              <a:rPr lang="en-US" sz="4000" dirty="0"/>
+              <a:t> principles’)</a:t>
+            </a:r>
+          </a:p>
+          <a:p>
+            <a:pPr marL="1028700" lvl="1" indent="-571500">
+              <a:lnSpc>
+                <a:spcPct val="120000"/>
+              </a:lnSpc>
+              <a:buFont typeface="Wingdings" panose="05000000000000000000" pitchFamily="2" charset="2"/>
+              <a:buChar char="Ø"/>
+            </a:pPr>
+            <a:r>
+              <a:rPr lang="en-US" sz="4000" dirty="0"/>
+              <a:t>therefore replicable, transparent, trustworthy</a:t>
+            </a:r>
+          </a:p>
+          <a:p>
+            <a:pPr marL="1028700" lvl="1" indent="-571500">
+              <a:lnSpc>
+                <a:spcPct val="120000"/>
+              </a:lnSpc>
+              <a:buFont typeface="Wingdings" panose="05000000000000000000" pitchFamily="2" charset="2"/>
+              <a:buChar char="Ø"/>
+            </a:pPr>
+            <a:r>
+              <a:rPr lang="en-US" sz="4000" b="1" dirty="0"/>
+              <a:t>As open as possible, as closed as necessary</a:t>
+            </a:r>
+          </a:p>
+          <a:p>
+            <a:pPr marL="0" lvl="1">
+              <a:lnSpc>
+                <a:spcPct val="120000"/>
+              </a:lnSpc>
+            </a:pPr>
+            <a:r>
+              <a:rPr lang="en-US" sz="4000" dirty="0">
+                <a:solidFill>
+                  <a:schemeClr val="accent1">
+                    <a:lumMod val="60000"/>
+                    <a:lumOff val="40000"/>
+                  </a:schemeClr>
+                </a:solidFill>
+                <a:hlinkClick r:id="rId10">
+                  <a:extLst>
+                    <a:ext uri="{A12FA001-AC4F-418D-AE19-62706E023703}">
+                      <ahyp:hlinkClr xmlns:ahyp="http://schemas.microsoft.com/office/drawing/2018/hyperlinkcolor" val="tx"/>
+                    </a:ext>
+                  </a:extLst>
+                </a:hlinkClick>
+              </a:rPr>
+              <a:t>Commission Recommendation (EU) 2018/790 on access to and preservation of scientific information</a:t>
+            </a:r>
+            <a:endParaRPr lang="en-US" sz="4000" dirty="0">
+              <a:solidFill>
+                <a:schemeClr val="accent1">
+                  <a:lumMod val="60000"/>
+                  <a:lumOff val="40000"/>
+                </a:schemeClr>
+              </a:solidFill>
+            </a:endParaRPr>
+          </a:p>
+        </p:txBody>
+      </p:sp>
+      <p:pic>
+        <p:nvPicPr>
+          <p:cNvPr id="14" name="Obrázek 13" descr="Obsah obrázku Grafika, Písmo, logo, symbol&#10;&#10;Popis byl vytvořen automaticky">
+            <a:extLst>
+              <a:ext uri="{FF2B5EF4-FFF2-40B4-BE49-F238E27FC236}">
+                <a16:creationId xmlns:a16="http://schemas.microsoft.com/office/drawing/2014/main" id="{7922C171-8F97-32E1-0ADE-BE5AD6B09C8C}"/>
+              </a:ext>
+            </a:extLst>
+          </p:cNvPr>
+          <p:cNvPicPr>
+            <a:picLocks noChangeAspect="1"/>
+          </p:cNvPicPr>
+          <p:nvPr/>
+        </p:nvPicPr>
+        <p:blipFill>
+          <a:blip r:embed="rId11" cstate="print">
+            <a:extLst>
+              <a:ext uri="{28A0092B-C50C-407E-A947-70E740481C1C}">
+                <a14:useLocalDpi xmlns:a14="http://schemas.microsoft.com/office/drawing/2010/main" val="0"/>
+              </a:ext>
+            </a:extLst>
+          </a:blip>
+          <a:stretch>
+            <a:fillRect/>
+          </a:stretch>
+        </p:blipFill>
+        <p:spPr>
+          <a:xfrm>
+            <a:off x="8656465" y="20092598"/>
+            <a:ext cx="1253808" cy="1221598"/>
+          </a:xfrm>
+          <a:prstGeom prst="rect">
+            <a:avLst/>
+          </a:prstGeom>
+        </p:spPr>
+      </p:pic>
+      <p:pic>
+        <p:nvPicPr>
+          <p:cNvPr id="22" name="Obrázek 21" descr="Obsah obrázku umění, Dětské kresby, snímek obrazovky&#10;&#10;Popis byl vytvořen automaticky">
+            <a:extLst>
+              <a:ext uri="{FF2B5EF4-FFF2-40B4-BE49-F238E27FC236}">
+                <a16:creationId xmlns:a16="http://schemas.microsoft.com/office/drawing/2014/main" id="{1CE581F8-2349-3A92-0961-E4A01BAEE569}"/>
+              </a:ext>
+            </a:extLst>
+          </p:cNvPr>
+          <p:cNvPicPr>
+            <a:picLocks noChangeAspect="1"/>
+          </p:cNvPicPr>
+          <p:nvPr/>
+        </p:nvPicPr>
+        <p:blipFill>
+          <a:blip r:embed="rId12" cstate="print">
+            <a:extLst>
+              <a:ext uri="{28A0092B-C50C-407E-A947-70E740481C1C}">
+                <a14:useLocalDpi xmlns:a14="http://schemas.microsoft.com/office/drawing/2010/main" val="0"/>
+              </a:ext>
+            </a:extLst>
+          </a:blip>
+          <a:stretch>
+            <a:fillRect/>
+          </a:stretch>
+        </p:blipFill>
+        <p:spPr>
+          <a:xfrm>
+            <a:off x="1905880" y="19903792"/>
+            <a:ext cx="1599210" cy="1599210"/>
+          </a:xfrm>
+          <a:prstGeom prst="rect">
+            <a:avLst/>
+          </a:prstGeom>
+        </p:spPr>
+      </p:pic>
+      <p:pic>
+        <p:nvPicPr>
+          <p:cNvPr id="26" name="Obrázek 25" descr="Obsah obrázku Písmo, Grafika, logo, design&#10;&#10;Popis byl vytvořen automaticky">
+            <a:extLst>
+              <a:ext uri="{FF2B5EF4-FFF2-40B4-BE49-F238E27FC236}">
+                <a16:creationId xmlns:a16="http://schemas.microsoft.com/office/drawing/2014/main" id="{86957BA6-E164-0864-C8D9-9704FB08C478}"/>
+              </a:ext>
+            </a:extLst>
+          </p:cNvPr>
+          <p:cNvPicPr>
+            <a:picLocks noChangeAspect="1"/>
+          </p:cNvPicPr>
+          <p:nvPr/>
+        </p:nvPicPr>
+        <p:blipFill rotWithShape="1">
+          <a:blip r:embed="rId13" cstate="print">
+            <a:extLst>
+              <a:ext uri="{28A0092B-C50C-407E-A947-70E740481C1C}">
+                <a14:useLocalDpi xmlns:a14="http://schemas.microsoft.com/office/drawing/2010/main" val="0"/>
+              </a:ext>
+            </a:extLst>
+          </a:blip>
+          <a:srcRect r="19063"/>
+          <a:stretch/>
+        </p:blipFill>
+        <p:spPr>
+          <a:xfrm>
+            <a:off x="5112307" y="20171585"/>
+            <a:ext cx="1936941" cy="1063623"/>
           </a:xfrm>
           <a:prstGeom prst="rect">
             <a:avLst/>
@@ -9774,15 +10667,6 @@
 </file>
 
 <file path=customXml/item1.xml><?xml version="1.0" encoding="utf-8"?>
-<?mso-contentType ?>
-<FormTemplates xmlns="http://schemas.microsoft.com/sharepoint/v3/contenttype/forms">
-  <Display>DocumentLibraryForm</Display>
-  <Edit>DocumentLibraryForm</Edit>
-  <New>DocumentLibraryForm</New>
-</FormTemplates>
-</file>
-
-<file path=customXml/item2.xml><?xml version="1.0" encoding="utf-8"?>
 <ct:contentTypeSchema xmlns:ct="http://schemas.microsoft.com/office/2006/metadata/contentType" xmlns:ma="http://schemas.microsoft.com/office/2006/metadata/properties/metaAttributes" ct:_="" ma:_="" ma:contentTypeName="Dokument" ma:contentTypeID="0x0101000E594130A2AF244FBF3F304D904ED593" ma:contentTypeVersion="18" ma:contentTypeDescription="Ein neues Dokument erstellen." ma:contentTypeScope="" ma:versionID="9c227ad3ab8d826471e210bb857ebfda">
   <xsd:schema xmlns:xsd="http://www.w3.org/2001/XMLSchema" xmlns:xs="http://www.w3.org/2001/XMLSchema" xmlns:p="http://schemas.microsoft.com/office/2006/metadata/properties" xmlns:ns2="c9077d15-72ed-4fec-bcfe-3472729e9195" xmlns:ns3="bc24777f-78b6-4f3c-a73a-d5fa08e4d537" targetNamespace="http://schemas.microsoft.com/office/2006/metadata/properties" ma:root="true" ma:fieldsID="2a0acd45fe6cc66a06723547185abeb0" ns2:_="" ns3:_="">
     <xsd:import namespace="c9077d15-72ed-4fec-bcfe-3472729e9195"/>
@@ -10037,7 +10921,7 @@
 </ct:contentTypeSchema>
 </file>
 
-<file path=customXml/item3.xml><?xml version="1.0" encoding="utf-8"?>
+<file path=customXml/item2.xml><?xml version="1.0" encoding="utf-8"?>
 <p:properties xmlns:p="http://schemas.microsoft.com/office/2006/metadata/properties" xmlns:xsi="http://www.w3.org/2001/XMLSchema-instance" xmlns:pc="http://schemas.microsoft.com/office/infopath/2007/PartnerControls">
   <documentManagement>
     <TaxCatchAll xmlns="bc24777f-78b6-4f3c-a73a-d5fa08e4d537" xsi:nil="true"/>
@@ -10048,15 +10932,16 @@
 </p:properties>
 </file>
 
-<file path=customXml/itemProps1.xml><?xml version="1.0" encoding="utf-8"?>
-<ds:datastoreItem xmlns:ds="http://schemas.openxmlformats.org/officeDocument/2006/customXml" ds:itemID="{4B6B7BE2-63AD-4C37-AC44-F0E4FC348E24}">
-  <ds:schemaRefs>
-    <ds:schemaRef ds:uri="http://schemas.microsoft.com/sharepoint/v3/contenttype/forms"/>
-  </ds:schemaRefs>
-</ds:datastoreItem>
+<file path=customXml/item3.xml><?xml version="1.0" encoding="utf-8"?>
+<?mso-contentType ?>
+<FormTemplates xmlns="http://schemas.microsoft.com/sharepoint/v3/contenttype/forms">
+  <Display>DocumentLibraryForm</Display>
+  <Edit>DocumentLibraryForm</Edit>
+  <New>DocumentLibraryForm</New>
+</FormTemplates>
 </file>
 
-<file path=customXml/itemProps2.xml><?xml version="1.0" encoding="utf-8"?>
+<file path=customXml/itemProps1.xml><?xml version="1.0" encoding="utf-8"?>
 <ds:datastoreItem xmlns:ds="http://schemas.openxmlformats.org/officeDocument/2006/customXml" ds:itemID="{1C2D9219-73E3-4032-AA3E-BE76EE84DC43}">
   <ds:schemaRefs>
     <ds:schemaRef ds:uri="http://schemas.microsoft.com/office/2006/metadata/contentType"/>
@@ -10075,7 +10960,7 @@
 </ds:datastoreItem>
 </file>
 
-<file path=customXml/itemProps3.xml><?xml version="1.0" encoding="utf-8"?>
+<file path=customXml/itemProps2.xml><?xml version="1.0" encoding="utf-8"?>
 <ds:datastoreItem xmlns:ds="http://schemas.openxmlformats.org/officeDocument/2006/customXml" ds:itemID="{5626B806-0237-4942-A1FD-5C97285908C2}">
   <ds:schemaRefs>
     <ds:schemaRef ds:uri="http://www.w3.org/XML/1998/namespace"/>
@@ -10090,4 +10975,12 @@
     <ds:schemaRef ds:uri="http://purl.org/dc/elements/1.1/"/>
   </ds:schemaRefs>
 </ds:datastoreItem>
+</file>
+
+<file path=customXml/itemProps3.xml><?xml version="1.0" encoding="utf-8"?>
+<ds:datastoreItem xmlns:ds="http://schemas.openxmlformats.org/officeDocument/2006/customXml" ds:itemID="{4B6B7BE2-63AD-4C37-AC44-F0E4FC348E24}">
+  <ds:schemaRefs>
+    <ds:schemaRef ds:uri="http://schemas.microsoft.com/sharepoint/v3/contenttype/forms"/>
+  </ds:schemaRefs>
+</ds:datastoreItem>
 </file>
--- a/Poster/2024_07 Poster_Novak.pptx
+++ b/Poster/2024_07 Poster_Novak.pptx
@@ -13,7 +13,7 @@
   <p:sldIdLst>
     <p:sldId id="257" r:id="rId5"/>
   </p:sldIdLst>
-  <p:sldSz cx="42803763" cy="30275213"/>
+  <p:sldSz cx="30275213" cy="42803763"/>
   <p:notesSz cx="6858000" cy="9144000"/>
   <p:defaultTextStyle>
     <a:defPPr>
@@ -235,7 +235,7 @@
           </c:val>
           <c:extLst>
             <c:ext xmlns:c16="http://schemas.microsoft.com/office/drawing/2014/chart" uri="{C3380CC4-5D6E-409C-BE32-E72D297353CC}">
-              <c16:uniqueId val="{00000000-6103-4AFC-9488-928FE0CC5A87}"/>
+              <c16:uniqueId val="{00000000-275E-4993-9FDB-64C1B73B0E34}"/>
             </c:ext>
           </c:extLst>
         </c:ser>
@@ -332,7 +332,7 @@
           </c:val>
           <c:extLst>
             <c:ext xmlns:c16="http://schemas.microsoft.com/office/drawing/2014/chart" uri="{C3380CC4-5D6E-409C-BE32-E72D297353CC}">
-              <c16:uniqueId val="{00000001-6103-4AFC-9488-928FE0CC5A87}"/>
+              <c16:uniqueId val="{00000001-275E-4993-9FDB-64C1B73B0E34}"/>
             </c:ext>
           </c:extLst>
         </c:ser>
@@ -1166,7 +1166,7 @@
           <a:p>
             <a:fld id="{EEC665CA-D682-48EC-95D2-126FD6449D65}" type="datetime1">
               <a:rPr lang="de-CH" sz="900" smtClean="0"/>
-              <a:t>12.06.2024</a:t>
+              <a:t>14.06.2024</a:t>
             </a:fld>
             <a:endParaRPr lang="de-CH" sz="900"/>
           </a:p>
@@ -1288,8 +1288,8 @@
         </p:nvSpPr>
         <p:spPr>
           <a:xfrm>
-            <a:off x="1335088" y="900113"/>
-            <a:ext cx="4419600" cy="3127375"/>
+            <a:off x="2438400" y="900113"/>
+            <a:ext cx="2212975" cy="3127375"/>
           </a:xfrm>
           <a:prstGeom prst="rect">
             <a:avLst/>
@@ -1468,7 +1468,7 @@
           <a:p>
             <a:fld id="{A17AAF7D-4283-4014-80F4-26E915FEACF8}" type="datetime1">
               <a:rPr lang="de-CH" smtClean="0"/>
-              <a:t>12.06.2024</a:t>
+              <a:t>14.06.2024</a:t>
             </a:fld>
             <a:endParaRPr lang="de-CH" dirty="0"/>
           </a:p>
@@ -1671,8 +1671,8 @@
         </p:nvSpPr>
         <p:spPr>
           <a:xfrm>
-            <a:off x="1047750" y="4149969"/>
-            <a:ext cx="20012026" cy="25096544"/>
+            <a:off x="1046749" y="4168775"/>
+            <a:ext cx="28205162" cy="17038638"/>
           </a:xfrm>
           <a:pattFill prst="lgCheck">
             <a:fgClr>
@@ -1686,10 +1686,10 @@
           </a:pattFill>
         </p:spPr>
         <p:txBody>
-          <a:bodyPr tIns="1440000" anchor="ctr"/>
+          <a:bodyPr tIns="720000" anchor="ctr"/>
           <a:lstStyle>
             <a:lvl1pPr algn="ctr">
-              <a:defRPr sz="3000"/>
+              <a:defRPr sz="1200"/>
             </a:lvl1pPr>
           </a:lstStyle>
           <a:p>
@@ -1713,8 +1713,8 @@
         </p:nvSpPr>
         <p:spPr>
           <a:xfrm>
-            <a:off x="2" y="5219701"/>
-            <a:ext cx="18935698" cy="7315200"/>
+            <a:off x="1" y="5220000"/>
+            <a:ext cx="18973799" cy="7344000"/>
           </a:xfrm>
           <a:solidFill>
             <a:schemeClr val="bg1"/>
@@ -1743,8 +1743,8 @@
         </p:nvSpPr>
         <p:spPr>
           <a:xfrm>
-            <a:off x="21778268" y="4013200"/>
-            <a:ext cx="9642476" cy="7596014"/>
+            <a:off x="1044575" y="22193250"/>
+            <a:ext cx="8928000" cy="8067153"/>
           </a:xfrm>
         </p:spPr>
         <p:txBody>
@@ -1757,16 +1757,16 @@
               <a:defRPr sz="4800" b="1"/>
             </a:lvl1pPr>
             <a:lvl2pPr>
-              <a:defRPr sz="3395" b="1"/>
+              <a:defRPr sz="4800" b="1"/>
             </a:lvl2pPr>
             <a:lvl3pPr>
-              <a:defRPr sz="3395" b="1"/>
+              <a:defRPr sz="4800" b="1"/>
             </a:lvl3pPr>
             <a:lvl4pPr>
-              <a:defRPr sz="3395" b="1"/>
+              <a:defRPr sz="4800" b="1"/>
             </a:lvl4pPr>
             <a:lvl5pPr>
-              <a:defRPr sz="3395" b="1"/>
+              <a:defRPr sz="4800" b="1"/>
             </a:lvl5pPr>
           </a:lstStyle>
           <a:p>
@@ -1796,41 +1796,26 @@
         </p:nvSpPr>
         <p:spPr>
           <a:xfrm>
-            <a:off x="21755100" y="12379570"/>
-            <a:ext cx="9658350" cy="16866944"/>
+            <a:off x="10680006" y="22193250"/>
+            <a:ext cx="8928000" cy="8067153"/>
           </a:xfrm>
         </p:spPr>
         <p:txBody>
           <a:bodyPr/>
           <a:lstStyle>
             <a:lvl1pPr>
-              <a:lnSpc>
-                <a:spcPct val="97000"/>
-              </a:lnSpc>
               <a:defRPr sz="3000" b="0"/>
             </a:lvl1pPr>
             <a:lvl2pPr>
-              <a:lnSpc>
-                <a:spcPct val="97000"/>
-              </a:lnSpc>
               <a:defRPr sz="3000" b="0"/>
             </a:lvl2pPr>
             <a:lvl3pPr>
-              <a:lnSpc>
-                <a:spcPct val="97000"/>
-              </a:lnSpc>
               <a:defRPr sz="3000" b="0"/>
             </a:lvl3pPr>
             <a:lvl4pPr>
-              <a:lnSpc>
-                <a:spcPct val="97000"/>
-              </a:lnSpc>
               <a:defRPr sz="3000" b="0"/>
             </a:lvl4pPr>
             <a:lvl5pPr>
-              <a:lnSpc>
-                <a:spcPct val="97000"/>
-              </a:lnSpc>
               <a:defRPr sz="3000" b="0"/>
             </a:lvl5pPr>
           </a:lstStyle>
@@ -1889,41 +1874,26 @@
         </p:nvSpPr>
         <p:spPr>
           <a:xfrm>
-            <a:off x="32113537" y="4140200"/>
-            <a:ext cx="9642475" cy="25106313"/>
+            <a:off x="20323911" y="22193250"/>
+            <a:ext cx="8928000" cy="17175163"/>
           </a:xfrm>
         </p:spPr>
         <p:txBody>
           <a:bodyPr/>
           <a:lstStyle>
             <a:lvl1pPr>
-              <a:lnSpc>
-                <a:spcPct val="97000"/>
-              </a:lnSpc>
               <a:defRPr sz="3000" b="0"/>
             </a:lvl1pPr>
             <a:lvl2pPr>
-              <a:lnSpc>
-                <a:spcPct val="97000"/>
-              </a:lnSpc>
               <a:defRPr sz="3000" b="0"/>
             </a:lvl2pPr>
             <a:lvl3pPr>
-              <a:lnSpc>
-                <a:spcPct val="97000"/>
-              </a:lnSpc>
               <a:defRPr sz="3000" b="0"/>
             </a:lvl3pPr>
             <a:lvl4pPr>
-              <a:lnSpc>
-                <a:spcPct val="97000"/>
-              </a:lnSpc>
               <a:defRPr sz="3000" b="0"/>
             </a:lvl4pPr>
             <a:lvl5pPr>
-              <a:lnSpc>
-                <a:spcPct val="97000"/>
-              </a:lnSpc>
               <a:defRPr sz="3000" b="0"/>
             </a:lvl5pPr>
           </a:lstStyle>
@@ -1961,6 +1931,132 @@
               <a:rPr lang="de-CH" noProof="0" dirty="0"/>
               <a:t>Fünfte Ebene</a:t>
             </a:r>
+          </a:p>
+        </p:txBody>
+      </p:sp>
+      <p:sp>
+        <p:nvSpPr>
+          <p:cNvPr id="9" name="Inhaltsplatzhalter 2">
+            <a:extLst>
+              <a:ext uri="{FF2B5EF4-FFF2-40B4-BE49-F238E27FC236}">
+                <a16:creationId xmlns:a16="http://schemas.microsoft.com/office/drawing/2014/main" id="{966D5A53-C690-790A-8E39-CBCD85154C68}"/>
+              </a:ext>
+            </a:extLst>
+          </p:cNvPr>
+          <p:cNvSpPr>
+            <a:spLocks noGrp="1"/>
+          </p:cNvSpPr>
+          <p:nvPr>
+            <p:ph idx="12" hasCustomPrompt="1"/>
+          </p:nvPr>
+        </p:nvSpPr>
+        <p:spPr>
+          <a:xfrm>
+            <a:off x="10685727" y="31295149"/>
+            <a:ext cx="8928000" cy="8067153"/>
+          </a:xfrm>
+        </p:spPr>
+        <p:txBody>
+          <a:bodyPr/>
+          <a:lstStyle>
+            <a:lvl1pPr>
+              <a:defRPr sz="3000" b="0"/>
+            </a:lvl1pPr>
+            <a:lvl2pPr>
+              <a:defRPr sz="3000" b="0"/>
+            </a:lvl2pPr>
+            <a:lvl3pPr>
+              <a:defRPr sz="3000" b="0"/>
+            </a:lvl3pPr>
+            <a:lvl4pPr>
+              <a:defRPr sz="3000" b="0"/>
+            </a:lvl4pPr>
+            <a:lvl5pPr>
+              <a:defRPr sz="3000" b="0"/>
+            </a:lvl5pPr>
+          </a:lstStyle>
+          <a:p>
+            <a:pPr lvl="0"/>
+            <a:r>
+              <a:rPr lang="de-CH" noProof="0" dirty="0"/>
+              <a:t>Inhalt hinzufügen</a:t>
+            </a:r>
+          </a:p>
+          <a:p>
+            <a:pPr lvl="1"/>
+            <a:r>
+              <a:rPr lang="de-CH" noProof="0" dirty="0"/>
+              <a:t>Zweite Ebene</a:t>
+            </a:r>
+          </a:p>
+          <a:p>
+            <a:pPr lvl="2"/>
+            <a:r>
+              <a:rPr lang="de-CH" noProof="0" dirty="0"/>
+              <a:t>Dritte Ebene</a:t>
+            </a:r>
+          </a:p>
+          <a:p>
+            <a:pPr lvl="3"/>
+            <a:r>
+              <a:rPr lang="de-CH" noProof="0" dirty="0"/>
+              <a:t>Vierte Ebene</a:t>
+            </a:r>
+          </a:p>
+          <a:p>
+            <a:pPr lvl="4"/>
+            <a:r>
+              <a:rPr lang="de-CH" noProof="0" dirty="0"/>
+              <a:t>Fünfte Ebene</a:t>
+            </a:r>
+          </a:p>
+        </p:txBody>
+      </p:sp>
+      <p:sp>
+        <p:nvSpPr>
+          <p:cNvPr id="11" name="Bildplatzhalter 4">
+            <a:extLst>
+              <a:ext uri="{FF2B5EF4-FFF2-40B4-BE49-F238E27FC236}">
+                <a16:creationId xmlns:a16="http://schemas.microsoft.com/office/drawing/2014/main" id="{4316A0CA-1070-C267-CDE8-E9B66A160426}"/>
+              </a:ext>
+            </a:extLst>
+          </p:cNvPr>
+          <p:cNvSpPr>
+            <a:spLocks noGrp="1"/>
+          </p:cNvSpPr>
+          <p:nvPr>
+            <p:ph type="pic" sz="quarter" idx="13"/>
+          </p:nvPr>
+        </p:nvSpPr>
+        <p:spPr>
+          <a:xfrm>
+            <a:off x="1046749" y="31295148"/>
+            <a:ext cx="8925926" cy="8073265"/>
+          </a:xfrm>
+          <a:pattFill prst="lgCheck">
+            <a:fgClr>
+              <a:schemeClr val="bg1">
+                <a:lumMod val="85000"/>
+              </a:schemeClr>
+            </a:fgClr>
+            <a:bgClr>
+              <a:schemeClr val="bg1"/>
+            </a:bgClr>
+          </a:pattFill>
+        </p:spPr>
+        <p:txBody>
+          <a:bodyPr tIns="720000" anchor="ctr"/>
+          <a:lstStyle>
+            <a:lvl1pPr algn="ctr">
+              <a:defRPr sz="1200"/>
+            </a:lvl1pPr>
+          </a:lstStyle>
+          <a:p>
+            <a:r>
+              <a:rPr lang="cs-CZ"/>
+              <a:t>Kliknutím na ikonu přidáte obrázek.</a:t>
+            </a:r>
+            <a:endParaRPr lang="de-CH"/>
           </a:p>
         </p:txBody>
       </p:sp>
@@ -1982,12 +2078,12 @@
         </p:nvSpPr>
         <p:spPr>
           <a:xfrm>
-            <a:off x="9388800" y="1028700"/>
-            <a:ext cx="32367212" cy="2133600"/>
+            <a:off x="9388799" y="1044575"/>
+            <a:ext cx="19843425" cy="2143503"/>
           </a:xfrm>
         </p:spPr>
         <p:txBody>
-          <a:bodyPr tIns="0" bIns="108000" anchor="ctr"/>
+          <a:bodyPr anchor="ctr"/>
           <a:lstStyle>
             <a:lvl1pPr>
               <a:defRPr sz="5000" b="0">
@@ -1995,16 +2091,16 @@
               </a:defRPr>
             </a:lvl1pPr>
             <a:lvl2pPr>
-              <a:defRPr sz="3395" b="1"/>
+              <a:defRPr sz="4800" b="1"/>
             </a:lvl2pPr>
             <a:lvl3pPr>
-              <a:defRPr sz="3395" b="1"/>
+              <a:defRPr sz="4800" b="1"/>
             </a:lvl3pPr>
             <a:lvl4pPr>
-              <a:defRPr sz="3395" b="1"/>
+              <a:defRPr sz="4800" b="1"/>
             </a:lvl4pPr>
             <a:lvl5pPr>
-              <a:defRPr sz="3395" b="1"/>
+              <a:defRPr sz="4800" b="1"/>
             </a:lvl5pPr>
           </a:lstStyle>
           <a:p>
@@ -2035,8 +2131,8 @@
         </p:nvSpPr>
         <p:spPr>
           <a:xfrm>
-            <a:off x="1049463" y="10420349"/>
-            <a:ext cx="17886237" cy="2114552"/>
+            <a:off x="1044574" y="10414001"/>
+            <a:ext cx="17929225" cy="2150000"/>
           </a:xfrm>
         </p:spPr>
         <p:txBody>
@@ -2046,16 +2142,16 @@
               <a:defRPr sz="9400"/>
             </a:lvl1pPr>
             <a:lvl2pPr>
-              <a:defRPr sz="5305"/>
+              <a:defRPr sz="7500"/>
             </a:lvl2pPr>
             <a:lvl3pPr>
-              <a:defRPr sz="5305"/>
+              <a:defRPr sz="7500"/>
             </a:lvl3pPr>
             <a:lvl4pPr>
-              <a:defRPr sz="5305"/>
+              <a:defRPr sz="7500"/>
             </a:lvl4pPr>
             <a:lvl5pPr>
-              <a:defRPr sz="5305"/>
+              <a:defRPr sz="7500"/>
             </a:lvl5pPr>
           </a:lstStyle>
           <a:p>
@@ -2081,7 +2177,12 @@
   <p:extLst>
     <p:ext uri="{DCECCB84-F9BA-43D5-87BE-67443E8EF086}">
       <p15:sldGuideLst xmlns:p15="http://schemas.microsoft.com/office/powerpoint/2012/main">
-        <p15:guide id="1" orient="horz" pos="2608" userDrawn="1">
+        <p15:guide id="1" orient="horz" pos="13368" userDrawn="1">
+          <p15:clr>
+            <a:srgbClr val="A4A3A4"/>
+          </p15:clr>
+        </p15:guide>
+        <p15:guide id="2" orient="horz" pos="24799" userDrawn="1">
           <p15:clr>
             <a:srgbClr val="A4A3A4"/>
           </p15:clr>
@@ -2121,8 +2222,8 @@
         </p:nvSpPr>
         <p:spPr>
           <a:xfrm>
-            <a:off x="2" y="3162300"/>
-            <a:ext cx="41756010" cy="5396208"/>
+            <a:off x="1" y="4168776"/>
+            <a:ext cx="29232224" cy="5063753"/>
           </a:xfrm>
         </p:spPr>
         <p:txBody>
@@ -2148,8 +2249,8 @@
         </p:nvSpPr>
         <p:spPr>
           <a:xfrm>
-            <a:off x="1047751" y="19494090"/>
-            <a:ext cx="9663114" cy="9752423"/>
+            <a:off x="1044575" y="20556000"/>
+            <a:ext cx="8928000" cy="10028902"/>
           </a:xfrm>
         </p:spPr>
         <p:txBody>
@@ -2159,31 +2260,31 @@
               <a:lnSpc>
                 <a:spcPct val="97000"/>
               </a:lnSpc>
-              <a:defRPr sz="3000"/>
+              <a:defRPr/>
             </a:lvl1pPr>
             <a:lvl2pPr>
               <a:lnSpc>
                 <a:spcPct val="97000"/>
               </a:lnSpc>
-              <a:defRPr sz="3000"/>
+              <a:defRPr/>
             </a:lvl2pPr>
             <a:lvl3pPr>
               <a:lnSpc>
                 <a:spcPct val="97000"/>
               </a:lnSpc>
-              <a:defRPr sz="3000"/>
+              <a:defRPr/>
             </a:lvl3pPr>
             <a:lvl4pPr>
               <a:lnSpc>
                 <a:spcPct val="97000"/>
               </a:lnSpc>
-              <a:defRPr sz="3000"/>
+              <a:defRPr/>
             </a:lvl4pPr>
             <a:lvl5pPr>
               <a:lnSpc>
                 <a:spcPct val="97000"/>
               </a:lnSpc>
-              <a:defRPr sz="3000"/>
+              <a:defRPr/>
             </a:lvl5pPr>
           </a:lstStyle>
           <a:p>
@@ -2246,8 +2347,8 @@
         </p:nvSpPr>
         <p:spPr>
           <a:xfrm>
-            <a:off x="11401425" y="8558509"/>
-            <a:ext cx="20012026" cy="8873147"/>
+            <a:off x="10668000" y="9486900"/>
+            <a:ext cx="18583910" cy="10128455"/>
           </a:xfrm>
           <a:pattFill prst="lgCheck">
             <a:fgClr>
@@ -2261,10 +2362,10 @@
           </a:pattFill>
         </p:spPr>
         <p:txBody>
-          <a:bodyPr tIns="1440000" anchor="ctr"/>
+          <a:bodyPr tIns="720000" anchor="ctr"/>
           <a:lstStyle>
             <a:lvl1pPr algn="ctr">
-              <a:defRPr sz="3000"/>
+              <a:defRPr sz="1200"/>
             </a:lvl1pPr>
           </a:lstStyle>
           <a:p>
@@ -2272,7 +2373,7 @@
               <a:rPr lang="cs-CZ"/>
               <a:t>Kliknutím na ikonu přidáte obrázek.</a:t>
             </a:r>
-            <a:endParaRPr lang="de-CH" dirty="0"/>
+            <a:endParaRPr lang="de-CH"/>
           </a:p>
         </p:txBody>
       </p:sp>
@@ -2294,8 +2395,8 @@
         </p:nvSpPr>
         <p:spPr>
           <a:xfrm>
-            <a:off x="1047750" y="8470900"/>
-            <a:ext cx="9663114" cy="8960756"/>
+            <a:off x="1045523" y="9486900"/>
+            <a:ext cx="8928000" cy="10128455"/>
           </a:xfrm>
         </p:spPr>
         <p:txBody>
@@ -2308,16 +2409,16 @@
               <a:defRPr sz="4800" b="1"/>
             </a:lvl1pPr>
             <a:lvl2pPr>
-              <a:defRPr sz="3395" b="1"/>
+              <a:defRPr sz="4800" b="1"/>
             </a:lvl2pPr>
             <a:lvl3pPr>
-              <a:defRPr sz="3395" b="1"/>
+              <a:defRPr sz="4800" b="1"/>
             </a:lvl3pPr>
             <a:lvl4pPr>
-              <a:defRPr sz="3395" b="1"/>
+              <a:defRPr sz="4800" b="1"/>
             </a:lvl4pPr>
             <a:lvl5pPr>
-              <a:defRPr sz="3395" b="1"/>
+              <a:defRPr sz="4800" b="1"/>
             </a:lvl5pPr>
           </a:lstStyle>
           <a:p>
@@ -2347,8 +2448,8 @@
         </p:nvSpPr>
         <p:spPr>
           <a:xfrm>
-            <a:off x="11401426" y="19494089"/>
-            <a:ext cx="9658349" cy="9752423"/>
+            <a:off x="10664925" y="20556000"/>
+            <a:ext cx="8928000" cy="14617623"/>
           </a:xfrm>
         </p:spPr>
         <p:txBody>
@@ -2358,31 +2459,31 @@
               <a:lnSpc>
                 <a:spcPct val="97000"/>
               </a:lnSpc>
-              <a:defRPr sz="3000"/>
+              <a:defRPr/>
             </a:lvl1pPr>
             <a:lvl2pPr>
               <a:lnSpc>
                 <a:spcPct val="97000"/>
               </a:lnSpc>
-              <a:defRPr sz="3000"/>
+              <a:defRPr/>
             </a:lvl2pPr>
             <a:lvl3pPr>
               <a:lnSpc>
                 <a:spcPct val="97000"/>
               </a:lnSpc>
-              <a:defRPr sz="3000"/>
+              <a:defRPr/>
             </a:lvl3pPr>
             <a:lvl4pPr>
               <a:lnSpc>
                 <a:spcPct val="97000"/>
               </a:lnSpc>
-              <a:defRPr sz="3000"/>
+              <a:defRPr/>
             </a:lvl4pPr>
             <a:lvl5pPr>
               <a:lnSpc>
                 <a:spcPct val="97000"/>
               </a:lnSpc>
-              <a:defRPr sz="3000"/>
+              <a:defRPr/>
             </a:lvl5pPr>
           </a:lstStyle>
           <a:p>
@@ -2424,6 +2525,54 @@
               <a:t>Fünfte Ebene</a:t>
             </a:r>
             <a:endParaRPr lang="de-CH" dirty="0"/>
+          </a:p>
+        </p:txBody>
+      </p:sp>
+      <p:sp>
+        <p:nvSpPr>
+          <p:cNvPr id="8" name="Bildplatzhalter 4">
+            <a:extLst>
+              <a:ext uri="{FF2B5EF4-FFF2-40B4-BE49-F238E27FC236}">
+                <a16:creationId xmlns:a16="http://schemas.microsoft.com/office/drawing/2014/main" id="{7018D6E1-DBC7-C9C5-49C1-B1F70151FC96}"/>
+              </a:ext>
+            </a:extLst>
+          </p:cNvPr>
+          <p:cNvSpPr>
+            <a:spLocks noGrp="1"/>
+          </p:cNvSpPr>
+          <p:nvPr>
+            <p:ph type="pic" sz="quarter" idx="17"/>
+          </p:nvPr>
+        </p:nvSpPr>
+        <p:spPr>
+          <a:xfrm>
+            <a:off x="1044576" y="31760493"/>
+            <a:ext cx="8928100" cy="10028903"/>
+          </a:xfrm>
+          <a:pattFill prst="lgCheck">
+            <a:fgClr>
+              <a:schemeClr val="bg1">
+                <a:lumMod val="85000"/>
+              </a:schemeClr>
+            </a:fgClr>
+            <a:bgClr>
+              <a:schemeClr val="bg1"/>
+            </a:bgClr>
+          </a:pattFill>
+        </p:spPr>
+        <p:txBody>
+          <a:bodyPr tIns="720000" anchor="ctr"/>
+          <a:lstStyle>
+            <a:lvl1pPr algn="ctr">
+              <a:defRPr sz="1200"/>
+            </a:lvl1pPr>
+          </a:lstStyle>
+          <a:p>
+            <a:r>
+              <a:rPr lang="cs-CZ"/>
+              <a:t>Kliknutím na ikonu přidáte obrázek.</a:t>
+            </a:r>
+            <a:endParaRPr lang="de-CH"/>
           </a:p>
         </p:txBody>
       </p:sp>
@@ -2445,8 +2594,8 @@
         </p:nvSpPr>
         <p:spPr>
           <a:xfrm>
-            <a:off x="32117966" y="8558508"/>
-            <a:ext cx="9638046" cy="20699118"/>
+            <a:off x="20313922" y="20556000"/>
+            <a:ext cx="8928000" cy="21020744"/>
           </a:xfrm>
         </p:spPr>
         <p:txBody>
@@ -2456,31 +2605,31 @@
               <a:lnSpc>
                 <a:spcPct val="97000"/>
               </a:lnSpc>
-              <a:defRPr sz="3000"/>
+              <a:defRPr/>
             </a:lvl1pPr>
             <a:lvl2pPr>
               <a:lnSpc>
                 <a:spcPct val="97000"/>
               </a:lnSpc>
-              <a:defRPr sz="3000"/>
+              <a:defRPr/>
             </a:lvl2pPr>
             <a:lvl3pPr>
               <a:lnSpc>
                 <a:spcPct val="97000"/>
               </a:lnSpc>
-              <a:defRPr sz="3000"/>
+              <a:defRPr/>
             </a:lvl3pPr>
             <a:lvl4pPr>
               <a:lnSpc>
                 <a:spcPct val="97000"/>
               </a:lnSpc>
-              <a:defRPr sz="3000"/>
+              <a:defRPr/>
             </a:lvl4pPr>
             <a:lvl5pPr>
               <a:lnSpc>
                 <a:spcPct val="97000"/>
               </a:lnSpc>
-              <a:defRPr sz="3000"/>
+              <a:defRPr/>
             </a:lvl5pPr>
           </a:lstStyle>
           <a:p>
@@ -2543,8 +2692,8 @@
         </p:nvSpPr>
         <p:spPr>
           <a:xfrm>
-            <a:off x="21755101" y="19494090"/>
-            <a:ext cx="9658349" cy="9752422"/>
+            <a:off x="10656285" y="35335428"/>
+            <a:ext cx="8928000" cy="6403122"/>
           </a:xfrm>
         </p:spPr>
         <p:txBody>
@@ -2554,31 +2703,31 @@
               <a:lnSpc>
                 <a:spcPct val="97000"/>
               </a:lnSpc>
-              <a:defRPr sz="3000"/>
+              <a:defRPr/>
             </a:lvl1pPr>
             <a:lvl2pPr>
               <a:lnSpc>
                 <a:spcPct val="97000"/>
               </a:lnSpc>
-              <a:defRPr sz="3000"/>
+              <a:defRPr/>
             </a:lvl2pPr>
             <a:lvl3pPr>
               <a:lnSpc>
                 <a:spcPct val="97000"/>
               </a:lnSpc>
-              <a:defRPr sz="3000"/>
+              <a:defRPr/>
             </a:lvl3pPr>
             <a:lvl4pPr>
               <a:lnSpc>
                 <a:spcPct val="97000"/>
               </a:lnSpc>
-              <a:defRPr sz="3000"/>
+              <a:defRPr/>
             </a:lvl4pPr>
             <a:lvl5pPr>
               <a:lnSpc>
                 <a:spcPct val="97000"/>
               </a:lnSpc>
-              <a:defRPr sz="3000"/>
+              <a:defRPr/>
             </a:lvl5pPr>
           </a:lstStyle>
           <a:p>
@@ -2625,10 +2774,10 @@
       </p:sp>
       <p:sp>
         <p:nvSpPr>
-          <p:cNvPr id="12" name="Textplatzhalter 14">
+          <p:cNvPr id="4" name="Textplatzhalter 14">
             <a:extLst>
               <a:ext uri="{FF2B5EF4-FFF2-40B4-BE49-F238E27FC236}">
-                <a16:creationId xmlns:a16="http://schemas.microsoft.com/office/drawing/2014/main" id="{14FDEF09-F69C-0559-CA7E-B6C3ECA65A3B}"/>
+                <a16:creationId xmlns:a16="http://schemas.microsoft.com/office/drawing/2014/main" id="{AE2E7A2B-2B78-6E28-F451-1FB2741A6591}"/>
               </a:ext>
             </a:extLst>
           </p:cNvPr>
@@ -2641,12 +2790,12 @@
         </p:nvSpPr>
         <p:spPr>
           <a:xfrm>
-            <a:off x="9388800" y="1028700"/>
-            <a:ext cx="32367212" cy="2133600"/>
+            <a:off x="9388800" y="1044575"/>
+            <a:ext cx="19863110" cy="2143503"/>
           </a:xfrm>
         </p:spPr>
         <p:txBody>
-          <a:bodyPr tIns="0" bIns="108000" anchor="ctr"/>
+          <a:bodyPr anchor="ctr"/>
           <a:lstStyle>
             <a:lvl1pPr>
               <a:defRPr sz="5000" b="0">
@@ -2654,16 +2803,16 @@
               </a:defRPr>
             </a:lvl1pPr>
             <a:lvl2pPr>
-              <a:defRPr sz="3395" b="1"/>
+              <a:defRPr sz="4800" b="1"/>
             </a:lvl2pPr>
             <a:lvl3pPr>
-              <a:defRPr sz="3395" b="1"/>
+              <a:defRPr sz="4800" b="1"/>
             </a:lvl3pPr>
             <a:lvl4pPr>
-              <a:defRPr sz="3395" b="1"/>
+              <a:defRPr sz="4800" b="1"/>
             </a:lvl4pPr>
             <a:lvl5pPr>
-              <a:defRPr sz="3395" b="1"/>
+              <a:defRPr sz="4800" b="1"/>
             </a:lvl5pPr>
           </a:lstStyle>
           <a:p>
@@ -2689,12 +2838,12 @@
   <p:extLst>
     <p:ext uri="{DCECCB84-F9BA-43D5-87BE-67443E8EF086}">
       <p15:sldGuideLst xmlns:p15="http://schemas.microsoft.com/office/powerpoint/2012/main">
-        <p15:guide id="1" orient="horz" pos="5383" userDrawn="1">
+        <p15:guide id="1" orient="horz" pos="12365" userDrawn="1">
           <p15:clr>
             <a:srgbClr val="A4A3A4"/>
           </p15:clr>
         </p15:guide>
-        <p15:guide id="2" orient="horz" pos="4226" userDrawn="1">
+        <p15:guide id="2" orient="horz" pos="5975" userDrawn="1">
           <p15:clr>
             <a:srgbClr val="A4A3A4"/>
           </p15:clr>
@@ -2739,8 +2888,8 @@
         </p:nvSpPr>
         <p:spPr>
           <a:xfrm>
-            <a:off x="1" y="3164581"/>
-            <a:ext cx="42803761" cy="5194430"/>
+            <a:off x="1" y="5220000"/>
+            <a:ext cx="29232224" cy="7344000"/>
           </a:xfrm>
           <a:prstGeom prst="rect">
             <a:avLst/>
@@ -2778,8 +2927,8 @@
         </p:nvSpPr>
         <p:spPr>
           <a:xfrm>
-            <a:off x="1047750" y="17117826"/>
-            <a:ext cx="9663114" cy="12144497"/>
+            <a:off x="1044575" y="22193250"/>
+            <a:ext cx="8928000" cy="16359863"/>
           </a:xfrm>
           <a:prstGeom prst="rect">
             <a:avLst/>
@@ -2841,8 +2990,8 @@
         </p:nvSpPr>
         <p:spPr>
           <a:xfrm rot="5400000">
-            <a:off x="39209784" y="26341628"/>
-            <a:ext cx="7742221" cy="43538"/>
+            <a:off x="24998167" y="37242375"/>
+            <a:ext cx="10946123" cy="61555"/>
           </a:xfrm>
           <a:prstGeom prst="rect">
             <a:avLst/>
@@ -2857,7 +3006,7 @@
           <a:p>
             <a:pPr algn="r"/>
             <a:r>
-              <a:rPr lang="de-CH" sz="283" spc="28" baseline="0" dirty="0">
+              <a:rPr lang="de-CH" sz="400" spc="40" baseline="0" dirty="0">
                 <a:solidFill>
                   <a:schemeClr val="bg1">
                     <a:lumMod val="85000"/>
@@ -2874,7 +3023,7 @@
           <p:cNvPr id="4" name="Grafik 3">
             <a:extLst>
               <a:ext uri="{FF2B5EF4-FFF2-40B4-BE49-F238E27FC236}">
-                <a16:creationId xmlns:a16="http://schemas.microsoft.com/office/drawing/2014/main" id="{C13BC8EB-925A-6BFD-32B0-A16AA175C77F}"/>
+                <a16:creationId xmlns:a16="http://schemas.microsoft.com/office/drawing/2014/main" id="{A7AF8399-BFBA-3A8A-0D20-A6D963D1E0A3}"/>
               </a:ext>
             </a:extLst>
           </p:cNvPr>
@@ -2910,7 +3059,7 @@
           <p:cNvPr id="5" name="Gerader Verbinder 4">
             <a:extLst>
               <a:ext uri="{FF2B5EF4-FFF2-40B4-BE49-F238E27FC236}">
-                <a16:creationId xmlns:a16="http://schemas.microsoft.com/office/drawing/2014/main" id="{868B6493-1624-AA2B-49FE-0FF061753279}"/>
+                <a16:creationId xmlns:a16="http://schemas.microsoft.com/office/drawing/2014/main" id="{9D4EFC67-5734-42EC-1566-F85AE0719990}"/>
               </a:ext>
             </a:extLst>
           </p:cNvPr>
@@ -2961,7 +3110,7 @@
   <p:hf sldNum="0" hdr="0" ftr="0" dt="0"/>
   <p:txStyles>
     <p:titleStyle>
-      <a:lvl1pPr algn="l" defTabSz="646755" rtl="0" eaLnBrk="1" latinLnBrk="0" hangingPunct="1">
+      <a:lvl1pPr algn="l" defTabSz="914400" rtl="0" eaLnBrk="1" latinLnBrk="0" hangingPunct="1">
         <a:lnSpc>
           <a:spcPct val="83000"/>
         </a:lnSpc>
@@ -2980,9 +3129,9 @@
       </a:lvl1pPr>
     </p:titleStyle>
     <p:bodyStyle>
-      <a:lvl1pPr marL="0" indent="0" algn="l" defTabSz="646755" rtl="0" eaLnBrk="1" latinLnBrk="0" hangingPunct="1">
+      <a:lvl1pPr marL="0" indent="0" algn="l" defTabSz="914400" rtl="0" eaLnBrk="1" latinLnBrk="0" hangingPunct="1">
         <a:lnSpc>
-          <a:spcPct val="97000"/>
+          <a:spcPct val="100000"/>
         </a:lnSpc>
         <a:spcBef>
           <a:spcPts val="0"/>
@@ -2998,9 +3147,9 @@
           <a:cs typeface="+mn-cs"/>
         </a:defRPr>
       </a:lvl1pPr>
-      <a:lvl2pPr marL="252000" indent="-252000" algn="l" defTabSz="646755" rtl="0" eaLnBrk="1" latinLnBrk="0" hangingPunct="1">
+      <a:lvl2pPr marL="252000" indent="-252000" algn="l" defTabSz="914400" rtl="0" eaLnBrk="1" latinLnBrk="0" hangingPunct="1">
         <a:lnSpc>
-          <a:spcPct val="97000"/>
+          <a:spcPct val="100000"/>
         </a:lnSpc>
         <a:spcBef>
           <a:spcPts val="0"/>
@@ -3016,9 +3165,9 @@
           <a:cs typeface="+mn-cs"/>
         </a:defRPr>
       </a:lvl2pPr>
-      <a:lvl3pPr marL="504000" indent="-252000" algn="l" defTabSz="646755" rtl="0" eaLnBrk="1" latinLnBrk="0" hangingPunct="1">
+      <a:lvl3pPr marL="504000" indent="-252000" algn="l" defTabSz="914400" rtl="0" eaLnBrk="1" latinLnBrk="0" hangingPunct="1">
         <a:lnSpc>
-          <a:spcPct val="97000"/>
+          <a:spcPct val="100000"/>
         </a:lnSpc>
         <a:spcBef>
           <a:spcPts val="0"/>
@@ -3034,9 +3183,9 @@
           <a:cs typeface="+mn-cs"/>
         </a:defRPr>
       </a:lvl3pPr>
-      <a:lvl4pPr marL="756000" indent="-252000" algn="l" defTabSz="646755" rtl="0" eaLnBrk="1" latinLnBrk="0" hangingPunct="1">
+      <a:lvl4pPr marL="756000" indent="-252000" algn="l" defTabSz="914400" rtl="0" eaLnBrk="1" latinLnBrk="0" hangingPunct="1">
         <a:lnSpc>
-          <a:spcPct val="97000"/>
+          <a:spcPct val="100000"/>
         </a:lnSpc>
         <a:spcBef>
           <a:spcPts val="0"/>
@@ -3052,9 +3201,9 @@
           <a:cs typeface="+mn-cs"/>
         </a:defRPr>
       </a:lvl4pPr>
-      <a:lvl5pPr marL="1008000" indent="-252000" algn="l" defTabSz="646755" rtl="0" eaLnBrk="1" latinLnBrk="0" hangingPunct="1">
+      <a:lvl5pPr marL="1008000" indent="-252000" algn="l" defTabSz="914400" rtl="0" eaLnBrk="1" latinLnBrk="0" hangingPunct="1">
         <a:lnSpc>
-          <a:spcPct val="97000"/>
+          <a:spcPct val="100000"/>
         </a:lnSpc>
         <a:spcBef>
           <a:spcPts val="0"/>
@@ -3070,16 +3219,16 @@
           <a:cs typeface="+mn-cs"/>
         </a:defRPr>
       </a:lvl5pPr>
-      <a:lvl6pPr marL="1778577" indent="-161689" algn="l" defTabSz="646755" rtl="0" eaLnBrk="1" latinLnBrk="0" hangingPunct="1">
+      <a:lvl6pPr marL="2514600" indent="-228600" algn="l" defTabSz="914400" rtl="0" eaLnBrk="1" latinLnBrk="0" hangingPunct="1">
         <a:lnSpc>
           <a:spcPct val="90000"/>
         </a:lnSpc>
         <a:spcBef>
-          <a:spcPts val="354"/>
+          <a:spcPts val="500"/>
         </a:spcBef>
         <a:buFont typeface="Arial" panose="020B0604020202020204" pitchFamily="34" charset="0"/>
         <a:buChar char="•"/>
-        <a:defRPr sz="1273" kern="1200">
+        <a:defRPr sz="1800" kern="1200">
           <a:solidFill>
             <a:schemeClr val="tx1"/>
           </a:solidFill>
@@ -3088,16 +3237,16 @@
           <a:cs typeface="+mn-cs"/>
         </a:defRPr>
       </a:lvl6pPr>
-      <a:lvl7pPr marL="2101954" indent="-161689" algn="l" defTabSz="646755" rtl="0" eaLnBrk="1" latinLnBrk="0" hangingPunct="1">
+      <a:lvl7pPr marL="2971800" indent="-228600" algn="l" defTabSz="914400" rtl="0" eaLnBrk="1" latinLnBrk="0" hangingPunct="1">
         <a:lnSpc>
           <a:spcPct val="90000"/>
         </a:lnSpc>
         <a:spcBef>
-          <a:spcPts val="354"/>
+          <a:spcPts val="500"/>
         </a:spcBef>
         <a:buFont typeface="Arial" panose="020B0604020202020204" pitchFamily="34" charset="0"/>
         <a:buChar char="•"/>
-        <a:defRPr sz="1273" kern="1200">
+        <a:defRPr sz="1800" kern="1200">
           <a:solidFill>
             <a:schemeClr val="tx1"/>
           </a:solidFill>
@@ -3106,16 +3255,16 @@
           <a:cs typeface="+mn-cs"/>
         </a:defRPr>
       </a:lvl7pPr>
-      <a:lvl8pPr marL="2425332" indent="-161689" algn="l" defTabSz="646755" rtl="0" eaLnBrk="1" latinLnBrk="0" hangingPunct="1">
+      <a:lvl8pPr marL="3429000" indent="-228600" algn="l" defTabSz="914400" rtl="0" eaLnBrk="1" latinLnBrk="0" hangingPunct="1">
         <a:lnSpc>
           <a:spcPct val="90000"/>
         </a:lnSpc>
         <a:spcBef>
-          <a:spcPts val="354"/>
+          <a:spcPts val="500"/>
         </a:spcBef>
         <a:buFont typeface="Arial" panose="020B0604020202020204" pitchFamily="34" charset="0"/>
         <a:buChar char="•"/>
-        <a:defRPr sz="1273" kern="1200">
+        <a:defRPr sz="1800" kern="1200">
           <a:solidFill>
             <a:schemeClr val="tx1"/>
           </a:solidFill>
@@ -3124,16 +3273,16 @@
           <a:cs typeface="+mn-cs"/>
         </a:defRPr>
       </a:lvl8pPr>
-      <a:lvl9pPr marL="2748709" indent="-161689" algn="l" defTabSz="646755" rtl="0" eaLnBrk="1" latinLnBrk="0" hangingPunct="1">
+      <a:lvl9pPr marL="3886200" indent="-228600" algn="l" defTabSz="914400" rtl="0" eaLnBrk="1" latinLnBrk="0" hangingPunct="1">
         <a:lnSpc>
           <a:spcPct val="90000"/>
         </a:lnSpc>
         <a:spcBef>
-          <a:spcPts val="354"/>
+          <a:spcPts val="500"/>
         </a:spcBef>
         <a:buFont typeface="Arial" panose="020B0604020202020204" pitchFamily="34" charset="0"/>
         <a:buChar char="•"/>
-        <a:defRPr sz="1273" kern="1200">
+        <a:defRPr sz="1800" kern="1200">
           <a:solidFill>
             <a:schemeClr val="tx1"/>
           </a:solidFill>
@@ -3147,8 +3296,8 @@
       <a:defPPr>
         <a:defRPr lang="de-DE"/>
       </a:defPPr>
-      <a:lvl1pPr marL="0" algn="l" defTabSz="646755" rtl="0" eaLnBrk="1" latinLnBrk="0" hangingPunct="1">
-        <a:defRPr sz="1273" kern="1200">
+      <a:lvl1pPr marL="0" algn="l" defTabSz="914400" rtl="0" eaLnBrk="1" latinLnBrk="0" hangingPunct="1">
+        <a:defRPr sz="1800" kern="1200">
           <a:solidFill>
             <a:schemeClr val="tx1"/>
           </a:solidFill>
@@ -3157,8 +3306,8 @@
           <a:cs typeface="+mn-cs"/>
         </a:defRPr>
       </a:lvl1pPr>
-      <a:lvl2pPr marL="323378" algn="l" defTabSz="646755" rtl="0" eaLnBrk="1" latinLnBrk="0" hangingPunct="1">
-        <a:defRPr sz="1273" kern="1200">
+      <a:lvl2pPr marL="457200" algn="l" defTabSz="914400" rtl="0" eaLnBrk="1" latinLnBrk="0" hangingPunct="1">
+        <a:defRPr sz="1800" kern="1200">
           <a:solidFill>
             <a:schemeClr val="tx1"/>
           </a:solidFill>
@@ -3167,8 +3316,8 @@
           <a:cs typeface="+mn-cs"/>
         </a:defRPr>
       </a:lvl2pPr>
-      <a:lvl3pPr marL="646755" algn="l" defTabSz="646755" rtl="0" eaLnBrk="1" latinLnBrk="0" hangingPunct="1">
-        <a:defRPr sz="1273" kern="1200">
+      <a:lvl3pPr marL="914400" algn="l" defTabSz="914400" rtl="0" eaLnBrk="1" latinLnBrk="0" hangingPunct="1">
+        <a:defRPr sz="1800" kern="1200">
           <a:solidFill>
             <a:schemeClr val="tx1"/>
           </a:solidFill>
@@ -3177,8 +3326,8 @@
           <a:cs typeface="+mn-cs"/>
         </a:defRPr>
       </a:lvl3pPr>
-      <a:lvl4pPr marL="970133" algn="l" defTabSz="646755" rtl="0" eaLnBrk="1" latinLnBrk="0" hangingPunct="1">
-        <a:defRPr sz="1273" kern="1200">
+      <a:lvl4pPr marL="1371600" algn="l" defTabSz="914400" rtl="0" eaLnBrk="1" latinLnBrk="0" hangingPunct="1">
+        <a:defRPr sz="1800" kern="1200">
           <a:solidFill>
             <a:schemeClr val="tx1"/>
           </a:solidFill>
@@ -3187,8 +3336,8 @@
           <a:cs typeface="+mn-cs"/>
         </a:defRPr>
       </a:lvl4pPr>
-      <a:lvl5pPr marL="1293510" algn="l" defTabSz="646755" rtl="0" eaLnBrk="1" latinLnBrk="0" hangingPunct="1">
-        <a:defRPr sz="1273" kern="1200">
+      <a:lvl5pPr marL="1828800" algn="l" defTabSz="914400" rtl="0" eaLnBrk="1" latinLnBrk="0" hangingPunct="1">
+        <a:defRPr sz="1800" kern="1200">
           <a:solidFill>
             <a:schemeClr val="tx1"/>
           </a:solidFill>
@@ -3197,8 +3346,8 @@
           <a:cs typeface="+mn-cs"/>
         </a:defRPr>
       </a:lvl5pPr>
-      <a:lvl6pPr marL="1616888" algn="l" defTabSz="646755" rtl="0" eaLnBrk="1" latinLnBrk="0" hangingPunct="1">
-        <a:defRPr sz="1273" kern="1200">
+      <a:lvl6pPr marL="2286000" algn="l" defTabSz="914400" rtl="0" eaLnBrk="1" latinLnBrk="0" hangingPunct="1">
+        <a:defRPr sz="1800" kern="1200">
           <a:solidFill>
             <a:schemeClr val="tx1"/>
           </a:solidFill>
@@ -3207,8 +3356,8 @@
           <a:cs typeface="+mn-cs"/>
         </a:defRPr>
       </a:lvl6pPr>
-      <a:lvl7pPr marL="1940265" algn="l" defTabSz="646755" rtl="0" eaLnBrk="1" latinLnBrk="0" hangingPunct="1">
-        <a:defRPr sz="1273" kern="1200">
+      <a:lvl7pPr marL="2743200" algn="l" defTabSz="914400" rtl="0" eaLnBrk="1" latinLnBrk="0" hangingPunct="1">
+        <a:defRPr sz="1800" kern="1200">
           <a:solidFill>
             <a:schemeClr val="tx1"/>
           </a:solidFill>
@@ -3217,8 +3366,8 @@
           <a:cs typeface="+mn-cs"/>
         </a:defRPr>
       </a:lvl7pPr>
-      <a:lvl8pPr marL="2263643" algn="l" defTabSz="646755" rtl="0" eaLnBrk="1" latinLnBrk="0" hangingPunct="1">
-        <a:defRPr sz="1273" kern="1200">
+      <a:lvl8pPr marL="3200400" algn="l" defTabSz="914400" rtl="0" eaLnBrk="1" latinLnBrk="0" hangingPunct="1">
+        <a:defRPr sz="1800" kern="1200">
           <a:solidFill>
             <a:schemeClr val="tx1"/>
           </a:solidFill>
@@ -3227,8 +3376,8 @@
           <a:cs typeface="+mn-cs"/>
         </a:defRPr>
       </a:lvl8pPr>
-      <a:lvl9pPr marL="2587020" algn="l" defTabSz="646755" rtl="0" eaLnBrk="1" latinLnBrk="0" hangingPunct="1">
-        <a:defRPr sz="1273" kern="1200">
+      <a:lvl9pPr marL="3657600" algn="l" defTabSz="914400" rtl="0" eaLnBrk="1" latinLnBrk="0" hangingPunct="1">
+        <a:defRPr sz="1800" kern="1200">
           <a:solidFill>
             <a:schemeClr val="tx1"/>
           </a:solidFill>
@@ -3242,57 +3391,47 @@
   <p:extLst>
     <p:ext uri="{27BBF7A9-308A-43DC-89C8-2F10F3537804}">
       <p15:sldGuideLst xmlns:p15="http://schemas.microsoft.com/office/powerpoint/2012/main">
-        <p15:guide id="1" pos="660" userDrawn="1">
+        <p15:guide id="1" pos="658" userDrawn="1">
           <p15:clr>
             <a:srgbClr val="A4A3A4"/>
           </p15:clr>
         </p15:guide>
-        <p15:guide id="2" pos="26304" userDrawn="1">
+        <p15:guide id="2" pos="18414" userDrawn="1">
           <p15:clr>
             <a:srgbClr val="A4A3A4"/>
           </p15:clr>
         </p15:guide>
-        <p15:guide id="3" orient="horz" pos="18430" userDrawn="1">
+        <p15:guide id="3" orient="horz" pos="26292" userDrawn="1">
           <p15:clr>
             <a:srgbClr val="A4A3A4"/>
           </p15:clr>
         </p15:guide>
-        <p15:guide id="4" orient="horz" pos="648" userDrawn="1">
+        <p15:guide id="4" orient="horz" pos="658" userDrawn="1">
           <p15:clr>
             <a:srgbClr val="A4A3A4"/>
           </p15:clr>
         </p15:guide>
-        <p15:guide id="5" pos="13704" userDrawn="1">
+        <p15:guide id="5" pos="6720" userDrawn="1">
           <p15:clr>
             <a:srgbClr val="A4A3A4"/>
           </p15:clr>
         </p15:guide>
-        <p15:guide id="6" pos="19788" userDrawn="1">
+        <p15:guide id="6" pos="12342" userDrawn="1">
           <p15:clr>
             <a:srgbClr val="A4A3A4"/>
           </p15:clr>
         </p15:guide>
-        <p15:guide id="7" pos="20229" userDrawn="1">
+        <p15:guide id="7" pos="12798" userDrawn="1">
           <p15:clr>
             <a:srgbClr val="A4A3A4"/>
           </p15:clr>
         </p15:guide>
-        <p15:guide id="8" pos="13266" userDrawn="1">
+        <p15:guide id="8" pos="6282" userDrawn="1">
           <p15:clr>
             <a:srgbClr val="A4A3A4"/>
           </p15:clr>
         </p15:guide>
-        <p15:guide id="10" orient="horz" pos="1992" userDrawn="1">
-          <p15:clr>
-            <a:srgbClr val="A4A3A4"/>
-          </p15:clr>
-        </p15:guide>
-        <p15:guide id="11" pos="6747" userDrawn="1">
-          <p15:clr>
-            <a:srgbClr val="A4A3A4"/>
-          </p15:clr>
-        </p15:guide>
-        <p15:guide id="12" pos="7182" userDrawn="1">
+        <p15:guide id="10" orient="horz" pos="2626" userDrawn="1">
           <p15:clr>
             <a:srgbClr val="A4A3A4"/>
           </p15:clr>
@@ -3322,10 +3461,140 @@
       </p:grpSpPr>
       <p:sp>
         <p:nvSpPr>
-          <p:cNvPr id="3" name="Inhaltsplatzhalter 2">
+          <p:cNvPr id="10" name="Obdélník 9">
             <a:extLst>
               <a:ext uri="{FF2B5EF4-FFF2-40B4-BE49-F238E27FC236}">
-                <a16:creationId xmlns:a16="http://schemas.microsoft.com/office/drawing/2014/main" id="{615C0C5F-D9EC-1643-58C9-D9863499095F}"/>
+                <a16:creationId xmlns:a16="http://schemas.microsoft.com/office/drawing/2014/main" id="{F866A145-54F3-392D-D659-BB12E8971428}"/>
+              </a:ext>
+            </a:extLst>
+          </p:cNvPr>
+          <p:cNvSpPr/>
+          <p:nvPr/>
+        </p:nvSpPr>
+        <p:spPr>
+          <a:xfrm>
+            <a:off x="736006" y="970687"/>
+            <a:ext cx="7704856" cy="2161496"/>
+          </a:xfrm>
+          <a:prstGeom prst="rect">
+            <a:avLst/>
+          </a:prstGeom>
+          <a:solidFill>
+            <a:schemeClr val="bg1"/>
+          </a:solidFill>
+          <a:ln>
+            <a:solidFill>
+              <a:schemeClr val="bg1"/>
+            </a:solidFill>
+          </a:ln>
+        </p:spPr>
+        <p:style>
+          <a:lnRef idx="2">
+            <a:schemeClr val="accent1">
+              <a:shade val="50000"/>
+            </a:schemeClr>
+          </a:lnRef>
+          <a:fillRef idx="1">
+            <a:schemeClr val="accent1"/>
+          </a:fillRef>
+          <a:effectRef idx="0">
+            <a:schemeClr val="accent1"/>
+          </a:effectRef>
+          <a:fontRef idx="minor">
+            <a:schemeClr val="lt1"/>
+          </a:fontRef>
+        </p:style>
+        <p:txBody>
+          <a:bodyPr rtlCol="0" anchor="ctr"/>
+          <a:lstStyle/>
+          <a:p>
+            <a:pPr algn="ctr"/>
+            <a:endParaRPr lang="en-US"/>
+          </a:p>
+        </p:txBody>
+      </p:sp>
+      <p:sp>
+        <p:nvSpPr>
+          <p:cNvPr id="12" name="Titel 1">
+            <a:extLst>
+              <a:ext uri="{FF2B5EF4-FFF2-40B4-BE49-F238E27FC236}">
+                <a16:creationId xmlns:a16="http://schemas.microsoft.com/office/drawing/2014/main" id="{755E6C1E-3B74-2872-D067-C40FFC0AB3EB}"/>
+              </a:ext>
+            </a:extLst>
+          </p:cNvPr>
+          <p:cNvSpPr txBox="1">
+            <a:spLocks/>
+          </p:cNvSpPr>
+          <p:nvPr/>
+        </p:nvSpPr>
+        <p:spPr>
+          <a:xfrm>
+            <a:off x="2" y="0"/>
+            <a:ext cx="30275210" cy="7208136"/>
+          </a:xfrm>
+          <a:prstGeom prst="rect">
+            <a:avLst/>
+          </a:prstGeom>
+        </p:spPr>
+        <p:txBody>
+          <a:bodyPr vert="horz" lIns="1044000" tIns="1044000" rIns="0" bIns="0" rtlCol="0" anchor="t">
+            <a:noAutofit/>
+          </a:bodyPr>
+          <a:lstStyle>
+            <a:lvl1pPr algn="l" defTabSz="914400" rtl="0" eaLnBrk="1" latinLnBrk="0" hangingPunct="1">
+              <a:lnSpc>
+                <a:spcPct val="83000"/>
+              </a:lnSpc>
+              <a:spcBef>
+                <a:spcPct val="0"/>
+              </a:spcBef>
+              <a:buNone/>
+              <a:defRPr sz="15000" b="1" kern="1200">
+                <a:solidFill>
+                  <a:schemeClr val="tx1"/>
+                </a:solidFill>
+                <a:latin typeface="+mj-lt"/>
+                <a:ea typeface="+mj-ea"/>
+                <a:cs typeface="+mj-cs"/>
+              </a:defRPr>
+            </a:lvl1pPr>
+          </a:lstStyle>
+          <a:p>
+            <a:r>
+              <a:rPr lang="en-US" dirty="0"/>
+              <a:t>Anonymization of data</a:t>
+            </a:r>
+            <a:endParaRPr lang="cs-CZ" dirty="0"/>
+          </a:p>
+          <a:p>
+            <a:r>
+              <a:rPr lang="en-US" dirty="0"/>
+              <a:t>for open</a:t>
+            </a:r>
+            <a:r>
+              <a:rPr lang="cs-CZ" dirty="0"/>
+              <a:t> </a:t>
+            </a:r>
+            <a:r>
+              <a:rPr lang="en-US" dirty="0"/>
+              <a:t>science </a:t>
+            </a:r>
+            <a:endParaRPr lang="cs-CZ" dirty="0"/>
+          </a:p>
+          <a:p>
+            <a:r>
+              <a:rPr lang="en-US" dirty="0"/>
+              <a:t>in psychology</a:t>
+            </a:r>
+          </a:p>
+        </p:txBody>
+      </p:sp>
+      <p:sp>
+        <p:nvSpPr>
+          <p:cNvPr id="45" name="Inhaltsplatzhalter 44">
+            <a:extLst>
+              <a:ext uri="{FF2B5EF4-FFF2-40B4-BE49-F238E27FC236}">
+                <a16:creationId xmlns:a16="http://schemas.microsoft.com/office/drawing/2014/main" id="{3778AA91-EAFD-5D88-BF48-5BFC1D88F2E7}"/>
               </a:ext>
             </a:extLst>
           </p:cNvPr>
@@ -3338,8 +3607,8 @@
         </p:nvSpPr>
         <p:spPr>
           <a:xfrm>
-            <a:off x="1047751" y="12545319"/>
-            <a:ext cx="9663114" cy="6816850"/>
+            <a:off x="1044575" y="15785257"/>
+            <a:ext cx="8928000" cy="26501815"/>
           </a:xfrm>
         </p:spPr>
         <p:txBody>
@@ -3347,12 +3616,15 @@
           <a:lstStyle/>
           <a:p>
             <a:pPr>
+              <a:lnSpc>
+                <a:spcPct val="97000"/>
+              </a:lnSpc>
               <a:spcAft>
                 <a:spcPts val="3000"/>
               </a:spcAft>
             </a:pPr>
             <a:r>
-              <a:rPr lang="en-US" sz="4800" b="1" dirty="0">
+              <a:rPr lang="en-GB" sz="4800" b="1" dirty="0">
                 <a:solidFill>
                   <a:srgbClr val="FF0000"/>
                 </a:solidFill>
@@ -3361,31 +3633,398 @@
             </a:r>
           </a:p>
           <a:p>
-            <a:r>
-              <a:rPr lang="en-US" b="1" dirty="0">
+            <a:pPr>
+              <a:lnSpc>
+                <a:spcPct val="97000"/>
+              </a:lnSpc>
+            </a:pPr>
+            <a:r>
+              <a:rPr lang="en-GB" b="1" dirty="0">
                 <a:solidFill>
                   <a:srgbClr val="FF0000"/>
                 </a:solidFill>
               </a:rPr>
               <a:t>Subtitle (30 Pt. bold)</a:t>
             </a:r>
-            <a:endParaRPr lang="en-US" dirty="0">
+          </a:p>
+          <a:p>
+            <a:pPr>
+              <a:lnSpc>
+                <a:spcPct val="97000"/>
+              </a:lnSpc>
+            </a:pPr>
+            <a:r>
+              <a:rPr lang="en-GB" dirty="0">
+                <a:solidFill>
+                  <a:srgbClr val="FF0000"/>
+                </a:solidFill>
+              </a:rPr>
+              <a:t>Lorem ipsum </a:t>
+            </a:r>
+            <a:r>
+              <a:rPr lang="en-GB" dirty="0" err="1">
+                <a:solidFill>
+                  <a:srgbClr val="FF0000"/>
+                </a:solidFill>
+              </a:rPr>
+              <a:t>dolor</a:t>
+            </a:r>
+            <a:r>
+              <a:rPr lang="en-GB" dirty="0">
+                <a:solidFill>
+                  <a:srgbClr val="FF0000"/>
+                </a:solidFill>
+              </a:rPr>
+              <a:t> sit </a:t>
+            </a:r>
+            <a:r>
+              <a:rPr lang="en-GB" dirty="0" err="1">
+                <a:solidFill>
+                  <a:srgbClr val="FF0000"/>
+                </a:solidFill>
+              </a:rPr>
+              <a:t>amet</a:t>
+            </a:r>
+            <a:r>
+              <a:rPr lang="en-GB" dirty="0">
+                <a:solidFill>
+                  <a:srgbClr val="FF0000"/>
+                </a:solidFill>
+              </a:rPr>
+              <a:t>, </a:t>
+            </a:r>
+            <a:r>
+              <a:rPr lang="en-GB" dirty="0" err="1">
+                <a:solidFill>
+                  <a:srgbClr val="FF0000"/>
+                </a:solidFill>
+              </a:rPr>
+              <a:t>consectetuer</a:t>
+            </a:r>
+            <a:r>
+              <a:rPr lang="en-GB" dirty="0">
+                <a:solidFill>
+                  <a:srgbClr val="FF0000"/>
+                </a:solidFill>
+              </a:rPr>
+              <a:t> </a:t>
+            </a:r>
+            <a:r>
+              <a:rPr lang="en-GB" dirty="0" err="1">
+                <a:solidFill>
+                  <a:srgbClr val="FF0000"/>
+                </a:solidFill>
+              </a:rPr>
+              <a:t>adipiscing</a:t>
+            </a:r>
+            <a:r>
+              <a:rPr lang="en-GB" dirty="0">
+                <a:solidFill>
+                  <a:srgbClr val="FF0000"/>
+                </a:solidFill>
+              </a:rPr>
+              <a:t> </a:t>
+            </a:r>
+            <a:r>
+              <a:rPr lang="en-GB" dirty="0" err="1">
+                <a:solidFill>
+                  <a:srgbClr val="FF0000"/>
+                </a:solidFill>
+              </a:rPr>
+              <a:t>elit</a:t>
+            </a:r>
+            <a:r>
+              <a:rPr lang="en-GB" dirty="0">
+                <a:solidFill>
+                  <a:srgbClr val="FF0000"/>
+                </a:solidFill>
+              </a:rPr>
+              <a:t>. Maecenas </a:t>
+            </a:r>
+            <a:r>
+              <a:rPr lang="en-GB" dirty="0" err="1">
+                <a:solidFill>
+                  <a:srgbClr val="FF0000"/>
+                </a:solidFill>
+              </a:rPr>
+              <a:t>porttitor</a:t>
+            </a:r>
+            <a:r>
+              <a:rPr lang="en-GB" dirty="0">
+                <a:solidFill>
+                  <a:srgbClr val="FF0000"/>
+                </a:solidFill>
+              </a:rPr>
+              <a:t> </a:t>
+            </a:r>
+            <a:r>
+              <a:rPr lang="en-GB" dirty="0" err="1">
+                <a:solidFill>
+                  <a:srgbClr val="FF0000"/>
+                </a:solidFill>
+              </a:rPr>
+              <a:t>congue</a:t>
+            </a:r>
+            <a:r>
+              <a:rPr lang="en-GB" dirty="0">
+                <a:solidFill>
+                  <a:srgbClr val="FF0000"/>
+                </a:solidFill>
+              </a:rPr>
+              <a:t> </a:t>
+            </a:r>
+            <a:r>
+              <a:rPr lang="en-GB" dirty="0" err="1">
+                <a:solidFill>
+                  <a:srgbClr val="FF0000"/>
+                </a:solidFill>
+              </a:rPr>
+              <a:t>massa</a:t>
+            </a:r>
+            <a:r>
+              <a:rPr lang="en-GB" dirty="0">
+                <a:solidFill>
+                  <a:srgbClr val="FF0000"/>
+                </a:solidFill>
+              </a:rPr>
+              <a:t>. </a:t>
+            </a:r>
+            <a:r>
+              <a:rPr lang="en-GB" dirty="0" err="1">
+                <a:solidFill>
+                  <a:srgbClr val="FF0000"/>
+                </a:solidFill>
+              </a:rPr>
+              <a:t>Fusce</a:t>
+            </a:r>
+            <a:r>
+              <a:rPr lang="en-GB" dirty="0">
+                <a:solidFill>
+                  <a:srgbClr val="FF0000"/>
+                </a:solidFill>
+              </a:rPr>
+              <a:t> </a:t>
+            </a:r>
+            <a:r>
+              <a:rPr lang="en-GB" dirty="0" err="1">
+                <a:solidFill>
+                  <a:srgbClr val="FF0000"/>
+                </a:solidFill>
+              </a:rPr>
+              <a:t>posuere</a:t>
+            </a:r>
+            <a:r>
+              <a:rPr lang="en-GB" dirty="0">
+                <a:solidFill>
+                  <a:srgbClr val="FF0000"/>
+                </a:solidFill>
+              </a:rPr>
+              <a:t>, magna </a:t>
+            </a:r>
+            <a:r>
+              <a:rPr lang="en-GB" dirty="0" err="1">
+                <a:solidFill>
+                  <a:srgbClr val="FF0000"/>
+                </a:solidFill>
+              </a:rPr>
+              <a:t>sed</a:t>
+            </a:r>
+            <a:r>
+              <a:rPr lang="en-GB" dirty="0">
+                <a:solidFill>
+                  <a:srgbClr val="FF0000"/>
+                </a:solidFill>
+              </a:rPr>
+              <a:t> pulvinar </a:t>
+            </a:r>
+            <a:r>
+              <a:rPr lang="en-GB" dirty="0" err="1">
+                <a:solidFill>
+                  <a:srgbClr val="FF0000"/>
+                </a:solidFill>
+              </a:rPr>
+              <a:t>ultricies</a:t>
+            </a:r>
+            <a:r>
+              <a:rPr lang="en-GB" dirty="0">
+                <a:solidFill>
+                  <a:srgbClr val="FF0000"/>
+                </a:solidFill>
+              </a:rPr>
+              <a:t>, </a:t>
+            </a:r>
+            <a:r>
+              <a:rPr lang="en-GB" dirty="0" err="1">
+                <a:solidFill>
+                  <a:srgbClr val="FF0000"/>
+                </a:solidFill>
+              </a:rPr>
+              <a:t>purus</a:t>
+            </a:r>
+            <a:r>
+              <a:rPr lang="en-GB" dirty="0">
+                <a:solidFill>
+                  <a:srgbClr val="FF0000"/>
+                </a:solidFill>
+              </a:rPr>
+              <a:t> </a:t>
+            </a:r>
+            <a:r>
+              <a:rPr lang="en-GB" dirty="0" err="1">
+                <a:solidFill>
+                  <a:srgbClr val="FF0000"/>
+                </a:solidFill>
+              </a:rPr>
+              <a:t>lectus</a:t>
+            </a:r>
+            <a:r>
+              <a:rPr lang="en-GB" dirty="0">
+                <a:solidFill>
+                  <a:srgbClr val="FF0000"/>
+                </a:solidFill>
+              </a:rPr>
+              <a:t> </a:t>
+            </a:r>
+            <a:r>
+              <a:rPr lang="en-GB" dirty="0" err="1">
+                <a:solidFill>
+                  <a:srgbClr val="FF0000"/>
+                </a:solidFill>
+              </a:rPr>
+              <a:t>malesuada</a:t>
+            </a:r>
+            <a:r>
+              <a:rPr lang="en-GB" dirty="0">
+                <a:solidFill>
+                  <a:srgbClr val="FF0000"/>
+                </a:solidFill>
+              </a:rPr>
+              <a:t> libero, sit </a:t>
+            </a:r>
+            <a:r>
+              <a:rPr lang="en-GB" dirty="0" err="1">
+                <a:solidFill>
+                  <a:srgbClr val="FF0000"/>
+                </a:solidFill>
+              </a:rPr>
+              <a:t>amet</a:t>
+            </a:r>
+            <a:r>
+              <a:rPr lang="en-GB" dirty="0">
+                <a:solidFill>
+                  <a:srgbClr val="FF0000"/>
+                </a:solidFill>
+              </a:rPr>
+              <a:t> </a:t>
+            </a:r>
+            <a:r>
+              <a:rPr lang="en-GB" dirty="0" err="1">
+                <a:solidFill>
+                  <a:srgbClr val="FF0000"/>
+                </a:solidFill>
+              </a:rPr>
+              <a:t>commodo</a:t>
+            </a:r>
+            <a:r>
+              <a:rPr lang="en-GB" dirty="0">
+                <a:solidFill>
+                  <a:srgbClr val="FF0000"/>
+                </a:solidFill>
+              </a:rPr>
+              <a:t> magna eros </a:t>
+            </a:r>
+            <a:r>
+              <a:rPr lang="en-GB" dirty="0" err="1">
+                <a:solidFill>
+                  <a:srgbClr val="FF0000"/>
+                </a:solidFill>
+              </a:rPr>
+              <a:t>quis</a:t>
+            </a:r>
+            <a:r>
+              <a:rPr lang="en-GB" dirty="0">
+                <a:solidFill>
+                  <a:srgbClr val="FF0000"/>
+                </a:solidFill>
+              </a:rPr>
+              <a:t> </a:t>
+            </a:r>
+            <a:r>
+              <a:rPr lang="en-GB" dirty="0" err="1">
+                <a:solidFill>
+                  <a:srgbClr val="FF0000"/>
+                </a:solidFill>
+              </a:rPr>
+              <a:t>urna</a:t>
+            </a:r>
+            <a:r>
+              <a:rPr lang="en-GB" dirty="0">
+                <a:solidFill>
+                  <a:srgbClr val="FF0000"/>
+                </a:solidFill>
+              </a:rPr>
+              <a:t>.</a:t>
+            </a:r>
+          </a:p>
+          <a:p>
+            <a:pPr>
+              <a:lnSpc>
+                <a:spcPct val="97000"/>
+              </a:lnSpc>
+            </a:pPr>
+            <a:endParaRPr lang="en-GB" dirty="0">
               <a:solidFill>
                 <a:srgbClr val="FF0000"/>
               </a:solidFill>
             </a:endParaRPr>
           </a:p>
           <a:p>
-            <a:r>
-              <a:rPr lang="en-US" dirty="0">
-                <a:solidFill>
-                  <a:srgbClr val="FF0000"/>
-                </a:solidFill>
-              </a:rPr>
-              <a:t>Lorem ipsum dolor sit </a:t>
-            </a:r>
-            <a:r>
-              <a:rPr lang="en-US" dirty="0" err="1">
+            <a:pPr>
+              <a:lnSpc>
+                <a:spcPct val="97000"/>
+              </a:lnSpc>
+            </a:pPr>
+            <a:r>
+              <a:rPr lang="en-GB" b="1" dirty="0">
+                <a:solidFill>
+                  <a:srgbClr val="FF0000"/>
+                </a:solidFill>
+              </a:rPr>
+              <a:t>Subtitle (30 Pt. bold)</a:t>
+            </a:r>
+          </a:p>
+          <a:p>
+            <a:pPr>
+              <a:lnSpc>
+                <a:spcPct val="97000"/>
+              </a:lnSpc>
+            </a:pPr>
+            <a:r>
+              <a:rPr lang="en-GB" dirty="0">
+                <a:solidFill>
+                  <a:srgbClr val="FF0000"/>
+                </a:solidFill>
+              </a:rPr>
+              <a:t>Lorem ipsum </a:t>
+            </a:r>
+            <a:r>
+              <a:rPr lang="en-GB" dirty="0" err="1">
+                <a:solidFill>
+                  <a:srgbClr val="FF0000"/>
+                </a:solidFill>
+              </a:rPr>
+              <a:t>dolor</a:t>
+            </a:r>
+            <a:r>
+              <a:rPr lang="en-GB" dirty="0">
+                <a:solidFill>
+                  <a:srgbClr val="FF0000"/>
+                </a:solidFill>
+              </a:rPr>
+              <a:t> sit </a:t>
+            </a:r>
+            <a:r>
+              <a:rPr lang="en-GB" dirty="0" err="1">
                 <a:solidFill>
                   <a:srgbClr val="FF0000"/>
                 </a:solidFill>
@@ -3393,7 +4032,7 @@
               <a:t>amet</a:t>
             </a:r>
             <a:r>
-              <a:rPr lang="en-US" dirty="0">
+              <a:rPr lang="en-GB" dirty="0">
                 <a:solidFill>
                   <a:srgbClr val="FF0000"/>
                 </a:solidFill>
@@ -3401,7 +4040,7 @@
               <a:t>, </a:t>
             </a:r>
             <a:r>
-              <a:rPr lang="en-US" dirty="0" err="1">
+              <a:rPr lang="en-GB" dirty="0" err="1">
                 <a:solidFill>
                   <a:srgbClr val="FF0000"/>
                 </a:solidFill>
@@ -3409,7 +4048,7 @@
               <a:t>consectetuer</a:t>
             </a:r>
             <a:r>
-              <a:rPr lang="en-US" dirty="0">
+              <a:rPr lang="en-GB" dirty="0">
                 <a:solidFill>
                   <a:srgbClr val="FF0000"/>
                 </a:solidFill>
@@ -3417,7 +4056,7 @@
               <a:t> </a:t>
             </a:r>
             <a:r>
-              <a:rPr lang="en-US" dirty="0" err="1">
+              <a:rPr lang="en-GB" dirty="0" err="1">
                 <a:solidFill>
                   <a:srgbClr val="FF0000"/>
                 </a:solidFill>
@@ -3425,7 +4064,7 @@
               <a:t>adipiscing</a:t>
             </a:r>
             <a:r>
-              <a:rPr lang="en-US" dirty="0">
+              <a:rPr lang="en-GB" dirty="0">
                 <a:solidFill>
                   <a:srgbClr val="FF0000"/>
                 </a:solidFill>
@@ -3433,7 +4072,7 @@
               <a:t> </a:t>
             </a:r>
             <a:r>
-              <a:rPr lang="en-US" dirty="0" err="1">
+              <a:rPr lang="en-GB" dirty="0" err="1">
                 <a:solidFill>
                   <a:srgbClr val="FF0000"/>
                 </a:solidFill>
@@ -3441,7 +4080,7 @@
               <a:t>elit</a:t>
             </a:r>
             <a:r>
-              <a:rPr lang="en-US" dirty="0">
+              <a:rPr lang="en-GB" dirty="0">
                 <a:solidFill>
                   <a:srgbClr val="FF0000"/>
                 </a:solidFill>
@@ -3449,7 +4088,7 @@
               <a:t>. Maecenas </a:t>
             </a:r>
             <a:r>
-              <a:rPr lang="en-US" dirty="0" err="1">
+              <a:rPr lang="en-GB" dirty="0" err="1">
                 <a:solidFill>
                   <a:srgbClr val="FF0000"/>
                 </a:solidFill>
@@ -3457,7 +4096,7 @@
               <a:t>porttitor</a:t>
             </a:r>
             <a:r>
-              <a:rPr lang="en-US" dirty="0">
+              <a:rPr lang="en-GB" dirty="0">
                 <a:solidFill>
                   <a:srgbClr val="FF0000"/>
                 </a:solidFill>
@@ -3465,7 +4104,7 @@
               <a:t> </a:t>
             </a:r>
             <a:r>
-              <a:rPr lang="en-US" dirty="0" err="1">
+              <a:rPr lang="en-GB" dirty="0" err="1">
                 <a:solidFill>
                   <a:srgbClr val="FF0000"/>
                 </a:solidFill>
@@ -3473,7 +4112,7 @@
               <a:t>congue</a:t>
             </a:r>
             <a:r>
-              <a:rPr lang="en-US" dirty="0">
+              <a:rPr lang="en-GB" dirty="0">
                 <a:solidFill>
                   <a:srgbClr val="FF0000"/>
                 </a:solidFill>
@@ -3481,7 +4120,7 @@
               <a:t> </a:t>
             </a:r>
             <a:r>
-              <a:rPr lang="en-US" dirty="0" err="1">
+              <a:rPr lang="en-GB" dirty="0" err="1">
                 <a:solidFill>
                   <a:srgbClr val="FF0000"/>
                 </a:solidFill>
@@ -3489,7 +4128,7 @@
               <a:t>massa</a:t>
             </a:r>
             <a:r>
-              <a:rPr lang="en-US" dirty="0">
+              <a:rPr lang="en-GB" dirty="0">
                 <a:solidFill>
                   <a:srgbClr val="FF0000"/>
                 </a:solidFill>
@@ -3497,7 +4136,7 @@
               <a:t>. </a:t>
             </a:r>
             <a:r>
-              <a:rPr lang="en-US" dirty="0" err="1">
+              <a:rPr lang="en-GB" dirty="0" err="1">
                 <a:solidFill>
                   <a:srgbClr val="FF0000"/>
                 </a:solidFill>
@@ -3505,7 +4144,7 @@
               <a:t>Fusce</a:t>
             </a:r>
             <a:r>
-              <a:rPr lang="en-US" dirty="0">
+              <a:rPr lang="en-GB" dirty="0">
                 <a:solidFill>
                   <a:srgbClr val="FF0000"/>
                 </a:solidFill>
@@ -3513,7 +4152,7 @@
               <a:t> </a:t>
             </a:r>
             <a:r>
-              <a:rPr lang="en-US" dirty="0" err="1">
+              <a:rPr lang="en-GB" dirty="0" err="1">
                 <a:solidFill>
                   <a:srgbClr val="FF0000"/>
                 </a:solidFill>
@@ -3521,15 +4160,31 @@
               <a:t>posuere</a:t>
             </a:r>
             <a:r>
-              <a:rPr lang="en-US" dirty="0">
-                <a:solidFill>
-                  <a:srgbClr val="FF0000"/>
-                </a:solidFill>
-              </a:rPr>
-              <a:t>, magna sed pulvinar </a:t>
-            </a:r>
-            <a:r>
-              <a:rPr lang="en-US" dirty="0" err="1">
+              <a:rPr lang="en-GB" dirty="0">
+                <a:solidFill>
+                  <a:srgbClr val="FF0000"/>
+                </a:solidFill>
+              </a:rPr>
+              <a:t>, magna </a:t>
+            </a:r>
+            <a:r>
+              <a:rPr lang="en-GB" dirty="0" err="1">
+                <a:solidFill>
+                  <a:srgbClr val="FF0000"/>
+                </a:solidFill>
+              </a:rPr>
+              <a:t>sed</a:t>
+            </a:r>
+            <a:r>
+              <a:rPr lang="en-GB" dirty="0">
+                <a:solidFill>
+                  <a:srgbClr val="FF0000"/>
+                </a:solidFill>
+              </a:rPr>
+              <a:t> pulvinar </a:t>
+            </a:r>
+            <a:r>
+              <a:rPr lang="en-GB" dirty="0" err="1">
                 <a:solidFill>
                   <a:srgbClr val="FF0000"/>
                 </a:solidFill>
@@ -3537,7 +4192,7 @@
               <a:t>ultricies</a:t>
             </a:r>
             <a:r>
-              <a:rPr lang="en-US" dirty="0">
+              <a:rPr lang="en-GB" dirty="0">
                 <a:solidFill>
                   <a:srgbClr val="FF0000"/>
                 </a:solidFill>
@@ -3545,7 +4200,7 @@
               <a:t>, </a:t>
             </a:r>
             <a:r>
-              <a:rPr lang="en-US" dirty="0" err="1">
+              <a:rPr lang="en-GB" dirty="0" err="1">
                 <a:solidFill>
                   <a:srgbClr val="FF0000"/>
                 </a:solidFill>
@@ -3553,7 +4208,7 @@
               <a:t>purus</a:t>
             </a:r>
             <a:r>
-              <a:rPr lang="en-US" dirty="0">
+              <a:rPr lang="en-GB" dirty="0">
                 <a:solidFill>
                   <a:srgbClr val="FF0000"/>
                 </a:solidFill>
@@ -3561,7 +4216,7 @@
               <a:t> </a:t>
             </a:r>
             <a:r>
-              <a:rPr lang="en-US" dirty="0" err="1">
+              <a:rPr lang="en-GB" dirty="0" err="1">
                 <a:solidFill>
                   <a:srgbClr val="FF0000"/>
                 </a:solidFill>
@@ -3569,7 +4224,7 @@
               <a:t>lectus</a:t>
             </a:r>
             <a:r>
-              <a:rPr lang="en-US" dirty="0">
+              <a:rPr lang="en-GB" dirty="0">
                 <a:solidFill>
                   <a:srgbClr val="FF0000"/>
                 </a:solidFill>
@@ -3577,7 +4232,7 @@
               <a:t> </a:t>
             </a:r>
             <a:r>
-              <a:rPr lang="en-US" dirty="0" err="1">
+              <a:rPr lang="en-GB" dirty="0" err="1">
                 <a:solidFill>
                   <a:srgbClr val="FF0000"/>
                 </a:solidFill>
@@ -3585,7 +4240,7 @@
               <a:t>malesuada</a:t>
             </a:r>
             <a:r>
-              <a:rPr lang="en-US" dirty="0">
+              <a:rPr lang="en-GB" dirty="0">
                 <a:solidFill>
                   <a:srgbClr val="FF0000"/>
                 </a:solidFill>
@@ -3593,7 +4248,7 @@
               <a:t> libero, sit </a:t>
             </a:r>
             <a:r>
-              <a:rPr lang="en-US" dirty="0" err="1">
+              <a:rPr lang="en-GB" dirty="0" err="1">
                 <a:solidFill>
                   <a:srgbClr val="FF0000"/>
                 </a:solidFill>
@@ -3601,7 +4256,7 @@
               <a:t>amet</a:t>
             </a:r>
             <a:r>
-              <a:rPr lang="en-US" dirty="0">
+              <a:rPr lang="en-GB" dirty="0">
                 <a:solidFill>
                   <a:srgbClr val="FF0000"/>
                 </a:solidFill>
@@ -3609,7 +4264,7 @@
               <a:t> </a:t>
             </a:r>
             <a:r>
-              <a:rPr lang="en-US" dirty="0" err="1">
+              <a:rPr lang="en-GB" dirty="0" err="1">
                 <a:solidFill>
                   <a:srgbClr val="FF0000"/>
                 </a:solidFill>
@@ -3617,7 +4272,7 @@
               <a:t>commodo</a:t>
             </a:r>
             <a:r>
-              <a:rPr lang="en-US" dirty="0">
+              <a:rPr lang="en-GB" dirty="0">
                 <a:solidFill>
                   <a:srgbClr val="FF0000"/>
                 </a:solidFill>
@@ -3625,7 +4280,7 @@
               <a:t> magna eros </a:t>
             </a:r>
             <a:r>
-              <a:rPr lang="en-US" dirty="0" err="1">
+              <a:rPr lang="en-GB" dirty="0" err="1">
                 <a:solidFill>
                   <a:srgbClr val="FF0000"/>
                 </a:solidFill>
@@ -3633,7 +4288,7 @@
               <a:t>quis</a:t>
             </a:r>
             <a:r>
-              <a:rPr lang="en-US" dirty="0">
+              <a:rPr lang="en-GB" dirty="0">
                 <a:solidFill>
                   <a:srgbClr val="FF0000"/>
                 </a:solidFill>
@@ -3641,7 +4296,7 @@
               <a:t> </a:t>
             </a:r>
             <a:r>
-              <a:rPr lang="en-US" dirty="0" err="1">
+              <a:rPr lang="en-GB" dirty="0" err="1">
                 <a:solidFill>
                   <a:srgbClr val="FF0000"/>
                 </a:solidFill>
@@ -3649,7 +4304,7 @@
               <a:t>urna</a:t>
             </a:r>
             <a:r>
-              <a:rPr lang="en-US" dirty="0">
+              <a:rPr lang="en-GB" dirty="0">
                 <a:solidFill>
                   <a:srgbClr val="FF0000"/>
                 </a:solidFill>
@@ -3658,38 +4313,49 @@
             </a:r>
           </a:p>
           <a:p>
-            <a:endParaRPr lang="en-US" dirty="0">
+            <a:pPr>
+              <a:lnSpc>
+                <a:spcPct val="97000"/>
+              </a:lnSpc>
+            </a:pPr>
+            <a:endParaRPr lang="en-GB" dirty="0">
               <a:solidFill>
                 <a:srgbClr val="FF0000"/>
               </a:solidFill>
             </a:endParaRPr>
           </a:p>
           <a:p>
-            <a:r>
-              <a:rPr lang="en-US" b="1" dirty="0">
-                <a:solidFill>
-                  <a:srgbClr val="FF0000"/>
-                </a:solidFill>
-              </a:rPr>
-              <a:t>Subtitle (30 Pt. bold)</a:t>
-            </a:r>
-            <a:endParaRPr lang="en-US" dirty="0">
-              <a:solidFill>
-                <a:srgbClr val="FF0000"/>
-              </a:solidFill>
-            </a:endParaRPr>
-          </a:p>
-          <a:p>
-            <a:r>
-              <a:rPr lang="en-US" dirty="0">
-                <a:solidFill>
-                  <a:srgbClr val="FF0000"/>
-                </a:solidFill>
-              </a:rPr>
-              <a:t>Lorem ipsum dolor sit </a:t>
-            </a:r>
-            <a:r>
-              <a:rPr lang="en-US" dirty="0" err="1">
+            <a:pPr>
+              <a:lnSpc>
+                <a:spcPct val="97000"/>
+              </a:lnSpc>
+            </a:pPr>
+            <a:r>
+              <a:rPr lang="en-GB" dirty="0">
+                <a:solidFill>
+                  <a:srgbClr val="FF0000"/>
+                </a:solidFill>
+              </a:rPr>
+              <a:t>Lorem ipsum </a:t>
+            </a:r>
+            <a:r>
+              <a:rPr lang="en-GB" dirty="0" err="1">
+                <a:solidFill>
+                  <a:srgbClr val="FF0000"/>
+                </a:solidFill>
+              </a:rPr>
+              <a:t>dolor</a:t>
+            </a:r>
+            <a:r>
+              <a:rPr lang="en-GB" dirty="0">
+                <a:solidFill>
+                  <a:srgbClr val="FF0000"/>
+                </a:solidFill>
+              </a:rPr>
+              <a:t> sit </a:t>
+            </a:r>
+            <a:r>
+              <a:rPr lang="en-GB" dirty="0" err="1">
                 <a:solidFill>
                   <a:srgbClr val="FF0000"/>
                 </a:solidFill>
@@ -3697,7 +4363,7 @@
               <a:t>amet</a:t>
             </a:r>
             <a:r>
-              <a:rPr lang="en-US" dirty="0">
+              <a:rPr lang="en-GB" dirty="0">
                 <a:solidFill>
                   <a:srgbClr val="FF0000"/>
                 </a:solidFill>
@@ -3705,7 +4371,7 @@
               <a:t>, </a:t>
             </a:r>
             <a:r>
-              <a:rPr lang="en-US" dirty="0" err="1">
+              <a:rPr lang="en-GB" dirty="0" err="1">
                 <a:solidFill>
                   <a:srgbClr val="FF0000"/>
                 </a:solidFill>
@@ -3713,7 +4379,7 @@
               <a:t>consectetuer</a:t>
             </a:r>
             <a:r>
-              <a:rPr lang="en-US" dirty="0">
+              <a:rPr lang="en-GB" dirty="0">
                 <a:solidFill>
                   <a:srgbClr val="FF0000"/>
                 </a:solidFill>
@@ -3721,7 +4387,7 @@
               <a:t> </a:t>
             </a:r>
             <a:r>
-              <a:rPr lang="en-US" dirty="0" err="1">
+              <a:rPr lang="en-GB" dirty="0" err="1">
                 <a:solidFill>
                   <a:srgbClr val="FF0000"/>
                 </a:solidFill>
@@ -3729,7 +4395,7 @@
               <a:t>adipiscing</a:t>
             </a:r>
             <a:r>
-              <a:rPr lang="en-US" dirty="0">
+              <a:rPr lang="en-GB" dirty="0">
                 <a:solidFill>
                   <a:srgbClr val="FF0000"/>
                 </a:solidFill>
@@ -3737,7 +4403,7 @@
               <a:t> </a:t>
             </a:r>
             <a:r>
-              <a:rPr lang="en-US" dirty="0" err="1">
+              <a:rPr lang="en-GB" dirty="0" err="1">
                 <a:solidFill>
                   <a:srgbClr val="FF0000"/>
                 </a:solidFill>
@@ -3745,7 +4411,7 @@
               <a:t>elit</a:t>
             </a:r>
             <a:r>
-              <a:rPr lang="en-US" dirty="0">
+              <a:rPr lang="en-GB" dirty="0">
                 <a:solidFill>
                   <a:srgbClr val="FF0000"/>
                 </a:solidFill>
@@ -3753,7 +4419,7 @@
               <a:t>. Maecenas </a:t>
             </a:r>
             <a:r>
-              <a:rPr lang="en-US" dirty="0" err="1">
+              <a:rPr lang="en-GB" dirty="0" err="1">
                 <a:solidFill>
                   <a:srgbClr val="FF0000"/>
                 </a:solidFill>
@@ -3761,7 +4427,7 @@
               <a:t>porttitor</a:t>
             </a:r>
             <a:r>
-              <a:rPr lang="en-US" dirty="0">
+              <a:rPr lang="en-GB" dirty="0">
                 <a:solidFill>
                   <a:srgbClr val="FF0000"/>
                 </a:solidFill>
@@ -3769,7 +4435,7 @@
               <a:t> </a:t>
             </a:r>
             <a:r>
-              <a:rPr lang="en-US" dirty="0" err="1">
+              <a:rPr lang="en-GB" dirty="0" err="1">
                 <a:solidFill>
                   <a:srgbClr val="FF0000"/>
                 </a:solidFill>
@@ -3777,7 +4443,7 @@
               <a:t>congue</a:t>
             </a:r>
             <a:r>
-              <a:rPr lang="en-US" dirty="0">
+              <a:rPr lang="en-GB" dirty="0">
                 <a:solidFill>
                   <a:srgbClr val="FF0000"/>
                 </a:solidFill>
@@ -3785,7 +4451,7 @@
               <a:t> </a:t>
             </a:r>
             <a:r>
-              <a:rPr lang="en-US" dirty="0" err="1">
+              <a:rPr lang="en-GB" dirty="0" err="1">
                 <a:solidFill>
                   <a:srgbClr val="FF0000"/>
                 </a:solidFill>
@@ -3793,7 +4459,7 @@
               <a:t>massa</a:t>
             </a:r>
             <a:r>
-              <a:rPr lang="en-US" dirty="0">
+              <a:rPr lang="en-GB" dirty="0">
                 <a:solidFill>
                   <a:srgbClr val="FF0000"/>
                 </a:solidFill>
@@ -3801,7 +4467,7 @@
               <a:t>. </a:t>
             </a:r>
             <a:r>
-              <a:rPr lang="en-US" dirty="0" err="1">
+              <a:rPr lang="en-GB" dirty="0" err="1">
                 <a:solidFill>
                   <a:srgbClr val="FF0000"/>
                 </a:solidFill>
@@ -3809,7 +4475,7 @@
               <a:t>Fusce</a:t>
             </a:r>
             <a:r>
-              <a:rPr lang="en-US" dirty="0">
+              <a:rPr lang="en-GB" dirty="0">
                 <a:solidFill>
                   <a:srgbClr val="FF0000"/>
                 </a:solidFill>
@@ -3817,7 +4483,7 @@
               <a:t> </a:t>
             </a:r>
             <a:r>
-              <a:rPr lang="en-US" dirty="0" err="1">
+              <a:rPr lang="en-GB" dirty="0" err="1">
                 <a:solidFill>
                   <a:srgbClr val="FF0000"/>
                 </a:solidFill>
@@ -3825,15 +4491,31 @@
               <a:t>posuere</a:t>
             </a:r>
             <a:r>
-              <a:rPr lang="en-US" dirty="0">
-                <a:solidFill>
-                  <a:srgbClr val="FF0000"/>
-                </a:solidFill>
-              </a:rPr>
-              <a:t>, magna sed pulvinar </a:t>
-            </a:r>
-            <a:r>
-              <a:rPr lang="en-US" dirty="0" err="1">
+              <a:rPr lang="en-GB" dirty="0">
+                <a:solidFill>
+                  <a:srgbClr val="FF0000"/>
+                </a:solidFill>
+              </a:rPr>
+              <a:t>, magna </a:t>
+            </a:r>
+            <a:r>
+              <a:rPr lang="en-GB" dirty="0" err="1">
+                <a:solidFill>
+                  <a:srgbClr val="FF0000"/>
+                </a:solidFill>
+              </a:rPr>
+              <a:t>sed</a:t>
+            </a:r>
+            <a:r>
+              <a:rPr lang="en-GB" dirty="0">
+                <a:solidFill>
+                  <a:srgbClr val="FF0000"/>
+                </a:solidFill>
+              </a:rPr>
+              <a:t> pulvinar </a:t>
+            </a:r>
+            <a:r>
+              <a:rPr lang="en-GB" dirty="0" err="1">
                 <a:solidFill>
                   <a:srgbClr val="FF0000"/>
                 </a:solidFill>
@@ -3841,7 +4523,7 @@
               <a:t>ultricies</a:t>
             </a:r>
             <a:r>
-              <a:rPr lang="en-US" dirty="0">
+              <a:rPr lang="en-GB" dirty="0">
                 <a:solidFill>
                   <a:srgbClr val="FF0000"/>
                 </a:solidFill>
@@ -3849,7 +4531,7 @@
               <a:t>, </a:t>
             </a:r>
             <a:r>
-              <a:rPr lang="en-US" dirty="0" err="1">
+              <a:rPr lang="en-GB" dirty="0" err="1">
                 <a:solidFill>
                   <a:srgbClr val="FF0000"/>
                 </a:solidFill>
@@ -3857,7 +4539,7 @@
               <a:t>purus</a:t>
             </a:r>
             <a:r>
-              <a:rPr lang="en-US" dirty="0">
+              <a:rPr lang="en-GB" dirty="0">
                 <a:solidFill>
                   <a:srgbClr val="FF0000"/>
                 </a:solidFill>
@@ -3865,7 +4547,7 @@
               <a:t> </a:t>
             </a:r>
             <a:r>
-              <a:rPr lang="en-US" dirty="0" err="1">
+              <a:rPr lang="en-GB" dirty="0" err="1">
                 <a:solidFill>
                   <a:srgbClr val="FF0000"/>
                 </a:solidFill>
@@ -3873,7 +4555,7 @@
               <a:t>lectus</a:t>
             </a:r>
             <a:r>
-              <a:rPr lang="en-US" dirty="0">
+              <a:rPr lang="en-GB" dirty="0">
                 <a:solidFill>
                   <a:srgbClr val="FF0000"/>
                 </a:solidFill>
@@ -3881,7 +4563,7 @@
               <a:t> </a:t>
             </a:r>
             <a:r>
-              <a:rPr lang="en-US" dirty="0" err="1">
+              <a:rPr lang="en-GB" dirty="0" err="1">
                 <a:solidFill>
                   <a:srgbClr val="FF0000"/>
                 </a:solidFill>
@@ -3889,7 +4571,7 @@
               <a:t>malesuada</a:t>
             </a:r>
             <a:r>
-              <a:rPr lang="en-US" dirty="0">
+              <a:rPr lang="en-GB" dirty="0">
                 <a:solidFill>
                   <a:srgbClr val="FF0000"/>
                 </a:solidFill>
@@ -3897,7 +4579,7 @@
               <a:t> libero, sit </a:t>
             </a:r>
             <a:r>
-              <a:rPr lang="en-US" dirty="0" err="1">
+              <a:rPr lang="en-GB" dirty="0" err="1">
                 <a:solidFill>
                   <a:srgbClr val="FF0000"/>
                 </a:solidFill>
@@ -3905,7 +4587,7 @@
               <a:t>amet</a:t>
             </a:r>
             <a:r>
-              <a:rPr lang="en-US" dirty="0">
+              <a:rPr lang="en-GB" dirty="0">
                 <a:solidFill>
                   <a:srgbClr val="FF0000"/>
                 </a:solidFill>
@@ -3913,7 +4595,7 @@
               <a:t> </a:t>
             </a:r>
             <a:r>
-              <a:rPr lang="en-US" dirty="0" err="1">
+              <a:rPr lang="en-GB" dirty="0" err="1">
                 <a:solidFill>
                   <a:srgbClr val="FF0000"/>
                 </a:solidFill>
@@ -3921,7 +4603,7 @@
               <a:t>commodo</a:t>
             </a:r>
             <a:r>
-              <a:rPr lang="en-US" dirty="0">
+              <a:rPr lang="en-GB" dirty="0">
                 <a:solidFill>
                   <a:srgbClr val="FF0000"/>
                 </a:solidFill>
@@ -3929,7 +4611,7 @@
               <a:t> magna eros </a:t>
             </a:r>
             <a:r>
-              <a:rPr lang="en-US" dirty="0" err="1">
+              <a:rPr lang="en-GB" dirty="0" err="1">
                 <a:solidFill>
                   <a:srgbClr val="FF0000"/>
                 </a:solidFill>
@@ -3937,7 +4619,7 @@
               <a:t>quis</a:t>
             </a:r>
             <a:r>
-              <a:rPr lang="en-US" dirty="0">
+              <a:rPr lang="en-GB" dirty="0">
                 <a:solidFill>
                   <a:srgbClr val="FF0000"/>
                 </a:solidFill>
@@ -3945,7 +4627,7 @@
               <a:t> </a:t>
             </a:r>
             <a:r>
-              <a:rPr lang="en-US" dirty="0" err="1">
+              <a:rPr lang="en-GB" dirty="0" err="1">
                 <a:solidFill>
                   <a:srgbClr val="FF0000"/>
                 </a:solidFill>
@@ -3953,7 +4635,7 @@
               <a:t>urna</a:t>
             </a:r>
             <a:r>
-              <a:rPr lang="en-US" dirty="0">
+              <a:rPr lang="en-GB" dirty="0">
                 <a:solidFill>
                   <a:srgbClr val="FF0000"/>
                 </a:solidFill>
@@ -3962,47 +4644,364 @@
             </a:r>
           </a:p>
           <a:p>
-            <a:endParaRPr lang="en-US" dirty="0"/>
+            <a:pPr>
+              <a:lnSpc>
+                <a:spcPct val="97000"/>
+              </a:lnSpc>
+            </a:pPr>
+            <a:r>
+              <a:rPr lang="en-GB" dirty="0">
+                <a:solidFill>
+                  <a:srgbClr val="FF0000"/>
+                </a:solidFill>
+              </a:rPr>
+              <a:t>Lorem ipsum </a:t>
+            </a:r>
+            <a:r>
+              <a:rPr lang="en-GB" dirty="0" err="1">
+                <a:solidFill>
+                  <a:srgbClr val="FF0000"/>
+                </a:solidFill>
+              </a:rPr>
+              <a:t>dolor</a:t>
+            </a:r>
+            <a:r>
+              <a:rPr lang="en-GB" dirty="0">
+                <a:solidFill>
+                  <a:srgbClr val="FF0000"/>
+                </a:solidFill>
+              </a:rPr>
+              <a:t> sit </a:t>
+            </a:r>
+            <a:r>
+              <a:rPr lang="en-GB" dirty="0" err="1">
+                <a:solidFill>
+                  <a:srgbClr val="FF0000"/>
+                </a:solidFill>
+              </a:rPr>
+              <a:t>amet</a:t>
+            </a:r>
+            <a:r>
+              <a:rPr lang="en-GB" dirty="0">
+                <a:solidFill>
+                  <a:srgbClr val="FF0000"/>
+                </a:solidFill>
+              </a:rPr>
+              <a:t>, </a:t>
+            </a:r>
+            <a:r>
+              <a:rPr lang="en-GB" dirty="0" err="1">
+                <a:solidFill>
+                  <a:srgbClr val="FF0000"/>
+                </a:solidFill>
+              </a:rPr>
+              <a:t>consectetuer</a:t>
+            </a:r>
+            <a:r>
+              <a:rPr lang="en-GB" dirty="0">
+                <a:solidFill>
+                  <a:srgbClr val="FF0000"/>
+                </a:solidFill>
+              </a:rPr>
+              <a:t> </a:t>
+            </a:r>
+            <a:r>
+              <a:rPr lang="en-GB" dirty="0" err="1">
+                <a:solidFill>
+                  <a:srgbClr val="FF0000"/>
+                </a:solidFill>
+              </a:rPr>
+              <a:t>adipiscing</a:t>
+            </a:r>
+            <a:r>
+              <a:rPr lang="en-GB" dirty="0">
+                <a:solidFill>
+                  <a:srgbClr val="FF0000"/>
+                </a:solidFill>
+              </a:rPr>
+              <a:t> </a:t>
+            </a:r>
+            <a:r>
+              <a:rPr lang="en-GB" dirty="0" err="1">
+                <a:solidFill>
+                  <a:srgbClr val="FF0000"/>
+                </a:solidFill>
+              </a:rPr>
+              <a:t>elit</a:t>
+            </a:r>
+            <a:r>
+              <a:rPr lang="en-GB" dirty="0">
+                <a:solidFill>
+                  <a:srgbClr val="FF0000"/>
+                </a:solidFill>
+              </a:rPr>
+              <a:t>. Maecenas </a:t>
+            </a:r>
+            <a:r>
+              <a:rPr lang="en-GB" dirty="0" err="1">
+                <a:solidFill>
+                  <a:srgbClr val="FF0000"/>
+                </a:solidFill>
+              </a:rPr>
+              <a:t>porttitor</a:t>
+            </a:r>
+            <a:r>
+              <a:rPr lang="en-GB" dirty="0">
+                <a:solidFill>
+                  <a:srgbClr val="FF0000"/>
+                </a:solidFill>
+              </a:rPr>
+              <a:t> </a:t>
+            </a:r>
+            <a:r>
+              <a:rPr lang="en-GB" dirty="0" err="1">
+                <a:solidFill>
+                  <a:srgbClr val="FF0000"/>
+                </a:solidFill>
+              </a:rPr>
+              <a:t>congue</a:t>
+            </a:r>
+            <a:r>
+              <a:rPr lang="en-GB" dirty="0">
+                <a:solidFill>
+                  <a:srgbClr val="FF0000"/>
+                </a:solidFill>
+              </a:rPr>
+              <a:t> </a:t>
+            </a:r>
+            <a:r>
+              <a:rPr lang="en-GB" dirty="0" err="1">
+                <a:solidFill>
+                  <a:srgbClr val="FF0000"/>
+                </a:solidFill>
+              </a:rPr>
+              <a:t>massa</a:t>
+            </a:r>
+            <a:r>
+              <a:rPr lang="en-GB" dirty="0">
+                <a:solidFill>
+                  <a:srgbClr val="FF0000"/>
+                </a:solidFill>
+              </a:rPr>
+              <a:t>. Lorem ipsum </a:t>
+            </a:r>
+            <a:r>
+              <a:rPr lang="en-GB" dirty="0" err="1">
+                <a:solidFill>
+                  <a:srgbClr val="FF0000"/>
+                </a:solidFill>
+              </a:rPr>
+              <a:t>dolor</a:t>
+            </a:r>
+            <a:r>
+              <a:rPr lang="en-GB" dirty="0">
+                <a:solidFill>
+                  <a:srgbClr val="FF0000"/>
+                </a:solidFill>
+              </a:rPr>
+              <a:t> sit </a:t>
+            </a:r>
+            <a:r>
+              <a:rPr lang="en-GB" dirty="0" err="1">
+                <a:solidFill>
+                  <a:srgbClr val="FF0000"/>
+                </a:solidFill>
+              </a:rPr>
+              <a:t>amet</a:t>
+            </a:r>
+            <a:r>
+              <a:rPr lang="en-GB" dirty="0">
+                <a:solidFill>
+                  <a:srgbClr val="FF0000"/>
+                </a:solidFill>
+              </a:rPr>
+              <a:t>, </a:t>
+            </a:r>
+            <a:r>
+              <a:rPr lang="en-GB" dirty="0" err="1">
+                <a:solidFill>
+                  <a:srgbClr val="FF0000"/>
+                </a:solidFill>
+              </a:rPr>
+              <a:t>consectetuer</a:t>
+            </a:r>
+            <a:r>
+              <a:rPr lang="en-GB" dirty="0">
+                <a:solidFill>
+                  <a:srgbClr val="FF0000"/>
+                </a:solidFill>
+              </a:rPr>
+              <a:t> </a:t>
+            </a:r>
+            <a:r>
+              <a:rPr lang="en-GB" dirty="0" err="1">
+                <a:solidFill>
+                  <a:srgbClr val="FF0000"/>
+                </a:solidFill>
+              </a:rPr>
+              <a:t>adipiscing</a:t>
+            </a:r>
+            <a:r>
+              <a:rPr lang="en-GB" dirty="0">
+                <a:solidFill>
+                  <a:srgbClr val="FF0000"/>
+                </a:solidFill>
+              </a:rPr>
+              <a:t> </a:t>
+            </a:r>
+            <a:r>
+              <a:rPr lang="en-GB" dirty="0" err="1">
+                <a:solidFill>
+                  <a:srgbClr val="FF0000"/>
+                </a:solidFill>
+              </a:rPr>
+              <a:t>elit</a:t>
+            </a:r>
+            <a:r>
+              <a:rPr lang="en-GB" dirty="0">
+                <a:solidFill>
+                  <a:srgbClr val="FF0000"/>
+                </a:solidFill>
+              </a:rPr>
+              <a:t>. Maecenas </a:t>
+            </a:r>
+            <a:r>
+              <a:rPr lang="en-GB" dirty="0" err="1">
+                <a:solidFill>
+                  <a:srgbClr val="FF0000"/>
+                </a:solidFill>
+              </a:rPr>
+              <a:t>porttitor</a:t>
+            </a:r>
+            <a:r>
+              <a:rPr lang="en-GB" dirty="0">
+                <a:solidFill>
+                  <a:srgbClr val="FF0000"/>
+                </a:solidFill>
+              </a:rPr>
+              <a:t> </a:t>
+            </a:r>
+            <a:r>
+              <a:rPr lang="en-GB" dirty="0" err="1">
+                <a:solidFill>
+                  <a:srgbClr val="FF0000"/>
+                </a:solidFill>
+              </a:rPr>
+              <a:t>congue</a:t>
+            </a:r>
+            <a:r>
+              <a:rPr lang="en-GB" dirty="0">
+                <a:solidFill>
+                  <a:srgbClr val="FF0000"/>
+                </a:solidFill>
+              </a:rPr>
+              <a:t> </a:t>
+            </a:r>
+            <a:r>
+              <a:rPr lang="en-GB" dirty="0" err="1">
+                <a:solidFill>
+                  <a:srgbClr val="FF0000"/>
+                </a:solidFill>
+              </a:rPr>
+              <a:t>massa</a:t>
+            </a:r>
+            <a:r>
+              <a:rPr lang="en-GB" dirty="0">
+                <a:solidFill>
+                  <a:srgbClr val="FF0000"/>
+                </a:solidFill>
+              </a:rPr>
+              <a:t>. Lorem ipsum </a:t>
+            </a:r>
+            <a:r>
+              <a:rPr lang="en-GB" dirty="0" err="1">
+                <a:solidFill>
+                  <a:srgbClr val="FF0000"/>
+                </a:solidFill>
+              </a:rPr>
+              <a:t>dolor</a:t>
+            </a:r>
+            <a:r>
+              <a:rPr lang="en-GB" dirty="0">
+                <a:solidFill>
+                  <a:srgbClr val="FF0000"/>
+                </a:solidFill>
+              </a:rPr>
+              <a:t> sit </a:t>
+            </a:r>
+            <a:r>
+              <a:rPr lang="en-GB" dirty="0" err="1">
+                <a:solidFill>
+                  <a:srgbClr val="FF0000"/>
+                </a:solidFill>
+              </a:rPr>
+              <a:t>amet</a:t>
+            </a:r>
+            <a:r>
+              <a:rPr lang="en-GB" dirty="0">
+                <a:solidFill>
+                  <a:srgbClr val="FF0000"/>
+                </a:solidFill>
+              </a:rPr>
+              <a:t>, </a:t>
+            </a:r>
+            <a:r>
+              <a:rPr lang="en-GB" dirty="0" err="1">
+                <a:solidFill>
+                  <a:srgbClr val="FF0000"/>
+                </a:solidFill>
+              </a:rPr>
+              <a:t>consectetuer</a:t>
+            </a:r>
+            <a:r>
+              <a:rPr lang="en-GB" dirty="0">
+                <a:solidFill>
+                  <a:srgbClr val="FF0000"/>
+                </a:solidFill>
+              </a:rPr>
+              <a:t> </a:t>
+            </a:r>
+            <a:r>
+              <a:rPr lang="en-GB" dirty="0" err="1">
+                <a:solidFill>
+                  <a:srgbClr val="FF0000"/>
+                </a:solidFill>
+              </a:rPr>
+              <a:t>adipiscing</a:t>
+            </a:r>
+            <a:r>
+              <a:rPr lang="en-GB" dirty="0">
+                <a:solidFill>
+                  <a:srgbClr val="FF0000"/>
+                </a:solidFill>
+              </a:rPr>
+              <a:t> </a:t>
+            </a:r>
+            <a:r>
+              <a:rPr lang="en-GB" dirty="0" err="1">
+                <a:solidFill>
+                  <a:srgbClr val="FF0000"/>
+                </a:solidFill>
+              </a:rPr>
+              <a:t>elit</a:t>
+            </a:r>
+            <a:r>
+              <a:rPr lang="en-GB" dirty="0">
+                <a:solidFill>
+                  <a:srgbClr val="FF0000"/>
+                </a:solidFill>
+              </a:rPr>
+              <a:t>. </a:t>
+            </a:r>
           </a:p>
         </p:txBody>
       </p:sp>
-      <p:pic>
-        <p:nvPicPr>
-          <p:cNvPr id="11" name="Bildplatzhalter 10" descr="Ein Bild, das Karte enthält.&#10;&#10;Automatisch generierte Beschreibung">
+      <p:sp>
+        <p:nvSpPr>
+          <p:cNvPr id="18" name="Inhaltsplatzhalter 17">
             <a:extLst>
               <a:ext uri="{FF2B5EF4-FFF2-40B4-BE49-F238E27FC236}">
-                <a16:creationId xmlns:a16="http://schemas.microsoft.com/office/drawing/2014/main" id="{5934E00C-82CE-95BC-0976-778300FB1CCE}"/>
-              </a:ext>
-            </a:extLst>
-          </p:cNvPr>
-          <p:cNvPicPr>
-            <a:picLocks noGrp="1" noChangeAspect="1"/>
-          </p:cNvPicPr>
-          <p:nvPr>
-            <p:ph type="pic" sz="quarter" idx="14"/>
-          </p:nvPr>
-        </p:nvPicPr>
-        <p:blipFill>
-          <a:blip r:embed="rId2">
-            <a:extLst>
-              <a:ext uri="{28A0092B-C50C-407E-A947-70E740481C1C}">
-                <a14:useLocalDpi xmlns:a14="http://schemas.microsoft.com/office/drawing/2010/main" val="0"/>
-              </a:ext>
-            </a:extLst>
-          </a:blip>
-          <a:srcRect t="74" b="74"/>
-          <a:stretch>
-            <a:fillRect/>
-          </a:stretch>
-        </p:blipFill>
-        <p:spPr/>
-      </p:pic>
-      <p:sp>
-        <p:nvSpPr>
-          <p:cNvPr id="5" name="Inhaltsplatzhalter 4">
-            <a:extLst>
-              <a:ext uri="{FF2B5EF4-FFF2-40B4-BE49-F238E27FC236}">
-                <a16:creationId xmlns:a16="http://schemas.microsoft.com/office/drawing/2014/main" id="{AAAA7290-BAA2-4E5B-2157-DB3C3458D21D}"/>
+                <a16:creationId xmlns:a16="http://schemas.microsoft.com/office/drawing/2014/main" id="{1BCC0CE9-E12B-D9AB-1E4E-500F8A4422E0}"/>
               </a:ext>
             </a:extLst>
           </p:cNvPr>
@@ -4015,8 +5014,8 @@
         </p:nvSpPr>
         <p:spPr>
           <a:xfrm>
-            <a:off x="1047750" y="8470901"/>
-            <a:ext cx="9663114" cy="3744416"/>
+            <a:off x="1045523" y="10595759"/>
+            <a:ext cx="8928000" cy="9019596"/>
           </a:xfrm>
         </p:spPr>
         <p:txBody>
@@ -4024,35 +5023,39 @@
           <a:lstStyle/>
           <a:p>
             <a:r>
-              <a:rPr lang="en-US" sz="4000" dirty="0"/>
-              <a:t>BACKGROUND:</a:t>
-            </a:r>
-            <a:r>
-              <a:rPr lang="cs-CZ" sz="4000" dirty="0"/>
+              <a:rPr lang="en-US" dirty="0"/>
+              <a:t>BACKGROUND: </a:t>
+            </a:r>
+            <a:r>
+              <a:rPr lang="en-US" b="0" dirty="0"/>
+              <a:t>There is a great demand for making more research data openly available.</a:t>
+            </a:r>
+            <a:r>
+              <a:rPr lang="cs-CZ" b="0" dirty="0"/>
               <a:t> </a:t>
             </a:r>
             <a:r>
-              <a:rPr lang="en-US" sz="4000" b="0" dirty="0"/>
-              <a:t>There is a great demand for making more research data openly available.</a:t>
-            </a:r>
-            <a:r>
-              <a:rPr lang="cs-CZ" sz="4000" b="0" dirty="0"/>
-              <a:t> </a:t>
-            </a:r>
-            <a:r>
-              <a:rPr lang="en-US" sz="4000" b="0" dirty="0"/>
+              <a:rPr lang="en-US" b="0" dirty="0"/>
               <a:t>Unfortunately, many datasets cannot be publicly available for privacy reasons.</a:t>
             </a:r>
-            <a:endParaRPr lang="en-US" sz="4000" dirty="0"/>
+          </a:p>
+          <a:p>
+            <a:endParaRPr lang="cs-CZ" dirty="0"/>
+          </a:p>
+          <a:p>
+            <a:endParaRPr lang="cs-CZ" dirty="0"/>
+          </a:p>
+          <a:p>
+            <a:endParaRPr lang="en-GB" dirty="0"/>
           </a:p>
         </p:txBody>
       </p:sp>
       <p:sp>
         <p:nvSpPr>
-          <p:cNvPr id="6" name="Inhaltsplatzhalter 5">
+          <p:cNvPr id="46" name="Inhaltsplatzhalter 45">
             <a:extLst>
               <a:ext uri="{FF2B5EF4-FFF2-40B4-BE49-F238E27FC236}">
-                <a16:creationId xmlns:a16="http://schemas.microsoft.com/office/drawing/2014/main" id="{BBD0BE48-560A-3CB4-90B2-77049CD899B2}"/>
+                <a16:creationId xmlns:a16="http://schemas.microsoft.com/office/drawing/2014/main" id="{87753B05-B02B-3103-CE10-44BCBE1BDAFD}"/>
               </a:ext>
             </a:extLst>
           </p:cNvPr>
@@ -4065,8 +5068,8 @@
         </p:nvSpPr>
         <p:spPr>
           <a:xfrm>
-            <a:off x="11401426" y="19318515"/>
-            <a:ext cx="9658349" cy="9927998"/>
+            <a:off x="10664925" y="10595760"/>
+            <a:ext cx="8928000" cy="20419190"/>
           </a:xfrm>
         </p:spPr>
         <p:txBody>
@@ -4074,12 +5077,15 @@
           <a:lstStyle/>
           <a:p>
             <a:pPr>
+              <a:lnSpc>
+                <a:spcPct val="97000"/>
+              </a:lnSpc>
               <a:spcAft>
                 <a:spcPts val="3000"/>
               </a:spcAft>
             </a:pPr>
             <a:r>
-              <a:rPr lang="en-US" sz="4800" b="1" dirty="0">
+              <a:rPr lang="en-GB" sz="4800" b="1" dirty="0">
                 <a:solidFill>
                   <a:srgbClr val="FF0000"/>
                 </a:solidFill>
@@ -4088,321 +5094,386 @@
             </a:r>
           </a:p>
           <a:p>
-            <a:r>
-              <a:rPr lang="en-US" b="1" dirty="0">
+            <a:pPr>
+              <a:lnSpc>
+                <a:spcPct val="97000"/>
+              </a:lnSpc>
+            </a:pPr>
+            <a:r>
+              <a:rPr lang="en-GB" b="1" dirty="0">
                 <a:solidFill>
                   <a:srgbClr val="FF0000"/>
                 </a:solidFill>
               </a:rPr>
               <a:t>Subtitle (30 Pt. bold)</a:t>
             </a:r>
-            <a:endParaRPr lang="en-US" dirty="0">
+          </a:p>
+          <a:p>
+            <a:pPr>
+              <a:lnSpc>
+                <a:spcPct val="97000"/>
+              </a:lnSpc>
+            </a:pPr>
+            <a:r>
+              <a:rPr lang="en-GB" dirty="0">
+                <a:solidFill>
+                  <a:srgbClr val="FF0000"/>
+                </a:solidFill>
+              </a:rPr>
+              <a:t>Lorem ipsum </a:t>
+            </a:r>
+            <a:r>
+              <a:rPr lang="en-GB" dirty="0" err="1">
+                <a:solidFill>
+                  <a:srgbClr val="FF0000"/>
+                </a:solidFill>
+              </a:rPr>
+              <a:t>dolor</a:t>
+            </a:r>
+            <a:r>
+              <a:rPr lang="en-GB" dirty="0">
+                <a:solidFill>
+                  <a:srgbClr val="FF0000"/>
+                </a:solidFill>
+              </a:rPr>
+              <a:t> sit </a:t>
+            </a:r>
+            <a:r>
+              <a:rPr lang="en-GB" dirty="0" err="1">
+                <a:solidFill>
+                  <a:srgbClr val="FF0000"/>
+                </a:solidFill>
+              </a:rPr>
+              <a:t>amet</a:t>
+            </a:r>
+            <a:r>
+              <a:rPr lang="en-GB" dirty="0">
+                <a:solidFill>
+                  <a:srgbClr val="FF0000"/>
+                </a:solidFill>
+              </a:rPr>
+              <a:t>, </a:t>
+            </a:r>
+            <a:r>
+              <a:rPr lang="en-GB" dirty="0" err="1">
+                <a:solidFill>
+                  <a:srgbClr val="FF0000"/>
+                </a:solidFill>
+              </a:rPr>
+              <a:t>consectetuer</a:t>
+            </a:r>
+            <a:r>
+              <a:rPr lang="en-GB" dirty="0">
+                <a:solidFill>
+                  <a:srgbClr val="FF0000"/>
+                </a:solidFill>
+              </a:rPr>
+              <a:t> </a:t>
+            </a:r>
+            <a:r>
+              <a:rPr lang="en-GB" dirty="0" err="1">
+                <a:solidFill>
+                  <a:srgbClr val="FF0000"/>
+                </a:solidFill>
+              </a:rPr>
+              <a:t>adipiscing</a:t>
+            </a:r>
+            <a:r>
+              <a:rPr lang="en-GB" dirty="0">
+                <a:solidFill>
+                  <a:srgbClr val="FF0000"/>
+                </a:solidFill>
+              </a:rPr>
+              <a:t> </a:t>
+            </a:r>
+            <a:r>
+              <a:rPr lang="en-GB" dirty="0" err="1">
+                <a:solidFill>
+                  <a:srgbClr val="FF0000"/>
+                </a:solidFill>
+              </a:rPr>
+              <a:t>elit</a:t>
+            </a:r>
+            <a:r>
+              <a:rPr lang="en-GB" dirty="0">
+                <a:solidFill>
+                  <a:srgbClr val="FF0000"/>
+                </a:solidFill>
+              </a:rPr>
+              <a:t>. Maecenas </a:t>
+            </a:r>
+            <a:r>
+              <a:rPr lang="en-GB" dirty="0" err="1">
+                <a:solidFill>
+                  <a:srgbClr val="FF0000"/>
+                </a:solidFill>
+              </a:rPr>
+              <a:t>porttitor</a:t>
+            </a:r>
+            <a:r>
+              <a:rPr lang="en-GB" dirty="0">
+                <a:solidFill>
+                  <a:srgbClr val="FF0000"/>
+                </a:solidFill>
+              </a:rPr>
+              <a:t> </a:t>
+            </a:r>
+            <a:r>
+              <a:rPr lang="en-GB" dirty="0" err="1">
+                <a:solidFill>
+                  <a:srgbClr val="FF0000"/>
+                </a:solidFill>
+              </a:rPr>
+              <a:t>congue</a:t>
+            </a:r>
+            <a:r>
+              <a:rPr lang="en-GB" dirty="0">
+                <a:solidFill>
+                  <a:srgbClr val="FF0000"/>
+                </a:solidFill>
+              </a:rPr>
+              <a:t> </a:t>
+            </a:r>
+            <a:r>
+              <a:rPr lang="en-GB" dirty="0" err="1">
+                <a:solidFill>
+                  <a:srgbClr val="FF0000"/>
+                </a:solidFill>
+              </a:rPr>
+              <a:t>massa</a:t>
+            </a:r>
+            <a:r>
+              <a:rPr lang="en-GB" dirty="0">
+                <a:solidFill>
+                  <a:srgbClr val="FF0000"/>
+                </a:solidFill>
+              </a:rPr>
+              <a:t>. </a:t>
+            </a:r>
+            <a:r>
+              <a:rPr lang="en-GB" dirty="0" err="1">
+                <a:solidFill>
+                  <a:srgbClr val="FF0000"/>
+                </a:solidFill>
+              </a:rPr>
+              <a:t>Fusce</a:t>
+            </a:r>
+            <a:r>
+              <a:rPr lang="en-GB" dirty="0">
+                <a:solidFill>
+                  <a:srgbClr val="FF0000"/>
+                </a:solidFill>
+              </a:rPr>
+              <a:t> </a:t>
+            </a:r>
+            <a:r>
+              <a:rPr lang="en-GB" dirty="0" err="1">
+                <a:solidFill>
+                  <a:srgbClr val="FF0000"/>
+                </a:solidFill>
+              </a:rPr>
+              <a:t>posuere</a:t>
+            </a:r>
+            <a:r>
+              <a:rPr lang="en-GB" dirty="0">
+                <a:solidFill>
+                  <a:srgbClr val="FF0000"/>
+                </a:solidFill>
+              </a:rPr>
+              <a:t>, magna </a:t>
+            </a:r>
+            <a:r>
+              <a:rPr lang="en-GB" dirty="0" err="1">
+                <a:solidFill>
+                  <a:srgbClr val="FF0000"/>
+                </a:solidFill>
+              </a:rPr>
+              <a:t>sed</a:t>
+            </a:r>
+            <a:r>
+              <a:rPr lang="en-GB" dirty="0">
+                <a:solidFill>
+                  <a:srgbClr val="FF0000"/>
+                </a:solidFill>
+              </a:rPr>
+              <a:t> pulvinar </a:t>
+            </a:r>
+            <a:r>
+              <a:rPr lang="en-GB" dirty="0" err="1">
+                <a:solidFill>
+                  <a:srgbClr val="FF0000"/>
+                </a:solidFill>
+              </a:rPr>
+              <a:t>ultricies</a:t>
+            </a:r>
+            <a:r>
+              <a:rPr lang="en-GB" dirty="0">
+                <a:solidFill>
+                  <a:srgbClr val="FF0000"/>
+                </a:solidFill>
+              </a:rPr>
+              <a:t>, </a:t>
+            </a:r>
+            <a:r>
+              <a:rPr lang="en-GB" dirty="0" err="1">
+                <a:solidFill>
+                  <a:srgbClr val="FF0000"/>
+                </a:solidFill>
+              </a:rPr>
+              <a:t>purus</a:t>
+            </a:r>
+            <a:r>
+              <a:rPr lang="en-GB" dirty="0">
+                <a:solidFill>
+                  <a:srgbClr val="FF0000"/>
+                </a:solidFill>
+              </a:rPr>
+              <a:t> </a:t>
+            </a:r>
+            <a:r>
+              <a:rPr lang="en-GB" dirty="0" err="1">
+                <a:solidFill>
+                  <a:srgbClr val="FF0000"/>
+                </a:solidFill>
+              </a:rPr>
+              <a:t>lectus</a:t>
+            </a:r>
+            <a:r>
+              <a:rPr lang="en-GB" dirty="0">
+                <a:solidFill>
+                  <a:srgbClr val="FF0000"/>
+                </a:solidFill>
+              </a:rPr>
+              <a:t> </a:t>
+            </a:r>
+            <a:r>
+              <a:rPr lang="en-GB" dirty="0" err="1">
+                <a:solidFill>
+                  <a:srgbClr val="FF0000"/>
+                </a:solidFill>
+              </a:rPr>
+              <a:t>malesuada</a:t>
+            </a:r>
+            <a:r>
+              <a:rPr lang="en-GB" dirty="0">
+                <a:solidFill>
+                  <a:srgbClr val="FF0000"/>
+                </a:solidFill>
+              </a:rPr>
+              <a:t> libero, sit </a:t>
+            </a:r>
+            <a:r>
+              <a:rPr lang="en-GB" dirty="0" err="1">
+                <a:solidFill>
+                  <a:srgbClr val="FF0000"/>
+                </a:solidFill>
+              </a:rPr>
+              <a:t>amet</a:t>
+            </a:r>
+            <a:r>
+              <a:rPr lang="en-GB" dirty="0">
+                <a:solidFill>
+                  <a:srgbClr val="FF0000"/>
+                </a:solidFill>
+              </a:rPr>
+              <a:t> </a:t>
+            </a:r>
+            <a:r>
+              <a:rPr lang="en-GB" dirty="0" err="1">
+                <a:solidFill>
+                  <a:srgbClr val="FF0000"/>
+                </a:solidFill>
+              </a:rPr>
+              <a:t>commodo</a:t>
+            </a:r>
+            <a:r>
+              <a:rPr lang="en-GB" dirty="0">
+                <a:solidFill>
+                  <a:srgbClr val="FF0000"/>
+                </a:solidFill>
+              </a:rPr>
+              <a:t> magna eros </a:t>
+            </a:r>
+            <a:r>
+              <a:rPr lang="en-GB" dirty="0" err="1">
+                <a:solidFill>
+                  <a:srgbClr val="FF0000"/>
+                </a:solidFill>
+              </a:rPr>
+              <a:t>quis</a:t>
+            </a:r>
+            <a:r>
+              <a:rPr lang="en-GB" dirty="0">
+                <a:solidFill>
+                  <a:srgbClr val="FF0000"/>
+                </a:solidFill>
+              </a:rPr>
+              <a:t> </a:t>
+            </a:r>
+            <a:r>
+              <a:rPr lang="en-GB" dirty="0" err="1">
+                <a:solidFill>
+                  <a:srgbClr val="FF0000"/>
+                </a:solidFill>
+              </a:rPr>
+              <a:t>urna</a:t>
+            </a:r>
+            <a:r>
+              <a:rPr lang="en-GB" dirty="0">
+                <a:solidFill>
+                  <a:srgbClr val="FF0000"/>
+                </a:solidFill>
+              </a:rPr>
+              <a:t>.</a:t>
+            </a:r>
+          </a:p>
+          <a:p>
+            <a:pPr>
+              <a:lnSpc>
+                <a:spcPct val="97000"/>
+              </a:lnSpc>
+            </a:pPr>
+            <a:endParaRPr lang="en-GB" dirty="0">
               <a:solidFill>
                 <a:srgbClr val="FF0000"/>
               </a:solidFill>
             </a:endParaRPr>
           </a:p>
           <a:p>
-            <a:r>
-              <a:rPr lang="en-US" dirty="0">
-                <a:solidFill>
-                  <a:srgbClr val="FF0000"/>
-                </a:solidFill>
-              </a:rPr>
-              <a:t>Lorem ipsum dolor sit </a:t>
-            </a:r>
-            <a:r>
-              <a:rPr lang="en-US" dirty="0" err="1">
+            <a:pPr lvl="1"/>
+            <a:r>
+              <a:rPr lang="en-GB" dirty="0">
+                <a:solidFill>
+                  <a:srgbClr val="FF0000"/>
+                </a:solidFill>
+              </a:rPr>
+              <a:t>Lorem ipsum </a:t>
+            </a:r>
+            <a:r>
+              <a:rPr lang="en-GB" dirty="0" err="1">
+                <a:solidFill>
+                  <a:srgbClr val="FF0000"/>
+                </a:solidFill>
+              </a:rPr>
+              <a:t>dolor</a:t>
+            </a:r>
+            <a:r>
+              <a:rPr lang="en-GB" dirty="0">
+                <a:solidFill>
+                  <a:srgbClr val="FF0000"/>
+                </a:solidFill>
+              </a:rPr>
+              <a:t> sit </a:t>
+            </a:r>
+            <a:r>
+              <a:rPr lang="en-GB" dirty="0" err="1">
                 <a:solidFill>
                   <a:srgbClr val="FF0000"/>
                 </a:solidFill>
               </a:rPr>
               <a:t>amet</a:t>
             </a:r>
-            <a:r>
-              <a:rPr lang="en-US" dirty="0">
-                <a:solidFill>
-                  <a:srgbClr val="FF0000"/>
-                </a:solidFill>
-              </a:rPr>
-              <a:t>, </a:t>
-            </a:r>
-            <a:r>
-              <a:rPr lang="en-US" dirty="0" err="1">
-                <a:solidFill>
-                  <a:srgbClr val="FF0000"/>
-                </a:solidFill>
-              </a:rPr>
-              <a:t>consectetuer</a:t>
-            </a:r>
-            <a:r>
-              <a:rPr lang="en-US" dirty="0">
-                <a:solidFill>
-                  <a:srgbClr val="FF0000"/>
-                </a:solidFill>
-              </a:rPr>
-              <a:t> </a:t>
-            </a:r>
-            <a:r>
-              <a:rPr lang="en-US" dirty="0" err="1">
-                <a:solidFill>
-                  <a:srgbClr val="FF0000"/>
-                </a:solidFill>
-              </a:rPr>
-              <a:t>adipiscing</a:t>
-            </a:r>
-            <a:r>
-              <a:rPr lang="en-US" dirty="0">
-                <a:solidFill>
-                  <a:srgbClr val="FF0000"/>
-                </a:solidFill>
-              </a:rPr>
-              <a:t> </a:t>
-            </a:r>
-            <a:r>
-              <a:rPr lang="en-US" dirty="0" err="1">
-                <a:solidFill>
-                  <a:srgbClr val="FF0000"/>
-                </a:solidFill>
-              </a:rPr>
-              <a:t>elit</a:t>
-            </a:r>
-            <a:r>
-              <a:rPr lang="en-US" dirty="0">
-                <a:solidFill>
-                  <a:srgbClr val="FF0000"/>
-                </a:solidFill>
-              </a:rPr>
-              <a:t>. Maecenas </a:t>
-            </a:r>
-            <a:r>
-              <a:rPr lang="en-US" dirty="0" err="1">
-                <a:solidFill>
-                  <a:srgbClr val="FF0000"/>
-                </a:solidFill>
-              </a:rPr>
-              <a:t>porttitor</a:t>
-            </a:r>
-            <a:r>
-              <a:rPr lang="en-US" dirty="0">
-                <a:solidFill>
-                  <a:srgbClr val="FF0000"/>
-                </a:solidFill>
-              </a:rPr>
-              <a:t> </a:t>
-            </a:r>
-            <a:r>
-              <a:rPr lang="en-US" dirty="0" err="1">
-                <a:solidFill>
-                  <a:srgbClr val="FF0000"/>
-                </a:solidFill>
-              </a:rPr>
-              <a:t>congue</a:t>
-            </a:r>
-            <a:r>
-              <a:rPr lang="en-US" dirty="0">
-                <a:solidFill>
-                  <a:srgbClr val="FF0000"/>
-                </a:solidFill>
-              </a:rPr>
-              <a:t> </a:t>
-            </a:r>
-            <a:r>
-              <a:rPr lang="en-US" dirty="0" err="1">
-                <a:solidFill>
-                  <a:srgbClr val="FF0000"/>
-                </a:solidFill>
-              </a:rPr>
-              <a:t>massa</a:t>
-            </a:r>
-            <a:r>
-              <a:rPr lang="en-US" dirty="0">
-                <a:solidFill>
-                  <a:srgbClr val="FF0000"/>
-                </a:solidFill>
-              </a:rPr>
-              <a:t>. </a:t>
-            </a:r>
-            <a:r>
-              <a:rPr lang="en-US" dirty="0" err="1">
-                <a:solidFill>
-                  <a:srgbClr val="FF0000"/>
-                </a:solidFill>
-              </a:rPr>
-              <a:t>Fusce</a:t>
-            </a:r>
-            <a:r>
-              <a:rPr lang="en-US" dirty="0">
-                <a:solidFill>
-                  <a:srgbClr val="FF0000"/>
-                </a:solidFill>
-              </a:rPr>
-              <a:t> </a:t>
-            </a:r>
-            <a:r>
-              <a:rPr lang="en-US" dirty="0" err="1">
-                <a:solidFill>
-                  <a:srgbClr val="FF0000"/>
-                </a:solidFill>
-              </a:rPr>
-              <a:t>posuere</a:t>
-            </a:r>
-            <a:r>
-              <a:rPr lang="en-US" dirty="0">
-                <a:solidFill>
-                  <a:srgbClr val="FF0000"/>
-                </a:solidFill>
-              </a:rPr>
-              <a:t>, magna sed pulvinar </a:t>
-            </a:r>
-            <a:r>
-              <a:rPr lang="en-US" dirty="0" err="1">
-                <a:solidFill>
-                  <a:srgbClr val="FF0000"/>
-                </a:solidFill>
-              </a:rPr>
-              <a:t>ultricies</a:t>
-            </a:r>
-            <a:r>
-              <a:rPr lang="en-US" dirty="0">
-                <a:solidFill>
-                  <a:srgbClr val="FF0000"/>
-                </a:solidFill>
-              </a:rPr>
-              <a:t>, </a:t>
-            </a:r>
-            <a:r>
-              <a:rPr lang="en-US" dirty="0" err="1">
-                <a:solidFill>
-                  <a:srgbClr val="FF0000"/>
-                </a:solidFill>
-              </a:rPr>
-              <a:t>purus</a:t>
-            </a:r>
-            <a:r>
-              <a:rPr lang="en-US" dirty="0">
-                <a:solidFill>
-                  <a:srgbClr val="FF0000"/>
-                </a:solidFill>
-              </a:rPr>
-              <a:t> </a:t>
-            </a:r>
-            <a:r>
-              <a:rPr lang="en-US" dirty="0" err="1">
-                <a:solidFill>
-                  <a:srgbClr val="FF0000"/>
-                </a:solidFill>
-              </a:rPr>
-              <a:t>lectus</a:t>
-            </a:r>
-            <a:r>
-              <a:rPr lang="en-US" dirty="0">
-                <a:solidFill>
-                  <a:srgbClr val="FF0000"/>
-                </a:solidFill>
-              </a:rPr>
-              <a:t> </a:t>
-            </a:r>
-            <a:r>
-              <a:rPr lang="en-US" dirty="0" err="1">
-                <a:solidFill>
-                  <a:srgbClr val="FF0000"/>
-                </a:solidFill>
-              </a:rPr>
-              <a:t>malesuada</a:t>
-            </a:r>
-            <a:r>
-              <a:rPr lang="en-US" dirty="0">
-                <a:solidFill>
-                  <a:srgbClr val="FF0000"/>
-                </a:solidFill>
-              </a:rPr>
-              <a:t> libero, sit </a:t>
-            </a:r>
-            <a:r>
-              <a:rPr lang="en-US" dirty="0" err="1">
-                <a:solidFill>
-                  <a:srgbClr val="FF0000"/>
-                </a:solidFill>
-              </a:rPr>
-              <a:t>amet</a:t>
-            </a:r>
-            <a:r>
-              <a:rPr lang="en-US" dirty="0">
-                <a:solidFill>
-                  <a:srgbClr val="FF0000"/>
-                </a:solidFill>
-              </a:rPr>
-              <a:t> </a:t>
-            </a:r>
-            <a:r>
-              <a:rPr lang="en-US" dirty="0" err="1">
-                <a:solidFill>
-                  <a:srgbClr val="FF0000"/>
-                </a:solidFill>
-              </a:rPr>
-              <a:t>commodo</a:t>
-            </a:r>
-            <a:r>
-              <a:rPr lang="en-US" dirty="0">
-                <a:solidFill>
-                  <a:srgbClr val="FF0000"/>
-                </a:solidFill>
-              </a:rPr>
-              <a:t> magna eros </a:t>
-            </a:r>
-            <a:r>
-              <a:rPr lang="en-US" dirty="0" err="1">
-                <a:solidFill>
-                  <a:srgbClr val="FF0000"/>
-                </a:solidFill>
-              </a:rPr>
-              <a:t>quis</a:t>
-            </a:r>
-            <a:r>
-              <a:rPr lang="en-US" dirty="0">
-                <a:solidFill>
-                  <a:srgbClr val="FF0000"/>
-                </a:solidFill>
-              </a:rPr>
-              <a:t> </a:t>
-            </a:r>
-            <a:r>
-              <a:rPr lang="en-US" dirty="0" err="1">
-                <a:solidFill>
-                  <a:srgbClr val="FF0000"/>
-                </a:solidFill>
-              </a:rPr>
-              <a:t>urna</a:t>
-            </a:r>
-            <a:r>
-              <a:rPr lang="en-US" dirty="0">
-                <a:solidFill>
-                  <a:srgbClr val="FF0000"/>
-                </a:solidFill>
-              </a:rPr>
-              <a:t>.</a:t>
-            </a:r>
-          </a:p>
-          <a:p>
-            <a:pPr lvl="1"/>
-            <a:r>
-              <a:rPr lang="en-US" dirty="0">
-                <a:solidFill>
-                  <a:srgbClr val="FF0000"/>
-                </a:solidFill>
-              </a:rPr>
-              <a:t>Lorem ipsum dolor sit </a:t>
-            </a:r>
-            <a:r>
-              <a:rPr lang="en-US" dirty="0" err="1">
-                <a:solidFill>
-                  <a:srgbClr val="FF0000"/>
-                </a:solidFill>
-              </a:rPr>
-              <a:t>amet</a:t>
-            </a:r>
-            <a:endParaRPr lang="en-US" dirty="0">
+            <a:endParaRPr lang="en-GB" dirty="0">
               <a:solidFill>
                 <a:srgbClr val="FF0000"/>
               </a:solidFill>
@@ -4411,22 +5482,38 @@
           <a:p>
             <a:pPr lvl="1"/>
             <a:r>
-              <a:rPr lang="en-US" dirty="0">
-                <a:solidFill>
-                  <a:srgbClr val="FF0000"/>
-                </a:solidFill>
-              </a:rPr>
-              <a:t>Lorem ipsum dolor sit </a:t>
-            </a:r>
-            <a:r>
-              <a:rPr lang="en-US" dirty="0" err="1">
+              <a:rPr lang="en-GB" dirty="0">
+                <a:solidFill>
+                  <a:srgbClr val="FF0000"/>
+                </a:solidFill>
+              </a:rPr>
+              <a:t>Lorem ipsum </a:t>
+            </a:r>
+            <a:r>
+              <a:rPr lang="en-GB" dirty="0" err="1">
+                <a:solidFill>
+                  <a:srgbClr val="FF0000"/>
+                </a:solidFill>
+              </a:rPr>
+              <a:t>dolor</a:t>
+            </a:r>
+            <a:r>
+              <a:rPr lang="en-GB" dirty="0">
+                <a:solidFill>
+                  <a:srgbClr val="FF0000"/>
+                </a:solidFill>
+              </a:rPr>
+              <a:t> sit </a:t>
+            </a:r>
+            <a:r>
+              <a:rPr lang="en-GB" dirty="0" err="1">
                 <a:solidFill>
                   <a:srgbClr val="FF0000"/>
                 </a:solidFill>
               </a:rPr>
               <a:t>amet</a:t>
             </a:r>
-            <a:endParaRPr lang="en-US" dirty="0">
+            <a:endParaRPr lang="en-GB" dirty="0">
               <a:solidFill>
                 <a:srgbClr val="FF0000"/>
               </a:solidFill>
@@ -4435,22 +5522,38 @@
           <a:p>
             <a:pPr lvl="1"/>
             <a:r>
-              <a:rPr lang="en-US" dirty="0">
-                <a:solidFill>
-                  <a:srgbClr val="FF0000"/>
-                </a:solidFill>
-              </a:rPr>
-              <a:t>Lorem ipsum dolor sit </a:t>
-            </a:r>
-            <a:r>
-              <a:rPr lang="en-US" dirty="0" err="1">
+              <a:rPr lang="en-GB" dirty="0">
+                <a:solidFill>
+                  <a:srgbClr val="FF0000"/>
+                </a:solidFill>
+              </a:rPr>
+              <a:t>Lorem ipsum </a:t>
+            </a:r>
+            <a:r>
+              <a:rPr lang="en-GB" dirty="0" err="1">
+                <a:solidFill>
+                  <a:srgbClr val="FF0000"/>
+                </a:solidFill>
+              </a:rPr>
+              <a:t>dolor</a:t>
+            </a:r>
+            <a:r>
+              <a:rPr lang="en-GB" dirty="0">
+                <a:solidFill>
+                  <a:srgbClr val="FF0000"/>
+                </a:solidFill>
+              </a:rPr>
+              <a:t> sit </a:t>
+            </a:r>
+            <a:r>
+              <a:rPr lang="en-GB" dirty="0" err="1">
                 <a:solidFill>
                   <a:srgbClr val="FF0000"/>
                 </a:solidFill>
               </a:rPr>
               <a:t>amet</a:t>
             </a:r>
-            <a:endParaRPr lang="en-US" dirty="0">
+            <a:endParaRPr lang="en-GB" dirty="0">
               <a:solidFill>
                 <a:srgbClr val="FF0000"/>
               </a:solidFill>
@@ -4459,22 +5562,38 @@
           <a:p>
             <a:pPr lvl="1"/>
             <a:r>
-              <a:rPr lang="en-US" dirty="0">
-                <a:solidFill>
-                  <a:srgbClr val="FF0000"/>
-                </a:solidFill>
-              </a:rPr>
-              <a:t>Lorem ipsum dolor sit </a:t>
-            </a:r>
-            <a:r>
-              <a:rPr lang="en-US" dirty="0" err="1">
+              <a:rPr lang="en-GB" dirty="0">
+                <a:solidFill>
+                  <a:srgbClr val="FF0000"/>
+                </a:solidFill>
+              </a:rPr>
+              <a:t>Lorem ipsum </a:t>
+            </a:r>
+            <a:r>
+              <a:rPr lang="en-GB" dirty="0" err="1">
+                <a:solidFill>
+                  <a:srgbClr val="FF0000"/>
+                </a:solidFill>
+              </a:rPr>
+              <a:t>dolor</a:t>
+            </a:r>
+            <a:r>
+              <a:rPr lang="en-GB" dirty="0">
+                <a:solidFill>
+                  <a:srgbClr val="FF0000"/>
+                </a:solidFill>
+              </a:rPr>
+              <a:t> sit </a:t>
+            </a:r>
+            <a:r>
+              <a:rPr lang="en-GB" dirty="0" err="1">
                 <a:solidFill>
                   <a:srgbClr val="FF0000"/>
                 </a:solidFill>
               </a:rPr>
               <a:t>amet</a:t>
             </a:r>
-            <a:endParaRPr lang="en-US" dirty="0">
+            <a:endParaRPr lang="en-GB" dirty="0">
               <a:solidFill>
                 <a:srgbClr val="FF0000"/>
               </a:solidFill>
@@ -4483,22 +5602,38 @@
           <a:p>
             <a:pPr lvl="1"/>
             <a:r>
-              <a:rPr lang="en-US" dirty="0">
-                <a:solidFill>
-                  <a:srgbClr val="FF0000"/>
-                </a:solidFill>
-              </a:rPr>
-              <a:t>Lorem ipsum dolor sit </a:t>
-            </a:r>
-            <a:r>
-              <a:rPr lang="en-US" dirty="0" err="1">
+              <a:rPr lang="en-GB" dirty="0">
+                <a:solidFill>
+                  <a:srgbClr val="FF0000"/>
+                </a:solidFill>
+              </a:rPr>
+              <a:t>Lorem ipsum </a:t>
+            </a:r>
+            <a:r>
+              <a:rPr lang="en-GB" dirty="0" err="1">
+                <a:solidFill>
+                  <a:srgbClr val="FF0000"/>
+                </a:solidFill>
+              </a:rPr>
+              <a:t>dolor</a:t>
+            </a:r>
+            <a:r>
+              <a:rPr lang="en-GB" dirty="0">
+                <a:solidFill>
+                  <a:srgbClr val="FF0000"/>
+                </a:solidFill>
+              </a:rPr>
+              <a:t> sit </a:t>
+            </a:r>
+            <a:r>
+              <a:rPr lang="en-GB" dirty="0" err="1">
                 <a:solidFill>
                   <a:srgbClr val="FF0000"/>
                 </a:solidFill>
               </a:rPr>
               <a:t>amet</a:t>
             </a:r>
-            <a:endParaRPr lang="en-US" dirty="0">
+            <a:endParaRPr lang="en-GB" dirty="0">
               <a:solidFill>
                 <a:srgbClr val="FF0000"/>
               </a:solidFill>
@@ -4507,22 +5642,38 @@
           <a:p>
             <a:pPr lvl="1"/>
             <a:r>
-              <a:rPr lang="en-US" dirty="0">
-                <a:solidFill>
-                  <a:srgbClr val="FF0000"/>
-                </a:solidFill>
-              </a:rPr>
-              <a:t>Lorem ipsum dolor sit </a:t>
-            </a:r>
-            <a:r>
-              <a:rPr lang="en-US" dirty="0" err="1">
+              <a:rPr lang="en-GB" dirty="0">
+                <a:solidFill>
+                  <a:srgbClr val="FF0000"/>
+                </a:solidFill>
+              </a:rPr>
+              <a:t>Lorem ipsum </a:t>
+            </a:r>
+            <a:r>
+              <a:rPr lang="en-GB" dirty="0" err="1">
+                <a:solidFill>
+                  <a:srgbClr val="FF0000"/>
+                </a:solidFill>
+              </a:rPr>
+              <a:t>dolor</a:t>
+            </a:r>
+            <a:r>
+              <a:rPr lang="en-GB" dirty="0">
+                <a:solidFill>
+                  <a:srgbClr val="FF0000"/>
+                </a:solidFill>
+              </a:rPr>
+              <a:t> sit </a:t>
+            </a:r>
+            <a:r>
+              <a:rPr lang="en-GB" dirty="0" err="1">
                 <a:solidFill>
                   <a:srgbClr val="FF0000"/>
                 </a:solidFill>
               </a:rPr>
               <a:t>amet</a:t>
             </a:r>
-            <a:endParaRPr lang="en-US" dirty="0">
+            <a:endParaRPr lang="en-GB" dirty="0">
               <a:solidFill>
                 <a:srgbClr val="FF0000"/>
               </a:solidFill>
@@ -4531,45 +5682,87 @@
           <a:p>
             <a:pPr lvl="1"/>
             <a:r>
-              <a:rPr lang="en-US" dirty="0">
-                <a:solidFill>
-                  <a:srgbClr val="FF0000"/>
-                </a:solidFill>
-              </a:rPr>
-              <a:t>Lorem ipsum dolor sit </a:t>
-            </a:r>
-            <a:r>
-              <a:rPr lang="en-US" dirty="0" err="1">
+              <a:rPr lang="en-GB" dirty="0">
+                <a:solidFill>
+                  <a:srgbClr val="FF0000"/>
+                </a:solidFill>
+              </a:rPr>
+              <a:t>Lorem ipsum </a:t>
+            </a:r>
+            <a:r>
+              <a:rPr lang="en-GB" dirty="0" err="1">
+                <a:solidFill>
+                  <a:srgbClr val="FF0000"/>
+                </a:solidFill>
+              </a:rPr>
+              <a:t>dolor</a:t>
+            </a:r>
+            <a:r>
+              <a:rPr lang="en-GB" dirty="0">
+                <a:solidFill>
+                  <a:srgbClr val="FF0000"/>
+                </a:solidFill>
+              </a:rPr>
+              <a:t> sit </a:t>
+            </a:r>
+            <a:r>
+              <a:rPr lang="en-GB" dirty="0" err="1">
                 <a:solidFill>
                   <a:srgbClr val="FF0000"/>
                 </a:solidFill>
               </a:rPr>
               <a:t>amet</a:t>
             </a:r>
-            <a:endParaRPr lang="en-US" dirty="0">
+            <a:endParaRPr lang="en-GB" dirty="0">
               <a:solidFill>
                 <a:srgbClr val="FF0000"/>
               </a:solidFill>
             </a:endParaRPr>
           </a:p>
           <a:p>
-            <a:endParaRPr lang="en-US" dirty="0">
+            <a:pPr>
+              <a:lnSpc>
+                <a:spcPct val="97000"/>
+              </a:lnSpc>
+            </a:pPr>
+            <a:endParaRPr lang="en-GB" dirty="0">
               <a:solidFill>
                 <a:srgbClr val="FF0000"/>
               </a:solidFill>
             </a:endParaRPr>
           </a:p>
           <a:p>
-            <a:r>
-              <a:rPr lang="en-US" dirty="0">
-                <a:solidFill>
-                  <a:srgbClr val="FF0000"/>
-                </a:solidFill>
-              </a:rPr>
-              <a:t>Lorem ipsum dolor sit </a:t>
-            </a:r>
-            <a:r>
-              <a:rPr lang="en-US" dirty="0" err="1">
+            <a:pPr>
+              <a:lnSpc>
+                <a:spcPct val="97000"/>
+              </a:lnSpc>
+            </a:pPr>
+            <a:r>
+              <a:rPr lang="en-GB" dirty="0">
+                <a:solidFill>
+                  <a:srgbClr val="FF0000"/>
+                </a:solidFill>
+              </a:rPr>
+              <a:t>Lorem ipsum </a:t>
+            </a:r>
+            <a:r>
+              <a:rPr lang="en-GB" dirty="0" err="1">
+                <a:solidFill>
+                  <a:srgbClr val="FF0000"/>
+                </a:solidFill>
+              </a:rPr>
+              <a:t>dolor</a:t>
+            </a:r>
+            <a:r>
+              <a:rPr lang="en-GB" dirty="0">
+                <a:solidFill>
+                  <a:srgbClr val="FF0000"/>
+                </a:solidFill>
+              </a:rPr>
+              <a:t> sit </a:t>
+            </a:r>
+            <a:r>
+              <a:rPr lang="en-GB" dirty="0" err="1">
                 <a:solidFill>
                   <a:srgbClr val="FF0000"/>
                 </a:solidFill>
@@ -4577,7 +5770,7 @@
               <a:t>amet</a:t>
             </a:r>
             <a:r>
-              <a:rPr lang="en-US" dirty="0">
+              <a:rPr lang="en-GB" dirty="0">
                 <a:solidFill>
                   <a:srgbClr val="FF0000"/>
                 </a:solidFill>
@@ -4585,7 +5778,7 @@
               <a:t>, </a:t>
             </a:r>
             <a:r>
-              <a:rPr lang="en-US" dirty="0" err="1">
+              <a:rPr lang="en-GB" dirty="0" err="1">
                 <a:solidFill>
                   <a:srgbClr val="FF0000"/>
                 </a:solidFill>
@@ -4593,7 +5786,7 @@
               <a:t>consectetuer</a:t>
             </a:r>
             <a:r>
-              <a:rPr lang="en-US" dirty="0">
+              <a:rPr lang="en-GB" dirty="0">
                 <a:solidFill>
                   <a:srgbClr val="FF0000"/>
                 </a:solidFill>
@@ -4601,7 +5794,7 @@
               <a:t> </a:t>
             </a:r>
             <a:r>
-              <a:rPr lang="en-US" dirty="0" err="1">
+              <a:rPr lang="en-GB" dirty="0" err="1">
                 <a:solidFill>
                   <a:srgbClr val="FF0000"/>
                 </a:solidFill>
@@ -4609,7 +5802,7 @@
               <a:t>adipiscing</a:t>
             </a:r>
             <a:r>
-              <a:rPr lang="en-US" dirty="0">
+              <a:rPr lang="en-GB" dirty="0">
                 <a:solidFill>
                   <a:srgbClr val="FF0000"/>
                 </a:solidFill>
@@ -4617,7 +5810,7 @@
               <a:t> </a:t>
             </a:r>
             <a:r>
-              <a:rPr lang="en-US" dirty="0" err="1">
+              <a:rPr lang="en-GB" dirty="0" err="1">
                 <a:solidFill>
                   <a:srgbClr val="FF0000"/>
                 </a:solidFill>
@@ -4625,7 +5818,7 @@
               <a:t>elit</a:t>
             </a:r>
             <a:r>
-              <a:rPr lang="en-US" dirty="0">
+              <a:rPr lang="en-GB" dirty="0">
                 <a:solidFill>
                   <a:srgbClr val="FF0000"/>
                 </a:solidFill>
@@ -4633,7 +5826,7 @@
               <a:t>. Maecenas </a:t>
             </a:r>
             <a:r>
-              <a:rPr lang="en-US" dirty="0" err="1">
+              <a:rPr lang="en-GB" dirty="0" err="1">
                 <a:solidFill>
                   <a:srgbClr val="FF0000"/>
                 </a:solidFill>
@@ -4641,7 +5834,7 @@
               <a:t>porttitor</a:t>
             </a:r>
             <a:r>
-              <a:rPr lang="en-US" dirty="0">
+              <a:rPr lang="en-GB" dirty="0">
                 <a:solidFill>
                   <a:srgbClr val="FF0000"/>
                 </a:solidFill>
@@ -4649,7 +5842,7 @@
               <a:t> </a:t>
             </a:r>
             <a:r>
-              <a:rPr lang="en-US" dirty="0" err="1">
+              <a:rPr lang="en-GB" dirty="0" err="1">
                 <a:solidFill>
                   <a:srgbClr val="FF0000"/>
                 </a:solidFill>
@@ -4657,7 +5850,7 @@
               <a:t>congue</a:t>
             </a:r>
             <a:r>
-              <a:rPr lang="en-US" dirty="0">
+              <a:rPr lang="en-GB" dirty="0">
                 <a:solidFill>
                   <a:srgbClr val="FF0000"/>
                 </a:solidFill>
@@ -4665,7 +5858,7 @@
               <a:t> </a:t>
             </a:r>
             <a:r>
-              <a:rPr lang="en-US" dirty="0" err="1">
+              <a:rPr lang="en-GB" dirty="0" err="1">
                 <a:solidFill>
                   <a:srgbClr val="FF0000"/>
                 </a:solidFill>
@@ -4673,7 +5866,7 @@
               <a:t>massa</a:t>
             </a:r>
             <a:r>
-              <a:rPr lang="en-US" dirty="0">
+              <a:rPr lang="en-GB" dirty="0">
                 <a:solidFill>
                   <a:srgbClr val="FF0000"/>
                 </a:solidFill>
@@ -4681,7 +5874,7 @@
               <a:t>. </a:t>
             </a:r>
             <a:r>
-              <a:rPr lang="en-US" dirty="0" err="1">
+              <a:rPr lang="en-GB" dirty="0" err="1">
                 <a:solidFill>
                   <a:srgbClr val="FF0000"/>
                 </a:solidFill>
@@ -4689,7 +5882,7 @@
               <a:t>Fusce</a:t>
             </a:r>
             <a:r>
-              <a:rPr lang="en-US" dirty="0">
+              <a:rPr lang="en-GB" dirty="0">
                 <a:solidFill>
                   <a:srgbClr val="FF0000"/>
                 </a:solidFill>
@@ -4697,7 +5890,7 @@
               <a:t> </a:t>
             </a:r>
             <a:r>
-              <a:rPr lang="en-US" dirty="0" err="1">
+              <a:rPr lang="en-GB" dirty="0" err="1">
                 <a:solidFill>
                   <a:srgbClr val="FF0000"/>
                 </a:solidFill>
@@ -4705,15 +5898,31 @@
               <a:t>posuere</a:t>
             </a:r>
             <a:r>
-              <a:rPr lang="en-US" dirty="0">
-                <a:solidFill>
-                  <a:srgbClr val="FF0000"/>
-                </a:solidFill>
-              </a:rPr>
-              <a:t>, magna sed pulvinar </a:t>
-            </a:r>
-            <a:r>
-              <a:rPr lang="en-US" dirty="0" err="1">
+              <a:rPr lang="en-GB" dirty="0">
+                <a:solidFill>
+                  <a:srgbClr val="FF0000"/>
+                </a:solidFill>
+              </a:rPr>
+              <a:t>, magna </a:t>
+            </a:r>
+            <a:r>
+              <a:rPr lang="en-GB" dirty="0" err="1">
+                <a:solidFill>
+                  <a:srgbClr val="FF0000"/>
+                </a:solidFill>
+              </a:rPr>
+              <a:t>sed</a:t>
+            </a:r>
+            <a:r>
+              <a:rPr lang="en-GB" dirty="0">
+                <a:solidFill>
+                  <a:srgbClr val="FF0000"/>
+                </a:solidFill>
+              </a:rPr>
+              <a:t> pulvinar </a:t>
+            </a:r>
+            <a:r>
+              <a:rPr lang="en-GB" dirty="0" err="1">
                 <a:solidFill>
                   <a:srgbClr val="FF0000"/>
                 </a:solidFill>
@@ -4721,7 +5930,7 @@
               <a:t>ultricies</a:t>
             </a:r>
             <a:r>
-              <a:rPr lang="en-US" dirty="0">
+              <a:rPr lang="en-GB" dirty="0">
                 <a:solidFill>
                   <a:srgbClr val="FF0000"/>
                 </a:solidFill>
@@ -4729,7 +5938,7 @@
               <a:t>, </a:t>
             </a:r>
             <a:r>
-              <a:rPr lang="en-US" dirty="0" err="1">
+              <a:rPr lang="en-GB" dirty="0" err="1">
                 <a:solidFill>
                   <a:srgbClr val="FF0000"/>
                 </a:solidFill>
@@ -4737,7 +5946,7 @@
               <a:t>purus</a:t>
             </a:r>
             <a:r>
-              <a:rPr lang="en-US" dirty="0">
+              <a:rPr lang="en-GB" dirty="0">
                 <a:solidFill>
                   <a:srgbClr val="FF0000"/>
                 </a:solidFill>
@@ -4745,7 +5954,7 @@
               <a:t> </a:t>
             </a:r>
             <a:r>
-              <a:rPr lang="en-US" dirty="0" err="1">
+              <a:rPr lang="en-GB" dirty="0" err="1">
                 <a:solidFill>
                   <a:srgbClr val="FF0000"/>
                 </a:solidFill>
@@ -4753,7 +5962,7 @@
               <a:t>lectus</a:t>
             </a:r>
             <a:r>
-              <a:rPr lang="en-US" dirty="0">
+              <a:rPr lang="en-GB" dirty="0">
                 <a:solidFill>
                   <a:srgbClr val="FF0000"/>
                 </a:solidFill>
@@ -4761,7 +5970,7 @@
               <a:t> </a:t>
             </a:r>
             <a:r>
-              <a:rPr lang="en-US" dirty="0" err="1">
+              <a:rPr lang="en-GB" dirty="0" err="1">
                 <a:solidFill>
                   <a:srgbClr val="FF0000"/>
                 </a:solidFill>
@@ -4769,7 +5978,7 @@
               <a:t>malesuada</a:t>
             </a:r>
             <a:r>
-              <a:rPr lang="en-US" dirty="0">
+              <a:rPr lang="en-GB" dirty="0">
                 <a:solidFill>
                   <a:srgbClr val="FF0000"/>
                 </a:solidFill>
@@ -4777,7 +5986,7 @@
               <a:t> libero, sit </a:t>
             </a:r>
             <a:r>
-              <a:rPr lang="en-US" dirty="0" err="1">
+              <a:rPr lang="en-GB" dirty="0" err="1">
                 <a:solidFill>
                   <a:srgbClr val="FF0000"/>
                 </a:solidFill>
@@ -4785,7 +5994,7 @@
               <a:t>amet</a:t>
             </a:r>
             <a:r>
-              <a:rPr lang="en-US" dirty="0">
+              <a:rPr lang="en-GB" dirty="0">
                 <a:solidFill>
                   <a:srgbClr val="FF0000"/>
                 </a:solidFill>
@@ -4793,7 +6002,7 @@
               <a:t> </a:t>
             </a:r>
             <a:r>
-              <a:rPr lang="en-US" dirty="0" err="1">
+              <a:rPr lang="en-GB" dirty="0" err="1">
                 <a:solidFill>
                   <a:srgbClr val="FF0000"/>
                 </a:solidFill>
@@ -4801,7 +6010,7 @@
               <a:t>commodo</a:t>
             </a:r>
             <a:r>
-              <a:rPr lang="en-US" dirty="0">
+              <a:rPr lang="en-GB" dirty="0">
                 <a:solidFill>
                   <a:srgbClr val="FF0000"/>
                 </a:solidFill>
@@ -4809,7 +6018,7 @@
               <a:t> magna eros </a:t>
             </a:r>
             <a:r>
-              <a:rPr lang="en-US" dirty="0" err="1">
+              <a:rPr lang="en-GB" dirty="0" err="1">
                 <a:solidFill>
                   <a:srgbClr val="FF0000"/>
                 </a:solidFill>
@@ -4817,7 +6026,7 @@
               <a:t>quis</a:t>
             </a:r>
             <a:r>
-              <a:rPr lang="en-US" dirty="0">
+              <a:rPr lang="en-GB" dirty="0">
                 <a:solidFill>
                   <a:srgbClr val="FF0000"/>
                 </a:solidFill>
@@ -4825,7 +6034,7 @@
               <a:t> </a:t>
             </a:r>
             <a:r>
-              <a:rPr lang="en-US" dirty="0" err="1">
+              <a:rPr lang="en-GB" dirty="0" err="1">
                 <a:solidFill>
                   <a:srgbClr val="FF0000"/>
                 </a:solidFill>
@@ -4833,15 +6042,46 @@
               <a:t>urna</a:t>
             </a:r>
             <a:r>
-              <a:rPr lang="en-US" dirty="0">
-                <a:solidFill>
-                  <a:srgbClr val="FF0000"/>
-                </a:solidFill>
-              </a:rPr>
-              <a:t>. Lorem ipsum dolor sit </a:t>
-            </a:r>
-            <a:r>
-              <a:rPr lang="en-US" dirty="0" err="1">
+              <a:rPr lang="en-GB" dirty="0">
+                <a:solidFill>
+                  <a:srgbClr val="FF0000"/>
+                </a:solidFill>
+              </a:rPr>
+              <a:t>.</a:t>
+            </a:r>
+          </a:p>
+          <a:p>
+            <a:pPr>
+              <a:lnSpc>
+                <a:spcPct val="97000"/>
+              </a:lnSpc>
+            </a:pPr>
+            <a:r>
+              <a:rPr lang="en-GB" dirty="0">
+                <a:solidFill>
+                  <a:srgbClr val="FF0000"/>
+                </a:solidFill>
+              </a:rPr>
+              <a:t>Lorem ipsum </a:t>
+            </a:r>
+            <a:r>
+              <a:rPr lang="en-GB" dirty="0" err="1">
+                <a:solidFill>
+                  <a:srgbClr val="FF0000"/>
+                </a:solidFill>
+              </a:rPr>
+              <a:t>dolor</a:t>
+            </a:r>
+            <a:r>
+              <a:rPr lang="en-GB" dirty="0">
+                <a:solidFill>
+                  <a:srgbClr val="FF0000"/>
+                </a:solidFill>
+              </a:rPr>
+              <a:t> sit </a:t>
+            </a:r>
+            <a:r>
+              <a:rPr lang="en-GB" dirty="0" err="1">
                 <a:solidFill>
                   <a:srgbClr val="FF0000"/>
                 </a:solidFill>
@@ -4849,7 +6089,7 @@
               <a:t>amet</a:t>
             </a:r>
             <a:r>
-              <a:rPr lang="en-US" dirty="0">
+              <a:rPr lang="en-GB" dirty="0">
                 <a:solidFill>
                   <a:srgbClr val="FF0000"/>
                 </a:solidFill>
@@ -4857,7 +6097,7 @@
               <a:t>, </a:t>
             </a:r>
             <a:r>
-              <a:rPr lang="en-US" dirty="0" err="1">
+              <a:rPr lang="en-GB" dirty="0" err="1">
                 <a:solidFill>
                   <a:srgbClr val="FF0000"/>
                 </a:solidFill>
@@ -4865,7 +6105,7 @@
               <a:t>consectetuer</a:t>
             </a:r>
             <a:r>
-              <a:rPr lang="en-US" dirty="0">
+              <a:rPr lang="en-GB" dirty="0">
                 <a:solidFill>
                   <a:srgbClr val="FF0000"/>
                 </a:solidFill>
@@ -4873,7 +6113,7 @@
               <a:t> </a:t>
             </a:r>
             <a:r>
-              <a:rPr lang="en-US" dirty="0" err="1">
+              <a:rPr lang="en-GB" dirty="0" err="1">
                 <a:solidFill>
                   <a:srgbClr val="FF0000"/>
                 </a:solidFill>
@@ -4881,7 +6121,7 @@
               <a:t>adipiscing</a:t>
             </a:r>
             <a:r>
-              <a:rPr lang="en-US" dirty="0">
+              <a:rPr lang="en-GB" dirty="0">
                 <a:solidFill>
                   <a:srgbClr val="FF0000"/>
                 </a:solidFill>
@@ -4889,7 +6129,7 @@
               <a:t> </a:t>
             </a:r>
             <a:r>
-              <a:rPr lang="en-US" dirty="0" err="1">
+              <a:rPr lang="en-GB" dirty="0" err="1">
                 <a:solidFill>
                   <a:srgbClr val="FF0000"/>
                 </a:solidFill>
@@ -4897,7 +6137,7 @@
               <a:t>elit</a:t>
             </a:r>
             <a:r>
-              <a:rPr lang="en-US" dirty="0">
+              <a:rPr lang="en-GB" dirty="0">
                 <a:solidFill>
                   <a:srgbClr val="FF0000"/>
                 </a:solidFill>
@@ -4905,7 +6145,7 @@
               <a:t>. Maecenas </a:t>
             </a:r>
             <a:r>
-              <a:rPr lang="en-US" dirty="0" err="1">
+              <a:rPr lang="en-GB" dirty="0" err="1">
                 <a:solidFill>
                   <a:srgbClr val="FF0000"/>
                 </a:solidFill>
@@ -4913,7 +6153,7 @@
               <a:t>porttitor</a:t>
             </a:r>
             <a:r>
-              <a:rPr lang="en-US" dirty="0">
+              <a:rPr lang="en-GB" dirty="0">
                 <a:solidFill>
                   <a:srgbClr val="FF0000"/>
                 </a:solidFill>
@@ -4921,7 +6161,7 @@
               <a:t> </a:t>
             </a:r>
             <a:r>
-              <a:rPr lang="en-US" dirty="0" err="1">
+              <a:rPr lang="en-GB" dirty="0" err="1">
                 <a:solidFill>
                   <a:srgbClr val="FF0000"/>
                 </a:solidFill>
@@ -4929,7 +6169,7 @@
               <a:t>congue</a:t>
             </a:r>
             <a:r>
-              <a:rPr lang="en-US" dirty="0">
+              <a:rPr lang="en-GB" dirty="0">
                 <a:solidFill>
                   <a:srgbClr val="FF0000"/>
                 </a:solidFill>
@@ -4937,7 +6177,7 @@
               <a:t> </a:t>
             </a:r>
             <a:r>
-              <a:rPr lang="en-US" dirty="0" err="1">
+              <a:rPr lang="en-GB" dirty="0" err="1">
                 <a:solidFill>
                   <a:srgbClr val="FF0000"/>
                 </a:solidFill>
@@ -4945,7 +6185,39 @@
               <a:t>massa</a:t>
             </a:r>
             <a:r>
-              <a:rPr lang="en-US" dirty="0">
+              <a:rPr lang="en-GB" dirty="0">
+                <a:solidFill>
+                  <a:srgbClr val="FF0000"/>
+                </a:solidFill>
+              </a:rPr>
+              <a:t>. Lorem ipsum </a:t>
+            </a:r>
+            <a:r>
+              <a:rPr lang="en-GB" dirty="0" err="1">
+                <a:solidFill>
+                  <a:srgbClr val="FF0000"/>
+                </a:solidFill>
+              </a:rPr>
+              <a:t>dolor</a:t>
+            </a:r>
+            <a:r>
+              <a:rPr lang="en-GB" dirty="0">
+                <a:solidFill>
+                  <a:srgbClr val="FF0000"/>
+                </a:solidFill>
+              </a:rPr>
+              <a:t> sit </a:t>
+            </a:r>
+            <a:r>
+              <a:rPr lang="en-GB" dirty="0" err="1">
+                <a:solidFill>
+                  <a:srgbClr val="FF0000"/>
+                </a:solidFill>
+              </a:rPr>
+              <a:t>amet</a:t>
+            </a:r>
+            <a:r>
+              <a:rPr lang="en-GB" dirty="0">
                 <a:solidFill>
                   <a:srgbClr val="FF0000"/>
                 </a:solidFill>
@@ -4953,7 +6225,7 @@
               <a:t>, </a:t>
             </a:r>
             <a:r>
-              <a:rPr lang="en-US" dirty="0" err="1">
+              <a:rPr lang="en-GB" dirty="0" err="1">
                 <a:solidFill>
                   <a:srgbClr val="FF0000"/>
                 </a:solidFill>
@@ -4961,7 +6233,7 @@
               <a:t>consectetuer</a:t>
             </a:r>
             <a:r>
-              <a:rPr lang="en-US" dirty="0">
+              <a:rPr lang="en-GB" dirty="0">
                 <a:solidFill>
                   <a:srgbClr val="FF0000"/>
                 </a:solidFill>
@@ -4969,7 +6241,7 @@
               <a:t> </a:t>
             </a:r>
             <a:r>
-              <a:rPr lang="en-US" dirty="0" err="1">
+              <a:rPr lang="en-GB" dirty="0" err="1">
                 <a:solidFill>
                   <a:srgbClr val="FF0000"/>
                 </a:solidFill>
@@ -4977,7 +6249,7 @@
               <a:t>adipiscing</a:t>
             </a:r>
             <a:r>
-              <a:rPr lang="en-US" dirty="0">
+              <a:rPr lang="en-GB" dirty="0">
                 <a:solidFill>
                   <a:srgbClr val="FF0000"/>
                 </a:solidFill>
@@ -4985,7 +6257,7 @@
               <a:t> </a:t>
             </a:r>
             <a:r>
-              <a:rPr lang="en-US" dirty="0" err="1">
+              <a:rPr lang="en-GB" dirty="0" err="1">
                 <a:solidFill>
                   <a:srgbClr val="FF0000"/>
                 </a:solidFill>
@@ -4993,79 +6265,22 @@
               <a:t>elit</a:t>
             </a:r>
             <a:r>
-              <a:rPr lang="en-US" dirty="0">
-                <a:solidFill>
-                  <a:srgbClr val="FF0000"/>
-                </a:solidFill>
-              </a:rPr>
-              <a:t>. Maecenas </a:t>
-            </a:r>
-            <a:r>
-              <a:rPr lang="en-US" dirty="0" err="1">
-                <a:solidFill>
-                  <a:srgbClr val="FF0000"/>
-                </a:solidFill>
-              </a:rPr>
-              <a:t>porttitor</a:t>
-            </a:r>
-            <a:r>
-              <a:rPr lang="en-US" dirty="0">
-                <a:solidFill>
-                  <a:srgbClr val="FF0000"/>
-                </a:solidFill>
-              </a:rPr>
-              <a:t> </a:t>
-            </a:r>
-            <a:r>
-              <a:rPr lang="en-US" dirty="0" err="1">
-                <a:solidFill>
-                  <a:srgbClr val="FF0000"/>
-                </a:solidFill>
-              </a:rPr>
-              <a:t>congue</a:t>
-            </a:r>
-            <a:r>
-              <a:rPr lang="en-US" dirty="0">
-                <a:solidFill>
-                  <a:srgbClr val="FF0000"/>
-                </a:solidFill>
-              </a:rPr>
-              <a:t> </a:t>
-            </a:r>
-            <a:r>
-              <a:rPr lang="en-US" dirty="0" err="1">
-                <a:solidFill>
-                  <a:srgbClr val="FF0000"/>
-                </a:solidFill>
-              </a:rPr>
-              <a:t>massa</a:t>
-            </a:r>
-            <a:r>
-              <a:rPr lang="en-US" dirty="0">
+              <a:rPr lang="en-GB" dirty="0">
                 <a:solidFill>
                   <a:srgbClr val="FF0000"/>
                 </a:solidFill>
               </a:rPr>
               <a:t>. </a:t>
             </a:r>
-          </a:p>
-          <a:p>
-            <a:endParaRPr lang="en-US" dirty="0"/>
-          </a:p>
-          <a:p>
-            <a:endParaRPr lang="en-US" dirty="0"/>
-          </a:p>
-          <a:p>
-            <a:endParaRPr lang="en-US" dirty="0"/>
           </a:p>
         </p:txBody>
       </p:sp>
       <p:sp>
         <p:nvSpPr>
-          <p:cNvPr id="9" name="Textplatzhalter 8">
+          <p:cNvPr id="47" name="Inhaltsplatzhalter 46">
             <a:extLst>
               <a:ext uri="{FF2B5EF4-FFF2-40B4-BE49-F238E27FC236}">
-                <a16:creationId xmlns:a16="http://schemas.microsoft.com/office/drawing/2014/main" id="{92C9F2E8-5C9C-97E0-F021-7EED0A6B51EB}"/>
+                <a16:creationId xmlns:a16="http://schemas.microsoft.com/office/drawing/2014/main" id="{16F9E586-A231-F4CF-6C5A-80C9D15FD247}"/>
               </a:ext>
             </a:extLst>
           </p:cNvPr>
@@ -5073,447 +6288,244 @@
             <a:spLocks noGrp="1"/>
           </p:cNvSpPr>
           <p:nvPr>
-            <p:ph type="body" sz="quarter" idx="20"/>
+            <p:ph idx="18"/>
           </p:nvPr>
         </p:nvSpPr>
         <p:spPr>
           <a:xfrm>
-            <a:off x="3363462" y="4799442"/>
-            <a:ext cx="12673407" cy="3744416"/>
+            <a:off x="20313922" y="20556000"/>
+            <a:ext cx="8928000" cy="3366161"/>
           </a:xfrm>
         </p:spPr>
         <p:txBody>
           <a:bodyPr/>
           <a:lstStyle/>
           <a:p>
-            <a:r>
-              <a:rPr lang="en-US" dirty="0"/>
-              <a:t>Jiří Novák</a:t>
-            </a:r>
-          </a:p>
-          <a:p>
-            <a:r>
-              <a:rPr lang="en-US" sz="4000" i="1" dirty="0"/>
-              <a:t>- University of Zürich</a:t>
-            </a:r>
-          </a:p>
-          <a:p>
-            <a:r>
-              <a:rPr lang="en-US" sz="4000" i="1" dirty="0"/>
-              <a:t>- University of Applied Sciences Northwestern Switzerland</a:t>
-            </a:r>
-          </a:p>
-          <a:p>
-            <a:r>
-              <a:rPr lang="en-US" sz="4000" i="1" dirty="0"/>
-              <a:t>- Swiss Data Anonymization Competence Center</a:t>
+            <a:pPr>
+              <a:lnSpc>
+                <a:spcPct val="97000"/>
+              </a:lnSpc>
+              <a:spcAft>
+                <a:spcPts val="3000"/>
+              </a:spcAft>
+            </a:pPr>
+            <a:r>
+              <a:rPr lang="en-GB" sz="4800" b="1" dirty="0"/>
+              <a:t>Subtitle (48 Pt. bold)</a:t>
+            </a:r>
+          </a:p>
+          <a:p>
+            <a:pPr>
+              <a:lnSpc>
+                <a:spcPct val="97000"/>
+              </a:lnSpc>
+            </a:pPr>
+            <a:r>
+              <a:rPr lang="en-GB" b="1" dirty="0"/>
+              <a:t>Subtitle (30 Pt. bold)</a:t>
+            </a:r>
+          </a:p>
+          <a:p>
+            <a:pPr>
+              <a:lnSpc>
+                <a:spcPct val="97000"/>
+              </a:lnSpc>
+            </a:pPr>
+            <a:r>
+              <a:rPr lang="en-GB" dirty="0"/>
+              <a:t>Lorem ipsum </a:t>
+            </a:r>
+            <a:r>
+              <a:rPr lang="en-GB" dirty="0" err="1"/>
+              <a:t>dolor</a:t>
+            </a:r>
+            <a:r>
+              <a:rPr lang="en-GB" dirty="0"/>
+              <a:t> sit </a:t>
+            </a:r>
+            <a:r>
+              <a:rPr lang="en-GB" dirty="0" err="1"/>
+              <a:t>amet</a:t>
+            </a:r>
+            <a:r>
+              <a:rPr lang="en-GB" dirty="0"/>
+              <a:t>, </a:t>
+            </a:r>
+            <a:r>
+              <a:rPr lang="en-GB" dirty="0" err="1"/>
+              <a:t>consectetuer</a:t>
+            </a:r>
+            <a:r>
+              <a:rPr lang="en-GB" dirty="0"/>
+              <a:t> </a:t>
+            </a:r>
+            <a:r>
+              <a:rPr lang="en-GB" dirty="0" err="1"/>
+              <a:t>adipiscing</a:t>
+            </a:r>
+            <a:r>
+              <a:rPr lang="en-GB" dirty="0"/>
+              <a:t> </a:t>
+            </a:r>
+            <a:r>
+              <a:rPr lang="en-GB" dirty="0" err="1"/>
+              <a:t>elit</a:t>
+            </a:r>
+            <a:r>
+              <a:rPr lang="en-GB" dirty="0"/>
+              <a:t>. Maecenas </a:t>
+            </a:r>
+            <a:r>
+              <a:rPr lang="en-GB" dirty="0" err="1"/>
+              <a:t>porttitor</a:t>
+            </a:r>
+            <a:r>
+              <a:rPr lang="en-GB" dirty="0"/>
+              <a:t> </a:t>
+            </a:r>
+            <a:r>
+              <a:rPr lang="en-GB" dirty="0" err="1"/>
+              <a:t>congue</a:t>
+            </a:r>
+            <a:r>
+              <a:rPr lang="en-GB" dirty="0"/>
+              <a:t> </a:t>
+            </a:r>
+            <a:r>
+              <a:rPr lang="en-GB" dirty="0" err="1"/>
+              <a:t>massa</a:t>
+            </a:r>
+            <a:r>
+              <a:rPr lang="en-GB" dirty="0"/>
+              <a:t>. </a:t>
+            </a:r>
+            <a:r>
+              <a:rPr lang="en-GB" dirty="0" err="1"/>
+              <a:t>Fusce</a:t>
+            </a:r>
+            <a:r>
+              <a:rPr lang="en-GB" dirty="0"/>
+              <a:t> </a:t>
+            </a:r>
+            <a:r>
+              <a:rPr lang="en-GB" dirty="0" err="1"/>
+              <a:t>posuere</a:t>
+            </a:r>
+            <a:r>
+              <a:rPr lang="en-GB" dirty="0"/>
+              <a:t>, magna </a:t>
+            </a:r>
+            <a:r>
+              <a:rPr lang="en-GB" dirty="0" err="1"/>
+              <a:t>sed</a:t>
+            </a:r>
+            <a:r>
+              <a:rPr lang="en-GB" dirty="0"/>
+              <a:t> pulvinar </a:t>
+            </a:r>
+            <a:r>
+              <a:rPr lang="en-GB" dirty="0" err="1"/>
+              <a:t>ultricies</a:t>
+            </a:r>
+            <a:r>
+              <a:rPr lang="en-GB" dirty="0"/>
+              <a:t>, </a:t>
+            </a:r>
+            <a:r>
+              <a:rPr lang="en-GB" dirty="0" err="1"/>
+              <a:t>purus</a:t>
+            </a:r>
+            <a:r>
+              <a:rPr lang="en-GB" dirty="0"/>
+              <a:t> </a:t>
+            </a:r>
+            <a:r>
+              <a:rPr lang="en-GB" dirty="0" err="1"/>
+              <a:t>lectus</a:t>
+            </a:r>
+            <a:r>
+              <a:rPr lang="en-GB" dirty="0"/>
+              <a:t> </a:t>
+            </a:r>
+            <a:r>
+              <a:rPr lang="en-GB" dirty="0" err="1"/>
+              <a:t>malesuada</a:t>
+            </a:r>
+            <a:r>
+              <a:rPr lang="en-GB" dirty="0"/>
+              <a:t> libero, sit </a:t>
+            </a:r>
+            <a:r>
+              <a:rPr lang="en-GB" dirty="0" err="1"/>
+              <a:t>amet</a:t>
+            </a:r>
+            <a:r>
+              <a:rPr lang="en-GB" dirty="0"/>
+              <a:t> </a:t>
+            </a:r>
+            <a:r>
+              <a:rPr lang="en-GB" dirty="0" err="1"/>
+              <a:t>commodo</a:t>
+            </a:r>
+            <a:r>
+              <a:rPr lang="en-GB" dirty="0"/>
+              <a:t> magna eros </a:t>
+            </a:r>
+            <a:r>
+              <a:rPr lang="en-GB" dirty="0" err="1"/>
+              <a:t>quis</a:t>
+            </a:r>
+            <a:r>
+              <a:rPr lang="en-GB" dirty="0"/>
+              <a:t> </a:t>
+            </a:r>
+            <a:r>
+              <a:rPr lang="en-GB" dirty="0" err="1"/>
+              <a:t>urna</a:t>
+            </a:r>
+            <a:r>
+              <a:rPr lang="en-GB" dirty="0"/>
+              <a:t>.</a:t>
             </a:r>
           </a:p>
         </p:txBody>
       </p:sp>
       <p:sp>
         <p:nvSpPr>
-          <p:cNvPr id="15" name="Inhaltsplatzhalter 4">
+          <p:cNvPr id="48" name="Inhaltsplatzhalter 47">
             <a:extLst>
               <a:ext uri="{FF2B5EF4-FFF2-40B4-BE49-F238E27FC236}">
-                <a16:creationId xmlns:a16="http://schemas.microsoft.com/office/drawing/2014/main" id="{7D088E92-9D2F-A21C-1E7D-59420BC515D9}"/>
+                <a16:creationId xmlns:a16="http://schemas.microsoft.com/office/drawing/2014/main" id="{4196C163-BD0E-8C4C-39B7-FDD809EE0973}"/>
               </a:ext>
             </a:extLst>
           </p:cNvPr>
-          <p:cNvSpPr txBox="1">
-            <a:spLocks/>
+          <p:cNvSpPr>
+            <a:spLocks noGrp="1"/>
           </p:cNvSpPr>
-          <p:nvPr/>
+          <p:nvPr>
+            <p:ph idx="19"/>
+          </p:nvPr>
         </p:nvSpPr>
         <p:spPr>
           <a:xfrm>
-            <a:off x="11414628" y="18139486"/>
-            <a:ext cx="9665644" cy="472079"/>
+            <a:off x="10656285" y="22482001"/>
+            <a:ext cx="8928000" cy="12961441"/>
           </a:xfrm>
-          <a:prstGeom prst="rect">
-            <a:avLst/>
-          </a:prstGeom>
         </p:spPr>
         <p:txBody>
-          <a:bodyPr vert="horz" lIns="0" tIns="0" rIns="0" bIns="0" numCol="1" spcCol="0" rtlCol="0">
-            <a:noAutofit/>
-          </a:bodyPr>
-          <a:lstStyle>
-            <a:lvl1pPr marL="0" indent="0" algn="l" defTabSz="914400" rtl="0" eaLnBrk="1" latinLnBrk="0" hangingPunct="1">
-              <a:lnSpc>
-                <a:spcPct val="100000"/>
-              </a:lnSpc>
-              <a:spcBef>
-                <a:spcPts val="0"/>
-              </a:spcBef>
-              <a:buFont typeface="+mj-lt"/>
-              <a:buNone/>
-              <a:defRPr sz="3000" b="0" kern="1200">
-                <a:solidFill>
-                  <a:schemeClr val="tx1"/>
-                </a:solidFill>
-                <a:latin typeface="+mn-lt"/>
-                <a:ea typeface="+mn-ea"/>
-                <a:cs typeface="+mn-cs"/>
-              </a:defRPr>
-            </a:lvl1pPr>
-            <a:lvl2pPr marL="174625" indent="-174625" algn="l" defTabSz="914400" rtl="0" eaLnBrk="1" latinLnBrk="0" hangingPunct="1">
-              <a:lnSpc>
-                <a:spcPct val="100000"/>
-              </a:lnSpc>
-              <a:spcBef>
-                <a:spcPts val="0"/>
-              </a:spcBef>
-              <a:buFont typeface="Arial" panose="020B0604020202020204" pitchFamily="34" charset="0"/>
-              <a:buChar char="•"/>
-              <a:defRPr sz="4800" b="1" kern="1200">
-                <a:solidFill>
-                  <a:schemeClr val="tx1"/>
-                </a:solidFill>
-                <a:latin typeface="+mn-lt"/>
-                <a:ea typeface="+mn-ea"/>
-                <a:cs typeface="+mn-cs"/>
-              </a:defRPr>
-            </a:lvl2pPr>
-            <a:lvl3pPr marL="360363" indent="-185738" algn="l" defTabSz="914400" rtl="0" eaLnBrk="1" latinLnBrk="0" hangingPunct="1">
-              <a:lnSpc>
-                <a:spcPct val="100000"/>
-              </a:lnSpc>
-              <a:spcBef>
-                <a:spcPts val="0"/>
-              </a:spcBef>
-              <a:buFont typeface="Arial" panose="020B0604020202020204" pitchFamily="34" charset="0"/>
-              <a:buChar char="•"/>
-              <a:defRPr sz="4800" b="1" kern="1200">
-                <a:solidFill>
-                  <a:schemeClr val="tx1"/>
-                </a:solidFill>
-                <a:latin typeface="+mn-lt"/>
-                <a:ea typeface="+mn-ea"/>
-                <a:cs typeface="+mn-cs"/>
-              </a:defRPr>
-            </a:lvl3pPr>
-            <a:lvl4pPr marL="534988" indent="-174625" algn="l" defTabSz="914400" rtl="0" eaLnBrk="1" latinLnBrk="0" hangingPunct="1">
-              <a:lnSpc>
-                <a:spcPct val="100000"/>
-              </a:lnSpc>
-              <a:spcBef>
-                <a:spcPts val="0"/>
-              </a:spcBef>
-              <a:buFont typeface="Arial" panose="020B0604020202020204" pitchFamily="34" charset="0"/>
-              <a:buChar char="•"/>
-              <a:defRPr sz="4800" b="1" kern="1200">
-                <a:solidFill>
-                  <a:schemeClr val="tx1"/>
-                </a:solidFill>
-                <a:latin typeface="+mn-lt"/>
-                <a:ea typeface="+mn-ea"/>
-                <a:cs typeface="+mn-cs"/>
-              </a:defRPr>
-            </a:lvl4pPr>
-            <a:lvl5pPr marL="719138" indent="-184150" algn="l" defTabSz="914400" rtl="0" eaLnBrk="1" latinLnBrk="0" hangingPunct="1">
-              <a:lnSpc>
-                <a:spcPct val="100000"/>
-              </a:lnSpc>
-              <a:spcBef>
-                <a:spcPts val="0"/>
-              </a:spcBef>
-              <a:buFont typeface="Arial" panose="020B0604020202020204" pitchFamily="34" charset="0"/>
-              <a:buChar char="•"/>
-              <a:defRPr sz="4800" b="1" kern="1200">
-                <a:solidFill>
-                  <a:schemeClr val="tx1"/>
-                </a:solidFill>
-                <a:latin typeface="+mn-lt"/>
-                <a:ea typeface="+mn-ea"/>
-                <a:cs typeface="+mn-cs"/>
-              </a:defRPr>
-            </a:lvl5pPr>
-            <a:lvl6pPr marL="2514600" indent="-228600" algn="l" defTabSz="914400" rtl="0" eaLnBrk="1" latinLnBrk="0" hangingPunct="1">
-              <a:lnSpc>
-                <a:spcPct val="90000"/>
-              </a:lnSpc>
-              <a:spcBef>
-                <a:spcPts val="500"/>
-              </a:spcBef>
-              <a:buFont typeface="Arial" panose="020B0604020202020204" pitchFamily="34" charset="0"/>
-              <a:buChar char="•"/>
-              <a:defRPr sz="1800" kern="1200">
-                <a:solidFill>
-                  <a:schemeClr val="tx1"/>
-                </a:solidFill>
-                <a:latin typeface="+mn-lt"/>
-                <a:ea typeface="+mn-ea"/>
-                <a:cs typeface="+mn-cs"/>
-              </a:defRPr>
-            </a:lvl6pPr>
-            <a:lvl7pPr marL="2971800" indent="-228600" algn="l" defTabSz="914400" rtl="0" eaLnBrk="1" latinLnBrk="0" hangingPunct="1">
-              <a:lnSpc>
-                <a:spcPct val="90000"/>
-              </a:lnSpc>
-              <a:spcBef>
-                <a:spcPts val="500"/>
-              </a:spcBef>
-              <a:buFont typeface="Arial" panose="020B0604020202020204" pitchFamily="34" charset="0"/>
-              <a:buChar char="•"/>
-              <a:defRPr sz="1800" kern="1200">
-                <a:solidFill>
-                  <a:schemeClr val="tx1"/>
-                </a:solidFill>
-                <a:latin typeface="+mn-lt"/>
-                <a:ea typeface="+mn-ea"/>
-                <a:cs typeface="+mn-cs"/>
-              </a:defRPr>
-            </a:lvl7pPr>
-            <a:lvl8pPr marL="3429000" indent="-228600" algn="l" defTabSz="914400" rtl="0" eaLnBrk="1" latinLnBrk="0" hangingPunct="1">
-              <a:lnSpc>
-                <a:spcPct val="90000"/>
-              </a:lnSpc>
-              <a:spcBef>
-                <a:spcPts val="500"/>
-              </a:spcBef>
-              <a:buFont typeface="Arial" panose="020B0604020202020204" pitchFamily="34" charset="0"/>
-              <a:buChar char="•"/>
-              <a:defRPr sz="1800" kern="1200">
-                <a:solidFill>
-                  <a:schemeClr val="tx1"/>
-                </a:solidFill>
-                <a:latin typeface="+mn-lt"/>
-                <a:ea typeface="+mn-ea"/>
-                <a:cs typeface="+mn-cs"/>
-              </a:defRPr>
-            </a:lvl8pPr>
-            <a:lvl9pPr marL="3886200" indent="-228600" algn="l" defTabSz="914400" rtl="0" eaLnBrk="1" latinLnBrk="0" hangingPunct="1">
-              <a:lnSpc>
-                <a:spcPct val="90000"/>
-              </a:lnSpc>
-              <a:spcBef>
-                <a:spcPts val="500"/>
-              </a:spcBef>
-              <a:buFont typeface="Arial" panose="020B0604020202020204" pitchFamily="34" charset="0"/>
-              <a:buChar char="•"/>
-              <a:defRPr sz="1800" kern="1200">
-                <a:solidFill>
-                  <a:schemeClr val="tx1"/>
-                </a:solidFill>
-                <a:latin typeface="+mn-lt"/>
-                <a:ea typeface="+mn-ea"/>
-                <a:cs typeface="+mn-cs"/>
-              </a:defRPr>
-            </a:lvl9pPr>
-          </a:lstStyle>
-          <a:p>
-            <a:r>
-              <a:rPr lang="en-US" sz="2000" b="1" dirty="0"/>
-              <a:t>Fig.2: Lorem ipsum dolor sit </a:t>
-            </a:r>
-            <a:r>
-              <a:rPr lang="en-US" sz="2000" b="1" dirty="0" err="1"/>
-              <a:t>amet</a:t>
-            </a:r>
-            <a:endParaRPr lang="en-US" sz="2000" b="1" dirty="0"/>
-          </a:p>
-        </p:txBody>
-      </p:sp>
-      <p:sp>
-        <p:nvSpPr>
-          <p:cNvPr id="16" name="Inhaltsplatzhalter 5">
-            <a:extLst>
-              <a:ext uri="{FF2B5EF4-FFF2-40B4-BE49-F238E27FC236}">
-                <a16:creationId xmlns:a16="http://schemas.microsoft.com/office/drawing/2014/main" id="{5B3D28CF-5CD5-9D23-7986-475386A8F802}"/>
-              </a:ext>
-            </a:extLst>
-          </p:cNvPr>
-          <p:cNvSpPr txBox="1">
-            <a:spLocks/>
-          </p:cNvSpPr>
-          <p:nvPr/>
-        </p:nvSpPr>
-        <p:spPr>
-          <a:xfrm>
-            <a:off x="21759696" y="19362168"/>
-            <a:ext cx="9658349" cy="9927998"/>
-          </a:xfrm>
-          <a:prstGeom prst="rect">
-            <a:avLst/>
-          </a:prstGeom>
-        </p:spPr>
-        <p:txBody>
-          <a:bodyPr vert="horz" lIns="0" tIns="0" rIns="0" bIns="0" numCol="1" spcCol="0" rtlCol="0">
-            <a:noAutofit/>
-          </a:bodyPr>
-          <a:lstStyle>
-            <a:lvl1pPr marL="0" indent="0" algn="l" defTabSz="646755" rtl="0" eaLnBrk="1" latinLnBrk="0" hangingPunct="1">
+          <a:bodyPr/>
+          <a:lstStyle/>
+          <a:p>
+            <a:pPr>
               <a:lnSpc>
                 <a:spcPct val="97000"/>
               </a:lnSpc>
-              <a:spcBef>
-                <a:spcPts val="0"/>
-              </a:spcBef>
-              <a:buFont typeface="+mj-lt"/>
-              <a:buNone/>
-              <a:defRPr sz="3000" kern="1200">
-                <a:solidFill>
-                  <a:schemeClr val="tx1"/>
-                </a:solidFill>
-                <a:latin typeface="+mn-lt"/>
-                <a:ea typeface="+mn-ea"/>
-                <a:cs typeface="+mn-cs"/>
-              </a:defRPr>
-            </a:lvl1pPr>
-            <a:lvl2pPr marL="252000" indent="-252000" algn="l" defTabSz="646755" rtl="0" eaLnBrk="1" latinLnBrk="0" hangingPunct="1">
-              <a:lnSpc>
-                <a:spcPct val="97000"/>
-              </a:lnSpc>
-              <a:spcBef>
-                <a:spcPts val="0"/>
-              </a:spcBef>
-              <a:buFont typeface="Symbol" panose="05050102010706020507" pitchFamily="18" charset="2"/>
-              <a:buChar char="-"/>
-              <a:defRPr sz="3000" kern="1200">
-                <a:solidFill>
-                  <a:schemeClr val="tx1"/>
-                </a:solidFill>
-                <a:latin typeface="+mn-lt"/>
-                <a:ea typeface="+mn-ea"/>
-                <a:cs typeface="+mn-cs"/>
-              </a:defRPr>
-            </a:lvl2pPr>
-            <a:lvl3pPr marL="504000" indent="-252000" algn="l" defTabSz="646755" rtl="0" eaLnBrk="1" latinLnBrk="0" hangingPunct="1">
-              <a:lnSpc>
-                <a:spcPct val="97000"/>
-              </a:lnSpc>
-              <a:spcBef>
-                <a:spcPts val="0"/>
-              </a:spcBef>
-              <a:buFont typeface="Symbol" panose="05050102010706020507" pitchFamily="18" charset="2"/>
-              <a:buChar char="-"/>
-              <a:defRPr sz="3000" kern="1200">
-                <a:solidFill>
-                  <a:schemeClr val="tx1"/>
-                </a:solidFill>
-                <a:latin typeface="+mn-lt"/>
-                <a:ea typeface="+mn-ea"/>
-                <a:cs typeface="+mn-cs"/>
-              </a:defRPr>
-            </a:lvl3pPr>
-            <a:lvl4pPr marL="756000" indent="-252000" algn="l" defTabSz="646755" rtl="0" eaLnBrk="1" latinLnBrk="0" hangingPunct="1">
-              <a:lnSpc>
-                <a:spcPct val="97000"/>
-              </a:lnSpc>
-              <a:spcBef>
-                <a:spcPts val="0"/>
-              </a:spcBef>
-              <a:buFont typeface="Symbol" panose="05050102010706020507" pitchFamily="18" charset="2"/>
-              <a:buChar char="-"/>
-              <a:defRPr sz="3000" kern="1200">
-                <a:solidFill>
-                  <a:schemeClr val="tx1"/>
-                </a:solidFill>
-                <a:latin typeface="+mn-lt"/>
-                <a:ea typeface="+mn-ea"/>
-                <a:cs typeface="+mn-cs"/>
-              </a:defRPr>
-            </a:lvl4pPr>
-            <a:lvl5pPr marL="1008000" indent="-252000" algn="l" defTabSz="646755" rtl="0" eaLnBrk="1" latinLnBrk="0" hangingPunct="1">
-              <a:lnSpc>
-                <a:spcPct val="97000"/>
-              </a:lnSpc>
-              <a:spcBef>
-                <a:spcPts val="0"/>
-              </a:spcBef>
-              <a:buFont typeface="Symbol" panose="05050102010706020507" pitchFamily="18" charset="2"/>
-              <a:buChar char="-"/>
-              <a:defRPr sz="3000" kern="1200">
-                <a:solidFill>
-                  <a:schemeClr val="tx1"/>
-                </a:solidFill>
-                <a:latin typeface="+mn-lt"/>
-                <a:ea typeface="+mn-ea"/>
-                <a:cs typeface="+mn-cs"/>
-              </a:defRPr>
-            </a:lvl5pPr>
-            <a:lvl6pPr marL="1778577" indent="-161689" algn="l" defTabSz="646755" rtl="0" eaLnBrk="1" latinLnBrk="0" hangingPunct="1">
-              <a:lnSpc>
-                <a:spcPct val="90000"/>
-              </a:lnSpc>
-              <a:spcBef>
-                <a:spcPts val="354"/>
-              </a:spcBef>
-              <a:buFont typeface="Arial" panose="020B0604020202020204" pitchFamily="34" charset="0"/>
-              <a:buChar char="•"/>
-              <a:defRPr sz="1273" kern="1200">
-                <a:solidFill>
-                  <a:schemeClr val="tx1"/>
-                </a:solidFill>
-                <a:latin typeface="+mn-lt"/>
-                <a:ea typeface="+mn-ea"/>
-                <a:cs typeface="+mn-cs"/>
-              </a:defRPr>
-            </a:lvl6pPr>
-            <a:lvl7pPr marL="2101954" indent="-161689" algn="l" defTabSz="646755" rtl="0" eaLnBrk="1" latinLnBrk="0" hangingPunct="1">
-              <a:lnSpc>
-                <a:spcPct val="90000"/>
-              </a:lnSpc>
-              <a:spcBef>
-                <a:spcPts val="354"/>
-              </a:spcBef>
-              <a:buFont typeface="Arial" panose="020B0604020202020204" pitchFamily="34" charset="0"/>
-              <a:buChar char="•"/>
-              <a:defRPr sz="1273" kern="1200">
-                <a:solidFill>
-                  <a:schemeClr val="tx1"/>
-                </a:solidFill>
-                <a:latin typeface="+mn-lt"/>
-                <a:ea typeface="+mn-ea"/>
-                <a:cs typeface="+mn-cs"/>
-              </a:defRPr>
-            </a:lvl7pPr>
-            <a:lvl8pPr marL="2425332" indent="-161689" algn="l" defTabSz="646755" rtl="0" eaLnBrk="1" latinLnBrk="0" hangingPunct="1">
-              <a:lnSpc>
-                <a:spcPct val="90000"/>
-              </a:lnSpc>
-              <a:spcBef>
-                <a:spcPts val="354"/>
-              </a:spcBef>
-              <a:buFont typeface="Arial" panose="020B0604020202020204" pitchFamily="34" charset="0"/>
-              <a:buChar char="•"/>
-              <a:defRPr sz="1273" kern="1200">
-                <a:solidFill>
-                  <a:schemeClr val="tx1"/>
-                </a:solidFill>
-                <a:latin typeface="+mn-lt"/>
-                <a:ea typeface="+mn-ea"/>
-                <a:cs typeface="+mn-cs"/>
-              </a:defRPr>
-            </a:lvl8pPr>
-            <a:lvl9pPr marL="2748709" indent="-161689" algn="l" defTabSz="646755" rtl="0" eaLnBrk="1" latinLnBrk="0" hangingPunct="1">
-              <a:lnSpc>
-                <a:spcPct val="90000"/>
-              </a:lnSpc>
-              <a:spcBef>
-                <a:spcPts val="354"/>
-              </a:spcBef>
-              <a:buFont typeface="Arial" panose="020B0604020202020204" pitchFamily="34" charset="0"/>
-              <a:buChar char="•"/>
-              <a:defRPr sz="1273" kern="1200">
-                <a:solidFill>
-                  <a:schemeClr val="tx1"/>
-                </a:solidFill>
-                <a:latin typeface="+mn-lt"/>
-                <a:ea typeface="+mn-ea"/>
-                <a:cs typeface="+mn-cs"/>
-              </a:defRPr>
-            </a:lvl9pPr>
-          </a:lstStyle>
-          <a:p>
-            <a:pPr>
               <a:spcAft>
                 <a:spcPts val="3000"/>
               </a:spcAft>
             </a:pPr>
             <a:r>
-              <a:rPr lang="en-US" sz="4800" b="1" dirty="0">
+              <a:rPr lang="en-GB" sz="4800" b="1" dirty="0">
                 <a:solidFill>
                   <a:srgbClr val="FF0000"/>
                 </a:solidFill>
@@ -5522,876 +6534,408 @@
             </a:r>
           </a:p>
           <a:p>
-            <a:endParaRPr lang="en-US" dirty="0"/>
+            <a:pPr>
+              <a:lnSpc>
+                <a:spcPct val="97000"/>
+              </a:lnSpc>
+            </a:pPr>
+            <a:r>
+              <a:rPr lang="en-GB" dirty="0">
+                <a:solidFill>
+                  <a:srgbClr val="FF0000"/>
+                </a:solidFill>
+              </a:rPr>
+              <a:t>Lorem ipsum </a:t>
+            </a:r>
+            <a:r>
+              <a:rPr lang="en-GB" dirty="0" err="1">
+                <a:solidFill>
+                  <a:srgbClr val="FF0000"/>
+                </a:solidFill>
+              </a:rPr>
+              <a:t>dolor</a:t>
+            </a:r>
+            <a:r>
+              <a:rPr lang="en-GB" dirty="0">
+                <a:solidFill>
+                  <a:srgbClr val="FF0000"/>
+                </a:solidFill>
+              </a:rPr>
+              <a:t> sit </a:t>
+            </a:r>
+            <a:r>
+              <a:rPr lang="en-GB" dirty="0" err="1">
+                <a:solidFill>
+                  <a:srgbClr val="FF0000"/>
+                </a:solidFill>
+              </a:rPr>
+              <a:t>amet</a:t>
+            </a:r>
+            <a:r>
+              <a:rPr lang="en-GB" dirty="0">
+                <a:solidFill>
+                  <a:srgbClr val="FF0000"/>
+                </a:solidFill>
+              </a:rPr>
+              <a:t>, </a:t>
+            </a:r>
+            <a:r>
+              <a:rPr lang="en-GB" dirty="0" err="1">
+                <a:solidFill>
+                  <a:srgbClr val="FF0000"/>
+                </a:solidFill>
+              </a:rPr>
+              <a:t>consectetuer</a:t>
+            </a:r>
+            <a:r>
+              <a:rPr lang="en-GB" dirty="0">
+                <a:solidFill>
+                  <a:srgbClr val="FF0000"/>
+                </a:solidFill>
+              </a:rPr>
+              <a:t> </a:t>
+            </a:r>
+            <a:r>
+              <a:rPr lang="en-GB" dirty="0" err="1">
+                <a:solidFill>
+                  <a:srgbClr val="FF0000"/>
+                </a:solidFill>
+              </a:rPr>
+              <a:t>adipiscing</a:t>
+            </a:r>
+            <a:r>
+              <a:rPr lang="en-GB" dirty="0">
+                <a:solidFill>
+                  <a:srgbClr val="FF0000"/>
+                </a:solidFill>
+              </a:rPr>
+              <a:t> </a:t>
+            </a:r>
+            <a:r>
+              <a:rPr lang="en-GB" dirty="0" err="1">
+                <a:solidFill>
+                  <a:srgbClr val="FF0000"/>
+                </a:solidFill>
+              </a:rPr>
+              <a:t>elit</a:t>
+            </a:r>
+            <a:r>
+              <a:rPr lang="en-GB" dirty="0">
+                <a:solidFill>
+                  <a:srgbClr val="FF0000"/>
+                </a:solidFill>
+              </a:rPr>
+              <a:t>. Maecenas </a:t>
+            </a:r>
+            <a:r>
+              <a:rPr lang="en-GB" dirty="0" err="1">
+                <a:solidFill>
+                  <a:srgbClr val="FF0000"/>
+                </a:solidFill>
+              </a:rPr>
+              <a:t>porttitor</a:t>
+            </a:r>
+            <a:r>
+              <a:rPr lang="en-GB" dirty="0">
+                <a:solidFill>
+                  <a:srgbClr val="FF0000"/>
+                </a:solidFill>
+              </a:rPr>
+              <a:t> </a:t>
+            </a:r>
+            <a:r>
+              <a:rPr lang="en-GB" dirty="0" err="1">
+                <a:solidFill>
+                  <a:srgbClr val="FF0000"/>
+                </a:solidFill>
+              </a:rPr>
+              <a:t>congue</a:t>
+            </a:r>
+            <a:r>
+              <a:rPr lang="en-GB" dirty="0">
+                <a:solidFill>
+                  <a:srgbClr val="FF0000"/>
+                </a:solidFill>
+              </a:rPr>
+              <a:t> </a:t>
+            </a:r>
+            <a:r>
+              <a:rPr lang="en-GB" dirty="0" err="1">
+                <a:solidFill>
+                  <a:srgbClr val="FF0000"/>
+                </a:solidFill>
+              </a:rPr>
+              <a:t>massa</a:t>
+            </a:r>
+            <a:r>
+              <a:rPr lang="en-GB" dirty="0">
+                <a:solidFill>
+                  <a:srgbClr val="FF0000"/>
+                </a:solidFill>
+              </a:rPr>
+              <a:t>. </a:t>
+            </a:r>
+            <a:r>
+              <a:rPr lang="en-GB" dirty="0" err="1">
+                <a:solidFill>
+                  <a:srgbClr val="FF0000"/>
+                </a:solidFill>
+              </a:rPr>
+              <a:t>Fusce</a:t>
+            </a:r>
+            <a:r>
+              <a:rPr lang="en-GB" dirty="0">
+                <a:solidFill>
+                  <a:srgbClr val="FF0000"/>
+                </a:solidFill>
+              </a:rPr>
+              <a:t> </a:t>
+            </a:r>
+            <a:r>
+              <a:rPr lang="en-GB" dirty="0" err="1">
+                <a:solidFill>
+                  <a:srgbClr val="FF0000"/>
+                </a:solidFill>
+              </a:rPr>
+              <a:t>posuere</a:t>
+            </a:r>
+            <a:r>
+              <a:rPr lang="en-GB" dirty="0">
+                <a:solidFill>
+                  <a:srgbClr val="FF0000"/>
+                </a:solidFill>
+              </a:rPr>
+              <a:t>, magna </a:t>
+            </a:r>
+            <a:r>
+              <a:rPr lang="en-GB" dirty="0" err="1">
+                <a:solidFill>
+                  <a:srgbClr val="FF0000"/>
+                </a:solidFill>
+              </a:rPr>
+              <a:t>sed</a:t>
+            </a:r>
+            <a:r>
+              <a:rPr lang="en-GB" dirty="0">
+                <a:solidFill>
+                  <a:srgbClr val="FF0000"/>
+                </a:solidFill>
+              </a:rPr>
+              <a:t> pulvinar </a:t>
+            </a:r>
+            <a:r>
+              <a:rPr lang="en-GB" dirty="0" err="1">
+                <a:solidFill>
+                  <a:srgbClr val="FF0000"/>
+                </a:solidFill>
+              </a:rPr>
+              <a:t>ultricies</a:t>
+            </a:r>
+            <a:r>
+              <a:rPr lang="en-GB" dirty="0">
+                <a:solidFill>
+                  <a:srgbClr val="FF0000"/>
+                </a:solidFill>
+              </a:rPr>
+              <a:t>, </a:t>
+            </a:r>
+            <a:r>
+              <a:rPr lang="en-GB" dirty="0" err="1">
+                <a:solidFill>
+                  <a:srgbClr val="FF0000"/>
+                </a:solidFill>
+              </a:rPr>
+              <a:t>purus</a:t>
+            </a:r>
+            <a:r>
+              <a:rPr lang="en-GB" dirty="0">
+                <a:solidFill>
+                  <a:srgbClr val="FF0000"/>
+                </a:solidFill>
+              </a:rPr>
+              <a:t> </a:t>
+            </a:r>
+            <a:r>
+              <a:rPr lang="en-GB" dirty="0" err="1">
+                <a:solidFill>
+                  <a:srgbClr val="FF0000"/>
+                </a:solidFill>
+              </a:rPr>
+              <a:t>lectus</a:t>
+            </a:r>
+            <a:r>
+              <a:rPr lang="en-GB" dirty="0">
+                <a:solidFill>
+                  <a:srgbClr val="FF0000"/>
+                </a:solidFill>
+              </a:rPr>
+              <a:t> </a:t>
+            </a:r>
+            <a:r>
+              <a:rPr lang="en-GB" dirty="0" err="1">
+                <a:solidFill>
+                  <a:srgbClr val="FF0000"/>
+                </a:solidFill>
+              </a:rPr>
+              <a:t>malesuada</a:t>
+            </a:r>
+            <a:r>
+              <a:rPr lang="en-GB" dirty="0">
+                <a:solidFill>
+                  <a:srgbClr val="FF0000"/>
+                </a:solidFill>
+              </a:rPr>
+              <a:t> libero, sit </a:t>
+            </a:r>
+            <a:r>
+              <a:rPr lang="en-GB" dirty="0" err="1">
+                <a:solidFill>
+                  <a:srgbClr val="FF0000"/>
+                </a:solidFill>
+              </a:rPr>
+              <a:t>amet</a:t>
+            </a:r>
+            <a:r>
+              <a:rPr lang="en-GB" dirty="0">
+                <a:solidFill>
+                  <a:srgbClr val="FF0000"/>
+                </a:solidFill>
+              </a:rPr>
+              <a:t> </a:t>
+            </a:r>
+            <a:r>
+              <a:rPr lang="en-GB" dirty="0" err="1">
+                <a:solidFill>
+                  <a:srgbClr val="FF0000"/>
+                </a:solidFill>
+              </a:rPr>
+              <a:t>commodo</a:t>
+            </a:r>
+            <a:r>
+              <a:rPr lang="en-GB" dirty="0">
+                <a:solidFill>
+                  <a:srgbClr val="FF0000"/>
+                </a:solidFill>
+              </a:rPr>
+              <a:t> magna eros </a:t>
+            </a:r>
+            <a:r>
+              <a:rPr lang="en-GB" dirty="0" err="1">
+                <a:solidFill>
+                  <a:srgbClr val="FF0000"/>
+                </a:solidFill>
+              </a:rPr>
+              <a:t>quis</a:t>
+            </a:r>
+            <a:r>
+              <a:rPr lang="en-GB" dirty="0">
+                <a:solidFill>
+                  <a:srgbClr val="FF0000"/>
+                </a:solidFill>
+              </a:rPr>
+              <a:t> </a:t>
+            </a:r>
+            <a:r>
+              <a:rPr lang="en-GB" dirty="0" err="1">
+                <a:solidFill>
+                  <a:srgbClr val="FF0000"/>
+                </a:solidFill>
+              </a:rPr>
+              <a:t>urna</a:t>
+            </a:r>
+            <a:r>
+              <a:rPr lang="en-GB" dirty="0">
+                <a:solidFill>
+                  <a:srgbClr val="FF0000"/>
+                </a:solidFill>
+              </a:rPr>
+              <a:t>.</a:t>
+            </a:r>
+          </a:p>
+          <a:p>
+            <a:pPr>
+              <a:lnSpc>
+                <a:spcPct val="97000"/>
+              </a:lnSpc>
+            </a:pPr>
+            <a:r>
+              <a:rPr lang="en-GB" dirty="0">
+                <a:solidFill>
+                  <a:srgbClr val="FF0000"/>
+                </a:solidFill>
+              </a:rPr>
+              <a:t>Lorem ipsum </a:t>
+            </a:r>
+            <a:r>
+              <a:rPr lang="en-GB" dirty="0" err="1">
+                <a:solidFill>
+                  <a:srgbClr val="FF0000"/>
+                </a:solidFill>
+              </a:rPr>
+              <a:t>dolor</a:t>
+            </a:r>
+            <a:r>
+              <a:rPr lang="en-GB" dirty="0">
+                <a:solidFill>
+                  <a:srgbClr val="FF0000"/>
+                </a:solidFill>
+              </a:rPr>
+              <a:t> sit </a:t>
+            </a:r>
+            <a:r>
+              <a:rPr lang="en-GB" dirty="0" err="1">
+                <a:solidFill>
+                  <a:srgbClr val="FF0000"/>
+                </a:solidFill>
+              </a:rPr>
+              <a:t>amet</a:t>
+            </a:r>
+            <a:r>
+              <a:rPr lang="en-GB" dirty="0">
+                <a:solidFill>
+                  <a:srgbClr val="FF0000"/>
+                </a:solidFill>
+              </a:rPr>
+              <a:t>, </a:t>
+            </a:r>
+            <a:r>
+              <a:rPr lang="en-GB" dirty="0" err="1">
+                <a:solidFill>
+                  <a:srgbClr val="FF0000"/>
+                </a:solidFill>
+              </a:rPr>
+              <a:t>consectetuer</a:t>
+            </a:r>
+            <a:r>
+              <a:rPr lang="en-GB" dirty="0">
+                <a:solidFill>
+                  <a:srgbClr val="FF0000"/>
+                </a:solidFill>
+              </a:rPr>
+              <a:t> </a:t>
+            </a:r>
+            <a:r>
+              <a:rPr lang="en-GB" dirty="0" err="1">
+                <a:solidFill>
+                  <a:srgbClr val="FF0000"/>
+                </a:solidFill>
+              </a:rPr>
+              <a:t>adipiscing</a:t>
+            </a:r>
+            <a:endParaRPr lang="en-GB" dirty="0">
+              <a:solidFill>
+                <a:srgbClr val="FF0000"/>
+              </a:solidFill>
+            </a:endParaRPr>
           </a:p>
         </p:txBody>
       </p:sp>
       <p:graphicFrame>
         <p:nvGraphicFramePr>
-          <p:cNvPr id="17" name="Diagramm 16">
+          <p:cNvPr id="49" name="Tabelle 20">
             <a:extLst>
               <a:ext uri="{FF2B5EF4-FFF2-40B4-BE49-F238E27FC236}">
-                <a16:creationId xmlns:a16="http://schemas.microsoft.com/office/drawing/2014/main" id="{8320EB5D-11B7-D8B0-8902-FFF199C53D0B}"/>
-              </a:ext>
-            </a:extLst>
-          </p:cNvPr>
-          <p:cNvGraphicFramePr/>
-          <p:nvPr>
-            <p:extLst>
-              <p:ext uri="{D42A27DB-BD31-4B8C-83A1-F6EECF244321}">
-                <p14:modId xmlns:p14="http://schemas.microsoft.com/office/powerpoint/2010/main" val="1759370963"/>
-              </p:ext>
-            </p:extLst>
-          </p:nvPr>
-        </p:nvGraphicFramePr>
-        <p:xfrm>
-          <a:off x="21777881" y="20070154"/>
-          <a:ext cx="9642475" cy="5760640"/>
-        </p:xfrm>
-        <a:graphic>
-          <a:graphicData uri="http://schemas.openxmlformats.org/drawingml/2006/chart">
-            <c:chart xmlns:c="http://schemas.openxmlformats.org/drawingml/2006/chart" xmlns:r="http://schemas.openxmlformats.org/officeDocument/2006/relationships" r:id="rId3"/>
-          </a:graphicData>
-        </a:graphic>
-      </p:graphicFrame>
-      <p:sp>
-        <p:nvSpPr>
-          <p:cNvPr id="18" name="Inhaltsplatzhalter 4">
-            <a:extLst>
-              <a:ext uri="{FF2B5EF4-FFF2-40B4-BE49-F238E27FC236}">
-                <a16:creationId xmlns:a16="http://schemas.microsoft.com/office/drawing/2014/main" id="{EEA57A9A-635C-2FCB-70EF-6416CF1922EB}"/>
-              </a:ext>
-            </a:extLst>
-          </p:cNvPr>
-          <p:cNvSpPr txBox="1">
-            <a:spLocks/>
-          </p:cNvSpPr>
-          <p:nvPr/>
-        </p:nvSpPr>
-        <p:spPr>
-          <a:xfrm>
-            <a:off x="21777880" y="26249677"/>
-            <a:ext cx="9625369" cy="1141019"/>
-          </a:xfrm>
-          <a:prstGeom prst="rect">
-            <a:avLst/>
-          </a:prstGeom>
-        </p:spPr>
-        <p:txBody>
-          <a:bodyPr vert="horz" lIns="0" tIns="0" rIns="0" bIns="0" numCol="1" spcCol="0" rtlCol="0">
-            <a:noAutofit/>
-          </a:bodyPr>
-          <a:lstStyle>
-            <a:lvl1pPr marL="0" indent="0" algn="l" defTabSz="914400" rtl="0" eaLnBrk="1" latinLnBrk="0" hangingPunct="1">
-              <a:lnSpc>
-                <a:spcPct val="100000"/>
-              </a:lnSpc>
-              <a:spcBef>
-                <a:spcPts val="0"/>
-              </a:spcBef>
-              <a:buFont typeface="+mj-lt"/>
-              <a:buNone/>
-              <a:defRPr sz="3000" b="0" kern="1200">
-                <a:solidFill>
-                  <a:schemeClr val="tx1"/>
-                </a:solidFill>
-                <a:latin typeface="+mn-lt"/>
-                <a:ea typeface="+mn-ea"/>
-                <a:cs typeface="+mn-cs"/>
-              </a:defRPr>
-            </a:lvl1pPr>
-            <a:lvl2pPr marL="174625" indent="-174625" algn="l" defTabSz="914400" rtl="0" eaLnBrk="1" latinLnBrk="0" hangingPunct="1">
-              <a:lnSpc>
-                <a:spcPct val="100000"/>
-              </a:lnSpc>
-              <a:spcBef>
-                <a:spcPts val="0"/>
-              </a:spcBef>
-              <a:buFont typeface="Arial" panose="020B0604020202020204" pitchFamily="34" charset="0"/>
-              <a:buChar char="•"/>
-              <a:defRPr sz="4800" b="1" kern="1200">
-                <a:solidFill>
-                  <a:schemeClr val="tx1"/>
-                </a:solidFill>
-                <a:latin typeface="+mn-lt"/>
-                <a:ea typeface="+mn-ea"/>
-                <a:cs typeface="+mn-cs"/>
-              </a:defRPr>
-            </a:lvl2pPr>
-            <a:lvl3pPr marL="360363" indent="-185738" algn="l" defTabSz="914400" rtl="0" eaLnBrk="1" latinLnBrk="0" hangingPunct="1">
-              <a:lnSpc>
-                <a:spcPct val="100000"/>
-              </a:lnSpc>
-              <a:spcBef>
-                <a:spcPts val="0"/>
-              </a:spcBef>
-              <a:buFont typeface="Arial" panose="020B0604020202020204" pitchFamily="34" charset="0"/>
-              <a:buChar char="•"/>
-              <a:defRPr sz="4800" b="1" kern="1200">
-                <a:solidFill>
-                  <a:schemeClr val="tx1"/>
-                </a:solidFill>
-                <a:latin typeface="+mn-lt"/>
-                <a:ea typeface="+mn-ea"/>
-                <a:cs typeface="+mn-cs"/>
-              </a:defRPr>
-            </a:lvl3pPr>
-            <a:lvl4pPr marL="534988" indent="-174625" algn="l" defTabSz="914400" rtl="0" eaLnBrk="1" latinLnBrk="0" hangingPunct="1">
-              <a:lnSpc>
-                <a:spcPct val="100000"/>
-              </a:lnSpc>
-              <a:spcBef>
-                <a:spcPts val="0"/>
-              </a:spcBef>
-              <a:buFont typeface="Arial" panose="020B0604020202020204" pitchFamily="34" charset="0"/>
-              <a:buChar char="•"/>
-              <a:defRPr sz="4800" b="1" kern="1200">
-                <a:solidFill>
-                  <a:schemeClr val="tx1"/>
-                </a:solidFill>
-                <a:latin typeface="+mn-lt"/>
-                <a:ea typeface="+mn-ea"/>
-                <a:cs typeface="+mn-cs"/>
-              </a:defRPr>
-            </a:lvl4pPr>
-            <a:lvl5pPr marL="719138" indent="-184150" algn="l" defTabSz="914400" rtl="0" eaLnBrk="1" latinLnBrk="0" hangingPunct="1">
-              <a:lnSpc>
-                <a:spcPct val="100000"/>
-              </a:lnSpc>
-              <a:spcBef>
-                <a:spcPts val="0"/>
-              </a:spcBef>
-              <a:buFont typeface="Arial" panose="020B0604020202020204" pitchFamily="34" charset="0"/>
-              <a:buChar char="•"/>
-              <a:defRPr sz="4800" b="1" kern="1200">
-                <a:solidFill>
-                  <a:schemeClr val="tx1"/>
-                </a:solidFill>
-                <a:latin typeface="+mn-lt"/>
-                <a:ea typeface="+mn-ea"/>
-                <a:cs typeface="+mn-cs"/>
-              </a:defRPr>
-            </a:lvl5pPr>
-            <a:lvl6pPr marL="2514600" indent="-228600" algn="l" defTabSz="914400" rtl="0" eaLnBrk="1" latinLnBrk="0" hangingPunct="1">
-              <a:lnSpc>
-                <a:spcPct val="90000"/>
-              </a:lnSpc>
-              <a:spcBef>
-                <a:spcPts val="500"/>
-              </a:spcBef>
-              <a:buFont typeface="Arial" panose="020B0604020202020204" pitchFamily="34" charset="0"/>
-              <a:buChar char="•"/>
-              <a:defRPr sz="1800" kern="1200">
-                <a:solidFill>
-                  <a:schemeClr val="tx1"/>
-                </a:solidFill>
-                <a:latin typeface="+mn-lt"/>
-                <a:ea typeface="+mn-ea"/>
-                <a:cs typeface="+mn-cs"/>
-              </a:defRPr>
-            </a:lvl6pPr>
-            <a:lvl7pPr marL="2971800" indent="-228600" algn="l" defTabSz="914400" rtl="0" eaLnBrk="1" latinLnBrk="0" hangingPunct="1">
-              <a:lnSpc>
-                <a:spcPct val="90000"/>
-              </a:lnSpc>
-              <a:spcBef>
-                <a:spcPts val="500"/>
-              </a:spcBef>
-              <a:buFont typeface="Arial" panose="020B0604020202020204" pitchFamily="34" charset="0"/>
-              <a:buChar char="•"/>
-              <a:defRPr sz="1800" kern="1200">
-                <a:solidFill>
-                  <a:schemeClr val="tx1"/>
-                </a:solidFill>
-                <a:latin typeface="+mn-lt"/>
-                <a:ea typeface="+mn-ea"/>
-                <a:cs typeface="+mn-cs"/>
-              </a:defRPr>
-            </a:lvl7pPr>
-            <a:lvl8pPr marL="3429000" indent="-228600" algn="l" defTabSz="914400" rtl="0" eaLnBrk="1" latinLnBrk="0" hangingPunct="1">
-              <a:lnSpc>
-                <a:spcPct val="90000"/>
-              </a:lnSpc>
-              <a:spcBef>
-                <a:spcPts val="500"/>
-              </a:spcBef>
-              <a:buFont typeface="Arial" panose="020B0604020202020204" pitchFamily="34" charset="0"/>
-              <a:buChar char="•"/>
-              <a:defRPr sz="1800" kern="1200">
-                <a:solidFill>
-                  <a:schemeClr val="tx1"/>
-                </a:solidFill>
-                <a:latin typeface="+mn-lt"/>
-                <a:ea typeface="+mn-ea"/>
-                <a:cs typeface="+mn-cs"/>
-              </a:defRPr>
-            </a:lvl8pPr>
-            <a:lvl9pPr marL="3886200" indent="-228600" algn="l" defTabSz="914400" rtl="0" eaLnBrk="1" latinLnBrk="0" hangingPunct="1">
-              <a:lnSpc>
-                <a:spcPct val="90000"/>
-              </a:lnSpc>
-              <a:spcBef>
-                <a:spcPts val="500"/>
-              </a:spcBef>
-              <a:buFont typeface="Arial" panose="020B0604020202020204" pitchFamily="34" charset="0"/>
-              <a:buChar char="•"/>
-              <a:defRPr sz="1800" kern="1200">
-                <a:solidFill>
-                  <a:schemeClr val="tx1"/>
-                </a:solidFill>
-                <a:latin typeface="+mn-lt"/>
-                <a:ea typeface="+mn-ea"/>
-                <a:cs typeface="+mn-cs"/>
-              </a:defRPr>
-            </a:lvl9pPr>
-          </a:lstStyle>
-          <a:p>
-            <a:r>
-              <a:rPr lang="en-US" sz="2000" b="1" dirty="0"/>
-              <a:t>Fig.2: Lorem ipsum dolor sit </a:t>
-            </a:r>
-            <a:r>
-              <a:rPr lang="en-US" sz="2000" b="1" dirty="0" err="1"/>
-              <a:t>amet</a:t>
-            </a:r>
-            <a:r>
-              <a:rPr lang="en-US" sz="2000" b="1" dirty="0"/>
-              <a:t>, </a:t>
-            </a:r>
-            <a:r>
-              <a:rPr lang="en-US" sz="2000" b="1" dirty="0" err="1"/>
-              <a:t>consectetuer</a:t>
-            </a:r>
-            <a:r>
-              <a:rPr lang="en-US" sz="2000" b="1" dirty="0"/>
-              <a:t> </a:t>
-            </a:r>
-            <a:r>
-              <a:rPr lang="en-US" sz="2000" b="1" dirty="0" err="1"/>
-              <a:t>adipiscing</a:t>
-            </a:r>
-            <a:r>
-              <a:rPr lang="en-US" sz="2000" b="1" dirty="0"/>
-              <a:t> </a:t>
-            </a:r>
-            <a:r>
-              <a:rPr lang="en-US" sz="2000" b="1" dirty="0" err="1"/>
-              <a:t>elit</a:t>
-            </a:r>
-            <a:r>
-              <a:rPr lang="en-US" sz="2000" b="1" dirty="0"/>
-              <a:t>. Maecenas </a:t>
-            </a:r>
-            <a:r>
-              <a:rPr lang="en-US" sz="2000" b="1" dirty="0" err="1"/>
-              <a:t>porttitor</a:t>
-            </a:r>
-            <a:r>
-              <a:rPr lang="en-US" sz="2000" b="1" dirty="0"/>
-              <a:t> </a:t>
-            </a:r>
-            <a:r>
-              <a:rPr lang="en-US" sz="2000" b="1" dirty="0" err="1"/>
-              <a:t>congue</a:t>
-            </a:r>
-            <a:r>
-              <a:rPr lang="en-US" sz="2000" b="1" dirty="0"/>
-              <a:t> </a:t>
-            </a:r>
-            <a:r>
-              <a:rPr lang="en-US" sz="2000" b="1" dirty="0" err="1"/>
-              <a:t>massa</a:t>
-            </a:r>
-            <a:r>
-              <a:rPr lang="en-US" sz="2000" b="1" dirty="0"/>
-              <a:t>. </a:t>
-            </a:r>
-            <a:r>
-              <a:rPr lang="en-US" sz="2000" b="1" dirty="0" err="1"/>
-              <a:t>Fusce</a:t>
-            </a:r>
-            <a:r>
-              <a:rPr lang="en-US" sz="2000" b="1" dirty="0"/>
-              <a:t> </a:t>
-            </a:r>
-            <a:r>
-              <a:rPr lang="en-US" sz="2000" b="1" dirty="0" err="1"/>
-              <a:t>posuere</a:t>
-            </a:r>
-            <a:r>
-              <a:rPr lang="en-US" sz="2000" b="1" dirty="0"/>
-              <a:t>, magna sed pulvinar </a:t>
-            </a:r>
-            <a:r>
-              <a:rPr lang="en-US" sz="2000" b="1" dirty="0" err="1"/>
-              <a:t>ultricies</a:t>
-            </a:r>
-            <a:r>
-              <a:rPr lang="en-US" sz="2000" b="1" dirty="0"/>
-              <a:t>, </a:t>
-            </a:r>
-            <a:r>
-              <a:rPr lang="en-US" sz="2000" b="1" dirty="0" err="1"/>
-              <a:t>purus</a:t>
-            </a:r>
-            <a:r>
-              <a:rPr lang="en-US" sz="2000" b="1" dirty="0"/>
-              <a:t> </a:t>
-            </a:r>
-            <a:r>
-              <a:rPr lang="en-US" sz="2000" b="1" dirty="0" err="1"/>
-              <a:t>lectus</a:t>
-            </a:r>
-            <a:r>
-              <a:rPr lang="en-US" sz="2000" b="1" dirty="0"/>
-              <a:t> </a:t>
-            </a:r>
-            <a:r>
-              <a:rPr lang="en-US" sz="2000" b="1" dirty="0" err="1"/>
-              <a:t>malesuada</a:t>
-            </a:r>
-            <a:r>
-              <a:rPr lang="en-US" sz="2000" b="1" dirty="0"/>
-              <a:t> libero, sit </a:t>
-            </a:r>
-            <a:r>
-              <a:rPr lang="en-US" sz="2000" b="1" dirty="0" err="1"/>
-              <a:t>amet</a:t>
-            </a:r>
-            <a:r>
-              <a:rPr lang="en-US" sz="2000" b="1" dirty="0"/>
-              <a:t> </a:t>
-            </a:r>
-            <a:r>
-              <a:rPr lang="en-US" sz="2000" b="1" dirty="0" err="1"/>
-              <a:t>commodo</a:t>
-            </a:r>
-            <a:r>
-              <a:rPr lang="en-US" sz="2000" b="1" dirty="0"/>
-              <a:t> magna eros </a:t>
-            </a:r>
-            <a:r>
-              <a:rPr lang="en-US" sz="2000" b="1" dirty="0" err="1"/>
-              <a:t>quis</a:t>
-            </a:r>
-            <a:r>
-              <a:rPr lang="en-US" sz="2000" b="1" dirty="0"/>
-              <a:t> </a:t>
-            </a:r>
-            <a:r>
-              <a:rPr lang="en-US" sz="2000" b="1" dirty="0" err="1"/>
-              <a:t>urna</a:t>
-            </a:r>
-            <a:endParaRPr lang="en-US" sz="2000" b="1" dirty="0"/>
-          </a:p>
-        </p:txBody>
-      </p:sp>
-      <p:sp>
-        <p:nvSpPr>
-          <p:cNvPr id="19" name="Inhaltsplatzhalter 47">
-            <a:extLst>
-              <a:ext uri="{FF2B5EF4-FFF2-40B4-BE49-F238E27FC236}">
-                <a16:creationId xmlns:a16="http://schemas.microsoft.com/office/drawing/2014/main" id="{8D309923-572F-FCAB-BE6E-DBBAA3E277BC}"/>
-              </a:ext>
-            </a:extLst>
-          </p:cNvPr>
-          <p:cNvSpPr txBox="1">
-            <a:spLocks/>
-          </p:cNvSpPr>
-          <p:nvPr/>
-        </p:nvSpPr>
-        <p:spPr>
-          <a:xfrm>
-            <a:off x="32120730" y="8476866"/>
-            <a:ext cx="9636869" cy="3384376"/>
-          </a:xfrm>
-          <a:prstGeom prst="rect">
-            <a:avLst/>
-          </a:prstGeom>
-        </p:spPr>
-        <p:txBody>
-          <a:bodyPr vert="horz" lIns="0" tIns="0" rIns="0" bIns="0" numCol="1" spcCol="0" rtlCol="0">
-            <a:noAutofit/>
-          </a:bodyPr>
-          <a:lstStyle>
-            <a:lvl1pPr marL="0" indent="0" algn="l" defTabSz="646755" rtl="0" eaLnBrk="1" latinLnBrk="0" hangingPunct="1">
-              <a:lnSpc>
-                <a:spcPct val="97000"/>
-              </a:lnSpc>
-              <a:spcBef>
-                <a:spcPts val="0"/>
-              </a:spcBef>
-              <a:buFont typeface="+mj-lt"/>
-              <a:buNone/>
-              <a:defRPr sz="3000" kern="1200">
-                <a:solidFill>
-                  <a:schemeClr val="tx1"/>
-                </a:solidFill>
-                <a:latin typeface="+mn-lt"/>
-                <a:ea typeface="+mn-ea"/>
-                <a:cs typeface="+mn-cs"/>
-              </a:defRPr>
-            </a:lvl1pPr>
-            <a:lvl2pPr marL="252000" indent="-252000" algn="l" defTabSz="646755" rtl="0" eaLnBrk="1" latinLnBrk="0" hangingPunct="1">
-              <a:lnSpc>
-                <a:spcPct val="97000"/>
-              </a:lnSpc>
-              <a:spcBef>
-                <a:spcPts val="0"/>
-              </a:spcBef>
-              <a:buFont typeface="Symbol" panose="05050102010706020507" pitchFamily="18" charset="2"/>
-              <a:buChar char="-"/>
-              <a:defRPr sz="3000" kern="1200">
-                <a:solidFill>
-                  <a:schemeClr val="tx1"/>
-                </a:solidFill>
-                <a:latin typeface="+mn-lt"/>
-                <a:ea typeface="+mn-ea"/>
-                <a:cs typeface="+mn-cs"/>
-              </a:defRPr>
-            </a:lvl2pPr>
-            <a:lvl3pPr marL="504000" indent="-252000" algn="l" defTabSz="646755" rtl="0" eaLnBrk="1" latinLnBrk="0" hangingPunct="1">
-              <a:lnSpc>
-                <a:spcPct val="97000"/>
-              </a:lnSpc>
-              <a:spcBef>
-                <a:spcPts val="0"/>
-              </a:spcBef>
-              <a:buFont typeface="Symbol" panose="05050102010706020507" pitchFamily="18" charset="2"/>
-              <a:buChar char="-"/>
-              <a:defRPr sz="3000" kern="1200">
-                <a:solidFill>
-                  <a:schemeClr val="tx1"/>
-                </a:solidFill>
-                <a:latin typeface="+mn-lt"/>
-                <a:ea typeface="+mn-ea"/>
-                <a:cs typeface="+mn-cs"/>
-              </a:defRPr>
-            </a:lvl3pPr>
-            <a:lvl4pPr marL="756000" indent="-252000" algn="l" defTabSz="646755" rtl="0" eaLnBrk="1" latinLnBrk="0" hangingPunct="1">
-              <a:lnSpc>
-                <a:spcPct val="97000"/>
-              </a:lnSpc>
-              <a:spcBef>
-                <a:spcPts val="0"/>
-              </a:spcBef>
-              <a:buFont typeface="Symbol" panose="05050102010706020507" pitchFamily="18" charset="2"/>
-              <a:buChar char="-"/>
-              <a:defRPr sz="3000" kern="1200">
-                <a:solidFill>
-                  <a:schemeClr val="tx1"/>
-                </a:solidFill>
-                <a:latin typeface="+mn-lt"/>
-                <a:ea typeface="+mn-ea"/>
-                <a:cs typeface="+mn-cs"/>
-              </a:defRPr>
-            </a:lvl4pPr>
-            <a:lvl5pPr marL="1008000" indent="-252000" algn="l" defTabSz="646755" rtl="0" eaLnBrk="1" latinLnBrk="0" hangingPunct="1">
-              <a:lnSpc>
-                <a:spcPct val="97000"/>
-              </a:lnSpc>
-              <a:spcBef>
-                <a:spcPts val="0"/>
-              </a:spcBef>
-              <a:buFont typeface="Symbol" panose="05050102010706020507" pitchFamily="18" charset="2"/>
-              <a:buChar char="-"/>
-              <a:defRPr sz="3000" kern="1200">
-                <a:solidFill>
-                  <a:schemeClr val="tx1"/>
-                </a:solidFill>
-                <a:latin typeface="+mn-lt"/>
-                <a:ea typeface="+mn-ea"/>
-                <a:cs typeface="+mn-cs"/>
-              </a:defRPr>
-            </a:lvl5pPr>
-            <a:lvl6pPr marL="1778577" indent="-161689" algn="l" defTabSz="646755" rtl="0" eaLnBrk="1" latinLnBrk="0" hangingPunct="1">
-              <a:lnSpc>
-                <a:spcPct val="90000"/>
-              </a:lnSpc>
-              <a:spcBef>
-                <a:spcPts val="354"/>
-              </a:spcBef>
-              <a:buFont typeface="Arial" panose="020B0604020202020204" pitchFamily="34" charset="0"/>
-              <a:buChar char="•"/>
-              <a:defRPr sz="1273" kern="1200">
-                <a:solidFill>
-                  <a:schemeClr val="tx1"/>
-                </a:solidFill>
-                <a:latin typeface="+mn-lt"/>
-                <a:ea typeface="+mn-ea"/>
-                <a:cs typeface="+mn-cs"/>
-              </a:defRPr>
-            </a:lvl6pPr>
-            <a:lvl7pPr marL="2101954" indent="-161689" algn="l" defTabSz="646755" rtl="0" eaLnBrk="1" latinLnBrk="0" hangingPunct="1">
-              <a:lnSpc>
-                <a:spcPct val="90000"/>
-              </a:lnSpc>
-              <a:spcBef>
-                <a:spcPts val="354"/>
-              </a:spcBef>
-              <a:buFont typeface="Arial" panose="020B0604020202020204" pitchFamily="34" charset="0"/>
-              <a:buChar char="•"/>
-              <a:defRPr sz="1273" kern="1200">
-                <a:solidFill>
-                  <a:schemeClr val="tx1"/>
-                </a:solidFill>
-                <a:latin typeface="+mn-lt"/>
-                <a:ea typeface="+mn-ea"/>
-                <a:cs typeface="+mn-cs"/>
-              </a:defRPr>
-            </a:lvl7pPr>
-            <a:lvl8pPr marL="2425332" indent="-161689" algn="l" defTabSz="646755" rtl="0" eaLnBrk="1" latinLnBrk="0" hangingPunct="1">
-              <a:lnSpc>
-                <a:spcPct val="90000"/>
-              </a:lnSpc>
-              <a:spcBef>
-                <a:spcPts val="354"/>
-              </a:spcBef>
-              <a:buFont typeface="Arial" panose="020B0604020202020204" pitchFamily="34" charset="0"/>
-              <a:buChar char="•"/>
-              <a:defRPr sz="1273" kern="1200">
-                <a:solidFill>
-                  <a:schemeClr val="tx1"/>
-                </a:solidFill>
-                <a:latin typeface="+mn-lt"/>
-                <a:ea typeface="+mn-ea"/>
-                <a:cs typeface="+mn-cs"/>
-              </a:defRPr>
-            </a:lvl8pPr>
-            <a:lvl9pPr marL="2748709" indent="-161689" algn="l" defTabSz="646755" rtl="0" eaLnBrk="1" latinLnBrk="0" hangingPunct="1">
-              <a:lnSpc>
-                <a:spcPct val="90000"/>
-              </a:lnSpc>
-              <a:spcBef>
-                <a:spcPts val="354"/>
-              </a:spcBef>
-              <a:buFont typeface="Arial" panose="020B0604020202020204" pitchFamily="34" charset="0"/>
-              <a:buChar char="•"/>
-              <a:defRPr sz="1273" kern="1200">
-                <a:solidFill>
-                  <a:schemeClr val="tx1"/>
-                </a:solidFill>
-                <a:latin typeface="+mn-lt"/>
-                <a:ea typeface="+mn-ea"/>
-                <a:cs typeface="+mn-cs"/>
-              </a:defRPr>
-            </a:lvl9pPr>
-          </a:lstStyle>
-          <a:p>
-            <a:pPr>
-              <a:spcAft>
-                <a:spcPts val="3000"/>
-              </a:spcAft>
-            </a:pPr>
-            <a:r>
-              <a:rPr lang="en-US" sz="4800" b="1" dirty="0">
-                <a:solidFill>
-                  <a:srgbClr val="FF0000"/>
-                </a:solidFill>
-              </a:rPr>
-              <a:t>Subtitle (48 Pt. bold)</a:t>
-            </a:r>
-          </a:p>
-          <a:p>
-            <a:r>
-              <a:rPr lang="en-US" b="1" dirty="0">
-                <a:solidFill>
-                  <a:srgbClr val="FF0000"/>
-                </a:solidFill>
-              </a:rPr>
-              <a:t>Subtitle</a:t>
-            </a:r>
-          </a:p>
-          <a:p>
-            <a:r>
-              <a:rPr lang="en-US" dirty="0">
-                <a:solidFill>
-                  <a:srgbClr val="FF0000"/>
-                </a:solidFill>
-              </a:rPr>
-              <a:t>Lorem ipsum dolor sit </a:t>
-            </a:r>
-            <a:r>
-              <a:rPr lang="en-US" dirty="0" err="1">
-                <a:solidFill>
-                  <a:srgbClr val="FF0000"/>
-                </a:solidFill>
-              </a:rPr>
-              <a:t>amet</a:t>
-            </a:r>
-            <a:r>
-              <a:rPr lang="en-US" dirty="0">
-                <a:solidFill>
-                  <a:srgbClr val="FF0000"/>
-                </a:solidFill>
-              </a:rPr>
-              <a:t>, </a:t>
-            </a:r>
-            <a:r>
-              <a:rPr lang="en-US" dirty="0" err="1">
-                <a:solidFill>
-                  <a:srgbClr val="FF0000"/>
-                </a:solidFill>
-              </a:rPr>
-              <a:t>consectetuer</a:t>
-            </a:r>
-            <a:r>
-              <a:rPr lang="en-US" dirty="0">
-                <a:solidFill>
-                  <a:srgbClr val="FF0000"/>
-                </a:solidFill>
-              </a:rPr>
-              <a:t> </a:t>
-            </a:r>
-            <a:r>
-              <a:rPr lang="en-US" dirty="0" err="1">
-                <a:solidFill>
-                  <a:srgbClr val="FF0000"/>
-                </a:solidFill>
-              </a:rPr>
-              <a:t>adipiscing</a:t>
-            </a:r>
-            <a:r>
-              <a:rPr lang="en-US" dirty="0">
-                <a:solidFill>
-                  <a:srgbClr val="FF0000"/>
-                </a:solidFill>
-              </a:rPr>
-              <a:t> </a:t>
-            </a:r>
-            <a:r>
-              <a:rPr lang="en-US" dirty="0" err="1">
-                <a:solidFill>
-                  <a:srgbClr val="FF0000"/>
-                </a:solidFill>
-              </a:rPr>
-              <a:t>elit</a:t>
-            </a:r>
-            <a:r>
-              <a:rPr lang="en-US" dirty="0">
-                <a:solidFill>
-                  <a:srgbClr val="FF0000"/>
-                </a:solidFill>
-              </a:rPr>
-              <a:t>. Maecenas </a:t>
-            </a:r>
-            <a:r>
-              <a:rPr lang="en-US" dirty="0" err="1">
-                <a:solidFill>
-                  <a:srgbClr val="FF0000"/>
-                </a:solidFill>
-              </a:rPr>
-              <a:t>porttitor</a:t>
-            </a:r>
-            <a:r>
-              <a:rPr lang="en-US" dirty="0">
-                <a:solidFill>
-                  <a:srgbClr val="FF0000"/>
-                </a:solidFill>
-              </a:rPr>
-              <a:t> </a:t>
-            </a:r>
-            <a:r>
-              <a:rPr lang="en-US" dirty="0" err="1">
-                <a:solidFill>
-                  <a:srgbClr val="FF0000"/>
-                </a:solidFill>
-              </a:rPr>
-              <a:t>congue</a:t>
-            </a:r>
-            <a:r>
-              <a:rPr lang="en-US" dirty="0">
-                <a:solidFill>
-                  <a:srgbClr val="FF0000"/>
-                </a:solidFill>
-              </a:rPr>
-              <a:t> </a:t>
-            </a:r>
-            <a:r>
-              <a:rPr lang="en-US" dirty="0" err="1">
-                <a:solidFill>
-                  <a:srgbClr val="FF0000"/>
-                </a:solidFill>
-              </a:rPr>
-              <a:t>massa</a:t>
-            </a:r>
-            <a:r>
-              <a:rPr lang="en-US" dirty="0">
-                <a:solidFill>
-                  <a:srgbClr val="FF0000"/>
-                </a:solidFill>
-              </a:rPr>
-              <a:t>. </a:t>
-            </a:r>
-            <a:r>
-              <a:rPr lang="en-US" dirty="0" err="1">
-                <a:solidFill>
-                  <a:srgbClr val="FF0000"/>
-                </a:solidFill>
-              </a:rPr>
-              <a:t>Fusce</a:t>
-            </a:r>
-            <a:r>
-              <a:rPr lang="en-US" dirty="0">
-                <a:solidFill>
-                  <a:srgbClr val="FF0000"/>
-                </a:solidFill>
-              </a:rPr>
-              <a:t> </a:t>
-            </a:r>
-            <a:r>
-              <a:rPr lang="en-US" dirty="0" err="1">
-                <a:solidFill>
-                  <a:srgbClr val="FF0000"/>
-                </a:solidFill>
-              </a:rPr>
-              <a:t>posuere</a:t>
-            </a:r>
-            <a:r>
-              <a:rPr lang="en-US" dirty="0">
-                <a:solidFill>
-                  <a:srgbClr val="FF0000"/>
-                </a:solidFill>
-              </a:rPr>
-              <a:t>, magna sed pulvinar </a:t>
-            </a:r>
-            <a:r>
-              <a:rPr lang="en-US" dirty="0" err="1">
-                <a:solidFill>
-                  <a:srgbClr val="FF0000"/>
-                </a:solidFill>
-              </a:rPr>
-              <a:t>ultricies</a:t>
-            </a:r>
-            <a:r>
-              <a:rPr lang="en-US" dirty="0">
-                <a:solidFill>
-                  <a:srgbClr val="FF0000"/>
-                </a:solidFill>
-              </a:rPr>
-              <a:t>, </a:t>
-            </a:r>
-            <a:r>
-              <a:rPr lang="en-US" dirty="0" err="1">
-                <a:solidFill>
-                  <a:srgbClr val="FF0000"/>
-                </a:solidFill>
-              </a:rPr>
-              <a:t>purus</a:t>
-            </a:r>
-            <a:r>
-              <a:rPr lang="en-US" dirty="0">
-                <a:solidFill>
-                  <a:srgbClr val="FF0000"/>
-                </a:solidFill>
-              </a:rPr>
-              <a:t> </a:t>
-            </a:r>
-            <a:r>
-              <a:rPr lang="en-US" dirty="0" err="1">
-                <a:solidFill>
-                  <a:srgbClr val="FF0000"/>
-                </a:solidFill>
-              </a:rPr>
-              <a:t>lectus</a:t>
-            </a:r>
-            <a:r>
-              <a:rPr lang="en-US" dirty="0">
-                <a:solidFill>
-                  <a:srgbClr val="FF0000"/>
-                </a:solidFill>
-              </a:rPr>
-              <a:t> </a:t>
-            </a:r>
-            <a:r>
-              <a:rPr lang="en-US" dirty="0" err="1">
-                <a:solidFill>
-                  <a:srgbClr val="FF0000"/>
-                </a:solidFill>
-              </a:rPr>
-              <a:t>malesuada</a:t>
-            </a:r>
-            <a:r>
-              <a:rPr lang="en-US" dirty="0">
-                <a:solidFill>
-                  <a:srgbClr val="FF0000"/>
-                </a:solidFill>
-              </a:rPr>
-              <a:t> libero, sit </a:t>
-            </a:r>
-            <a:r>
-              <a:rPr lang="en-US" dirty="0" err="1">
-                <a:solidFill>
-                  <a:srgbClr val="FF0000"/>
-                </a:solidFill>
-              </a:rPr>
-              <a:t>amet</a:t>
-            </a:r>
-            <a:r>
-              <a:rPr lang="en-US" dirty="0">
-                <a:solidFill>
-                  <a:srgbClr val="FF0000"/>
-                </a:solidFill>
-              </a:rPr>
-              <a:t> </a:t>
-            </a:r>
-            <a:r>
-              <a:rPr lang="en-US" dirty="0" err="1">
-                <a:solidFill>
-                  <a:srgbClr val="FF0000"/>
-                </a:solidFill>
-              </a:rPr>
-              <a:t>commodo</a:t>
-            </a:r>
-            <a:r>
-              <a:rPr lang="en-US" dirty="0">
-                <a:solidFill>
-                  <a:srgbClr val="FF0000"/>
-                </a:solidFill>
-              </a:rPr>
-              <a:t> magna eros </a:t>
-            </a:r>
-            <a:r>
-              <a:rPr lang="en-US" dirty="0" err="1">
-                <a:solidFill>
-                  <a:srgbClr val="FF0000"/>
-                </a:solidFill>
-              </a:rPr>
-              <a:t>quis</a:t>
-            </a:r>
-            <a:r>
-              <a:rPr lang="en-US" dirty="0">
-                <a:solidFill>
-                  <a:srgbClr val="FF0000"/>
-                </a:solidFill>
-              </a:rPr>
-              <a:t> </a:t>
-            </a:r>
-            <a:r>
-              <a:rPr lang="en-US" dirty="0" err="1">
-                <a:solidFill>
-                  <a:srgbClr val="FF0000"/>
-                </a:solidFill>
-              </a:rPr>
-              <a:t>urna</a:t>
-            </a:r>
-            <a:r>
-              <a:rPr lang="en-US" dirty="0">
-                <a:solidFill>
-                  <a:srgbClr val="FF0000"/>
-                </a:solidFill>
-              </a:rPr>
-              <a:t>.</a:t>
-            </a:r>
-          </a:p>
-        </p:txBody>
-      </p:sp>
-      <p:graphicFrame>
-        <p:nvGraphicFramePr>
-          <p:cNvPr id="20" name="Tabelle 20">
-            <a:extLst>
-              <a:ext uri="{FF2B5EF4-FFF2-40B4-BE49-F238E27FC236}">
-                <a16:creationId xmlns:a16="http://schemas.microsoft.com/office/drawing/2014/main" id="{1E4578B3-9535-327B-716F-723B6DA04729}"/>
+                <a16:creationId xmlns:a16="http://schemas.microsoft.com/office/drawing/2014/main" id="{0F454E96-61BA-89DB-6D7F-BFC9DBCA8102}"/>
               </a:ext>
             </a:extLst>
           </p:cNvPr>
@@ -6401,14 +6945,14 @@
           <p:nvPr>
             <p:extLst>
               <p:ext uri="{D42A27DB-BD31-4B8C-83A1-F6EECF244321}">
-                <p14:modId xmlns:p14="http://schemas.microsoft.com/office/powerpoint/2010/main" val="2497049823"/>
+                <p14:modId xmlns:p14="http://schemas.microsoft.com/office/powerpoint/2010/main" val="1756106717"/>
               </p:ext>
             </p:extLst>
           </p:nvPr>
         </p:nvGraphicFramePr>
         <p:xfrm>
-          <a:off x="32129038" y="12070792"/>
-          <a:ext cx="9633580" cy="5328408"/>
+          <a:off x="10680006" y="35493253"/>
+          <a:ext cx="8912920" cy="6264408"/>
         </p:xfrm>
         <a:graphic>
           <a:graphicData uri="http://schemas.openxmlformats.org/drawingml/2006/table">
@@ -6417,28 +6961,28 @@
                 <a:tableStyleId>{5940675A-B579-460E-94D1-54222C63F5DA}</a:tableStyleId>
               </a:tblPr>
               <a:tblGrid>
-                <a:gridCol w="5518494">
+                <a:gridCol w="5105672">
                   <a:extLst>
                     <a:ext uri="{9D8B030D-6E8A-4147-A177-3AD203B41FA5}">
                       <a16:colId xmlns:a16="http://schemas.microsoft.com/office/drawing/2014/main" val="1434012738"/>
                     </a:ext>
                   </a:extLst>
                 </a:gridCol>
-                <a:gridCol w="1400945">
+                <a:gridCol w="1296144">
                   <a:extLst>
                     <a:ext uri="{9D8B030D-6E8A-4147-A177-3AD203B41FA5}">
                       <a16:colId xmlns:a16="http://schemas.microsoft.com/office/drawing/2014/main" val="4110433612"/>
                     </a:ext>
                   </a:extLst>
                 </a:gridCol>
-                <a:gridCol w="1362029">
+                <a:gridCol w="1260140">
                   <a:extLst>
                     <a:ext uri="{9D8B030D-6E8A-4147-A177-3AD203B41FA5}">
                       <a16:colId xmlns:a16="http://schemas.microsoft.com/office/drawing/2014/main" val="282603456"/>
                     </a:ext>
                   </a:extLst>
                 </a:gridCol>
-                <a:gridCol w="1352112">
+                <a:gridCol w="1250964">
                   <a:extLst>
                     <a:ext uri="{9D8B030D-6E8A-4147-A177-3AD203B41FA5}">
                       <a16:colId xmlns:a16="http://schemas.microsoft.com/office/drawing/2014/main" val="745536005"/>
@@ -7231,7 +7775,7 @@
                     <a:p>
                       <a:pPr algn="r"/>
                       <a:r>
-                        <a:rPr kumimoji="0" lang="de-CH" sz="2000" b="0" i="0" u="none" strike="noStrike" kern="1200" cap="none" spc="0" normalizeH="0" baseline="0" noProof="0" dirty="0">
+                        <a:rPr kumimoji="0" lang="de-CH" sz="2000" b="0" i="0" u="none" strike="noStrike" kern="1200" cap="none" spc="0" normalizeH="0" baseline="0" noProof="0">
                           <a:ln>
                             <a:noFill/>
                           </a:ln>
@@ -8635,6 +9179,538 @@
                     <a:p>
                       <a:pPr algn="r"/>
                       <a:r>
+                        <a:rPr kumimoji="0" lang="de-CH" sz="2000" b="0" i="0" u="none" strike="noStrike" kern="1200" cap="none" spc="0" normalizeH="0" baseline="0" noProof="0">
+                          <a:ln>
+                            <a:noFill/>
+                          </a:ln>
+                          <a:solidFill>
+                            <a:prstClr val="black"/>
+                          </a:solidFill>
+                          <a:effectLst/>
+                          <a:uLnTx/>
+                          <a:uFillTx/>
+                          <a:latin typeface="Source Sans Pro"/>
+                          <a:ea typeface="+mn-ea"/>
+                          <a:cs typeface="+mn-cs"/>
+                        </a:rPr>
+                        <a:t>00</a:t>
+                      </a:r>
+                      <a:endParaRPr lang="de-CH" sz="2000" dirty="0"/>
+                    </a:p>
+                  </a:txBody>
+                  <a:tcPr marL="0" marR="0" marT="0" marB="72000" anchor="b">
+                    <a:lnL w="12700" cmpd="sng">
+                      <a:noFill/>
+                    </a:lnL>
+                    <a:lnR w="12700" cmpd="sng">
+                      <a:noFill/>
+                    </a:lnR>
+                    <a:lnT w="12700" cap="flat" cmpd="sng" algn="ctr">
+                      <a:solidFill>
+                        <a:schemeClr val="tx1"/>
+                      </a:solidFill>
+                      <a:prstDash val="solid"/>
+                      <a:round/>
+                      <a:headEnd type="none" w="med" len="med"/>
+                      <a:tailEnd type="none" w="med" len="med"/>
+                    </a:lnT>
+                    <a:lnB w="12700" cap="flat" cmpd="sng" algn="ctr">
+                      <a:solidFill>
+                        <a:schemeClr val="tx1"/>
+                      </a:solidFill>
+                      <a:prstDash val="solid"/>
+                      <a:round/>
+                      <a:headEnd type="none" w="med" len="med"/>
+                      <a:tailEnd type="none" w="med" len="med"/>
+                    </a:lnB>
+                    <a:lnTlToBr w="12700" cmpd="sng">
+                      <a:noFill/>
+                      <a:prstDash val="solid"/>
+                    </a:lnTlToBr>
+                    <a:lnBlToTr w="12700" cmpd="sng">
+                      <a:noFill/>
+                      <a:prstDash val="solid"/>
+                    </a:lnBlToTr>
+                  </a:tcPr>
+                </a:tc>
+                <a:extLst>
+                  <a:ext uri="{0D108BD9-81ED-4DB2-BD59-A6C34878D82A}">
+                    <a16:rowId xmlns:a16="http://schemas.microsoft.com/office/drawing/2014/main" val="1395306788"/>
+                  </a:ext>
+                </a:extLst>
+              </a:tr>
+              <a:tr h="468000">
+                <a:tc>
+                  <a:txBody>
+                    <a:bodyPr/>
+                    <a:lstStyle/>
+                    <a:p>
+                      <a:pPr marL="0" marR="0" lvl="0" indent="0" algn="l" defTabSz="914400" rtl="0" eaLnBrk="1" fontAlgn="auto" latinLnBrk="0" hangingPunct="1">
+                        <a:lnSpc>
+                          <a:spcPct val="100000"/>
+                        </a:lnSpc>
+                        <a:spcBef>
+                          <a:spcPts val="0"/>
+                        </a:spcBef>
+                        <a:spcAft>
+                          <a:spcPts val="0"/>
+                        </a:spcAft>
+                        <a:buClrTx/>
+                        <a:buSzTx/>
+                        <a:buFontTx/>
+                        <a:buNone/>
+                        <a:tabLst/>
+                        <a:defRPr/>
+                      </a:pPr>
+                      <a:r>
+                        <a:rPr kumimoji="0" lang="de-CH" sz="2000" b="0" i="0" u="none" strike="noStrike" kern="1200" cap="none" spc="0" normalizeH="0" baseline="0" noProof="0" dirty="0">
+                          <a:ln>
+                            <a:noFill/>
+                          </a:ln>
+                          <a:solidFill>
+                            <a:prstClr val="black"/>
+                          </a:solidFill>
+                          <a:effectLst/>
+                          <a:uLnTx/>
+                          <a:uFillTx/>
+                          <a:latin typeface="Source Sans Pro"/>
+                          <a:ea typeface="+mn-ea"/>
+                          <a:cs typeface="+mn-cs"/>
+                        </a:rPr>
+                        <a:t>Text</a:t>
+                      </a:r>
+                    </a:p>
+                  </a:txBody>
+                  <a:tcPr marL="0" marR="0" marT="0" marB="72000" anchor="b">
+                    <a:lnL w="12700" cmpd="sng">
+                      <a:noFill/>
+                    </a:lnL>
+                    <a:lnR w="12700" cmpd="sng">
+                      <a:noFill/>
+                    </a:lnR>
+                    <a:lnT w="12700" cap="flat" cmpd="sng" algn="ctr">
+                      <a:solidFill>
+                        <a:schemeClr val="tx1"/>
+                      </a:solidFill>
+                      <a:prstDash val="solid"/>
+                      <a:round/>
+                      <a:headEnd type="none" w="med" len="med"/>
+                      <a:tailEnd type="none" w="med" len="med"/>
+                    </a:lnT>
+                    <a:lnB w="12700" cap="flat" cmpd="sng" algn="ctr">
+                      <a:solidFill>
+                        <a:schemeClr val="tx1"/>
+                      </a:solidFill>
+                      <a:prstDash val="solid"/>
+                      <a:round/>
+                      <a:headEnd type="none" w="med" len="med"/>
+                      <a:tailEnd type="none" w="med" len="med"/>
+                    </a:lnB>
+                    <a:lnTlToBr w="12700" cmpd="sng">
+                      <a:noFill/>
+                      <a:prstDash val="solid"/>
+                    </a:lnTlToBr>
+                    <a:lnBlToTr w="12700" cmpd="sng">
+                      <a:noFill/>
+                      <a:prstDash val="solid"/>
+                    </a:lnBlToTr>
+                  </a:tcPr>
+                </a:tc>
+                <a:tc>
+                  <a:txBody>
+                    <a:bodyPr/>
+                    <a:lstStyle/>
+                    <a:p>
+                      <a:pPr algn="r"/>
+                      <a:r>
+                        <a:rPr kumimoji="0" lang="de-CH" sz="2000" b="0" i="0" u="none" strike="noStrike" kern="1200" cap="none" spc="0" normalizeH="0" baseline="0" noProof="0">
+                          <a:ln>
+                            <a:noFill/>
+                          </a:ln>
+                          <a:solidFill>
+                            <a:prstClr val="black"/>
+                          </a:solidFill>
+                          <a:effectLst/>
+                          <a:uLnTx/>
+                          <a:uFillTx/>
+                          <a:latin typeface="Source Sans Pro"/>
+                          <a:ea typeface="+mn-ea"/>
+                          <a:cs typeface="+mn-cs"/>
+                        </a:rPr>
+                        <a:t>00</a:t>
+                      </a:r>
+                      <a:endParaRPr lang="de-CH" sz="2000" dirty="0"/>
+                    </a:p>
+                  </a:txBody>
+                  <a:tcPr marL="0" marR="0" marT="0" marB="72000" anchor="b">
+                    <a:lnL w="12700" cmpd="sng">
+                      <a:noFill/>
+                    </a:lnL>
+                    <a:lnR w="12700" cmpd="sng">
+                      <a:noFill/>
+                    </a:lnR>
+                    <a:lnT w="12700" cap="flat" cmpd="sng" algn="ctr">
+                      <a:solidFill>
+                        <a:schemeClr val="tx1"/>
+                      </a:solidFill>
+                      <a:prstDash val="solid"/>
+                      <a:round/>
+                      <a:headEnd type="none" w="med" len="med"/>
+                      <a:tailEnd type="none" w="med" len="med"/>
+                    </a:lnT>
+                    <a:lnB w="12700" cap="flat" cmpd="sng" algn="ctr">
+                      <a:solidFill>
+                        <a:schemeClr val="tx1"/>
+                      </a:solidFill>
+                      <a:prstDash val="solid"/>
+                      <a:round/>
+                      <a:headEnd type="none" w="med" len="med"/>
+                      <a:tailEnd type="none" w="med" len="med"/>
+                    </a:lnB>
+                    <a:lnTlToBr w="12700" cmpd="sng">
+                      <a:noFill/>
+                      <a:prstDash val="solid"/>
+                    </a:lnTlToBr>
+                    <a:lnBlToTr w="12700" cmpd="sng">
+                      <a:noFill/>
+                      <a:prstDash val="solid"/>
+                    </a:lnBlToTr>
+                  </a:tcPr>
+                </a:tc>
+                <a:tc>
+                  <a:txBody>
+                    <a:bodyPr/>
+                    <a:lstStyle/>
+                    <a:p>
+                      <a:pPr algn="r"/>
+                      <a:r>
+                        <a:rPr kumimoji="0" lang="de-CH" sz="2000" b="0" i="0" u="none" strike="noStrike" kern="1200" cap="none" spc="0" normalizeH="0" baseline="0" noProof="0">
+                          <a:ln>
+                            <a:noFill/>
+                          </a:ln>
+                          <a:solidFill>
+                            <a:prstClr val="black"/>
+                          </a:solidFill>
+                          <a:effectLst/>
+                          <a:uLnTx/>
+                          <a:uFillTx/>
+                          <a:latin typeface="Source Sans Pro"/>
+                          <a:ea typeface="+mn-ea"/>
+                          <a:cs typeface="+mn-cs"/>
+                        </a:rPr>
+                        <a:t>00</a:t>
+                      </a:r>
+                      <a:endParaRPr lang="de-CH" sz="2000" dirty="0"/>
+                    </a:p>
+                  </a:txBody>
+                  <a:tcPr marL="0" marR="0" marT="0" marB="72000" anchor="b">
+                    <a:lnL w="12700" cmpd="sng">
+                      <a:noFill/>
+                    </a:lnL>
+                    <a:lnR w="12700" cmpd="sng">
+                      <a:noFill/>
+                    </a:lnR>
+                    <a:lnT w="12700" cap="flat" cmpd="sng" algn="ctr">
+                      <a:solidFill>
+                        <a:schemeClr val="tx1"/>
+                      </a:solidFill>
+                      <a:prstDash val="solid"/>
+                      <a:round/>
+                      <a:headEnd type="none" w="med" len="med"/>
+                      <a:tailEnd type="none" w="med" len="med"/>
+                    </a:lnT>
+                    <a:lnB w="12700" cap="flat" cmpd="sng" algn="ctr">
+                      <a:solidFill>
+                        <a:schemeClr val="tx1"/>
+                      </a:solidFill>
+                      <a:prstDash val="solid"/>
+                      <a:round/>
+                      <a:headEnd type="none" w="med" len="med"/>
+                      <a:tailEnd type="none" w="med" len="med"/>
+                    </a:lnB>
+                    <a:lnTlToBr w="12700" cmpd="sng">
+                      <a:noFill/>
+                      <a:prstDash val="solid"/>
+                    </a:lnTlToBr>
+                    <a:lnBlToTr w="12700" cmpd="sng">
+                      <a:noFill/>
+                      <a:prstDash val="solid"/>
+                    </a:lnBlToTr>
+                  </a:tcPr>
+                </a:tc>
+                <a:tc>
+                  <a:txBody>
+                    <a:bodyPr/>
+                    <a:lstStyle/>
+                    <a:p>
+                      <a:pPr algn="r"/>
+                      <a:r>
+                        <a:rPr kumimoji="0" lang="de-CH" sz="2000" b="0" i="0" u="none" strike="noStrike" kern="1200" cap="none" spc="0" normalizeH="0" baseline="0" noProof="0">
+                          <a:ln>
+                            <a:noFill/>
+                          </a:ln>
+                          <a:solidFill>
+                            <a:prstClr val="black"/>
+                          </a:solidFill>
+                          <a:effectLst/>
+                          <a:uLnTx/>
+                          <a:uFillTx/>
+                          <a:latin typeface="Source Sans Pro"/>
+                          <a:ea typeface="+mn-ea"/>
+                          <a:cs typeface="+mn-cs"/>
+                        </a:rPr>
+                        <a:t>00</a:t>
+                      </a:r>
+                      <a:endParaRPr lang="de-CH" sz="2000" dirty="0"/>
+                    </a:p>
+                  </a:txBody>
+                  <a:tcPr marL="0" marR="0" marT="0" marB="72000" anchor="b">
+                    <a:lnL w="12700" cmpd="sng">
+                      <a:noFill/>
+                    </a:lnL>
+                    <a:lnR w="12700" cmpd="sng">
+                      <a:noFill/>
+                    </a:lnR>
+                    <a:lnT w="12700" cap="flat" cmpd="sng" algn="ctr">
+                      <a:solidFill>
+                        <a:schemeClr val="tx1"/>
+                      </a:solidFill>
+                      <a:prstDash val="solid"/>
+                      <a:round/>
+                      <a:headEnd type="none" w="med" len="med"/>
+                      <a:tailEnd type="none" w="med" len="med"/>
+                    </a:lnT>
+                    <a:lnB w="12700" cap="flat" cmpd="sng" algn="ctr">
+                      <a:solidFill>
+                        <a:schemeClr val="tx1"/>
+                      </a:solidFill>
+                      <a:prstDash val="solid"/>
+                      <a:round/>
+                      <a:headEnd type="none" w="med" len="med"/>
+                      <a:tailEnd type="none" w="med" len="med"/>
+                    </a:lnB>
+                    <a:lnTlToBr w="12700" cmpd="sng">
+                      <a:noFill/>
+                      <a:prstDash val="solid"/>
+                    </a:lnTlToBr>
+                    <a:lnBlToTr w="12700" cmpd="sng">
+                      <a:noFill/>
+                      <a:prstDash val="solid"/>
+                    </a:lnBlToTr>
+                  </a:tcPr>
+                </a:tc>
+                <a:extLst>
+                  <a:ext uri="{0D108BD9-81ED-4DB2-BD59-A6C34878D82A}">
+                    <a16:rowId xmlns:a16="http://schemas.microsoft.com/office/drawing/2014/main" val="1737349239"/>
+                  </a:ext>
+                </a:extLst>
+              </a:tr>
+              <a:tr h="468000">
+                <a:tc>
+                  <a:txBody>
+                    <a:bodyPr/>
+                    <a:lstStyle/>
+                    <a:p>
+                      <a:pPr marL="0" marR="0" lvl="0" indent="0" algn="l" defTabSz="914400" rtl="0" eaLnBrk="1" fontAlgn="auto" latinLnBrk="0" hangingPunct="1">
+                        <a:lnSpc>
+                          <a:spcPct val="100000"/>
+                        </a:lnSpc>
+                        <a:spcBef>
+                          <a:spcPts val="0"/>
+                        </a:spcBef>
+                        <a:spcAft>
+                          <a:spcPts val="0"/>
+                        </a:spcAft>
+                        <a:buClrTx/>
+                        <a:buSzTx/>
+                        <a:buFontTx/>
+                        <a:buNone/>
+                        <a:tabLst/>
+                        <a:defRPr/>
+                      </a:pPr>
+                      <a:r>
+                        <a:rPr kumimoji="0" lang="de-CH" sz="2000" b="0" i="0" u="none" strike="noStrike" kern="1200" cap="none" spc="0" normalizeH="0" baseline="0" noProof="0" dirty="0">
+                          <a:ln>
+                            <a:noFill/>
+                          </a:ln>
+                          <a:solidFill>
+                            <a:prstClr val="black"/>
+                          </a:solidFill>
+                          <a:effectLst/>
+                          <a:uLnTx/>
+                          <a:uFillTx/>
+                          <a:latin typeface="Source Sans Pro"/>
+                          <a:ea typeface="+mn-ea"/>
+                          <a:cs typeface="+mn-cs"/>
+                        </a:rPr>
+                        <a:t>Text</a:t>
+                      </a:r>
+                    </a:p>
+                  </a:txBody>
+                  <a:tcPr marL="0" marR="0" marT="0" marB="72000" anchor="b">
+                    <a:lnL w="12700" cmpd="sng">
+                      <a:noFill/>
+                    </a:lnL>
+                    <a:lnR w="12700" cmpd="sng">
+                      <a:noFill/>
+                    </a:lnR>
+                    <a:lnT w="12700" cap="flat" cmpd="sng" algn="ctr">
+                      <a:solidFill>
+                        <a:schemeClr val="tx1"/>
+                      </a:solidFill>
+                      <a:prstDash val="solid"/>
+                      <a:round/>
+                      <a:headEnd type="none" w="med" len="med"/>
+                      <a:tailEnd type="none" w="med" len="med"/>
+                    </a:lnT>
+                    <a:lnB w="12700" cap="flat" cmpd="sng" algn="ctr">
+                      <a:solidFill>
+                        <a:schemeClr val="tx1"/>
+                      </a:solidFill>
+                      <a:prstDash val="solid"/>
+                      <a:round/>
+                      <a:headEnd type="none" w="med" len="med"/>
+                      <a:tailEnd type="none" w="med" len="med"/>
+                    </a:lnB>
+                    <a:lnTlToBr w="12700" cmpd="sng">
+                      <a:noFill/>
+                      <a:prstDash val="solid"/>
+                    </a:lnTlToBr>
+                    <a:lnBlToTr w="12700" cmpd="sng">
+                      <a:noFill/>
+                      <a:prstDash val="solid"/>
+                    </a:lnBlToTr>
+                  </a:tcPr>
+                </a:tc>
+                <a:tc>
+                  <a:txBody>
+                    <a:bodyPr/>
+                    <a:lstStyle/>
+                    <a:p>
+                      <a:pPr algn="r"/>
+                      <a:r>
+                        <a:rPr kumimoji="0" lang="de-CH" sz="2000" b="0" i="0" u="none" strike="noStrike" kern="1200" cap="none" spc="0" normalizeH="0" baseline="0" noProof="0">
+                          <a:ln>
+                            <a:noFill/>
+                          </a:ln>
+                          <a:solidFill>
+                            <a:prstClr val="black"/>
+                          </a:solidFill>
+                          <a:effectLst/>
+                          <a:uLnTx/>
+                          <a:uFillTx/>
+                          <a:latin typeface="Source Sans Pro"/>
+                          <a:ea typeface="+mn-ea"/>
+                          <a:cs typeface="+mn-cs"/>
+                        </a:rPr>
+                        <a:t>00</a:t>
+                      </a:r>
+                      <a:endParaRPr lang="de-CH" sz="2000" dirty="0"/>
+                    </a:p>
+                  </a:txBody>
+                  <a:tcPr marL="0" marR="0" marT="0" marB="72000" anchor="b">
+                    <a:lnL w="12700" cmpd="sng">
+                      <a:noFill/>
+                    </a:lnL>
+                    <a:lnR w="12700" cmpd="sng">
+                      <a:noFill/>
+                    </a:lnR>
+                    <a:lnT w="12700" cap="flat" cmpd="sng" algn="ctr">
+                      <a:solidFill>
+                        <a:schemeClr val="tx1"/>
+                      </a:solidFill>
+                      <a:prstDash val="solid"/>
+                      <a:round/>
+                      <a:headEnd type="none" w="med" len="med"/>
+                      <a:tailEnd type="none" w="med" len="med"/>
+                    </a:lnT>
+                    <a:lnB w="12700" cap="flat" cmpd="sng" algn="ctr">
+                      <a:solidFill>
+                        <a:schemeClr val="tx1"/>
+                      </a:solidFill>
+                      <a:prstDash val="solid"/>
+                      <a:round/>
+                      <a:headEnd type="none" w="med" len="med"/>
+                      <a:tailEnd type="none" w="med" len="med"/>
+                    </a:lnB>
+                    <a:lnTlToBr w="12700" cmpd="sng">
+                      <a:noFill/>
+                      <a:prstDash val="solid"/>
+                    </a:lnTlToBr>
+                    <a:lnBlToTr w="12700" cmpd="sng">
+                      <a:noFill/>
+                      <a:prstDash val="solid"/>
+                    </a:lnBlToTr>
+                  </a:tcPr>
+                </a:tc>
+                <a:tc>
+                  <a:txBody>
+                    <a:bodyPr/>
+                    <a:lstStyle/>
+                    <a:p>
+                      <a:pPr algn="r"/>
+                      <a:r>
+                        <a:rPr kumimoji="0" lang="de-CH" sz="2000" b="0" i="0" u="none" strike="noStrike" kern="1200" cap="none" spc="0" normalizeH="0" baseline="0" noProof="0">
+                          <a:ln>
+                            <a:noFill/>
+                          </a:ln>
+                          <a:solidFill>
+                            <a:prstClr val="black"/>
+                          </a:solidFill>
+                          <a:effectLst/>
+                          <a:uLnTx/>
+                          <a:uFillTx/>
+                          <a:latin typeface="Source Sans Pro"/>
+                          <a:ea typeface="+mn-ea"/>
+                          <a:cs typeface="+mn-cs"/>
+                        </a:rPr>
+                        <a:t>00</a:t>
+                      </a:r>
+                      <a:endParaRPr lang="de-CH" sz="2000" dirty="0"/>
+                    </a:p>
+                  </a:txBody>
+                  <a:tcPr marL="0" marR="0" marT="0" marB="72000" anchor="b">
+                    <a:lnL w="12700" cmpd="sng">
+                      <a:noFill/>
+                    </a:lnL>
+                    <a:lnR w="12700" cmpd="sng">
+                      <a:noFill/>
+                    </a:lnR>
+                    <a:lnT w="12700" cap="flat" cmpd="sng" algn="ctr">
+                      <a:solidFill>
+                        <a:schemeClr val="tx1"/>
+                      </a:solidFill>
+                      <a:prstDash val="solid"/>
+                      <a:round/>
+                      <a:headEnd type="none" w="med" len="med"/>
+                      <a:tailEnd type="none" w="med" len="med"/>
+                    </a:lnT>
+                    <a:lnB w="12700" cap="flat" cmpd="sng" algn="ctr">
+                      <a:solidFill>
+                        <a:schemeClr val="tx1"/>
+                      </a:solidFill>
+                      <a:prstDash val="solid"/>
+                      <a:round/>
+                      <a:headEnd type="none" w="med" len="med"/>
+                      <a:tailEnd type="none" w="med" len="med"/>
+                    </a:lnB>
+                    <a:lnTlToBr w="12700" cmpd="sng">
+                      <a:noFill/>
+                      <a:prstDash val="solid"/>
+                    </a:lnTlToBr>
+                    <a:lnBlToTr w="12700" cmpd="sng">
+                      <a:noFill/>
+                      <a:prstDash val="solid"/>
+                    </a:lnBlToTr>
+                  </a:tcPr>
+                </a:tc>
+                <a:tc>
+                  <a:txBody>
+                    <a:bodyPr/>
+                    <a:lstStyle/>
+                    <a:p>
+                      <a:pPr algn="r"/>
+                      <a:r>
                         <a:rPr kumimoji="0" lang="de-CH" sz="2000" b="0" i="0" u="none" strike="noStrike" kern="1200" cap="none" spc="0" normalizeH="0" baseline="0" noProof="0" dirty="0">
                           <a:ln>
                             <a:noFill/>
@@ -8691,7 +9767,7 @@
                 </a:tc>
                 <a:extLst>
                   <a:ext uri="{0D108BD9-81ED-4DB2-BD59-A6C34878D82A}">
-                    <a16:rowId xmlns:a16="http://schemas.microsoft.com/office/drawing/2014/main" val="1395306788"/>
+                    <a16:rowId xmlns:a16="http://schemas.microsoft.com/office/drawing/2014/main" val="4088552241"/>
                   </a:ext>
                 </a:extLst>
               </a:tr>
@@ -8701,10 +9777,10 @@
       </p:graphicFrame>
       <p:sp>
         <p:nvSpPr>
-          <p:cNvPr id="21" name="Inhaltsplatzhalter 5">
+          <p:cNvPr id="50" name="Inhaltsplatzhalter 5">
             <a:extLst>
               <a:ext uri="{FF2B5EF4-FFF2-40B4-BE49-F238E27FC236}">
-                <a16:creationId xmlns:a16="http://schemas.microsoft.com/office/drawing/2014/main" id="{23FF6303-1BD6-A88D-000B-33C025015F2A}"/>
+                <a16:creationId xmlns:a16="http://schemas.microsoft.com/office/drawing/2014/main" id="{650AB6DD-9A6D-1AAD-0625-A129469BF9E5}"/>
               </a:ext>
             </a:extLst>
           </p:cNvPr>
@@ -8715,8 +9791,8 @@
         </p:nvSpPr>
         <p:spPr>
           <a:xfrm>
-            <a:off x="32133649" y="18259752"/>
-            <a:ext cx="9642475" cy="8327126"/>
+            <a:off x="20407149" y="31397163"/>
+            <a:ext cx="8928000" cy="5378177"/>
           </a:xfrm>
           <a:prstGeom prst="rect">
             <a:avLst/>
@@ -8895,17 +9971,10 @@
               <a:lnSpc>
                 <a:spcPct val="97000"/>
               </a:lnSpc>
-              <a:spcBef>
-                <a:spcPts val="600"/>
-              </a:spcBef>
             </a:pPr>
             <a:r>
-              <a:rPr lang="en-US" b="1" dirty="0">
-                <a:solidFill>
-                  <a:srgbClr val="FF0000"/>
-                </a:solidFill>
-              </a:rPr>
-              <a:t>Contact (30 Pt. bold)</a:t>
+              <a:rPr lang="en-GB" b="1" dirty="0"/>
+              <a:t>Authors (30 Pt. bold)</a:t>
             </a:r>
           </a:p>
           <a:p>
@@ -8915,12 +9984,8 @@
               </a:lnSpc>
             </a:pPr>
             <a:r>
-              <a:rPr lang="en-US" dirty="0">
-                <a:solidFill>
-                  <a:srgbClr val="FF0000"/>
-                </a:solidFill>
-              </a:rPr>
-              <a:t>First name Surname</a:t>
+              <a:rPr lang="en-GB" dirty="0"/>
+              <a:t>Author 1, Author 2, Author 3</a:t>
             </a:r>
           </a:p>
           <a:p>
@@ -8930,12 +9995,8 @@
               </a:lnSpc>
             </a:pPr>
             <a:r>
-              <a:rPr lang="en-US" dirty="0">
-                <a:solidFill>
-                  <a:srgbClr val="FF0000"/>
-                </a:solidFill>
-              </a:rPr>
-              <a:t>Position</a:t>
+              <a:rPr lang="en-GB" dirty="0"/>
+              <a:t>1 University unit</a:t>
             </a:r>
           </a:p>
           <a:p>
@@ -8945,12 +10006,8 @@
               </a:lnSpc>
             </a:pPr>
             <a:r>
-              <a:rPr lang="en-US" dirty="0">
-                <a:solidFill>
-                  <a:srgbClr val="FF0000"/>
-                </a:solidFill>
-              </a:rPr>
-              <a:t>+00 00 000 00 00</a:t>
+              <a:rPr lang="en-GB" dirty="0"/>
+              <a:t>2 University unit</a:t>
             </a:r>
           </a:p>
           <a:p>
@@ -8959,116 +10016,7 @@
                 <a:spcPct val="97000"/>
               </a:lnSpc>
             </a:pPr>
-            <a:r>
-              <a:rPr lang="en-US" dirty="0">
-                <a:solidFill>
-                  <a:srgbClr val="FF0000"/>
-                </a:solidFill>
-              </a:rPr>
-              <a:t>mail@adresse.ch</a:t>
-            </a:r>
-          </a:p>
-          <a:p>
-            <a:pPr>
-              <a:lnSpc>
-                <a:spcPct val="97000"/>
-              </a:lnSpc>
-            </a:pPr>
-            <a:endParaRPr lang="cs-CZ" dirty="0"/>
-          </a:p>
-          <a:p>
-            <a:pPr>
-              <a:lnSpc>
-                <a:spcPct val="97000"/>
-              </a:lnSpc>
-            </a:pPr>
-            <a:endParaRPr lang="cs-CZ" dirty="0"/>
-          </a:p>
-          <a:p>
-            <a:pPr>
-              <a:lnSpc>
-                <a:spcPct val="97000"/>
-              </a:lnSpc>
-            </a:pPr>
-            <a:endParaRPr lang="cs-CZ" dirty="0"/>
-          </a:p>
-          <a:p>
-            <a:pPr>
-              <a:lnSpc>
-                <a:spcPct val="97000"/>
-              </a:lnSpc>
-            </a:pPr>
-            <a:endParaRPr lang="cs-CZ" dirty="0"/>
-          </a:p>
-          <a:p>
-            <a:pPr>
-              <a:lnSpc>
-                <a:spcPct val="97000"/>
-              </a:lnSpc>
-            </a:pPr>
-            <a:endParaRPr lang="cs-CZ" dirty="0"/>
-          </a:p>
-          <a:p>
-            <a:pPr>
-              <a:lnSpc>
-                <a:spcPct val="97000"/>
-              </a:lnSpc>
-            </a:pPr>
-            <a:endParaRPr lang="cs-CZ" dirty="0"/>
-          </a:p>
-          <a:p>
-            <a:pPr>
-              <a:lnSpc>
-                <a:spcPct val="97000"/>
-              </a:lnSpc>
-            </a:pPr>
-            <a:endParaRPr lang="cs-CZ" dirty="0"/>
-          </a:p>
-          <a:p>
-            <a:pPr>
-              <a:lnSpc>
-                <a:spcPct val="97000"/>
-              </a:lnSpc>
-            </a:pPr>
-            <a:endParaRPr lang="en-US" dirty="0"/>
-          </a:p>
-          <a:p>
-            <a:pPr>
-              <a:lnSpc>
-                <a:spcPct val="97000"/>
-              </a:lnSpc>
-            </a:pPr>
-            <a:r>
-              <a:rPr lang="en-US" b="1" dirty="0"/>
-              <a:t>Acknowledgments</a:t>
-            </a:r>
-          </a:p>
-          <a:p>
-            <a:pPr>
-              <a:lnSpc>
-                <a:spcPct val="97000"/>
-              </a:lnSpc>
-            </a:pPr>
-            <a:r>
-              <a:rPr lang="en-US" dirty="0"/>
-              <a:t>This work was funded by the Swiss National Science Foundation with grant number 211751: "</a:t>
-            </a:r>
-            <a:r>
-              <a:rPr lang="en-US" i="1" dirty="0"/>
-              <a:t>Harnessing event and longitudinal data in industry and health sector through privacy preserving technologies</a:t>
-            </a:r>
-            <a:r>
-              <a:rPr lang="en-US" dirty="0"/>
-              <a:t>".</a:t>
-            </a:r>
-          </a:p>
-          <a:p>
-            <a:pPr>
-              <a:lnSpc>
-                <a:spcPct val="97000"/>
-              </a:lnSpc>
-            </a:pPr>
-            <a:endParaRPr lang="en-US" dirty="0"/>
+            <a:endParaRPr lang="en-GB" dirty="0"/>
           </a:p>
           <a:p>
             <a:pPr>
@@ -9079,7 +10027,10 @@
                 <a:spcPts val="600"/>
               </a:spcBef>
             </a:pPr>
-            <a:endParaRPr lang="en-US" b="1" dirty="0"/>
+            <a:r>
+              <a:rPr lang="en-GB" b="1" dirty="0"/>
+              <a:t>Contact (30 Pt. bold)</a:t>
+            </a:r>
           </a:p>
           <a:p>
             <a:pPr>
@@ -9087,16 +10038,493 @@
                 <a:spcPct val="97000"/>
               </a:lnSpc>
             </a:pPr>
-            <a:endParaRPr lang="en-US" dirty="0"/>
+            <a:r>
+              <a:rPr lang="en-GB" dirty="0"/>
+              <a:t>First name Surname</a:t>
+            </a:r>
+          </a:p>
+          <a:p>
+            <a:pPr>
+              <a:lnSpc>
+                <a:spcPct val="97000"/>
+              </a:lnSpc>
+            </a:pPr>
+            <a:r>
+              <a:rPr lang="en-GB" dirty="0"/>
+              <a:t>Position</a:t>
+            </a:r>
+          </a:p>
+          <a:p>
+            <a:pPr>
+              <a:lnSpc>
+                <a:spcPct val="97000"/>
+              </a:lnSpc>
+            </a:pPr>
+            <a:r>
+              <a:rPr lang="en-GB" dirty="0"/>
+              <a:t>+00 00 000 00 00</a:t>
+            </a:r>
+          </a:p>
+          <a:p>
+            <a:pPr>
+              <a:lnSpc>
+                <a:spcPct val="97000"/>
+              </a:lnSpc>
+            </a:pPr>
+            <a:r>
+              <a:rPr lang="en-GB" dirty="0">
+                <a:hlinkClick r:id="rId2"/>
+              </a:rPr>
+              <a:t>mail@adresse.ch</a:t>
+            </a:r>
+            <a:endParaRPr lang="cs-CZ" dirty="0"/>
+          </a:p>
+          <a:p>
+            <a:pPr>
+              <a:lnSpc>
+                <a:spcPct val="97000"/>
+              </a:lnSpc>
+            </a:pPr>
+            <a:endParaRPr lang="cs-CZ" dirty="0"/>
+          </a:p>
+          <a:p>
+            <a:pPr>
+              <a:lnSpc>
+                <a:spcPct val="97000"/>
+              </a:lnSpc>
+            </a:pPr>
+            <a:r>
+              <a:rPr lang="en-US" b="1" dirty="0"/>
+              <a:t>Acknowledgments</a:t>
+            </a:r>
+          </a:p>
+          <a:p>
+            <a:pPr>
+              <a:lnSpc>
+                <a:spcPct val="97000"/>
+              </a:lnSpc>
+            </a:pPr>
+            <a:r>
+              <a:rPr lang="en-US" dirty="0"/>
+              <a:t>This work was funded by the Swiss National Science Foundation with grant number 211751: "</a:t>
+            </a:r>
+            <a:r>
+              <a:rPr lang="en-US" i="1" dirty="0"/>
+              <a:t>Harnessing event and longitudinal data in industry and health sector through privacy preserving technologies</a:t>
+            </a:r>
+            <a:r>
+              <a:rPr lang="en-US" dirty="0"/>
+              <a:t>".</a:t>
+            </a:r>
+          </a:p>
+          <a:p>
+            <a:pPr>
+              <a:lnSpc>
+                <a:spcPct val="97000"/>
+              </a:lnSpc>
+            </a:pPr>
+            <a:endParaRPr lang="en-GB" dirty="0"/>
+          </a:p>
+          <a:p>
+            <a:pPr>
+              <a:lnSpc>
+                <a:spcPct val="97000"/>
+              </a:lnSpc>
+            </a:pPr>
+            <a:endParaRPr lang="en-GB" dirty="0"/>
+          </a:p>
+          <a:p>
+            <a:pPr>
+              <a:lnSpc>
+                <a:spcPct val="97000"/>
+              </a:lnSpc>
+            </a:pPr>
+            <a:endParaRPr lang="en-GB" dirty="0"/>
+          </a:p>
+        </p:txBody>
+      </p:sp>
+      <p:graphicFrame>
+        <p:nvGraphicFramePr>
+          <p:cNvPr id="57" name="Diagramm 56">
+            <a:extLst>
+              <a:ext uri="{FF2B5EF4-FFF2-40B4-BE49-F238E27FC236}">
+                <a16:creationId xmlns:a16="http://schemas.microsoft.com/office/drawing/2014/main" id="{1BDCE0AB-BD1A-8921-3D25-8C813AF1BA0E}"/>
+              </a:ext>
+            </a:extLst>
+          </p:cNvPr>
+          <p:cNvGraphicFramePr/>
+          <p:nvPr>
+            <p:extLst>
+              <p:ext uri="{D42A27DB-BD31-4B8C-83A1-F6EECF244321}">
+                <p14:modId xmlns:p14="http://schemas.microsoft.com/office/powerpoint/2010/main" val="3158853959"/>
+              </p:ext>
+            </p:extLst>
+          </p:nvPr>
+        </p:nvGraphicFramePr>
+        <p:xfrm>
+          <a:off x="20407149" y="23994169"/>
+          <a:ext cx="8821315" cy="5760640"/>
+        </p:xfrm>
+        <a:graphic>
+          <a:graphicData uri="http://schemas.openxmlformats.org/drawingml/2006/chart">
+            <c:chart xmlns:c="http://schemas.openxmlformats.org/drawingml/2006/chart" xmlns:r="http://schemas.openxmlformats.org/officeDocument/2006/relationships" r:id="rId3"/>
+          </a:graphicData>
+        </a:graphic>
+      </p:graphicFrame>
+      <p:sp>
+        <p:nvSpPr>
+          <p:cNvPr id="58" name="Inhaltsplatzhalter 4">
+            <a:extLst>
+              <a:ext uri="{FF2B5EF4-FFF2-40B4-BE49-F238E27FC236}">
+                <a16:creationId xmlns:a16="http://schemas.microsoft.com/office/drawing/2014/main" id="{9AF14FF9-635B-9906-A745-3DDD8245CFEE}"/>
+              </a:ext>
+            </a:extLst>
+          </p:cNvPr>
+          <p:cNvSpPr txBox="1">
+            <a:spLocks/>
+          </p:cNvSpPr>
+          <p:nvPr/>
+        </p:nvSpPr>
+        <p:spPr>
+          <a:xfrm>
+            <a:off x="20285275" y="29873930"/>
+            <a:ext cx="8928000" cy="1141019"/>
+          </a:xfrm>
+          <a:prstGeom prst="rect">
+            <a:avLst/>
+          </a:prstGeom>
+        </p:spPr>
+        <p:txBody>
+          <a:bodyPr vert="horz" lIns="0" tIns="0" rIns="0" bIns="0" numCol="1" spcCol="0" rtlCol="0">
+            <a:noAutofit/>
+          </a:bodyPr>
+          <a:lstStyle>
+            <a:lvl1pPr marL="0" indent="0" algn="l" defTabSz="914400" rtl="0" eaLnBrk="1" latinLnBrk="0" hangingPunct="1">
+              <a:lnSpc>
+                <a:spcPct val="100000"/>
+              </a:lnSpc>
+              <a:spcBef>
+                <a:spcPts val="0"/>
+              </a:spcBef>
+              <a:buFont typeface="+mj-lt"/>
+              <a:buNone/>
+              <a:defRPr sz="3000" b="0" kern="1200">
+                <a:solidFill>
+                  <a:schemeClr val="tx1"/>
+                </a:solidFill>
+                <a:latin typeface="+mn-lt"/>
+                <a:ea typeface="+mn-ea"/>
+                <a:cs typeface="+mn-cs"/>
+              </a:defRPr>
+            </a:lvl1pPr>
+            <a:lvl2pPr marL="174625" indent="-174625" algn="l" defTabSz="914400" rtl="0" eaLnBrk="1" latinLnBrk="0" hangingPunct="1">
+              <a:lnSpc>
+                <a:spcPct val="100000"/>
+              </a:lnSpc>
+              <a:spcBef>
+                <a:spcPts val="0"/>
+              </a:spcBef>
+              <a:buFont typeface="Arial" panose="020B0604020202020204" pitchFamily="34" charset="0"/>
+              <a:buChar char="•"/>
+              <a:defRPr sz="4800" b="1" kern="1200">
+                <a:solidFill>
+                  <a:schemeClr val="tx1"/>
+                </a:solidFill>
+                <a:latin typeface="+mn-lt"/>
+                <a:ea typeface="+mn-ea"/>
+                <a:cs typeface="+mn-cs"/>
+              </a:defRPr>
+            </a:lvl2pPr>
+            <a:lvl3pPr marL="360363" indent="-185738" algn="l" defTabSz="914400" rtl="0" eaLnBrk="1" latinLnBrk="0" hangingPunct="1">
+              <a:lnSpc>
+                <a:spcPct val="100000"/>
+              </a:lnSpc>
+              <a:spcBef>
+                <a:spcPts val="0"/>
+              </a:spcBef>
+              <a:buFont typeface="Arial" panose="020B0604020202020204" pitchFamily="34" charset="0"/>
+              <a:buChar char="•"/>
+              <a:defRPr sz="4800" b="1" kern="1200">
+                <a:solidFill>
+                  <a:schemeClr val="tx1"/>
+                </a:solidFill>
+                <a:latin typeface="+mn-lt"/>
+                <a:ea typeface="+mn-ea"/>
+                <a:cs typeface="+mn-cs"/>
+              </a:defRPr>
+            </a:lvl3pPr>
+            <a:lvl4pPr marL="534988" indent="-174625" algn="l" defTabSz="914400" rtl="0" eaLnBrk="1" latinLnBrk="0" hangingPunct="1">
+              <a:lnSpc>
+                <a:spcPct val="100000"/>
+              </a:lnSpc>
+              <a:spcBef>
+                <a:spcPts val="0"/>
+              </a:spcBef>
+              <a:buFont typeface="Arial" panose="020B0604020202020204" pitchFamily="34" charset="0"/>
+              <a:buChar char="•"/>
+              <a:defRPr sz="4800" b="1" kern="1200">
+                <a:solidFill>
+                  <a:schemeClr val="tx1"/>
+                </a:solidFill>
+                <a:latin typeface="+mn-lt"/>
+                <a:ea typeface="+mn-ea"/>
+                <a:cs typeface="+mn-cs"/>
+              </a:defRPr>
+            </a:lvl4pPr>
+            <a:lvl5pPr marL="719138" indent="-184150" algn="l" defTabSz="914400" rtl="0" eaLnBrk="1" latinLnBrk="0" hangingPunct="1">
+              <a:lnSpc>
+                <a:spcPct val="100000"/>
+              </a:lnSpc>
+              <a:spcBef>
+                <a:spcPts val="0"/>
+              </a:spcBef>
+              <a:buFont typeface="Arial" panose="020B0604020202020204" pitchFamily="34" charset="0"/>
+              <a:buChar char="•"/>
+              <a:defRPr sz="4800" b="1" kern="1200">
+                <a:solidFill>
+                  <a:schemeClr val="tx1"/>
+                </a:solidFill>
+                <a:latin typeface="+mn-lt"/>
+                <a:ea typeface="+mn-ea"/>
+                <a:cs typeface="+mn-cs"/>
+              </a:defRPr>
+            </a:lvl5pPr>
+            <a:lvl6pPr marL="2514600" indent="-228600" algn="l" defTabSz="914400" rtl="0" eaLnBrk="1" latinLnBrk="0" hangingPunct="1">
+              <a:lnSpc>
+                <a:spcPct val="90000"/>
+              </a:lnSpc>
+              <a:spcBef>
+                <a:spcPts val="500"/>
+              </a:spcBef>
+              <a:buFont typeface="Arial" panose="020B0604020202020204" pitchFamily="34" charset="0"/>
+              <a:buChar char="•"/>
+              <a:defRPr sz="1800" kern="1200">
+                <a:solidFill>
+                  <a:schemeClr val="tx1"/>
+                </a:solidFill>
+                <a:latin typeface="+mn-lt"/>
+                <a:ea typeface="+mn-ea"/>
+                <a:cs typeface="+mn-cs"/>
+              </a:defRPr>
+            </a:lvl6pPr>
+            <a:lvl7pPr marL="2971800" indent="-228600" algn="l" defTabSz="914400" rtl="0" eaLnBrk="1" latinLnBrk="0" hangingPunct="1">
+              <a:lnSpc>
+                <a:spcPct val="90000"/>
+              </a:lnSpc>
+              <a:spcBef>
+                <a:spcPts val="500"/>
+              </a:spcBef>
+              <a:buFont typeface="Arial" panose="020B0604020202020204" pitchFamily="34" charset="0"/>
+              <a:buChar char="•"/>
+              <a:defRPr sz="1800" kern="1200">
+                <a:solidFill>
+                  <a:schemeClr val="tx1"/>
+                </a:solidFill>
+                <a:latin typeface="+mn-lt"/>
+                <a:ea typeface="+mn-ea"/>
+                <a:cs typeface="+mn-cs"/>
+              </a:defRPr>
+            </a:lvl7pPr>
+            <a:lvl8pPr marL="3429000" indent="-228600" algn="l" defTabSz="914400" rtl="0" eaLnBrk="1" latinLnBrk="0" hangingPunct="1">
+              <a:lnSpc>
+                <a:spcPct val="90000"/>
+              </a:lnSpc>
+              <a:spcBef>
+                <a:spcPts val="500"/>
+              </a:spcBef>
+              <a:buFont typeface="Arial" panose="020B0604020202020204" pitchFamily="34" charset="0"/>
+              <a:buChar char="•"/>
+              <a:defRPr sz="1800" kern="1200">
+                <a:solidFill>
+                  <a:schemeClr val="tx1"/>
+                </a:solidFill>
+                <a:latin typeface="+mn-lt"/>
+                <a:ea typeface="+mn-ea"/>
+                <a:cs typeface="+mn-cs"/>
+              </a:defRPr>
+            </a:lvl8pPr>
+            <a:lvl9pPr marL="3886200" indent="-228600" algn="l" defTabSz="914400" rtl="0" eaLnBrk="1" latinLnBrk="0" hangingPunct="1">
+              <a:lnSpc>
+                <a:spcPct val="90000"/>
+              </a:lnSpc>
+              <a:spcBef>
+                <a:spcPts val="500"/>
+              </a:spcBef>
+              <a:buFont typeface="Arial" panose="020B0604020202020204" pitchFamily="34" charset="0"/>
+              <a:buChar char="•"/>
+              <a:defRPr sz="1800" kern="1200">
+                <a:solidFill>
+                  <a:schemeClr val="tx1"/>
+                </a:solidFill>
+                <a:latin typeface="+mn-lt"/>
+                <a:ea typeface="+mn-ea"/>
+                <a:cs typeface="+mn-cs"/>
+              </a:defRPr>
+            </a:lvl9pPr>
+          </a:lstStyle>
+          <a:p>
+            <a:r>
+              <a:rPr lang="en-GB" sz="2000" b="1" dirty="0"/>
+              <a:t>Fig.2: Lorem ipsum </a:t>
+            </a:r>
+            <a:r>
+              <a:rPr lang="en-GB" sz="2000" b="1" dirty="0" err="1"/>
+              <a:t>dolor</a:t>
+            </a:r>
+            <a:r>
+              <a:rPr lang="en-GB" sz="2000" b="1" dirty="0"/>
+              <a:t> sit </a:t>
+            </a:r>
+            <a:r>
+              <a:rPr lang="en-GB" sz="2000" b="1" dirty="0" err="1"/>
+              <a:t>amet</a:t>
+            </a:r>
+            <a:r>
+              <a:rPr lang="en-GB" sz="2000" b="1" dirty="0"/>
+              <a:t>, </a:t>
+            </a:r>
+            <a:r>
+              <a:rPr lang="en-GB" sz="2000" b="1" dirty="0" err="1"/>
+              <a:t>consectetuer</a:t>
+            </a:r>
+            <a:r>
+              <a:rPr lang="en-GB" sz="2000" b="1" dirty="0"/>
+              <a:t> </a:t>
+            </a:r>
+            <a:r>
+              <a:rPr lang="en-GB" sz="2000" b="1" dirty="0" err="1"/>
+              <a:t>adipiscing</a:t>
+            </a:r>
+            <a:r>
+              <a:rPr lang="en-GB" sz="2000" b="1" dirty="0"/>
+              <a:t> </a:t>
+            </a:r>
+            <a:r>
+              <a:rPr lang="en-GB" sz="2000" b="1" dirty="0" err="1"/>
+              <a:t>elit</a:t>
+            </a:r>
+            <a:r>
+              <a:rPr lang="en-GB" sz="2000" b="1" dirty="0"/>
+              <a:t>. Maecenas </a:t>
+            </a:r>
+            <a:r>
+              <a:rPr lang="en-GB" sz="2000" b="1" dirty="0" err="1"/>
+              <a:t>porttitor</a:t>
+            </a:r>
+            <a:r>
+              <a:rPr lang="en-GB" sz="2000" b="1" dirty="0"/>
+              <a:t> </a:t>
+            </a:r>
+            <a:r>
+              <a:rPr lang="en-GB" sz="2000" b="1" dirty="0" err="1"/>
+              <a:t>congue</a:t>
+            </a:r>
+            <a:r>
+              <a:rPr lang="en-GB" sz="2000" b="1" dirty="0"/>
+              <a:t> </a:t>
+            </a:r>
+            <a:r>
+              <a:rPr lang="en-GB" sz="2000" b="1" dirty="0" err="1"/>
+              <a:t>massa</a:t>
+            </a:r>
+            <a:r>
+              <a:rPr lang="en-GB" sz="2000" b="1" dirty="0"/>
+              <a:t>. </a:t>
+            </a:r>
+            <a:r>
+              <a:rPr lang="en-GB" sz="2000" b="1" dirty="0" err="1"/>
+              <a:t>Fusce</a:t>
+            </a:r>
+            <a:r>
+              <a:rPr lang="en-GB" sz="2000" b="1" dirty="0"/>
+              <a:t> </a:t>
+            </a:r>
+            <a:r>
+              <a:rPr lang="en-GB" sz="2000" b="1" dirty="0" err="1"/>
+              <a:t>posuere</a:t>
+            </a:r>
+            <a:r>
+              <a:rPr lang="en-GB" sz="2000" b="1" dirty="0"/>
+              <a:t>, magna </a:t>
+            </a:r>
+            <a:r>
+              <a:rPr lang="en-GB" sz="2000" b="1" dirty="0" err="1"/>
+              <a:t>sed</a:t>
+            </a:r>
+            <a:r>
+              <a:rPr lang="en-GB" sz="2000" b="1" dirty="0"/>
+              <a:t> pulvinar </a:t>
+            </a:r>
+            <a:r>
+              <a:rPr lang="en-GB" sz="2000" b="1" dirty="0" err="1"/>
+              <a:t>ultricies</a:t>
+            </a:r>
+            <a:r>
+              <a:rPr lang="en-GB" sz="2000" b="1" dirty="0"/>
+              <a:t>, </a:t>
+            </a:r>
+            <a:r>
+              <a:rPr lang="en-GB" sz="2000" b="1" dirty="0" err="1"/>
+              <a:t>purus</a:t>
+            </a:r>
+            <a:r>
+              <a:rPr lang="en-GB" sz="2000" b="1" dirty="0"/>
+              <a:t> </a:t>
+            </a:r>
+            <a:r>
+              <a:rPr lang="en-GB" sz="2000" b="1" dirty="0" err="1"/>
+              <a:t>lectus</a:t>
+            </a:r>
+            <a:r>
+              <a:rPr lang="en-GB" sz="2000" b="1" dirty="0"/>
+              <a:t> </a:t>
+            </a:r>
+            <a:r>
+              <a:rPr lang="en-GB" sz="2000" b="1" dirty="0" err="1"/>
+              <a:t>malesuada</a:t>
+            </a:r>
+            <a:r>
+              <a:rPr lang="en-GB" sz="2000" b="1" dirty="0"/>
+              <a:t> libero, sit </a:t>
+            </a:r>
+            <a:r>
+              <a:rPr lang="en-GB" sz="2000" b="1" dirty="0" err="1"/>
+              <a:t>amet</a:t>
+            </a:r>
+            <a:r>
+              <a:rPr lang="en-GB" sz="2000" b="1" dirty="0"/>
+              <a:t> </a:t>
+            </a:r>
+            <a:r>
+              <a:rPr lang="en-GB" sz="2000" b="1" dirty="0" err="1"/>
+              <a:t>commodo</a:t>
+            </a:r>
+            <a:r>
+              <a:rPr lang="en-GB" sz="2000" b="1" dirty="0"/>
+              <a:t> magna eros </a:t>
+            </a:r>
+            <a:r>
+              <a:rPr lang="en-GB" sz="2000" b="1" dirty="0" err="1"/>
+              <a:t>quis</a:t>
+            </a:r>
+            <a:r>
+              <a:rPr lang="en-GB" sz="2000" b="1" dirty="0"/>
+              <a:t> </a:t>
+            </a:r>
+            <a:r>
+              <a:rPr lang="en-GB" sz="2000" b="1" dirty="0" err="1"/>
+              <a:t>urna</a:t>
+            </a:r>
+            <a:endParaRPr lang="en-GB" sz="2000" b="1" dirty="0"/>
           </a:p>
         </p:txBody>
       </p:sp>
       <p:pic>
         <p:nvPicPr>
-          <p:cNvPr id="4" name="Obrázek 3" descr="Obsah obrázku Lidská tvář, osoba, oblečení, úsměv&#10;&#10;Popis byl vytvořen automaticky">
+          <p:cNvPr id="5" name="Obrázek 4" descr="Obsah obrázku kruh, skica, symbol, Písmo&#10;&#10;Popis byl vytvořen automaticky">
             <a:extLst>
               <a:ext uri="{FF2B5EF4-FFF2-40B4-BE49-F238E27FC236}">
-                <a16:creationId xmlns:a16="http://schemas.microsoft.com/office/drawing/2014/main" id="{5AFB9844-E107-7334-0C1B-415AA93862F3}"/>
+                <a16:creationId xmlns:a16="http://schemas.microsoft.com/office/drawing/2014/main" id="{2ECA5EA1-B1EE-B022-842E-1CDDB3836730}"/>
               </a:ext>
             </a:extLst>
           </p:cNvPr>
@@ -9113,12 +10541,118 @@
               </a:ext>
             </a:extLst>
           </a:blip>
+          <a:srcRect l="9548" t="10527" r="12486" b="11778"/>
+          <a:stretch/>
+        </p:blipFill>
+        <p:spPr>
+          <a:xfrm>
+            <a:off x="15892056" y="3509786"/>
+            <a:ext cx="3289756" cy="3278322"/>
+          </a:xfrm>
+          <a:prstGeom prst="rect">
+            <a:avLst/>
+          </a:prstGeom>
+        </p:spPr>
+      </p:pic>
+      <p:pic>
+        <p:nvPicPr>
+          <p:cNvPr id="6" name="Obrázek 5" descr="Obsah obrázku Písmo, Grafika, logo, grafický design&#10;&#10;Popis byl vytvořen automaticky">
+            <a:extLst>
+              <a:ext uri="{FF2B5EF4-FFF2-40B4-BE49-F238E27FC236}">
+                <a16:creationId xmlns:a16="http://schemas.microsoft.com/office/drawing/2014/main" id="{3246A40B-8CEB-505B-C831-2FA87BD7093E}"/>
+              </a:ext>
+            </a:extLst>
+          </p:cNvPr>
+          <p:cNvPicPr>
+            <a:picLocks noChangeAspect="1"/>
+          </p:cNvPicPr>
+          <p:nvPr/>
+        </p:nvPicPr>
+        <p:blipFill rotWithShape="1">
+          <a:blip r:embed="rId5" cstate="print">
+            <a:extLst>
+              <a:ext uri="{28A0092B-C50C-407E-A947-70E740481C1C}">
+                <a14:useLocalDpi xmlns:a14="http://schemas.microsoft.com/office/drawing/2010/main" val="0"/>
+              </a:ext>
+            </a:extLst>
+          </a:blip>
+          <a:srcRect l="32652" t="17903" r="32568" b="18880"/>
+          <a:stretch/>
+        </p:blipFill>
+        <p:spPr>
+          <a:xfrm>
+            <a:off x="25218726" y="3628132"/>
+            <a:ext cx="4519544" cy="3041631"/>
+          </a:xfrm>
+          <a:prstGeom prst="rect">
+            <a:avLst/>
+          </a:prstGeom>
+        </p:spPr>
+      </p:pic>
+      <p:pic>
+        <p:nvPicPr>
+          <p:cNvPr id="7" name="Obrázek 6" descr="Obsah obrázku Písmo, Grafika, logo, symbol&#10;&#10;Popis byl vytvořen automaticky">
+            <a:extLst>
+              <a:ext uri="{FF2B5EF4-FFF2-40B4-BE49-F238E27FC236}">
+                <a16:creationId xmlns:a16="http://schemas.microsoft.com/office/drawing/2014/main" id="{C6329EF5-6565-5EAB-B3DA-C13B197D0F02}"/>
+              </a:ext>
+            </a:extLst>
+          </p:cNvPr>
+          <p:cNvPicPr>
+            <a:picLocks noChangeAspect="1"/>
+          </p:cNvPicPr>
+          <p:nvPr/>
+        </p:nvPicPr>
+        <p:blipFill>
+          <a:blip r:embed="rId6" cstate="print">
+            <a:extLst>
+              <a:ext uri="{28A0092B-C50C-407E-A947-70E740481C1C}">
+                <a14:useLocalDpi xmlns:a14="http://schemas.microsoft.com/office/drawing/2010/main" val="0"/>
+              </a:ext>
+            </a:extLst>
+          </a:blip>
+          <a:stretch>
+            <a:fillRect/>
+          </a:stretch>
+        </p:blipFill>
+        <p:spPr>
+          <a:xfrm>
+            <a:off x="20368840" y="3732694"/>
+            <a:ext cx="4052389" cy="3041631"/>
+          </a:xfrm>
+          <a:prstGeom prst="rect">
+            <a:avLst/>
+          </a:prstGeom>
+        </p:spPr>
+      </p:pic>
+      <p:pic>
+        <p:nvPicPr>
+          <p:cNvPr id="21" name="Obrázek 20" descr="Obsah obrázku Lidská tvář, osoba, oblečení, úsměv&#10;&#10;Popis byl vytvořen automaticky">
+            <a:extLst>
+              <a:ext uri="{FF2B5EF4-FFF2-40B4-BE49-F238E27FC236}">
+                <a16:creationId xmlns:a16="http://schemas.microsoft.com/office/drawing/2014/main" id="{A5F6C63D-717E-E242-DD80-235E6A3AE5FB}"/>
+              </a:ext>
+            </a:extLst>
+          </p:cNvPr>
+          <p:cNvPicPr>
+            <a:picLocks noChangeAspect="1"/>
+          </p:cNvPicPr>
+          <p:nvPr/>
+        </p:nvPicPr>
+        <p:blipFill rotWithShape="1">
+          <a:blip r:embed="rId7" cstate="print">
+            <a:extLst>
+              <a:ext uri="{28A0092B-C50C-407E-A947-70E740481C1C}">
+                <a14:useLocalDpi xmlns:a14="http://schemas.microsoft.com/office/drawing/2010/main" val="0"/>
+              </a:ext>
+            </a:extLst>
+          </a:blip>
           <a:srcRect t="28" b="355"/>
           <a:stretch/>
         </p:blipFill>
         <p:spPr>
           <a:xfrm>
-            <a:off x="1035103" y="5392737"/>
+            <a:off x="1023303" y="7473441"/>
             <a:ext cx="1670382" cy="2218615"/>
           </a:xfrm>
           <a:prstGeom prst="rect">
@@ -9142,170 +10676,10 @@
       </p:pic>
       <p:sp>
         <p:nvSpPr>
-          <p:cNvPr id="12" name="Obdélník 11">
+          <p:cNvPr id="23" name="Textplatzhalter 8">
             <a:extLst>
               <a:ext uri="{FF2B5EF4-FFF2-40B4-BE49-F238E27FC236}">
-                <a16:creationId xmlns:a16="http://schemas.microsoft.com/office/drawing/2014/main" id="{38ECD656-CF6E-96B4-E16D-C7339C40052E}"/>
-              </a:ext>
-            </a:extLst>
-          </p:cNvPr>
-          <p:cNvSpPr/>
-          <p:nvPr/>
-        </p:nvSpPr>
-        <p:spPr>
-          <a:xfrm>
-            <a:off x="1022986" y="848835"/>
-            <a:ext cx="7843699" cy="2313464"/>
-          </a:xfrm>
-          <a:prstGeom prst="rect">
-            <a:avLst/>
-          </a:prstGeom>
-          <a:solidFill>
-            <a:schemeClr val="bg1"/>
-          </a:solidFill>
-          <a:ln>
-            <a:solidFill>
-              <a:schemeClr val="bg1"/>
-            </a:solidFill>
-          </a:ln>
-        </p:spPr>
-        <p:style>
-          <a:lnRef idx="2">
-            <a:schemeClr val="accent1">
-              <a:shade val="50000"/>
-            </a:schemeClr>
-          </a:lnRef>
-          <a:fillRef idx="1">
-            <a:schemeClr val="accent1"/>
-          </a:fillRef>
-          <a:effectRef idx="0">
-            <a:schemeClr val="accent1"/>
-          </a:effectRef>
-          <a:fontRef idx="minor">
-            <a:schemeClr val="lt1"/>
-          </a:fontRef>
-        </p:style>
-        <p:txBody>
-          <a:bodyPr rtlCol="0" anchor="ctr"/>
-          <a:lstStyle/>
-          <a:p>
-            <a:pPr algn="ctr"/>
-            <a:endParaRPr lang="en-US"/>
-          </a:p>
-        </p:txBody>
-      </p:sp>
-      <p:pic>
-        <p:nvPicPr>
-          <p:cNvPr id="23" name="Obrázek 22" descr="Obsah obrázku kruh, skica, symbol, Písmo&#10;&#10;Popis byl vytvořen automaticky">
-            <a:extLst>
-              <a:ext uri="{FF2B5EF4-FFF2-40B4-BE49-F238E27FC236}">
-                <a16:creationId xmlns:a16="http://schemas.microsoft.com/office/drawing/2014/main" id="{110E3292-2923-FEC3-602E-E1E50A7366C4}"/>
-              </a:ext>
-            </a:extLst>
-          </p:cNvPr>
-          <p:cNvPicPr>
-            <a:picLocks noChangeAspect="1"/>
-          </p:cNvPicPr>
-          <p:nvPr/>
-        </p:nvPicPr>
-        <p:blipFill rotWithShape="1">
-          <a:blip r:embed="rId5" cstate="print">
-            <a:extLst>
-              <a:ext uri="{28A0092B-C50C-407E-A947-70E740481C1C}">
-                <a14:useLocalDpi xmlns:a14="http://schemas.microsoft.com/office/drawing/2010/main" val="0"/>
-              </a:ext>
-            </a:extLst>
-          </a:blip>
-          <a:srcRect l="9548" t="10527" r="12486" b="11778"/>
-          <a:stretch/>
-        </p:blipFill>
-        <p:spPr>
-          <a:xfrm>
-            <a:off x="27921007" y="1245356"/>
-            <a:ext cx="3289756" cy="3278322"/>
-          </a:xfrm>
-          <a:prstGeom prst="rect">
-            <a:avLst/>
-          </a:prstGeom>
-        </p:spPr>
-      </p:pic>
-      <p:pic>
-        <p:nvPicPr>
-          <p:cNvPr id="24" name="Obrázek 23" descr="Obsah obrázku Písmo, Grafika, logo, grafický design&#10;&#10;Popis byl vytvořen automaticky">
-            <a:extLst>
-              <a:ext uri="{FF2B5EF4-FFF2-40B4-BE49-F238E27FC236}">
-                <a16:creationId xmlns:a16="http://schemas.microsoft.com/office/drawing/2014/main" id="{31FDE860-B3E9-49DD-9533-C47C2925D18F}"/>
-              </a:ext>
-            </a:extLst>
-          </p:cNvPr>
-          <p:cNvPicPr>
-            <a:picLocks noChangeAspect="1"/>
-          </p:cNvPicPr>
-          <p:nvPr/>
-        </p:nvPicPr>
-        <p:blipFill rotWithShape="1">
-          <a:blip r:embed="rId6" cstate="print">
-            <a:extLst>
-              <a:ext uri="{28A0092B-C50C-407E-A947-70E740481C1C}">
-                <a14:useLocalDpi xmlns:a14="http://schemas.microsoft.com/office/drawing/2010/main" val="0"/>
-              </a:ext>
-            </a:extLst>
-          </a:blip>
-          <a:srcRect l="32652" t="17903" r="32568" b="18880"/>
-          <a:stretch/>
-        </p:blipFill>
-        <p:spPr>
-          <a:xfrm>
-            <a:off x="37247677" y="1363702"/>
-            <a:ext cx="4519544" cy="3041631"/>
-          </a:xfrm>
-          <a:prstGeom prst="rect">
-            <a:avLst/>
-          </a:prstGeom>
-        </p:spPr>
-      </p:pic>
-      <p:pic>
-        <p:nvPicPr>
-          <p:cNvPr id="25" name="Obrázek 24" descr="Obsah obrázku Písmo, Grafika, logo, symbol&#10;&#10;Popis byl vytvořen automaticky">
-            <a:extLst>
-              <a:ext uri="{FF2B5EF4-FFF2-40B4-BE49-F238E27FC236}">
-                <a16:creationId xmlns:a16="http://schemas.microsoft.com/office/drawing/2014/main" id="{04E173F8-3E54-9B3B-3034-9FB17A064A0B}"/>
-              </a:ext>
-            </a:extLst>
-          </p:cNvPr>
-          <p:cNvPicPr>
-            <a:picLocks noChangeAspect="1"/>
-          </p:cNvPicPr>
-          <p:nvPr/>
-        </p:nvPicPr>
-        <p:blipFill>
-          <a:blip r:embed="rId7" cstate="print">
-            <a:extLst>
-              <a:ext uri="{28A0092B-C50C-407E-A947-70E740481C1C}">
-                <a14:useLocalDpi xmlns:a14="http://schemas.microsoft.com/office/drawing/2010/main" val="0"/>
-              </a:ext>
-            </a:extLst>
-          </a:blip>
-          <a:stretch>
-            <a:fillRect/>
-          </a:stretch>
-        </p:blipFill>
-        <p:spPr>
-          <a:xfrm>
-            <a:off x="32397791" y="1468264"/>
-            <a:ext cx="4052389" cy="3041631"/>
-          </a:xfrm>
-          <a:prstGeom prst="rect">
-            <a:avLst/>
-          </a:prstGeom>
-        </p:spPr>
-      </p:pic>
-      <p:sp>
-        <p:nvSpPr>
-          <p:cNvPr id="2" name="Titel 1">
-            <a:extLst>
-              <a:ext uri="{FF2B5EF4-FFF2-40B4-BE49-F238E27FC236}">
-                <a16:creationId xmlns:a16="http://schemas.microsoft.com/office/drawing/2014/main" id="{1D1D0E6E-9054-E34A-62B9-A94187B2A3A1}"/>
+                <a16:creationId xmlns:a16="http://schemas.microsoft.com/office/drawing/2014/main" id="{9C89CD74-765A-BB24-42B3-B9C35A2C64BB}"/>
               </a:ext>
             </a:extLst>
           </p:cNvPr>
@@ -9313,13 +10687,13 @@
             <a:spLocks noGrp="1"/>
           </p:cNvSpPr>
           <p:nvPr>
-            <p:ph type="title"/>
+            <p:ph type="body" sz="quarter" idx="20"/>
           </p:nvPr>
         </p:nvSpPr>
         <p:spPr>
           <a:xfrm>
-            <a:off x="1" y="0"/>
-            <a:ext cx="24498223" cy="5099137"/>
+            <a:off x="3218649" y="7181191"/>
+            <a:ext cx="12673407" cy="2803116"/>
           </a:xfrm>
         </p:spPr>
         <p:txBody>
@@ -9328,7 +10702,25 @@
           <a:p>
             <a:r>
               <a:rPr lang="en-US" dirty="0"/>
-              <a:t>Anonymization of data for open science in psychology</a:t>
+              <a:t>Jiří Novák</a:t>
+            </a:r>
+          </a:p>
+          <a:p>
+            <a:r>
+              <a:rPr lang="en-US" sz="4000" i="1" dirty="0"/>
+              <a:t>- University of Zürich</a:t>
+            </a:r>
+          </a:p>
+          <a:p>
+            <a:r>
+              <a:rPr lang="en-US" sz="4000" i="1" dirty="0"/>
+              <a:t>- University of Applied Sciences Northwestern Switzerland</a:t>
+            </a:r>
+          </a:p>
+          <a:p>
+            <a:r>
+              <a:rPr lang="en-US" sz="4000" i="1" dirty="0"/>
+              <a:t>- Swiss Data Anonymization Competence Center</a:t>
             </a:r>
           </a:p>
         </p:txBody>
@@ -9338,7 +10730,7 @@
           <p:cNvPr id="28" name="TextBox 18">
             <a:extLst>
               <a:ext uri="{FF2B5EF4-FFF2-40B4-BE49-F238E27FC236}">
-                <a16:creationId xmlns:a16="http://schemas.microsoft.com/office/drawing/2014/main" id="{09C25E14-438A-6C08-1D52-77B1562F82FD}"/>
+                <a16:creationId xmlns:a16="http://schemas.microsoft.com/office/drawing/2014/main" id="{882DB551-F1CA-B34C-C6A7-30C202A92D5A}"/>
               </a:ext>
             </a:extLst>
           </p:cNvPr>
@@ -9347,7 +10739,7 @@
         </p:nvSpPr>
         <p:spPr>
           <a:xfrm>
-            <a:off x="39407543" y="27225793"/>
+            <a:off x="26614873" y="39691913"/>
             <a:ext cx="3123397" cy="1737247"/>
           </a:xfrm>
           <a:prstGeom prst="rect">
@@ -9470,57 +10862,12 @@
           </a:p>
         </p:txBody>
       </p:sp>
-      <p:cxnSp>
-        <p:nvCxnSpPr>
-          <p:cNvPr id="29" name="Straight Arrow Connector 23">
+      <p:pic>
+        <p:nvPicPr>
+          <p:cNvPr id="30" name="Picture 4" descr="Mobile Phone Logo Icon">
             <a:extLst>
               <a:ext uri="{FF2B5EF4-FFF2-40B4-BE49-F238E27FC236}">
-                <a16:creationId xmlns:a16="http://schemas.microsoft.com/office/drawing/2014/main" id="{7FD377B1-A7A8-B2E9-5EBB-F32DAAE52ED0}"/>
-              </a:ext>
-            </a:extLst>
-          </p:cNvPr>
-          <p:cNvCxnSpPr>
-            <a:cxnSpLocks/>
-          </p:cNvCxnSpPr>
-          <p:nvPr/>
-        </p:nvCxnSpPr>
-        <p:spPr>
-          <a:xfrm flipH="1">
-            <a:off x="35739777" y="28294096"/>
-            <a:ext cx="1420805" cy="0"/>
-          </a:xfrm>
-          <a:prstGeom prst="straightConnector1">
-            <a:avLst/>
-          </a:prstGeom>
-          <a:ln w="66675">
-            <a:solidFill>
-              <a:schemeClr val="tx1"/>
-            </a:solidFill>
-            <a:prstDash val="sysDot"/>
-            <a:tailEnd type="triangle"/>
-          </a:ln>
-        </p:spPr>
-        <p:style>
-          <a:lnRef idx="1">
-            <a:schemeClr val="accent1"/>
-          </a:lnRef>
-          <a:fillRef idx="0">
-            <a:schemeClr val="accent1"/>
-          </a:fillRef>
-          <a:effectRef idx="0">
-            <a:schemeClr val="accent1"/>
-          </a:effectRef>
-          <a:fontRef idx="minor">
-            <a:schemeClr val="tx1"/>
-          </a:fontRef>
-        </p:style>
-      </p:cxnSp>
-      <p:pic>
-        <p:nvPicPr>
-          <p:cNvPr id="1028" name="Picture 4" descr="Mobile Phone Logo Icon">
-            <a:extLst>
-              <a:ext uri="{FF2B5EF4-FFF2-40B4-BE49-F238E27FC236}">
-                <a16:creationId xmlns:a16="http://schemas.microsoft.com/office/drawing/2014/main" id="{150C0E1B-EBDB-0FFB-201E-3FD753317A10}"/>
+                <a16:creationId xmlns:a16="http://schemas.microsoft.com/office/drawing/2014/main" id="{7475C332-7014-0705-2BDE-F53C463297F3}"/>
               </a:ext>
             </a:extLst>
           </p:cNvPr>
@@ -9542,7 +10889,7 @@
         </p:blipFill>
         <p:spPr bwMode="auto">
           <a:xfrm>
-            <a:off x="37317027" y="26576256"/>
+            <a:off x="24421229" y="39168000"/>
             <a:ext cx="1748679" cy="3384377"/>
           </a:xfrm>
           <a:prstGeom prst="rect">
@@ -9562,10 +10909,10 @@
       </p:pic>
       <p:pic>
         <p:nvPicPr>
-          <p:cNvPr id="30" name="Obrázek 29" descr="Obsah obrázku vzor, steh&#10;&#10;Popis byl vytvořen automaticky">
+          <p:cNvPr id="31" name="Obrázek 30" descr="Obsah obrázku vzor, steh&#10;&#10;Popis byl vytvořen automaticky">
             <a:extLst>
               <a:ext uri="{FF2B5EF4-FFF2-40B4-BE49-F238E27FC236}">
-                <a16:creationId xmlns:a16="http://schemas.microsoft.com/office/drawing/2014/main" id="{1B49D67A-E60A-D0AE-3FD3-2E75F2ABB3AB}"/>
+                <a16:creationId xmlns:a16="http://schemas.microsoft.com/office/drawing/2014/main" id="{2AFD55CE-E51E-0E4E-2E3D-43A44AB6D10C}"/>
               </a:ext>
             </a:extLst>
           </p:cNvPr>
@@ -9588,7 +10935,7 @@
         </p:blipFill>
         <p:spPr>
           <a:xfrm>
-            <a:off x="32049518" y="26586878"/>
+            <a:off x="20285275" y="39191002"/>
             <a:ext cx="3384377" cy="3384377"/>
           </a:xfrm>
           <a:prstGeom prst="rect">
@@ -9598,10 +10945,10 @@
       </p:pic>
       <p:sp>
         <p:nvSpPr>
-          <p:cNvPr id="13" name="TextBox 2">
+          <p:cNvPr id="32" name="TextBox 2">
             <a:extLst>
               <a:ext uri="{FF2B5EF4-FFF2-40B4-BE49-F238E27FC236}">
-                <a16:creationId xmlns:a16="http://schemas.microsoft.com/office/drawing/2014/main" id="{03E9B7F9-97C0-5588-04B5-5B232DBE3E0C}"/>
+                <a16:creationId xmlns:a16="http://schemas.microsoft.com/office/drawing/2014/main" id="{0D587619-90C9-BF81-303A-BBE6C4BCCFEB}"/>
               </a:ext>
             </a:extLst>
           </p:cNvPr>
@@ -9610,7 +10957,7 @@
         </p:nvSpPr>
         <p:spPr>
           <a:xfrm>
-            <a:off x="1022987" y="21330858"/>
+            <a:off x="523442" y="33573188"/>
             <a:ext cx="9687878" cy="8979189"/>
           </a:xfrm>
           <a:prstGeom prst="rect">
@@ -9761,10 +11108,10 @@
       </p:sp>
       <p:pic>
         <p:nvPicPr>
-          <p:cNvPr id="14" name="Obrázek 13" descr="Obsah obrázku Grafika, Písmo, logo, symbol&#10;&#10;Popis byl vytvořen automaticky">
+          <p:cNvPr id="33" name="Obrázek 32" descr="Obsah obrázku Grafika, Písmo, logo, symbol&#10;&#10;Popis byl vytvořen automaticky">
             <a:extLst>
               <a:ext uri="{FF2B5EF4-FFF2-40B4-BE49-F238E27FC236}">
-                <a16:creationId xmlns:a16="http://schemas.microsoft.com/office/drawing/2014/main" id="{7922C171-8F97-32E1-0ADE-BE5AD6B09C8C}"/>
+                <a16:creationId xmlns:a16="http://schemas.microsoft.com/office/drawing/2014/main" id="{865D14C5-A73E-021C-7CC0-FAF22D98A936}"/>
               </a:ext>
             </a:extLst>
           </p:cNvPr>
@@ -9787,7 +11134,7 @@
         </p:blipFill>
         <p:spPr>
           <a:xfrm>
-            <a:off x="8656465" y="20092598"/>
+            <a:off x="7813958" y="32086285"/>
             <a:ext cx="1253808" cy="1221598"/>
           </a:xfrm>
           <a:prstGeom prst="rect">
@@ -9797,10 +11144,10 @@
       </p:pic>
       <p:pic>
         <p:nvPicPr>
-          <p:cNvPr id="22" name="Obrázek 21" descr="Obsah obrázku umění, Dětské kresby, snímek obrazovky&#10;&#10;Popis byl vytvořen automaticky">
+          <p:cNvPr id="34" name="Obrázek 33" descr="Obsah obrázku umění, Dětské kresby, snímek obrazovky&#10;&#10;Popis byl vytvořen automaticky">
             <a:extLst>
               <a:ext uri="{FF2B5EF4-FFF2-40B4-BE49-F238E27FC236}">
-                <a16:creationId xmlns:a16="http://schemas.microsoft.com/office/drawing/2014/main" id="{1CE581F8-2349-3A92-0961-E4A01BAEE569}"/>
+                <a16:creationId xmlns:a16="http://schemas.microsoft.com/office/drawing/2014/main" id="{A0510AFD-4E0F-812D-DCB7-BEDEDDED4FF9}"/>
               </a:ext>
             </a:extLst>
           </p:cNvPr>
@@ -9823,7 +11170,7 @@
         </p:blipFill>
         <p:spPr>
           <a:xfrm>
-            <a:off x="1905880" y="19903792"/>
+            <a:off x="1157249" y="31973978"/>
             <a:ext cx="1599210" cy="1599210"/>
           </a:xfrm>
           <a:prstGeom prst="rect">
@@ -9833,10 +11180,10 @@
       </p:pic>
       <p:pic>
         <p:nvPicPr>
-          <p:cNvPr id="26" name="Obrázek 25" descr="Obsah obrázku Písmo, Grafika, logo, design&#10;&#10;Popis byl vytvořen automaticky">
+          <p:cNvPr id="35" name="Obrázek 34" descr="Obsah obrázku Písmo, Grafika, logo, design&#10;&#10;Popis byl vytvořen automaticky">
             <a:extLst>
               <a:ext uri="{FF2B5EF4-FFF2-40B4-BE49-F238E27FC236}">
-                <a16:creationId xmlns:a16="http://schemas.microsoft.com/office/drawing/2014/main" id="{86957BA6-E164-0864-C8D9-9704FB08C478}"/>
+                <a16:creationId xmlns:a16="http://schemas.microsoft.com/office/drawing/2014/main" id="{7D166884-4831-A62C-D9DA-7A7A9B8E6F1E}"/>
               </a:ext>
             </a:extLst>
           </p:cNvPr>
@@ -9858,7 +11205,7 @@
         </p:blipFill>
         <p:spPr>
           <a:xfrm>
-            <a:off x="5112307" y="20171585"/>
+            <a:off x="4398910" y="32208004"/>
             <a:ext cx="1936941" cy="1063623"/>
           </a:xfrm>
           <a:prstGeom prst="rect">
@@ -9866,10 +11213,46 @@
           </a:prstGeom>
         </p:spPr>
       </p:pic>
+      <p:pic>
+        <p:nvPicPr>
+          <p:cNvPr id="40" name="Obrázek 39">
+            <a:extLst>
+              <a:ext uri="{FF2B5EF4-FFF2-40B4-BE49-F238E27FC236}">
+                <a16:creationId xmlns:a16="http://schemas.microsoft.com/office/drawing/2014/main" id="{92BDC802-FAC7-B413-BFC0-DD7DD4333EAF}"/>
+              </a:ext>
+            </a:extLst>
+          </p:cNvPr>
+          <p:cNvPicPr>
+            <a:picLocks noChangeAspect="1"/>
+          </p:cNvPicPr>
+          <p:nvPr/>
+        </p:nvPicPr>
+        <p:blipFill>
+          <a:blip r:embed="rId14"/>
+          <a:stretch>
+            <a:fillRect/>
+          </a:stretch>
+        </p:blipFill>
+        <p:spPr>
+          <a:xfrm>
+            <a:off x="21114270" y="72289"/>
+            <a:ext cx="9088935" cy="3408351"/>
+          </a:xfrm>
+          <a:prstGeom prst="rect">
+            <a:avLst/>
+          </a:prstGeom>
+          <a:ln w="73025" cmpd="sng">
+            <a:solidFill>
+              <a:schemeClr val="tx1"/>
+            </a:solidFill>
+            <a:miter lim="800000"/>
+          </a:ln>
+        </p:spPr>
+      </p:pic>
     </p:spTree>
     <p:extLst>
       <p:ext uri="{BB962C8B-B14F-4D97-AF65-F5344CB8AC3E}">
-        <p14:creationId xmlns:p14="http://schemas.microsoft.com/office/powerpoint/2010/main" val="2087964506"/>
+        <p14:creationId xmlns:p14="http://schemas.microsoft.com/office/powerpoint/2010/main" val="1511493334"/>
       </p:ext>
     </p:extLst>
   </p:cSld>
@@ -10138,7 +11521,7 @@
   <a:extraClrSchemeLst/>
   <a:extLst>
     <a:ext uri="{05A4C25C-085E-4340-85A3-A5531E510DB2}">
-      <thm15:themeFamily xmlns:thm15="http://schemas.microsoft.com/office/thememl/2012/main" name="Wissenschaftliche Poster A0 quer UHZ EN V2.potx" id="{8D477055-2395-4C9D-BC26-A2FB37C50349}" vid="{11B60372-6704-407C-BB5D-36752D403896}"/>
+      <thm15:themeFamily xmlns:thm15="http://schemas.microsoft.com/office/thememl/2012/main" name="Wissenschaftliche Poster A0 hoch UHZ EN V2.potx" id="{C4DE2F16-672D-49A6-8800-072FD1A0784E}" vid="{3343231B-2B18-4A43-BE13-F459ADF0BA48}"/>
     </a:ext>
   </a:extLst>
 </a:theme>
@@ -10942,7 +12325,7 @@
 </file>
 
 <file path=customXml/itemProps1.xml><?xml version="1.0" encoding="utf-8"?>
-<ds:datastoreItem xmlns:ds="http://schemas.openxmlformats.org/officeDocument/2006/customXml" ds:itemID="{1C2D9219-73E3-4032-AA3E-BE76EE84DC43}">
+<ds:datastoreItem xmlns:ds="http://schemas.openxmlformats.org/officeDocument/2006/customXml" ds:itemID="{1F3422E8-BE23-448C-AEDE-E777A2A57236}">
   <ds:schemaRefs>
     <ds:schemaRef ds:uri="http://schemas.microsoft.com/office/2006/metadata/contentType"/>
     <ds:schemaRef ds:uri="http://schemas.microsoft.com/office/2006/metadata/properties/metaAttributes"/>
@@ -10963,16 +12346,16 @@
 <file path=customXml/itemProps2.xml><?xml version="1.0" encoding="utf-8"?>
 <ds:datastoreItem xmlns:ds="http://schemas.openxmlformats.org/officeDocument/2006/customXml" ds:itemID="{5626B806-0237-4942-A1FD-5C97285908C2}">
   <ds:schemaRefs>
+    <ds:schemaRef ds:uri="http://schemas.microsoft.com/office/infopath/2007/PartnerControls"/>
+    <ds:schemaRef ds:uri="http://purl.org/dc/terms/"/>
+    <ds:schemaRef ds:uri="http://schemas.microsoft.com/office/2006/metadata/properties"/>
+    <ds:schemaRef ds:uri="http://schemas.microsoft.com/office/2006/documentManagement/types"/>
+    <ds:schemaRef ds:uri="http://purl.org/dc/elements/1.1/"/>
+    <ds:schemaRef ds:uri="http://schemas.openxmlformats.org/package/2006/metadata/core-properties"/>
+    <ds:schemaRef ds:uri="c9077d15-72ed-4fec-bcfe-3472729e9195"/>
+    <ds:schemaRef ds:uri="http://purl.org/dc/dcmitype/"/>
+    <ds:schemaRef ds:uri="bc24777f-78b6-4f3c-a73a-d5fa08e4d537"/>
     <ds:schemaRef ds:uri="http://www.w3.org/XML/1998/namespace"/>
-    <ds:schemaRef ds:uri="http://schemas.openxmlformats.org/package/2006/metadata/core-properties"/>
-    <ds:schemaRef ds:uri="http://purl.org/dc/terms/"/>
-    <ds:schemaRef ds:uri="http://schemas.microsoft.com/office/infopath/2007/PartnerControls"/>
-    <ds:schemaRef ds:uri="http://purl.org/dc/dcmitype/"/>
-    <ds:schemaRef ds:uri="http://schemas.microsoft.com/office/2006/metadata/properties"/>
-    <ds:schemaRef ds:uri="c9077d15-72ed-4fec-bcfe-3472729e9195"/>
-    <ds:schemaRef ds:uri="http://schemas.microsoft.com/office/2006/documentManagement/types"/>
-    <ds:schemaRef ds:uri="bc24777f-78b6-4f3c-a73a-d5fa08e4d537"/>
-    <ds:schemaRef ds:uri="http://purl.org/dc/elements/1.1/"/>
   </ds:schemaRefs>
 </ds:datastoreItem>
 </file>

--- a/Poster/2024_07 Poster_Novak.pptx
+++ b/Poster/2024_07 Poster_Novak.pptx
@@ -1166,7 +1166,7 @@
           <a:p>
             <a:fld id="{EEC665CA-D682-48EC-95D2-126FD6449D65}" type="datetime1">
               <a:rPr lang="de-CH" sz="900" smtClean="0"/>
-              <a:t>14.06.2024</a:t>
+              <a:t>20.06.2024</a:t>
             </a:fld>
             <a:endParaRPr lang="de-CH" sz="900"/>
           </a:p>
@@ -1468,7 +1468,7 @@
           <a:p>
             <a:fld id="{A17AAF7D-4283-4014-80F4-26E915FEACF8}" type="datetime1">
               <a:rPr lang="de-CH" smtClean="0"/>
-              <a:t>14.06.2024</a:t>
+              <a:t>20.06.2024</a:t>
             </a:fld>
             <a:endParaRPr lang="de-CH" dirty="0"/>
           </a:p>
@@ -12050,6 +12050,17 @@
 </file>
 
 <file path=customXml/item1.xml><?xml version="1.0" encoding="utf-8"?>
+<p:properties xmlns:p="http://schemas.microsoft.com/office/2006/metadata/properties" xmlns:xsi="http://www.w3.org/2001/XMLSchema-instance" xmlns:pc="http://schemas.microsoft.com/office/infopath/2007/PartnerControls">
+  <documentManagement>
+    <TaxCatchAll xmlns="bc24777f-78b6-4f3c-a73a-d5fa08e4d537" xsi:nil="true"/>
+    <lcf76f155ced4ddcb4097134ff3c332f xmlns="c9077d15-72ed-4fec-bcfe-3472729e9195">
+      <Terms xmlns="http://schemas.microsoft.com/office/infopath/2007/PartnerControls"/>
+    </lcf76f155ced4ddcb4097134ff3c332f>
+  </documentManagement>
+</p:properties>
+</file>
+
+<file path=customXml/item2.xml><?xml version="1.0" encoding="utf-8"?>
 <ct:contentTypeSchema xmlns:ct="http://schemas.microsoft.com/office/2006/metadata/contentType" xmlns:ma="http://schemas.microsoft.com/office/2006/metadata/properties/metaAttributes" ct:_="" ma:_="" ma:contentTypeName="Dokument" ma:contentTypeID="0x0101000E594130A2AF244FBF3F304D904ED593" ma:contentTypeVersion="18" ma:contentTypeDescription="Ein neues Dokument erstellen." ma:contentTypeScope="" ma:versionID="9c227ad3ab8d826471e210bb857ebfda">
   <xsd:schema xmlns:xsd="http://www.w3.org/2001/XMLSchema" xmlns:xs="http://www.w3.org/2001/XMLSchema" xmlns:p="http://schemas.microsoft.com/office/2006/metadata/properties" xmlns:ns2="c9077d15-72ed-4fec-bcfe-3472729e9195" xmlns:ns3="bc24777f-78b6-4f3c-a73a-d5fa08e4d537" targetNamespace="http://schemas.microsoft.com/office/2006/metadata/properties" ma:root="true" ma:fieldsID="2a0acd45fe6cc66a06723547185abeb0" ns2:_="" ns3:_="">
     <xsd:import namespace="c9077d15-72ed-4fec-bcfe-3472729e9195"/>
@@ -12304,17 +12315,6 @@
 </ct:contentTypeSchema>
 </file>
 
-<file path=customXml/item2.xml><?xml version="1.0" encoding="utf-8"?>
-<p:properties xmlns:p="http://schemas.microsoft.com/office/2006/metadata/properties" xmlns:xsi="http://www.w3.org/2001/XMLSchema-instance" xmlns:pc="http://schemas.microsoft.com/office/infopath/2007/PartnerControls">
-  <documentManagement>
-    <TaxCatchAll xmlns="bc24777f-78b6-4f3c-a73a-d5fa08e4d537" xsi:nil="true"/>
-    <lcf76f155ced4ddcb4097134ff3c332f xmlns="c9077d15-72ed-4fec-bcfe-3472729e9195">
-      <Terms xmlns="http://schemas.microsoft.com/office/infopath/2007/PartnerControls"/>
-    </lcf76f155ced4ddcb4097134ff3c332f>
-  </documentManagement>
-</p:properties>
-</file>
-
 <file path=customXml/item3.xml><?xml version="1.0" encoding="utf-8"?>
 <?mso-contentType ?>
 <FormTemplates xmlns="http://schemas.microsoft.com/sharepoint/v3/contenttype/forms">
@@ -12325,6 +12325,23 @@
 </file>
 
 <file path=customXml/itemProps1.xml><?xml version="1.0" encoding="utf-8"?>
+<ds:datastoreItem xmlns:ds="http://schemas.openxmlformats.org/officeDocument/2006/customXml" ds:itemID="{5626B806-0237-4942-A1FD-5C97285908C2}">
+  <ds:schemaRefs>
+    <ds:schemaRef ds:uri="http://schemas.microsoft.com/office/infopath/2007/PartnerControls"/>
+    <ds:schemaRef ds:uri="http://purl.org/dc/terms/"/>
+    <ds:schemaRef ds:uri="http://schemas.microsoft.com/office/2006/metadata/properties"/>
+    <ds:schemaRef ds:uri="http://schemas.microsoft.com/office/2006/documentManagement/types"/>
+    <ds:schemaRef ds:uri="http://purl.org/dc/elements/1.1/"/>
+    <ds:schemaRef ds:uri="http://schemas.openxmlformats.org/package/2006/metadata/core-properties"/>
+    <ds:schemaRef ds:uri="c9077d15-72ed-4fec-bcfe-3472729e9195"/>
+    <ds:schemaRef ds:uri="http://purl.org/dc/dcmitype/"/>
+    <ds:schemaRef ds:uri="bc24777f-78b6-4f3c-a73a-d5fa08e4d537"/>
+    <ds:schemaRef ds:uri="http://www.w3.org/XML/1998/namespace"/>
+  </ds:schemaRefs>
+</ds:datastoreItem>
+</file>
+
+<file path=customXml/itemProps2.xml><?xml version="1.0" encoding="utf-8"?>
 <ds:datastoreItem xmlns:ds="http://schemas.openxmlformats.org/officeDocument/2006/customXml" ds:itemID="{1F3422E8-BE23-448C-AEDE-E777A2A57236}">
   <ds:schemaRefs>
     <ds:schemaRef ds:uri="http://schemas.microsoft.com/office/2006/metadata/contentType"/>
@@ -12343,23 +12360,6 @@
 </ds:datastoreItem>
 </file>
 
-<file path=customXml/itemProps2.xml><?xml version="1.0" encoding="utf-8"?>
-<ds:datastoreItem xmlns:ds="http://schemas.openxmlformats.org/officeDocument/2006/customXml" ds:itemID="{5626B806-0237-4942-A1FD-5C97285908C2}">
-  <ds:schemaRefs>
-    <ds:schemaRef ds:uri="http://schemas.microsoft.com/office/infopath/2007/PartnerControls"/>
-    <ds:schemaRef ds:uri="http://purl.org/dc/terms/"/>
-    <ds:schemaRef ds:uri="http://schemas.microsoft.com/office/2006/metadata/properties"/>
-    <ds:schemaRef ds:uri="http://schemas.microsoft.com/office/2006/documentManagement/types"/>
-    <ds:schemaRef ds:uri="http://purl.org/dc/elements/1.1/"/>
-    <ds:schemaRef ds:uri="http://schemas.openxmlformats.org/package/2006/metadata/core-properties"/>
-    <ds:schemaRef ds:uri="c9077d15-72ed-4fec-bcfe-3472729e9195"/>
-    <ds:schemaRef ds:uri="http://purl.org/dc/dcmitype/"/>
-    <ds:schemaRef ds:uri="bc24777f-78b6-4f3c-a73a-d5fa08e4d537"/>
-    <ds:schemaRef ds:uri="http://www.w3.org/XML/1998/namespace"/>
-  </ds:schemaRefs>
-</ds:datastoreItem>
-</file>
-
 <file path=customXml/itemProps3.xml><?xml version="1.0" encoding="utf-8"?>
 <ds:datastoreItem xmlns:ds="http://schemas.openxmlformats.org/officeDocument/2006/customXml" ds:itemID="{4B6B7BE2-63AD-4C37-AC44-F0E4FC348E24}">
   <ds:schemaRefs>

--- a/Poster/2024_07 Poster_Novak.pptx
+++ b/Poster/2024_07 Poster_Novak.pptx
@@ -119,965 +119,6 @@
     </p:ext>
   </p:extLst>
 </p:presentation>
-</file>
-
-<file path=ppt/charts/chart1.xml><?xml version="1.0" encoding="utf-8"?>
-<c:chartSpace xmlns:c="http://schemas.openxmlformats.org/drawingml/2006/chart" xmlns:a="http://schemas.openxmlformats.org/drawingml/2006/main" xmlns:r="http://schemas.openxmlformats.org/officeDocument/2006/relationships" xmlns:c16r2="http://schemas.microsoft.com/office/drawing/2015/06/chart">
-  <c:date1904 val="0"/>
-  <c:lang val="cs-CZ"/>
-  <c:roundedCorners val="0"/>
-  <mc:AlternateContent xmlns:mc="http://schemas.openxmlformats.org/markup-compatibility/2006">
-    <mc:Choice xmlns:c14="http://schemas.microsoft.com/office/drawing/2007/8/2/chart" Requires="c14">
-      <c14:style val="102"/>
-    </mc:Choice>
-    <mc:Fallback>
-      <c:style val="2"/>
-    </mc:Fallback>
-  </mc:AlternateContent>
-  <c:chart>
-    <c:autoTitleDeleted val="1"/>
-    <c:plotArea>
-      <c:layout/>
-      <c:barChart>
-        <c:barDir val="bar"/>
-        <c:grouping val="stacked"/>
-        <c:varyColors val="0"/>
-        <c:ser>
-          <c:idx val="0"/>
-          <c:order val="0"/>
-          <c:tx>
-            <c:strRef>
-              <c:f>Tabelle1!$B$1</c:f>
-              <c:strCache>
-                <c:ptCount val="1"/>
-                <c:pt idx="0">
-                  <c:v>Lorem Ipsum dolor</c:v>
-                </c:pt>
-              </c:strCache>
-            </c:strRef>
-          </c:tx>
-          <c:spPr>
-            <a:solidFill>
-              <a:schemeClr val="accent2"/>
-            </a:solidFill>
-            <a:ln w="12700">
-              <a:solidFill>
-                <a:schemeClr val="accent1"/>
-              </a:solidFill>
-            </a:ln>
-            <a:effectLst/>
-          </c:spPr>
-          <c:invertIfNegative val="0"/>
-          <c:cat>
-            <c:strRef>
-              <c:f>Tabelle1!$A$2:$A$9</c:f>
-              <c:strCache>
-                <c:ptCount val="8"/>
-                <c:pt idx="0">
-                  <c:v>Lorem Ipsum</c:v>
-                </c:pt>
-                <c:pt idx="1">
-                  <c:v>Lorem Ipsum</c:v>
-                </c:pt>
-                <c:pt idx="2">
-                  <c:v>Lorem Ipsum</c:v>
-                </c:pt>
-                <c:pt idx="3">
-                  <c:v>Lorem Ipsum</c:v>
-                </c:pt>
-                <c:pt idx="4">
-                  <c:v>Lorem Ipsum</c:v>
-                </c:pt>
-                <c:pt idx="5">
-                  <c:v>Lorem Ipsum</c:v>
-                </c:pt>
-                <c:pt idx="6">
-                  <c:v>Lorem Ipsum</c:v>
-                </c:pt>
-                <c:pt idx="7">
-                  <c:v>Lorem Ipsum</c:v>
-                </c:pt>
-              </c:strCache>
-            </c:strRef>
-          </c:cat>
-          <c:val>
-            <c:numRef>
-              <c:f>Tabelle1!$B$2:$B$9</c:f>
-              <c:numCache>
-                <c:formatCode>General</c:formatCode>
-                <c:ptCount val="8"/>
-                <c:pt idx="0">
-                  <c:v>650</c:v>
-                </c:pt>
-                <c:pt idx="1">
-                  <c:v>100</c:v>
-                </c:pt>
-                <c:pt idx="2">
-                  <c:v>500</c:v>
-                </c:pt>
-                <c:pt idx="3">
-                  <c:v>300</c:v>
-                </c:pt>
-                <c:pt idx="4">
-                  <c:v>200</c:v>
-                </c:pt>
-                <c:pt idx="5">
-                  <c:v>400</c:v>
-                </c:pt>
-                <c:pt idx="6">
-                  <c:v>800</c:v>
-                </c:pt>
-                <c:pt idx="7">
-                  <c:v>1300</c:v>
-                </c:pt>
-              </c:numCache>
-            </c:numRef>
-          </c:val>
-          <c:extLst>
-            <c:ext xmlns:c16="http://schemas.microsoft.com/office/drawing/2014/chart" uri="{C3380CC4-5D6E-409C-BE32-E72D297353CC}">
-              <c16:uniqueId val="{00000000-275E-4993-9FDB-64C1B73B0E34}"/>
-            </c:ext>
-          </c:extLst>
-        </c:ser>
-        <c:ser>
-          <c:idx val="1"/>
-          <c:order val="1"/>
-          <c:tx>
-            <c:strRef>
-              <c:f>Tabelle1!$C$1</c:f>
-              <c:strCache>
-                <c:ptCount val="1"/>
-                <c:pt idx="0">
-                  <c:v>Lorem Ipsum</c:v>
-                </c:pt>
-              </c:strCache>
-            </c:strRef>
-          </c:tx>
-          <c:spPr>
-            <a:solidFill>
-              <a:schemeClr val="accent1"/>
-            </a:solidFill>
-            <a:ln w="12700">
-              <a:solidFill>
-                <a:schemeClr val="accent1"/>
-              </a:solidFill>
-            </a:ln>
-            <a:effectLst/>
-          </c:spPr>
-          <c:invertIfNegative val="0"/>
-          <c:cat>
-            <c:strRef>
-              <c:f>Tabelle1!$A$2:$A$9</c:f>
-              <c:strCache>
-                <c:ptCount val="8"/>
-                <c:pt idx="0">
-                  <c:v>Lorem Ipsum</c:v>
-                </c:pt>
-                <c:pt idx="1">
-                  <c:v>Lorem Ipsum</c:v>
-                </c:pt>
-                <c:pt idx="2">
-                  <c:v>Lorem Ipsum</c:v>
-                </c:pt>
-                <c:pt idx="3">
-                  <c:v>Lorem Ipsum</c:v>
-                </c:pt>
-                <c:pt idx="4">
-                  <c:v>Lorem Ipsum</c:v>
-                </c:pt>
-                <c:pt idx="5">
-                  <c:v>Lorem Ipsum</c:v>
-                </c:pt>
-                <c:pt idx="6">
-                  <c:v>Lorem Ipsum</c:v>
-                </c:pt>
-                <c:pt idx="7">
-                  <c:v>Lorem Ipsum</c:v>
-                </c:pt>
-              </c:strCache>
-            </c:strRef>
-          </c:cat>
-          <c:val>
-            <c:numRef>
-              <c:f>Tabelle1!$C$2:$C$9</c:f>
-              <c:numCache>
-                <c:formatCode>General</c:formatCode>
-                <c:ptCount val="8"/>
-                <c:pt idx="0">
-                  <c:v>150</c:v>
-                </c:pt>
-                <c:pt idx="1">
-                  <c:v>100</c:v>
-                </c:pt>
-                <c:pt idx="2">
-                  <c:v>200</c:v>
-                </c:pt>
-                <c:pt idx="3">
-                  <c:v>600</c:v>
-                </c:pt>
-                <c:pt idx="4">
-                  <c:v>600</c:v>
-                </c:pt>
-                <c:pt idx="5">
-                  <c:v>800</c:v>
-                </c:pt>
-                <c:pt idx="6">
-                  <c:v>400</c:v>
-                </c:pt>
-                <c:pt idx="7">
-                  <c:v>600</c:v>
-                </c:pt>
-              </c:numCache>
-            </c:numRef>
-          </c:val>
-          <c:extLst>
-            <c:ext xmlns:c16="http://schemas.microsoft.com/office/drawing/2014/chart" uri="{C3380CC4-5D6E-409C-BE32-E72D297353CC}">
-              <c16:uniqueId val="{00000001-275E-4993-9FDB-64C1B73B0E34}"/>
-            </c:ext>
-          </c:extLst>
-        </c:ser>
-        <c:dLbls>
-          <c:showLegendKey val="0"/>
-          <c:showVal val="0"/>
-          <c:showCatName val="0"/>
-          <c:showSerName val="0"/>
-          <c:showPercent val="0"/>
-          <c:showBubbleSize val="0"/>
-        </c:dLbls>
-        <c:gapWidth val="60"/>
-        <c:overlap val="100"/>
-        <c:axId val="1031313328"/>
-        <c:axId val="1031313744"/>
-      </c:barChart>
-      <c:catAx>
-        <c:axId val="1031313328"/>
-        <c:scaling>
-          <c:orientation val="minMax"/>
-        </c:scaling>
-        <c:delete val="0"/>
-        <c:axPos val="l"/>
-        <c:majorGridlines>
-          <c:spPr>
-            <a:ln w="9525" cap="flat" cmpd="sng" algn="ctr">
-              <a:noFill/>
-              <a:round/>
-            </a:ln>
-            <a:effectLst/>
-          </c:spPr>
-        </c:majorGridlines>
-        <c:numFmt formatCode="General" sourceLinked="1"/>
-        <c:majorTickMark val="none"/>
-        <c:minorTickMark val="none"/>
-        <c:tickLblPos val="nextTo"/>
-        <c:spPr>
-          <a:noFill/>
-          <a:ln w="9525" cap="flat" cmpd="sng" algn="ctr">
-            <a:solidFill>
-              <a:schemeClr val="tx1">
-                <a:lumMod val="15000"/>
-                <a:lumOff val="85000"/>
-              </a:schemeClr>
-            </a:solidFill>
-            <a:round/>
-          </a:ln>
-          <a:effectLst/>
-        </c:spPr>
-        <c:txPr>
-          <a:bodyPr rot="-60000000" spcFirstLastPara="1" vertOverflow="ellipsis" vert="horz" wrap="square" anchor="ctr" anchorCtr="1"/>
-          <a:lstStyle/>
-          <a:p>
-            <a:pPr>
-              <a:defRPr sz="2000" b="1" i="0" u="none" strike="noStrike" kern="1200" baseline="0">
-                <a:solidFill>
-                  <a:schemeClr val="tx1"/>
-                </a:solidFill>
-                <a:latin typeface="+mn-lt"/>
-                <a:ea typeface="+mn-ea"/>
-                <a:cs typeface="+mn-cs"/>
-              </a:defRPr>
-            </a:pPr>
-            <a:endParaRPr lang="en-US"/>
-          </a:p>
-        </c:txPr>
-        <c:crossAx val="1031313744"/>
-        <c:crosses val="autoZero"/>
-        <c:auto val="1"/>
-        <c:lblAlgn val="ctr"/>
-        <c:lblOffset val="100"/>
-        <c:noMultiLvlLbl val="0"/>
-      </c:catAx>
-      <c:valAx>
-        <c:axId val="1031313744"/>
-        <c:scaling>
-          <c:orientation val="minMax"/>
-        </c:scaling>
-        <c:delete val="0"/>
-        <c:axPos val="b"/>
-        <c:majorGridlines>
-          <c:spPr>
-            <a:ln w="9525" cap="flat" cmpd="sng" algn="ctr">
-              <a:solidFill>
-                <a:schemeClr val="tx1">
-                  <a:lumMod val="15000"/>
-                  <a:lumOff val="85000"/>
-                </a:schemeClr>
-              </a:solidFill>
-              <a:round/>
-            </a:ln>
-            <a:effectLst/>
-          </c:spPr>
-        </c:majorGridlines>
-        <c:numFmt formatCode="General" sourceLinked="1"/>
-        <c:majorTickMark val="none"/>
-        <c:minorTickMark val="none"/>
-        <c:tickLblPos val="nextTo"/>
-        <c:spPr>
-          <a:noFill/>
-          <a:ln w="12700">
-            <a:solidFill>
-              <a:schemeClr val="accent1"/>
-            </a:solidFill>
-          </a:ln>
-          <a:effectLst/>
-        </c:spPr>
-        <c:txPr>
-          <a:bodyPr rot="-60000000" spcFirstLastPara="1" vertOverflow="ellipsis" vert="horz" wrap="square" anchor="ctr" anchorCtr="1"/>
-          <a:lstStyle/>
-          <a:p>
-            <a:pPr>
-              <a:defRPr sz="2000" b="1" i="0" u="none" strike="noStrike" kern="1200" baseline="0">
-                <a:solidFill>
-                  <a:schemeClr val="accent1"/>
-                </a:solidFill>
-                <a:latin typeface="+mn-lt"/>
-                <a:ea typeface="+mn-ea"/>
-                <a:cs typeface="+mn-cs"/>
-              </a:defRPr>
-            </a:pPr>
-            <a:endParaRPr lang="en-US"/>
-          </a:p>
-        </c:txPr>
-        <c:crossAx val="1031313328"/>
-        <c:crosses val="autoZero"/>
-        <c:crossBetween val="between"/>
-      </c:valAx>
-      <c:spPr>
-        <a:noFill/>
-        <a:ln>
-          <a:noFill/>
-        </a:ln>
-        <a:effectLst/>
-      </c:spPr>
-    </c:plotArea>
-    <c:legend>
-      <c:legendPos val="b"/>
-      <c:overlay val="0"/>
-      <c:spPr>
-        <a:noFill/>
-        <a:ln>
-          <a:noFill/>
-        </a:ln>
-        <a:effectLst/>
-      </c:spPr>
-      <c:txPr>
-        <a:bodyPr rot="0" spcFirstLastPara="1" vertOverflow="ellipsis" vert="horz" wrap="square" anchor="ctr" anchorCtr="1"/>
-        <a:lstStyle/>
-        <a:p>
-          <a:pPr>
-            <a:defRPr sz="2000" b="1" i="0" u="none" strike="noStrike" kern="1200" baseline="0">
-              <a:solidFill>
-                <a:schemeClr val="tx1"/>
-              </a:solidFill>
-              <a:latin typeface="+mn-lt"/>
-              <a:ea typeface="+mn-ea"/>
-              <a:cs typeface="+mn-cs"/>
-            </a:defRPr>
-          </a:pPr>
-          <a:endParaRPr lang="en-US"/>
-        </a:p>
-      </c:txPr>
-    </c:legend>
-    <c:plotVisOnly val="1"/>
-    <c:dispBlanksAs val="gap"/>
-    <c:extLst>
-      <c:ext xmlns:c16r3="http://schemas.microsoft.com/office/drawing/2017/03/chart" uri="{56B9EC1D-385E-4148-901F-78D8002777C0}">
-        <c16r3:dataDisplayOptions16>
-          <c16r3:dispNaAsBlank val="1"/>
-        </c16r3:dataDisplayOptions16>
-      </c:ext>
-    </c:extLst>
-    <c:showDLblsOverMax val="0"/>
-  </c:chart>
-  <c:spPr>
-    <a:noFill/>
-    <a:ln>
-      <a:noFill/>
-    </a:ln>
-    <a:effectLst/>
-  </c:spPr>
-  <c:txPr>
-    <a:bodyPr/>
-    <a:lstStyle/>
-    <a:p>
-      <a:pPr>
-        <a:defRPr sz="2000" b="1">
-          <a:solidFill>
-            <a:schemeClr val="tx1"/>
-          </a:solidFill>
-        </a:defRPr>
-      </a:pPr>
-      <a:endParaRPr lang="en-US"/>
-    </a:p>
-  </c:txPr>
-  <c:externalData r:id="rId3">
-    <c:autoUpdate val="0"/>
-  </c:externalData>
-</c:chartSpace>
-</file>
-
-<file path=ppt/charts/colors1.xml><?xml version="1.0" encoding="utf-8"?>
-<cs:colorStyle xmlns:cs="http://schemas.microsoft.com/office/drawing/2012/chartStyle" xmlns:a="http://schemas.openxmlformats.org/drawingml/2006/main" meth="cycle" id="10">
-  <a:schemeClr val="accent1"/>
-  <a:schemeClr val="accent2"/>
-  <a:schemeClr val="accent3"/>
-  <a:schemeClr val="accent4"/>
-  <a:schemeClr val="accent5"/>
-  <a:schemeClr val="accent6"/>
-  <cs:variation/>
-  <cs:variation>
-    <a:lumMod val="60000"/>
-  </cs:variation>
-  <cs:variation>
-    <a:lumMod val="80000"/>
-    <a:lumOff val="20000"/>
-  </cs:variation>
-  <cs:variation>
-    <a:lumMod val="80000"/>
-  </cs:variation>
-  <cs:variation>
-    <a:lumMod val="60000"/>
-    <a:lumOff val="40000"/>
-  </cs:variation>
-  <cs:variation>
-    <a:lumMod val="50000"/>
-  </cs:variation>
-  <cs:variation>
-    <a:lumMod val="70000"/>
-    <a:lumOff val="30000"/>
-  </cs:variation>
-  <cs:variation>
-    <a:lumMod val="70000"/>
-  </cs:variation>
-  <cs:variation>
-    <a:lumMod val="50000"/>
-    <a:lumOff val="50000"/>
-  </cs:variation>
-</cs:colorStyle>
-</file>
-
-<file path=ppt/charts/style1.xml><?xml version="1.0" encoding="utf-8"?>
-<cs:chartStyle xmlns:cs="http://schemas.microsoft.com/office/drawing/2012/chartStyle" xmlns:a="http://schemas.openxmlformats.org/drawingml/2006/main" id="297">
-  <cs:axisTitle>
-    <cs:lnRef idx="0"/>
-    <cs:fillRef idx="0"/>
-    <cs:effectRef idx="0"/>
-    <cs:fontRef idx="minor">
-      <a:schemeClr val="tx1">
-        <a:lumMod val="65000"/>
-        <a:lumOff val="35000"/>
-      </a:schemeClr>
-    </cs:fontRef>
-    <cs:defRPr sz="1330" kern="1200"/>
-  </cs:axisTitle>
-  <cs:categoryAxis>
-    <cs:lnRef idx="0"/>
-    <cs:fillRef idx="0"/>
-    <cs:effectRef idx="0"/>
-    <cs:fontRef idx="minor">
-      <a:schemeClr val="tx1">
-        <a:lumMod val="65000"/>
-        <a:lumOff val="35000"/>
-      </a:schemeClr>
-    </cs:fontRef>
-    <cs:spPr>
-      <a:ln w="9525" cap="flat" cmpd="sng" algn="ctr">
-        <a:solidFill>
-          <a:schemeClr val="tx1">
-            <a:lumMod val="15000"/>
-            <a:lumOff val="85000"/>
-          </a:schemeClr>
-        </a:solidFill>
-        <a:round/>
-      </a:ln>
-    </cs:spPr>
-    <cs:defRPr sz="1197" kern="1200"/>
-  </cs:categoryAxis>
-  <cs:chartArea mods="allowNoFillOverride allowNoLineOverride">
-    <cs:lnRef idx="0"/>
-    <cs:fillRef idx="0"/>
-    <cs:effectRef idx="0"/>
-    <cs:fontRef idx="minor">
-      <a:schemeClr val="tx1"/>
-    </cs:fontRef>
-    <cs:spPr>
-      <a:solidFill>
-        <a:schemeClr val="bg1"/>
-      </a:solidFill>
-      <a:ln w="9525" cap="flat" cmpd="sng" algn="ctr">
-        <a:solidFill>
-          <a:schemeClr val="tx1">
-            <a:lumMod val="15000"/>
-            <a:lumOff val="85000"/>
-          </a:schemeClr>
-        </a:solidFill>
-        <a:round/>
-      </a:ln>
-    </cs:spPr>
-    <cs:defRPr sz="1330" kern="1200"/>
-  </cs:chartArea>
-  <cs:dataLabel>
-    <cs:lnRef idx="0"/>
-    <cs:fillRef idx="0"/>
-    <cs:effectRef idx="0"/>
-    <cs:fontRef idx="minor">
-      <a:schemeClr val="tx1">
-        <a:lumMod val="75000"/>
-        <a:lumOff val="25000"/>
-      </a:schemeClr>
-    </cs:fontRef>
-    <cs:defRPr sz="1197" kern="1200"/>
-  </cs:dataLabel>
-  <cs:dataLabelCallout>
-    <cs:lnRef idx="0"/>
-    <cs:fillRef idx="0"/>
-    <cs:effectRef idx="0"/>
-    <cs:fontRef idx="minor">
-      <a:schemeClr val="dk1">
-        <a:lumMod val="65000"/>
-        <a:lumOff val="35000"/>
-      </a:schemeClr>
-    </cs:fontRef>
-    <cs:spPr>
-      <a:solidFill>
-        <a:schemeClr val="lt1"/>
-      </a:solidFill>
-      <a:ln>
-        <a:solidFill>
-          <a:schemeClr val="dk1">
-            <a:lumMod val="25000"/>
-            <a:lumOff val="75000"/>
-          </a:schemeClr>
-        </a:solidFill>
-      </a:ln>
-    </cs:spPr>
-    <cs:defRPr sz="1197" kern="1200"/>
-    <cs:bodyPr rot="0" spcFirstLastPara="1" vertOverflow="clip" horzOverflow="clip" vert="horz" wrap="square" lIns="36576" tIns="18288" rIns="36576" bIns="18288" anchor="ctr" anchorCtr="1">
-      <a:spAutoFit/>
-    </cs:bodyPr>
-  </cs:dataLabelCallout>
-  <cs:dataPoint>
-    <cs:lnRef idx="0"/>
-    <cs:fillRef idx="1">
-      <cs:styleClr val="auto"/>
-    </cs:fillRef>
-    <cs:effectRef idx="0"/>
-    <cs:fontRef idx="minor">
-      <a:schemeClr val="tx1"/>
-    </cs:fontRef>
-  </cs:dataPoint>
-  <cs:dataPoint3D>
-    <cs:lnRef idx="0"/>
-    <cs:fillRef idx="1">
-      <cs:styleClr val="auto"/>
-    </cs:fillRef>
-    <cs:effectRef idx="0"/>
-    <cs:fontRef idx="minor">
-      <a:schemeClr val="tx1"/>
-    </cs:fontRef>
-  </cs:dataPoint3D>
-  <cs:dataPointLine>
-    <cs:lnRef idx="0">
-      <cs:styleClr val="auto"/>
-    </cs:lnRef>
-    <cs:fillRef idx="1"/>
-    <cs:effectRef idx="0"/>
-    <cs:fontRef idx="minor">
-      <a:schemeClr val="tx1"/>
-    </cs:fontRef>
-    <cs:spPr>
-      <a:ln w="28575" cap="rnd">
-        <a:solidFill>
-          <a:schemeClr val="phClr"/>
-        </a:solidFill>
-        <a:round/>
-      </a:ln>
-    </cs:spPr>
-  </cs:dataPointLine>
-  <cs:dataPointMarker>
-    <cs:lnRef idx="0">
-      <cs:styleClr val="auto"/>
-    </cs:lnRef>
-    <cs:fillRef idx="1">
-      <cs:styleClr val="auto"/>
-    </cs:fillRef>
-    <cs:effectRef idx="0"/>
-    <cs:fontRef idx="minor">
-      <a:schemeClr val="tx1"/>
-    </cs:fontRef>
-    <cs:spPr>
-      <a:ln w="9525">
-        <a:solidFill>
-          <a:schemeClr val="phClr"/>
-        </a:solidFill>
-      </a:ln>
-    </cs:spPr>
-  </cs:dataPointMarker>
-  <cs:dataPointMarkerLayout symbol="circle" size="5"/>
-  <cs:dataPointWireframe>
-    <cs:lnRef idx="0">
-      <cs:styleClr val="auto"/>
-    </cs:lnRef>
-    <cs:fillRef idx="1"/>
-    <cs:effectRef idx="0"/>
-    <cs:fontRef idx="minor">
-      <a:schemeClr val="tx1"/>
-    </cs:fontRef>
-    <cs:spPr>
-      <a:ln w="9525" cap="rnd">
-        <a:solidFill>
-          <a:schemeClr val="phClr"/>
-        </a:solidFill>
-        <a:round/>
-      </a:ln>
-    </cs:spPr>
-  </cs:dataPointWireframe>
-  <cs:dataTable>
-    <cs:lnRef idx="0"/>
-    <cs:fillRef idx="0"/>
-    <cs:effectRef idx="0"/>
-    <cs:fontRef idx="minor">
-      <a:schemeClr val="tx1">
-        <a:lumMod val="65000"/>
-        <a:lumOff val="35000"/>
-      </a:schemeClr>
-    </cs:fontRef>
-    <cs:spPr>
-      <a:noFill/>
-      <a:ln w="9525" cap="flat" cmpd="sng" algn="ctr">
-        <a:solidFill>
-          <a:schemeClr val="tx1">
-            <a:lumMod val="15000"/>
-            <a:lumOff val="85000"/>
-          </a:schemeClr>
-        </a:solidFill>
-        <a:round/>
-      </a:ln>
-    </cs:spPr>
-    <cs:defRPr sz="1197" kern="1200"/>
-  </cs:dataTable>
-  <cs:downBar>
-    <cs:lnRef idx="0"/>
-    <cs:fillRef idx="0"/>
-    <cs:effectRef idx="0"/>
-    <cs:fontRef idx="minor">
-      <a:schemeClr val="tx1"/>
-    </cs:fontRef>
-    <cs:spPr>
-      <a:solidFill>
-        <a:schemeClr val="dk1">
-          <a:lumMod val="75000"/>
-          <a:lumOff val="25000"/>
-        </a:schemeClr>
-      </a:solidFill>
-      <a:ln w="9525" cap="flat" cmpd="sng" algn="ctr">
-        <a:solidFill>
-          <a:schemeClr val="tx1">
-            <a:lumMod val="65000"/>
-            <a:lumOff val="35000"/>
-          </a:schemeClr>
-        </a:solidFill>
-        <a:round/>
-      </a:ln>
-    </cs:spPr>
-  </cs:downBar>
-  <cs:dropLine>
-    <cs:lnRef idx="0"/>
-    <cs:fillRef idx="0"/>
-    <cs:effectRef idx="0"/>
-    <cs:fontRef idx="minor">
-      <a:schemeClr val="tx1"/>
-    </cs:fontRef>
-    <cs:spPr>
-      <a:ln w="9525" cap="flat" cmpd="sng" algn="ctr">
-        <a:solidFill>
-          <a:schemeClr val="tx1">
-            <a:lumMod val="35000"/>
-            <a:lumOff val="65000"/>
-          </a:schemeClr>
-        </a:solidFill>
-        <a:round/>
-      </a:ln>
-    </cs:spPr>
-  </cs:dropLine>
-  <cs:errorBar>
-    <cs:lnRef idx="0"/>
-    <cs:fillRef idx="0"/>
-    <cs:effectRef idx="0"/>
-    <cs:fontRef idx="minor">
-      <a:schemeClr val="tx1"/>
-    </cs:fontRef>
-    <cs:spPr>
-      <a:ln w="9525" cap="flat" cmpd="sng" algn="ctr">
-        <a:solidFill>
-          <a:schemeClr val="tx1">
-            <a:lumMod val="65000"/>
-            <a:lumOff val="35000"/>
-          </a:schemeClr>
-        </a:solidFill>
-        <a:round/>
-      </a:ln>
-    </cs:spPr>
-  </cs:errorBar>
-  <cs:floor>
-    <cs:lnRef idx="0"/>
-    <cs:fillRef idx="0"/>
-    <cs:effectRef idx="0"/>
-    <cs:fontRef idx="minor">
-      <a:schemeClr val="tx1"/>
-    </cs:fontRef>
-    <cs:spPr>
-      <a:noFill/>
-      <a:ln>
-        <a:noFill/>
-      </a:ln>
-    </cs:spPr>
-  </cs:floor>
-  <cs:gridlineMajor>
-    <cs:lnRef idx="0"/>
-    <cs:fillRef idx="0"/>
-    <cs:effectRef idx="0"/>
-    <cs:fontRef idx="minor">
-      <a:schemeClr val="tx1"/>
-    </cs:fontRef>
-    <cs:spPr>
-      <a:ln w="9525" cap="flat" cmpd="sng" algn="ctr">
-        <a:solidFill>
-          <a:schemeClr val="tx1">
-            <a:lumMod val="15000"/>
-            <a:lumOff val="85000"/>
-          </a:schemeClr>
-        </a:solidFill>
-        <a:round/>
-      </a:ln>
-    </cs:spPr>
-  </cs:gridlineMajor>
-  <cs:gridlineMinor>
-    <cs:lnRef idx="0"/>
-    <cs:fillRef idx="0"/>
-    <cs:effectRef idx="0"/>
-    <cs:fontRef idx="minor">
-      <a:schemeClr val="tx1"/>
-    </cs:fontRef>
-    <cs:spPr>
-      <a:ln w="9525" cap="flat" cmpd="sng" algn="ctr">
-        <a:solidFill>
-          <a:schemeClr val="tx1">
-            <a:lumMod val="5000"/>
-            <a:lumOff val="95000"/>
-          </a:schemeClr>
-        </a:solidFill>
-        <a:round/>
-      </a:ln>
-    </cs:spPr>
-  </cs:gridlineMinor>
-  <cs:hiLoLine>
-    <cs:lnRef idx="0"/>
-    <cs:fillRef idx="0"/>
-    <cs:effectRef idx="0"/>
-    <cs:fontRef idx="minor">
-      <a:schemeClr val="tx1"/>
-    </cs:fontRef>
-    <cs:spPr>
-      <a:ln w="9525" cap="flat" cmpd="sng" algn="ctr">
-        <a:solidFill>
-          <a:schemeClr val="tx1">
-            <a:lumMod val="50000"/>
-            <a:lumOff val="50000"/>
-          </a:schemeClr>
-        </a:solidFill>
-        <a:round/>
-      </a:ln>
-    </cs:spPr>
-  </cs:hiLoLine>
-  <cs:leaderLine>
-    <cs:lnRef idx="0"/>
-    <cs:fillRef idx="0"/>
-    <cs:effectRef idx="0"/>
-    <cs:fontRef idx="minor">
-      <a:schemeClr val="tx1"/>
-    </cs:fontRef>
-    <cs:spPr>
-      <a:ln w="9525" cap="flat" cmpd="sng" algn="ctr">
-        <a:solidFill>
-          <a:schemeClr val="tx1">
-            <a:lumMod val="35000"/>
-            <a:lumOff val="65000"/>
-          </a:schemeClr>
-        </a:solidFill>
-        <a:round/>
-      </a:ln>
-    </cs:spPr>
-  </cs:leaderLine>
-  <cs:legend>
-    <cs:lnRef idx="0"/>
-    <cs:fillRef idx="0"/>
-    <cs:effectRef idx="0"/>
-    <cs:fontRef idx="minor">
-      <a:schemeClr val="tx1">
-        <a:lumMod val="65000"/>
-        <a:lumOff val="35000"/>
-      </a:schemeClr>
-    </cs:fontRef>
-    <cs:defRPr sz="1197" kern="1200"/>
-  </cs:legend>
-  <cs:plotArea mods="allowNoFillOverride allowNoLineOverride">
-    <cs:lnRef idx="0"/>
-    <cs:fillRef idx="0"/>
-    <cs:effectRef idx="0"/>
-    <cs:fontRef idx="minor">
-      <a:schemeClr val="tx1"/>
-    </cs:fontRef>
-  </cs:plotArea>
-  <cs:plotArea3D mods="allowNoFillOverride allowNoLineOverride">
-    <cs:lnRef idx="0"/>
-    <cs:fillRef idx="0"/>
-    <cs:effectRef idx="0"/>
-    <cs:fontRef idx="minor">
-      <a:schemeClr val="tx1"/>
-    </cs:fontRef>
-  </cs:plotArea3D>
-  <cs:seriesAxis>
-    <cs:lnRef idx="0"/>
-    <cs:fillRef idx="0"/>
-    <cs:effectRef idx="0"/>
-    <cs:fontRef idx="minor">
-      <a:schemeClr val="tx1">
-        <a:lumMod val="65000"/>
-        <a:lumOff val="35000"/>
-      </a:schemeClr>
-    </cs:fontRef>
-    <cs:defRPr sz="1197" kern="1200"/>
-  </cs:seriesAxis>
-  <cs:seriesLine>
-    <cs:lnRef idx="0"/>
-    <cs:fillRef idx="0"/>
-    <cs:effectRef idx="0"/>
-    <cs:fontRef idx="minor">
-      <a:schemeClr val="tx1"/>
-    </cs:fontRef>
-    <cs:spPr>
-      <a:ln w="9525" cap="flat" cmpd="sng" algn="ctr">
-        <a:solidFill>
-          <a:schemeClr val="tx1">
-            <a:lumMod val="35000"/>
-            <a:lumOff val="65000"/>
-          </a:schemeClr>
-        </a:solidFill>
-        <a:round/>
-      </a:ln>
-    </cs:spPr>
-  </cs:seriesLine>
-  <cs:title>
-    <cs:lnRef idx="0"/>
-    <cs:fillRef idx="0"/>
-    <cs:effectRef idx="0"/>
-    <cs:fontRef idx="minor">
-      <a:schemeClr val="tx1">
-        <a:lumMod val="65000"/>
-        <a:lumOff val="35000"/>
-      </a:schemeClr>
-    </cs:fontRef>
-    <cs:defRPr sz="1862" b="0" kern="1200" spc="0" baseline="0"/>
-  </cs:title>
-  <cs:trendline>
-    <cs:lnRef idx="0">
-      <cs:styleClr val="auto"/>
-    </cs:lnRef>
-    <cs:fillRef idx="0"/>
-    <cs:effectRef idx="0"/>
-    <cs:fontRef idx="minor">
-      <a:schemeClr val="tx1"/>
-    </cs:fontRef>
-    <cs:spPr>
-      <a:ln w="19050" cap="rnd">
-        <a:solidFill>
-          <a:schemeClr val="phClr"/>
-        </a:solidFill>
-        <a:prstDash val="sysDot"/>
-      </a:ln>
-    </cs:spPr>
-  </cs:trendline>
-  <cs:trendlineLabel>
-    <cs:lnRef idx="0"/>
-    <cs:fillRef idx="0"/>
-    <cs:effectRef idx="0"/>
-    <cs:fontRef idx="minor">
-      <a:schemeClr val="tx1">
-        <a:lumMod val="65000"/>
-        <a:lumOff val="35000"/>
-      </a:schemeClr>
-    </cs:fontRef>
-    <cs:defRPr sz="1197" kern="1200"/>
-  </cs:trendlineLabel>
-  <cs:upBar>
-    <cs:lnRef idx="0"/>
-    <cs:fillRef idx="0"/>
-    <cs:effectRef idx="0"/>
-    <cs:fontRef idx="minor">
-      <a:schemeClr val="tx1"/>
-    </cs:fontRef>
-    <cs:spPr>
-      <a:solidFill>
-        <a:schemeClr val="lt1"/>
-      </a:solidFill>
-      <a:ln w="9525" cap="flat" cmpd="sng" algn="ctr">
-        <a:solidFill>
-          <a:schemeClr val="tx1">
-            <a:lumMod val="65000"/>
-            <a:lumOff val="35000"/>
-          </a:schemeClr>
-        </a:solidFill>
-        <a:round/>
-      </a:ln>
-    </cs:spPr>
-  </cs:upBar>
-  <cs:valueAxis>
-    <cs:lnRef idx="0"/>
-    <cs:fillRef idx="0"/>
-    <cs:effectRef idx="0"/>
-    <cs:fontRef idx="minor">
-      <a:schemeClr val="tx1">
-        <a:lumMod val="65000"/>
-        <a:lumOff val="35000"/>
-      </a:schemeClr>
-    </cs:fontRef>
-    <cs:defRPr sz="1197" kern="1200"/>
-  </cs:valueAxis>
-  <cs:wall>
-    <cs:lnRef idx="0"/>
-    <cs:fillRef idx="0"/>
-    <cs:effectRef idx="0"/>
-    <cs:fontRef idx="minor">
-      <a:schemeClr val="tx1"/>
-    </cs:fontRef>
-    <cs:spPr>
-      <a:noFill/>
-      <a:ln>
-        <a:noFill/>
-      </a:ln>
-    </cs:spPr>
-  </cs:wall>
-</cs:chartStyle>
 </file>
 
 <file path=ppt/handoutMasters/handoutMaster1.xml><?xml version="1.0" encoding="utf-8"?>
@@ -3591,1413 +2632,6 @@
       </p:sp>
       <p:sp>
         <p:nvSpPr>
-          <p:cNvPr id="45" name="Inhaltsplatzhalter 44">
-            <a:extLst>
-              <a:ext uri="{FF2B5EF4-FFF2-40B4-BE49-F238E27FC236}">
-                <a16:creationId xmlns:a16="http://schemas.microsoft.com/office/drawing/2014/main" id="{3778AA91-EAFD-5D88-BF48-5BFC1D88F2E7}"/>
-              </a:ext>
-            </a:extLst>
-          </p:cNvPr>
-          <p:cNvSpPr>
-            <a:spLocks noGrp="1"/>
-          </p:cNvSpPr>
-          <p:nvPr>
-            <p:ph idx="1"/>
-          </p:nvPr>
-        </p:nvSpPr>
-        <p:spPr>
-          <a:xfrm>
-            <a:off x="1044575" y="15785257"/>
-            <a:ext cx="8928000" cy="26501815"/>
-          </a:xfrm>
-        </p:spPr>
-        <p:txBody>
-          <a:bodyPr/>
-          <a:lstStyle/>
-          <a:p>
-            <a:pPr>
-              <a:lnSpc>
-                <a:spcPct val="97000"/>
-              </a:lnSpc>
-              <a:spcAft>
-                <a:spcPts val="3000"/>
-              </a:spcAft>
-            </a:pPr>
-            <a:r>
-              <a:rPr lang="en-GB" sz="4800" b="1" dirty="0">
-                <a:solidFill>
-                  <a:srgbClr val="FF0000"/>
-                </a:solidFill>
-              </a:rPr>
-              <a:t>Subtitle (48 Pt. bold)</a:t>
-            </a:r>
-          </a:p>
-          <a:p>
-            <a:pPr>
-              <a:lnSpc>
-                <a:spcPct val="97000"/>
-              </a:lnSpc>
-            </a:pPr>
-            <a:r>
-              <a:rPr lang="en-GB" b="1" dirty="0">
-                <a:solidFill>
-                  <a:srgbClr val="FF0000"/>
-                </a:solidFill>
-              </a:rPr>
-              <a:t>Subtitle (30 Pt. bold)</a:t>
-            </a:r>
-          </a:p>
-          <a:p>
-            <a:pPr>
-              <a:lnSpc>
-                <a:spcPct val="97000"/>
-              </a:lnSpc>
-            </a:pPr>
-            <a:r>
-              <a:rPr lang="en-GB" dirty="0">
-                <a:solidFill>
-                  <a:srgbClr val="FF0000"/>
-                </a:solidFill>
-              </a:rPr>
-              <a:t>Lorem ipsum </a:t>
-            </a:r>
-            <a:r>
-              <a:rPr lang="en-GB" dirty="0" err="1">
-                <a:solidFill>
-                  <a:srgbClr val="FF0000"/>
-                </a:solidFill>
-              </a:rPr>
-              <a:t>dolor</a:t>
-            </a:r>
-            <a:r>
-              <a:rPr lang="en-GB" dirty="0">
-                <a:solidFill>
-                  <a:srgbClr val="FF0000"/>
-                </a:solidFill>
-              </a:rPr>
-              <a:t> sit </a:t>
-            </a:r>
-            <a:r>
-              <a:rPr lang="en-GB" dirty="0" err="1">
-                <a:solidFill>
-                  <a:srgbClr val="FF0000"/>
-                </a:solidFill>
-              </a:rPr>
-              <a:t>amet</a:t>
-            </a:r>
-            <a:r>
-              <a:rPr lang="en-GB" dirty="0">
-                <a:solidFill>
-                  <a:srgbClr val="FF0000"/>
-                </a:solidFill>
-              </a:rPr>
-              <a:t>, </a:t>
-            </a:r>
-            <a:r>
-              <a:rPr lang="en-GB" dirty="0" err="1">
-                <a:solidFill>
-                  <a:srgbClr val="FF0000"/>
-                </a:solidFill>
-              </a:rPr>
-              <a:t>consectetuer</a:t>
-            </a:r>
-            <a:r>
-              <a:rPr lang="en-GB" dirty="0">
-                <a:solidFill>
-                  <a:srgbClr val="FF0000"/>
-                </a:solidFill>
-              </a:rPr>
-              <a:t> </a:t>
-            </a:r>
-            <a:r>
-              <a:rPr lang="en-GB" dirty="0" err="1">
-                <a:solidFill>
-                  <a:srgbClr val="FF0000"/>
-                </a:solidFill>
-              </a:rPr>
-              <a:t>adipiscing</a:t>
-            </a:r>
-            <a:r>
-              <a:rPr lang="en-GB" dirty="0">
-                <a:solidFill>
-                  <a:srgbClr val="FF0000"/>
-                </a:solidFill>
-              </a:rPr>
-              <a:t> </a:t>
-            </a:r>
-            <a:r>
-              <a:rPr lang="en-GB" dirty="0" err="1">
-                <a:solidFill>
-                  <a:srgbClr val="FF0000"/>
-                </a:solidFill>
-              </a:rPr>
-              <a:t>elit</a:t>
-            </a:r>
-            <a:r>
-              <a:rPr lang="en-GB" dirty="0">
-                <a:solidFill>
-                  <a:srgbClr val="FF0000"/>
-                </a:solidFill>
-              </a:rPr>
-              <a:t>. Maecenas </a:t>
-            </a:r>
-            <a:r>
-              <a:rPr lang="en-GB" dirty="0" err="1">
-                <a:solidFill>
-                  <a:srgbClr val="FF0000"/>
-                </a:solidFill>
-              </a:rPr>
-              <a:t>porttitor</a:t>
-            </a:r>
-            <a:r>
-              <a:rPr lang="en-GB" dirty="0">
-                <a:solidFill>
-                  <a:srgbClr val="FF0000"/>
-                </a:solidFill>
-              </a:rPr>
-              <a:t> </a:t>
-            </a:r>
-            <a:r>
-              <a:rPr lang="en-GB" dirty="0" err="1">
-                <a:solidFill>
-                  <a:srgbClr val="FF0000"/>
-                </a:solidFill>
-              </a:rPr>
-              <a:t>congue</a:t>
-            </a:r>
-            <a:r>
-              <a:rPr lang="en-GB" dirty="0">
-                <a:solidFill>
-                  <a:srgbClr val="FF0000"/>
-                </a:solidFill>
-              </a:rPr>
-              <a:t> </a:t>
-            </a:r>
-            <a:r>
-              <a:rPr lang="en-GB" dirty="0" err="1">
-                <a:solidFill>
-                  <a:srgbClr val="FF0000"/>
-                </a:solidFill>
-              </a:rPr>
-              <a:t>massa</a:t>
-            </a:r>
-            <a:r>
-              <a:rPr lang="en-GB" dirty="0">
-                <a:solidFill>
-                  <a:srgbClr val="FF0000"/>
-                </a:solidFill>
-              </a:rPr>
-              <a:t>. </a:t>
-            </a:r>
-            <a:r>
-              <a:rPr lang="en-GB" dirty="0" err="1">
-                <a:solidFill>
-                  <a:srgbClr val="FF0000"/>
-                </a:solidFill>
-              </a:rPr>
-              <a:t>Fusce</a:t>
-            </a:r>
-            <a:r>
-              <a:rPr lang="en-GB" dirty="0">
-                <a:solidFill>
-                  <a:srgbClr val="FF0000"/>
-                </a:solidFill>
-              </a:rPr>
-              <a:t> </a:t>
-            </a:r>
-            <a:r>
-              <a:rPr lang="en-GB" dirty="0" err="1">
-                <a:solidFill>
-                  <a:srgbClr val="FF0000"/>
-                </a:solidFill>
-              </a:rPr>
-              <a:t>posuere</a:t>
-            </a:r>
-            <a:r>
-              <a:rPr lang="en-GB" dirty="0">
-                <a:solidFill>
-                  <a:srgbClr val="FF0000"/>
-                </a:solidFill>
-              </a:rPr>
-              <a:t>, magna </a:t>
-            </a:r>
-            <a:r>
-              <a:rPr lang="en-GB" dirty="0" err="1">
-                <a:solidFill>
-                  <a:srgbClr val="FF0000"/>
-                </a:solidFill>
-              </a:rPr>
-              <a:t>sed</a:t>
-            </a:r>
-            <a:r>
-              <a:rPr lang="en-GB" dirty="0">
-                <a:solidFill>
-                  <a:srgbClr val="FF0000"/>
-                </a:solidFill>
-              </a:rPr>
-              <a:t> pulvinar </a:t>
-            </a:r>
-            <a:r>
-              <a:rPr lang="en-GB" dirty="0" err="1">
-                <a:solidFill>
-                  <a:srgbClr val="FF0000"/>
-                </a:solidFill>
-              </a:rPr>
-              <a:t>ultricies</a:t>
-            </a:r>
-            <a:r>
-              <a:rPr lang="en-GB" dirty="0">
-                <a:solidFill>
-                  <a:srgbClr val="FF0000"/>
-                </a:solidFill>
-              </a:rPr>
-              <a:t>, </a:t>
-            </a:r>
-            <a:r>
-              <a:rPr lang="en-GB" dirty="0" err="1">
-                <a:solidFill>
-                  <a:srgbClr val="FF0000"/>
-                </a:solidFill>
-              </a:rPr>
-              <a:t>purus</a:t>
-            </a:r>
-            <a:r>
-              <a:rPr lang="en-GB" dirty="0">
-                <a:solidFill>
-                  <a:srgbClr val="FF0000"/>
-                </a:solidFill>
-              </a:rPr>
-              <a:t> </a:t>
-            </a:r>
-            <a:r>
-              <a:rPr lang="en-GB" dirty="0" err="1">
-                <a:solidFill>
-                  <a:srgbClr val="FF0000"/>
-                </a:solidFill>
-              </a:rPr>
-              <a:t>lectus</a:t>
-            </a:r>
-            <a:r>
-              <a:rPr lang="en-GB" dirty="0">
-                <a:solidFill>
-                  <a:srgbClr val="FF0000"/>
-                </a:solidFill>
-              </a:rPr>
-              <a:t> </a:t>
-            </a:r>
-            <a:r>
-              <a:rPr lang="en-GB" dirty="0" err="1">
-                <a:solidFill>
-                  <a:srgbClr val="FF0000"/>
-                </a:solidFill>
-              </a:rPr>
-              <a:t>malesuada</a:t>
-            </a:r>
-            <a:r>
-              <a:rPr lang="en-GB" dirty="0">
-                <a:solidFill>
-                  <a:srgbClr val="FF0000"/>
-                </a:solidFill>
-              </a:rPr>
-              <a:t> libero, sit </a:t>
-            </a:r>
-            <a:r>
-              <a:rPr lang="en-GB" dirty="0" err="1">
-                <a:solidFill>
-                  <a:srgbClr val="FF0000"/>
-                </a:solidFill>
-              </a:rPr>
-              <a:t>amet</a:t>
-            </a:r>
-            <a:r>
-              <a:rPr lang="en-GB" dirty="0">
-                <a:solidFill>
-                  <a:srgbClr val="FF0000"/>
-                </a:solidFill>
-              </a:rPr>
-              <a:t> </a:t>
-            </a:r>
-            <a:r>
-              <a:rPr lang="en-GB" dirty="0" err="1">
-                <a:solidFill>
-                  <a:srgbClr val="FF0000"/>
-                </a:solidFill>
-              </a:rPr>
-              <a:t>commodo</a:t>
-            </a:r>
-            <a:r>
-              <a:rPr lang="en-GB" dirty="0">
-                <a:solidFill>
-                  <a:srgbClr val="FF0000"/>
-                </a:solidFill>
-              </a:rPr>
-              <a:t> magna eros </a:t>
-            </a:r>
-            <a:r>
-              <a:rPr lang="en-GB" dirty="0" err="1">
-                <a:solidFill>
-                  <a:srgbClr val="FF0000"/>
-                </a:solidFill>
-              </a:rPr>
-              <a:t>quis</a:t>
-            </a:r>
-            <a:r>
-              <a:rPr lang="en-GB" dirty="0">
-                <a:solidFill>
-                  <a:srgbClr val="FF0000"/>
-                </a:solidFill>
-              </a:rPr>
-              <a:t> </a:t>
-            </a:r>
-            <a:r>
-              <a:rPr lang="en-GB" dirty="0" err="1">
-                <a:solidFill>
-                  <a:srgbClr val="FF0000"/>
-                </a:solidFill>
-              </a:rPr>
-              <a:t>urna</a:t>
-            </a:r>
-            <a:r>
-              <a:rPr lang="en-GB" dirty="0">
-                <a:solidFill>
-                  <a:srgbClr val="FF0000"/>
-                </a:solidFill>
-              </a:rPr>
-              <a:t>.</a:t>
-            </a:r>
-          </a:p>
-          <a:p>
-            <a:pPr>
-              <a:lnSpc>
-                <a:spcPct val="97000"/>
-              </a:lnSpc>
-            </a:pPr>
-            <a:endParaRPr lang="en-GB" dirty="0">
-              <a:solidFill>
-                <a:srgbClr val="FF0000"/>
-              </a:solidFill>
-            </a:endParaRPr>
-          </a:p>
-          <a:p>
-            <a:pPr>
-              <a:lnSpc>
-                <a:spcPct val="97000"/>
-              </a:lnSpc>
-            </a:pPr>
-            <a:r>
-              <a:rPr lang="en-GB" b="1" dirty="0">
-                <a:solidFill>
-                  <a:srgbClr val="FF0000"/>
-                </a:solidFill>
-              </a:rPr>
-              <a:t>Subtitle (30 Pt. bold)</a:t>
-            </a:r>
-          </a:p>
-          <a:p>
-            <a:pPr>
-              <a:lnSpc>
-                <a:spcPct val="97000"/>
-              </a:lnSpc>
-            </a:pPr>
-            <a:r>
-              <a:rPr lang="en-GB" dirty="0">
-                <a:solidFill>
-                  <a:srgbClr val="FF0000"/>
-                </a:solidFill>
-              </a:rPr>
-              <a:t>Lorem ipsum </a:t>
-            </a:r>
-            <a:r>
-              <a:rPr lang="en-GB" dirty="0" err="1">
-                <a:solidFill>
-                  <a:srgbClr val="FF0000"/>
-                </a:solidFill>
-              </a:rPr>
-              <a:t>dolor</a:t>
-            </a:r>
-            <a:r>
-              <a:rPr lang="en-GB" dirty="0">
-                <a:solidFill>
-                  <a:srgbClr val="FF0000"/>
-                </a:solidFill>
-              </a:rPr>
-              <a:t> sit </a:t>
-            </a:r>
-            <a:r>
-              <a:rPr lang="en-GB" dirty="0" err="1">
-                <a:solidFill>
-                  <a:srgbClr val="FF0000"/>
-                </a:solidFill>
-              </a:rPr>
-              <a:t>amet</a:t>
-            </a:r>
-            <a:r>
-              <a:rPr lang="en-GB" dirty="0">
-                <a:solidFill>
-                  <a:srgbClr val="FF0000"/>
-                </a:solidFill>
-              </a:rPr>
-              <a:t>, </a:t>
-            </a:r>
-            <a:r>
-              <a:rPr lang="en-GB" dirty="0" err="1">
-                <a:solidFill>
-                  <a:srgbClr val="FF0000"/>
-                </a:solidFill>
-              </a:rPr>
-              <a:t>consectetuer</a:t>
-            </a:r>
-            <a:r>
-              <a:rPr lang="en-GB" dirty="0">
-                <a:solidFill>
-                  <a:srgbClr val="FF0000"/>
-                </a:solidFill>
-              </a:rPr>
-              <a:t> </a:t>
-            </a:r>
-            <a:r>
-              <a:rPr lang="en-GB" dirty="0" err="1">
-                <a:solidFill>
-                  <a:srgbClr val="FF0000"/>
-                </a:solidFill>
-              </a:rPr>
-              <a:t>adipiscing</a:t>
-            </a:r>
-            <a:r>
-              <a:rPr lang="en-GB" dirty="0">
-                <a:solidFill>
-                  <a:srgbClr val="FF0000"/>
-                </a:solidFill>
-              </a:rPr>
-              <a:t> </a:t>
-            </a:r>
-            <a:r>
-              <a:rPr lang="en-GB" dirty="0" err="1">
-                <a:solidFill>
-                  <a:srgbClr val="FF0000"/>
-                </a:solidFill>
-              </a:rPr>
-              <a:t>elit</a:t>
-            </a:r>
-            <a:r>
-              <a:rPr lang="en-GB" dirty="0">
-                <a:solidFill>
-                  <a:srgbClr val="FF0000"/>
-                </a:solidFill>
-              </a:rPr>
-              <a:t>. Maecenas </a:t>
-            </a:r>
-            <a:r>
-              <a:rPr lang="en-GB" dirty="0" err="1">
-                <a:solidFill>
-                  <a:srgbClr val="FF0000"/>
-                </a:solidFill>
-              </a:rPr>
-              <a:t>porttitor</a:t>
-            </a:r>
-            <a:r>
-              <a:rPr lang="en-GB" dirty="0">
-                <a:solidFill>
-                  <a:srgbClr val="FF0000"/>
-                </a:solidFill>
-              </a:rPr>
-              <a:t> </a:t>
-            </a:r>
-            <a:r>
-              <a:rPr lang="en-GB" dirty="0" err="1">
-                <a:solidFill>
-                  <a:srgbClr val="FF0000"/>
-                </a:solidFill>
-              </a:rPr>
-              <a:t>congue</a:t>
-            </a:r>
-            <a:r>
-              <a:rPr lang="en-GB" dirty="0">
-                <a:solidFill>
-                  <a:srgbClr val="FF0000"/>
-                </a:solidFill>
-              </a:rPr>
-              <a:t> </a:t>
-            </a:r>
-            <a:r>
-              <a:rPr lang="en-GB" dirty="0" err="1">
-                <a:solidFill>
-                  <a:srgbClr val="FF0000"/>
-                </a:solidFill>
-              </a:rPr>
-              <a:t>massa</a:t>
-            </a:r>
-            <a:r>
-              <a:rPr lang="en-GB" dirty="0">
-                <a:solidFill>
-                  <a:srgbClr val="FF0000"/>
-                </a:solidFill>
-              </a:rPr>
-              <a:t>. </a:t>
-            </a:r>
-            <a:r>
-              <a:rPr lang="en-GB" dirty="0" err="1">
-                <a:solidFill>
-                  <a:srgbClr val="FF0000"/>
-                </a:solidFill>
-              </a:rPr>
-              <a:t>Fusce</a:t>
-            </a:r>
-            <a:r>
-              <a:rPr lang="en-GB" dirty="0">
-                <a:solidFill>
-                  <a:srgbClr val="FF0000"/>
-                </a:solidFill>
-              </a:rPr>
-              <a:t> </a:t>
-            </a:r>
-            <a:r>
-              <a:rPr lang="en-GB" dirty="0" err="1">
-                <a:solidFill>
-                  <a:srgbClr val="FF0000"/>
-                </a:solidFill>
-              </a:rPr>
-              <a:t>posuere</a:t>
-            </a:r>
-            <a:r>
-              <a:rPr lang="en-GB" dirty="0">
-                <a:solidFill>
-                  <a:srgbClr val="FF0000"/>
-                </a:solidFill>
-              </a:rPr>
-              <a:t>, magna </a:t>
-            </a:r>
-            <a:r>
-              <a:rPr lang="en-GB" dirty="0" err="1">
-                <a:solidFill>
-                  <a:srgbClr val="FF0000"/>
-                </a:solidFill>
-              </a:rPr>
-              <a:t>sed</a:t>
-            </a:r>
-            <a:r>
-              <a:rPr lang="en-GB" dirty="0">
-                <a:solidFill>
-                  <a:srgbClr val="FF0000"/>
-                </a:solidFill>
-              </a:rPr>
-              <a:t> pulvinar </a:t>
-            </a:r>
-            <a:r>
-              <a:rPr lang="en-GB" dirty="0" err="1">
-                <a:solidFill>
-                  <a:srgbClr val="FF0000"/>
-                </a:solidFill>
-              </a:rPr>
-              <a:t>ultricies</a:t>
-            </a:r>
-            <a:r>
-              <a:rPr lang="en-GB" dirty="0">
-                <a:solidFill>
-                  <a:srgbClr val="FF0000"/>
-                </a:solidFill>
-              </a:rPr>
-              <a:t>, </a:t>
-            </a:r>
-            <a:r>
-              <a:rPr lang="en-GB" dirty="0" err="1">
-                <a:solidFill>
-                  <a:srgbClr val="FF0000"/>
-                </a:solidFill>
-              </a:rPr>
-              <a:t>purus</a:t>
-            </a:r>
-            <a:r>
-              <a:rPr lang="en-GB" dirty="0">
-                <a:solidFill>
-                  <a:srgbClr val="FF0000"/>
-                </a:solidFill>
-              </a:rPr>
-              <a:t> </a:t>
-            </a:r>
-            <a:r>
-              <a:rPr lang="en-GB" dirty="0" err="1">
-                <a:solidFill>
-                  <a:srgbClr val="FF0000"/>
-                </a:solidFill>
-              </a:rPr>
-              <a:t>lectus</a:t>
-            </a:r>
-            <a:r>
-              <a:rPr lang="en-GB" dirty="0">
-                <a:solidFill>
-                  <a:srgbClr val="FF0000"/>
-                </a:solidFill>
-              </a:rPr>
-              <a:t> </a:t>
-            </a:r>
-            <a:r>
-              <a:rPr lang="en-GB" dirty="0" err="1">
-                <a:solidFill>
-                  <a:srgbClr val="FF0000"/>
-                </a:solidFill>
-              </a:rPr>
-              <a:t>malesuada</a:t>
-            </a:r>
-            <a:r>
-              <a:rPr lang="en-GB" dirty="0">
-                <a:solidFill>
-                  <a:srgbClr val="FF0000"/>
-                </a:solidFill>
-              </a:rPr>
-              <a:t> libero, sit </a:t>
-            </a:r>
-            <a:r>
-              <a:rPr lang="en-GB" dirty="0" err="1">
-                <a:solidFill>
-                  <a:srgbClr val="FF0000"/>
-                </a:solidFill>
-              </a:rPr>
-              <a:t>amet</a:t>
-            </a:r>
-            <a:r>
-              <a:rPr lang="en-GB" dirty="0">
-                <a:solidFill>
-                  <a:srgbClr val="FF0000"/>
-                </a:solidFill>
-              </a:rPr>
-              <a:t> </a:t>
-            </a:r>
-            <a:r>
-              <a:rPr lang="en-GB" dirty="0" err="1">
-                <a:solidFill>
-                  <a:srgbClr val="FF0000"/>
-                </a:solidFill>
-              </a:rPr>
-              <a:t>commodo</a:t>
-            </a:r>
-            <a:r>
-              <a:rPr lang="en-GB" dirty="0">
-                <a:solidFill>
-                  <a:srgbClr val="FF0000"/>
-                </a:solidFill>
-              </a:rPr>
-              <a:t> magna eros </a:t>
-            </a:r>
-            <a:r>
-              <a:rPr lang="en-GB" dirty="0" err="1">
-                <a:solidFill>
-                  <a:srgbClr val="FF0000"/>
-                </a:solidFill>
-              </a:rPr>
-              <a:t>quis</a:t>
-            </a:r>
-            <a:r>
-              <a:rPr lang="en-GB" dirty="0">
-                <a:solidFill>
-                  <a:srgbClr val="FF0000"/>
-                </a:solidFill>
-              </a:rPr>
-              <a:t> </a:t>
-            </a:r>
-            <a:r>
-              <a:rPr lang="en-GB" dirty="0" err="1">
-                <a:solidFill>
-                  <a:srgbClr val="FF0000"/>
-                </a:solidFill>
-              </a:rPr>
-              <a:t>urna</a:t>
-            </a:r>
-            <a:r>
-              <a:rPr lang="en-GB" dirty="0">
-                <a:solidFill>
-                  <a:srgbClr val="FF0000"/>
-                </a:solidFill>
-              </a:rPr>
-              <a:t>.</a:t>
-            </a:r>
-          </a:p>
-          <a:p>
-            <a:pPr>
-              <a:lnSpc>
-                <a:spcPct val="97000"/>
-              </a:lnSpc>
-            </a:pPr>
-            <a:endParaRPr lang="en-GB" dirty="0">
-              <a:solidFill>
-                <a:srgbClr val="FF0000"/>
-              </a:solidFill>
-            </a:endParaRPr>
-          </a:p>
-          <a:p>
-            <a:pPr>
-              <a:lnSpc>
-                <a:spcPct val="97000"/>
-              </a:lnSpc>
-            </a:pPr>
-            <a:r>
-              <a:rPr lang="en-GB" dirty="0">
-                <a:solidFill>
-                  <a:srgbClr val="FF0000"/>
-                </a:solidFill>
-              </a:rPr>
-              <a:t>Lorem ipsum </a:t>
-            </a:r>
-            <a:r>
-              <a:rPr lang="en-GB" dirty="0" err="1">
-                <a:solidFill>
-                  <a:srgbClr val="FF0000"/>
-                </a:solidFill>
-              </a:rPr>
-              <a:t>dolor</a:t>
-            </a:r>
-            <a:r>
-              <a:rPr lang="en-GB" dirty="0">
-                <a:solidFill>
-                  <a:srgbClr val="FF0000"/>
-                </a:solidFill>
-              </a:rPr>
-              <a:t> sit </a:t>
-            </a:r>
-            <a:r>
-              <a:rPr lang="en-GB" dirty="0" err="1">
-                <a:solidFill>
-                  <a:srgbClr val="FF0000"/>
-                </a:solidFill>
-              </a:rPr>
-              <a:t>amet</a:t>
-            </a:r>
-            <a:r>
-              <a:rPr lang="en-GB" dirty="0">
-                <a:solidFill>
-                  <a:srgbClr val="FF0000"/>
-                </a:solidFill>
-              </a:rPr>
-              <a:t>, </a:t>
-            </a:r>
-            <a:r>
-              <a:rPr lang="en-GB" dirty="0" err="1">
-                <a:solidFill>
-                  <a:srgbClr val="FF0000"/>
-                </a:solidFill>
-              </a:rPr>
-              <a:t>consectetuer</a:t>
-            </a:r>
-            <a:r>
-              <a:rPr lang="en-GB" dirty="0">
-                <a:solidFill>
-                  <a:srgbClr val="FF0000"/>
-                </a:solidFill>
-              </a:rPr>
-              <a:t> </a:t>
-            </a:r>
-            <a:r>
-              <a:rPr lang="en-GB" dirty="0" err="1">
-                <a:solidFill>
-                  <a:srgbClr val="FF0000"/>
-                </a:solidFill>
-              </a:rPr>
-              <a:t>adipiscing</a:t>
-            </a:r>
-            <a:r>
-              <a:rPr lang="en-GB" dirty="0">
-                <a:solidFill>
-                  <a:srgbClr val="FF0000"/>
-                </a:solidFill>
-              </a:rPr>
-              <a:t> </a:t>
-            </a:r>
-            <a:r>
-              <a:rPr lang="en-GB" dirty="0" err="1">
-                <a:solidFill>
-                  <a:srgbClr val="FF0000"/>
-                </a:solidFill>
-              </a:rPr>
-              <a:t>elit</a:t>
-            </a:r>
-            <a:r>
-              <a:rPr lang="en-GB" dirty="0">
-                <a:solidFill>
-                  <a:srgbClr val="FF0000"/>
-                </a:solidFill>
-              </a:rPr>
-              <a:t>. Maecenas </a:t>
-            </a:r>
-            <a:r>
-              <a:rPr lang="en-GB" dirty="0" err="1">
-                <a:solidFill>
-                  <a:srgbClr val="FF0000"/>
-                </a:solidFill>
-              </a:rPr>
-              <a:t>porttitor</a:t>
-            </a:r>
-            <a:r>
-              <a:rPr lang="en-GB" dirty="0">
-                <a:solidFill>
-                  <a:srgbClr val="FF0000"/>
-                </a:solidFill>
-              </a:rPr>
-              <a:t> </a:t>
-            </a:r>
-            <a:r>
-              <a:rPr lang="en-GB" dirty="0" err="1">
-                <a:solidFill>
-                  <a:srgbClr val="FF0000"/>
-                </a:solidFill>
-              </a:rPr>
-              <a:t>congue</a:t>
-            </a:r>
-            <a:r>
-              <a:rPr lang="en-GB" dirty="0">
-                <a:solidFill>
-                  <a:srgbClr val="FF0000"/>
-                </a:solidFill>
-              </a:rPr>
-              <a:t> </a:t>
-            </a:r>
-            <a:r>
-              <a:rPr lang="en-GB" dirty="0" err="1">
-                <a:solidFill>
-                  <a:srgbClr val="FF0000"/>
-                </a:solidFill>
-              </a:rPr>
-              <a:t>massa</a:t>
-            </a:r>
-            <a:r>
-              <a:rPr lang="en-GB" dirty="0">
-                <a:solidFill>
-                  <a:srgbClr val="FF0000"/>
-                </a:solidFill>
-              </a:rPr>
-              <a:t>. </a:t>
-            </a:r>
-            <a:r>
-              <a:rPr lang="en-GB" dirty="0" err="1">
-                <a:solidFill>
-                  <a:srgbClr val="FF0000"/>
-                </a:solidFill>
-              </a:rPr>
-              <a:t>Fusce</a:t>
-            </a:r>
-            <a:r>
-              <a:rPr lang="en-GB" dirty="0">
-                <a:solidFill>
-                  <a:srgbClr val="FF0000"/>
-                </a:solidFill>
-              </a:rPr>
-              <a:t> </a:t>
-            </a:r>
-            <a:r>
-              <a:rPr lang="en-GB" dirty="0" err="1">
-                <a:solidFill>
-                  <a:srgbClr val="FF0000"/>
-                </a:solidFill>
-              </a:rPr>
-              <a:t>posuere</a:t>
-            </a:r>
-            <a:r>
-              <a:rPr lang="en-GB" dirty="0">
-                <a:solidFill>
-                  <a:srgbClr val="FF0000"/>
-                </a:solidFill>
-              </a:rPr>
-              <a:t>, magna </a:t>
-            </a:r>
-            <a:r>
-              <a:rPr lang="en-GB" dirty="0" err="1">
-                <a:solidFill>
-                  <a:srgbClr val="FF0000"/>
-                </a:solidFill>
-              </a:rPr>
-              <a:t>sed</a:t>
-            </a:r>
-            <a:r>
-              <a:rPr lang="en-GB" dirty="0">
-                <a:solidFill>
-                  <a:srgbClr val="FF0000"/>
-                </a:solidFill>
-              </a:rPr>
-              <a:t> pulvinar </a:t>
-            </a:r>
-            <a:r>
-              <a:rPr lang="en-GB" dirty="0" err="1">
-                <a:solidFill>
-                  <a:srgbClr val="FF0000"/>
-                </a:solidFill>
-              </a:rPr>
-              <a:t>ultricies</a:t>
-            </a:r>
-            <a:r>
-              <a:rPr lang="en-GB" dirty="0">
-                <a:solidFill>
-                  <a:srgbClr val="FF0000"/>
-                </a:solidFill>
-              </a:rPr>
-              <a:t>, </a:t>
-            </a:r>
-            <a:r>
-              <a:rPr lang="en-GB" dirty="0" err="1">
-                <a:solidFill>
-                  <a:srgbClr val="FF0000"/>
-                </a:solidFill>
-              </a:rPr>
-              <a:t>purus</a:t>
-            </a:r>
-            <a:r>
-              <a:rPr lang="en-GB" dirty="0">
-                <a:solidFill>
-                  <a:srgbClr val="FF0000"/>
-                </a:solidFill>
-              </a:rPr>
-              <a:t> </a:t>
-            </a:r>
-            <a:r>
-              <a:rPr lang="en-GB" dirty="0" err="1">
-                <a:solidFill>
-                  <a:srgbClr val="FF0000"/>
-                </a:solidFill>
-              </a:rPr>
-              <a:t>lectus</a:t>
-            </a:r>
-            <a:r>
-              <a:rPr lang="en-GB" dirty="0">
-                <a:solidFill>
-                  <a:srgbClr val="FF0000"/>
-                </a:solidFill>
-              </a:rPr>
-              <a:t> </a:t>
-            </a:r>
-            <a:r>
-              <a:rPr lang="en-GB" dirty="0" err="1">
-                <a:solidFill>
-                  <a:srgbClr val="FF0000"/>
-                </a:solidFill>
-              </a:rPr>
-              <a:t>malesuada</a:t>
-            </a:r>
-            <a:r>
-              <a:rPr lang="en-GB" dirty="0">
-                <a:solidFill>
-                  <a:srgbClr val="FF0000"/>
-                </a:solidFill>
-              </a:rPr>
-              <a:t> libero, sit </a:t>
-            </a:r>
-            <a:r>
-              <a:rPr lang="en-GB" dirty="0" err="1">
-                <a:solidFill>
-                  <a:srgbClr val="FF0000"/>
-                </a:solidFill>
-              </a:rPr>
-              <a:t>amet</a:t>
-            </a:r>
-            <a:r>
-              <a:rPr lang="en-GB" dirty="0">
-                <a:solidFill>
-                  <a:srgbClr val="FF0000"/>
-                </a:solidFill>
-              </a:rPr>
-              <a:t> </a:t>
-            </a:r>
-            <a:r>
-              <a:rPr lang="en-GB" dirty="0" err="1">
-                <a:solidFill>
-                  <a:srgbClr val="FF0000"/>
-                </a:solidFill>
-              </a:rPr>
-              <a:t>commodo</a:t>
-            </a:r>
-            <a:r>
-              <a:rPr lang="en-GB" dirty="0">
-                <a:solidFill>
-                  <a:srgbClr val="FF0000"/>
-                </a:solidFill>
-              </a:rPr>
-              <a:t> magna eros </a:t>
-            </a:r>
-            <a:r>
-              <a:rPr lang="en-GB" dirty="0" err="1">
-                <a:solidFill>
-                  <a:srgbClr val="FF0000"/>
-                </a:solidFill>
-              </a:rPr>
-              <a:t>quis</a:t>
-            </a:r>
-            <a:r>
-              <a:rPr lang="en-GB" dirty="0">
-                <a:solidFill>
-                  <a:srgbClr val="FF0000"/>
-                </a:solidFill>
-              </a:rPr>
-              <a:t> </a:t>
-            </a:r>
-            <a:r>
-              <a:rPr lang="en-GB" dirty="0" err="1">
-                <a:solidFill>
-                  <a:srgbClr val="FF0000"/>
-                </a:solidFill>
-              </a:rPr>
-              <a:t>urna</a:t>
-            </a:r>
-            <a:r>
-              <a:rPr lang="en-GB" dirty="0">
-                <a:solidFill>
-                  <a:srgbClr val="FF0000"/>
-                </a:solidFill>
-              </a:rPr>
-              <a:t>.</a:t>
-            </a:r>
-          </a:p>
-          <a:p>
-            <a:pPr>
-              <a:lnSpc>
-                <a:spcPct val="97000"/>
-              </a:lnSpc>
-            </a:pPr>
-            <a:r>
-              <a:rPr lang="en-GB" dirty="0">
-                <a:solidFill>
-                  <a:srgbClr val="FF0000"/>
-                </a:solidFill>
-              </a:rPr>
-              <a:t>Lorem ipsum </a:t>
-            </a:r>
-            <a:r>
-              <a:rPr lang="en-GB" dirty="0" err="1">
-                <a:solidFill>
-                  <a:srgbClr val="FF0000"/>
-                </a:solidFill>
-              </a:rPr>
-              <a:t>dolor</a:t>
-            </a:r>
-            <a:r>
-              <a:rPr lang="en-GB" dirty="0">
-                <a:solidFill>
-                  <a:srgbClr val="FF0000"/>
-                </a:solidFill>
-              </a:rPr>
-              <a:t> sit </a:t>
-            </a:r>
-            <a:r>
-              <a:rPr lang="en-GB" dirty="0" err="1">
-                <a:solidFill>
-                  <a:srgbClr val="FF0000"/>
-                </a:solidFill>
-              </a:rPr>
-              <a:t>amet</a:t>
-            </a:r>
-            <a:r>
-              <a:rPr lang="en-GB" dirty="0">
-                <a:solidFill>
-                  <a:srgbClr val="FF0000"/>
-                </a:solidFill>
-              </a:rPr>
-              <a:t>, </a:t>
-            </a:r>
-            <a:r>
-              <a:rPr lang="en-GB" dirty="0" err="1">
-                <a:solidFill>
-                  <a:srgbClr val="FF0000"/>
-                </a:solidFill>
-              </a:rPr>
-              <a:t>consectetuer</a:t>
-            </a:r>
-            <a:r>
-              <a:rPr lang="en-GB" dirty="0">
-                <a:solidFill>
-                  <a:srgbClr val="FF0000"/>
-                </a:solidFill>
-              </a:rPr>
-              <a:t> </a:t>
-            </a:r>
-            <a:r>
-              <a:rPr lang="en-GB" dirty="0" err="1">
-                <a:solidFill>
-                  <a:srgbClr val="FF0000"/>
-                </a:solidFill>
-              </a:rPr>
-              <a:t>adipiscing</a:t>
-            </a:r>
-            <a:r>
-              <a:rPr lang="en-GB" dirty="0">
-                <a:solidFill>
-                  <a:srgbClr val="FF0000"/>
-                </a:solidFill>
-              </a:rPr>
-              <a:t> </a:t>
-            </a:r>
-            <a:r>
-              <a:rPr lang="en-GB" dirty="0" err="1">
-                <a:solidFill>
-                  <a:srgbClr val="FF0000"/>
-                </a:solidFill>
-              </a:rPr>
-              <a:t>elit</a:t>
-            </a:r>
-            <a:r>
-              <a:rPr lang="en-GB" dirty="0">
-                <a:solidFill>
-                  <a:srgbClr val="FF0000"/>
-                </a:solidFill>
-              </a:rPr>
-              <a:t>. Maecenas </a:t>
-            </a:r>
-            <a:r>
-              <a:rPr lang="en-GB" dirty="0" err="1">
-                <a:solidFill>
-                  <a:srgbClr val="FF0000"/>
-                </a:solidFill>
-              </a:rPr>
-              <a:t>porttitor</a:t>
-            </a:r>
-            <a:r>
-              <a:rPr lang="en-GB" dirty="0">
-                <a:solidFill>
-                  <a:srgbClr val="FF0000"/>
-                </a:solidFill>
-              </a:rPr>
-              <a:t> </a:t>
-            </a:r>
-            <a:r>
-              <a:rPr lang="en-GB" dirty="0" err="1">
-                <a:solidFill>
-                  <a:srgbClr val="FF0000"/>
-                </a:solidFill>
-              </a:rPr>
-              <a:t>congue</a:t>
-            </a:r>
-            <a:r>
-              <a:rPr lang="en-GB" dirty="0">
-                <a:solidFill>
-                  <a:srgbClr val="FF0000"/>
-                </a:solidFill>
-              </a:rPr>
-              <a:t> </a:t>
-            </a:r>
-            <a:r>
-              <a:rPr lang="en-GB" dirty="0" err="1">
-                <a:solidFill>
-                  <a:srgbClr val="FF0000"/>
-                </a:solidFill>
-              </a:rPr>
-              <a:t>massa</a:t>
-            </a:r>
-            <a:r>
-              <a:rPr lang="en-GB" dirty="0">
-                <a:solidFill>
-                  <a:srgbClr val="FF0000"/>
-                </a:solidFill>
-              </a:rPr>
-              <a:t>. Lorem ipsum </a:t>
-            </a:r>
-            <a:r>
-              <a:rPr lang="en-GB" dirty="0" err="1">
-                <a:solidFill>
-                  <a:srgbClr val="FF0000"/>
-                </a:solidFill>
-              </a:rPr>
-              <a:t>dolor</a:t>
-            </a:r>
-            <a:r>
-              <a:rPr lang="en-GB" dirty="0">
-                <a:solidFill>
-                  <a:srgbClr val="FF0000"/>
-                </a:solidFill>
-              </a:rPr>
-              <a:t> sit </a:t>
-            </a:r>
-            <a:r>
-              <a:rPr lang="en-GB" dirty="0" err="1">
-                <a:solidFill>
-                  <a:srgbClr val="FF0000"/>
-                </a:solidFill>
-              </a:rPr>
-              <a:t>amet</a:t>
-            </a:r>
-            <a:r>
-              <a:rPr lang="en-GB" dirty="0">
-                <a:solidFill>
-                  <a:srgbClr val="FF0000"/>
-                </a:solidFill>
-              </a:rPr>
-              <a:t>, </a:t>
-            </a:r>
-            <a:r>
-              <a:rPr lang="en-GB" dirty="0" err="1">
-                <a:solidFill>
-                  <a:srgbClr val="FF0000"/>
-                </a:solidFill>
-              </a:rPr>
-              <a:t>consectetuer</a:t>
-            </a:r>
-            <a:r>
-              <a:rPr lang="en-GB" dirty="0">
-                <a:solidFill>
-                  <a:srgbClr val="FF0000"/>
-                </a:solidFill>
-              </a:rPr>
-              <a:t> </a:t>
-            </a:r>
-            <a:r>
-              <a:rPr lang="en-GB" dirty="0" err="1">
-                <a:solidFill>
-                  <a:srgbClr val="FF0000"/>
-                </a:solidFill>
-              </a:rPr>
-              <a:t>adipiscing</a:t>
-            </a:r>
-            <a:r>
-              <a:rPr lang="en-GB" dirty="0">
-                <a:solidFill>
-                  <a:srgbClr val="FF0000"/>
-                </a:solidFill>
-              </a:rPr>
-              <a:t> </a:t>
-            </a:r>
-            <a:r>
-              <a:rPr lang="en-GB" dirty="0" err="1">
-                <a:solidFill>
-                  <a:srgbClr val="FF0000"/>
-                </a:solidFill>
-              </a:rPr>
-              <a:t>elit</a:t>
-            </a:r>
-            <a:r>
-              <a:rPr lang="en-GB" dirty="0">
-                <a:solidFill>
-                  <a:srgbClr val="FF0000"/>
-                </a:solidFill>
-              </a:rPr>
-              <a:t>. Maecenas </a:t>
-            </a:r>
-            <a:r>
-              <a:rPr lang="en-GB" dirty="0" err="1">
-                <a:solidFill>
-                  <a:srgbClr val="FF0000"/>
-                </a:solidFill>
-              </a:rPr>
-              <a:t>porttitor</a:t>
-            </a:r>
-            <a:r>
-              <a:rPr lang="en-GB" dirty="0">
-                <a:solidFill>
-                  <a:srgbClr val="FF0000"/>
-                </a:solidFill>
-              </a:rPr>
-              <a:t> </a:t>
-            </a:r>
-            <a:r>
-              <a:rPr lang="en-GB" dirty="0" err="1">
-                <a:solidFill>
-                  <a:srgbClr val="FF0000"/>
-                </a:solidFill>
-              </a:rPr>
-              <a:t>congue</a:t>
-            </a:r>
-            <a:r>
-              <a:rPr lang="en-GB" dirty="0">
-                <a:solidFill>
-                  <a:srgbClr val="FF0000"/>
-                </a:solidFill>
-              </a:rPr>
-              <a:t> </a:t>
-            </a:r>
-            <a:r>
-              <a:rPr lang="en-GB" dirty="0" err="1">
-                <a:solidFill>
-                  <a:srgbClr val="FF0000"/>
-                </a:solidFill>
-              </a:rPr>
-              <a:t>massa</a:t>
-            </a:r>
-            <a:r>
-              <a:rPr lang="en-GB" dirty="0">
-                <a:solidFill>
-                  <a:srgbClr val="FF0000"/>
-                </a:solidFill>
-              </a:rPr>
-              <a:t>. Lorem ipsum </a:t>
-            </a:r>
-            <a:r>
-              <a:rPr lang="en-GB" dirty="0" err="1">
-                <a:solidFill>
-                  <a:srgbClr val="FF0000"/>
-                </a:solidFill>
-              </a:rPr>
-              <a:t>dolor</a:t>
-            </a:r>
-            <a:r>
-              <a:rPr lang="en-GB" dirty="0">
-                <a:solidFill>
-                  <a:srgbClr val="FF0000"/>
-                </a:solidFill>
-              </a:rPr>
-              <a:t> sit </a:t>
-            </a:r>
-            <a:r>
-              <a:rPr lang="en-GB" dirty="0" err="1">
-                <a:solidFill>
-                  <a:srgbClr val="FF0000"/>
-                </a:solidFill>
-              </a:rPr>
-              <a:t>amet</a:t>
-            </a:r>
-            <a:r>
-              <a:rPr lang="en-GB" dirty="0">
-                <a:solidFill>
-                  <a:srgbClr val="FF0000"/>
-                </a:solidFill>
-              </a:rPr>
-              <a:t>, </a:t>
-            </a:r>
-            <a:r>
-              <a:rPr lang="en-GB" dirty="0" err="1">
-                <a:solidFill>
-                  <a:srgbClr val="FF0000"/>
-                </a:solidFill>
-              </a:rPr>
-              <a:t>consectetuer</a:t>
-            </a:r>
-            <a:r>
-              <a:rPr lang="en-GB" dirty="0">
-                <a:solidFill>
-                  <a:srgbClr val="FF0000"/>
-                </a:solidFill>
-              </a:rPr>
-              <a:t> </a:t>
-            </a:r>
-            <a:r>
-              <a:rPr lang="en-GB" dirty="0" err="1">
-                <a:solidFill>
-                  <a:srgbClr val="FF0000"/>
-                </a:solidFill>
-              </a:rPr>
-              <a:t>adipiscing</a:t>
-            </a:r>
-            <a:r>
-              <a:rPr lang="en-GB" dirty="0">
-                <a:solidFill>
-                  <a:srgbClr val="FF0000"/>
-                </a:solidFill>
-              </a:rPr>
-              <a:t> </a:t>
-            </a:r>
-            <a:r>
-              <a:rPr lang="en-GB" dirty="0" err="1">
-                <a:solidFill>
-                  <a:srgbClr val="FF0000"/>
-                </a:solidFill>
-              </a:rPr>
-              <a:t>elit</a:t>
-            </a:r>
-            <a:r>
-              <a:rPr lang="en-GB" dirty="0">
-                <a:solidFill>
-                  <a:srgbClr val="FF0000"/>
-                </a:solidFill>
-              </a:rPr>
-              <a:t>. </a:t>
-            </a:r>
-          </a:p>
-        </p:txBody>
-      </p:sp>
-      <p:sp>
-        <p:nvSpPr>
           <p:cNvPr id="18" name="Inhaltsplatzhalter 17">
             <a:extLst>
               <a:ext uri="{FF2B5EF4-FFF2-40B4-BE49-F238E27FC236}">
@@ -5014,8 +2648,8 @@
         </p:nvSpPr>
         <p:spPr>
           <a:xfrm>
-            <a:off x="1045523" y="10595759"/>
-            <a:ext cx="8928000" cy="9019596"/>
+            <a:off x="1045523" y="10595758"/>
+            <a:ext cx="8928000" cy="31979621"/>
           </a:xfrm>
         </p:spPr>
         <p:txBody>
@@ -5024,28 +2658,294 @@
           <a:p>
             <a:r>
               <a:rPr lang="en-US" dirty="0"/>
-              <a:t>BACKGROUND: </a:t>
-            </a:r>
-            <a:r>
-              <a:rPr lang="en-US" b="0" dirty="0"/>
-              <a:t>There is a great demand for making more research data openly available.</a:t>
-            </a:r>
-            <a:r>
-              <a:rPr lang="cs-CZ" b="0" dirty="0"/>
+              <a:t>BACKGROUND</a:t>
+            </a:r>
+            <a:r>
+              <a:rPr lang="en-US" sz="4400" dirty="0"/>
+              <a:t>: </a:t>
+            </a:r>
+            <a:r>
+              <a:rPr lang="en-US" sz="4400" b="0" dirty="0"/>
+              <a:t>There is a great demand for more research data to be made openly available.</a:t>
+            </a:r>
+            <a:endParaRPr lang="cs-CZ" sz="4400" b="0" dirty="0"/>
+          </a:p>
+          <a:p>
+            <a:r>
+              <a:rPr lang="en-US" sz="4400" b="0" dirty="0"/>
+              <a:t>Many psychological datasets contain demographic and health variables that require proper protection against disclosure.</a:t>
+            </a:r>
+            <a:r>
+              <a:rPr lang="cs-CZ" sz="4400" b="0" dirty="0"/>
               <a:t> </a:t>
             </a:r>
             <a:r>
-              <a:rPr lang="en-US" b="0" dirty="0"/>
+              <a:rPr lang="en-US" sz="4400" b="0" dirty="0"/>
               <a:t>Unfortunately, many datasets cannot be publicly available for privacy reasons.</a:t>
             </a:r>
-          </a:p>
-          <a:p>
-            <a:endParaRPr lang="cs-CZ" dirty="0"/>
-          </a:p>
-          <a:p>
-            <a:endParaRPr lang="cs-CZ" dirty="0"/>
-          </a:p>
-          <a:p>
+            <a:endParaRPr lang="cs-CZ" sz="4400" b="0" dirty="0"/>
+          </a:p>
+          <a:p>
+            <a:endParaRPr lang="cs-CZ" b="0" dirty="0"/>
+          </a:p>
+          <a:p>
+            <a:pPr>
+              <a:lnSpc>
+                <a:spcPct val="120000"/>
+              </a:lnSpc>
+            </a:pPr>
+            <a:r>
+              <a:rPr lang="en-US" sz="4400" b="0" dirty="0">
+                <a:cs typeface="Segoe UI" panose="020B0502040204020203" pitchFamily="34" charset="0"/>
+              </a:rPr>
+              <a:t>To enable dissemination,  we can use these methods:</a:t>
+            </a:r>
+          </a:p>
+          <a:p>
+            <a:pPr marL="571500" indent="-571500">
+              <a:lnSpc>
+                <a:spcPct val="120000"/>
+              </a:lnSpc>
+              <a:buFont typeface="Wingdings" panose="05000000000000000000" pitchFamily="2" charset="2"/>
+              <a:buChar char="Ø"/>
+            </a:pPr>
+            <a:r>
+              <a:rPr lang="en-US" sz="4400" b="1" dirty="0">
+                <a:cs typeface="Segoe UI" panose="020B0502040204020203" pitchFamily="34" charset="0"/>
+              </a:rPr>
+              <a:t>Statistical Disclosure Control (SDC)</a:t>
+            </a:r>
+          </a:p>
+          <a:p>
+            <a:pPr marL="1028700" lvl="1" indent="-571500">
+              <a:lnSpc>
+                <a:spcPct val="120000"/>
+              </a:lnSpc>
+              <a:buFont typeface="Lato" panose="020F0502020204030203" pitchFamily="34" charset="0"/>
+              <a:buChar char="―"/>
+            </a:pPr>
+            <a:r>
+              <a:rPr lang="en-US" sz="4400" b="0" dirty="0">
+                <a:cs typeface="Segoe UI" panose="020B0502040204020203" pitchFamily="34" charset="0"/>
+              </a:rPr>
+              <a:t>protects the data, </a:t>
+            </a:r>
+            <a:endParaRPr lang="cs-CZ" sz="4400" b="0" dirty="0">
+              <a:cs typeface="Segoe UI" panose="020B0502040204020203" pitchFamily="34" charset="0"/>
+            </a:endParaRPr>
+          </a:p>
+          <a:p>
+            <a:pPr marL="1028700" lvl="1" indent="-571500">
+              <a:lnSpc>
+                <a:spcPct val="120000"/>
+              </a:lnSpc>
+              <a:buFont typeface="Lato" panose="020F0502020204030203" pitchFamily="34" charset="0"/>
+              <a:buChar char="―"/>
+            </a:pPr>
+            <a:r>
+              <a:rPr lang="en-US" sz="4400" b="0" dirty="0">
+                <a:cs typeface="Segoe UI" panose="020B0502040204020203" pitchFamily="34" charset="0"/>
+              </a:rPr>
+              <a:t>prevents re-identification</a:t>
+            </a:r>
+            <a:endParaRPr lang="cs-CZ" sz="4400" b="0" dirty="0">
+              <a:cs typeface="Segoe UI" panose="020B0502040204020203" pitchFamily="34" charset="0"/>
+            </a:endParaRPr>
+          </a:p>
+          <a:p>
+            <a:pPr marL="1028700" lvl="1" indent="-571500">
+              <a:lnSpc>
+                <a:spcPct val="120000"/>
+              </a:lnSpc>
+              <a:buFont typeface="Lato" panose="020F0502020204030203" pitchFamily="34" charset="0"/>
+              <a:buChar char="―"/>
+            </a:pPr>
+            <a:endParaRPr lang="en-US" sz="4400" b="0" dirty="0">
+              <a:cs typeface="Segoe UI" panose="020B0502040204020203" pitchFamily="34" charset="0"/>
+            </a:endParaRPr>
+          </a:p>
+          <a:p>
+            <a:pPr marL="571500" indent="-571500">
+              <a:lnSpc>
+                <a:spcPct val="120000"/>
+              </a:lnSpc>
+              <a:buFont typeface="Wingdings" panose="05000000000000000000" pitchFamily="2" charset="2"/>
+              <a:buChar char="Ø"/>
+            </a:pPr>
+            <a:r>
+              <a:rPr lang="en-US" sz="4400" b="1" dirty="0">
+                <a:cs typeface="Segoe UI" panose="020B0502040204020203" pitchFamily="34" charset="0"/>
+              </a:rPr>
+              <a:t>Synthetic data generation</a:t>
+            </a:r>
+          </a:p>
+          <a:p>
+            <a:pPr marL="1028700" lvl="1" indent="-571500">
+              <a:lnSpc>
+                <a:spcPct val="120000"/>
+              </a:lnSpc>
+              <a:buFont typeface="Lato" panose="020F0502020204030203" pitchFamily="34" charset="0"/>
+              <a:buChar char="―"/>
+            </a:pPr>
+            <a:r>
+              <a:rPr lang="en-US" sz="4400" b="0" dirty="0">
+                <a:cs typeface="Segoe UI" panose="020B0502040204020203" pitchFamily="34" charset="0"/>
+              </a:rPr>
+              <a:t>mimics the original data</a:t>
+            </a:r>
+          </a:p>
+          <a:p>
+            <a:pPr marL="1028700" lvl="1" indent="-571500">
+              <a:lnSpc>
+                <a:spcPct val="120000"/>
+              </a:lnSpc>
+              <a:buFont typeface="Lato" panose="020F0502020204030203" pitchFamily="34" charset="0"/>
+              <a:buChar char="―"/>
+            </a:pPr>
+            <a:r>
+              <a:rPr lang="en-US" sz="4400" b="0" dirty="0">
+                <a:cs typeface="Segoe UI" panose="020B0502040204020203" pitchFamily="34" charset="0"/>
+              </a:rPr>
+              <a:t>creates artificial data that can be safely disseminated</a:t>
+            </a:r>
+          </a:p>
+          <a:p>
+            <a:endParaRPr lang="cs-CZ" b="0" dirty="0"/>
+          </a:p>
+          <a:p>
+            <a:pPr>
+              <a:lnSpc>
+                <a:spcPct val="120000"/>
+              </a:lnSpc>
+            </a:pPr>
+            <a:r>
+              <a:rPr lang="en-US" b="1" dirty="0">
+                <a:latin typeface="+mj-lt"/>
+              </a:rPr>
+              <a:t>Open Science, Open Access, Open Data</a:t>
+            </a:r>
+            <a:endParaRPr lang="cs-CZ" b="1" dirty="0">
+              <a:latin typeface="+mj-lt"/>
+            </a:endParaRPr>
+          </a:p>
+          <a:p>
+            <a:pPr>
+              <a:lnSpc>
+                <a:spcPct val="120000"/>
+              </a:lnSpc>
+            </a:pPr>
+            <a:endParaRPr lang="cs-CZ" sz="4400" dirty="0"/>
+          </a:p>
+          <a:p>
+            <a:pPr>
+              <a:lnSpc>
+                <a:spcPct val="120000"/>
+              </a:lnSpc>
+            </a:pPr>
+            <a:endParaRPr lang="en-US" sz="4400" b="1" dirty="0"/>
+          </a:p>
+          <a:p>
+            <a:pPr>
+              <a:lnSpc>
+                <a:spcPct val="120000"/>
+              </a:lnSpc>
+            </a:pPr>
+            <a:r>
+              <a:rPr lang="en-US" sz="4800" b="0" dirty="0"/>
+              <a:t>Research data that results from publicly funded research </a:t>
+            </a:r>
+            <a:r>
+              <a:rPr lang="en-US" sz="4800" b="0" noProof="1"/>
+              <a:t>should be</a:t>
+            </a:r>
+            <a:endParaRPr lang="cs-CZ" b="0" dirty="0"/>
+          </a:p>
+          <a:p>
+            <a:pPr marL="1028700" lvl="1" indent="-571500">
+              <a:lnSpc>
+                <a:spcPct val="120000"/>
+              </a:lnSpc>
+              <a:buFont typeface="Wingdings" panose="05000000000000000000" pitchFamily="2" charset="2"/>
+              <a:buChar char="Ø"/>
+            </a:pPr>
+            <a:r>
+              <a:rPr lang="en-US" sz="4800" dirty="0"/>
+              <a:t>Findable, Accessible, Interoperable, Reusable </a:t>
+            </a:r>
+            <a:r>
+              <a:rPr lang="en-US" sz="4800" b="0" dirty="0"/>
+              <a:t>(‘</a:t>
+            </a:r>
+            <a:r>
+              <a:rPr lang="en-US" sz="4800" dirty="0"/>
+              <a:t>FAIR</a:t>
+            </a:r>
+            <a:r>
+              <a:rPr lang="en-US" sz="4800" b="0" dirty="0"/>
+              <a:t> principles’)</a:t>
+            </a:r>
+          </a:p>
+          <a:p>
+            <a:pPr marL="1028700" lvl="1" indent="-571500">
+              <a:lnSpc>
+                <a:spcPct val="120000"/>
+              </a:lnSpc>
+              <a:buFont typeface="Wingdings" panose="05000000000000000000" pitchFamily="2" charset="2"/>
+              <a:buChar char="Ø"/>
+            </a:pPr>
+            <a:r>
+              <a:rPr lang="en-US" sz="4800" b="0" dirty="0"/>
+              <a:t>therefore replicable, transparent, trustworthy</a:t>
+            </a:r>
+          </a:p>
+          <a:p>
+            <a:pPr marL="1028700" lvl="1" indent="-571500">
+              <a:lnSpc>
+                <a:spcPct val="120000"/>
+              </a:lnSpc>
+              <a:buFont typeface="Wingdings" panose="05000000000000000000" pitchFamily="2" charset="2"/>
+              <a:buChar char="Ø"/>
+            </a:pPr>
+            <a:r>
+              <a:rPr lang="en-US" sz="4800" dirty="0"/>
+              <a:t>As open as possible, as closed as necessary</a:t>
+            </a:r>
+            <a:endParaRPr lang="cs-CZ" sz="4800" dirty="0"/>
+          </a:p>
+          <a:p>
+            <a:pPr marL="457200" lvl="1" indent="0">
+              <a:lnSpc>
+                <a:spcPct val="120000"/>
+              </a:lnSpc>
+              <a:buNone/>
+            </a:pPr>
+            <a:endParaRPr lang="en-US" sz="4800" dirty="0"/>
+          </a:p>
+          <a:p>
+            <a:pPr marL="0" lvl="1" indent="0">
+              <a:lnSpc>
+                <a:spcPct val="120000"/>
+              </a:lnSpc>
+              <a:buNone/>
+            </a:pPr>
+            <a:r>
+              <a:rPr lang="en-US" sz="4800" b="0" dirty="0">
+                <a:solidFill>
+                  <a:schemeClr val="accent1">
+                    <a:lumMod val="60000"/>
+                    <a:lumOff val="40000"/>
+                  </a:schemeClr>
+                </a:solidFill>
+                <a:hlinkClick r:id="rId2">
+                  <a:extLst>
+                    <a:ext uri="{A12FA001-AC4F-418D-AE19-62706E023703}">
+                      <ahyp:hlinkClr xmlns:ahyp="http://schemas.microsoft.com/office/drawing/2018/hyperlinkcolor" val="tx"/>
+                    </a:ext>
+                  </a:extLst>
+                </a:hlinkClick>
+              </a:rPr>
+              <a:t>Commission Recommendation (EU) 2018/790 on access to and preservation of scientific information</a:t>
+            </a:r>
             <a:endParaRPr lang="en-GB" dirty="0"/>
           </a:p>
         </p:txBody>
@@ -6293,8 +4193,8 @@
         </p:nvSpPr>
         <p:spPr>
           <a:xfrm>
-            <a:off x="20313922" y="20556000"/>
-            <a:ext cx="8928000" cy="3366161"/>
+            <a:off x="20313922" y="10595758"/>
+            <a:ext cx="8928000" cy="13326403"/>
           </a:xfrm>
         </p:spPr>
         <p:txBody>
@@ -6509,7 +4409,7 @@
         <p:spPr>
           <a:xfrm>
             <a:off x="10656285" y="22482001"/>
-            <a:ext cx="8928000" cy="12961441"/>
+            <a:ext cx="8928000" cy="20070376"/>
           </a:xfrm>
         </p:spPr>
         <p:txBody>
@@ -6930,2851 +4830,6 @@
           </a:p>
         </p:txBody>
       </p:sp>
-      <p:graphicFrame>
-        <p:nvGraphicFramePr>
-          <p:cNvPr id="49" name="Tabelle 20">
-            <a:extLst>
-              <a:ext uri="{FF2B5EF4-FFF2-40B4-BE49-F238E27FC236}">
-                <a16:creationId xmlns:a16="http://schemas.microsoft.com/office/drawing/2014/main" id="{0F454E96-61BA-89DB-6D7F-BFC9DBCA8102}"/>
-              </a:ext>
-            </a:extLst>
-          </p:cNvPr>
-          <p:cNvGraphicFramePr>
-            <a:graphicFrameLocks noGrp="1"/>
-          </p:cNvGraphicFramePr>
-          <p:nvPr>
-            <p:extLst>
-              <p:ext uri="{D42A27DB-BD31-4B8C-83A1-F6EECF244321}">
-                <p14:modId xmlns:p14="http://schemas.microsoft.com/office/powerpoint/2010/main" val="1756106717"/>
-              </p:ext>
-            </p:extLst>
-          </p:nvPr>
-        </p:nvGraphicFramePr>
-        <p:xfrm>
-          <a:off x="10680006" y="35493253"/>
-          <a:ext cx="8912920" cy="6264408"/>
-        </p:xfrm>
-        <a:graphic>
-          <a:graphicData uri="http://schemas.openxmlformats.org/drawingml/2006/table">
-            <a:tbl>
-              <a:tblPr firstRow="1" bandRow="1">
-                <a:tableStyleId>{5940675A-B579-460E-94D1-54222C63F5DA}</a:tableStyleId>
-              </a:tblPr>
-              <a:tblGrid>
-                <a:gridCol w="5105672">
-                  <a:extLst>
-                    <a:ext uri="{9D8B030D-6E8A-4147-A177-3AD203B41FA5}">
-                      <a16:colId xmlns:a16="http://schemas.microsoft.com/office/drawing/2014/main" val="1434012738"/>
-                    </a:ext>
-                  </a:extLst>
-                </a:gridCol>
-                <a:gridCol w="1296144">
-                  <a:extLst>
-                    <a:ext uri="{9D8B030D-6E8A-4147-A177-3AD203B41FA5}">
-                      <a16:colId xmlns:a16="http://schemas.microsoft.com/office/drawing/2014/main" val="4110433612"/>
-                    </a:ext>
-                  </a:extLst>
-                </a:gridCol>
-                <a:gridCol w="1260140">
-                  <a:extLst>
-                    <a:ext uri="{9D8B030D-6E8A-4147-A177-3AD203B41FA5}">
-                      <a16:colId xmlns:a16="http://schemas.microsoft.com/office/drawing/2014/main" val="282603456"/>
-                    </a:ext>
-                  </a:extLst>
-                </a:gridCol>
-                <a:gridCol w="1250964">
-                  <a:extLst>
-                    <a:ext uri="{9D8B030D-6E8A-4147-A177-3AD203B41FA5}">
-                      <a16:colId xmlns:a16="http://schemas.microsoft.com/office/drawing/2014/main" val="745536005"/>
-                    </a:ext>
-                  </a:extLst>
-                </a:gridCol>
-              </a:tblGrid>
-              <a:tr h="432048">
-                <a:tc>
-                  <a:txBody>
-                    <a:bodyPr/>
-                    <a:lstStyle/>
-                    <a:p>
-                      <a:endParaRPr lang="de-CH" sz="2000" dirty="0"/>
-                    </a:p>
-                  </a:txBody>
-                  <a:tcPr marL="0" marR="0" marT="0" marB="0">
-                    <a:lnL w="12700" cmpd="sng">
-                      <a:noFill/>
-                    </a:lnL>
-                    <a:lnR w="12700" cmpd="sng">
-                      <a:noFill/>
-                    </a:lnR>
-                    <a:lnT w="12700" cmpd="sng">
-                      <a:noFill/>
-                    </a:lnT>
-                    <a:lnB w="12700" cmpd="sng">
-                      <a:noFill/>
-                    </a:lnB>
-                    <a:lnTlToBr w="12700" cmpd="sng">
-                      <a:noFill/>
-                      <a:prstDash val="solid"/>
-                    </a:lnTlToBr>
-                    <a:lnBlToTr w="12700" cmpd="sng">
-                      <a:noFill/>
-                      <a:prstDash val="solid"/>
-                    </a:lnBlToTr>
-                  </a:tcPr>
-                </a:tc>
-                <a:tc gridSpan="3">
-                  <a:txBody>
-                    <a:bodyPr/>
-                    <a:lstStyle/>
-                    <a:p>
-                      <a:pPr algn="r"/>
-                      <a:r>
-                        <a:rPr lang="de-CH" sz="2000" b="1" dirty="0"/>
-                        <a:t>Title</a:t>
-                      </a:r>
-                    </a:p>
-                  </a:txBody>
-                  <a:tcPr marL="0" marR="0" marT="0" marB="0" anchor="ctr">
-                    <a:lnL w="12700" cmpd="sng">
-                      <a:noFill/>
-                    </a:lnL>
-                    <a:lnR w="12700" cmpd="sng">
-                      <a:noFill/>
-                    </a:lnR>
-                    <a:lnT w="12700" cmpd="sng">
-                      <a:noFill/>
-                    </a:lnT>
-                    <a:lnB w="12700" cap="flat" cmpd="sng" algn="ctr">
-                      <a:solidFill>
-                        <a:schemeClr val="tx1"/>
-                      </a:solidFill>
-                      <a:prstDash val="solid"/>
-                      <a:round/>
-                      <a:headEnd type="none" w="med" len="med"/>
-                      <a:tailEnd type="none" w="med" len="med"/>
-                    </a:lnB>
-                    <a:lnTlToBr w="12700" cmpd="sng">
-                      <a:noFill/>
-                      <a:prstDash val="solid"/>
-                    </a:lnTlToBr>
-                    <a:lnBlToTr w="12700" cmpd="sng">
-                      <a:noFill/>
-                      <a:prstDash val="solid"/>
-                    </a:lnBlToTr>
-                  </a:tcPr>
-                </a:tc>
-                <a:tc hMerge="1">
-                  <a:txBody>
-                    <a:bodyPr/>
-                    <a:lstStyle/>
-                    <a:p>
-                      <a:endParaRPr lang="de-CH" sz="2000"/>
-                    </a:p>
-                  </a:txBody>
-                  <a:tcPr marL="0" marR="0" marT="0" marB="0"/>
-                </a:tc>
-                <a:tc hMerge="1">
-                  <a:txBody>
-                    <a:bodyPr/>
-                    <a:lstStyle/>
-                    <a:p>
-                      <a:endParaRPr lang="de-CH" sz="2000" dirty="0"/>
-                    </a:p>
-                  </a:txBody>
-                  <a:tcPr marL="0" marR="0" marT="0" marB="0"/>
-                </a:tc>
-                <a:extLst>
-                  <a:ext uri="{0D108BD9-81ED-4DB2-BD59-A6C34878D82A}">
-                    <a16:rowId xmlns:a16="http://schemas.microsoft.com/office/drawing/2014/main" val="190634620"/>
-                  </a:ext>
-                </a:extLst>
-              </a:tr>
-              <a:tr h="738000">
-                <a:tc>
-                  <a:txBody>
-                    <a:bodyPr/>
-                    <a:lstStyle/>
-                    <a:p>
-                      <a:r>
-                        <a:rPr lang="de-CH" sz="2000" dirty="0"/>
-                        <a:t>Text</a:t>
-                      </a:r>
-                    </a:p>
-                  </a:txBody>
-                  <a:tcPr marL="0" marR="0" marT="0" marB="54000" anchor="b">
-                    <a:lnL w="12700" cmpd="sng">
-                      <a:noFill/>
-                    </a:lnL>
-                    <a:lnR w="12700" cmpd="sng">
-                      <a:noFill/>
-                    </a:lnR>
-                    <a:lnT w="12700" cmpd="sng">
-                      <a:noFill/>
-                    </a:lnT>
-                    <a:lnB w="12700" cap="flat" cmpd="sng" algn="ctr">
-                      <a:solidFill>
-                        <a:schemeClr val="tx1"/>
-                      </a:solidFill>
-                      <a:prstDash val="solid"/>
-                      <a:round/>
-                      <a:headEnd type="none" w="med" len="med"/>
-                      <a:tailEnd type="none" w="med" len="med"/>
-                    </a:lnB>
-                    <a:lnTlToBr w="12700" cmpd="sng">
-                      <a:noFill/>
-                      <a:prstDash val="solid"/>
-                    </a:lnTlToBr>
-                    <a:lnBlToTr w="12700" cmpd="sng">
-                      <a:noFill/>
-                      <a:prstDash val="solid"/>
-                    </a:lnBlToTr>
-                  </a:tcPr>
-                </a:tc>
-                <a:tc>
-                  <a:txBody>
-                    <a:bodyPr/>
-                    <a:lstStyle/>
-                    <a:p>
-                      <a:pPr algn="r"/>
-                      <a:r>
-                        <a:rPr lang="de-CH" sz="2000" dirty="0"/>
-                        <a:t>Text</a:t>
-                      </a:r>
-                    </a:p>
-                  </a:txBody>
-                  <a:tcPr marL="0" marR="0" marT="0" marB="36000" anchor="b">
-                    <a:lnL w="12700" cmpd="sng">
-                      <a:noFill/>
-                    </a:lnL>
-                    <a:lnR w="12700" cmpd="sng">
-                      <a:noFill/>
-                    </a:lnR>
-                    <a:lnT w="12700" cap="flat" cmpd="sng" algn="ctr">
-                      <a:solidFill>
-                        <a:schemeClr val="tx1"/>
-                      </a:solidFill>
-                      <a:prstDash val="solid"/>
-                      <a:round/>
-                      <a:headEnd type="none" w="med" len="med"/>
-                      <a:tailEnd type="none" w="med" len="med"/>
-                    </a:lnT>
-                    <a:lnB w="12700" cap="flat" cmpd="sng" algn="ctr">
-                      <a:solidFill>
-                        <a:schemeClr val="tx1"/>
-                      </a:solidFill>
-                      <a:prstDash val="solid"/>
-                      <a:round/>
-                      <a:headEnd type="none" w="med" len="med"/>
-                      <a:tailEnd type="none" w="med" len="med"/>
-                    </a:lnB>
-                    <a:lnTlToBr w="12700" cmpd="sng">
-                      <a:noFill/>
-                      <a:prstDash val="solid"/>
-                    </a:lnTlToBr>
-                    <a:lnBlToTr w="12700" cmpd="sng">
-                      <a:noFill/>
-                      <a:prstDash val="solid"/>
-                    </a:lnBlToTr>
-                  </a:tcPr>
-                </a:tc>
-                <a:tc>
-                  <a:txBody>
-                    <a:bodyPr/>
-                    <a:lstStyle/>
-                    <a:p>
-                      <a:pPr algn="r"/>
-                      <a:r>
-                        <a:rPr lang="de-CH" sz="2000" dirty="0"/>
-                        <a:t>Text</a:t>
-                      </a:r>
-                    </a:p>
-                  </a:txBody>
-                  <a:tcPr marL="0" marR="0" marT="0" marB="36000" anchor="b">
-                    <a:lnL w="12700" cmpd="sng">
-                      <a:noFill/>
-                    </a:lnL>
-                    <a:lnR w="12700" cmpd="sng">
-                      <a:noFill/>
-                    </a:lnR>
-                    <a:lnT w="12700" cap="flat" cmpd="sng" algn="ctr">
-                      <a:solidFill>
-                        <a:schemeClr val="tx1"/>
-                      </a:solidFill>
-                      <a:prstDash val="solid"/>
-                      <a:round/>
-                      <a:headEnd type="none" w="med" len="med"/>
-                      <a:tailEnd type="none" w="med" len="med"/>
-                    </a:lnT>
-                    <a:lnB w="12700" cap="flat" cmpd="sng" algn="ctr">
-                      <a:solidFill>
-                        <a:schemeClr val="tx1"/>
-                      </a:solidFill>
-                      <a:prstDash val="solid"/>
-                      <a:round/>
-                      <a:headEnd type="none" w="med" len="med"/>
-                      <a:tailEnd type="none" w="med" len="med"/>
-                    </a:lnB>
-                    <a:lnTlToBr w="12700" cmpd="sng">
-                      <a:noFill/>
-                      <a:prstDash val="solid"/>
-                    </a:lnTlToBr>
-                    <a:lnBlToTr w="12700" cmpd="sng">
-                      <a:noFill/>
-                      <a:prstDash val="solid"/>
-                    </a:lnBlToTr>
-                  </a:tcPr>
-                </a:tc>
-                <a:tc>
-                  <a:txBody>
-                    <a:bodyPr/>
-                    <a:lstStyle/>
-                    <a:p>
-                      <a:pPr algn="r"/>
-                      <a:r>
-                        <a:rPr lang="de-CH" sz="2000" dirty="0"/>
-                        <a:t>Text</a:t>
-                      </a:r>
-                    </a:p>
-                  </a:txBody>
-                  <a:tcPr marL="0" marR="0" marT="0" marB="36000" anchor="b">
-                    <a:lnL w="12700" cmpd="sng">
-                      <a:noFill/>
-                    </a:lnL>
-                    <a:lnR w="12700" cmpd="sng">
-                      <a:noFill/>
-                    </a:lnR>
-                    <a:lnT w="12700" cap="flat" cmpd="sng" algn="ctr">
-                      <a:solidFill>
-                        <a:schemeClr val="tx1"/>
-                      </a:solidFill>
-                      <a:prstDash val="solid"/>
-                      <a:round/>
-                      <a:headEnd type="none" w="med" len="med"/>
-                      <a:tailEnd type="none" w="med" len="med"/>
-                    </a:lnT>
-                    <a:lnB w="12700" cap="flat" cmpd="sng" algn="ctr">
-                      <a:solidFill>
-                        <a:schemeClr val="tx1"/>
-                      </a:solidFill>
-                      <a:prstDash val="solid"/>
-                      <a:round/>
-                      <a:headEnd type="none" w="med" len="med"/>
-                      <a:tailEnd type="none" w="med" len="med"/>
-                    </a:lnB>
-                    <a:lnTlToBr w="12700" cmpd="sng">
-                      <a:noFill/>
-                      <a:prstDash val="solid"/>
-                    </a:lnTlToBr>
-                    <a:lnBlToTr w="12700" cmpd="sng">
-                      <a:noFill/>
-                      <a:prstDash val="solid"/>
-                    </a:lnBlToTr>
-                  </a:tcPr>
-                </a:tc>
-                <a:extLst>
-                  <a:ext uri="{0D108BD9-81ED-4DB2-BD59-A6C34878D82A}">
-                    <a16:rowId xmlns:a16="http://schemas.microsoft.com/office/drawing/2014/main" val="3154287340"/>
-                  </a:ext>
-                </a:extLst>
-              </a:tr>
-              <a:tr h="702000">
-                <a:tc>
-                  <a:txBody>
-                    <a:bodyPr/>
-                    <a:lstStyle/>
-                    <a:p>
-                      <a:r>
-                        <a:rPr lang="de-CH" sz="2000" b="1" dirty="0"/>
-                        <a:t>Title</a:t>
-                      </a:r>
-                    </a:p>
-                  </a:txBody>
-                  <a:tcPr marL="0" marR="0" marT="0" marB="72000" anchor="b">
-                    <a:lnL w="12700" cmpd="sng">
-                      <a:noFill/>
-                    </a:lnL>
-                    <a:lnR w="12700" cmpd="sng">
-                      <a:noFill/>
-                    </a:lnR>
-                    <a:lnT w="12700" cap="flat" cmpd="sng" algn="ctr">
-                      <a:solidFill>
-                        <a:schemeClr val="tx1"/>
-                      </a:solidFill>
-                      <a:prstDash val="solid"/>
-                      <a:round/>
-                      <a:headEnd type="none" w="med" len="med"/>
-                      <a:tailEnd type="none" w="med" len="med"/>
-                    </a:lnT>
-                    <a:lnB w="19050" cap="flat" cmpd="sng" algn="ctr">
-                      <a:solidFill>
-                        <a:schemeClr val="tx1"/>
-                      </a:solidFill>
-                      <a:prstDash val="solid"/>
-                      <a:round/>
-                      <a:headEnd type="none" w="med" len="med"/>
-                      <a:tailEnd type="none" w="med" len="med"/>
-                    </a:lnB>
-                    <a:lnTlToBr w="12700" cmpd="sng">
-                      <a:noFill/>
-                      <a:prstDash val="solid"/>
-                    </a:lnTlToBr>
-                    <a:lnBlToTr w="12700" cmpd="sng">
-                      <a:noFill/>
-                      <a:prstDash val="solid"/>
-                    </a:lnBlToTr>
-                  </a:tcPr>
-                </a:tc>
-                <a:tc>
-                  <a:txBody>
-                    <a:bodyPr/>
-                    <a:lstStyle/>
-                    <a:p>
-                      <a:pPr algn="r"/>
-                      <a:r>
-                        <a:rPr lang="de-CH" sz="2000" b="1" dirty="0"/>
-                        <a:t>00</a:t>
-                      </a:r>
-                    </a:p>
-                  </a:txBody>
-                  <a:tcPr marL="0" marR="0" marT="0" marB="72000" anchor="b">
-                    <a:lnL w="12700" cmpd="sng">
-                      <a:noFill/>
-                    </a:lnL>
-                    <a:lnR w="12700" cmpd="sng">
-                      <a:noFill/>
-                    </a:lnR>
-                    <a:lnT w="12700" cap="flat" cmpd="sng" algn="ctr">
-                      <a:solidFill>
-                        <a:schemeClr val="tx1"/>
-                      </a:solidFill>
-                      <a:prstDash val="solid"/>
-                      <a:round/>
-                      <a:headEnd type="none" w="med" len="med"/>
-                      <a:tailEnd type="none" w="med" len="med"/>
-                    </a:lnT>
-                    <a:lnB w="19050" cap="flat" cmpd="sng" algn="ctr">
-                      <a:solidFill>
-                        <a:schemeClr val="tx1"/>
-                      </a:solidFill>
-                      <a:prstDash val="solid"/>
-                      <a:round/>
-                      <a:headEnd type="none" w="med" len="med"/>
-                      <a:tailEnd type="none" w="med" len="med"/>
-                    </a:lnB>
-                    <a:lnTlToBr w="12700" cmpd="sng">
-                      <a:noFill/>
-                      <a:prstDash val="solid"/>
-                    </a:lnTlToBr>
-                    <a:lnBlToTr w="12700" cmpd="sng">
-                      <a:noFill/>
-                      <a:prstDash val="solid"/>
-                    </a:lnBlToTr>
-                  </a:tcPr>
-                </a:tc>
-                <a:tc>
-                  <a:txBody>
-                    <a:bodyPr/>
-                    <a:lstStyle/>
-                    <a:p>
-                      <a:pPr algn="r"/>
-                      <a:r>
-                        <a:rPr lang="de-CH" sz="2000" b="1" dirty="0"/>
-                        <a:t>00</a:t>
-                      </a:r>
-                    </a:p>
-                  </a:txBody>
-                  <a:tcPr marL="0" marR="0" marT="0" marB="72000" anchor="b">
-                    <a:lnL w="12700" cmpd="sng">
-                      <a:noFill/>
-                    </a:lnL>
-                    <a:lnR w="12700" cmpd="sng">
-                      <a:noFill/>
-                    </a:lnR>
-                    <a:lnT w="12700" cap="flat" cmpd="sng" algn="ctr">
-                      <a:solidFill>
-                        <a:schemeClr val="tx1"/>
-                      </a:solidFill>
-                      <a:prstDash val="solid"/>
-                      <a:round/>
-                      <a:headEnd type="none" w="med" len="med"/>
-                      <a:tailEnd type="none" w="med" len="med"/>
-                    </a:lnT>
-                    <a:lnB w="19050" cap="flat" cmpd="sng" algn="ctr">
-                      <a:solidFill>
-                        <a:schemeClr val="tx1"/>
-                      </a:solidFill>
-                      <a:prstDash val="solid"/>
-                      <a:round/>
-                      <a:headEnd type="none" w="med" len="med"/>
-                      <a:tailEnd type="none" w="med" len="med"/>
-                    </a:lnB>
-                    <a:lnTlToBr w="12700" cmpd="sng">
-                      <a:noFill/>
-                      <a:prstDash val="solid"/>
-                    </a:lnTlToBr>
-                    <a:lnBlToTr w="12700" cmpd="sng">
-                      <a:noFill/>
-                      <a:prstDash val="solid"/>
-                    </a:lnBlToTr>
-                  </a:tcPr>
-                </a:tc>
-                <a:tc>
-                  <a:txBody>
-                    <a:bodyPr/>
-                    <a:lstStyle/>
-                    <a:p>
-                      <a:pPr algn="r"/>
-                      <a:r>
-                        <a:rPr lang="de-CH" sz="2000" b="1" dirty="0"/>
-                        <a:t>00</a:t>
-                      </a:r>
-                    </a:p>
-                  </a:txBody>
-                  <a:tcPr marL="0" marR="0" marT="0" marB="72000" anchor="b">
-                    <a:lnL w="12700" cmpd="sng">
-                      <a:noFill/>
-                    </a:lnL>
-                    <a:lnR w="12700" cmpd="sng">
-                      <a:noFill/>
-                    </a:lnR>
-                    <a:lnT w="12700" cap="flat" cmpd="sng" algn="ctr">
-                      <a:solidFill>
-                        <a:schemeClr val="tx1"/>
-                      </a:solidFill>
-                      <a:prstDash val="solid"/>
-                      <a:round/>
-                      <a:headEnd type="none" w="med" len="med"/>
-                      <a:tailEnd type="none" w="med" len="med"/>
-                    </a:lnT>
-                    <a:lnB w="19050" cap="flat" cmpd="sng" algn="ctr">
-                      <a:solidFill>
-                        <a:schemeClr val="tx1"/>
-                      </a:solidFill>
-                      <a:prstDash val="solid"/>
-                      <a:round/>
-                      <a:headEnd type="none" w="med" len="med"/>
-                      <a:tailEnd type="none" w="med" len="med"/>
-                    </a:lnB>
-                    <a:lnTlToBr w="12700" cmpd="sng">
-                      <a:noFill/>
-                      <a:prstDash val="solid"/>
-                    </a:lnTlToBr>
-                    <a:lnBlToTr w="12700" cmpd="sng">
-                      <a:noFill/>
-                      <a:prstDash val="solid"/>
-                    </a:lnBlToTr>
-                  </a:tcPr>
-                </a:tc>
-                <a:extLst>
-                  <a:ext uri="{0D108BD9-81ED-4DB2-BD59-A6C34878D82A}">
-                    <a16:rowId xmlns:a16="http://schemas.microsoft.com/office/drawing/2014/main" val="344861282"/>
-                  </a:ext>
-                </a:extLst>
-              </a:tr>
-              <a:tr h="468000">
-                <a:tc>
-                  <a:txBody>
-                    <a:bodyPr/>
-                    <a:lstStyle/>
-                    <a:p>
-                      <a:r>
-                        <a:rPr lang="de-CH" sz="2000" dirty="0"/>
-                        <a:t>Text</a:t>
-                      </a:r>
-                    </a:p>
-                  </a:txBody>
-                  <a:tcPr marL="0" marR="0" marT="0" marB="72000" anchor="b">
-                    <a:lnL w="12700" cmpd="sng">
-                      <a:noFill/>
-                    </a:lnL>
-                    <a:lnR w="12700" cmpd="sng">
-                      <a:noFill/>
-                    </a:lnR>
-                    <a:lnT w="19050" cap="flat" cmpd="sng" algn="ctr">
-                      <a:solidFill>
-                        <a:schemeClr val="tx1"/>
-                      </a:solidFill>
-                      <a:prstDash val="solid"/>
-                      <a:round/>
-                      <a:headEnd type="none" w="med" len="med"/>
-                      <a:tailEnd type="none" w="med" len="med"/>
-                    </a:lnT>
-                    <a:lnB w="12700" cap="flat" cmpd="sng" algn="ctr">
-                      <a:solidFill>
-                        <a:schemeClr val="tx1"/>
-                      </a:solidFill>
-                      <a:prstDash val="solid"/>
-                      <a:round/>
-                      <a:headEnd type="none" w="med" len="med"/>
-                      <a:tailEnd type="none" w="med" len="med"/>
-                    </a:lnB>
-                    <a:lnTlToBr w="12700" cmpd="sng">
-                      <a:noFill/>
-                      <a:prstDash val="solid"/>
-                    </a:lnTlToBr>
-                    <a:lnBlToTr w="12700" cmpd="sng">
-                      <a:noFill/>
-                      <a:prstDash val="solid"/>
-                    </a:lnBlToTr>
-                  </a:tcPr>
-                </a:tc>
-                <a:tc>
-                  <a:txBody>
-                    <a:bodyPr/>
-                    <a:lstStyle/>
-                    <a:p>
-                      <a:pPr algn="r"/>
-                      <a:r>
-                        <a:rPr kumimoji="0" lang="de-CH" sz="2000" b="0" i="0" u="none" strike="noStrike" kern="1200" cap="none" spc="0" normalizeH="0" baseline="0" noProof="0">
-                          <a:ln>
-                            <a:noFill/>
-                          </a:ln>
-                          <a:solidFill>
-                            <a:prstClr val="black"/>
-                          </a:solidFill>
-                          <a:effectLst/>
-                          <a:uLnTx/>
-                          <a:uFillTx/>
-                          <a:latin typeface="Source Sans Pro"/>
-                          <a:ea typeface="+mn-ea"/>
-                          <a:cs typeface="+mn-cs"/>
-                        </a:rPr>
-                        <a:t>00</a:t>
-                      </a:r>
-                      <a:endParaRPr lang="de-CH" sz="2000" dirty="0"/>
-                    </a:p>
-                  </a:txBody>
-                  <a:tcPr marL="0" marR="0" marT="0" marB="72000" anchor="b">
-                    <a:lnL w="12700" cmpd="sng">
-                      <a:noFill/>
-                    </a:lnL>
-                    <a:lnR w="12700" cmpd="sng">
-                      <a:noFill/>
-                    </a:lnR>
-                    <a:lnT w="19050" cap="flat" cmpd="sng" algn="ctr">
-                      <a:solidFill>
-                        <a:schemeClr val="tx1"/>
-                      </a:solidFill>
-                      <a:prstDash val="solid"/>
-                      <a:round/>
-                      <a:headEnd type="none" w="med" len="med"/>
-                      <a:tailEnd type="none" w="med" len="med"/>
-                    </a:lnT>
-                    <a:lnB w="12700" cap="flat" cmpd="sng" algn="ctr">
-                      <a:solidFill>
-                        <a:schemeClr val="tx1"/>
-                      </a:solidFill>
-                      <a:prstDash val="solid"/>
-                      <a:round/>
-                      <a:headEnd type="none" w="med" len="med"/>
-                      <a:tailEnd type="none" w="med" len="med"/>
-                    </a:lnB>
-                    <a:lnTlToBr w="12700" cmpd="sng">
-                      <a:noFill/>
-                      <a:prstDash val="solid"/>
-                    </a:lnTlToBr>
-                    <a:lnBlToTr w="12700" cmpd="sng">
-                      <a:noFill/>
-                      <a:prstDash val="solid"/>
-                    </a:lnBlToTr>
-                  </a:tcPr>
-                </a:tc>
-                <a:tc>
-                  <a:txBody>
-                    <a:bodyPr/>
-                    <a:lstStyle/>
-                    <a:p>
-                      <a:pPr algn="r"/>
-                      <a:r>
-                        <a:rPr kumimoji="0" lang="de-CH" sz="2000" b="0" i="0" u="none" strike="noStrike" kern="1200" cap="none" spc="0" normalizeH="0" baseline="0" noProof="0">
-                          <a:ln>
-                            <a:noFill/>
-                          </a:ln>
-                          <a:solidFill>
-                            <a:prstClr val="black"/>
-                          </a:solidFill>
-                          <a:effectLst/>
-                          <a:uLnTx/>
-                          <a:uFillTx/>
-                          <a:latin typeface="Source Sans Pro"/>
-                          <a:ea typeface="+mn-ea"/>
-                          <a:cs typeface="+mn-cs"/>
-                        </a:rPr>
-                        <a:t>00</a:t>
-                      </a:r>
-                      <a:endParaRPr lang="de-CH" sz="2000" dirty="0"/>
-                    </a:p>
-                  </a:txBody>
-                  <a:tcPr marL="0" marR="0" marT="0" marB="72000" anchor="b">
-                    <a:lnL w="12700" cmpd="sng">
-                      <a:noFill/>
-                    </a:lnL>
-                    <a:lnR w="12700" cmpd="sng">
-                      <a:noFill/>
-                    </a:lnR>
-                    <a:lnT w="19050" cap="flat" cmpd="sng" algn="ctr">
-                      <a:solidFill>
-                        <a:schemeClr val="tx1"/>
-                      </a:solidFill>
-                      <a:prstDash val="solid"/>
-                      <a:round/>
-                      <a:headEnd type="none" w="med" len="med"/>
-                      <a:tailEnd type="none" w="med" len="med"/>
-                    </a:lnT>
-                    <a:lnB w="12700" cap="flat" cmpd="sng" algn="ctr">
-                      <a:solidFill>
-                        <a:schemeClr val="tx1"/>
-                      </a:solidFill>
-                      <a:prstDash val="solid"/>
-                      <a:round/>
-                      <a:headEnd type="none" w="med" len="med"/>
-                      <a:tailEnd type="none" w="med" len="med"/>
-                    </a:lnB>
-                    <a:lnTlToBr w="12700" cmpd="sng">
-                      <a:noFill/>
-                      <a:prstDash val="solid"/>
-                    </a:lnTlToBr>
-                    <a:lnBlToTr w="12700" cmpd="sng">
-                      <a:noFill/>
-                      <a:prstDash val="solid"/>
-                    </a:lnBlToTr>
-                  </a:tcPr>
-                </a:tc>
-                <a:tc>
-                  <a:txBody>
-                    <a:bodyPr/>
-                    <a:lstStyle/>
-                    <a:p>
-                      <a:pPr algn="r"/>
-                      <a:r>
-                        <a:rPr kumimoji="0" lang="de-CH" sz="2000" b="0" i="0" u="none" strike="noStrike" kern="1200" cap="none" spc="0" normalizeH="0" baseline="0" noProof="0">
-                          <a:ln>
-                            <a:noFill/>
-                          </a:ln>
-                          <a:solidFill>
-                            <a:prstClr val="black"/>
-                          </a:solidFill>
-                          <a:effectLst/>
-                          <a:uLnTx/>
-                          <a:uFillTx/>
-                          <a:latin typeface="Source Sans Pro"/>
-                          <a:ea typeface="+mn-ea"/>
-                          <a:cs typeface="+mn-cs"/>
-                        </a:rPr>
-                        <a:t>00</a:t>
-                      </a:r>
-                      <a:endParaRPr lang="de-CH" sz="2000" dirty="0"/>
-                    </a:p>
-                  </a:txBody>
-                  <a:tcPr marL="0" marR="0" marT="0" marB="72000" anchor="b">
-                    <a:lnL w="12700" cmpd="sng">
-                      <a:noFill/>
-                    </a:lnL>
-                    <a:lnR w="12700" cmpd="sng">
-                      <a:noFill/>
-                    </a:lnR>
-                    <a:lnT w="19050" cap="flat" cmpd="sng" algn="ctr">
-                      <a:solidFill>
-                        <a:schemeClr val="tx1"/>
-                      </a:solidFill>
-                      <a:prstDash val="solid"/>
-                      <a:round/>
-                      <a:headEnd type="none" w="med" len="med"/>
-                      <a:tailEnd type="none" w="med" len="med"/>
-                    </a:lnT>
-                    <a:lnB w="12700" cap="flat" cmpd="sng" algn="ctr">
-                      <a:solidFill>
-                        <a:schemeClr val="tx1"/>
-                      </a:solidFill>
-                      <a:prstDash val="solid"/>
-                      <a:round/>
-                      <a:headEnd type="none" w="med" len="med"/>
-                      <a:tailEnd type="none" w="med" len="med"/>
-                    </a:lnB>
-                    <a:lnTlToBr w="12700" cmpd="sng">
-                      <a:noFill/>
-                      <a:prstDash val="solid"/>
-                    </a:lnTlToBr>
-                    <a:lnBlToTr w="12700" cmpd="sng">
-                      <a:noFill/>
-                      <a:prstDash val="solid"/>
-                    </a:lnBlToTr>
-                  </a:tcPr>
-                </a:tc>
-                <a:extLst>
-                  <a:ext uri="{0D108BD9-81ED-4DB2-BD59-A6C34878D82A}">
-                    <a16:rowId xmlns:a16="http://schemas.microsoft.com/office/drawing/2014/main" val="701003874"/>
-                  </a:ext>
-                </a:extLst>
-              </a:tr>
-              <a:tr h="468000">
-                <a:tc>
-                  <a:txBody>
-                    <a:bodyPr/>
-                    <a:lstStyle/>
-                    <a:p>
-                      <a:r>
-                        <a:rPr kumimoji="0" lang="de-CH" sz="2000" b="0" i="0" u="none" strike="noStrike" kern="1200" cap="none" spc="0" normalizeH="0" baseline="0" noProof="0">
-                          <a:ln>
-                            <a:noFill/>
-                          </a:ln>
-                          <a:solidFill>
-                            <a:prstClr val="black"/>
-                          </a:solidFill>
-                          <a:effectLst/>
-                          <a:uLnTx/>
-                          <a:uFillTx/>
-                          <a:latin typeface="Source Sans Pro"/>
-                          <a:ea typeface="+mn-ea"/>
-                          <a:cs typeface="+mn-cs"/>
-                        </a:rPr>
-                        <a:t>Text</a:t>
-                      </a:r>
-                      <a:endParaRPr lang="de-CH" sz="2000" dirty="0"/>
-                    </a:p>
-                  </a:txBody>
-                  <a:tcPr marL="0" marR="0" marT="0" marB="72000" anchor="b">
-                    <a:lnL w="12700" cmpd="sng">
-                      <a:noFill/>
-                    </a:lnL>
-                    <a:lnR w="12700" cmpd="sng">
-                      <a:noFill/>
-                    </a:lnR>
-                    <a:lnT w="12700" cap="flat" cmpd="sng" algn="ctr">
-                      <a:solidFill>
-                        <a:schemeClr val="tx1"/>
-                      </a:solidFill>
-                      <a:prstDash val="solid"/>
-                      <a:round/>
-                      <a:headEnd type="none" w="med" len="med"/>
-                      <a:tailEnd type="none" w="med" len="med"/>
-                    </a:lnT>
-                    <a:lnB w="12700" cap="flat" cmpd="sng" algn="ctr">
-                      <a:solidFill>
-                        <a:schemeClr val="tx1"/>
-                      </a:solidFill>
-                      <a:prstDash val="solid"/>
-                      <a:round/>
-                      <a:headEnd type="none" w="med" len="med"/>
-                      <a:tailEnd type="none" w="med" len="med"/>
-                    </a:lnB>
-                    <a:lnTlToBr w="12700" cmpd="sng">
-                      <a:noFill/>
-                      <a:prstDash val="solid"/>
-                    </a:lnTlToBr>
-                    <a:lnBlToTr w="12700" cmpd="sng">
-                      <a:noFill/>
-                      <a:prstDash val="solid"/>
-                    </a:lnBlToTr>
-                  </a:tcPr>
-                </a:tc>
-                <a:tc>
-                  <a:txBody>
-                    <a:bodyPr/>
-                    <a:lstStyle/>
-                    <a:p>
-                      <a:pPr algn="r"/>
-                      <a:r>
-                        <a:rPr kumimoji="0" lang="de-CH" sz="2000" b="0" i="0" u="none" strike="noStrike" kern="1200" cap="none" spc="0" normalizeH="0" baseline="0" noProof="0">
-                          <a:ln>
-                            <a:noFill/>
-                          </a:ln>
-                          <a:solidFill>
-                            <a:prstClr val="black"/>
-                          </a:solidFill>
-                          <a:effectLst/>
-                          <a:uLnTx/>
-                          <a:uFillTx/>
-                          <a:latin typeface="Source Sans Pro"/>
-                          <a:ea typeface="+mn-ea"/>
-                          <a:cs typeface="+mn-cs"/>
-                        </a:rPr>
-                        <a:t>00</a:t>
-                      </a:r>
-                      <a:endParaRPr lang="de-CH" sz="2000" dirty="0"/>
-                    </a:p>
-                  </a:txBody>
-                  <a:tcPr marL="0" marR="0" marT="0" marB="72000" anchor="b">
-                    <a:lnL w="12700" cmpd="sng">
-                      <a:noFill/>
-                    </a:lnL>
-                    <a:lnR w="12700" cmpd="sng">
-                      <a:noFill/>
-                    </a:lnR>
-                    <a:lnT w="12700" cap="flat" cmpd="sng" algn="ctr">
-                      <a:solidFill>
-                        <a:schemeClr val="tx1"/>
-                      </a:solidFill>
-                      <a:prstDash val="solid"/>
-                      <a:round/>
-                      <a:headEnd type="none" w="med" len="med"/>
-                      <a:tailEnd type="none" w="med" len="med"/>
-                    </a:lnT>
-                    <a:lnB w="12700" cap="flat" cmpd="sng" algn="ctr">
-                      <a:solidFill>
-                        <a:schemeClr val="tx1"/>
-                      </a:solidFill>
-                      <a:prstDash val="solid"/>
-                      <a:round/>
-                      <a:headEnd type="none" w="med" len="med"/>
-                      <a:tailEnd type="none" w="med" len="med"/>
-                    </a:lnB>
-                    <a:lnTlToBr w="12700" cmpd="sng">
-                      <a:noFill/>
-                      <a:prstDash val="solid"/>
-                    </a:lnTlToBr>
-                    <a:lnBlToTr w="12700" cmpd="sng">
-                      <a:noFill/>
-                      <a:prstDash val="solid"/>
-                    </a:lnBlToTr>
-                  </a:tcPr>
-                </a:tc>
-                <a:tc>
-                  <a:txBody>
-                    <a:bodyPr/>
-                    <a:lstStyle/>
-                    <a:p>
-                      <a:pPr algn="r"/>
-                      <a:r>
-                        <a:rPr kumimoji="0" lang="de-CH" sz="2000" b="0" i="0" u="none" strike="noStrike" kern="1200" cap="none" spc="0" normalizeH="0" baseline="0" noProof="0">
-                          <a:ln>
-                            <a:noFill/>
-                          </a:ln>
-                          <a:solidFill>
-                            <a:prstClr val="black"/>
-                          </a:solidFill>
-                          <a:effectLst/>
-                          <a:uLnTx/>
-                          <a:uFillTx/>
-                          <a:latin typeface="Source Sans Pro"/>
-                          <a:ea typeface="+mn-ea"/>
-                          <a:cs typeface="+mn-cs"/>
-                        </a:rPr>
-                        <a:t>00</a:t>
-                      </a:r>
-                      <a:endParaRPr lang="de-CH" sz="2000" dirty="0"/>
-                    </a:p>
-                  </a:txBody>
-                  <a:tcPr marL="0" marR="0" marT="0" marB="72000" anchor="b">
-                    <a:lnL w="12700" cmpd="sng">
-                      <a:noFill/>
-                    </a:lnL>
-                    <a:lnR w="12700" cmpd="sng">
-                      <a:noFill/>
-                    </a:lnR>
-                    <a:lnT w="12700" cap="flat" cmpd="sng" algn="ctr">
-                      <a:solidFill>
-                        <a:schemeClr val="tx1"/>
-                      </a:solidFill>
-                      <a:prstDash val="solid"/>
-                      <a:round/>
-                      <a:headEnd type="none" w="med" len="med"/>
-                      <a:tailEnd type="none" w="med" len="med"/>
-                    </a:lnT>
-                    <a:lnB w="12700" cap="flat" cmpd="sng" algn="ctr">
-                      <a:solidFill>
-                        <a:schemeClr val="tx1"/>
-                      </a:solidFill>
-                      <a:prstDash val="solid"/>
-                      <a:round/>
-                      <a:headEnd type="none" w="med" len="med"/>
-                      <a:tailEnd type="none" w="med" len="med"/>
-                    </a:lnB>
-                    <a:lnTlToBr w="12700" cmpd="sng">
-                      <a:noFill/>
-                      <a:prstDash val="solid"/>
-                    </a:lnTlToBr>
-                    <a:lnBlToTr w="12700" cmpd="sng">
-                      <a:noFill/>
-                      <a:prstDash val="solid"/>
-                    </a:lnBlToTr>
-                  </a:tcPr>
-                </a:tc>
-                <a:tc>
-                  <a:txBody>
-                    <a:bodyPr/>
-                    <a:lstStyle/>
-                    <a:p>
-                      <a:pPr algn="r"/>
-                      <a:r>
-                        <a:rPr kumimoji="0" lang="de-CH" sz="2000" b="0" i="0" u="none" strike="noStrike" kern="1200" cap="none" spc="0" normalizeH="0" baseline="0" noProof="0">
-                          <a:ln>
-                            <a:noFill/>
-                          </a:ln>
-                          <a:solidFill>
-                            <a:prstClr val="black"/>
-                          </a:solidFill>
-                          <a:effectLst/>
-                          <a:uLnTx/>
-                          <a:uFillTx/>
-                          <a:latin typeface="Source Sans Pro"/>
-                          <a:ea typeface="+mn-ea"/>
-                          <a:cs typeface="+mn-cs"/>
-                        </a:rPr>
-                        <a:t>00</a:t>
-                      </a:r>
-                      <a:endParaRPr lang="de-CH" sz="2000" dirty="0"/>
-                    </a:p>
-                  </a:txBody>
-                  <a:tcPr marL="0" marR="0" marT="0" marB="72000" anchor="b">
-                    <a:lnL w="12700" cmpd="sng">
-                      <a:noFill/>
-                    </a:lnL>
-                    <a:lnR w="12700" cmpd="sng">
-                      <a:noFill/>
-                    </a:lnR>
-                    <a:lnT w="12700" cap="flat" cmpd="sng" algn="ctr">
-                      <a:solidFill>
-                        <a:schemeClr val="tx1"/>
-                      </a:solidFill>
-                      <a:prstDash val="solid"/>
-                      <a:round/>
-                      <a:headEnd type="none" w="med" len="med"/>
-                      <a:tailEnd type="none" w="med" len="med"/>
-                    </a:lnT>
-                    <a:lnB w="12700" cap="flat" cmpd="sng" algn="ctr">
-                      <a:solidFill>
-                        <a:schemeClr val="tx1"/>
-                      </a:solidFill>
-                      <a:prstDash val="solid"/>
-                      <a:round/>
-                      <a:headEnd type="none" w="med" len="med"/>
-                      <a:tailEnd type="none" w="med" len="med"/>
-                    </a:lnB>
-                    <a:lnTlToBr w="12700" cmpd="sng">
-                      <a:noFill/>
-                      <a:prstDash val="solid"/>
-                    </a:lnTlToBr>
-                    <a:lnBlToTr w="12700" cmpd="sng">
-                      <a:noFill/>
-                      <a:prstDash val="solid"/>
-                    </a:lnBlToTr>
-                  </a:tcPr>
-                </a:tc>
-                <a:extLst>
-                  <a:ext uri="{0D108BD9-81ED-4DB2-BD59-A6C34878D82A}">
-                    <a16:rowId xmlns:a16="http://schemas.microsoft.com/office/drawing/2014/main" val="1100961374"/>
-                  </a:ext>
-                </a:extLst>
-              </a:tr>
-              <a:tr h="468000">
-                <a:tc>
-                  <a:txBody>
-                    <a:bodyPr/>
-                    <a:lstStyle/>
-                    <a:p>
-                      <a:r>
-                        <a:rPr kumimoji="0" lang="de-CH" sz="2000" b="0" i="0" u="none" strike="noStrike" kern="1200" cap="none" spc="0" normalizeH="0" baseline="0" noProof="0">
-                          <a:ln>
-                            <a:noFill/>
-                          </a:ln>
-                          <a:solidFill>
-                            <a:prstClr val="black"/>
-                          </a:solidFill>
-                          <a:effectLst/>
-                          <a:uLnTx/>
-                          <a:uFillTx/>
-                          <a:latin typeface="Source Sans Pro"/>
-                          <a:ea typeface="+mn-ea"/>
-                          <a:cs typeface="+mn-cs"/>
-                        </a:rPr>
-                        <a:t>Text</a:t>
-                      </a:r>
-                      <a:endParaRPr lang="de-CH" sz="2000" dirty="0"/>
-                    </a:p>
-                  </a:txBody>
-                  <a:tcPr marL="0" marR="0" marT="0" marB="72000" anchor="b">
-                    <a:lnL w="12700" cmpd="sng">
-                      <a:noFill/>
-                    </a:lnL>
-                    <a:lnR w="12700" cmpd="sng">
-                      <a:noFill/>
-                    </a:lnR>
-                    <a:lnT w="12700" cap="flat" cmpd="sng" algn="ctr">
-                      <a:solidFill>
-                        <a:schemeClr val="tx1"/>
-                      </a:solidFill>
-                      <a:prstDash val="solid"/>
-                      <a:round/>
-                      <a:headEnd type="none" w="med" len="med"/>
-                      <a:tailEnd type="none" w="med" len="med"/>
-                    </a:lnT>
-                    <a:lnB w="12700" cap="flat" cmpd="sng" algn="ctr">
-                      <a:solidFill>
-                        <a:schemeClr val="tx1"/>
-                      </a:solidFill>
-                      <a:prstDash val="solid"/>
-                      <a:round/>
-                      <a:headEnd type="none" w="med" len="med"/>
-                      <a:tailEnd type="none" w="med" len="med"/>
-                    </a:lnB>
-                    <a:lnTlToBr w="12700" cmpd="sng">
-                      <a:noFill/>
-                      <a:prstDash val="solid"/>
-                    </a:lnTlToBr>
-                    <a:lnBlToTr w="12700" cmpd="sng">
-                      <a:noFill/>
-                      <a:prstDash val="solid"/>
-                    </a:lnBlToTr>
-                  </a:tcPr>
-                </a:tc>
-                <a:tc>
-                  <a:txBody>
-                    <a:bodyPr/>
-                    <a:lstStyle/>
-                    <a:p>
-                      <a:pPr algn="r"/>
-                      <a:r>
-                        <a:rPr kumimoji="0" lang="de-CH" sz="2000" b="0" i="0" u="none" strike="noStrike" kern="1200" cap="none" spc="0" normalizeH="0" baseline="0" noProof="0">
-                          <a:ln>
-                            <a:noFill/>
-                          </a:ln>
-                          <a:solidFill>
-                            <a:prstClr val="black"/>
-                          </a:solidFill>
-                          <a:effectLst/>
-                          <a:uLnTx/>
-                          <a:uFillTx/>
-                          <a:latin typeface="Source Sans Pro"/>
-                          <a:ea typeface="+mn-ea"/>
-                          <a:cs typeface="+mn-cs"/>
-                        </a:rPr>
-                        <a:t>00</a:t>
-                      </a:r>
-                      <a:endParaRPr lang="de-CH" sz="2000" dirty="0"/>
-                    </a:p>
-                  </a:txBody>
-                  <a:tcPr marL="0" marR="0" marT="0" marB="72000" anchor="b">
-                    <a:lnL w="12700" cmpd="sng">
-                      <a:noFill/>
-                    </a:lnL>
-                    <a:lnR w="12700" cmpd="sng">
-                      <a:noFill/>
-                    </a:lnR>
-                    <a:lnT w="12700" cap="flat" cmpd="sng" algn="ctr">
-                      <a:solidFill>
-                        <a:schemeClr val="tx1"/>
-                      </a:solidFill>
-                      <a:prstDash val="solid"/>
-                      <a:round/>
-                      <a:headEnd type="none" w="med" len="med"/>
-                      <a:tailEnd type="none" w="med" len="med"/>
-                    </a:lnT>
-                    <a:lnB w="12700" cap="flat" cmpd="sng" algn="ctr">
-                      <a:solidFill>
-                        <a:schemeClr val="tx1"/>
-                      </a:solidFill>
-                      <a:prstDash val="solid"/>
-                      <a:round/>
-                      <a:headEnd type="none" w="med" len="med"/>
-                      <a:tailEnd type="none" w="med" len="med"/>
-                    </a:lnB>
-                    <a:lnTlToBr w="12700" cmpd="sng">
-                      <a:noFill/>
-                      <a:prstDash val="solid"/>
-                    </a:lnTlToBr>
-                    <a:lnBlToTr w="12700" cmpd="sng">
-                      <a:noFill/>
-                      <a:prstDash val="solid"/>
-                    </a:lnBlToTr>
-                  </a:tcPr>
-                </a:tc>
-                <a:tc>
-                  <a:txBody>
-                    <a:bodyPr/>
-                    <a:lstStyle/>
-                    <a:p>
-                      <a:pPr algn="r"/>
-                      <a:r>
-                        <a:rPr kumimoji="0" lang="de-CH" sz="2000" b="0" i="0" u="none" strike="noStrike" kern="1200" cap="none" spc="0" normalizeH="0" baseline="0" noProof="0">
-                          <a:ln>
-                            <a:noFill/>
-                          </a:ln>
-                          <a:solidFill>
-                            <a:prstClr val="black"/>
-                          </a:solidFill>
-                          <a:effectLst/>
-                          <a:uLnTx/>
-                          <a:uFillTx/>
-                          <a:latin typeface="Source Sans Pro"/>
-                          <a:ea typeface="+mn-ea"/>
-                          <a:cs typeface="+mn-cs"/>
-                        </a:rPr>
-                        <a:t>00</a:t>
-                      </a:r>
-                      <a:endParaRPr lang="de-CH" sz="2000" dirty="0"/>
-                    </a:p>
-                  </a:txBody>
-                  <a:tcPr marL="0" marR="0" marT="0" marB="72000" anchor="b">
-                    <a:lnL w="12700" cmpd="sng">
-                      <a:noFill/>
-                    </a:lnL>
-                    <a:lnR w="12700" cmpd="sng">
-                      <a:noFill/>
-                    </a:lnR>
-                    <a:lnT w="12700" cap="flat" cmpd="sng" algn="ctr">
-                      <a:solidFill>
-                        <a:schemeClr val="tx1"/>
-                      </a:solidFill>
-                      <a:prstDash val="solid"/>
-                      <a:round/>
-                      <a:headEnd type="none" w="med" len="med"/>
-                      <a:tailEnd type="none" w="med" len="med"/>
-                    </a:lnT>
-                    <a:lnB w="12700" cap="flat" cmpd="sng" algn="ctr">
-                      <a:solidFill>
-                        <a:schemeClr val="tx1"/>
-                      </a:solidFill>
-                      <a:prstDash val="solid"/>
-                      <a:round/>
-                      <a:headEnd type="none" w="med" len="med"/>
-                      <a:tailEnd type="none" w="med" len="med"/>
-                    </a:lnB>
-                    <a:lnTlToBr w="12700" cmpd="sng">
-                      <a:noFill/>
-                      <a:prstDash val="solid"/>
-                    </a:lnTlToBr>
-                    <a:lnBlToTr w="12700" cmpd="sng">
-                      <a:noFill/>
-                      <a:prstDash val="solid"/>
-                    </a:lnBlToTr>
-                  </a:tcPr>
-                </a:tc>
-                <a:tc>
-                  <a:txBody>
-                    <a:bodyPr/>
-                    <a:lstStyle/>
-                    <a:p>
-                      <a:pPr algn="r"/>
-                      <a:r>
-                        <a:rPr kumimoji="0" lang="de-CH" sz="2000" b="0" i="0" u="none" strike="noStrike" kern="1200" cap="none" spc="0" normalizeH="0" baseline="0" noProof="0">
-                          <a:ln>
-                            <a:noFill/>
-                          </a:ln>
-                          <a:solidFill>
-                            <a:prstClr val="black"/>
-                          </a:solidFill>
-                          <a:effectLst/>
-                          <a:uLnTx/>
-                          <a:uFillTx/>
-                          <a:latin typeface="Source Sans Pro"/>
-                          <a:ea typeface="+mn-ea"/>
-                          <a:cs typeface="+mn-cs"/>
-                        </a:rPr>
-                        <a:t>00</a:t>
-                      </a:r>
-                      <a:endParaRPr lang="de-CH" sz="2000" dirty="0"/>
-                    </a:p>
-                  </a:txBody>
-                  <a:tcPr marL="0" marR="0" marT="0" marB="72000" anchor="b">
-                    <a:lnL w="12700" cmpd="sng">
-                      <a:noFill/>
-                    </a:lnL>
-                    <a:lnR w="12700" cmpd="sng">
-                      <a:noFill/>
-                    </a:lnR>
-                    <a:lnT w="12700" cap="flat" cmpd="sng" algn="ctr">
-                      <a:solidFill>
-                        <a:schemeClr val="tx1"/>
-                      </a:solidFill>
-                      <a:prstDash val="solid"/>
-                      <a:round/>
-                      <a:headEnd type="none" w="med" len="med"/>
-                      <a:tailEnd type="none" w="med" len="med"/>
-                    </a:lnT>
-                    <a:lnB w="12700" cap="flat" cmpd="sng" algn="ctr">
-                      <a:solidFill>
-                        <a:schemeClr val="tx1"/>
-                      </a:solidFill>
-                      <a:prstDash val="solid"/>
-                      <a:round/>
-                      <a:headEnd type="none" w="med" len="med"/>
-                      <a:tailEnd type="none" w="med" len="med"/>
-                    </a:lnB>
-                    <a:lnTlToBr w="12700" cmpd="sng">
-                      <a:noFill/>
-                      <a:prstDash val="solid"/>
-                    </a:lnTlToBr>
-                    <a:lnBlToTr w="12700" cmpd="sng">
-                      <a:noFill/>
-                      <a:prstDash val="solid"/>
-                    </a:lnBlToTr>
-                  </a:tcPr>
-                </a:tc>
-                <a:extLst>
-                  <a:ext uri="{0D108BD9-81ED-4DB2-BD59-A6C34878D82A}">
-                    <a16:rowId xmlns:a16="http://schemas.microsoft.com/office/drawing/2014/main" val="3799965144"/>
-                  </a:ext>
-                </a:extLst>
-              </a:tr>
-              <a:tr h="468000">
-                <a:tc>
-                  <a:txBody>
-                    <a:bodyPr/>
-                    <a:lstStyle/>
-                    <a:p>
-                      <a:r>
-                        <a:rPr kumimoji="0" lang="de-CH" sz="2000" b="0" i="0" u="none" strike="noStrike" kern="1200" cap="none" spc="0" normalizeH="0" baseline="0" noProof="0" dirty="0">
-                          <a:ln>
-                            <a:noFill/>
-                          </a:ln>
-                          <a:solidFill>
-                            <a:prstClr val="black"/>
-                          </a:solidFill>
-                          <a:effectLst/>
-                          <a:uLnTx/>
-                          <a:uFillTx/>
-                          <a:latin typeface="Source Sans Pro"/>
-                          <a:ea typeface="+mn-ea"/>
-                          <a:cs typeface="+mn-cs"/>
-                        </a:rPr>
-                        <a:t>Text</a:t>
-                      </a:r>
-                      <a:endParaRPr lang="de-CH" sz="2000" dirty="0"/>
-                    </a:p>
-                  </a:txBody>
-                  <a:tcPr marL="0" marR="0" marT="0" marB="72000" anchor="b">
-                    <a:lnL w="12700" cmpd="sng">
-                      <a:noFill/>
-                    </a:lnL>
-                    <a:lnR w="12700" cmpd="sng">
-                      <a:noFill/>
-                    </a:lnR>
-                    <a:lnT w="12700" cap="flat" cmpd="sng" algn="ctr">
-                      <a:solidFill>
-                        <a:schemeClr val="tx1"/>
-                      </a:solidFill>
-                      <a:prstDash val="solid"/>
-                      <a:round/>
-                      <a:headEnd type="none" w="med" len="med"/>
-                      <a:tailEnd type="none" w="med" len="med"/>
-                    </a:lnT>
-                    <a:lnB w="12700" cap="flat" cmpd="sng" algn="ctr">
-                      <a:solidFill>
-                        <a:schemeClr val="tx1"/>
-                      </a:solidFill>
-                      <a:prstDash val="solid"/>
-                      <a:round/>
-                      <a:headEnd type="none" w="med" len="med"/>
-                      <a:tailEnd type="none" w="med" len="med"/>
-                    </a:lnB>
-                    <a:lnTlToBr w="12700" cmpd="sng">
-                      <a:noFill/>
-                      <a:prstDash val="solid"/>
-                    </a:lnTlToBr>
-                    <a:lnBlToTr w="12700" cmpd="sng">
-                      <a:noFill/>
-                      <a:prstDash val="solid"/>
-                    </a:lnBlToTr>
-                  </a:tcPr>
-                </a:tc>
-                <a:tc>
-                  <a:txBody>
-                    <a:bodyPr/>
-                    <a:lstStyle/>
-                    <a:p>
-                      <a:pPr algn="r"/>
-                      <a:r>
-                        <a:rPr kumimoji="0" lang="de-CH" sz="2000" b="0" i="0" u="none" strike="noStrike" kern="1200" cap="none" spc="0" normalizeH="0" baseline="0" noProof="0">
-                          <a:ln>
-                            <a:noFill/>
-                          </a:ln>
-                          <a:solidFill>
-                            <a:prstClr val="black"/>
-                          </a:solidFill>
-                          <a:effectLst/>
-                          <a:uLnTx/>
-                          <a:uFillTx/>
-                          <a:latin typeface="Source Sans Pro"/>
-                          <a:ea typeface="+mn-ea"/>
-                          <a:cs typeface="+mn-cs"/>
-                        </a:rPr>
-                        <a:t>00</a:t>
-                      </a:r>
-                      <a:endParaRPr lang="de-CH" sz="2000" dirty="0"/>
-                    </a:p>
-                  </a:txBody>
-                  <a:tcPr marL="0" marR="0" marT="0" marB="72000" anchor="b">
-                    <a:lnL w="12700" cmpd="sng">
-                      <a:noFill/>
-                    </a:lnL>
-                    <a:lnR w="12700" cmpd="sng">
-                      <a:noFill/>
-                    </a:lnR>
-                    <a:lnT w="12700" cap="flat" cmpd="sng" algn="ctr">
-                      <a:solidFill>
-                        <a:schemeClr val="tx1"/>
-                      </a:solidFill>
-                      <a:prstDash val="solid"/>
-                      <a:round/>
-                      <a:headEnd type="none" w="med" len="med"/>
-                      <a:tailEnd type="none" w="med" len="med"/>
-                    </a:lnT>
-                    <a:lnB w="12700" cap="flat" cmpd="sng" algn="ctr">
-                      <a:solidFill>
-                        <a:schemeClr val="tx1"/>
-                      </a:solidFill>
-                      <a:prstDash val="solid"/>
-                      <a:round/>
-                      <a:headEnd type="none" w="med" len="med"/>
-                      <a:tailEnd type="none" w="med" len="med"/>
-                    </a:lnB>
-                    <a:lnTlToBr w="12700" cmpd="sng">
-                      <a:noFill/>
-                      <a:prstDash val="solid"/>
-                    </a:lnTlToBr>
-                    <a:lnBlToTr w="12700" cmpd="sng">
-                      <a:noFill/>
-                      <a:prstDash val="solid"/>
-                    </a:lnBlToTr>
-                  </a:tcPr>
-                </a:tc>
-                <a:tc>
-                  <a:txBody>
-                    <a:bodyPr/>
-                    <a:lstStyle/>
-                    <a:p>
-                      <a:pPr algn="r"/>
-                      <a:r>
-                        <a:rPr kumimoji="0" lang="de-CH" sz="2000" b="0" i="0" u="none" strike="noStrike" kern="1200" cap="none" spc="0" normalizeH="0" baseline="0" noProof="0">
-                          <a:ln>
-                            <a:noFill/>
-                          </a:ln>
-                          <a:solidFill>
-                            <a:prstClr val="black"/>
-                          </a:solidFill>
-                          <a:effectLst/>
-                          <a:uLnTx/>
-                          <a:uFillTx/>
-                          <a:latin typeface="Source Sans Pro"/>
-                          <a:ea typeface="+mn-ea"/>
-                          <a:cs typeface="+mn-cs"/>
-                        </a:rPr>
-                        <a:t>00</a:t>
-                      </a:r>
-                      <a:endParaRPr lang="de-CH" sz="2000" dirty="0"/>
-                    </a:p>
-                  </a:txBody>
-                  <a:tcPr marL="0" marR="0" marT="0" marB="72000" anchor="b">
-                    <a:lnL w="12700" cmpd="sng">
-                      <a:noFill/>
-                    </a:lnL>
-                    <a:lnR w="12700" cmpd="sng">
-                      <a:noFill/>
-                    </a:lnR>
-                    <a:lnT w="12700" cap="flat" cmpd="sng" algn="ctr">
-                      <a:solidFill>
-                        <a:schemeClr val="tx1"/>
-                      </a:solidFill>
-                      <a:prstDash val="solid"/>
-                      <a:round/>
-                      <a:headEnd type="none" w="med" len="med"/>
-                      <a:tailEnd type="none" w="med" len="med"/>
-                    </a:lnT>
-                    <a:lnB w="12700" cap="flat" cmpd="sng" algn="ctr">
-                      <a:solidFill>
-                        <a:schemeClr val="tx1"/>
-                      </a:solidFill>
-                      <a:prstDash val="solid"/>
-                      <a:round/>
-                      <a:headEnd type="none" w="med" len="med"/>
-                      <a:tailEnd type="none" w="med" len="med"/>
-                    </a:lnB>
-                    <a:lnTlToBr w="12700" cmpd="sng">
-                      <a:noFill/>
-                      <a:prstDash val="solid"/>
-                    </a:lnTlToBr>
-                    <a:lnBlToTr w="12700" cmpd="sng">
-                      <a:noFill/>
-                      <a:prstDash val="solid"/>
-                    </a:lnBlToTr>
-                  </a:tcPr>
-                </a:tc>
-                <a:tc>
-                  <a:txBody>
-                    <a:bodyPr/>
-                    <a:lstStyle/>
-                    <a:p>
-                      <a:pPr algn="r"/>
-                      <a:r>
-                        <a:rPr kumimoji="0" lang="de-CH" sz="2000" b="0" i="0" u="none" strike="noStrike" kern="1200" cap="none" spc="0" normalizeH="0" baseline="0" noProof="0">
-                          <a:ln>
-                            <a:noFill/>
-                          </a:ln>
-                          <a:solidFill>
-                            <a:prstClr val="black"/>
-                          </a:solidFill>
-                          <a:effectLst/>
-                          <a:uLnTx/>
-                          <a:uFillTx/>
-                          <a:latin typeface="Source Sans Pro"/>
-                          <a:ea typeface="+mn-ea"/>
-                          <a:cs typeface="+mn-cs"/>
-                        </a:rPr>
-                        <a:t>00</a:t>
-                      </a:r>
-                      <a:endParaRPr lang="de-CH" sz="2000" dirty="0"/>
-                    </a:p>
-                  </a:txBody>
-                  <a:tcPr marL="0" marR="0" marT="0" marB="72000" anchor="b">
-                    <a:lnL w="12700" cmpd="sng">
-                      <a:noFill/>
-                    </a:lnL>
-                    <a:lnR w="12700" cmpd="sng">
-                      <a:noFill/>
-                    </a:lnR>
-                    <a:lnT w="12700" cap="flat" cmpd="sng" algn="ctr">
-                      <a:solidFill>
-                        <a:schemeClr val="tx1"/>
-                      </a:solidFill>
-                      <a:prstDash val="solid"/>
-                      <a:round/>
-                      <a:headEnd type="none" w="med" len="med"/>
-                      <a:tailEnd type="none" w="med" len="med"/>
-                    </a:lnT>
-                    <a:lnB w="12700" cap="flat" cmpd="sng" algn="ctr">
-                      <a:solidFill>
-                        <a:schemeClr val="tx1"/>
-                      </a:solidFill>
-                      <a:prstDash val="solid"/>
-                      <a:round/>
-                      <a:headEnd type="none" w="med" len="med"/>
-                      <a:tailEnd type="none" w="med" len="med"/>
-                    </a:lnB>
-                    <a:lnTlToBr w="12700" cmpd="sng">
-                      <a:noFill/>
-                      <a:prstDash val="solid"/>
-                    </a:lnTlToBr>
-                    <a:lnBlToTr w="12700" cmpd="sng">
-                      <a:noFill/>
-                      <a:prstDash val="solid"/>
-                    </a:lnBlToTr>
-                  </a:tcPr>
-                </a:tc>
-                <a:extLst>
-                  <a:ext uri="{0D108BD9-81ED-4DB2-BD59-A6C34878D82A}">
-                    <a16:rowId xmlns:a16="http://schemas.microsoft.com/office/drawing/2014/main" val="2426538058"/>
-                  </a:ext>
-                </a:extLst>
-              </a:tr>
-              <a:tr h="648360">
-                <a:tc>
-                  <a:txBody>
-                    <a:bodyPr/>
-                    <a:lstStyle/>
-                    <a:p>
-                      <a:r>
-                        <a:rPr lang="de-CH" sz="2000" b="1" dirty="0"/>
-                        <a:t>Title</a:t>
-                      </a:r>
-                    </a:p>
-                  </a:txBody>
-                  <a:tcPr marL="0" marR="0" marT="0" marB="72000" anchor="b">
-                    <a:lnL w="12700" cmpd="sng">
-                      <a:noFill/>
-                    </a:lnL>
-                    <a:lnR w="12700" cmpd="sng">
-                      <a:noFill/>
-                    </a:lnR>
-                    <a:lnT w="12700" cap="flat" cmpd="sng" algn="ctr">
-                      <a:solidFill>
-                        <a:schemeClr val="tx1"/>
-                      </a:solidFill>
-                      <a:prstDash val="solid"/>
-                      <a:round/>
-                      <a:headEnd type="none" w="med" len="med"/>
-                      <a:tailEnd type="none" w="med" len="med"/>
-                    </a:lnT>
-                    <a:lnB w="19050" cap="flat" cmpd="sng" algn="ctr">
-                      <a:solidFill>
-                        <a:schemeClr val="tx1"/>
-                      </a:solidFill>
-                      <a:prstDash val="solid"/>
-                      <a:round/>
-                      <a:headEnd type="none" w="med" len="med"/>
-                      <a:tailEnd type="none" w="med" len="med"/>
-                    </a:lnB>
-                    <a:lnTlToBr w="12700" cmpd="sng">
-                      <a:noFill/>
-                      <a:prstDash val="solid"/>
-                    </a:lnTlToBr>
-                    <a:lnBlToTr w="12700" cmpd="sng">
-                      <a:noFill/>
-                      <a:prstDash val="solid"/>
-                    </a:lnBlToTr>
-                  </a:tcPr>
-                </a:tc>
-                <a:tc>
-                  <a:txBody>
-                    <a:bodyPr/>
-                    <a:lstStyle/>
-                    <a:p>
-                      <a:pPr algn="r"/>
-                      <a:r>
-                        <a:rPr kumimoji="0" lang="de-CH" sz="2000" b="1" i="0" u="none" strike="noStrike" kern="1200" cap="none" spc="0" normalizeH="0" baseline="0" noProof="0" dirty="0">
-                          <a:ln>
-                            <a:noFill/>
-                          </a:ln>
-                          <a:solidFill>
-                            <a:prstClr val="black"/>
-                          </a:solidFill>
-                          <a:effectLst/>
-                          <a:uLnTx/>
-                          <a:uFillTx/>
-                          <a:latin typeface="Source Sans Pro"/>
-                          <a:ea typeface="+mn-ea"/>
-                          <a:cs typeface="+mn-cs"/>
-                        </a:rPr>
-                        <a:t>00</a:t>
-                      </a:r>
-                      <a:endParaRPr lang="de-CH" sz="2000" b="1" dirty="0"/>
-                    </a:p>
-                  </a:txBody>
-                  <a:tcPr marL="0" marR="0" marT="0" marB="72000" anchor="b">
-                    <a:lnL w="12700" cmpd="sng">
-                      <a:noFill/>
-                    </a:lnL>
-                    <a:lnR w="12700" cmpd="sng">
-                      <a:noFill/>
-                    </a:lnR>
-                    <a:lnT w="12700" cap="flat" cmpd="sng" algn="ctr">
-                      <a:solidFill>
-                        <a:schemeClr val="tx1"/>
-                      </a:solidFill>
-                      <a:prstDash val="solid"/>
-                      <a:round/>
-                      <a:headEnd type="none" w="med" len="med"/>
-                      <a:tailEnd type="none" w="med" len="med"/>
-                    </a:lnT>
-                    <a:lnB w="19050" cap="flat" cmpd="sng" algn="ctr">
-                      <a:solidFill>
-                        <a:schemeClr val="tx1"/>
-                      </a:solidFill>
-                      <a:prstDash val="solid"/>
-                      <a:round/>
-                      <a:headEnd type="none" w="med" len="med"/>
-                      <a:tailEnd type="none" w="med" len="med"/>
-                    </a:lnB>
-                    <a:lnTlToBr w="12700" cmpd="sng">
-                      <a:noFill/>
-                      <a:prstDash val="solid"/>
-                    </a:lnTlToBr>
-                    <a:lnBlToTr w="12700" cmpd="sng">
-                      <a:noFill/>
-                      <a:prstDash val="solid"/>
-                    </a:lnBlToTr>
-                  </a:tcPr>
-                </a:tc>
-                <a:tc>
-                  <a:txBody>
-                    <a:bodyPr/>
-                    <a:lstStyle/>
-                    <a:p>
-                      <a:pPr algn="r"/>
-                      <a:r>
-                        <a:rPr kumimoji="0" lang="de-CH" sz="2000" b="1" i="0" u="none" strike="noStrike" kern="1200" cap="none" spc="0" normalizeH="0" baseline="0" noProof="0" dirty="0">
-                          <a:ln>
-                            <a:noFill/>
-                          </a:ln>
-                          <a:solidFill>
-                            <a:prstClr val="black"/>
-                          </a:solidFill>
-                          <a:effectLst/>
-                          <a:uLnTx/>
-                          <a:uFillTx/>
-                          <a:latin typeface="Source Sans Pro"/>
-                          <a:ea typeface="+mn-ea"/>
-                          <a:cs typeface="+mn-cs"/>
-                        </a:rPr>
-                        <a:t>00</a:t>
-                      </a:r>
-                      <a:endParaRPr lang="de-CH" sz="2000" b="1" dirty="0"/>
-                    </a:p>
-                  </a:txBody>
-                  <a:tcPr marL="0" marR="0" marT="0" marB="72000" anchor="b">
-                    <a:lnL w="12700" cmpd="sng">
-                      <a:noFill/>
-                    </a:lnL>
-                    <a:lnR w="12700" cmpd="sng">
-                      <a:noFill/>
-                    </a:lnR>
-                    <a:lnT w="12700" cap="flat" cmpd="sng" algn="ctr">
-                      <a:solidFill>
-                        <a:schemeClr val="tx1"/>
-                      </a:solidFill>
-                      <a:prstDash val="solid"/>
-                      <a:round/>
-                      <a:headEnd type="none" w="med" len="med"/>
-                      <a:tailEnd type="none" w="med" len="med"/>
-                    </a:lnT>
-                    <a:lnB w="19050" cap="flat" cmpd="sng" algn="ctr">
-                      <a:solidFill>
-                        <a:schemeClr val="tx1"/>
-                      </a:solidFill>
-                      <a:prstDash val="solid"/>
-                      <a:round/>
-                      <a:headEnd type="none" w="med" len="med"/>
-                      <a:tailEnd type="none" w="med" len="med"/>
-                    </a:lnB>
-                    <a:lnTlToBr w="12700" cmpd="sng">
-                      <a:noFill/>
-                      <a:prstDash val="solid"/>
-                    </a:lnTlToBr>
-                    <a:lnBlToTr w="12700" cmpd="sng">
-                      <a:noFill/>
-                      <a:prstDash val="solid"/>
-                    </a:lnBlToTr>
-                  </a:tcPr>
-                </a:tc>
-                <a:tc>
-                  <a:txBody>
-                    <a:bodyPr/>
-                    <a:lstStyle/>
-                    <a:p>
-                      <a:pPr algn="r"/>
-                      <a:r>
-                        <a:rPr kumimoji="0" lang="de-CH" sz="2000" b="1" i="0" u="none" strike="noStrike" kern="1200" cap="none" spc="0" normalizeH="0" baseline="0" noProof="0" dirty="0">
-                          <a:ln>
-                            <a:noFill/>
-                          </a:ln>
-                          <a:solidFill>
-                            <a:prstClr val="black"/>
-                          </a:solidFill>
-                          <a:effectLst/>
-                          <a:uLnTx/>
-                          <a:uFillTx/>
-                          <a:latin typeface="Source Sans Pro"/>
-                          <a:ea typeface="+mn-ea"/>
-                          <a:cs typeface="+mn-cs"/>
-                        </a:rPr>
-                        <a:t>00</a:t>
-                      </a:r>
-                      <a:endParaRPr lang="de-CH" sz="2000" b="1" dirty="0"/>
-                    </a:p>
-                  </a:txBody>
-                  <a:tcPr marL="0" marR="0" marT="0" marB="72000" anchor="b">
-                    <a:lnL w="12700" cmpd="sng">
-                      <a:noFill/>
-                    </a:lnL>
-                    <a:lnR w="12700" cmpd="sng">
-                      <a:noFill/>
-                    </a:lnR>
-                    <a:lnT w="12700" cap="flat" cmpd="sng" algn="ctr">
-                      <a:solidFill>
-                        <a:schemeClr val="tx1"/>
-                      </a:solidFill>
-                      <a:prstDash val="solid"/>
-                      <a:round/>
-                      <a:headEnd type="none" w="med" len="med"/>
-                      <a:tailEnd type="none" w="med" len="med"/>
-                    </a:lnT>
-                    <a:lnB w="19050" cap="flat" cmpd="sng" algn="ctr">
-                      <a:solidFill>
-                        <a:schemeClr val="tx1"/>
-                      </a:solidFill>
-                      <a:prstDash val="solid"/>
-                      <a:round/>
-                      <a:headEnd type="none" w="med" len="med"/>
-                      <a:tailEnd type="none" w="med" len="med"/>
-                    </a:lnB>
-                    <a:lnTlToBr w="12700" cmpd="sng">
-                      <a:noFill/>
-                      <a:prstDash val="solid"/>
-                    </a:lnTlToBr>
-                    <a:lnBlToTr w="12700" cmpd="sng">
-                      <a:noFill/>
-                      <a:prstDash val="solid"/>
-                    </a:lnBlToTr>
-                  </a:tcPr>
-                </a:tc>
-                <a:extLst>
-                  <a:ext uri="{0D108BD9-81ED-4DB2-BD59-A6C34878D82A}">
-                    <a16:rowId xmlns:a16="http://schemas.microsoft.com/office/drawing/2014/main" val="1771745793"/>
-                  </a:ext>
-                </a:extLst>
-              </a:tr>
-              <a:tr h="468000">
-                <a:tc>
-                  <a:txBody>
-                    <a:bodyPr/>
-                    <a:lstStyle/>
-                    <a:p>
-                      <a:pPr marL="0" marR="0" lvl="0" indent="0" algn="l" defTabSz="914400" rtl="0" eaLnBrk="1" fontAlgn="auto" latinLnBrk="0" hangingPunct="1">
-                        <a:lnSpc>
-                          <a:spcPct val="100000"/>
-                        </a:lnSpc>
-                        <a:spcBef>
-                          <a:spcPts val="0"/>
-                        </a:spcBef>
-                        <a:spcAft>
-                          <a:spcPts val="0"/>
-                        </a:spcAft>
-                        <a:buClrTx/>
-                        <a:buSzTx/>
-                        <a:buFontTx/>
-                        <a:buNone/>
-                        <a:tabLst/>
-                        <a:defRPr/>
-                      </a:pPr>
-                      <a:r>
-                        <a:rPr kumimoji="0" lang="de-CH" sz="2000" b="0" i="0" u="none" strike="noStrike" kern="1200" cap="none" spc="0" normalizeH="0" baseline="0" noProof="0">
-                          <a:ln>
-                            <a:noFill/>
-                          </a:ln>
-                          <a:solidFill>
-                            <a:prstClr val="black"/>
-                          </a:solidFill>
-                          <a:effectLst/>
-                          <a:uLnTx/>
-                          <a:uFillTx/>
-                          <a:latin typeface="Source Sans Pro"/>
-                          <a:ea typeface="+mn-ea"/>
-                          <a:cs typeface="+mn-cs"/>
-                        </a:rPr>
-                        <a:t>Text</a:t>
-                      </a:r>
-                      <a:endParaRPr kumimoji="0" lang="de-CH" sz="2000" b="0" i="0" u="none" strike="noStrike" kern="1200" cap="none" spc="0" normalizeH="0" baseline="0" noProof="0" dirty="0">
-                        <a:ln>
-                          <a:noFill/>
-                        </a:ln>
-                        <a:solidFill>
-                          <a:prstClr val="black"/>
-                        </a:solidFill>
-                        <a:effectLst/>
-                        <a:uLnTx/>
-                        <a:uFillTx/>
-                        <a:latin typeface="Source Sans Pro"/>
-                        <a:ea typeface="+mn-ea"/>
-                        <a:cs typeface="+mn-cs"/>
-                      </a:endParaRPr>
-                    </a:p>
-                  </a:txBody>
-                  <a:tcPr marL="0" marR="0" marT="0" marB="72000" anchor="b">
-                    <a:lnL w="12700" cmpd="sng">
-                      <a:noFill/>
-                    </a:lnL>
-                    <a:lnR w="12700" cmpd="sng">
-                      <a:noFill/>
-                    </a:lnR>
-                    <a:lnT w="19050" cap="flat" cmpd="sng" algn="ctr">
-                      <a:solidFill>
-                        <a:schemeClr val="tx1"/>
-                      </a:solidFill>
-                      <a:prstDash val="solid"/>
-                      <a:round/>
-                      <a:headEnd type="none" w="med" len="med"/>
-                      <a:tailEnd type="none" w="med" len="med"/>
-                    </a:lnT>
-                    <a:lnB w="12700" cap="flat" cmpd="sng" algn="ctr">
-                      <a:solidFill>
-                        <a:schemeClr val="tx1"/>
-                      </a:solidFill>
-                      <a:prstDash val="solid"/>
-                      <a:round/>
-                      <a:headEnd type="none" w="med" len="med"/>
-                      <a:tailEnd type="none" w="med" len="med"/>
-                    </a:lnB>
-                    <a:lnTlToBr w="12700" cmpd="sng">
-                      <a:noFill/>
-                      <a:prstDash val="solid"/>
-                    </a:lnTlToBr>
-                    <a:lnBlToTr w="12700" cmpd="sng">
-                      <a:noFill/>
-                      <a:prstDash val="solid"/>
-                    </a:lnBlToTr>
-                  </a:tcPr>
-                </a:tc>
-                <a:tc>
-                  <a:txBody>
-                    <a:bodyPr/>
-                    <a:lstStyle/>
-                    <a:p>
-                      <a:pPr algn="r"/>
-                      <a:r>
-                        <a:rPr kumimoji="0" lang="de-CH" sz="2000" b="0" i="0" u="none" strike="noStrike" kern="1200" cap="none" spc="0" normalizeH="0" baseline="0" noProof="0">
-                          <a:ln>
-                            <a:noFill/>
-                          </a:ln>
-                          <a:solidFill>
-                            <a:prstClr val="black"/>
-                          </a:solidFill>
-                          <a:effectLst/>
-                          <a:uLnTx/>
-                          <a:uFillTx/>
-                          <a:latin typeface="Source Sans Pro"/>
-                          <a:ea typeface="+mn-ea"/>
-                          <a:cs typeface="+mn-cs"/>
-                        </a:rPr>
-                        <a:t>00</a:t>
-                      </a:r>
-                      <a:endParaRPr lang="de-CH" sz="2000" dirty="0"/>
-                    </a:p>
-                  </a:txBody>
-                  <a:tcPr marL="0" marR="0" marT="0" marB="72000" anchor="b">
-                    <a:lnL w="12700" cmpd="sng">
-                      <a:noFill/>
-                    </a:lnL>
-                    <a:lnR w="12700" cmpd="sng">
-                      <a:noFill/>
-                    </a:lnR>
-                    <a:lnT w="19050" cap="flat" cmpd="sng" algn="ctr">
-                      <a:solidFill>
-                        <a:schemeClr val="tx1"/>
-                      </a:solidFill>
-                      <a:prstDash val="solid"/>
-                      <a:round/>
-                      <a:headEnd type="none" w="med" len="med"/>
-                      <a:tailEnd type="none" w="med" len="med"/>
-                    </a:lnT>
-                    <a:lnB w="12700" cap="flat" cmpd="sng" algn="ctr">
-                      <a:solidFill>
-                        <a:schemeClr val="tx1"/>
-                      </a:solidFill>
-                      <a:prstDash val="solid"/>
-                      <a:round/>
-                      <a:headEnd type="none" w="med" len="med"/>
-                      <a:tailEnd type="none" w="med" len="med"/>
-                    </a:lnB>
-                    <a:lnTlToBr w="12700" cmpd="sng">
-                      <a:noFill/>
-                      <a:prstDash val="solid"/>
-                    </a:lnTlToBr>
-                    <a:lnBlToTr w="12700" cmpd="sng">
-                      <a:noFill/>
-                      <a:prstDash val="solid"/>
-                    </a:lnBlToTr>
-                  </a:tcPr>
-                </a:tc>
-                <a:tc>
-                  <a:txBody>
-                    <a:bodyPr/>
-                    <a:lstStyle/>
-                    <a:p>
-                      <a:pPr algn="r"/>
-                      <a:r>
-                        <a:rPr kumimoji="0" lang="de-CH" sz="2000" b="0" i="0" u="none" strike="noStrike" kern="1200" cap="none" spc="0" normalizeH="0" baseline="0" noProof="0">
-                          <a:ln>
-                            <a:noFill/>
-                          </a:ln>
-                          <a:solidFill>
-                            <a:prstClr val="black"/>
-                          </a:solidFill>
-                          <a:effectLst/>
-                          <a:uLnTx/>
-                          <a:uFillTx/>
-                          <a:latin typeface="Source Sans Pro"/>
-                          <a:ea typeface="+mn-ea"/>
-                          <a:cs typeface="+mn-cs"/>
-                        </a:rPr>
-                        <a:t>00</a:t>
-                      </a:r>
-                      <a:endParaRPr lang="de-CH" sz="2000" dirty="0"/>
-                    </a:p>
-                  </a:txBody>
-                  <a:tcPr marL="0" marR="0" marT="0" marB="72000" anchor="b">
-                    <a:lnL w="12700" cmpd="sng">
-                      <a:noFill/>
-                    </a:lnL>
-                    <a:lnR w="12700" cmpd="sng">
-                      <a:noFill/>
-                    </a:lnR>
-                    <a:lnT w="19050" cap="flat" cmpd="sng" algn="ctr">
-                      <a:solidFill>
-                        <a:schemeClr val="tx1"/>
-                      </a:solidFill>
-                      <a:prstDash val="solid"/>
-                      <a:round/>
-                      <a:headEnd type="none" w="med" len="med"/>
-                      <a:tailEnd type="none" w="med" len="med"/>
-                    </a:lnT>
-                    <a:lnB w="12700" cap="flat" cmpd="sng" algn="ctr">
-                      <a:solidFill>
-                        <a:schemeClr val="tx1"/>
-                      </a:solidFill>
-                      <a:prstDash val="solid"/>
-                      <a:round/>
-                      <a:headEnd type="none" w="med" len="med"/>
-                      <a:tailEnd type="none" w="med" len="med"/>
-                    </a:lnB>
-                    <a:lnTlToBr w="12700" cmpd="sng">
-                      <a:noFill/>
-                      <a:prstDash val="solid"/>
-                    </a:lnTlToBr>
-                    <a:lnBlToTr w="12700" cmpd="sng">
-                      <a:noFill/>
-                      <a:prstDash val="solid"/>
-                    </a:lnBlToTr>
-                  </a:tcPr>
-                </a:tc>
-                <a:tc>
-                  <a:txBody>
-                    <a:bodyPr/>
-                    <a:lstStyle/>
-                    <a:p>
-                      <a:pPr algn="r"/>
-                      <a:r>
-                        <a:rPr kumimoji="0" lang="de-CH" sz="2000" b="0" i="0" u="none" strike="noStrike" kern="1200" cap="none" spc="0" normalizeH="0" baseline="0" noProof="0">
-                          <a:ln>
-                            <a:noFill/>
-                          </a:ln>
-                          <a:solidFill>
-                            <a:prstClr val="black"/>
-                          </a:solidFill>
-                          <a:effectLst/>
-                          <a:uLnTx/>
-                          <a:uFillTx/>
-                          <a:latin typeface="Source Sans Pro"/>
-                          <a:ea typeface="+mn-ea"/>
-                          <a:cs typeface="+mn-cs"/>
-                        </a:rPr>
-                        <a:t>00</a:t>
-                      </a:r>
-                      <a:endParaRPr lang="de-CH" sz="2000" dirty="0"/>
-                    </a:p>
-                  </a:txBody>
-                  <a:tcPr marL="0" marR="0" marT="0" marB="72000" anchor="b">
-                    <a:lnL w="12700" cmpd="sng">
-                      <a:noFill/>
-                    </a:lnL>
-                    <a:lnR w="12700" cmpd="sng">
-                      <a:noFill/>
-                    </a:lnR>
-                    <a:lnT w="19050" cap="flat" cmpd="sng" algn="ctr">
-                      <a:solidFill>
-                        <a:schemeClr val="tx1"/>
-                      </a:solidFill>
-                      <a:prstDash val="solid"/>
-                      <a:round/>
-                      <a:headEnd type="none" w="med" len="med"/>
-                      <a:tailEnd type="none" w="med" len="med"/>
-                    </a:lnT>
-                    <a:lnB w="12700" cap="flat" cmpd="sng" algn="ctr">
-                      <a:solidFill>
-                        <a:schemeClr val="tx1"/>
-                      </a:solidFill>
-                      <a:prstDash val="solid"/>
-                      <a:round/>
-                      <a:headEnd type="none" w="med" len="med"/>
-                      <a:tailEnd type="none" w="med" len="med"/>
-                    </a:lnB>
-                    <a:lnTlToBr w="12700" cmpd="sng">
-                      <a:noFill/>
-                      <a:prstDash val="solid"/>
-                    </a:lnTlToBr>
-                    <a:lnBlToTr w="12700" cmpd="sng">
-                      <a:noFill/>
-                      <a:prstDash val="solid"/>
-                    </a:lnBlToTr>
-                  </a:tcPr>
-                </a:tc>
-                <a:extLst>
-                  <a:ext uri="{0D108BD9-81ED-4DB2-BD59-A6C34878D82A}">
-                    <a16:rowId xmlns:a16="http://schemas.microsoft.com/office/drawing/2014/main" val="2952419909"/>
-                  </a:ext>
-                </a:extLst>
-              </a:tr>
-              <a:tr h="468000">
-                <a:tc>
-                  <a:txBody>
-                    <a:bodyPr/>
-                    <a:lstStyle/>
-                    <a:p>
-                      <a:pPr marL="0" marR="0" lvl="0" indent="0" algn="l" defTabSz="914400" rtl="0" eaLnBrk="1" fontAlgn="auto" latinLnBrk="0" hangingPunct="1">
-                        <a:lnSpc>
-                          <a:spcPct val="100000"/>
-                        </a:lnSpc>
-                        <a:spcBef>
-                          <a:spcPts val="0"/>
-                        </a:spcBef>
-                        <a:spcAft>
-                          <a:spcPts val="0"/>
-                        </a:spcAft>
-                        <a:buClrTx/>
-                        <a:buSzTx/>
-                        <a:buFontTx/>
-                        <a:buNone/>
-                        <a:tabLst/>
-                        <a:defRPr/>
-                      </a:pPr>
-                      <a:r>
-                        <a:rPr kumimoji="0" lang="de-CH" sz="2000" b="0" i="0" u="none" strike="noStrike" kern="1200" cap="none" spc="0" normalizeH="0" baseline="0" noProof="0" dirty="0">
-                          <a:ln>
-                            <a:noFill/>
-                          </a:ln>
-                          <a:solidFill>
-                            <a:prstClr val="black"/>
-                          </a:solidFill>
-                          <a:effectLst/>
-                          <a:uLnTx/>
-                          <a:uFillTx/>
-                          <a:latin typeface="Source Sans Pro"/>
-                          <a:ea typeface="+mn-ea"/>
-                          <a:cs typeface="+mn-cs"/>
-                        </a:rPr>
-                        <a:t>Text</a:t>
-                      </a:r>
-                    </a:p>
-                  </a:txBody>
-                  <a:tcPr marL="0" marR="0" marT="0" marB="72000" anchor="b">
-                    <a:lnL w="12700" cmpd="sng">
-                      <a:noFill/>
-                    </a:lnL>
-                    <a:lnR w="12700" cmpd="sng">
-                      <a:noFill/>
-                    </a:lnR>
-                    <a:lnT w="12700" cap="flat" cmpd="sng" algn="ctr">
-                      <a:solidFill>
-                        <a:schemeClr val="tx1"/>
-                      </a:solidFill>
-                      <a:prstDash val="solid"/>
-                      <a:round/>
-                      <a:headEnd type="none" w="med" len="med"/>
-                      <a:tailEnd type="none" w="med" len="med"/>
-                    </a:lnT>
-                    <a:lnB w="12700" cap="flat" cmpd="sng" algn="ctr">
-                      <a:solidFill>
-                        <a:schemeClr val="tx1"/>
-                      </a:solidFill>
-                      <a:prstDash val="solid"/>
-                      <a:round/>
-                      <a:headEnd type="none" w="med" len="med"/>
-                      <a:tailEnd type="none" w="med" len="med"/>
-                    </a:lnB>
-                    <a:lnTlToBr w="12700" cmpd="sng">
-                      <a:noFill/>
-                      <a:prstDash val="solid"/>
-                    </a:lnTlToBr>
-                    <a:lnBlToTr w="12700" cmpd="sng">
-                      <a:noFill/>
-                      <a:prstDash val="solid"/>
-                    </a:lnBlToTr>
-                  </a:tcPr>
-                </a:tc>
-                <a:tc>
-                  <a:txBody>
-                    <a:bodyPr/>
-                    <a:lstStyle/>
-                    <a:p>
-                      <a:pPr algn="r"/>
-                      <a:r>
-                        <a:rPr kumimoji="0" lang="de-CH" sz="2000" b="0" i="0" u="none" strike="noStrike" kern="1200" cap="none" spc="0" normalizeH="0" baseline="0" noProof="0">
-                          <a:ln>
-                            <a:noFill/>
-                          </a:ln>
-                          <a:solidFill>
-                            <a:prstClr val="black"/>
-                          </a:solidFill>
-                          <a:effectLst/>
-                          <a:uLnTx/>
-                          <a:uFillTx/>
-                          <a:latin typeface="Source Sans Pro"/>
-                          <a:ea typeface="+mn-ea"/>
-                          <a:cs typeface="+mn-cs"/>
-                        </a:rPr>
-                        <a:t>00</a:t>
-                      </a:r>
-                      <a:endParaRPr lang="de-CH" sz="2000" dirty="0"/>
-                    </a:p>
-                  </a:txBody>
-                  <a:tcPr marL="0" marR="0" marT="0" marB="72000" anchor="b">
-                    <a:lnL w="12700" cmpd="sng">
-                      <a:noFill/>
-                    </a:lnL>
-                    <a:lnR w="12700" cmpd="sng">
-                      <a:noFill/>
-                    </a:lnR>
-                    <a:lnT w="12700" cap="flat" cmpd="sng" algn="ctr">
-                      <a:solidFill>
-                        <a:schemeClr val="tx1"/>
-                      </a:solidFill>
-                      <a:prstDash val="solid"/>
-                      <a:round/>
-                      <a:headEnd type="none" w="med" len="med"/>
-                      <a:tailEnd type="none" w="med" len="med"/>
-                    </a:lnT>
-                    <a:lnB w="12700" cap="flat" cmpd="sng" algn="ctr">
-                      <a:solidFill>
-                        <a:schemeClr val="tx1"/>
-                      </a:solidFill>
-                      <a:prstDash val="solid"/>
-                      <a:round/>
-                      <a:headEnd type="none" w="med" len="med"/>
-                      <a:tailEnd type="none" w="med" len="med"/>
-                    </a:lnB>
-                    <a:lnTlToBr w="12700" cmpd="sng">
-                      <a:noFill/>
-                      <a:prstDash val="solid"/>
-                    </a:lnTlToBr>
-                    <a:lnBlToTr w="12700" cmpd="sng">
-                      <a:noFill/>
-                      <a:prstDash val="solid"/>
-                    </a:lnBlToTr>
-                  </a:tcPr>
-                </a:tc>
-                <a:tc>
-                  <a:txBody>
-                    <a:bodyPr/>
-                    <a:lstStyle/>
-                    <a:p>
-                      <a:pPr algn="r"/>
-                      <a:r>
-                        <a:rPr kumimoji="0" lang="de-CH" sz="2000" b="0" i="0" u="none" strike="noStrike" kern="1200" cap="none" spc="0" normalizeH="0" baseline="0" noProof="0">
-                          <a:ln>
-                            <a:noFill/>
-                          </a:ln>
-                          <a:solidFill>
-                            <a:prstClr val="black"/>
-                          </a:solidFill>
-                          <a:effectLst/>
-                          <a:uLnTx/>
-                          <a:uFillTx/>
-                          <a:latin typeface="Source Sans Pro"/>
-                          <a:ea typeface="+mn-ea"/>
-                          <a:cs typeface="+mn-cs"/>
-                        </a:rPr>
-                        <a:t>00</a:t>
-                      </a:r>
-                      <a:endParaRPr lang="de-CH" sz="2000" dirty="0"/>
-                    </a:p>
-                  </a:txBody>
-                  <a:tcPr marL="0" marR="0" marT="0" marB="72000" anchor="b">
-                    <a:lnL w="12700" cmpd="sng">
-                      <a:noFill/>
-                    </a:lnL>
-                    <a:lnR w="12700" cmpd="sng">
-                      <a:noFill/>
-                    </a:lnR>
-                    <a:lnT w="12700" cap="flat" cmpd="sng" algn="ctr">
-                      <a:solidFill>
-                        <a:schemeClr val="tx1"/>
-                      </a:solidFill>
-                      <a:prstDash val="solid"/>
-                      <a:round/>
-                      <a:headEnd type="none" w="med" len="med"/>
-                      <a:tailEnd type="none" w="med" len="med"/>
-                    </a:lnT>
-                    <a:lnB w="12700" cap="flat" cmpd="sng" algn="ctr">
-                      <a:solidFill>
-                        <a:schemeClr val="tx1"/>
-                      </a:solidFill>
-                      <a:prstDash val="solid"/>
-                      <a:round/>
-                      <a:headEnd type="none" w="med" len="med"/>
-                      <a:tailEnd type="none" w="med" len="med"/>
-                    </a:lnB>
-                    <a:lnTlToBr w="12700" cmpd="sng">
-                      <a:noFill/>
-                      <a:prstDash val="solid"/>
-                    </a:lnTlToBr>
-                    <a:lnBlToTr w="12700" cmpd="sng">
-                      <a:noFill/>
-                      <a:prstDash val="solid"/>
-                    </a:lnBlToTr>
-                  </a:tcPr>
-                </a:tc>
-                <a:tc>
-                  <a:txBody>
-                    <a:bodyPr/>
-                    <a:lstStyle/>
-                    <a:p>
-                      <a:pPr algn="r"/>
-                      <a:r>
-                        <a:rPr kumimoji="0" lang="de-CH" sz="2000" b="0" i="0" u="none" strike="noStrike" kern="1200" cap="none" spc="0" normalizeH="0" baseline="0" noProof="0">
-                          <a:ln>
-                            <a:noFill/>
-                          </a:ln>
-                          <a:solidFill>
-                            <a:prstClr val="black"/>
-                          </a:solidFill>
-                          <a:effectLst/>
-                          <a:uLnTx/>
-                          <a:uFillTx/>
-                          <a:latin typeface="Source Sans Pro"/>
-                          <a:ea typeface="+mn-ea"/>
-                          <a:cs typeface="+mn-cs"/>
-                        </a:rPr>
-                        <a:t>00</a:t>
-                      </a:r>
-                      <a:endParaRPr lang="de-CH" sz="2000" dirty="0"/>
-                    </a:p>
-                  </a:txBody>
-                  <a:tcPr marL="0" marR="0" marT="0" marB="72000" anchor="b">
-                    <a:lnL w="12700" cmpd="sng">
-                      <a:noFill/>
-                    </a:lnL>
-                    <a:lnR w="12700" cmpd="sng">
-                      <a:noFill/>
-                    </a:lnR>
-                    <a:lnT w="12700" cap="flat" cmpd="sng" algn="ctr">
-                      <a:solidFill>
-                        <a:schemeClr val="tx1"/>
-                      </a:solidFill>
-                      <a:prstDash val="solid"/>
-                      <a:round/>
-                      <a:headEnd type="none" w="med" len="med"/>
-                      <a:tailEnd type="none" w="med" len="med"/>
-                    </a:lnT>
-                    <a:lnB w="12700" cap="flat" cmpd="sng" algn="ctr">
-                      <a:solidFill>
-                        <a:schemeClr val="tx1"/>
-                      </a:solidFill>
-                      <a:prstDash val="solid"/>
-                      <a:round/>
-                      <a:headEnd type="none" w="med" len="med"/>
-                      <a:tailEnd type="none" w="med" len="med"/>
-                    </a:lnB>
-                    <a:lnTlToBr w="12700" cmpd="sng">
-                      <a:noFill/>
-                      <a:prstDash val="solid"/>
-                    </a:lnTlToBr>
-                    <a:lnBlToTr w="12700" cmpd="sng">
-                      <a:noFill/>
-                      <a:prstDash val="solid"/>
-                    </a:lnBlToTr>
-                  </a:tcPr>
-                </a:tc>
-                <a:extLst>
-                  <a:ext uri="{0D108BD9-81ED-4DB2-BD59-A6C34878D82A}">
-                    <a16:rowId xmlns:a16="http://schemas.microsoft.com/office/drawing/2014/main" val="1395306788"/>
-                  </a:ext>
-                </a:extLst>
-              </a:tr>
-              <a:tr h="468000">
-                <a:tc>
-                  <a:txBody>
-                    <a:bodyPr/>
-                    <a:lstStyle/>
-                    <a:p>
-                      <a:pPr marL="0" marR="0" lvl="0" indent="0" algn="l" defTabSz="914400" rtl="0" eaLnBrk="1" fontAlgn="auto" latinLnBrk="0" hangingPunct="1">
-                        <a:lnSpc>
-                          <a:spcPct val="100000"/>
-                        </a:lnSpc>
-                        <a:spcBef>
-                          <a:spcPts val="0"/>
-                        </a:spcBef>
-                        <a:spcAft>
-                          <a:spcPts val="0"/>
-                        </a:spcAft>
-                        <a:buClrTx/>
-                        <a:buSzTx/>
-                        <a:buFontTx/>
-                        <a:buNone/>
-                        <a:tabLst/>
-                        <a:defRPr/>
-                      </a:pPr>
-                      <a:r>
-                        <a:rPr kumimoji="0" lang="de-CH" sz="2000" b="0" i="0" u="none" strike="noStrike" kern="1200" cap="none" spc="0" normalizeH="0" baseline="0" noProof="0" dirty="0">
-                          <a:ln>
-                            <a:noFill/>
-                          </a:ln>
-                          <a:solidFill>
-                            <a:prstClr val="black"/>
-                          </a:solidFill>
-                          <a:effectLst/>
-                          <a:uLnTx/>
-                          <a:uFillTx/>
-                          <a:latin typeface="Source Sans Pro"/>
-                          <a:ea typeface="+mn-ea"/>
-                          <a:cs typeface="+mn-cs"/>
-                        </a:rPr>
-                        <a:t>Text</a:t>
-                      </a:r>
-                    </a:p>
-                  </a:txBody>
-                  <a:tcPr marL="0" marR="0" marT="0" marB="72000" anchor="b">
-                    <a:lnL w="12700" cmpd="sng">
-                      <a:noFill/>
-                    </a:lnL>
-                    <a:lnR w="12700" cmpd="sng">
-                      <a:noFill/>
-                    </a:lnR>
-                    <a:lnT w="12700" cap="flat" cmpd="sng" algn="ctr">
-                      <a:solidFill>
-                        <a:schemeClr val="tx1"/>
-                      </a:solidFill>
-                      <a:prstDash val="solid"/>
-                      <a:round/>
-                      <a:headEnd type="none" w="med" len="med"/>
-                      <a:tailEnd type="none" w="med" len="med"/>
-                    </a:lnT>
-                    <a:lnB w="12700" cap="flat" cmpd="sng" algn="ctr">
-                      <a:solidFill>
-                        <a:schemeClr val="tx1"/>
-                      </a:solidFill>
-                      <a:prstDash val="solid"/>
-                      <a:round/>
-                      <a:headEnd type="none" w="med" len="med"/>
-                      <a:tailEnd type="none" w="med" len="med"/>
-                    </a:lnB>
-                    <a:lnTlToBr w="12700" cmpd="sng">
-                      <a:noFill/>
-                      <a:prstDash val="solid"/>
-                    </a:lnTlToBr>
-                    <a:lnBlToTr w="12700" cmpd="sng">
-                      <a:noFill/>
-                      <a:prstDash val="solid"/>
-                    </a:lnBlToTr>
-                  </a:tcPr>
-                </a:tc>
-                <a:tc>
-                  <a:txBody>
-                    <a:bodyPr/>
-                    <a:lstStyle/>
-                    <a:p>
-                      <a:pPr algn="r"/>
-                      <a:r>
-                        <a:rPr kumimoji="0" lang="de-CH" sz="2000" b="0" i="0" u="none" strike="noStrike" kern="1200" cap="none" spc="0" normalizeH="0" baseline="0" noProof="0">
-                          <a:ln>
-                            <a:noFill/>
-                          </a:ln>
-                          <a:solidFill>
-                            <a:prstClr val="black"/>
-                          </a:solidFill>
-                          <a:effectLst/>
-                          <a:uLnTx/>
-                          <a:uFillTx/>
-                          <a:latin typeface="Source Sans Pro"/>
-                          <a:ea typeface="+mn-ea"/>
-                          <a:cs typeface="+mn-cs"/>
-                        </a:rPr>
-                        <a:t>00</a:t>
-                      </a:r>
-                      <a:endParaRPr lang="de-CH" sz="2000" dirty="0"/>
-                    </a:p>
-                  </a:txBody>
-                  <a:tcPr marL="0" marR="0" marT="0" marB="72000" anchor="b">
-                    <a:lnL w="12700" cmpd="sng">
-                      <a:noFill/>
-                    </a:lnL>
-                    <a:lnR w="12700" cmpd="sng">
-                      <a:noFill/>
-                    </a:lnR>
-                    <a:lnT w="12700" cap="flat" cmpd="sng" algn="ctr">
-                      <a:solidFill>
-                        <a:schemeClr val="tx1"/>
-                      </a:solidFill>
-                      <a:prstDash val="solid"/>
-                      <a:round/>
-                      <a:headEnd type="none" w="med" len="med"/>
-                      <a:tailEnd type="none" w="med" len="med"/>
-                    </a:lnT>
-                    <a:lnB w="12700" cap="flat" cmpd="sng" algn="ctr">
-                      <a:solidFill>
-                        <a:schemeClr val="tx1"/>
-                      </a:solidFill>
-                      <a:prstDash val="solid"/>
-                      <a:round/>
-                      <a:headEnd type="none" w="med" len="med"/>
-                      <a:tailEnd type="none" w="med" len="med"/>
-                    </a:lnB>
-                    <a:lnTlToBr w="12700" cmpd="sng">
-                      <a:noFill/>
-                      <a:prstDash val="solid"/>
-                    </a:lnTlToBr>
-                    <a:lnBlToTr w="12700" cmpd="sng">
-                      <a:noFill/>
-                      <a:prstDash val="solid"/>
-                    </a:lnBlToTr>
-                  </a:tcPr>
-                </a:tc>
-                <a:tc>
-                  <a:txBody>
-                    <a:bodyPr/>
-                    <a:lstStyle/>
-                    <a:p>
-                      <a:pPr algn="r"/>
-                      <a:r>
-                        <a:rPr kumimoji="0" lang="de-CH" sz="2000" b="0" i="0" u="none" strike="noStrike" kern="1200" cap="none" spc="0" normalizeH="0" baseline="0" noProof="0">
-                          <a:ln>
-                            <a:noFill/>
-                          </a:ln>
-                          <a:solidFill>
-                            <a:prstClr val="black"/>
-                          </a:solidFill>
-                          <a:effectLst/>
-                          <a:uLnTx/>
-                          <a:uFillTx/>
-                          <a:latin typeface="Source Sans Pro"/>
-                          <a:ea typeface="+mn-ea"/>
-                          <a:cs typeface="+mn-cs"/>
-                        </a:rPr>
-                        <a:t>00</a:t>
-                      </a:r>
-                      <a:endParaRPr lang="de-CH" sz="2000" dirty="0"/>
-                    </a:p>
-                  </a:txBody>
-                  <a:tcPr marL="0" marR="0" marT="0" marB="72000" anchor="b">
-                    <a:lnL w="12700" cmpd="sng">
-                      <a:noFill/>
-                    </a:lnL>
-                    <a:lnR w="12700" cmpd="sng">
-                      <a:noFill/>
-                    </a:lnR>
-                    <a:lnT w="12700" cap="flat" cmpd="sng" algn="ctr">
-                      <a:solidFill>
-                        <a:schemeClr val="tx1"/>
-                      </a:solidFill>
-                      <a:prstDash val="solid"/>
-                      <a:round/>
-                      <a:headEnd type="none" w="med" len="med"/>
-                      <a:tailEnd type="none" w="med" len="med"/>
-                    </a:lnT>
-                    <a:lnB w="12700" cap="flat" cmpd="sng" algn="ctr">
-                      <a:solidFill>
-                        <a:schemeClr val="tx1"/>
-                      </a:solidFill>
-                      <a:prstDash val="solid"/>
-                      <a:round/>
-                      <a:headEnd type="none" w="med" len="med"/>
-                      <a:tailEnd type="none" w="med" len="med"/>
-                    </a:lnB>
-                    <a:lnTlToBr w="12700" cmpd="sng">
-                      <a:noFill/>
-                      <a:prstDash val="solid"/>
-                    </a:lnTlToBr>
-                    <a:lnBlToTr w="12700" cmpd="sng">
-                      <a:noFill/>
-                      <a:prstDash val="solid"/>
-                    </a:lnBlToTr>
-                  </a:tcPr>
-                </a:tc>
-                <a:tc>
-                  <a:txBody>
-                    <a:bodyPr/>
-                    <a:lstStyle/>
-                    <a:p>
-                      <a:pPr algn="r"/>
-                      <a:r>
-                        <a:rPr kumimoji="0" lang="de-CH" sz="2000" b="0" i="0" u="none" strike="noStrike" kern="1200" cap="none" spc="0" normalizeH="0" baseline="0" noProof="0">
-                          <a:ln>
-                            <a:noFill/>
-                          </a:ln>
-                          <a:solidFill>
-                            <a:prstClr val="black"/>
-                          </a:solidFill>
-                          <a:effectLst/>
-                          <a:uLnTx/>
-                          <a:uFillTx/>
-                          <a:latin typeface="Source Sans Pro"/>
-                          <a:ea typeface="+mn-ea"/>
-                          <a:cs typeface="+mn-cs"/>
-                        </a:rPr>
-                        <a:t>00</a:t>
-                      </a:r>
-                      <a:endParaRPr lang="de-CH" sz="2000" dirty="0"/>
-                    </a:p>
-                  </a:txBody>
-                  <a:tcPr marL="0" marR="0" marT="0" marB="72000" anchor="b">
-                    <a:lnL w="12700" cmpd="sng">
-                      <a:noFill/>
-                    </a:lnL>
-                    <a:lnR w="12700" cmpd="sng">
-                      <a:noFill/>
-                    </a:lnR>
-                    <a:lnT w="12700" cap="flat" cmpd="sng" algn="ctr">
-                      <a:solidFill>
-                        <a:schemeClr val="tx1"/>
-                      </a:solidFill>
-                      <a:prstDash val="solid"/>
-                      <a:round/>
-                      <a:headEnd type="none" w="med" len="med"/>
-                      <a:tailEnd type="none" w="med" len="med"/>
-                    </a:lnT>
-                    <a:lnB w="12700" cap="flat" cmpd="sng" algn="ctr">
-                      <a:solidFill>
-                        <a:schemeClr val="tx1"/>
-                      </a:solidFill>
-                      <a:prstDash val="solid"/>
-                      <a:round/>
-                      <a:headEnd type="none" w="med" len="med"/>
-                      <a:tailEnd type="none" w="med" len="med"/>
-                    </a:lnB>
-                    <a:lnTlToBr w="12700" cmpd="sng">
-                      <a:noFill/>
-                      <a:prstDash val="solid"/>
-                    </a:lnTlToBr>
-                    <a:lnBlToTr w="12700" cmpd="sng">
-                      <a:noFill/>
-                      <a:prstDash val="solid"/>
-                    </a:lnBlToTr>
-                  </a:tcPr>
-                </a:tc>
-                <a:extLst>
-                  <a:ext uri="{0D108BD9-81ED-4DB2-BD59-A6C34878D82A}">
-                    <a16:rowId xmlns:a16="http://schemas.microsoft.com/office/drawing/2014/main" val="1737349239"/>
-                  </a:ext>
-                </a:extLst>
-              </a:tr>
-              <a:tr h="468000">
-                <a:tc>
-                  <a:txBody>
-                    <a:bodyPr/>
-                    <a:lstStyle/>
-                    <a:p>
-                      <a:pPr marL="0" marR="0" lvl="0" indent="0" algn="l" defTabSz="914400" rtl="0" eaLnBrk="1" fontAlgn="auto" latinLnBrk="0" hangingPunct="1">
-                        <a:lnSpc>
-                          <a:spcPct val="100000"/>
-                        </a:lnSpc>
-                        <a:spcBef>
-                          <a:spcPts val="0"/>
-                        </a:spcBef>
-                        <a:spcAft>
-                          <a:spcPts val="0"/>
-                        </a:spcAft>
-                        <a:buClrTx/>
-                        <a:buSzTx/>
-                        <a:buFontTx/>
-                        <a:buNone/>
-                        <a:tabLst/>
-                        <a:defRPr/>
-                      </a:pPr>
-                      <a:r>
-                        <a:rPr kumimoji="0" lang="de-CH" sz="2000" b="0" i="0" u="none" strike="noStrike" kern="1200" cap="none" spc="0" normalizeH="0" baseline="0" noProof="0" dirty="0">
-                          <a:ln>
-                            <a:noFill/>
-                          </a:ln>
-                          <a:solidFill>
-                            <a:prstClr val="black"/>
-                          </a:solidFill>
-                          <a:effectLst/>
-                          <a:uLnTx/>
-                          <a:uFillTx/>
-                          <a:latin typeface="Source Sans Pro"/>
-                          <a:ea typeface="+mn-ea"/>
-                          <a:cs typeface="+mn-cs"/>
-                        </a:rPr>
-                        <a:t>Text</a:t>
-                      </a:r>
-                    </a:p>
-                  </a:txBody>
-                  <a:tcPr marL="0" marR="0" marT="0" marB="72000" anchor="b">
-                    <a:lnL w="12700" cmpd="sng">
-                      <a:noFill/>
-                    </a:lnL>
-                    <a:lnR w="12700" cmpd="sng">
-                      <a:noFill/>
-                    </a:lnR>
-                    <a:lnT w="12700" cap="flat" cmpd="sng" algn="ctr">
-                      <a:solidFill>
-                        <a:schemeClr val="tx1"/>
-                      </a:solidFill>
-                      <a:prstDash val="solid"/>
-                      <a:round/>
-                      <a:headEnd type="none" w="med" len="med"/>
-                      <a:tailEnd type="none" w="med" len="med"/>
-                    </a:lnT>
-                    <a:lnB w="12700" cap="flat" cmpd="sng" algn="ctr">
-                      <a:solidFill>
-                        <a:schemeClr val="tx1"/>
-                      </a:solidFill>
-                      <a:prstDash val="solid"/>
-                      <a:round/>
-                      <a:headEnd type="none" w="med" len="med"/>
-                      <a:tailEnd type="none" w="med" len="med"/>
-                    </a:lnB>
-                    <a:lnTlToBr w="12700" cmpd="sng">
-                      <a:noFill/>
-                      <a:prstDash val="solid"/>
-                    </a:lnTlToBr>
-                    <a:lnBlToTr w="12700" cmpd="sng">
-                      <a:noFill/>
-                      <a:prstDash val="solid"/>
-                    </a:lnBlToTr>
-                  </a:tcPr>
-                </a:tc>
-                <a:tc>
-                  <a:txBody>
-                    <a:bodyPr/>
-                    <a:lstStyle/>
-                    <a:p>
-                      <a:pPr algn="r"/>
-                      <a:r>
-                        <a:rPr kumimoji="0" lang="de-CH" sz="2000" b="0" i="0" u="none" strike="noStrike" kern="1200" cap="none" spc="0" normalizeH="0" baseline="0" noProof="0">
-                          <a:ln>
-                            <a:noFill/>
-                          </a:ln>
-                          <a:solidFill>
-                            <a:prstClr val="black"/>
-                          </a:solidFill>
-                          <a:effectLst/>
-                          <a:uLnTx/>
-                          <a:uFillTx/>
-                          <a:latin typeface="Source Sans Pro"/>
-                          <a:ea typeface="+mn-ea"/>
-                          <a:cs typeface="+mn-cs"/>
-                        </a:rPr>
-                        <a:t>00</a:t>
-                      </a:r>
-                      <a:endParaRPr lang="de-CH" sz="2000" dirty="0"/>
-                    </a:p>
-                  </a:txBody>
-                  <a:tcPr marL="0" marR="0" marT="0" marB="72000" anchor="b">
-                    <a:lnL w="12700" cmpd="sng">
-                      <a:noFill/>
-                    </a:lnL>
-                    <a:lnR w="12700" cmpd="sng">
-                      <a:noFill/>
-                    </a:lnR>
-                    <a:lnT w="12700" cap="flat" cmpd="sng" algn="ctr">
-                      <a:solidFill>
-                        <a:schemeClr val="tx1"/>
-                      </a:solidFill>
-                      <a:prstDash val="solid"/>
-                      <a:round/>
-                      <a:headEnd type="none" w="med" len="med"/>
-                      <a:tailEnd type="none" w="med" len="med"/>
-                    </a:lnT>
-                    <a:lnB w="12700" cap="flat" cmpd="sng" algn="ctr">
-                      <a:solidFill>
-                        <a:schemeClr val="tx1"/>
-                      </a:solidFill>
-                      <a:prstDash val="solid"/>
-                      <a:round/>
-                      <a:headEnd type="none" w="med" len="med"/>
-                      <a:tailEnd type="none" w="med" len="med"/>
-                    </a:lnB>
-                    <a:lnTlToBr w="12700" cmpd="sng">
-                      <a:noFill/>
-                      <a:prstDash val="solid"/>
-                    </a:lnTlToBr>
-                    <a:lnBlToTr w="12700" cmpd="sng">
-                      <a:noFill/>
-                      <a:prstDash val="solid"/>
-                    </a:lnBlToTr>
-                  </a:tcPr>
-                </a:tc>
-                <a:tc>
-                  <a:txBody>
-                    <a:bodyPr/>
-                    <a:lstStyle/>
-                    <a:p>
-                      <a:pPr algn="r"/>
-                      <a:r>
-                        <a:rPr kumimoji="0" lang="de-CH" sz="2000" b="0" i="0" u="none" strike="noStrike" kern="1200" cap="none" spc="0" normalizeH="0" baseline="0" noProof="0">
-                          <a:ln>
-                            <a:noFill/>
-                          </a:ln>
-                          <a:solidFill>
-                            <a:prstClr val="black"/>
-                          </a:solidFill>
-                          <a:effectLst/>
-                          <a:uLnTx/>
-                          <a:uFillTx/>
-                          <a:latin typeface="Source Sans Pro"/>
-                          <a:ea typeface="+mn-ea"/>
-                          <a:cs typeface="+mn-cs"/>
-                        </a:rPr>
-                        <a:t>00</a:t>
-                      </a:r>
-                      <a:endParaRPr lang="de-CH" sz="2000" dirty="0"/>
-                    </a:p>
-                  </a:txBody>
-                  <a:tcPr marL="0" marR="0" marT="0" marB="72000" anchor="b">
-                    <a:lnL w="12700" cmpd="sng">
-                      <a:noFill/>
-                    </a:lnL>
-                    <a:lnR w="12700" cmpd="sng">
-                      <a:noFill/>
-                    </a:lnR>
-                    <a:lnT w="12700" cap="flat" cmpd="sng" algn="ctr">
-                      <a:solidFill>
-                        <a:schemeClr val="tx1"/>
-                      </a:solidFill>
-                      <a:prstDash val="solid"/>
-                      <a:round/>
-                      <a:headEnd type="none" w="med" len="med"/>
-                      <a:tailEnd type="none" w="med" len="med"/>
-                    </a:lnT>
-                    <a:lnB w="12700" cap="flat" cmpd="sng" algn="ctr">
-                      <a:solidFill>
-                        <a:schemeClr val="tx1"/>
-                      </a:solidFill>
-                      <a:prstDash val="solid"/>
-                      <a:round/>
-                      <a:headEnd type="none" w="med" len="med"/>
-                      <a:tailEnd type="none" w="med" len="med"/>
-                    </a:lnB>
-                    <a:lnTlToBr w="12700" cmpd="sng">
-                      <a:noFill/>
-                      <a:prstDash val="solid"/>
-                    </a:lnTlToBr>
-                    <a:lnBlToTr w="12700" cmpd="sng">
-                      <a:noFill/>
-                      <a:prstDash val="solid"/>
-                    </a:lnBlToTr>
-                  </a:tcPr>
-                </a:tc>
-                <a:tc>
-                  <a:txBody>
-                    <a:bodyPr/>
-                    <a:lstStyle/>
-                    <a:p>
-                      <a:pPr algn="r"/>
-                      <a:r>
-                        <a:rPr kumimoji="0" lang="de-CH" sz="2000" b="0" i="0" u="none" strike="noStrike" kern="1200" cap="none" spc="0" normalizeH="0" baseline="0" noProof="0" dirty="0">
-                          <a:ln>
-                            <a:noFill/>
-                          </a:ln>
-                          <a:solidFill>
-                            <a:prstClr val="black"/>
-                          </a:solidFill>
-                          <a:effectLst/>
-                          <a:uLnTx/>
-                          <a:uFillTx/>
-                          <a:latin typeface="Source Sans Pro"/>
-                          <a:ea typeface="+mn-ea"/>
-                          <a:cs typeface="+mn-cs"/>
-                        </a:rPr>
-                        <a:t>00</a:t>
-                      </a:r>
-                      <a:endParaRPr lang="de-CH" sz="2000" dirty="0"/>
-                    </a:p>
-                  </a:txBody>
-                  <a:tcPr marL="0" marR="0" marT="0" marB="72000" anchor="b">
-                    <a:lnL w="12700" cmpd="sng">
-                      <a:noFill/>
-                    </a:lnL>
-                    <a:lnR w="12700" cmpd="sng">
-                      <a:noFill/>
-                    </a:lnR>
-                    <a:lnT w="12700" cap="flat" cmpd="sng" algn="ctr">
-                      <a:solidFill>
-                        <a:schemeClr val="tx1"/>
-                      </a:solidFill>
-                      <a:prstDash val="solid"/>
-                      <a:round/>
-                      <a:headEnd type="none" w="med" len="med"/>
-                      <a:tailEnd type="none" w="med" len="med"/>
-                    </a:lnT>
-                    <a:lnB w="12700" cap="flat" cmpd="sng" algn="ctr">
-                      <a:solidFill>
-                        <a:schemeClr val="tx1"/>
-                      </a:solidFill>
-                      <a:prstDash val="solid"/>
-                      <a:round/>
-                      <a:headEnd type="none" w="med" len="med"/>
-                      <a:tailEnd type="none" w="med" len="med"/>
-                    </a:lnB>
-                    <a:lnTlToBr w="12700" cmpd="sng">
-                      <a:noFill/>
-                      <a:prstDash val="solid"/>
-                    </a:lnTlToBr>
-                    <a:lnBlToTr w="12700" cmpd="sng">
-                      <a:noFill/>
-                      <a:prstDash val="solid"/>
-                    </a:lnBlToTr>
-                  </a:tcPr>
-                </a:tc>
-                <a:extLst>
-                  <a:ext uri="{0D108BD9-81ED-4DB2-BD59-A6C34878D82A}">
-                    <a16:rowId xmlns:a16="http://schemas.microsoft.com/office/drawing/2014/main" val="4088552241"/>
-                  </a:ext>
-                </a:extLst>
-              </a:tr>
-            </a:tbl>
-          </a:graphicData>
-        </a:graphic>
-      </p:graphicFrame>
       <p:sp>
         <p:nvSpPr>
           <p:cNvPr id="50" name="Inhaltsplatzhalter 5">
@@ -10073,7 +5128,7 @@
             </a:pPr>
             <a:r>
               <a:rPr lang="en-GB" dirty="0">
-                <a:hlinkClick r:id="rId2"/>
+                <a:hlinkClick r:id="rId3"/>
               </a:rPr>
               <a:t>mail@adresse.ch</a:t>
             </a:r>
@@ -10140,382 +5195,6 @@
               </a:lnSpc>
             </a:pPr>
             <a:endParaRPr lang="en-GB" dirty="0"/>
-          </a:p>
-        </p:txBody>
-      </p:sp>
-      <p:graphicFrame>
-        <p:nvGraphicFramePr>
-          <p:cNvPr id="57" name="Diagramm 56">
-            <a:extLst>
-              <a:ext uri="{FF2B5EF4-FFF2-40B4-BE49-F238E27FC236}">
-                <a16:creationId xmlns:a16="http://schemas.microsoft.com/office/drawing/2014/main" id="{1BDCE0AB-BD1A-8921-3D25-8C813AF1BA0E}"/>
-              </a:ext>
-            </a:extLst>
-          </p:cNvPr>
-          <p:cNvGraphicFramePr/>
-          <p:nvPr>
-            <p:extLst>
-              <p:ext uri="{D42A27DB-BD31-4B8C-83A1-F6EECF244321}">
-                <p14:modId xmlns:p14="http://schemas.microsoft.com/office/powerpoint/2010/main" val="3158853959"/>
-              </p:ext>
-            </p:extLst>
-          </p:nvPr>
-        </p:nvGraphicFramePr>
-        <p:xfrm>
-          <a:off x="20407149" y="23994169"/>
-          <a:ext cx="8821315" cy="5760640"/>
-        </p:xfrm>
-        <a:graphic>
-          <a:graphicData uri="http://schemas.openxmlformats.org/drawingml/2006/chart">
-            <c:chart xmlns:c="http://schemas.openxmlformats.org/drawingml/2006/chart" xmlns:r="http://schemas.openxmlformats.org/officeDocument/2006/relationships" r:id="rId3"/>
-          </a:graphicData>
-        </a:graphic>
-      </p:graphicFrame>
-      <p:sp>
-        <p:nvSpPr>
-          <p:cNvPr id="58" name="Inhaltsplatzhalter 4">
-            <a:extLst>
-              <a:ext uri="{FF2B5EF4-FFF2-40B4-BE49-F238E27FC236}">
-                <a16:creationId xmlns:a16="http://schemas.microsoft.com/office/drawing/2014/main" id="{9AF14FF9-635B-9906-A745-3DDD8245CFEE}"/>
-              </a:ext>
-            </a:extLst>
-          </p:cNvPr>
-          <p:cNvSpPr txBox="1">
-            <a:spLocks/>
-          </p:cNvSpPr>
-          <p:nvPr/>
-        </p:nvSpPr>
-        <p:spPr>
-          <a:xfrm>
-            <a:off x="20285275" y="29873930"/>
-            <a:ext cx="8928000" cy="1141019"/>
-          </a:xfrm>
-          <a:prstGeom prst="rect">
-            <a:avLst/>
-          </a:prstGeom>
-        </p:spPr>
-        <p:txBody>
-          <a:bodyPr vert="horz" lIns="0" tIns="0" rIns="0" bIns="0" numCol="1" spcCol="0" rtlCol="0">
-            <a:noAutofit/>
-          </a:bodyPr>
-          <a:lstStyle>
-            <a:lvl1pPr marL="0" indent="0" algn="l" defTabSz="914400" rtl="0" eaLnBrk="1" latinLnBrk="0" hangingPunct="1">
-              <a:lnSpc>
-                <a:spcPct val="100000"/>
-              </a:lnSpc>
-              <a:spcBef>
-                <a:spcPts val="0"/>
-              </a:spcBef>
-              <a:buFont typeface="+mj-lt"/>
-              <a:buNone/>
-              <a:defRPr sz="3000" b="0" kern="1200">
-                <a:solidFill>
-                  <a:schemeClr val="tx1"/>
-                </a:solidFill>
-                <a:latin typeface="+mn-lt"/>
-                <a:ea typeface="+mn-ea"/>
-                <a:cs typeface="+mn-cs"/>
-              </a:defRPr>
-            </a:lvl1pPr>
-            <a:lvl2pPr marL="174625" indent="-174625" algn="l" defTabSz="914400" rtl="0" eaLnBrk="1" latinLnBrk="0" hangingPunct="1">
-              <a:lnSpc>
-                <a:spcPct val="100000"/>
-              </a:lnSpc>
-              <a:spcBef>
-                <a:spcPts val="0"/>
-              </a:spcBef>
-              <a:buFont typeface="Arial" panose="020B0604020202020204" pitchFamily="34" charset="0"/>
-              <a:buChar char="•"/>
-              <a:defRPr sz="4800" b="1" kern="1200">
-                <a:solidFill>
-                  <a:schemeClr val="tx1"/>
-                </a:solidFill>
-                <a:latin typeface="+mn-lt"/>
-                <a:ea typeface="+mn-ea"/>
-                <a:cs typeface="+mn-cs"/>
-              </a:defRPr>
-            </a:lvl2pPr>
-            <a:lvl3pPr marL="360363" indent="-185738" algn="l" defTabSz="914400" rtl="0" eaLnBrk="1" latinLnBrk="0" hangingPunct="1">
-              <a:lnSpc>
-                <a:spcPct val="100000"/>
-              </a:lnSpc>
-              <a:spcBef>
-                <a:spcPts val="0"/>
-              </a:spcBef>
-              <a:buFont typeface="Arial" panose="020B0604020202020204" pitchFamily="34" charset="0"/>
-              <a:buChar char="•"/>
-              <a:defRPr sz="4800" b="1" kern="1200">
-                <a:solidFill>
-                  <a:schemeClr val="tx1"/>
-                </a:solidFill>
-                <a:latin typeface="+mn-lt"/>
-                <a:ea typeface="+mn-ea"/>
-                <a:cs typeface="+mn-cs"/>
-              </a:defRPr>
-            </a:lvl3pPr>
-            <a:lvl4pPr marL="534988" indent="-174625" algn="l" defTabSz="914400" rtl="0" eaLnBrk="1" latinLnBrk="0" hangingPunct="1">
-              <a:lnSpc>
-                <a:spcPct val="100000"/>
-              </a:lnSpc>
-              <a:spcBef>
-                <a:spcPts val="0"/>
-              </a:spcBef>
-              <a:buFont typeface="Arial" panose="020B0604020202020204" pitchFamily="34" charset="0"/>
-              <a:buChar char="•"/>
-              <a:defRPr sz="4800" b="1" kern="1200">
-                <a:solidFill>
-                  <a:schemeClr val="tx1"/>
-                </a:solidFill>
-                <a:latin typeface="+mn-lt"/>
-                <a:ea typeface="+mn-ea"/>
-                <a:cs typeface="+mn-cs"/>
-              </a:defRPr>
-            </a:lvl4pPr>
-            <a:lvl5pPr marL="719138" indent="-184150" algn="l" defTabSz="914400" rtl="0" eaLnBrk="1" latinLnBrk="0" hangingPunct="1">
-              <a:lnSpc>
-                <a:spcPct val="100000"/>
-              </a:lnSpc>
-              <a:spcBef>
-                <a:spcPts val="0"/>
-              </a:spcBef>
-              <a:buFont typeface="Arial" panose="020B0604020202020204" pitchFamily="34" charset="0"/>
-              <a:buChar char="•"/>
-              <a:defRPr sz="4800" b="1" kern="1200">
-                <a:solidFill>
-                  <a:schemeClr val="tx1"/>
-                </a:solidFill>
-                <a:latin typeface="+mn-lt"/>
-                <a:ea typeface="+mn-ea"/>
-                <a:cs typeface="+mn-cs"/>
-              </a:defRPr>
-            </a:lvl5pPr>
-            <a:lvl6pPr marL="2514600" indent="-228600" algn="l" defTabSz="914400" rtl="0" eaLnBrk="1" latinLnBrk="0" hangingPunct="1">
-              <a:lnSpc>
-                <a:spcPct val="90000"/>
-              </a:lnSpc>
-              <a:spcBef>
-                <a:spcPts val="500"/>
-              </a:spcBef>
-              <a:buFont typeface="Arial" panose="020B0604020202020204" pitchFamily="34" charset="0"/>
-              <a:buChar char="•"/>
-              <a:defRPr sz="1800" kern="1200">
-                <a:solidFill>
-                  <a:schemeClr val="tx1"/>
-                </a:solidFill>
-                <a:latin typeface="+mn-lt"/>
-                <a:ea typeface="+mn-ea"/>
-                <a:cs typeface="+mn-cs"/>
-              </a:defRPr>
-            </a:lvl6pPr>
-            <a:lvl7pPr marL="2971800" indent="-228600" algn="l" defTabSz="914400" rtl="0" eaLnBrk="1" latinLnBrk="0" hangingPunct="1">
-              <a:lnSpc>
-                <a:spcPct val="90000"/>
-              </a:lnSpc>
-              <a:spcBef>
-                <a:spcPts val="500"/>
-              </a:spcBef>
-              <a:buFont typeface="Arial" panose="020B0604020202020204" pitchFamily="34" charset="0"/>
-              <a:buChar char="•"/>
-              <a:defRPr sz="1800" kern="1200">
-                <a:solidFill>
-                  <a:schemeClr val="tx1"/>
-                </a:solidFill>
-                <a:latin typeface="+mn-lt"/>
-                <a:ea typeface="+mn-ea"/>
-                <a:cs typeface="+mn-cs"/>
-              </a:defRPr>
-            </a:lvl7pPr>
-            <a:lvl8pPr marL="3429000" indent="-228600" algn="l" defTabSz="914400" rtl="0" eaLnBrk="1" latinLnBrk="0" hangingPunct="1">
-              <a:lnSpc>
-                <a:spcPct val="90000"/>
-              </a:lnSpc>
-              <a:spcBef>
-                <a:spcPts val="500"/>
-              </a:spcBef>
-              <a:buFont typeface="Arial" panose="020B0604020202020204" pitchFamily="34" charset="0"/>
-              <a:buChar char="•"/>
-              <a:defRPr sz="1800" kern="1200">
-                <a:solidFill>
-                  <a:schemeClr val="tx1"/>
-                </a:solidFill>
-                <a:latin typeface="+mn-lt"/>
-                <a:ea typeface="+mn-ea"/>
-                <a:cs typeface="+mn-cs"/>
-              </a:defRPr>
-            </a:lvl8pPr>
-            <a:lvl9pPr marL="3886200" indent="-228600" algn="l" defTabSz="914400" rtl="0" eaLnBrk="1" latinLnBrk="0" hangingPunct="1">
-              <a:lnSpc>
-                <a:spcPct val="90000"/>
-              </a:lnSpc>
-              <a:spcBef>
-                <a:spcPts val="500"/>
-              </a:spcBef>
-              <a:buFont typeface="Arial" panose="020B0604020202020204" pitchFamily="34" charset="0"/>
-              <a:buChar char="•"/>
-              <a:defRPr sz="1800" kern="1200">
-                <a:solidFill>
-                  <a:schemeClr val="tx1"/>
-                </a:solidFill>
-                <a:latin typeface="+mn-lt"/>
-                <a:ea typeface="+mn-ea"/>
-                <a:cs typeface="+mn-cs"/>
-              </a:defRPr>
-            </a:lvl9pPr>
-          </a:lstStyle>
-          <a:p>
-            <a:r>
-              <a:rPr lang="en-GB" sz="2000" b="1" dirty="0"/>
-              <a:t>Fig.2: Lorem ipsum </a:t>
-            </a:r>
-            <a:r>
-              <a:rPr lang="en-GB" sz="2000" b="1" dirty="0" err="1"/>
-              <a:t>dolor</a:t>
-            </a:r>
-            <a:r>
-              <a:rPr lang="en-GB" sz="2000" b="1" dirty="0"/>
-              <a:t> sit </a:t>
-            </a:r>
-            <a:r>
-              <a:rPr lang="en-GB" sz="2000" b="1" dirty="0" err="1"/>
-              <a:t>amet</a:t>
-            </a:r>
-            <a:r>
-              <a:rPr lang="en-GB" sz="2000" b="1" dirty="0"/>
-              <a:t>, </a:t>
-            </a:r>
-            <a:r>
-              <a:rPr lang="en-GB" sz="2000" b="1" dirty="0" err="1"/>
-              <a:t>consectetuer</a:t>
-            </a:r>
-            <a:r>
-              <a:rPr lang="en-GB" sz="2000" b="1" dirty="0"/>
-              <a:t> </a:t>
-            </a:r>
-            <a:r>
-              <a:rPr lang="en-GB" sz="2000" b="1" dirty="0" err="1"/>
-              <a:t>adipiscing</a:t>
-            </a:r>
-            <a:r>
-              <a:rPr lang="en-GB" sz="2000" b="1" dirty="0"/>
-              <a:t> </a:t>
-            </a:r>
-            <a:r>
-              <a:rPr lang="en-GB" sz="2000" b="1" dirty="0" err="1"/>
-              <a:t>elit</a:t>
-            </a:r>
-            <a:r>
-              <a:rPr lang="en-GB" sz="2000" b="1" dirty="0"/>
-              <a:t>. Maecenas </a:t>
-            </a:r>
-            <a:r>
-              <a:rPr lang="en-GB" sz="2000" b="1" dirty="0" err="1"/>
-              <a:t>porttitor</a:t>
-            </a:r>
-            <a:r>
-              <a:rPr lang="en-GB" sz="2000" b="1" dirty="0"/>
-              <a:t> </a:t>
-            </a:r>
-            <a:r>
-              <a:rPr lang="en-GB" sz="2000" b="1" dirty="0" err="1"/>
-              <a:t>congue</a:t>
-            </a:r>
-            <a:r>
-              <a:rPr lang="en-GB" sz="2000" b="1" dirty="0"/>
-              <a:t> </a:t>
-            </a:r>
-            <a:r>
-              <a:rPr lang="en-GB" sz="2000" b="1" dirty="0" err="1"/>
-              <a:t>massa</a:t>
-            </a:r>
-            <a:r>
-              <a:rPr lang="en-GB" sz="2000" b="1" dirty="0"/>
-              <a:t>. </a:t>
-            </a:r>
-            <a:r>
-              <a:rPr lang="en-GB" sz="2000" b="1" dirty="0" err="1"/>
-              <a:t>Fusce</a:t>
-            </a:r>
-            <a:r>
-              <a:rPr lang="en-GB" sz="2000" b="1" dirty="0"/>
-              <a:t> </a:t>
-            </a:r>
-            <a:r>
-              <a:rPr lang="en-GB" sz="2000" b="1" dirty="0" err="1"/>
-              <a:t>posuere</a:t>
-            </a:r>
-            <a:r>
-              <a:rPr lang="en-GB" sz="2000" b="1" dirty="0"/>
-              <a:t>, magna </a:t>
-            </a:r>
-            <a:r>
-              <a:rPr lang="en-GB" sz="2000" b="1" dirty="0" err="1"/>
-              <a:t>sed</a:t>
-            </a:r>
-            <a:r>
-              <a:rPr lang="en-GB" sz="2000" b="1" dirty="0"/>
-              <a:t> pulvinar </a:t>
-            </a:r>
-            <a:r>
-              <a:rPr lang="en-GB" sz="2000" b="1" dirty="0" err="1"/>
-              <a:t>ultricies</a:t>
-            </a:r>
-            <a:r>
-              <a:rPr lang="en-GB" sz="2000" b="1" dirty="0"/>
-              <a:t>, </a:t>
-            </a:r>
-            <a:r>
-              <a:rPr lang="en-GB" sz="2000" b="1" dirty="0" err="1"/>
-              <a:t>purus</a:t>
-            </a:r>
-            <a:r>
-              <a:rPr lang="en-GB" sz="2000" b="1" dirty="0"/>
-              <a:t> </a:t>
-            </a:r>
-            <a:r>
-              <a:rPr lang="en-GB" sz="2000" b="1" dirty="0" err="1"/>
-              <a:t>lectus</a:t>
-            </a:r>
-            <a:r>
-              <a:rPr lang="en-GB" sz="2000" b="1" dirty="0"/>
-              <a:t> </a:t>
-            </a:r>
-            <a:r>
-              <a:rPr lang="en-GB" sz="2000" b="1" dirty="0" err="1"/>
-              <a:t>malesuada</a:t>
-            </a:r>
-            <a:r>
-              <a:rPr lang="en-GB" sz="2000" b="1" dirty="0"/>
-              <a:t> libero, sit </a:t>
-            </a:r>
-            <a:r>
-              <a:rPr lang="en-GB" sz="2000" b="1" dirty="0" err="1"/>
-              <a:t>amet</a:t>
-            </a:r>
-            <a:r>
-              <a:rPr lang="en-GB" sz="2000" b="1" dirty="0"/>
-              <a:t> </a:t>
-            </a:r>
-            <a:r>
-              <a:rPr lang="en-GB" sz="2000" b="1" dirty="0" err="1"/>
-              <a:t>commodo</a:t>
-            </a:r>
-            <a:r>
-              <a:rPr lang="en-GB" sz="2000" b="1" dirty="0"/>
-              <a:t> magna eros </a:t>
-            </a:r>
-            <a:r>
-              <a:rPr lang="en-GB" sz="2000" b="1" dirty="0" err="1"/>
-              <a:t>quis</a:t>
-            </a:r>
-            <a:r>
-              <a:rPr lang="en-GB" sz="2000" b="1" dirty="0"/>
-              <a:t> </a:t>
-            </a:r>
-            <a:r>
-              <a:rPr lang="en-GB" sz="2000" b="1" dirty="0" err="1"/>
-              <a:t>urna</a:t>
-            </a:r>
-            <a:endParaRPr lang="en-GB" sz="2000" b="1" dirty="0"/>
           </a:p>
         </p:txBody>
       </p:sp>
@@ -10943,175 +5622,48 @@
           </a:prstGeom>
         </p:spPr>
       </p:pic>
-      <p:sp>
-        <p:nvSpPr>
-          <p:cNvPr id="32" name="TextBox 2">
-            <a:extLst>
-              <a:ext uri="{FF2B5EF4-FFF2-40B4-BE49-F238E27FC236}">
-                <a16:creationId xmlns:a16="http://schemas.microsoft.com/office/drawing/2014/main" id="{0D587619-90C9-BF81-303A-BBE6C4BCCFEB}"/>
-              </a:ext>
-            </a:extLst>
-          </p:cNvPr>
-          <p:cNvSpPr txBox="1"/>
-          <p:nvPr/>
-        </p:nvSpPr>
-        <p:spPr>
-          <a:xfrm>
-            <a:off x="523442" y="33573188"/>
-            <a:ext cx="9687878" cy="8979189"/>
-          </a:xfrm>
-          <a:prstGeom prst="rect">
-            <a:avLst/>
-          </a:prstGeom>
-          <a:noFill/>
-        </p:spPr>
-        <p:txBody>
-          <a:bodyPr wrap="square" rtlCol="0">
-            <a:spAutoFit/>
-          </a:bodyPr>
-          <a:lstStyle/>
-          <a:p>
-            <a:pPr>
-              <a:lnSpc>
-                <a:spcPct val="120000"/>
-              </a:lnSpc>
-            </a:pPr>
-            <a:r>
-              <a:rPr lang="en-US" sz="4400" b="1" dirty="0"/>
-              <a:t>Open Science, Open Access, Open Data</a:t>
-            </a:r>
-          </a:p>
-          <a:p>
-            <a:pPr>
-              <a:lnSpc>
-                <a:spcPct val="120000"/>
-              </a:lnSpc>
-            </a:pPr>
-            <a:r>
-              <a:rPr lang="en-US" sz="4000" dirty="0"/>
-              <a:t>Research data that results from publicly funded research </a:t>
-            </a:r>
-            <a:r>
-              <a:rPr lang="en-US" sz="4000" noProof="1"/>
-              <a:t>should be</a:t>
-            </a:r>
-          </a:p>
-          <a:p>
-            <a:pPr marL="1028700" lvl="1" indent="-571500">
-              <a:lnSpc>
-                <a:spcPct val="120000"/>
-              </a:lnSpc>
-              <a:buFont typeface="Wingdings" panose="05000000000000000000" pitchFamily="2" charset="2"/>
-              <a:buChar char="Ø"/>
-            </a:pPr>
-            <a:r>
-              <a:rPr lang="en-US" sz="4000" b="1" dirty="0"/>
-              <a:t>Findable</a:t>
-            </a:r>
-            <a:r>
-              <a:rPr lang="en-US" sz="4000" dirty="0"/>
-              <a:t>, </a:t>
-            </a:r>
-            <a:r>
-              <a:rPr lang="en-US" sz="4000" b="1" dirty="0"/>
-              <a:t>Accessible</a:t>
-            </a:r>
-            <a:r>
-              <a:rPr lang="en-US" sz="4000" dirty="0"/>
-              <a:t>, </a:t>
-            </a:r>
-            <a:r>
-              <a:rPr lang="en-US" sz="4000" b="1" dirty="0"/>
-              <a:t>Interoperable</a:t>
-            </a:r>
-            <a:r>
-              <a:rPr lang="en-US" sz="4000" dirty="0"/>
-              <a:t>, </a:t>
-            </a:r>
-            <a:r>
-              <a:rPr lang="en-US" sz="4000" b="1" dirty="0"/>
-              <a:t>Reusable</a:t>
-            </a:r>
-            <a:r>
-              <a:rPr lang="en-US" sz="4000" dirty="0"/>
-              <a:t> (‘</a:t>
-            </a:r>
-            <a:r>
-              <a:rPr lang="en-US" sz="4000" b="1" dirty="0"/>
-              <a:t>FAIR</a:t>
-            </a:r>
-            <a:r>
-              <a:rPr lang="en-US" sz="4000" dirty="0"/>
-              <a:t> principles’)</a:t>
-            </a:r>
-          </a:p>
-          <a:p>
-            <a:pPr marL="1028700" lvl="1" indent="-571500">
-              <a:lnSpc>
-                <a:spcPct val="120000"/>
-              </a:lnSpc>
-              <a:buFont typeface="Wingdings" panose="05000000000000000000" pitchFamily="2" charset="2"/>
-              <a:buChar char="Ø"/>
-            </a:pPr>
-            <a:r>
-              <a:rPr lang="en-US" sz="4000" dirty="0"/>
-              <a:t>therefore replicable, transparent, trustworthy</a:t>
-            </a:r>
-          </a:p>
-          <a:p>
-            <a:pPr marL="1028700" lvl="1" indent="-571500">
-              <a:lnSpc>
-                <a:spcPct val="120000"/>
-              </a:lnSpc>
-              <a:buFont typeface="Wingdings" panose="05000000000000000000" pitchFamily="2" charset="2"/>
-              <a:buChar char="Ø"/>
-            </a:pPr>
-            <a:r>
-              <a:rPr lang="en-US" sz="4000" b="1" dirty="0"/>
-              <a:t>As open as possible, as closed as necessary</a:t>
-            </a:r>
-          </a:p>
-          <a:p>
-            <a:pPr marL="0" lvl="1">
-              <a:lnSpc>
-                <a:spcPct val="120000"/>
-              </a:lnSpc>
-            </a:pPr>
-            <a:r>
-              <a:rPr lang="en-US" sz="4000" dirty="0">
-                <a:solidFill>
-                  <a:schemeClr val="accent1">
-                    <a:lumMod val="60000"/>
-                    <a:lumOff val="40000"/>
-                  </a:schemeClr>
-                </a:solidFill>
-                <a:hlinkClick r:id="rId10">
-                  <a:extLst>
-                    <a:ext uri="{A12FA001-AC4F-418D-AE19-62706E023703}">
-                      <ahyp:hlinkClr xmlns:ahyp="http://schemas.microsoft.com/office/drawing/2018/hyperlinkcolor" val="tx"/>
-                    </a:ext>
-                  </a:extLst>
-                </a:hlinkClick>
-              </a:rPr>
-              <a:t>Commission Recommendation (EU) 2018/790 on access to and preservation of scientific information</a:t>
-            </a:r>
-            <a:endParaRPr lang="en-US" sz="4000" dirty="0">
-              <a:solidFill>
-                <a:schemeClr val="accent1">
-                  <a:lumMod val="60000"/>
-                  <a:lumOff val="40000"/>
-                </a:schemeClr>
-              </a:solidFill>
-            </a:endParaRPr>
-          </a:p>
-        </p:txBody>
-      </p:sp>
       <p:pic>
         <p:nvPicPr>
           <p:cNvPr id="33" name="Obrázek 32" descr="Obsah obrázku Grafika, Písmo, logo, symbol&#10;&#10;Popis byl vytvořen automaticky">
             <a:extLst>
               <a:ext uri="{FF2B5EF4-FFF2-40B4-BE49-F238E27FC236}">
                 <a16:creationId xmlns:a16="http://schemas.microsoft.com/office/drawing/2014/main" id="{865D14C5-A73E-021C-7CC0-FAF22D98A936}"/>
+              </a:ext>
+            </a:extLst>
+          </p:cNvPr>
+          <p:cNvPicPr>
+            <a:picLocks noChangeAspect="1"/>
+          </p:cNvPicPr>
+          <p:nvPr/>
+        </p:nvPicPr>
+        <p:blipFill>
+          <a:blip r:embed="rId10" cstate="print">
+            <a:extLst>
+              <a:ext uri="{28A0092B-C50C-407E-A947-70E740481C1C}">
+                <a14:useLocalDpi xmlns:a14="http://schemas.microsoft.com/office/drawing/2010/main" val="0"/>
+              </a:ext>
+            </a:extLst>
+          </a:blip>
+          <a:stretch>
+            <a:fillRect/>
+          </a:stretch>
+        </p:blipFill>
+        <p:spPr>
+          <a:xfrm>
+            <a:off x="7703641" y="28688588"/>
+            <a:ext cx="1253808" cy="1221598"/>
+          </a:xfrm>
+          <a:prstGeom prst="rect">
+            <a:avLst/>
+          </a:prstGeom>
+        </p:spPr>
+      </p:pic>
+      <p:pic>
+        <p:nvPicPr>
+          <p:cNvPr id="34" name="Obrázek 33" descr="Obsah obrázku umění, Dětské kresby, snímek obrazovky&#10;&#10;Popis byl vytvořen automaticky">
+            <a:extLst>
+              <a:ext uri="{FF2B5EF4-FFF2-40B4-BE49-F238E27FC236}">
+                <a16:creationId xmlns:a16="http://schemas.microsoft.com/office/drawing/2014/main" id="{A0510AFD-4E0F-812D-DCB7-BEDEDDED4FF9}"/>
               </a:ext>
             </a:extLst>
           </p:cNvPr>
@@ -11134,43 +5686,7 @@
         </p:blipFill>
         <p:spPr>
           <a:xfrm>
-            <a:off x="7813958" y="32086285"/>
-            <a:ext cx="1253808" cy="1221598"/>
-          </a:xfrm>
-          <a:prstGeom prst="rect">
-            <a:avLst/>
-          </a:prstGeom>
-        </p:spPr>
-      </p:pic>
-      <p:pic>
-        <p:nvPicPr>
-          <p:cNvPr id="34" name="Obrázek 33" descr="Obsah obrázku umění, Dětské kresby, snímek obrazovky&#10;&#10;Popis byl vytvořen automaticky">
-            <a:extLst>
-              <a:ext uri="{FF2B5EF4-FFF2-40B4-BE49-F238E27FC236}">
-                <a16:creationId xmlns:a16="http://schemas.microsoft.com/office/drawing/2014/main" id="{A0510AFD-4E0F-812D-DCB7-BEDEDDED4FF9}"/>
-              </a:ext>
-            </a:extLst>
-          </p:cNvPr>
-          <p:cNvPicPr>
-            <a:picLocks noChangeAspect="1"/>
-          </p:cNvPicPr>
-          <p:nvPr/>
-        </p:nvPicPr>
-        <p:blipFill>
-          <a:blip r:embed="rId12" cstate="print">
-            <a:extLst>
-              <a:ext uri="{28A0092B-C50C-407E-A947-70E740481C1C}">
-                <a14:useLocalDpi xmlns:a14="http://schemas.microsoft.com/office/drawing/2010/main" val="0"/>
-              </a:ext>
-            </a:extLst>
-          </a:blip>
-          <a:stretch>
-            <a:fillRect/>
-          </a:stretch>
-        </p:blipFill>
-        <p:spPr>
-          <a:xfrm>
-            <a:off x="1157249" y="31973978"/>
+            <a:off x="1046932" y="28576281"/>
             <a:ext cx="1599210" cy="1599210"/>
           </a:xfrm>
           <a:prstGeom prst="rect">
@@ -11193,7 +5709,7 @@
           <p:nvPr/>
         </p:nvPicPr>
         <p:blipFill rotWithShape="1">
-          <a:blip r:embed="rId13" cstate="print">
+          <a:blip r:embed="rId12" cstate="print">
             <a:extLst>
               <a:ext uri="{28A0092B-C50C-407E-A947-70E740481C1C}">
                 <a14:useLocalDpi xmlns:a14="http://schemas.microsoft.com/office/drawing/2010/main" val="0"/>
@@ -11205,7 +5721,7 @@
         </p:blipFill>
         <p:spPr>
           <a:xfrm>
-            <a:off x="4398910" y="32208004"/>
+            <a:off x="4288593" y="28810307"/>
             <a:ext cx="1936941" cy="1063623"/>
           </a:xfrm>
           <a:prstGeom prst="rect">
@@ -11228,7 +5744,7 @@
           <p:nvPr/>
         </p:nvPicPr>
         <p:blipFill>
-          <a:blip r:embed="rId14"/>
+          <a:blip r:embed="rId13"/>
           <a:stretch>
             <a:fillRect/>
           </a:stretch>
@@ -12050,17 +6566,6 @@
 </file>
 
 <file path=customXml/item1.xml><?xml version="1.0" encoding="utf-8"?>
-<p:properties xmlns:p="http://schemas.microsoft.com/office/2006/metadata/properties" xmlns:xsi="http://www.w3.org/2001/XMLSchema-instance" xmlns:pc="http://schemas.microsoft.com/office/infopath/2007/PartnerControls">
-  <documentManagement>
-    <TaxCatchAll xmlns="bc24777f-78b6-4f3c-a73a-d5fa08e4d537" xsi:nil="true"/>
-    <lcf76f155ced4ddcb4097134ff3c332f xmlns="c9077d15-72ed-4fec-bcfe-3472729e9195">
-      <Terms xmlns="http://schemas.microsoft.com/office/infopath/2007/PartnerControls"/>
-    </lcf76f155ced4ddcb4097134ff3c332f>
-  </documentManagement>
-</p:properties>
-</file>
-
-<file path=customXml/item2.xml><?xml version="1.0" encoding="utf-8"?>
 <ct:contentTypeSchema xmlns:ct="http://schemas.microsoft.com/office/2006/metadata/contentType" xmlns:ma="http://schemas.microsoft.com/office/2006/metadata/properties/metaAttributes" ct:_="" ma:_="" ma:contentTypeName="Dokument" ma:contentTypeID="0x0101000E594130A2AF244FBF3F304D904ED593" ma:contentTypeVersion="18" ma:contentTypeDescription="Ein neues Dokument erstellen." ma:contentTypeScope="" ma:versionID="9c227ad3ab8d826471e210bb857ebfda">
   <xsd:schema xmlns:xsd="http://www.w3.org/2001/XMLSchema" xmlns:xs="http://www.w3.org/2001/XMLSchema" xmlns:p="http://schemas.microsoft.com/office/2006/metadata/properties" xmlns:ns2="c9077d15-72ed-4fec-bcfe-3472729e9195" xmlns:ns3="bc24777f-78b6-4f3c-a73a-d5fa08e4d537" targetNamespace="http://schemas.microsoft.com/office/2006/metadata/properties" ma:root="true" ma:fieldsID="2a0acd45fe6cc66a06723547185abeb0" ns2:_="" ns3:_="">
     <xsd:import namespace="c9077d15-72ed-4fec-bcfe-3472729e9195"/>
@@ -12315,6 +6820,17 @@
 </ct:contentTypeSchema>
 </file>
 
+<file path=customXml/item2.xml><?xml version="1.0" encoding="utf-8"?>
+<p:properties xmlns:p="http://schemas.microsoft.com/office/2006/metadata/properties" xmlns:xsi="http://www.w3.org/2001/XMLSchema-instance" xmlns:pc="http://schemas.microsoft.com/office/infopath/2007/PartnerControls">
+  <documentManagement>
+    <TaxCatchAll xmlns="bc24777f-78b6-4f3c-a73a-d5fa08e4d537" xsi:nil="true"/>
+    <lcf76f155ced4ddcb4097134ff3c332f xmlns="c9077d15-72ed-4fec-bcfe-3472729e9195">
+      <Terms xmlns="http://schemas.microsoft.com/office/infopath/2007/PartnerControls"/>
+    </lcf76f155ced4ddcb4097134ff3c332f>
+  </documentManagement>
+</p:properties>
+</file>
+
 <file path=customXml/item3.xml><?xml version="1.0" encoding="utf-8"?>
 <?mso-contentType ?>
 <FormTemplates xmlns="http://schemas.microsoft.com/sharepoint/v3/contenttype/forms">
@@ -12325,23 +6841,6 @@
 </file>
 
 <file path=customXml/itemProps1.xml><?xml version="1.0" encoding="utf-8"?>
-<ds:datastoreItem xmlns:ds="http://schemas.openxmlformats.org/officeDocument/2006/customXml" ds:itemID="{5626B806-0237-4942-A1FD-5C97285908C2}">
-  <ds:schemaRefs>
-    <ds:schemaRef ds:uri="http://schemas.microsoft.com/office/infopath/2007/PartnerControls"/>
-    <ds:schemaRef ds:uri="http://purl.org/dc/terms/"/>
-    <ds:schemaRef ds:uri="http://schemas.microsoft.com/office/2006/metadata/properties"/>
-    <ds:schemaRef ds:uri="http://schemas.microsoft.com/office/2006/documentManagement/types"/>
-    <ds:schemaRef ds:uri="http://purl.org/dc/elements/1.1/"/>
-    <ds:schemaRef ds:uri="http://schemas.openxmlformats.org/package/2006/metadata/core-properties"/>
-    <ds:schemaRef ds:uri="c9077d15-72ed-4fec-bcfe-3472729e9195"/>
-    <ds:schemaRef ds:uri="http://purl.org/dc/dcmitype/"/>
-    <ds:schemaRef ds:uri="bc24777f-78b6-4f3c-a73a-d5fa08e4d537"/>
-    <ds:schemaRef ds:uri="http://www.w3.org/XML/1998/namespace"/>
-  </ds:schemaRefs>
-</ds:datastoreItem>
-</file>
-
-<file path=customXml/itemProps2.xml><?xml version="1.0" encoding="utf-8"?>
 <ds:datastoreItem xmlns:ds="http://schemas.openxmlformats.org/officeDocument/2006/customXml" ds:itemID="{1F3422E8-BE23-448C-AEDE-E777A2A57236}">
   <ds:schemaRefs>
     <ds:schemaRef ds:uri="http://schemas.microsoft.com/office/2006/metadata/contentType"/>
@@ -12360,6 +6859,23 @@
 </ds:datastoreItem>
 </file>
 
+<file path=customXml/itemProps2.xml><?xml version="1.0" encoding="utf-8"?>
+<ds:datastoreItem xmlns:ds="http://schemas.openxmlformats.org/officeDocument/2006/customXml" ds:itemID="{5626B806-0237-4942-A1FD-5C97285908C2}">
+  <ds:schemaRefs>
+    <ds:schemaRef ds:uri="http://schemas.microsoft.com/office/infopath/2007/PartnerControls"/>
+    <ds:schemaRef ds:uri="http://purl.org/dc/terms/"/>
+    <ds:schemaRef ds:uri="http://schemas.microsoft.com/office/2006/metadata/properties"/>
+    <ds:schemaRef ds:uri="http://schemas.microsoft.com/office/2006/documentManagement/types"/>
+    <ds:schemaRef ds:uri="http://purl.org/dc/elements/1.1/"/>
+    <ds:schemaRef ds:uri="http://schemas.openxmlformats.org/package/2006/metadata/core-properties"/>
+    <ds:schemaRef ds:uri="c9077d15-72ed-4fec-bcfe-3472729e9195"/>
+    <ds:schemaRef ds:uri="http://purl.org/dc/dcmitype/"/>
+    <ds:schemaRef ds:uri="bc24777f-78b6-4f3c-a73a-d5fa08e4d537"/>
+    <ds:schemaRef ds:uri="http://www.w3.org/XML/1998/namespace"/>
+  </ds:schemaRefs>
+</ds:datastoreItem>
+</file>
+
 <file path=customXml/itemProps3.xml><?xml version="1.0" encoding="utf-8"?>
 <ds:datastoreItem xmlns:ds="http://schemas.openxmlformats.org/officeDocument/2006/customXml" ds:itemID="{4B6B7BE2-63AD-4C37-AC44-F0E4FC348E24}">
   <ds:schemaRefs>

--- a/Poster/2024_07 Poster_Novak.pptx
+++ b/Poster/2024_07 Poster_Novak.pptx
@@ -207,7 +207,7 @@
           <a:p>
             <a:fld id="{EEC665CA-D682-48EC-95D2-126FD6449D65}" type="datetime1">
               <a:rPr lang="de-CH" sz="900" smtClean="0"/>
-              <a:t>20.06.2024</a:t>
+              <a:t>23.06.2024</a:t>
             </a:fld>
             <a:endParaRPr lang="de-CH" sz="900"/>
           </a:p>
@@ -509,7 +509,7 @@
           <a:p>
             <a:fld id="{A17AAF7D-4283-4014-80F4-26E915FEACF8}" type="datetime1">
               <a:rPr lang="de-CH" smtClean="0"/>
-              <a:t>20.06.2024</a:t>
+              <a:t>23.06.2024</a:t>
             </a:fld>
             <a:endParaRPr lang="de-CH" dirty="0"/>
           </a:p>
@@ -2658,34 +2658,57 @@
           <a:p>
             <a:r>
               <a:rPr lang="en-US" dirty="0"/>
-              <a:t>BACKGROUND</a:t>
-            </a:r>
-            <a:r>
-              <a:rPr lang="en-US" sz="4400" dirty="0"/>
-              <a:t>: </a:t>
-            </a:r>
-            <a:r>
-              <a:rPr lang="en-US" sz="4400" b="0" dirty="0"/>
-              <a:t>There is a great demand for more research data to be made openly available.</a:t>
-            </a:r>
-            <a:endParaRPr lang="cs-CZ" sz="4400" b="0" dirty="0"/>
-          </a:p>
-          <a:p>
-            <a:r>
-              <a:rPr lang="en-US" sz="4400" b="0" dirty="0"/>
-              <a:t>Many psychological datasets contain demographic and health variables that require proper protection against disclosure.</a:t>
-            </a:r>
-            <a:r>
-              <a:rPr lang="cs-CZ" sz="4400" b="0" dirty="0"/>
+              <a:t>1.   BACKGROUND</a:t>
+            </a:r>
+            <a:endParaRPr lang="cs-CZ" dirty="0"/>
+          </a:p>
+          <a:p>
+            <a:r>
+              <a:rPr lang="en-US" sz="4000" b="0" dirty="0"/>
+              <a:t>There is a great demand for more research</a:t>
+            </a:r>
+            <a:r>
+              <a:rPr lang="cs-CZ" sz="4000" b="0" dirty="0"/>
               <a:t> </a:t>
             </a:r>
             <a:r>
-              <a:rPr lang="en-US" sz="4400" b="0" dirty="0"/>
-              <a:t>Unfortunately, many datasets cannot be publicly available for privacy reasons.</a:t>
-            </a:r>
-            <a:endParaRPr lang="cs-CZ" sz="4400" b="0" dirty="0"/>
-          </a:p>
-          <a:p>
+              <a:rPr lang="en-US" sz="4000" b="0" dirty="0"/>
+              <a:t>data to be made openly available. The reproducibility of findings is in crisis, and more</a:t>
+            </a:r>
+            <a:r>
+              <a:rPr lang="cs-CZ" sz="4000" b="0" dirty="0"/>
+              <a:t> </a:t>
+            </a:r>
+            <a:r>
+              <a:rPr lang="en-US" sz="4000" b="0" dirty="0"/>
+              <a:t>openly available data would make research</a:t>
+            </a:r>
+          </a:p>
+          <a:p>
+            <a:r>
+              <a:rPr lang="en-US" sz="4000" b="0" dirty="0"/>
+              <a:t>more transparent and accessible. Many psychological datasets contain demographic and</a:t>
+            </a:r>
+            <a:r>
+              <a:rPr lang="cs-CZ" sz="4000" b="0" dirty="0"/>
+              <a:t> </a:t>
+            </a:r>
+            <a:r>
+              <a:rPr lang="en-US" sz="4000" b="0" dirty="0"/>
+              <a:t>health variables that require proper protection against disclosure. Unfortunately, many</a:t>
+            </a:r>
+            <a:r>
+              <a:rPr lang="cs-CZ" sz="4000" b="0" dirty="0"/>
+              <a:t> </a:t>
+            </a:r>
+            <a:r>
+              <a:rPr lang="en-US" sz="4000" b="0" dirty="0"/>
+              <a:t>datasets cannot be publicly available for privacy reasons.</a:t>
+            </a:r>
+            <a:endParaRPr lang="cs-CZ" sz="4000" b="0" dirty="0"/>
+          </a:p>
+          <a:p>
+            <a:pPr algn="just"/>
             <a:endParaRPr lang="cs-CZ" b="0" dirty="0"/>
           </a:p>
           <a:p>
@@ -2695,14 +2718,49 @@
               </a:lnSpc>
             </a:pPr>
             <a:r>
-              <a:rPr lang="en-US" sz="4400" b="0" dirty="0">
-                <a:cs typeface="Segoe UI" panose="020B0502040204020203" pitchFamily="34" charset="0"/>
-              </a:rPr>
-              <a:t>To enable dissemination,  we can use these methods:</a:t>
-            </a:r>
-          </a:p>
-          <a:p>
-            <a:pPr marL="571500" indent="-571500">
+              <a:rPr lang="en-US" sz="4000" b="1" dirty="0">
+                <a:latin typeface="+mj-lt"/>
+              </a:rPr>
+              <a:t>Open Science, Open Access, Open Data</a:t>
+            </a:r>
+            <a:endParaRPr lang="cs-CZ" sz="4000" b="1" dirty="0">
+              <a:latin typeface="+mj-lt"/>
+            </a:endParaRPr>
+          </a:p>
+          <a:p>
+            <a:pPr>
+              <a:lnSpc>
+                <a:spcPct val="120000"/>
+              </a:lnSpc>
+            </a:pPr>
+            <a:endParaRPr lang="en-US" sz="4400" b="1" dirty="0"/>
+          </a:p>
+          <a:p>
+            <a:pPr>
+              <a:lnSpc>
+                <a:spcPct val="120000"/>
+              </a:lnSpc>
+            </a:pPr>
+            <a:endParaRPr lang="en-US" sz="4400" dirty="0"/>
+          </a:p>
+          <a:p>
+            <a:pPr>
+              <a:lnSpc>
+                <a:spcPct val="120000"/>
+              </a:lnSpc>
+            </a:pPr>
+            <a:r>
+              <a:rPr lang="en-US" sz="4000" b="0" dirty="0"/>
+              <a:t>Research data that results from publicly funded research </a:t>
+            </a:r>
+            <a:r>
+              <a:rPr lang="en-US" sz="4000" b="0" noProof="1"/>
+              <a:t>should be</a:t>
+            </a:r>
+            <a:endParaRPr lang="cs-CZ" sz="4000" b="0" dirty="0"/>
+          </a:p>
+          <a:p>
+            <a:pPr marL="1028700" lvl="1" indent="-571500">
               <a:lnSpc>
                 <a:spcPct val="120000"/>
               </a:lnSpc>
@@ -2710,62 +2768,56 @@
               <a:buChar char="Ø"/>
             </a:pPr>
             <a:r>
-              <a:rPr lang="en-US" sz="4400" b="1" dirty="0">
-                <a:cs typeface="Segoe UI" panose="020B0502040204020203" pitchFamily="34" charset="0"/>
-              </a:rPr>
-              <a:t>Statistical Disclosure Control (SDC)</a:t>
+              <a:rPr lang="en-US" sz="4000" dirty="0">
+                <a:solidFill>
+                  <a:srgbClr val="F68212"/>
+                </a:solidFill>
+              </a:rPr>
+              <a:t>Findable, Accessible, Interoperable, Reusable </a:t>
+            </a:r>
+            <a:r>
+              <a:rPr lang="en-US" sz="4000" b="0" dirty="0">
+                <a:solidFill>
+                  <a:srgbClr val="F68212"/>
+                </a:solidFill>
+              </a:rPr>
+              <a:t>(‘</a:t>
+            </a:r>
+            <a:r>
+              <a:rPr lang="en-US" sz="4000" dirty="0">
+                <a:solidFill>
+                  <a:srgbClr val="F68212"/>
+                </a:solidFill>
+              </a:rPr>
+              <a:t>FAIR</a:t>
+            </a:r>
+            <a:r>
+              <a:rPr lang="en-US" sz="4000" b="0" dirty="0">
+                <a:solidFill>
+                  <a:srgbClr val="F68212"/>
+                </a:solidFill>
+              </a:rPr>
+              <a:t> principles’)</a:t>
+            </a:r>
+            <a:r>
+              <a:rPr lang="cs-CZ" sz="4000" b="0" dirty="0">
+                <a:solidFill>
+                  <a:srgbClr val="F68212"/>
+                </a:solidFill>
+              </a:rPr>
+              <a:t> </a:t>
+            </a:r>
+            <a:r>
+              <a:rPr lang="en-US" sz="4000" b="0" dirty="0">
+                <a:solidFill>
+                  <a:srgbClr val="F68212"/>
+                </a:solidFill>
+              </a:rPr>
+              <a:t>[1]</a:t>
             </a:r>
           </a:p>
           <a:p>
             <a:pPr marL="1028700" lvl="1" indent="-571500">
-              <a:lnSpc>
-                <a:spcPct val="120000"/>
-              </a:lnSpc>
-              <a:buFont typeface="Lato" panose="020F0502020204030203" pitchFamily="34" charset="0"/>
-              <a:buChar char="―"/>
-            </a:pPr>
-            <a:r>
-              <a:rPr lang="en-US" sz="4400" b="0" dirty="0">
-                <a:cs typeface="Segoe UI" panose="020B0502040204020203" pitchFamily="34" charset="0"/>
-              </a:rPr>
-              <a:t>protects the data, </a:t>
-            </a:r>
-            <a:endParaRPr lang="cs-CZ" sz="4400" b="0" dirty="0">
-              <a:cs typeface="Segoe UI" panose="020B0502040204020203" pitchFamily="34" charset="0"/>
-            </a:endParaRPr>
-          </a:p>
-          <a:p>
-            <a:pPr marL="1028700" lvl="1" indent="-571500">
-              <a:lnSpc>
-                <a:spcPct val="120000"/>
-              </a:lnSpc>
-              <a:buFont typeface="Lato" panose="020F0502020204030203" pitchFamily="34" charset="0"/>
-              <a:buChar char="―"/>
-            </a:pPr>
-            <a:r>
-              <a:rPr lang="en-US" sz="4400" b="0" dirty="0">
-                <a:cs typeface="Segoe UI" panose="020B0502040204020203" pitchFamily="34" charset="0"/>
-              </a:rPr>
-              <a:t>prevents re-identification</a:t>
-            </a:r>
-            <a:endParaRPr lang="cs-CZ" sz="4400" b="0" dirty="0">
-              <a:cs typeface="Segoe UI" panose="020B0502040204020203" pitchFamily="34" charset="0"/>
-            </a:endParaRPr>
-          </a:p>
-          <a:p>
-            <a:pPr marL="1028700" lvl="1" indent="-571500">
-              <a:lnSpc>
-                <a:spcPct val="120000"/>
-              </a:lnSpc>
-              <a:buFont typeface="Lato" panose="020F0502020204030203" pitchFamily="34" charset="0"/>
-              <a:buChar char="―"/>
-            </a:pPr>
-            <a:endParaRPr lang="en-US" sz="4400" b="0" dirty="0">
-              <a:cs typeface="Segoe UI" panose="020B0502040204020203" pitchFamily="34" charset="0"/>
-            </a:endParaRPr>
-          </a:p>
-          <a:p>
-            <a:pPr marL="571500" indent="-571500">
               <a:lnSpc>
                 <a:spcPct val="120000"/>
               </a:lnSpc>
@@ -2773,92 +2825,9 @@
               <a:buChar char="Ø"/>
             </a:pPr>
             <a:r>
-              <a:rPr lang="en-US" sz="4400" b="1" dirty="0">
-                <a:cs typeface="Segoe UI" panose="020B0502040204020203" pitchFamily="34" charset="0"/>
-              </a:rPr>
-              <a:t>Synthetic data generation</a:t>
-            </a:r>
-          </a:p>
-          <a:p>
-            <a:pPr marL="1028700" lvl="1" indent="-571500">
-              <a:lnSpc>
-                <a:spcPct val="120000"/>
-              </a:lnSpc>
-              <a:buFont typeface="Lato" panose="020F0502020204030203" pitchFamily="34" charset="0"/>
-              <a:buChar char="―"/>
-            </a:pPr>
-            <a:r>
-              <a:rPr lang="en-US" sz="4400" b="0" dirty="0">
-                <a:cs typeface="Segoe UI" panose="020B0502040204020203" pitchFamily="34" charset="0"/>
-              </a:rPr>
-              <a:t>mimics the original data</a:t>
-            </a:r>
-          </a:p>
-          <a:p>
-            <a:pPr marL="1028700" lvl="1" indent="-571500">
-              <a:lnSpc>
-                <a:spcPct val="120000"/>
-              </a:lnSpc>
-              <a:buFont typeface="Lato" panose="020F0502020204030203" pitchFamily="34" charset="0"/>
-              <a:buChar char="―"/>
-            </a:pPr>
-            <a:r>
-              <a:rPr lang="en-US" sz="4400" b="0" dirty="0">
-                <a:cs typeface="Segoe UI" panose="020B0502040204020203" pitchFamily="34" charset="0"/>
-              </a:rPr>
-              <a:t>creates artificial data that can be safely disseminated</a:t>
-            </a:r>
-          </a:p>
-          <a:p>
-            <a:endParaRPr lang="cs-CZ" b="0" dirty="0"/>
-          </a:p>
-          <a:p>
-            <a:pPr>
-              <a:lnSpc>
-                <a:spcPct val="120000"/>
-              </a:lnSpc>
-            </a:pPr>
-            <a:r>
-              <a:rPr lang="en-US" b="1" dirty="0">
-                <a:latin typeface="+mj-lt"/>
-              </a:rPr>
-              <a:t>Open Science, Open Access, Open Data</a:t>
-            </a:r>
-            <a:endParaRPr lang="cs-CZ" b="1" dirty="0">
-              <a:latin typeface="+mj-lt"/>
-            </a:endParaRPr>
-          </a:p>
-          <a:p>
-            <a:pPr>
-              <a:lnSpc>
-                <a:spcPct val="120000"/>
-              </a:lnSpc>
-            </a:pPr>
-            <a:endParaRPr lang="cs-CZ" sz="4400" dirty="0"/>
-          </a:p>
-          <a:p>
-            <a:pPr>
-              <a:lnSpc>
-                <a:spcPct val="120000"/>
-              </a:lnSpc>
-            </a:pPr>
-            <a:endParaRPr lang="en-US" sz="4400" b="1" dirty="0"/>
-          </a:p>
-          <a:p>
-            <a:pPr>
-              <a:lnSpc>
-                <a:spcPct val="120000"/>
-              </a:lnSpc>
-            </a:pPr>
-            <a:r>
-              <a:rPr lang="en-US" sz="4800" b="0" dirty="0"/>
-              <a:t>Research data that results from publicly funded research </a:t>
-            </a:r>
-            <a:r>
-              <a:rPr lang="en-US" sz="4800" b="0" noProof="1"/>
-              <a:t>should be</a:t>
-            </a:r>
-            <a:endParaRPr lang="cs-CZ" b="0" dirty="0"/>
+              <a:rPr lang="en-US" sz="4000" b="0" dirty="0"/>
+              <a:t>therefore replicable, transparent, trustworthy</a:t>
+            </a:r>
           </a:p>
           <a:p>
             <a:pPr marL="1028700" lvl="1" indent="-571500">
@@ -2869,67 +2838,23 @@
               <a:buChar char="Ø"/>
             </a:pPr>
             <a:r>
-              <a:rPr lang="en-US" sz="4800" dirty="0"/>
-              <a:t>Findable, Accessible, Interoperable, Reusable </a:t>
-            </a:r>
-            <a:r>
-              <a:rPr lang="en-US" sz="4800" b="0" dirty="0"/>
-              <a:t>(‘</a:t>
-            </a:r>
-            <a:r>
-              <a:rPr lang="en-US" sz="4800" dirty="0"/>
-              <a:t>FAIR</a:t>
-            </a:r>
-            <a:r>
-              <a:rPr lang="en-US" sz="4800" b="0" dirty="0"/>
-              <a:t> principles’)</a:t>
-            </a:r>
-          </a:p>
-          <a:p>
-            <a:pPr marL="1028700" lvl="1" indent="-571500">
-              <a:lnSpc>
-                <a:spcPct val="120000"/>
-              </a:lnSpc>
-              <a:buFont typeface="Wingdings" panose="05000000000000000000" pitchFamily="2" charset="2"/>
-              <a:buChar char="Ø"/>
-            </a:pPr>
-            <a:r>
-              <a:rPr lang="en-US" sz="4800" b="0" dirty="0"/>
-              <a:t>therefore replicable, transparent, trustworthy</a:t>
-            </a:r>
-          </a:p>
-          <a:p>
-            <a:pPr marL="1028700" lvl="1" indent="-571500">
-              <a:lnSpc>
-                <a:spcPct val="120000"/>
-              </a:lnSpc>
-              <a:buFont typeface="Wingdings" panose="05000000000000000000" pitchFamily="2" charset="2"/>
-              <a:buChar char="Ø"/>
-            </a:pPr>
-            <a:r>
-              <a:rPr lang="en-US" sz="4800" dirty="0"/>
+              <a:rPr lang="en-US" sz="4000" dirty="0">
+                <a:solidFill>
+                  <a:srgbClr val="F68212"/>
+                </a:solidFill>
+              </a:rPr>
               <a:t>As open as possible, as closed as necessary</a:t>
             </a:r>
-            <a:endParaRPr lang="cs-CZ" sz="4800" dirty="0"/>
-          </a:p>
-          <a:p>
-            <a:pPr marL="457200" lvl="1" indent="0">
+          </a:p>
+          <a:p>
+            <a:pPr marL="0" lvl="1" indent="0">
               <a:lnSpc>
                 <a:spcPct val="120000"/>
               </a:lnSpc>
               <a:buNone/>
             </a:pPr>
-            <a:endParaRPr lang="en-US" sz="4800" dirty="0"/>
-          </a:p>
-          <a:p>
-            <a:pPr marL="0" lvl="1" indent="0">
-              <a:lnSpc>
-                <a:spcPct val="120000"/>
-              </a:lnSpc>
-              <a:buNone/>
-            </a:pPr>
-            <a:r>
-              <a:rPr lang="en-US" sz="4800" b="0" dirty="0">
+            <a:r>
+              <a:rPr lang="en-US" sz="4000" b="0" dirty="0">
                 <a:solidFill>
                   <a:schemeClr val="accent1">
                     <a:lumMod val="60000"/>
@@ -2946,6 +2871,189 @@
               </a:rPr>
               <a:t>Commission Recommendation (EU) 2018/790 on access to and preservation of scientific information</a:t>
             </a:r>
+            <a:endParaRPr lang="cs-CZ" sz="4000" b="0" dirty="0">
+              <a:solidFill>
+                <a:schemeClr val="accent1">
+                  <a:lumMod val="60000"/>
+                  <a:lumOff val="40000"/>
+                </a:schemeClr>
+              </a:solidFill>
+            </a:endParaRPr>
+          </a:p>
+          <a:p>
+            <a:pPr marL="0" lvl="1" indent="0">
+              <a:lnSpc>
+                <a:spcPct val="120000"/>
+              </a:lnSpc>
+              <a:buNone/>
+            </a:pPr>
+            <a:endParaRPr lang="en-US" sz="4000" b="0" dirty="0">
+              <a:solidFill>
+                <a:schemeClr val="accent1">
+                  <a:lumMod val="60000"/>
+                  <a:lumOff val="40000"/>
+                </a:schemeClr>
+              </a:solidFill>
+            </a:endParaRPr>
+          </a:p>
+          <a:p>
+            <a:pPr marL="0" lvl="1" indent="0">
+              <a:lnSpc>
+                <a:spcPct val="120000"/>
+              </a:lnSpc>
+              <a:buNone/>
+            </a:pPr>
+            <a:r>
+              <a:rPr lang="en-US" dirty="0"/>
+              <a:t>2. METHODOLOGY</a:t>
+            </a:r>
+          </a:p>
+          <a:p>
+            <a:pPr marL="0" lvl="1" indent="0">
+              <a:lnSpc>
+                <a:spcPct val="120000"/>
+              </a:lnSpc>
+              <a:buNone/>
+            </a:pPr>
+            <a:r>
+              <a:rPr lang="en-US" sz="4000" b="0" dirty="0"/>
+              <a:t>A key concern with the disclosure of personal data is whether an attacker can gain any new information about an individual.</a:t>
+            </a:r>
+            <a:r>
+              <a:rPr lang="cs-CZ" sz="4000" b="0" dirty="0"/>
+              <a:t> </a:t>
+            </a:r>
+            <a:r>
+              <a:rPr lang="en-US" sz="4000" b="0" dirty="0"/>
+              <a:t>To enable dissemination and, therefore, to open data, researchers may use methods of</a:t>
+            </a:r>
+            <a:r>
+              <a:rPr lang="cs-CZ" sz="4000" b="0" dirty="0"/>
+              <a:t> </a:t>
+            </a:r>
+            <a:r>
+              <a:rPr lang="en-US" sz="4000" dirty="0"/>
+              <a:t>Statistical Disclosure Control (SDC) </a:t>
+            </a:r>
+            <a:r>
+              <a:rPr lang="en-US" sz="4000" b="0" dirty="0"/>
+              <a:t>[2]</a:t>
+            </a:r>
+            <a:endParaRPr lang="cs-CZ" sz="4000" b="0" dirty="0">
+              <a:solidFill>
+                <a:schemeClr val="accent1">
+                  <a:lumMod val="60000"/>
+                  <a:lumOff val="40000"/>
+                </a:schemeClr>
+              </a:solidFill>
+            </a:endParaRPr>
+          </a:p>
+          <a:p>
+            <a:pPr marL="571500" indent="-571500">
+              <a:lnSpc>
+                <a:spcPct val="120000"/>
+              </a:lnSpc>
+              <a:buFont typeface="Wingdings" panose="05000000000000000000" pitchFamily="2" charset="2"/>
+              <a:buChar char="Ø"/>
+            </a:pPr>
+            <a:r>
+              <a:rPr lang="en-US" sz="4000" b="1" dirty="0">
+                <a:cs typeface="Segoe UI" panose="020B0502040204020203" pitchFamily="34" charset="0"/>
+              </a:rPr>
+              <a:t>SDC</a:t>
+            </a:r>
+            <a:r>
+              <a:rPr lang="cs-CZ" sz="4000" dirty="0">
+                <a:cs typeface="Segoe UI" panose="020B0502040204020203" pitchFamily="34" charset="0"/>
+              </a:rPr>
+              <a:t> </a:t>
+            </a:r>
+            <a:r>
+              <a:rPr lang="en-US" sz="4000" b="0" dirty="0">
+                <a:cs typeface="Segoe UI" panose="020B0502040204020203" pitchFamily="34" charset="0"/>
+              </a:rPr>
+              <a:t>is traditional approach to protecting</a:t>
+            </a:r>
+            <a:r>
+              <a:rPr lang="cs-CZ" sz="4000" b="0" dirty="0">
+                <a:cs typeface="Segoe UI" panose="020B0502040204020203" pitchFamily="34" charset="0"/>
+              </a:rPr>
+              <a:t> </a:t>
+            </a:r>
+            <a:r>
+              <a:rPr lang="en-US" sz="4000" b="0" dirty="0">
+                <a:cs typeface="Segoe UI" panose="020B0502040204020203" pitchFamily="34" charset="0"/>
+              </a:rPr>
+              <a:t>outputs against re-identification</a:t>
+            </a:r>
+          </a:p>
+          <a:p>
+            <a:pPr marL="1028700" lvl="1" indent="-571500">
+              <a:lnSpc>
+                <a:spcPct val="120000"/>
+              </a:lnSpc>
+              <a:buFont typeface="Lato" panose="020F0502020204030203" pitchFamily="34" charset="0"/>
+              <a:buChar char="―"/>
+            </a:pPr>
+            <a:r>
+              <a:rPr lang="en-US" sz="4000" b="0" dirty="0">
+                <a:cs typeface="Segoe UI" panose="020B0502040204020203" pitchFamily="34" charset="0"/>
+              </a:rPr>
+              <a:t> </a:t>
+            </a:r>
+            <a:r>
+              <a:rPr lang="en-US" sz="4000" dirty="0">
+                <a:cs typeface="Segoe UI" panose="020B0502040204020203" pitchFamily="34" charset="0"/>
+              </a:rPr>
+              <a:t>Non-perturbation methods</a:t>
+            </a:r>
+            <a:r>
+              <a:rPr lang="cs-CZ" sz="4000" dirty="0">
+                <a:cs typeface="Segoe UI" panose="020B0502040204020203" pitchFamily="34" charset="0"/>
+              </a:rPr>
+              <a:t> </a:t>
+            </a:r>
+            <a:r>
+              <a:rPr lang="en-US" sz="4000" dirty="0">
+                <a:cs typeface="Segoe UI" panose="020B0502040204020203" pitchFamily="34" charset="0"/>
+              </a:rPr>
+              <a:t> </a:t>
+            </a:r>
+            <a:r>
+              <a:rPr lang="en-US" sz="4000" b="0" dirty="0">
+                <a:cs typeface="Segoe UI" panose="020B0502040204020203" pitchFamily="34" charset="0"/>
+              </a:rPr>
+              <a:t>(reduce provided information)</a:t>
+            </a:r>
+            <a:endParaRPr lang="cs-CZ" sz="4000" b="0" dirty="0">
+              <a:cs typeface="Segoe UI" panose="020B0502040204020203" pitchFamily="34" charset="0"/>
+            </a:endParaRPr>
+          </a:p>
+          <a:p>
+            <a:pPr marL="1532700" lvl="3" indent="-571500">
+              <a:lnSpc>
+                <a:spcPct val="120000"/>
+              </a:lnSpc>
+              <a:buFont typeface="Lato" panose="020F0502020204030203" pitchFamily="34" charset="0"/>
+              <a:buChar char="―"/>
+            </a:pPr>
+            <a:r>
+              <a:rPr lang="en-US" sz="4000" b="0" dirty="0">
+                <a:cs typeface="Segoe UI" panose="020B0502040204020203" pitchFamily="34" charset="0"/>
+              </a:rPr>
+              <a:t>prevents re-identification</a:t>
+            </a:r>
+            <a:endParaRPr lang="cs-CZ" sz="4000" b="0" dirty="0">
+              <a:cs typeface="Segoe UI" panose="020B0502040204020203" pitchFamily="34" charset="0"/>
+            </a:endParaRPr>
+          </a:p>
+          <a:p>
+            <a:pPr marL="0" lvl="1" indent="0">
+              <a:lnSpc>
+                <a:spcPct val="120000"/>
+              </a:lnSpc>
+              <a:buNone/>
+            </a:pPr>
             <a:endParaRPr lang="en-GB" dirty="0"/>
           </a:p>
         </p:txBody>
@@ -4846,8 +4954,8 @@
         </p:nvSpPr>
         <p:spPr>
           <a:xfrm>
-            <a:off x="20407149" y="31397163"/>
-            <a:ext cx="8928000" cy="5378177"/>
+            <a:off x="20407149" y="36451553"/>
+            <a:ext cx="8928000" cy="2619516"/>
           </a:xfrm>
           <a:prstGeom prst="rect">
             <a:avLst/>
@@ -5021,127 +5129,6 @@
               </a:defRPr>
             </a:lvl9pPr>
           </a:lstStyle>
-          <a:p>
-            <a:pPr>
-              <a:lnSpc>
-                <a:spcPct val="97000"/>
-              </a:lnSpc>
-            </a:pPr>
-            <a:r>
-              <a:rPr lang="en-GB" b="1" dirty="0"/>
-              <a:t>Authors (30 Pt. bold)</a:t>
-            </a:r>
-          </a:p>
-          <a:p>
-            <a:pPr>
-              <a:lnSpc>
-                <a:spcPct val="97000"/>
-              </a:lnSpc>
-            </a:pPr>
-            <a:r>
-              <a:rPr lang="en-GB" dirty="0"/>
-              <a:t>Author 1, Author 2, Author 3</a:t>
-            </a:r>
-          </a:p>
-          <a:p>
-            <a:pPr>
-              <a:lnSpc>
-                <a:spcPct val="97000"/>
-              </a:lnSpc>
-            </a:pPr>
-            <a:r>
-              <a:rPr lang="en-GB" dirty="0"/>
-              <a:t>1 University unit</a:t>
-            </a:r>
-          </a:p>
-          <a:p>
-            <a:pPr>
-              <a:lnSpc>
-                <a:spcPct val="97000"/>
-              </a:lnSpc>
-            </a:pPr>
-            <a:r>
-              <a:rPr lang="en-GB" dirty="0"/>
-              <a:t>2 University unit</a:t>
-            </a:r>
-          </a:p>
-          <a:p>
-            <a:pPr>
-              <a:lnSpc>
-                <a:spcPct val="97000"/>
-              </a:lnSpc>
-            </a:pPr>
-            <a:endParaRPr lang="en-GB" dirty="0"/>
-          </a:p>
-          <a:p>
-            <a:pPr>
-              <a:lnSpc>
-                <a:spcPct val="97000"/>
-              </a:lnSpc>
-              <a:spcBef>
-                <a:spcPts val="600"/>
-              </a:spcBef>
-            </a:pPr>
-            <a:r>
-              <a:rPr lang="en-GB" b="1" dirty="0"/>
-              <a:t>Contact (30 Pt. bold)</a:t>
-            </a:r>
-          </a:p>
-          <a:p>
-            <a:pPr>
-              <a:lnSpc>
-                <a:spcPct val="97000"/>
-              </a:lnSpc>
-            </a:pPr>
-            <a:r>
-              <a:rPr lang="en-GB" dirty="0"/>
-              <a:t>First name Surname</a:t>
-            </a:r>
-          </a:p>
-          <a:p>
-            <a:pPr>
-              <a:lnSpc>
-                <a:spcPct val="97000"/>
-              </a:lnSpc>
-            </a:pPr>
-            <a:r>
-              <a:rPr lang="en-GB" dirty="0"/>
-              <a:t>Position</a:t>
-            </a:r>
-          </a:p>
-          <a:p>
-            <a:pPr>
-              <a:lnSpc>
-                <a:spcPct val="97000"/>
-              </a:lnSpc>
-            </a:pPr>
-            <a:r>
-              <a:rPr lang="en-GB" dirty="0"/>
-              <a:t>+00 00 000 00 00</a:t>
-            </a:r>
-          </a:p>
-          <a:p>
-            <a:pPr>
-              <a:lnSpc>
-                <a:spcPct val="97000"/>
-              </a:lnSpc>
-            </a:pPr>
-            <a:r>
-              <a:rPr lang="en-GB" dirty="0">
-                <a:hlinkClick r:id="rId3"/>
-              </a:rPr>
-              <a:t>mail@adresse.ch</a:t>
-            </a:r>
-            <a:endParaRPr lang="cs-CZ" dirty="0"/>
-          </a:p>
-          <a:p>
-            <a:pPr>
-              <a:lnSpc>
-                <a:spcPct val="97000"/>
-              </a:lnSpc>
-            </a:pPr>
-            <a:endParaRPr lang="cs-CZ" dirty="0"/>
-          </a:p>
           <a:p>
             <a:pPr>
               <a:lnSpc>
@@ -5213,7 +5200,7 @@
           <p:nvPr/>
         </p:nvPicPr>
         <p:blipFill rotWithShape="1">
-          <a:blip r:embed="rId4" cstate="print">
+          <a:blip r:embed="rId3" cstate="print">
             <a:extLst>
               <a:ext uri="{28A0092B-C50C-407E-A947-70E740481C1C}">
                 <a14:useLocalDpi xmlns:a14="http://schemas.microsoft.com/office/drawing/2010/main" val="0"/>
@@ -5248,7 +5235,7 @@
           <p:nvPr/>
         </p:nvPicPr>
         <p:blipFill rotWithShape="1">
-          <a:blip r:embed="rId5" cstate="print">
+          <a:blip r:embed="rId4" cstate="print">
             <a:extLst>
               <a:ext uri="{28A0092B-C50C-407E-A947-70E740481C1C}">
                 <a14:useLocalDpi xmlns:a14="http://schemas.microsoft.com/office/drawing/2010/main" val="0"/>
@@ -5283,7 +5270,7 @@
           <p:nvPr/>
         </p:nvPicPr>
         <p:blipFill>
-          <a:blip r:embed="rId6" cstate="print">
+          <a:blip r:embed="rId5" cstate="print">
             <a:extLst>
               <a:ext uri="{28A0092B-C50C-407E-A947-70E740481C1C}">
                 <a14:useLocalDpi xmlns:a14="http://schemas.microsoft.com/office/drawing/2010/main" val="0"/>
@@ -5319,7 +5306,7 @@
           <p:nvPr/>
         </p:nvPicPr>
         <p:blipFill rotWithShape="1">
-          <a:blip r:embed="rId7" cstate="print">
+          <a:blip r:embed="rId6" cstate="print">
             <a:extLst>
               <a:ext uri="{28A0092B-C50C-407E-A947-70E740481C1C}">
                 <a14:useLocalDpi xmlns:a14="http://schemas.microsoft.com/office/drawing/2010/main" val="0"/>
@@ -5556,7 +5543,7 @@
           <p:nvPr/>
         </p:nvPicPr>
         <p:blipFill rotWithShape="1">
-          <a:blip r:embed="rId8">
+          <a:blip r:embed="rId7">
             <a:extLst>
               <a:ext uri="{28A0092B-C50C-407E-A947-70E740481C1C}">
                 <a14:useLocalDpi xmlns:a14="http://schemas.microsoft.com/office/drawing/2010/main" val="0"/>
@@ -5601,7 +5588,7 @@
           <p:nvPr/>
         </p:nvPicPr>
         <p:blipFill>
-          <a:blip r:embed="rId9" cstate="print">
+          <a:blip r:embed="rId8" cstate="print">
             <a:extLst>
               <a:ext uri="{28A0092B-C50C-407E-A947-70E740481C1C}">
                 <a14:useLocalDpi xmlns:a14="http://schemas.microsoft.com/office/drawing/2010/main" val="0"/>
@@ -5637,7 +5624,7 @@
           <p:nvPr/>
         </p:nvPicPr>
         <p:blipFill>
-          <a:blip r:embed="rId10" cstate="print">
+          <a:blip r:embed="rId9" cstate="print">
             <a:extLst>
               <a:ext uri="{28A0092B-C50C-407E-A947-70E740481C1C}">
                 <a14:useLocalDpi xmlns:a14="http://schemas.microsoft.com/office/drawing/2010/main" val="0"/>
@@ -5650,7 +5637,7 @@
         </p:blipFill>
         <p:spPr>
           <a:xfrm>
-            <a:off x="7703641" y="28688588"/>
+            <a:off x="8064538" y="19808641"/>
             <a:ext cx="1253808" cy="1221598"/>
           </a:xfrm>
           <a:prstGeom prst="rect">
@@ -5673,7 +5660,7 @@
           <p:nvPr/>
         </p:nvPicPr>
         <p:blipFill>
-          <a:blip r:embed="rId11" cstate="print">
+          <a:blip r:embed="rId10" cstate="print">
             <a:extLst>
               <a:ext uri="{28A0092B-C50C-407E-A947-70E740481C1C}">
                 <a14:useLocalDpi xmlns:a14="http://schemas.microsoft.com/office/drawing/2010/main" val="0"/>
@@ -5686,7 +5673,7 @@
         </p:blipFill>
         <p:spPr>
           <a:xfrm>
-            <a:off x="1046932" y="28576281"/>
+            <a:off x="1407829" y="19696334"/>
             <a:ext cx="1599210" cy="1599210"/>
           </a:xfrm>
           <a:prstGeom prst="rect">
@@ -5709,7 +5696,7 @@
           <p:nvPr/>
         </p:nvPicPr>
         <p:blipFill rotWithShape="1">
-          <a:blip r:embed="rId12" cstate="print">
+          <a:blip r:embed="rId11" cstate="print">
             <a:extLst>
               <a:ext uri="{28A0092B-C50C-407E-A947-70E740481C1C}">
                 <a14:useLocalDpi xmlns:a14="http://schemas.microsoft.com/office/drawing/2010/main" val="0"/>
@@ -5721,7 +5708,7 @@
         </p:blipFill>
         <p:spPr>
           <a:xfrm>
-            <a:off x="4288593" y="28810307"/>
+            <a:off x="4649490" y="19930360"/>
             <a:ext cx="1936941" cy="1063623"/>
           </a:xfrm>
           <a:prstGeom prst="rect">
@@ -5744,7 +5731,7 @@
           <p:nvPr/>
         </p:nvPicPr>
         <p:blipFill>
-          <a:blip r:embed="rId13"/>
+          <a:blip r:embed="rId12"/>
           <a:stretch>
             <a:fillRect/>
           </a:stretch>
@@ -5765,6 +5752,272 @@
           </a:ln>
         </p:spPr>
       </p:pic>
+      <p:sp>
+        <p:nvSpPr>
+          <p:cNvPr id="2" name="Inhaltsplatzhalter 5">
+            <a:extLst>
+              <a:ext uri="{FF2B5EF4-FFF2-40B4-BE49-F238E27FC236}">
+                <a16:creationId xmlns:a16="http://schemas.microsoft.com/office/drawing/2014/main" id="{E5F1AAFF-B0E9-FDF6-5E79-8288B6C5C0C1}"/>
+              </a:ext>
+            </a:extLst>
+          </p:cNvPr>
+          <p:cNvSpPr txBox="1">
+            <a:spLocks/>
+          </p:cNvSpPr>
+          <p:nvPr/>
+        </p:nvSpPr>
+        <p:spPr>
+          <a:xfrm>
+            <a:off x="20407149" y="32208004"/>
+            <a:ext cx="8928000" cy="3829639"/>
+          </a:xfrm>
+          <a:prstGeom prst="rect">
+            <a:avLst/>
+          </a:prstGeom>
+        </p:spPr>
+        <p:txBody>
+          <a:bodyPr vert="horz" lIns="0" tIns="0" rIns="0" bIns="0" numCol="1" spcCol="0" rtlCol="0">
+            <a:noAutofit/>
+          </a:bodyPr>
+          <a:lstStyle>
+            <a:lvl1pPr marL="0" indent="0" algn="l" defTabSz="914400" rtl="0" eaLnBrk="1" latinLnBrk="0" hangingPunct="1">
+              <a:lnSpc>
+                <a:spcPct val="100000"/>
+              </a:lnSpc>
+              <a:spcBef>
+                <a:spcPts val="0"/>
+              </a:spcBef>
+              <a:buFont typeface="+mj-lt"/>
+              <a:buNone/>
+              <a:defRPr sz="3000" b="0" kern="1200">
+                <a:solidFill>
+                  <a:schemeClr val="tx1"/>
+                </a:solidFill>
+                <a:latin typeface="+mn-lt"/>
+                <a:ea typeface="+mn-ea"/>
+                <a:cs typeface="+mn-cs"/>
+              </a:defRPr>
+            </a:lvl1pPr>
+            <a:lvl2pPr marL="174625" indent="-174625" algn="l" defTabSz="914400" rtl="0" eaLnBrk="1" latinLnBrk="0" hangingPunct="1">
+              <a:lnSpc>
+                <a:spcPct val="100000"/>
+              </a:lnSpc>
+              <a:spcBef>
+                <a:spcPts val="0"/>
+              </a:spcBef>
+              <a:buFont typeface="Arial" panose="020B0604020202020204" pitchFamily="34" charset="0"/>
+              <a:buChar char="•"/>
+              <a:defRPr sz="4800" b="1" kern="1200">
+                <a:solidFill>
+                  <a:schemeClr val="tx1"/>
+                </a:solidFill>
+                <a:latin typeface="+mn-lt"/>
+                <a:ea typeface="+mn-ea"/>
+                <a:cs typeface="+mn-cs"/>
+              </a:defRPr>
+            </a:lvl2pPr>
+            <a:lvl3pPr marL="360363" indent="-185738" algn="l" defTabSz="914400" rtl="0" eaLnBrk="1" latinLnBrk="0" hangingPunct="1">
+              <a:lnSpc>
+                <a:spcPct val="100000"/>
+              </a:lnSpc>
+              <a:spcBef>
+                <a:spcPts val="0"/>
+              </a:spcBef>
+              <a:buFont typeface="Arial" panose="020B0604020202020204" pitchFamily="34" charset="0"/>
+              <a:buChar char="•"/>
+              <a:defRPr sz="4800" b="1" kern="1200">
+                <a:solidFill>
+                  <a:schemeClr val="tx1"/>
+                </a:solidFill>
+                <a:latin typeface="+mn-lt"/>
+                <a:ea typeface="+mn-ea"/>
+                <a:cs typeface="+mn-cs"/>
+              </a:defRPr>
+            </a:lvl3pPr>
+            <a:lvl4pPr marL="534988" indent="-174625" algn="l" defTabSz="914400" rtl="0" eaLnBrk="1" latinLnBrk="0" hangingPunct="1">
+              <a:lnSpc>
+                <a:spcPct val="100000"/>
+              </a:lnSpc>
+              <a:spcBef>
+                <a:spcPts val="0"/>
+              </a:spcBef>
+              <a:buFont typeface="Arial" panose="020B0604020202020204" pitchFamily="34" charset="0"/>
+              <a:buChar char="•"/>
+              <a:defRPr sz="4800" b="1" kern="1200">
+                <a:solidFill>
+                  <a:schemeClr val="tx1"/>
+                </a:solidFill>
+                <a:latin typeface="+mn-lt"/>
+                <a:ea typeface="+mn-ea"/>
+                <a:cs typeface="+mn-cs"/>
+              </a:defRPr>
+            </a:lvl4pPr>
+            <a:lvl5pPr marL="719138" indent="-184150" algn="l" defTabSz="914400" rtl="0" eaLnBrk="1" latinLnBrk="0" hangingPunct="1">
+              <a:lnSpc>
+                <a:spcPct val="100000"/>
+              </a:lnSpc>
+              <a:spcBef>
+                <a:spcPts val="0"/>
+              </a:spcBef>
+              <a:buFont typeface="Arial" panose="020B0604020202020204" pitchFamily="34" charset="0"/>
+              <a:buChar char="•"/>
+              <a:defRPr sz="4800" b="1" kern="1200">
+                <a:solidFill>
+                  <a:schemeClr val="tx1"/>
+                </a:solidFill>
+                <a:latin typeface="+mn-lt"/>
+                <a:ea typeface="+mn-ea"/>
+                <a:cs typeface="+mn-cs"/>
+              </a:defRPr>
+            </a:lvl5pPr>
+            <a:lvl6pPr marL="2514600" indent="-228600" algn="l" defTabSz="914400" rtl="0" eaLnBrk="1" latinLnBrk="0" hangingPunct="1">
+              <a:lnSpc>
+                <a:spcPct val="90000"/>
+              </a:lnSpc>
+              <a:spcBef>
+                <a:spcPts val="500"/>
+              </a:spcBef>
+              <a:buFont typeface="Arial" panose="020B0604020202020204" pitchFamily="34" charset="0"/>
+              <a:buChar char="•"/>
+              <a:defRPr sz="1800" kern="1200">
+                <a:solidFill>
+                  <a:schemeClr val="tx1"/>
+                </a:solidFill>
+                <a:latin typeface="+mn-lt"/>
+                <a:ea typeface="+mn-ea"/>
+                <a:cs typeface="+mn-cs"/>
+              </a:defRPr>
+            </a:lvl6pPr>
+            <a:lvl7pPr marL="2971800" indent="-228600" algn="l" defTabSz="914400" rtl="0" eaLnBrk="1" latinLnBrk="0" hangingPunct="1">
+              <a:lnSpc>
+                <a:spcPct val="90000"/>
+              </a:lnSpc>
+              <a:spcBef>
+                <a:spcPts val="500"/>
+              </a:spcBef>
+              <a:buFont typeface="Arial" panose="020B0604020202020204" pitchFamily="34" charset="0"/>
+              <a:buChar char="•"/>
+              <a:defRPr sz="1800" kern="1200">
+                <a:solidFill>
+                  <a:schemeClr val="tx1"/>
+                </a:solidFill>
+                <a:latin typeface="+mn-lt"/>
+                <a:ea typeface="+mn-ea"/>
+                <a:cs typeface="+mn-cs"/>
+              </a:defRPr>
+            </a:lvl7pPr>
+            <a:lvl8pPr marL="3429000" indent="-228600" algn="l" defTabSz="914400" rtl="0" eaLnBrk="1" latinLnBrk="0" hangingPunct="1">
+              <a:lnSpc>
+                <a:spcPct val="90000"/>
+              </a:lnSpc>
+              <a:spcBef>
+                <a:spcPts val="500"/>
+              </a:spcBef>
+              <a:buFont typeface="Arial" panose="020B0604020202020204" pitchFamily="34" charset="0"/>
+              <a:buChar char="•"/>
+              <a:defRPr sz="1800" kern="1200">
+                <a:solidFill>
+                  <a:schemeClr val="tx1"/>
+                </a:solidFill>
+                <a:latin typeface="+mn-lt"/>
+                <a:ea typeface="+mn-ea"/>
+                <a:cs typeface="+mn-cs"/>
+              </a:defRPr>
+            </a:lvl8pPr>
+            <a:lvl9pPr marL="3886200" indent="-228600" algn="l" defTabSz="914400" rtl="0" eaLnBrk="1" latinLnBrk="0" hangingPunct="1">
+              <a:lnSpc>
+                <a:spcPct val="90000"/>
+              </a:lnSpc>
+              <a:spcBef>
+                <a:spcPts val="500"/>
+              </a:spcBef>
+              <a:buFont typeface="Arial" panose="020B0604020202020204" pitchFamily="34" charset="0"/>
+              <a:buChar char="•"/>
+              <a:defRPr sz="1800" kern="1200">
+                <a:solidFill>
+                  <a:schemeClr val="tx1"/>
+                </a:solidFill>
+                <a:latin typeface="+mn-lt"/>
+                <a:ea typeface="+mn-ea"/>
+                <a:cs typeface="+mn-cs"/>
+              </a:defRPr>
+            </a:lvl9pPr>
+          </a:lstStyle>
+          <a:p>
+            <a:pPr>
+              <a:lnSpc>
+                <a:spcPct val="97000"/>
+              </a:lnSpc>
+            </a:pPr>
+            <a:r>
+              <a:rPr lang="en-GB" sz="4800" b="1" dirty="0"/>
+              <a:t>References</a:t>
+            </a:r>
+            <a:endParaRPr lang="cs-CZ" sz="4800" b="1" dirty="0"/>
+          </a:p>
+          <a:p>
+            <a:pPr>
+              <a:lnSpc>
+                <a:spcPct val="97000"/>
+              </a:lnSpc>
+            </a:pPr>
+            <a:r>
+              <a:rPr lang="en-US" dirty="0"/>
+              <a:t>[1] European University Association. The European University Association Open</a:t>
+            </a:r>
+          </a:p>
+          <a:p>
+            <a:pPr>
+              <a:lnSpc>
+                <a:spcPct val="97000"/>
+              </a:lnSpc>
+            </a:pPr>
+            <a:r>
+              <a:rPr lang="en-US" dirty="0"/>
+              <a:t>Science Agenda 2025, 2022.</a:t>
+            </a:r>
+          </a:p>
+          <a:p>
+            <a:pPr>
+              <a:lnSpc>
+                <a:spcPct val="97000"/>
+              </a:lnSpc>
+            </a:pPr>
+            <a:r>
+              <a:rPr lang="en-US" dirty="0"/>
+              <a:t>[2] </a:t>
+            </a:r>
+            <a:r>
+              <a:rPr lang="en-US" dirty="0" err="1"/>
+              <a:t>Anco</a:t>
+            </a:r>
+            <a:r>
+              <a:rPr lang="en-US" dirty="0"/>
+              <a:t> </a:t>
+            </a:r>
+            <a:r>
+              <a:rPr lang="en-US" dirty="0" err="1"/>
+              <a:t>Hundepool</a:t>
+            </a:r>
+            <a:r>
+              <a:rPr lang="en-US" dirty="0"/>
+              <a:t>. Statistical disclosure control. Wiley series in survey</a:t>
+            </a:r>
+          </a:p>
+          <a:p>
+            <a:pPr>
+              <a:lnSpc>
+                <a:spcPct val="97000"/>
+              </a:lnSpc>
+            </a:pPr>
+            <a:r>
+              <a:rPr lang="en-US" dirty="0"/>
+              <a:t>methodology. Wiley, Chichester, West Sussex, United Kingdom, 2012</a:t>
+            </a:r>
+            <a:endParaRPr lang="en-GB" dirty="0"/>
+          </a:p>
+        </p:txBody>
+      </p:sp>
     </p:spTree>
     <p:extLst>
       <p:ext uri="{BB962C8B-B14F-4D97-AF65-F5344CB8AC3E}">
@@ -6566,6 +6819,17 @@
 </file>
 
 <file path=customXml/item1.xml><?xml version="1.0" encoding="utf-8"?>
+<p:properties xmlns:p="http://schemas.microsoft.com/office/2006/metadata/properties" xmlns:xsi="http://www.w3.org/2001/XMLSchema-instance" xmlns:pc="http://schemas.microsoft.com/office/infopath/2007/PartnerControls">
+  <documentManagement>
+    <TaxCatchAll xmlns="bc24777f-78b6-4f3c-a73a-d5fa08e4d537" xsi:nil="true"/>
+    <lcf76f155ced4ddcb4097134ff3c332f xmlns="c9077d15-72ed-4fec-bcfe-3472729e9195">
+      <Terms xmlns="http://schemas.microsoft.com/office/infopath/2007/PartnerControls"/>
+    </lcf76f155ced4ddcb4097134ff3c332f>
+  </documentManagement>
+</p:properties>
+</file>
+
+<file path=customXml/item2.xml><?xml version="1.0" encoding="utf-8"?>
 <ct:contentTypeSchema xmlns:ct="http://schemas.microsoft.com/office/2006/metadata/contentType" xmlns:ma="http://schemas.microsoft.com/office/2006/metadata/properties/metaAttributes" ct:_="" ma:_="" ma:contentTypeName="Dokument" ma:contentTypeID="0x0101000E594130A2AF244FBF3F304D904ED593" ma:contentTypeVersion="18" ma:contentTypeDescription="Ein neues Dokument erstellen." ma:contentTypeScope="" ma:versionID="9c227ad3ab8d826471e210bb857ebfda">
   <xsd:schema xmlns:xsd="http://www.w3.org/2001/XMLSchema" xmlns:xs="http://www.w3.org/2001/XMLSchema" xmlns:p="http://schemas.microsoft.com/office/2006/metadata/properties" xmlns:ns2="c9077d15-72ed-4fec-bcfe-3472729e9195" xmlns:ns3="bc24777f-78b6-4f3c-a73a-d5fa08e4d537" targetNamespace="http://schemas.microsoft.com/office/2006/metadata/properties" ma:root="true" ma:fieldsID="2a0acd45fe6cc66a06723547185abeb0" ns2:_="" ns3:_="">
     <xsd:import namespace="c9077d15-72ed-4fec-bcfe-3472729e9195"/>
@@ -6820,17 +7084,6 @@
 </ct:contentTypeSchema>
 </file>
 
-<file path=customXml/item2.xml><?xml version="1.0" encoding="utf-8"?>
-<p:properties xmlns:p="http://schemas.microsoft.com/office/2006/metadata/properties" xmlns:xsi="http://www.w3.org/2001/XMLSchema-instance" xmlns:pc="http://schemas.microsoft.com/office/infopath/2007/PartnerControls">
-  <documentManagement>
-    <TaxCatchAll xmlns="bc24777f-78b6-4f3c-a73a-d5fa08e4d537" xsi:nil="true"/>
-    <lcf76f155ced4ddcb4097134ff3c332f xmlns="c9077d15-72ed-4fec-bcfe-3472729e9195">
-      <Terms xmlns="http://schemas.microsoft.com/office/infopath/2007/PartnerControls"/>
-    </lcf76f155ced4ddcb4097134ff3c332f>
-  </documentManagement>
-</p:properties>
-</file>
-
 <file path=customXml/item3.xml><?xml version="1.0" encoding="utf-8"?>
 <?mso-contentType ?>
 <FormTemplates xmlns="http://schemas.microsoft.com/sharepoint/v3/contenttype/forms">
@@ -6841,6 +7094,23 @@
 </file>
 
 <file path=customXml/itemProps1.xml><?xml version="1.0" encoding="utf-8"?>
+<ds:datastoreItem xmlns:ds="http://schemas.openxmlformats.org/officeDocument/2006/customXml" ds:itemID="{5626B806-0237-4942-A1FD-5C97285908C2}">
+  <ds:schemaRefs>
+    <ds:schemaRef ds:uri="http://schemas.microsoft.com/office/infopath/2007/PartnerControls"/>
+    <ds:schemaRef ds:uri="http://purl.org/dc/terms/"/>
+    <ds:schemaRef ds:uri="http://schemas.microsoft.com/office/2006/metadata/properties"/>
+    <ds:schemaRef ds:uri="http://schemas.microsoft.com/office/2006/documentManagement/types"/>
+    <ds:schemaRef ds:uri="http://purl.org/dc/elements/1.1/"/>
+    <ds:schemaRef ds:uri="http://schemas.openxmlformats.org/package/2006/metadata/core-properties"/>
+    <ds:schemaRef ds:uri="c9077d15-72ed-4fec-bcfe-3472729e9195"/>
+    <ds:schemaRef ds:uri="http://purl.org/dc/dcmitype/"/>
+    <ds:schemaRef ds:uri="bc24777f-78b6-4f3c-a73a-d5fa08e4d537"/>
+    <ds:schemaRef ds:uri="http://www.w3.org/XML/1998/namespace"/>
+  </ds:schemaRefs>
+</ds:datastoreItem>
+</file>
+
+<file path=customXml/itemProps2.xml><?xml version="1.0" encoding="utf-8"?>
 <ds:datastoreItem xmlns:ds="http://schemas.openxmlformats.org/officeDocument/2006/customXml" ds:itemID="{1F3422E8-BE23-448C-AEDE-E777A2A57236}">
   <ds:schemaRefs>
     <ds:schemaRef ds:uri="http://schemas.microsoft.com/office/2006/metadata/contentType"/>
@@ -6859,23 +7129,6 @@
 </ds:datastoreItem>
 </file>
 
-<file path=customXml/itemProps2.xml><?xml version="1.0" encoding="utf-8"?>
-<ds:datastoreItem xmlns:ds="http://schemas.openxmlformats.org/officeDocument/2006/customXml" ds:itemID="{5626B806-0237-4942-A1FD-5C97285908C2}">
-  <ds:schemaRefs>
-    <ds:schemaRef ds:uri="http://schemas.microsoft.com/office/infopath/2007/PartnerControls"/>
-    <ds:schemaRef ds:uri="http://purl.org/dc/terms/"/>
-    <ds:schemaRef ds:uri="http://schemas.microsoft.com/office/2006/metadata/properties"/>
-    <ds:schemaRef ds:uri="http://schemas.microsoft.com/office/2006/documentManagement/types"/>
-    <ds:schemaRef ds:uri="http://purl.org/dc/elements/1.1/"/>
-    <ds:schemaRef ds:uri="http://schemas.openxmlformats.org/package/2006/metadata/core-properties"/>
-    <ds:schemaRef ds:uri="c9077d15-72ed-4fec-bcfe-3472729e9195"/>
-    <ds:schemaRef ds:uri="http://purl.org/dc/dcmitype/"/>
-    <ds:schemaRef ds:uri="bc24777f-78b6-4f3c-a73a-d5fa08e4d537"/>
-    <ds:schemaRef ds:uri="http://www.w3.org/XML/1998/namespace"/>
-  </ds:schemaRefs>
-</ds:datastoreItem>
-</file>
-
 <file path=customXml/itemProps3.xml><?xml version="1.0" encoding="utf-8"?>
 <ds:datastoreItem xmlns:ds="http://schemas.openxmlformats.org/officeDocument/2006/customXml" ds:itemID="{4B6B7BE2-63AD-4C37-AC44-F0E4FC348E24}">
   <ds:schemaRefs>
